--- a/Presentation.pptx
+++ b/Presentation.pptx
@@ -6,11 +6,15 @@
   </p:sldMasterIdLst>
   <p:sldIdLst>
     <p:sldId id="256" r:id="rId2"/>
-    <p:sldId id="259" r:id="rId3"/>
-    <p:sldId id="257" r:id="rId4"/>
-    <p:sldId id="258" r:id="rId5"/>
-    <p:sldId id="260" r:id="rId6"/>
-    <p:sldId id="261" r:id="rId7"/>
+    <p:sldId id="265" r:id="rId3"/>
+    <p:sldId id="259" r:id="rId4"/>
+    <p:sldId id="257" r:id="rId5"/>
+    <p:sldId id="261" r:id="rId6"/>
+    <p:sldId id="262" r:id="rId7"/>
+    <p:sldId id="263" r:id="rId8"/>
+    <p:sldId id="264" r:id="rId9"/>
+    <p:sldId id="258" r:id="rId10"/>
+    <p:sldId id="260" r:id="rId11"/>
   </p:sldIdLst>
   <p:sldSz cx="12192000" cy="6858000"/>
   <p:notesSz cx="6858000" cy="9144000"/>
@@ -109,6 +113,11 @@
       </a:defRPr>
     </a:lvl9pPr>
   </p:defaultTextStyle>
+  <p:extLst>
+    <p:ext uri="{EFAFB233-063F-42B5-8137-9DF3F51BA10A}">
+      <p15:sldGuideLst xmlns:p15="http://schemas.microsoft.com/office/powerpoint/2012/main"/>
+    </p:ext>
+  </p:extLst>
 </p:presentation>
 </file>
 
@@ -162,7 +171,7 @@
           <a:noFill/>
           <a:extLst>
             <a:ext uri="{909E8E84-426E-40dd-AFC4-6F175D3DCCD1}">
-              <a14:hiddenFill xmlns:a14="http://schemas.microsoft.com/office/drawing/2010/main" xmlns="">
+              <a14:hiddenFill xmlns="" xmlns:a14="http://schemas.microsoft.com/office/drawing/2010/main">
                 <a:solidFill>
                   <a:srgbClr val="FFFFFF"/>
                 </a:solidFill>
@@ -222,7 +231,7 @@
             </a:ln>
             <a:extLst>
               <a:ext uri="{91240B29-F687-4f45-9708-019B960494DF}">
-                <a14:hiddenLine xmlns:a14="http://schemas.microsoft.com/office/drawing/2010/main" xmlns="" w="9525">
+                <a14:hiddenLine xmlns="" xmlns:a14="http://schemas.microsoft.com/office/drawing/2010/main" w="9525">
                   <a:solidFill>
                     <a:srgbClr val="000000"/>
                   </a:solidFill>
@@ -312,7 +321,7 @@
             </a:ln>
             <a:extLst>
               <a:ext uri="{91240B29-F687-4f45-9708-019B960494DF}">
-                <a14:hiddenLine xmlns:a14="http://schemas.microsoft.com/office/drawing/2010/main" xmlns="" w="9525">
+                <a14:hiddenLine xmlns="" xmlns:a14="http://schemas.microsoft.com/office/drawing/2010/main" w="9525">
                   <a:solidFill>
                     <a:srgbClr val="000000"/>
                   </a:solidFill>
@@ -402,7 +411,7 @@
             </a:ln>
             <a:extLst>
               <a:ext uri="{91240B29-F687-4f45-9708-019B960494DF}">
-                <a14:hiddenLine xmlns:a14="http://schemas.microsoft.com/office/drawing/2010/main" xmlns="" w="9525">
+                <a14:hiddenLine xmlns="" xmlns:a14="http://schemas.microsoft.com/office/drawing/2010/main" w="9525">
                   <a:solidFill>
                     <a:srgbClr val="000000"/>
                   </a:solidFill>
@@ -436,7 +445,7 @@
             </a:ln>
             <a:extLst>
               <a:ext uri="{91240B29-F687-4f45-9708-019B960494DF}">
-                <a14:hiddenLine xmlns:a14="http://schemas.microsoft.com/office/drawing/2010/main" xmlns="" w="9525">
+                <a14:hiddenLine xmlns="" xmlns:a14="http://schemas.microsoft.com/office/drawing/2010/main" w="9525">
                   <a:solidFill>
                     <a:srgbClr val="000000"/>
                   </a:solidFill>
@@ -526,7 +535,7 @@
             </a:ln>
             <a:extLst>
               <a:ext uri="{91240B29-F687-4f45-9708-019B960494DF}">
-                <a14:hiddenLine xmlns:a14="http://schemas.microsoft.com/office/drawing/2010/main" xmlns="" w="9525">
+                <a14:hiddenLine xmlns="" xmlns:a14="http://schemas.microsoft.com/office/drawing/2010/main" w="9525">
                   <a:solidFill>
                     <a:srgbClr val="000000"/>
                   </a:solidFill>
@@ -588,7 +597,7 @@
             </a:ln>
             <a:extLst>
               <a:ext uri="{91240B29-F687-4f45-9708-019B960494DF}">
-                <a14:hiddenLine xmlns:a14="http://schemas.microsoft.com/office/drawing/2010/main" xmlns="" w="9525">
+                <a14:hiddenLine xmlns="" xmlns:a14="http://schemas.microsoft.com/office/drawing/2010/main" w="9525">
                   <a:solidFill>
                     <a:srgbClr val="000000"/>
                   </a:solidFill>
@@ -650,7 +659,7 @@
             </a:ln>
             <a:extLst>
               <a:ext uri="{91240B29-F687-4f45-9708-019B960494DF}">
-                <a14:hiddenLine xmlns:a14="http://schemas.microsoft.com/office/drawing/2010/main" xmlns="" w="9525">
+                <a14:hiddenLine xmlns="" xmlns:a14="http://schemas.microsoft.com/office/drawing/2010/main" w="9525">
                   <a:solidFill>
                     <a:srgbClr val="000000"/>
                   </a:solidFill>
@@ -740,7 +749,7 @@
             </a:ln>
             <a:extLst>
               <a:ext uri="{91240B29-F687-4f45-9708-019B960494DF}">
-                <a14:hiddenLine xmlns:a14="http://schemas.microsoft.com/office/drawing/2010/main" xmlns="" w="9525">
+                <a14:hiddenLine xmlns="" xmlns:a14="http://schemas.microsoft.com/office/drawing/2010/main" w="9525">
                   <a:solidFill>
                     <a:srgbClr val="000000"/>
                   </a:solidFill>
@@ -802,7 +811,7 @@
             </a:ln>
             <a:extLst>
               <a:ext uri="{91240B29-F687-4f45-9708-019B960494DF}">
-                <a14:hiddenLine xmlns:a14="http://schemas.microsoft.com/office/drawing/2010/main" xmlns="" w="9525">
+                <a14:hiddenLine xmlns="" xmlns:a14="http://schemas.microsoft.com/office/drawing/2010/main" w="9525">
                   <a:solidFill>
                     <a:srgbClr val="000000"/>
                   </a:solidFill>
@@ -864,7 +873,7 @@
             </a:ln>
             <a:extLst>
               <a:ext uri="{91240B29-F687-4f45-9708-019B960494DF}">
-                <a14:hiddenLine xmlns:a14="http://schemas.microsoft.com/office/drawing/2010/main" xmlns="" w="9525">
+                <a14:hiddenLine xmlns="" xmlns:a14="http://schemas.microsoft.com/office/drawing/2010/main" w="9525">
                   <a:solidFill>
                     <a:srgbClr val="000000"/>
                   </a:solidFill>
@@ -954,7 +963,7 @@
             </a:ln>
             <a:extLst>
               <a:ext uri="{91240B29-F687-4f45-9708-019B960494DF}">
-                <a14:hiddenLine xmlns:a14="http://schemas.microsoft.com/office/drawing/2010/main" xmlns="" w="9525">
+                <a14:hiddenLine xmlns="" xmlns:a14="http://schemas.microsoft.com/office/drawing/2010/main" w="9525">
                   <a:solidFill>
                     <a:srgbClr val="000000"/>
                   </a:solidFill>
@@ -1044,7 +1053,7 @@
             </a:ln>
             <a:extLst>
               <a:ext uri="{91240B29-F687-4f45-9708-019B960494DF}">
-                <a14:hiddenLine xmlns:a14="http://schemas.microsoft.com/office/drawing/2010/main" xmlns="" w="9525">
+                <a14:hiddenLine xmlns="" xmlns:a14="http://schemas.microsoft.com/office/drawing/2010/main" w="9525">
                   <a:solidFill>
                     <a:srgbClr val="000000"/>
                   </a:solidFill>
@@ -1106,7 +1115,7 @@
             </a:ln>
             <a:extLst>
               <a:ext uri="{91240B29-F687-4f45-9708-019B960494DF}">
-                <a14:hiddenLine xmlns:a14="http://schemas.microsoft.com/office/drawing/2010/main" xmlns="" w="9525">
+                <a14:hiddenLine xmlns="" xmlns:a14="http://schemas.microsoft.com/office/drawing/2010/main" w="9525">
                   <a:solidFill>
                     <a:srgbClr val="000000"/>
                   </a:solidFill>
@@ -1216,7 +1225,7 @@
             </a:ln>
             <a:extLst>
               <a:ext uri="{91240B29-F687-4f45-9708-019B960494DF}">
-                <a14:hiddenLine xmlns:a14="http://schemas.microsoft.com/office/drawing/2010/main" xmlns="" w="9525">
+                <a14:hiddenLine xmlns="" xmlns:a14="http://schemas.microsoft.com/office/drawing/2010/main" w="9525">
                   <a:solidFill>
                     <a:srgbClr val="000000"/>
                   </a:solidFill>
@@ -1278,7 +1287,7 @@
             </a:ln>
             <a:extLst>
               <a:ext uri="{91240B29-F687-4f45-9708-019B960494DF}">
-                <a14:hiddenLine xmlns:a14="http://schemas.microsoft.com/office/drawing/2010/main" xmlns="" w="9525">
+                <a14:hiddenLine xmlns="" xmlns:a14="http://schemas.microsoft.com/office/drawing/2010/main" w="9525">
                   <a:solidFill>
                     <a:srgbClr val="000000"/>
                   </a:solidFill>
@@ -1368,7 +1377,7 @@
             </a:ln>
             <a:extLst>
               <a:ext uri="{91240B29-F687-4f45-9708-019B960494DF}">
-                <a14:hiddenLine xmlns:a14="http://schemas.microsoft.com/office/drawing/2010/main" xmlns="" w="9525">
+                <a14:hiddenLine xmlns="" xmlns:a14="http://schemas.microsoft.com/office/drawing/2010/main" w="9525">
                   <a:solidFill>
                     <a:srgbClr val="000000"/>
                   </a:solidFill>
@@ -1458,7 +1467,7 @@
             </a:ln>
             <a:extLst>
               <a:ext uri="{91240B29-F687-4f45-9708-019B960494DF}">
-                <a14:hiddenLine xmlns:a14="http://schemas.microsoft.com/office/drawing/2010/main" xmlns="" w="9525">
+                <a14:hiddenLine xmlns="" xmlns:a14="http://schemas.microsoft.com/office/drawing/2010/main" w="9525">
                   <a:solidFill>
                     <a:srgbClr val="000000"/>
                   </a:solidFill>
@@ -1520,7 +1529,7 @@
             </a:ln>
             <a:extLst>
               <a:ext uri="{91240B29-F687-4f45-9708-019B960494DF}">
-                <a14:hiddenLine xmlns:a14="http://schemas.microsoft.com/office/drawing/2010/main" xmlns="" w="9525">
+                <a14:hiddenLine xmlns="" xmlns:a14="http://schemas.microsoft.com/office/drawing/2010/main" w="9525">
                   <a:solidFill>
                     <a:srgbClr val="000000"/>
                   </a:solidFill>
@@ -1610,7 +1619,7 @@
             </a:ln>
             <a:extLst>
               <a:ext uri="{91240B29-F687-4f45-9708-019B960494DF}">
-                <a14:hiddenLine xmlns:a14="http://schemas.microsoft.com/office/drawing/2010/main" xmlns="" w="9525">
+                <a14:hiddenLine xmlns="" xmlns:a14="http://schemas.microsoft.com/office/drawing/2010/main" w="9525">
                   <a:solidFill>
                     <a:srgbClr val="000000"/>
                   </a:solidFill>
@@ -1700,7 +1709,7 @@
             </a:ln>
             <a:extLst>
               <a:ext uri="{91240B29-F687-4f45-9708-019B960494DF}">
-                <a14:hiddenLine xmlns:a14="http://schemas.microsoft.com/office/drawing/2010/main" xmlns="" w="9525">
+                <a14:hiddenLine xmlns="" xmlns:a14="http://schemas.microsoft.com/office/drawing/2010/main" w="9525">
                   <a:solidFill>
                     <a:srgbClr val="000000"/>
                   </a:solidFill>
@@ -1756,7 +1765,7 @@
             </a:ln>
             <a:extLst>
               <a:ext uri="{91240B29-F687-4f45-9708-019B960494DF}">
-                <a14:hiddenLine xmlns:a14="http://schemas.microsoft.com/office/drawing/2010/main" xmlns="" w="9525">
+                <a14:hiddenLine xmlns="" xmlns:a14="http://schemas.microsoft.com/office/drawing/2010/main" w="9525">
                   <a:solidFill>
                     <a:srgbClr val="000000"/>
                   </a:solidFill>
@@ -1846,7 +1855,7 @@
             </a:ln>
             <a:extLst>
               <a:ext uri="{91240B29-F687-4f45-9708-019B960494DF}">
-                <a14:hiddenLine xmlns:a14="http://schemas.microsoft.com/office/drawing/2010/main" xmlns="" w="9525">
+                <a14:hiddenLine xmlns="" xmlns:a14="http://schemas.microsoft.com/office/drawing/2010/main" w="9525">
                   <a:solidFill>
                     <a:srgbClr val="000000"/>
                   </a:solidFill>
@@ -1902,7 +1911,7 @@
             </a:ln>
             <a:extLst>
               <a:ext uri="{91240B29-F687-4f45-9708-019B960494DF}">
-                <a14:hiddenLine xmlns:a14="http://schemas.microsoft.com/office/drawing/2010/main" xmlns="" w="9525">
+                <a14:hiddenLine xmlns="" xmlns:a14="http://schemas.microsoft.com/office/drawing/2010/main" w="9525">
                   <a:solidFill>
                     <a:srgbClr val="000000"/>
                   </a:solidFill>
@@ -1992,7 +2001,7 @@
             </a:ln>
             <a:extLst>
               <a:ext uri="{91240B29-F687-4f45-9708-019B960494DF}">
-                <a14:hiddenLine xmlns:a14="http://schemas.microsoft.com/office/drawing/2010/main" xmlns="" w="9525">
+                <a14:hiddenLine xmlns="" xmlns:a14="http://schemas.microsoft.com/office/drawing/2010/main" w="9525">
                   <a:solidFill>
                     <a:srgbClr val="000000"/>
                   </a:solidFill>
@@ -2060,7 +2069,7 @@
             </a:ln>
             <a:extLst>
               <a:ext uri="{91240B29-F687-4f45-9708-019B960494DF}">
-                <a14:hiddenLine xmlns:a14="http://schemas.microsoft.com/office/drawing/2010/main" xmlns="" w="9525">
+                <a14:hiddenLine xmlns="" xmlns:a14="http://schemas.microsoft.com/office/drawing/2010/main" w="9525">
                   <a:solidFill>
                     <a:srgbClr val="000000"/>
                   </a:solidFill>
@@ -2150,7 +2159,7 @@
             </a:ln>
             <a:extLst>
               <a:ext uri="{91240B29-F687-4f45-9708-019B960494DF}">
-                <a14:hiddenLine xmlns:a14="http://schemas.microsoft.com/office/drawing/2010/main" xmlns="" w="9525">
+                <a14:hiddenLine xmlns="" xmlns:a14="http://schemas.microsoft.com/office/drawing/2010/main" w="9525">
                   <a:solidFill>
                     <a:srgbClr val="000000"/>
                   </a:solidFill>
@@ -2218,7 +2227,7 @@
             </a:ln>
             <a:extLst>
               <a:ext uri="{91240B29-F687-4f45-9708-019B960494DF}">
-                <a14:hiddenLine xmlns:a14="http://schemas.microsoft.com/office/drawing/2010/main" xmlns="" w="9525">
+                <a14:hiddenLine xmlns="" xmlns:a14="http://schemas.microsoft.com/office/drawing/2010/main" w="9525">
                   <a:solidFill>
                     <a:srgbClr val="000000"/>
                   </a:solidFill>
@@ -2308,7 +2317,7 @@
             </a:ln>
             <a:extLst>
               <a:ext uri="{91240B29-F687-4f45-9708-019B960494DF}">
-                <a14:hiddenLine xmlns:a14="http://schemas.microsoft.com/office/drawing/2010/main" xmlns="" w="9525">
+                <a14:hiddenLine xmlns="" xmlns:a14="http://schemas.microsoft.com/office/drawing/2010/main" w="9525">
                   <a:solidFill>
                     <a:srgbClr val="000000"/>
                   </a:solidFill>
@@ -2342,7 +2351,7 @@
             </a:ln>
             <a:extLst>
               <a:ext uri="{91240B29-F687-4f45-9708-019B960494DF}">
-                <a14:hiddenLine xmlns:a14="http://schemas.microsoft.com/office/drawing/2010/main" xmlns="" w="9525">
+                <a14:hiddenLine xmlns="" xmlns:a14="http://schemas.microsoft.com/office/drawing/2010/main" w="9525">
                   <a:solidFill>
                     <a:srgbClr val="000000"/>
                   </a:solidFill>
@@ -2432,7 +2441,7 @@
             </a:ln>
             <a:extLst>
               <a:ext uri="{91240B29-F687-4f45-9708-019B960494DF}">
-                <a14:hiddenLine xmlns:a14="http://schemas.microsoft.com/office/drawing/2010/main" xmlns="" w="9525">
+                <a14:hiddenLine xmlns="" xmlns:a14="http://schemas.microsoft.com/office/drawing/2010/main" w="9525">
                   <a:solidFill>
                     <a:srgbClr val="000000"/>
                   </a:solidFill>
@@ -2494,7 +2503,7 @@
             </a:ln>
             <a:extLst>
               <a:ext uri="{91240B29-F687-4f45-9708-019B960494DF}">
-                <a14:hiddenLine xmlns:a14="http://schemas.microsoft.com/office/drawing/2010/main" xmlns="" w="9525">
+                <a14:hiddenLine xmlns="" xmlns:a14="http://schemas.microsoft.com/office/drawing/2010/main" w="9525">
                   <a:solidFill>
                     <a:srgbClr val="000000"/>
                   </a:solidFill>
@@ -2556,7 +2565,7 @@
             </a:ln>
             <a:extLst>
               <a:ext uri="{91240B29-F687-4f45-9708-019B960494DF}">
-                <a14:hiddenLine xmlns:a14="http://schemas.microsoft.com/office/drawing/2010/main" xmlns="" w="9525">
+                <a14:hiddenLine xmlns="" xmlns:a14="http://schemas.microsoft.com/office/drawing/2010/main" w="9525">
                   <a:solidFill>
                     <a:srgbClr val="000000"/>
                   </a:solidFill>
@@ -2646,7 +2655,7 @@
             </a:ln>
             <a:extLst>
               <a:ext uri="{91240B29-F687-4f45-9708-019B960494DF}">
-                <a14:hiddenLine xmlns:a14="http://schemas.microsoft.com/office/drawing/2010/main" xmlns="" w="9525">
+                <a14:hiddenLine xmlns="" xmlns:a14="http://schemas.microsoft.com/office/drawing/2010/main" w="9525">
                   <a:solidFill>
                     <a:srgbClr val="000000"/>
                   </a:solidFill>
@@ -2714,7 +2723,7 @@
             </a:ln>
             <a:extLst>
               <a:ext uri="{91240B29-F687-4f45-9708-019B960494DF}">
-                <a14:hiddenLine xmlns:a14="http://schemas.microsoft.com/office/drawing/2010/main" xmlns="" w="9525">
+                <a14:hiddenLine xmlns="" xmlns:a14="http://schemas.microsoft.com/office/drawing/2010/main" w="9525">
                   <a:solidFill>
                     <a:srgbClr val="000000"/>
                   </a:solidFill>
@@ -2776,7 +2785,7 @@
             </a:ln>
             <a:extLst>
               <a:ext uri="{91240B29-F687-4f45-9708-019B960494DF}">
-                <a14:hiddenLine xmlns:a14="http://schemas.microsoft.com/office/drawing/2010/main" xmlns="" w="9525">
+                <a14:hiddenLine xmlns="" xmlns:a14="http://schemas.microsoft.com/office/drawing/2010/main" w="9525">
                   <a:solidFill>
                     <a:srgbClr val="000000"/>
                   </a:solidFill>
@@ -2866,7 +2875,7 @@
             </a:ln>
             <a:extLst>
               <a:ext uri="{91240B29-F687-4f45-9708-019B960494DF}">
-                <a14:hiddenLine xmlns:a14="http://schemas.microsoft.com/office/drawing/2010/main" xmlns="" w="9525">
+                <a14:hiddenLine xmlns="" xmlns:a14="http://schemas.microsoft.com/office/drawing/2010/main" w="9525">
                   <a:solidFill>
                     <a:srgbClr val="000000"/>
                   </a:solidFill>
@@ -2928,7 +2937,7 @@
             </a:ln>
             <a:extLst>
               <a:ext uri="{91240B29-F687-4f45-9708-019B960494DF}">
-                <a14:hiddenLine xmlns:a14="http://schemas.microsoft.com/office/drawing/2010/main" xmlns="" w="9525">
+                <a14:hiddenLine xmlns="" xmlns:a14="http://schemas.microsoft.com/office/drawing/2010/main" w="9525">
                   <a:solidFill>
                     <a:srgbClr val="000000"/>
                   </a:solidFill>
@@ -3018,7 +3027,7 @@
             </a:ln>
             <a:extLst>
               <a:ext uri="{91240B29-F687-4f45-9708-019B960494DF}">
-                <a14:hiddenLine xmlns:a14="http://schemas.microsoft.com/office/drawing/2010/main" xmlns="" w="9525">
+                <a14:hiddenLine xmlns="" xmlns:a14="http://schemas.microsoft.com/office/drawing/2010/main" w="9525">
                   <a:solidFill>
                     <a:srgbClr val="000000"/>
                   </a:solidFill>
@@ -3080,7 +3089,7 @@
             </a:ln>
             <a:extLst>
               <a:ext uri="{91240B29-F687-4f45-9708-019B960494DF}">
-                <a14:hiddenLine xmlns:a14="http://schemas.microsoft.com/office/drawing/2010/main" xmlns="" w="9525">
+                <a14:hiddenLine xmlns="" xmlns:a14="http://schemas.microsoft.com/office/drawing/2010/main" w="9525">
                   <a:solidFill>
                     <a:srgbClr val="000000"/>
                   </a:solidFill>
@@ -3170,7 +3179,7 @@
             </a:ln>
             <a:extLst>
               <a:ext uri="{91240B29-F687-4f45-9708-019B960494DF}">
-                <a14:hiddenLine xmlns:a14="http://schemas.microsoft.com/office/drawing/2010/main" xmlns="" w="9525">
+                <a14:hiddenLine xmlns="" xmlns:a14="http://schemas.microsoft.com/office/drawing/2010/main" w="9525">
                   <a:solidFill>
                     <a:srgbClr val="000000"/>
                   </a:solidFill>
@@ -3204,7 +3213,7 @@
             </a:ln>
             <a:extLst>
               <a:ext uri="{91240B29-F687-4f45-9708-019B960494DF}">
-                <a14:hiddenLine xmlns:a14="http://schemas.microsoft.com/office/drawing/2010/main" xmlns="" w="9525">
+                <a14:hiddenLine xmlns="" xmlns:a14="http://schemas.microsoft.com/office/drawing/2010/main" w="9525">
                   <a:solidFill>
                     <a:srgbClr val="000000"/>
                   </a:solidFill>
@@ -3269,7 +3278,7 @@
             </a:ln>
             <a:extLst>
               <a:ext uri="{91240B29-F687-4f45-9708-019B960494DF}">
-                <a14:hiddenLine xmlns:a14="http://schemas.microsoft.com/office/drawing/2010/main" xmlns="" w="9525">
+                <a14:hiddenLine xmlns="" xmlns:a14="http://schemas.microsoft.com/office/drawing/2010/main" w="9525">
                   <a:solidFill>
                     <a:srgbClr val="000000"/>
                   </a:solidFill>
@@ -3359,7 +3368,7 @@
             </a:ln>
             <a:extLst>
               <a:ext uri="{91240B29-F687-4f45-9708-019B960494DF}">
-                <a14:hiddenLine xmlns:a14="http://schemas.microsoft.com/office/drawing/2010/main" xmlns="" w="9525">
+                <a14:hiddenLine xmlns="" xmlns:a14="http://schemas.microsoft.com/office/drawing/2010/main" w="9525">
                   <a:solidFill>
                     <a:srgbClr val="000000"/>
                   </a:solidFill>
@@ -3421,7 +3430,7 @@
             </a:ln>
             <a:extLst>
               <a:ext uri="{91240B29-F687-4f45-9708-019B960494DF}">
-                <a14:hiddenLine xmlns:a14="http://schemas.microsoft.com/office/drawing/2010/main" xmlns="" w="9525">
+                <a14:hiddenLine xmlns="" xmlns:a14="http://schemas.microsoft.com/office/drawing/2010/main" w="9525">
                   <a:solidFill>
                     <a:srgbClr val="000000"/>
                   </a:solidFill>
@@ -3511,7 +3520,7 @@
             </a:ln>
             <a:extLst>
               <a:ext uri="{91240B29-F687-4f45-9708-019B960494DF}">
-                <a14:hiddenLine xmlns:a14="http://schemas.microsoft.com/office/drawing/2010/main" xmlns="" w="9525">
+                <a14:hiddenLine xmlns="" xmlns:a14="http://schemas.microsoft.com/office/drawing/2010/main" w="9525">
                   <a:solidFill>
                     <a:srgbClr val="000000"/>
                   </a:solidFill>
@@ -3601,7 +3610,7 @@
             </a:ln>
             <a:extLst>
               <a:ext uri="{91240B29-F687-4f45-9708-019B960494DF}">
-                <a14:hiddenLine xmlns:a14="http://schemas.microsoft.com/office/drawing/2010/main" xmlns="" w="9525">
+                <a14:hiddenLine xmlns="" xmlns:a14="http://schemas.microsoft.com/office/drawing/2010/main" w="9525">
                   <a:solidFill>
                     <a:srgbClr val="000000"/>
                   </a:solidFill>
@@ -3666,7 +3675,7 @@
             </a:ln>
             <a:extLst>
               <a:ext uri="{91240B29-F687-4f45-9708-019B960494DF}">
-                <a14:hiddenLine xmlns:a14="http://schemas.microsoft.com/office/drawing/2010/main" xmlns="" w="9525">
+                <a14:hiddenLine xmlns="" xmlns:a14="http://schemas.microsoft.com/office/drawing/2010/main" w="9525">
                   <a:solidFill>
                     <a:srgbClr val="000000"/>
                   </a:solidFill>
@@ -3728,7 +3737,7 @@
             </a:ln>
             <a:extLst>
               <a:ext uri="{91240B29-F687-4f45-9708-019B960494DF}">
-                <a14:hiddenLine xmlns:a14="http://schemas.microsoft.com/office/drawing/2010/main" xmlns="" w="9525">
+                <a14:hiddenLine xmlns="" xmlns:a14="http://schemas.microsoft.com/office/drawing/2010/main" w="9525">
                   <a:solidFill>
                     <a:srgbClr val="000000"/>
                   </a:solidFill>
@@ -3818,7 +3827,7 @@
             </a:ln>
             <a:extLst>
               <a:ext uri="{91240B29-F687-4f45-9708-019B960494DF}">
-                <a14:hiddenLine xmlns:a14="http://schemas.microsoft.com/office/drawing/2010/main" xmlns="" w="9525">
+                <a14:hiddenLine xmlns="" xmlns:a14="http://schemas.microsoft.com/office/drawing/2010/main" w="9525">
                   <a:solidFill>
                     <a:srgbClr val="000000"/>
                   </a:solidFill>
@@ -3908,7 +3917,7 @@
             </a:ln>
             <a:extLst>
               <a:ext uri="{91240B29-F687-4f45-9708-019B960494DF}">
-                <a14:hiddenLine xmlns:a14="http://schemas.microsoft.com/office/drawing/2010/main" xmlns="" w="9525">
+                <a14:hiddenLine xmlns="" xmlns:a14="http://schemas.microsoft.com/office/drawing/2010/main" w="9525">
                   <a:solidFill>
                     <a:srgbClr val="000000"/>
                   </a:solidFill>
@@ -3970,7 +3979,7 @@
             </a:ln>
             <a:extLst>
               <a:ext uri="{91240B29-F687-4f45-9708-019B960494DF}">
-                <a14:hiddenLine xmlns:a14="http://schemas.microsoft.com/office/drawing/2010/main" xmlns="" w="9525">
+                <a14:hiddenLine xmlns="" xmlns:a14="http://schemas.microsoft.com/office/drawing/2010/main" w="9525">
                   <a:solidFill>
                     <a:srgbClr val="000000"/>
                   </a:solidFill>
@@ -4090,7 +4099,7 @@
             </a:ln>
             <a:extLst>
               <a:ext uri="{91240B29-F687-4f45-9708-019B960494DF}">
-                <a14:hiddenLine xmlns:a14="http://schemas.microsoft.com/office/drawing/2010/main" xmlns="" w="9525">
+                <a14:hiddenLine xmlns="" xmlns:a14="http://schemas.microsoft.com/office/drawing/2010/main" w="9525">
                   <a:solidFill>
                     <a:srgbClr val="000000"/>
                   </a:solidFill>
@@ -4158,7 +4167,7 @@
             </a:ln>
             <a:extLst>
               <a:ext uri="{91240B29-F687-4f45-9708-019B960494DF}">
-                <a14:hiddenLine xmlns:a14="http://schemas.microsoft.com/office/drawing/2010/main" xmlns="" w="9525">
+                <a14:hiddenLine xmlns="" xmlns:a14="http://schemas.microsoft.com/office/drawing/2010/main" w="9525">
                   <a:solidFill>
                     <a:srgbClr val="000000"/>
                   </a:solidFill>
@@ -4248,7 +4257,7 @@
             </a:ln>
             <a:extLst>
               <a:ext uri="{91240B29-F687-4f45-9708-019B960494DF}">
-                <a14:hiddenLine xmlns:a14="http://schemas.microsoft.com/office/drawing/2010/main" xmlns="" w="9525">
+                <a14:hiddenLine xmlns="" xmlns:a14="http://schemas.microsoft.com/office/drawing/2010/main" w="9525">
                   <a:solidFill>
                     <a:srgbClr val="000000"/>
                   </a:solidFill>
@@ -4388,7 +4397,7 @@
           <a:p>
             <a:fld id="{A2BB5BE7-7604-4EE2-9D5E-E193E96D3402}" type="datetimeFigureOut">
               <a:rPr lang="en-GB" smtClean="0"/>
-              <a:t>28/03/2024</a:t>
+              <a:t>02/04/2024</a:t>
             </a:fld>
             <a:endParaRPr lang="en-GB"/>
           </a:p>
@@ -4655,7 +4664,7 @@
           <a:p>
             <a:fld id="{A2BB5BE7-7604-4EE2-9D5E-E193E96D3402}" type="datetimeFigureOut">
               <a:rPr lang="en-GB" smtClean="0"/>
-              <a:t>28/03/2024</a:t>
+              <a:t>02/04/2024</a:t>
             </a:fld>
             <a:endParaRPr lang="en-GB"/>
           </a:p>
@@ -4851,7 +4860,7 @@
           <a:p>
             <a:fld id="{A2BB5BE7-7604-4EE2-9D5E-E193E96D3402}" type="datetimeFigureOut">
               <a:rPr lang="en-GB" smtClean="0"/>
-              <a:t>28/03/2024</a:t>
+              <a:t>02/04/2024</a:t>
             </a:fld>
             <a:endParaRPr lang="en-GB"/>
           </a:p>
@@ -5114,7 +5123,7 @@
           <a:p>
             <a:fld id="{A2BB5BE7-7604-4EE2-9D5E-E193E96D3402}" type="datetimeFigureOut">
               <a:rPr lang="en-GB" smtClean="0"/>
-              <a:t>28/03/2024</a:t>
+              <a:t>02/04/2024</a:t>
             </a:fld>
             <a:endParaRPr lang="en-GB"/>
           </a:p>
@@ -5548,7 +5557,7 @@
           <a:p>
             <a:fld id="{A2BB5BE7-7604-4EE2-9D5E-E193E96D3402}" type="datetimeFigureOut">
               <a:rPr lang="en-GB" smtClean="0"/>
-              <a:t>28/03/2024</a:t>
+              <a:t>02/04/2024</a:t>
             </a:fld>
             <a:endParaRPr lang="en-GB"/>
           </a:p>
@@ -6094,7 +6103,7 @@
           <a:p>
             <a:fld id="{A2BB5BE7-7604-4EE2-9D5E-E193E96D3402}" type="datetimeFigureOut">
               <a:rPr lang="en-GB" smtClean="0"/>
-              <a:t>28/03/2024</a:t>
+              <a:t>02/04/2024</a:t>
             </a:fld>
             <a:endParaRPr lang="en-GB"/>
           </a:p>
@@ -6814,7 +6823,7 @@
           <a:p>
             <a:fld id="{A2BB5BE7-7604-4EE2-9D5E-E193E96D3402}" type="datetimeFigureOut">
               <a:rPr lang="en-GB" smtClean="0"/>
-              <a:t>28/03/2024</a:t>
+              <a:t>02/04/2024</a:t>
             </a:fld>
             <a:endParaRPr lang="en-GB"/>
           </a:p>
@@ -6984,7 +6993,7 @@
           <a:p>
             <a:fld id="{A2BB5BE7-7604-4EE2-9D5E-E193E96D3402}" type="datetimeFigureOut">
               <a:rPr lang="en-GB" smtClean="0"/>
-              <a:t>28/03/2024</a:t>
+              <a:t>02/04/2024</a:t>
             </a:fld>
             <a:endParaRPr lang="en-GB"/>
           </a:p>
@@ -7164,7 +7173,7 @@
           <a:p>
             <a:fld id="{A2BB5BE7-7604-4EE2-9D5E-E193E96D3402}" type="datetimeFigureOut">
               <a:rPr lang="en-GB" smtClean="0"/>
-              <a:t>28/03/2024</a:t>
+              <a:t>02/04/2024</a:t>
             </a:fld>
             <a:endParaRPr lang="en-GB"/>
           </a:p>
@@ -7334,7 +7343,7 @@
           <a:p>
             <a:fld id="{A2BB5BE7-7604-4EE2-9D5E-E193E96D3402}" type="datetimeFigureOut">
               <a:rPr lang="en-GB" smtClean="0"/>
-              <a:t>28/03/2024</a:t>
+              <a:t>02/04/2024</a:t>
             </a:fld>
             <a:endParaRPr lang="en-GB"/>
           </a:p>
@@ -7584,7 +7593,7 @@
           <a:p>
             <a:fld id="{A2BB5BE7-7604-4EE2-9D5E-E193E96D3402}" type="datetimeFigureOut">
               <a:rPr lang="en-GB" smtClean="0"/>
-              <a:t>28/03/2024</a:t>
+              <a:t>02/04/2024</a:t>
             </a:fld>
             <a:endParaRPr lang="en-GB"/>
           </a:p>
@@ -7816,7 +7825,7 @@
           <a:p>
             <a:fld id="{A2BB5BE7-7604-4EE2-9D5E-E193E96D3402}" type="datetimeFigureOut">
               <a:rPr lang="en-GB" smtClean="0"/>
-              <a:t>28/03/2024</a:t>
+              <a:t>02/04/2024</a:t>
             </a:fld>
             <a:endParaRPr lang="en-GB"/>
           </a:p>
@@ -8197,7 +8206,7 @@
           <a:p>
             <a:fld id="{A2BB5BE7-7604-4EE2-9D5E-E193E96D3402}" type="datetimeFigureOut">
               <a:rPr lang="en-GB" smtClean="0"/>
-              <a:t>28/03/2024</a:t>
+              <a:t>02/04/2024</a:t>
             </a:fld>
             <a:endParaRPr lang="en-GB"/>
           </a:p>
@@ -8315,7 +8324,7 @@
           <a:p>
             <a:fld id="{A2BB5BE7-7604-4EE2-9D5E-E193E96D3402}" type="datetimeFigureOut">
               <a:rPr lang="en-GB" smtClean="0"/>
-              <a:t>28/03/2024</a:t>
+              <a:t>02/04/2024</a:t>
             </a:fld>
             <a:endParaRPr lang="en-GB"/>
           </a:p>
@@ -8410,7 +8419,7 @@
           <a:p>
             <a:fld id="{A2BB5BE7-7604-4EE2-9D5E-E193E96D3402}" type="datetimeFigureOut">
               <a:rPr lang="en-GB" smtClean="0"/>
-              <a:t>28/03/2024</a:t>
+              <a:t>02/04/2024</a:t>
             </a:fld>
             <a:endParaRPr lang="en-GB"/>
           </a:p>
@@ -8659,7 +8668,7 @@
           <a:p>
             <a:fld id="{A2BB5BE7-7604-4EE2-9D5E-E193E96D3402}" type="datetimeFigureOut">
               <a:rPr lang="en-GB" smtClean="0"/>
-              <a:t>28/03/2024</a:t>
+              <a:t>02/04/2024</a:t>
             </a:fld>
             <a:endParaRPr lang="en-GB"/>
           </a:p>
@@ -8939,7 +8948,7 @@
           <a:p>
             <a:fld id="{A2BB5BE7-7604-4EE2-9D5E-E193E96D3402}" type="datetimeFigureOut">
               <a:rPr lang="en-GB" smtClean="0"/>
-              <a:t>28/03/2024</a:t>
+              <a:t>02/04/2024</a:t>
             </a:fld>
             <a:endParaRPr lang="en-GB"/>
           </a:p>
@@ -9055,7 +9064,7 @@
           <a:noFill/>
           <a:extLst>
             <a:ext uri="{909E8E84-426E-40dd-AFC4-6F175D3DCCD1}">
-              <a14:hiddenFill xmlns:a14="http://schemas.microsoft.com/office/drawing/2010/main" xmlns="">
+              <a14:hiddenFill xmlns="" xmlns:a14="http://schemas.microsoft.com/office/drawing/2010/main">
                 <a:solidFill>
                   <a:srgbClr val="FFFFFF"/>
                 </a:solidFill>
@@ -9129,7 +9138,7 @@
               </a:ln>
               <a:extLst>
                 <a:ext uri="{91240B29-F687-4f45-9708-019B960494DF}">
-                  <a14:hiddenLine xmlns:a14="http://schemas.microsoft.com/office/drawing/2010/main" xmlns="" w="9525">
+                  <a14:hiddenLine xmlns="" xmlns:a14="http://schemas.microsoft.com/office/drawing/2010/main" w="9525">
                     <a:solidFill>
                       <a:srgbClr val="000000"/>
                     </a:solidFill>
@@ -9219,7 +9228,7 @@
               </a:ln>
               <a:extLst>
                 <a:ext uri="{91240B29-F687-4f45-9708-019B960494DF}">
-                  <a14:hiddenLine xmlns:a14="http://schemas.microsoft.com/office/drawing/2010/main" xmlns="" w="9525">
+                  <a14:hiddenLine xmlns="" xmlns:a14="http://schemas.microsoft.com/office/drawing/2010/main" w="9525">
                     <a:solidFill>
                       <a:srgbClr val="000000"/>
                     </a:solidFill>
@@ -9309,7 +9318,7 @@
               </a:ln>
               <a:extLst>
                 <a:ext uri="{91240B29-F687-4f45-9708-019B960494DF}">
-                  <a14:hiddenLine xmlns:a14="http://schemas.microsoft.com/office/drawing/2010/main" xmlns="" w="9525">
+                  <a14:hiddenLine xmlns="" xmlns:a14="http://schemas.microsoft.com/office/drawing/2010/main" w="9525">
                     <a:solidFill>
                       <a:srgbClr val="000000"/>
                     </a:solidFill>
@@ -9371,7 +9380,7 @@
               </a:ln>
               <a:extLst>
                 <a:ext uri="{91240B29-F687-4f45-9708-019B960494DF}">
-                  <a14:hiddenLine xmlns:a14="http://schemas.microsoft.com/office/drawing/2010/main" xmlns="" w="9525">
+                  <a14:hiddenLine xmlns="" xmlns:a14="http://schemas.microsoft.com/office/drawing/2010/main" w="9525">
                     <a:solidFill>
                       <a:srgbClr val="000000"/>
                     </a:solidFill>
@@ -9461,7 +9470,7 @@
               </a:ln>
               <a:extLst>
                 <a:ext uri="{91240B29-F687-4f45-9708-019B960494DF}">
-                  <a14:hiddenLine xmlns:a14="http://schemas.microsoft.com/office/drawing/2010/main" xmlns="" w="9525">
+                  <a14:hiddenLine xmlns="" xmlns:a14="http://schemas.microsoft.com/office/drawing/2010/main" w="9525">
                     <a:solidFill>
                       <a:srgbClr val="000000"/>
                     </a:solidFill>
@@ -9523,7 +9532,7 @@
               </a:ln>
               <a:extLst>
                 <a:ext uri="{91240B29-F687-4f45-9708-019B960494DF}">
-                  <a14:hiddenLine xmlns:a14="http://schemas.microsoft.com/office/drawing/2010/main" xmlns="" w="9525">
+                  <a14:hiddenLine xmlns="" xmlns:a14="http://schemas.microsoft.com/office/drawing/2010/main" w="9525">
                     <a:solidFill>
                       <a:srgbClr val="000000"/>
                     </a:solidFill>
@@ -9585,7 +9594,7 @@
               </a:ln>
               <a:extLst>
                 <a:ext uri="{91240B29-F687-4f45-9708-019B960494DF}">
-                  <a14:hiddenLine xmlns:a14="http://schemas.microsoft.com/office/drawing/2010/main" xmlns="" w="9525">
+                  <a14:hiddenLine xmlns="" xmlns:a14="http://schemas.microsoft.com/office/drawing/2010/main" w="9525">
                     <a:solidFill>
                       <a:srgbClr val="000000"/>
                     </a:solidFill>
@@ -9675,7 +9684,7 @@
               </a:ln>
               <a:extLst>
                 <a:ext uri="{91240B29-F687-4f45-9708-019B960494DF}">
-                  <a14:hiddenLine xmlns:a14="http://schemas.microsoft.com/office/drawing/2010/main" xmlns="" w="9525">
+                  <a14:hiddenLine xmlns="" xmlns:a14="http://schemas.microsoft.com/office/drawing/2010/main" w="9525">
                     <a:solidFill>
                       <a:srgbClr val="000000"/>
                     </a:solidFill>
@@ -9765,7 +9774,7 @@
               </a:ln>
               <a:extLst>
                 <a:ext uri="{91240B29-F687-4f45-9708-019B960494DF}">
-                  <a14:hiddenLine xmlns:a14="http://schemas.microsoft.com/office/drawing/2010/main" xmlns="" w="9525">
+                  <a14:hiddenLine xmlns="" xmlns:a14="http://schemas.microsoft.com/office/drawing/2010/main" w="9525">
                     <a:solidFill>
                       <a:srgbClr val="000000"/>
                     </a:solidFill>
@@ -9827,7 +9836,7 @@
               </a:ln>
               <a:extLst>
                 <a:ext uri="{91240B29-F687-4f45-9708-019B960494DF}">
-                  <a14:hiddenLine xmlns:a14="http://schemas.microsoft.com/office/drawing/2010/main" xmlns="" w="9525">
+                  <a14:hiddenLine xmlns="" xmlns:a14="http://schemas.microsoft.com/office/drawing/2010/main" w="9525">
                     <a:solidFill>
                       <a:srgbClr val="000000"/>
                     </a:solidFill>
@@ -9937,7 +9946,7 @@
               </a:ln>
               <a:extLst>
                 <a:ext uri="{91240B29-F687-4f45-9708-019B960494DF}">
-                  <a14:hiddenLine xmlns:a14="http://schemas.microsoft.com/office/drawing/2010/main" xmlns="" w="9525">
+                  <a14:hiddenLine xmlns="" xmlns:a14="http://schemas.microsoft.com/office/drawing/2010/main" w="9525">
                     <a:solidFill>
                       <a:srgbClr val="000000"/>
                     </a:solidFill>
@@ -10021,7 +10030,7 @@
               </a:ln>
               <a:extLst>
                 <a:ext uri="{91240B29-F687-4f45-9708-019B960494DF}">
-                  <a14:hiddenLine xmlns:a14="http://schemas.microsoft.com/office/drawing/2010/main" xmlns="" w="9525">
+                  <a14:hiddenLine xmlns="" xmlns:a14="http://schemas.microsoft.com/office/drawing/2010/main" w="9525">
                     <a:solidFill>
                       <a:srgbClr val="000000"/>
                     </a:solidFill>
@@ -10083,7 +10092,7 @@
               </a:ln>
               <a:extLst>
                 <a:ext uri="{91240B29-F687-4f45-9708-019B960494DF}">
-                  <a14:hiddenLine xmlns:a14="http://schemas.microsoft.com/office/drawing/2010/main" xmlns="" w="9525">
+                  <a14:hiddenLine xmlns="" xmlns:a14="http://schemas.microsoft.com/office/drawing/2010/main" w="9525">
                     <a:solidFill>
                       <a:srgbClr val="000000"/>
                     </a:solidFill>
@@ -10145,7 +10154,7 @@
               </a:ln>
               <a:extLst>
                 <a:ext uri="{91240B29-F687-4f45-9708-019B960494DF}">
-                  <a14:hiddenLine xmlns:a14="http://schemas.microsoft.com/office/drawing/2010/main" xmlns="" w="9525">
+                  <a14:hiddenLine xmlns="" xmlns:a14="http://schemas.microsoft.com/office/drawing/2010/main" w="9525">
                     <a:solidFill>
                       <a:srgbClr val="000000"/>
                     </a:solidFill>
@@ -10235,7 +10244,7 @@
               </a:ln>
               <a:extLst>
                 <a:ext uri="{91240B29-F687-4f45-9708-019B960494DF}">
-                  <a14:hiddenLine xmlns:a14="http://schemas.microsoft.com/office/drawing/2010/main" xmlns="" w="9525">
+                  <a14:hiddenLine xmlns="" xmlns:a14="http://schemas.microsoft.com/office/drawing/2010/main" w="9525">
                     <a:solidFill>
                       <a:srgbClr val="000000"/>
                     </a:solidFill>
@@ -10269,7 +10278,7 @@
               </a:ln>
               <a:extLst>
                 <a:ext uri="{91240B29-F687-4f45-9708-019B960494DF}">
-                  <a14:hiddenLine xmlns:a14="http://schemas.microsoft.com/office/drawing/2010/main" xmlns="" w="9525">
+                  <a14:hiddenLine xmlns="" xmlns:a14="http://schemas.microsoft.com/office/drawing/2010/main" w="9525">
                     <a:solidFill>
                       <a:srgbClr val="000000"/>
                     </a:solidFill>
@@ -10334,7 +10343,7 @@
               </a:ln>
               <a:extLst>
                 <a:ext uri="{91240B29-F687-4f45-9708-019B960494DF}">
-                  <a14:hiddenLine xmlns:a14="http://schemas.microsoft.com/office/drawing/2010/main" xmlns="" w="9525">
+                  <a14:hiddenLine xmlns="" xmlns:a14="http://schemas.microsoft.com/office/drawing/2010/main" w="9525">
                     <a:solidFill>
                       <a:srgbClr val="000000"/>
                     </a:solidFill>
@@ -10424,7 +10433,7 @@
               </a:ln>
               <a:extLst>
                 <a:ext uri="{91240B29-F687-4f45-9708-019B960494DF}">
-                  <a14:hiddenLine xmlns:a14="http://schemas.microsoft.com/office/drawing/2010/main" xmlns="" w="9525">
+                  <a14:hiddenLine xmlns="" xmlns:a14="http://schemas.microsoft.com/office/drawing/2010/main" w="9525">
                     <a:solidFill>
                       <a:srgbClr val="000000"/>
                     </a:solidFill>
@@ -10486,7 +10495,7 @@
               </a:ln>
               <a:extLst>
                 <a:ext uri="{91240B29-F687-4f45-9708-019B960494DF}">
-                  <a14:hiddenLine xmlns:a14="http://schemas.microsoft.com/office/drawing/2010/main" xmlns="" w="9525">
+                  <a14:hiddenLine xmlns="" xmlns:a14="http://schemas.microsoft.com/office/drawing/2010/main" w="9525">
                     <a:solidFill>
                       <a:srgbClr val="000000"/>
                     </a:solidFill>
@@ -10576,7 +10585,7 @@
               </a:ln>
               <a:extLst>
                 <a:ext uri="{91240B29-F687-4f45-9708-019B960494DF}">
-                  <a14:hiddenLine xmlns:a14="http://schemas.microsoft.com/office/drawing/2010/main" xmlns="" w="9525">
+                  <a14:hiddenLine xmlns="" xmlns:a14="http://schemas.microsoft.com/office/drawing/2010/main" w="9525">
                     <a:solidFill>
                       <a:srgbClr val="000000"/>
                     </a:solidFill>
@@ -10641,7 +10650,7 @@
               </a:ln>
               <a:extLst>
                 <a:ext uri="{91240B29-F687-4f45-9708-019B960494DF}">
-                  <a14:hiddenLine xmlns:a14="http://schemas.microsoft.com/office/drawing/2010/main" xmlns="" w="9525">
+                  <a14:hiddenLine xmlns="" xmlns:a14="http://schemas.microsoft.com/office/drawing/2010/main" w="9525">
                     <a:solidFill>
                       <a:srgbClr val="000000"/>
                     </a:solidFill>
@@ -10703,7 +10712,7 @@
               </a:ln>
               <a:extLst>
                 <a:ext uri="{91240B29-F687-4f45-9708-019B960494DF}">
-                  <a14:hiddenLine xmlns:a14="http://schemas.microsoft.com/office/drawing/2010/main" xmlns="" w="9525">
+                  <a14:hiddenLine xmlns="" xmlns:a14="http://schemas.microsoft.com/office/drawing/2010/main" w="9525">
                     <a:solidFill>
                       <a:srgbClr val="000000"/>
                     </a:solidFill>
@@ -10793,7 +10802,7 @@
               </a:ln>
               <a:extLst>
                 <a:ext uri="{91240B29-F687-4f45-9708-019B960494DF}">
-                  <a14:hiddenLine xmlns:a14="http://schemas.microsoft.com/office/drawing/2010/main" xmlns="" w="9525">
+                  <a14:hiddenLine xmlns="" xmlns:a14="http://schemas.microsoft.com/office/drawing/2010/main" w="9525">
                     <a:solidFill>
                       <a:srgbClr val="000000"/>
                     </a:solidFill>
@@ -10883,7 +10892,7 @@
               </a:ln>
               <a:extLst>
                 <a:ext uri="{91240B29-F687-4f45-9708-019B960494DF}">
-                  <a14:hiddenLine xmlns:a14="http://schemas.microsoft.com/office/drawing/2010/main" xmlns="" w="9525">
+                  <a14:hiddenLine xmlns="" xmlns:a14="http://schemas.microsoft.com/office/drawing/2010/main" w="9525">
                     <a:solidFill>
                       <a:srgbClr val="000000"/>
                     </a:solidFill>
@@ -10948,7 +10957,7 @@
               </a:ln>
               <a:extLst>
                 <a:ext uri="{91240B29-F687-4f45-9708-019B960494DF}">
-                  <a14:hiddenLine xmlns:a14="http://schemas.microsoft.com/office/drawing/2010/main" xmlns="" w="9525">
+                  <a14:hiddenLine xmlns="" xmlns:a14="http://schemas.microsoft.com/office/drawing/2010/main" w="9525">
                     <a:solidFill>
                       <a:srgbClr val="000000"/>
                     </a:solidFill>
@@ -11068,7 +11077,7 @@
               </a:ln>
               <a:extLst>
                 <a:ext uri="{91240B29-F687-4f45-9708-019B960494DF}">
-                  <a14:hiddenLine xmlns:a14="http://schemas.microsoft.com/office/drawing/2010/main" xmlns="" w="9525">
+                  <a14:hiddenLine xmlns="" xmlns:a14="http://schemas.microsoft.com/office/drawing/2010/main" w="9525">
                     <a:solidFill>
                       <a:srgbClr val="000000"/>
                     </a:solidFill>
@@ -11166,7 +11175,7 @@
               </a:ln>
               <a:extLst>
                 <a:ext uri="{91240B29-F687-4f45-9708-019B960494DF}">
-                  <a14:hiddenLine xmlns:a14="http://schemas.microsoft.com/office/drawing/2010/main" xmlns="" w="9525">
+                  <a14:hiddenLine xmlns="" xmlns:a14="http://schemas.microsoft.com/office/drawing/2010/main" w="9525">
                     <a:solidFill>
                       <a:srgbClr val="000000"/>
                     </a:solidFill>
@@ -11281,7 +11290,7 @@
               </a:ln>
               <a:extLst>
                 <a:ext uri="{91240B29-F687-4f45-9708-019B960494DF}">
-                  <a14:hiddenLine xmlns:a14="http://schemas.microsoft.com/office/drawing/2010/main" xmlns="" w="9525">
+                  <a14:hiddenLine xmlns="" xmlns:a14="http://schemas.microsoft.com/office/drawing/2010/main" w="9525">
                     <a:solidFill>
                       <a:srgbClr val="000000"/>
                     </a:solidFill>
@@ -11371,7 +11380,7 @@
               </a:ln>
               <a:extLst>
                 <a:ext uri="{91240B29-F687-4f45-9708-019B960494DF}">
-                  <a14:hiddenLine xmlns:a14="http://schemas.microsoft.com/office/drawing/2010/main" xmlns="" w="9525">
+                  <a14:hiddenLine xmlns="" xmlns:a14="http://schemas.microsoft.com/office/drawing/2010/main" w="9525">
                     <a:solidFill>
                       <a:srgbClr val="000000"/>
                     </a:solidFill>
@@ -11436,7 +11445,7 @@
               </a:ln>
               <a:extLst>
                 <a:ext uri="{91240B29-F687-4f45-9708-019B960494DF}">
-                  <a14:hiddenLine xmlns:a14="http://schemas.microsoft.com/office/drawing/2010/main" xmlns="" w="9525">
+                  <a14:hiddenLine xmlns="" xmlns:a14="http://schemas.microsoft.com/office/drawing/2010/main" w="9525">
                     <a:solidFill>
                       <a:srgbClr val="000000"/>
                     </a:solidFill>
@@ -11526,7 +11535,7 @@
               </a:ln>
               <a:extLst>
                 <a:ext uri="{91240B29-F687-4f45-9708-019B960494DF}">
-                  <a14:hiddenLine xmlns:a14="http://schemas.microsoft.com/office/drawing/2010/main" xmlns="" w="9525">
+                  <a14:hiddenLine xmlns="" xmlns:a14="http://schemas.microsoft.com/office/drawing/2010/main" w="9525">
                     <a:solidFill>
                       <a:srgbClr val="000000"/>
                     </a:solidFill>
@@ -11594,7 +11603,7 @@
               </a:ln>
               <a:extLst>
                 <a:ext uri="{91240B29-F687-4f45-9708-019B960494DF}">
-                  <a14:hiddenLine xmlns:a14="http://schemas.microsoft.com/office/drawing/2010/main" xmlns="" w="9525">
+                  <a14:hiddenLine xmlns="" xmlns:a14="http://schemas.microsoft.com/office/drawing/2010/main" w="9525">
                     <a:solidFill>
                       <a:srgbClr val="000000"/>
                     </a:solidFill>
@@ -11684,7 +11693,7 @@
               </a:ln>
               <a:extLst>
                 <a:ext uri="{91240B29-F687-4f45-9708-019B960494DF}">
-                  <a14:hiddenLine xmlns:a14="http://schemas.microsoft.com/office/drawing/2010/main" xmlns="" w="9525">
+                  <a14:hiddenLine xmlns="" xmlns:a14="http://schemas.microsoft.com/office/drawing/2010/main" w="9525">
                     <a:solidFill>
                       <a:srgbClr val="000000"/>
                     </a:solidFill>
@@ -11752,7 +11761,7 @@
               </a:ln>
               <a:extLst>
                 <a:ext uri="{91240B29-F687-4f45-9708-019B960494DF}">
-                  <a14:hiddenLine xmlns:a14="http://schemas.microsoft.com/office/drawing/2010/main" xmlns="" w="9525">
+                  <a14:hiddenLine xmlns="" xmlns:a14="http://schemas.microsoft.com/office/drawing/2010/main" w="9525">
                     <a:solidFill>
                       <a:srgbClr val="000000"/>
                     </a:solidFill>
@@ -11842,7 +11851,7 @@
               </a:ln>
               <a:extLst>
                 <a:ext uri="{91240B29-F687-4f45-9708-019B960494DF}">
-                  <a14:hiddenLine xmlns:a14="http://schemas.microsoft.com/office/drawing/2010/main" xmlns="" w="9525">
+                  <a14:hiddenLine xmlns="" xmlns:a14="http://schemas.microsoft.com/office/drawing/2010/main" w="9525">
                     <a:solidFill>
                       <a:srgbClr val="000000"/>
                     </a:solidFill>
@@ -11876,7 +11885,7 @@
               </a:ln>
               <a:extLst>
                 <a:ext uri="{91240B29-F687-4f45-9708-019B960494DF}">
-                  <a14:hiddenLine xmlns:a14="http://schemas.microsoft.com/office/drawing/2010/main" xmlns="" w="9525">
+                  <a14:hiddenLine xmlns="" xmlns:a14="http://schemas.microsoft.com/office/drawing/2010/main" w="9525">
                     <a:solidFill>
                       <a:srgbClr val="000000"/>
                     </a:solidFill>
@@ -12016,7 +12025,7 @@
           <a:p>
             <a:fld id="{A2BB5BE7-7604-4EE2-9D5E-E193E96D3402}" type="datetimeFigureOut">
               <a:rPr lang="en-GB" smtClean="0"/>
-              <a:t>28/03/2024</a:t>
+              <a:t>02/04/2024</a:t>
             </a:fld>
             <a:endParaRPr lang="en-GB"/>
           </a:p>
@@ -12531,7 +12540,217 @@
 </p:sld>
 </file>
 
+<file path=ppt/slides/slide10.xml><?xml version="1.0" encoding="utf-8"?>
+<p:sld xmlns:a="http://schemas.openxmlformats.org/drawingml/2006/main" xmlns:r="http://schemas.openxmlformats.org/officeDocument/2006/relationships" xmlns:p="http://schemas.openxmlformats.org/presentationml/2006/main">
+  <p:cSld>
+    <p:spTree>
+      <p:nvGrpSpPr>
+        <p:cNvPr id="1" name=""/>
+        <p:cNvGrpSpPr/>
+        <p:nvPr/>
+      </p:nvGrpSpPr>
+      <p:grpSpPr>
+        <a:xfrm>
+          <a:off x="0" y="0"/>
+          <a:ext cx="0" cy="0"/>
+          <a:chOff x="0" y="0"/>
+          <a:chExt cx="0" cy="0"/>
+        </a:xfrm>
+      </p:grpSpPr>
+      <p:sp>
+        <p:nvSpPr>
+          <p:cNvPr id="2" name="Title 1">
+            <a:extLst>
+              <a:ext uri="{FF2B5EF4-FFF2-40B4-BE49-F238E27FC236}">
+                <a16:creationId xmlns:a16="http://schemas.microsoft.com/office/drawing/2014/main" id="{37B72647-7119-7D4C-0930-383CBBDDB968}"/>
+              </a:ext>
+            </a:extLst>
+          </p:cNvPr>
+          <p:cNvSpPr>
+            <a:spLocks noGrp="1"/>
+          </p:cNvSpPr>
+          <p:nvPr>
+            <p:ph type="title"/>
+          </p:nvPr>
+        </p:nvSpPr>
+        <p:spPr/>
+        <p:txBody>
+          <a:bodyPr/>
+          <a:lstStyle/>
+          <a:p>
+            <a:r>
+              <a:rPr lang="en-GB" dirty="0"/>
+              <a:t>SVM</a:t>
+            </a:r>
+          </a:p>
+        </p:txBody>
+      </p:sp>
+      <p:sp>
+        <p:nvSpPr>
+          <p:cNvPr id="3" name="Content Placeholder 2">
+            <a:extLst>
+              <a:ext uri="{FF2B5EF4-FFF2-40B4-BE49-F238E27FC236}">
+                <a16:creationId xmlns:a16="http://schemas.microsoft.com/office/drawing/2014/main" id="{51F0273E-C9D8-3A7E-3E51-48D2B3264320}"/>
+              </a:ext>
+            </a:extLst>
+          </p:cNvPr>
+          <p:cNvSpPr>
+            <a:spLocks noGrp="1"/>
+          </p:cNvSpPr>
+          <p:nvPr>
+            <p:ph idx="1"/>
+          </p:nvPr>
+        </p:nvSpPr>
+        <p:spPr/>
+        <p:txBody>
+          <a:bodyPr/>
+          <a:lstStyle/>
+          <a:p>
+            <a:endParaRPr lang="en-GB"/>
+          </a:p>
+        </p:txBody>
+      </p:sp>
+    </p:spTree>
+    <p:extLst>
+      <p:ext uri="{BB962C8B-B14F-4D97-AF65-F5344CB8AC3E}">
+        <p14:creationId xmlns:p14="http://schemas.microsoft.com/office/powerpoint/2010/main" val="1354246235"/>
+      </p:ext>
+    </p:extLst>
+  </p:cSld>
+  <p:clrMapOvr>
+    <a:masterClrMapping/>
+  </p:clrMapOvr>
+</p:sld>
+</file>
+
 <file path=ppt/slides/slide2.xml><?xml version="1.0" encoding="utf-8"?>
+<p:sld xmlns:a="http://schemas.openxmlformats.org/drawingml/2006/main" xmlns:r="http://schemas.openxmlformats.org/officeDocument/2006/relationships" xmlns:p="http://schemas.openxmlformats.org/presentationml/2006/main">
+  <p:cSld>
+    <p:spTree>
+      <p:nvGrpSpPr>
+        <p:cNvPr id="1" name=""/>
+        <p:cNvGrpSpPr/>
+        <p:nvPr/>
+      </p:nvGrpSpPr>
+      <p:grpSpPr>
+        <a:xfrm>
+          <a:off x="0" y="0"/>
+          <a:ext cx="0" cy="0"/>
+          <a:chOff x="0" y="0"/>
+          <a:chExt cx="0" cy="0"/>
+        </a:xfrm>
+      </p:grpSpPr>
+      <p:sp>
+        <p:nvSpPr>
+          <p:cNvPr id="2" name="Title 1">
+            <a:extLst>
+              <a:ext uri="{FF2B5EF4-FFF2-40B4-BE49-F238E27FC236}">
+                <a16:creationId xmlns:a16="http://schemas.microsoft.com/office/drawing/2014/main" id="{B5EC4BC1-28D2-2470-A28F-E5B2DE85598A}"/>
+              </a:ext>
+            </a:extLst>
+          </p:cNvPr>
+          <p:cNvSpPr>
+            <a:spLocks noGrp="1"/>
+          </p:cNvSpPr>
+          <p:nvPr>
+            <p:ph type="title"/>
+          </p:nvPr>
+        </p:nvSpPr>
+        <p:spPr/>
+        <p:txBody>
+          <a:bodyPr/>
+          <a:lstStyle/>
+          <a:p>
+            <a:r>
+              <a:rPr lang="en-GB" dirty="0"/>
+              <a:t>Task</a:t>
+            </a:r>
+          </a:p>
+        </p:txBody>
+      </p:sp>
+      <p:sp>
+        <p:nvSpPr>
+          <p:cNvPr id="3" name="Content Placeholder 2">
+            <a:extLst>
+              <a:ext uri="{FF2B5EF4-FFF2-40B4-BE49-F238E27FC236}">
+                <a16:creationId xmlns:a16="http://schemas.microsoft.com/office/drawing/2014/main" id="{49CB4013-3DC7-7B3B-3758-46C3813D6C43}"/>
+              </a:ext>
+            </a:extLst>
+          </p:cNvPr>
+          <p:cNvSpPr>
+            <a:spLocks noGrp="1"/>
+          </p:cNvSpPr>
+          <p:nvPr>
+            <p:ph idx="1"/>
+          </p:nvPr>
+        </p:nvSpPr>
+        <p:spPr>
+          <a:xfrm>
+            <a:off x="1141412" y="2097088"/>
+            <a:ext cx="9905999" cy="3541714"/>
+          </a:xfrm>
+        </p:spPr>
+        <p:txBody>
+          <a:bodyPr/>
+          <a:lstStyle/>
+          <a:p>
+            <a:pPr marL="0" indent="0">
+              <a:buNone/>
+            </a:pPr>
+            <a:r>
+              <a:rPr lang="en-GB" sz="2800" dirty="0"/>
+              <a:t>Use credit card data to predict the future behaviour of customers.</a:t>
+            </a:r>
+          </a:p>
+          <a:p>
+            <a:pPr marL="0" indent="0">
+              <a:buNone/>
+            </a:pPr>
+            <a:r>
+              <a:rPr lang="en-GB" sz="2800" dirty="0"/>
+              <a:t>Historical data has the following status for each customer:</a:t>
+            </a:r>
+          </a:p>
+          <a:p>
+            <a:pPr marL="981075" indent="-711200"/>
+            <a:r>
+              <a:rPr lang="en-GB" sz="2800" dirty="0"/>
+              <a:t>Paid – Balance paid off each month</a:t>
+            </a:r>
+          </a:p>
+          <a:p>
+            <a:pPr marL="981075" indent="-711200"/>
+            <a:r>
+              <a:rPr lang="en-GB" sz="2800" dirty="0"/>
+              <a:t>Minor Overdue – Balance owing each month</a:t>
+            </a:r>
+          </a:p>
+          <a:p>
+            <a:pPr marL="981075" indent="-711200"/>
+            <a:r>
+              <a:rPr lang="en-GB" sz="2800" dirty="0"/>
+              <a:t>No Loan – Customer did not use credit card that month</a:t>
+            </a:r>
+          </a:p>
+          <a:p>
+            <a:endParaRPr lang="en-GB" dirty="0"/>
+          </a:p>
+        </p:txBody>
+      </p:sp>
+    </p:spTree>
+    <p:extLst>
+      <p:ext uri="{BB962C8B-B14F-4D97-AF65-F5344CB8AC3E}">
+        <p14:creationId xmlns:p14="http://schemas.microsoft.com/office/powerpoint/2010/main" val="1222469626"/>
+      </p:ext>
+    </p:extLst>
+  </p:cSld>
+  <p:clrMapOvr>
+    <a:masterClrMapping/>
+  </p:clrMapOvr>
+</p:sld>
+</file>
+
+<file path=ppt/slides/slide3.xml><?xml version="1.0" encoding="utf-8"?>
 <p:sld xmlns:a="http://schemas.openxmlformats.org/drawingml/2006/main" xmlns:r="http://schemas.openxmlformats.org/officeDocument/2006/relationships" xmlns:p="http://schemas.openxmlformats.org/presentationml/2006/main">
   <p:cSld>
     <p:spTree>
@@ -12634,7 +12853,7 @@
 </p:sld>
 </file>
 
-<file path=ppt/slides/slide3.xml><?xml version="1.0" encoding="utf-8"?>
+<file path=ppt/slides/slide4.xml><?xml version="1.0" encoding="utf-8"?>
 <p:sld xmlns:a="http://schemas.openxmlformats.org/drawingml/2006/main" xmlns:r="http://schemas.openxmlformats.org/officeDocument/2006/relationships" xmlns:p="http://schemas.openxmlformats.org/presentationml/2006/main">
   <p:cSld>
     <p:spTree>
@@ -12701,11 +12920,37 @@
             <p:ph idx="1"/>
           </p:nvPr>
         </p:nvSpPr>
-        <p:spPr/>
+        <p:spPr>
+          <a:xfrm>
+            <a:off x="1141412" y="1658143"/>
+            <a:ext cx="9905999" cy="3541714"/>
+          </a:xfrm>
+        </p:spPr>
         <p:txBody>
           <a:bodyPr/>
           <a:lstStyle/>
           <a:p>
+            <a:pPr marL="0" indent="0">
+              <a:buNone/>
+            </a:pPr>
+            <a:r>
+              <a:rPr lang="en-GB" dirty="0"/>
+              <a:t>Output</a:t>
+            </a:r>
+          </a:p>
+          <a:p>
+            <a:endParaRPr lang="en-GB" dirty="0"/>
+          </a:p>
+          <a:p>
+            <a:pPr marL="0" indent="0">
+              <a:buNone/>
+            </a:pPr>
+            <a:endParaRPr lang="en-GB" dirty="0"/>
+          </a:p>
+          <a:p>
+            <a:pPr marL="0" indent="0">
+              <a:buNone/>
+            </a:pPr>
             <a:endParaRPr lang="en-GB" dirty="0"/>
           </a:p>
         </p:txBody>
@@ -12714,89 +12959,6 @@
     <p:extLst>
       <p:ext uri="{BB962C8B-B14F-4D97-AF65-F5344CB8AC3E}">
         <p14:creationId xmlns:p14="http://schemas.microsoft.com/office/powerpoint/2010/main" val="836392652"/>
-      </p:ext>
-    </p:extLst>
-  </p:cSld>
-  <p:clrMapOvr>
-    <a:masterClrMapping/>
-  </p:clrMapOvr>
-</p:sld>
-</file>
-
-<file path=ppt/slides/slide4.xml><?xml version="1.0" encoding="utf-8"?>
-<p:sld xmlns:a="http://schemas.openxmlformats.org/drawingml/2006/main" xmlns:r="http://schemas.openxmlformats.org/officeDocument/2006/relationships" xmlns:p="http://schemas.openxmlformats.org/presentationml/2006/main">
-  <p:cSld>
-    <p:spTree>
-      <p:nvGrpSpPr>
-        <p:cNvPr id="1" name=""/>
-        <p:cNvGrpSpPr/>
-        <p:nvPr/>
-      </p:nvGrpSpPr>
-      <p:grpSpPr>
-        <a:xfrm>
-          <a:off x="0" y="0"/>
-          <a:ext cx="0" cy="0"/>
-          <a:chOff x="0" y="0"/>
-          <a:chExt cx="0" cy="0"/>
-        </a:xfrm>
-      </p:grpSpPr>
-      <p:sp>
-        <p:nvSpPr>
-          <p:cNvPr id="2" name="Title 1">
-            <a:extLst>
-              <a:ext uri="{FF2B5EF4-FFF2-40B4-BE49-F238E27FC236}">
-                <a16:creationId xmlns:a16="http://schemas.microsoft.com/office/drawing/2014/main" id="{37B72647-7119-7D4C-0930-383CBBDDB968}"/>
-              </a:ext>
-            </a:extLst>
-          </p:cNvPr>
-          <p:cNvSpPr>
-            <a:spLocks noGrp="1"/>
-          </p:cNvSpPr>
-          <p:nvPr>
-            <p:ph type="title"/>
-          </p:nvPr>
-        </p:nvSpPr>
-        <p:spPr/>
-        <p:txBody>
-          <a:bodyPr/>
-          <a:lstStyle/>
-          <a:p>
-            <a:r>
-              <a:rPr lang="en-GB" dirty="0"/>
-              <a:t>Logistic Regression</a:t>
-            </a:r>
-          </a:p>
-        </p:txBody>
-      </p:sp>
-      <p:sp>
-        <p:nvSpPr>
-          <p:cNvPr id="3" name="Content Placeholder 2">
-            <a:extLst>
-              <a:ext uri="{FF2B5EF4-FFF2-40B4-BE49-F238E27FC236}">
-                <a16:creationId xmlns:a16="http://schemas.microsoft.com/office/drawing/2014/main" id="{51F0273E-C9D8-3A7E-3E51-48D2B3264320}"/>
-              </a:ext>
-            </a:extLst>
-          </p:cNvPr>
-          <p:cNvSpPr>
-            <a:spLocks noGrp="1"/>
-          </p:cNvSpPr>
-          <p:nvPr>
-            <p:ph idx="1"/>
-          </p:nvPr>
-        </p:nvSpPr>
-        <p:spPr/>
-        <p:txBody>
-          <a:bodyPr/>
-          <a:lstStyle/>
-          <a:p>
-            <a:endParaRPr lang="en-GB"/>
-          </a:p>
-        </p:txBody>
-      </p:sp>
-    </p:spTree>
-    <p:extLst>
-      <p:ext uri="{BB962C8B-B14F-4D97-AF65-F5344CB8AC3E}">
-        <p14:creationId xmlns:p14="http://schemas.microsoft.com/office/powerpoint/2010/main" val="3084970501"/>
       </p:ext>
     </p:extLst>
   </p:cSld>
@@ -12839,47 +13001,539 @@
             <p:ph type="title"/>
           </p:nvPr>
         </p:nvSpPr>
-        <p:spPr/>
+        <p:spPr>
+          <a:xfrm>
+            <a:off x="1143001" y="-106124"/>
+            <a:ext cx="9905998" cy="1478570"/>
+          </a:xfrm>
+        </p:spPr>
         <p:txBody>
           <a:bodyPr/>
           <a:lstStyle/>
           <a:p>
             <a:r>
               <a:rPr lang="en-GB" dirty="0"/>
-              <a:t>SVM</a:t>
+              <a:t>Neural Networks</a:t>
             </a:r>
           </a:p>
         </p:txBody>
       </p:sp>
-      <p:sp>
-        <p:nvSpPr>
-          <p:cNvPr id="3" name="Content Placeholder 2">
+      <p:grpSp>
+        <p:nvGrpSpPr>
+          <p:cNvPr id="4" name="Group 3">
             <a:extLst>
               <a:ext uri="{FF2B5EF4-FFF2-40B4-BE49-F238E27FC236}">
-                <a16:creationId xmlns:a16="http://schemas.microsoft.com/office/drawing/2014/main" id="{51F0273E-C9D8-3A7E-3E51-48D2B3264320}"/>
+                <a16:creationId xmlns:a16="http://schemas.microsoft.com/office/drawing/2014/main" id="{76E7C718-5EDE-CBEA-0767-83B2C0B9DF07}"/>
               </a:ext>
             </a:extLst>
           </p:cNvPr>
-          <p:cNvSpPr>
-            <a:spLocks noGrp="1"/>
-          </p:cNvSpPr>
-          <p:nvPr>
-            <p:ph idx="1"/>
-          </p:nvPr>
-        </p:nvSpPr>
-        <p:spPr/>
-        <p:txBody>
-          <a:bodyPr/>
-          <a:lstStyle/>
-          <a:p>
-            <a:endParaRPr lang="en-GB"/>
-          </a:p>
-        </p:txBody>
-      </p:sp>
+          <p:cNvGrpSpPr/>
+          <p:nvPr/>
+        </p:nvGrpSpPr>
+        <p:grpSpPr>
+          <a:xfrm>
+            <a:off x="1674796" y="1140943"/>
+            <a:ext cx="8672362" cy="5201424"/>
+            <a:chOff x="1876926" y="1160193"/>
+            <a:chExt cx="8672362" cy="5201424"/>
+          </a:xfrm>
+        </p:grpSpPr>
+        <p:sp>
+          <p:nvSpPr>
+            <p:cNvPr id="5" name="TextBox 4">
+              <a:extLst>
+                <a:ext uri="{FF2B5EF4-FFF2-40B4-BE49-F238E27FC236}">
+                  <a16:creationId xmlns:a16="http://schemas.microsoft.com/office/drawing/2014/main" id="{DA9357DA-8D2C-976D-073D-9EF4603BC311}"/>
+                </a:ext>
+              </a:extLst>
+            </p:cNvPr>
+            <p:cNvSpPr txBox="1"/>
+            <p:nvPr/>
+          </p:nvSpPr>
+          <p:spPr>
+            <a:xfrm>
+              <a:off x="1876926" y="1160193"/>
+              <a:ext cx="8672362" cy="5201424"/>
+            </a:xfrm>
+            <a:prstGeom prst="rect">
+              <a:avLst/>
+            </a:prstGeom>
+            <a:noFill/>
+          </p:spPr>
+          <p:txBody>
+            <a:bodyPr wrap="square">
+              <a:spAutoFit/>
+            </a:bodyPr>
+            <a:lstStyle/>
+            <a:p>
+              <a:pPr algn="ctr"/>
+              <a:r>
+                <a:rPr lang="en-GB" sz="2800" b="0" i="0" u="sng" dirty="0">
+                  <a:solidFill>
+                    <a:srgbClr val="FFFFFF"/>
+                  </a:solidFill>
+                  <a:effectLst/>
+                  <a:latin typeface="Söhne Mono"/>
+                </a:rPr>
+                <a:t>Baseline Neural Network – Trained over 10 Epochs</a:t>
+              </a:r>
+              <a:endParaRPr lang="en-GB" sz="2800" u="sng" dirty="0">
+                <a:solidFill>
+                  <a:srgbClr val="FFFFFF"/>
+                </a:solidFill>
+                <a:latin typeface="Söhne Mono"/>
+              </a:endParaRPr>
+            </a:p>
+            <a:p>
+              <a:pPr algn="ctr"/>
+              <a:endParaRPr lang="en-GB" sz="2000" b="0" i="0" u="sng" dirty="0">
+                <a:solidFill>
+                  <a:srgbClr val="FFFFFF"/>
+                </a:solidFill>
+                <a:effectLst/>
+                <a:latin typeface="Söhne Mono"/>
+              </a:endParaRPr>
+            </a:p>
+            <a:p>
+              <a:pPr algn="ctr"/>
+              <a:r>
+                <a:rPr lang="en-GB" sz="2800" b="0" i="0" dirty="0">
+                  <a:solidFill>
+                    <a:srgbClr val="FFFFFF"/>
+                  </a:solidFill>
+                  <a:effectLst/>
+                  <a:latin typeface="Söhne Mono"/>
+                </a:rPr>
+                <a:t>Input Layer (</a:t>
+              </a:r>
+              <a:r>
+                <a:rPr lang="en-GB" sz="2800" dirty="0">
+                  <a:solidFill>
+                    <a:srgbClr val="DF3079"/>
+                  </a:solidFill>
+                  <a:latin typeface="Söhne Mono"/>
+                </a:rPr>
+                <a:t>48</a:t>
+              </a:r>
+              <a:r>
+                <a:rPr lang="en-GB" sz="2800" b="0" i="0" dirty="0">
+                  <a:solidFill>
+                    <a:srgbClr val="FFFFFF"/>
+                  </a:solidFill>
+                  <a:effectLst/>
+                  <a:latin typeface="Söhne Mono"/>
+                </a:rPr>
+                <a:t> inputs) </a:t>
+              </a:r>
+            </a:p>
+            <a:p>
+              <a:endParaRPr lang="en-GB" dirty="0">
+                <a:solidFill>
+                  <a:srgbClr val="FFFFFF"/>
+                </a:solidFill>
+                <a:latin typeface="Söhne Mono"/>
+              </a:endParaRPr>
+            </a:p>
+            <a:p>
+              <a:endParaRPr lang="en-GB" b="0" i="0" dirty="0">
+                <a:solidFill>
+                  <a:srgbClr val="FFFFFF"/>
+                </a:solidFill>
+                <a:effectLst/>
+                <a:latin typeface="Söhne Mono"/>
+              </a:endParaRPr>
+            </a:p>
+            <a:p>
+              <a:endParaRPr lang="en-GB" b="0" i="0" dirty="0">
+                <a:solidFill>
+                  <a:srgbClr val="FFFFFF"/>
+                </a:solidFill>
+                <a:effectLst/>
+                <a:latin typeface="Söhne Mono"/>
+              </a:endParaRPr>
+            </a:p>
+            <a:p>
+              <a:pPr algn="ctr"/>
+              <a:r>
+                <a:rPr lang="en-GB" sz="2800" b="0" i="0" dirty="0">
+                  <a:solidFill>
+                    <a:srgbClr val="FFFFFF"/>
+                  </a:solidFill>
+                  <a:effectLst/>
+                  <a:latin typeface="Söhne Mono"/>
+                </a:rPr>
+                <a:t>Hidden Layer </a:t>
+              </a:r>
+              <a:r>
+                <a:rPr lang="en-GB" sz="2800" b="0" i="0" dirty="0">
+                  <a:solidFill>
+                    <a:srgbClr val="DF3079"/>
+                  </a:solidFill>
+                  <a:effectLst/>
+                  <a:latin typeface="Söhne Mono"/>
+                </a:rPr>
+                <a:t>1</a:t>
+              </a:r>
+              <a:r>
+                <a:rPr lang="en-GB" sz="2800" b="0" i="0" dirty="0">
+                  <a:solidFill>
+                    <a:srgbClr val="FFFFFF"/>
+                  </a:solidFill>
+                  <a:effectLst/>
+                  <a:latin typeface="Söhne Mono"/>
+                </a:rPr>
+                <a:t> (</a:t>
+              </a:r>
+              <a:r>
+                <a:rPr lang="en-GB" sz="2800" b="0" i="0" dirty="0">
+                  <a:solidFill>
+                    <a:srgbClr val="DF3079"/>
+                  </a:solidFill>
+                  <a:effectLst/>
+                  <a:latin typeface="Söhne Mono"/>
+                </a:rPr>
+                <a:t>50</a:t>
+              </a:r>
+              <a:r>
+                <a:rPr lang="en-GB" sz="2800" b="0" i="0" dirty="0">
+                  <a:solidFill>
+                    <a:srgbClr val="FFFFFF"/>
+                  </a:solidFill>
+                  <a:effectLst/>
+                  <a:latin typeface="Söhne Mono"/>
+                </a:rPr>
+                <a:t> neurons, </a:t>
+              </a:r>
+              <a:r>
+                <a:rPr lang="en-GB" sz="2800" b="0" i="0" dirty="0" err="1">
+                  <a:solidFill>
+                    <a:srgbClr val="FFFFFF"/>
+                  </a:solidFill>
+                  <a:effectLst/>
+                  <a:latin typeface="Söhne Mono"/>
+                </a:rPr>
+                <a:t>ReLU</a:t>
+              </a:r>
+              <a:r>
+                <a:rPr lang="en-GB" sz="2800" b="0" i="0" dirty="0">
+                  <a:solidFill>
+                    <a:srgbClr val="FFFFFF"/>
+                  </a:solidFill>
+                  <a:effectLst/>
+                  <a:latin typeface="Söhne Mono"/>
+                </a:rPr>
+                <a:t> activation) </a:t>
+              </a:r>
+            </a:p>
+            <a:p>
+              <a:endParaRPr lang="en-GB" sz="2800" dirty="0">
+                <a:solidFill>
+                  <a:srgbClr val="FFFFFF"/>
+                </a:solidFill>
+                <a:latin typeface="Söhne Mono"/>
+              </a:endParaRPr>
+            </a:p>
+            <a:p>
+              <a:endParaRPr lang="en-GB" sz="2800" dirty="0">
+                <a:solidFill>
+                  <a:srgbClr val="FFFFFF"/>
+                </a:solidFill>
+                <a:latin typeface="Söhne Mono"/>
+              </a:endParaRPr>
+            </a:p>
+            <a:p>
+              <a:pPr algn="ctr"/>
+              <a:r>
+                <a:rPr lang="en-GB" sz="2800" b="0" i="0" dirty="0">
+                  <a:solidFill>
+                    <a:srgbClr val="FFFFFF"/>
+                  </a:solidFill>
+                  <a:effectLst/>
+                  <a:latin typeface="Söhne Mono"/>
+                </a:rPr>
+                <a:t>Hidden Layer </a:t>
+              </a:r>
+              <a:r>
+                <a:rPr lang="en-GB" sz="2800" dirty="0">
+                  <a:solidFill>
+                    <a:srgbClr val="DF3079"/>
+                  </a:solidFill>
+                  <a:latin typeface="Söhne Mono"/>
+                </a:rPr>
+                <a:t>2</a:t>
+              </a:r>
+              <a:r>
+                <a:rPr lang="en-GB" sz="2800" b="0" i="0" dirty="0">
+                  <a:solidFill>
+                    <a:srgbClr val="FFFFFF"/>
+                  </a:solidFill>
+                  <a:effectLst/>
+                  <a:latin typeface="Söhne Mono"/>
+                </a:rPr>
+                <a:t> (</a:t>
+              </a:r>
+              <a:r>
+                <a:rPr lang="en-GB" sz="2800" b="0" i="0" dirty="0">
+                  <a:solidFill>
+                    <a:srgbClr val="DF3079"/>
+                  </a:solidFill>
+                  <a:effectLst/>
+                  <a:latin typeface="Söhne Mono"/>
+                </a:rPr>
+                <a:t>50</a:t>
+              </a:r>
+              <a:r>
+                <a:rPr lang="en-GB" sz="2800" b="0" i="0" dirty="0">
+                  <a:solidFill>
+                    <a:srgbClr val="FFFFFF"/>
+                  </a:solidFill>
+                  <a:effectLst/>
+                  <a:latin typeface="Söhne Mono"/>
+                </a:rPr>
+                <a:t> neurons, </a:t>
+              </a:r>
+              <a:r>
+                <a:rPr lang="en-GB" sz="2800" b="0" i="0" dirty="0" err="1">
+                  <a:solidFill>
+                    <a:srgbClr val="FFFFFF"/>
+                  </a:solidFill>
+                  <a:effectLst/>
+                  <a:latin typeface="Söhne Mono"/>
+                </a:rPr>
+                <a:t>ReLU</a:t>
+              </a:r>
+              <a:r>
+                <a:rPr lang="en-GB" sz="2800" b="0" i="0" dirty="0">
+                  <a:solidFill>
+                    <a:srgbClr val="FFFFFF"/>
+                  </a:solidFill>
+                  <a:effectLst/>
+                  <a:latin typeface="Söhne Mono"/>
+                </a:rPr>
+                <a:t> activation)</a:t>
+              </a:r>
+            </a:p>
+            <a:p>
+              <a:endParaRPr lang="en-GB" b="0" i="0" dirty="0">
+                <a:solidFill>
+                  <a:srgbClr val="FFFFFF"/>
+                </a:solidFill>
+                <a:effectLst/>
+                <a:latin typeface="Söhne Mono"/>
+              </a:endParaRPr>
+            </a:p>
+            <a:p>
+              <a:r>
+                <a:rPr lang="en-GB" dirty="0">
+                  <a:solidFill>
+                    <a:srgbClr val="FFFFFF"/>
+                  </a:solidFill>
+                  <a:latin typeface="Söhne Mono"/>
+                </a:rPr>
+                <a:t>	</a:t>
+              </a:r>
+            </a:p>
+            <a:p>
+              <a:endParaRPr lang="en-GB" b="0" i="0" dirty="0">
+                <a:solidFill>
+                  <a:srgbClr val="FFFFFF"/>
+                </a:solidFill>
+                <a:effectLst/>
+                <a:latin typeface="Söhne Mono"/>
+              </a:endParaRPr>
+            </a:p>
+            <a:p>
+              <a:pPr algn="ctr"/>
+              <a:r>
+                <a:rPr lang="en-GB" sz="2800" b="0" i="0" dirty="0">
+                  <a:solidFill>
+                    <a:srgbClr val="FFFFFF"/>
+                  </a:solidFill>
+                  <a:effectLst/>
+                  <a:latin typeface="Söhne Mono"/>
+                </a:rPr>
+                <a:t>Output Layer (</a:t>
+              </a:r>
+              <a:r>
+                <a:rPr lang="en-GB" sz="2800" dirty="0">
+                  <a:solidFill>
+                    <a:srgbClr val="DF3079"/>
+                  </a:solidFill>
+                  <a:latin typeface="Söhne Mono"/>
+                </a:rPr>
+                <a:t>3</a:t>
+              </a:r>
+              <a:r>
+                <a:rPr lang="en-GB" sz="2800" b="0" i="0" dirty="0">
+                  <a:solidFill>
+                    <a:srgbClr val="FFFFFF"/>
+                  </a:solidFill>
+                  <a:effectLst/>
+                  <a:latin typeface="Söhne Mono"/>
+                </a:rPr>
+                <a:t> neurons, </a:t>
+              </a:r>
+              <a:r>
+                <a:rPr lang="en-GB" sz="2800" b="0" i="0" dirty="0" err="1">
+                  <a:solidFill>
+                    <a:srgbClr val="FFFFFF"/>
+                  </a:solidFill>
+                  <a:effectLst/>
+                  <a:latin typeface="Söhne Mono"/>
+                </a:rPr>
+                <a:t>Softmax</a:t>
+              </a:r>
+              <a:r>
+                <a:rPr lang="en-GB" sz="2800" b="0" i="0" dirty="0">
+                  <a:solidFill>
+                    <a:srgbClr val="FFFFFF"/>
+                  </a:solidFill>
+                  <a:effectLst/>
+                  <a:latin typeface="Söhne Mono"/>
+                </a:rPr>
+                <a:t> activation)</a:t>
+              </a:r>
+              <a:endParaRPr lang="en-GB" sz="2800" dirty="0"/>
+            </a:p>
+          </p:txBody>
+        </p:sp>
+        <p:sp>
+          <p:nvSpPr>
+            <p:cNvPr id="6" name="Arrow: Down 5">
+              <a:extLst>
+                <a:ext uri="{FF2B5EF4-FFF2-40B4-BE49-F238E27FC236}">
+                  <a16:creationId xmlns:a16="http://schemas.microsoft.com/office/drawing/2014/main" id="{C59BD84A-9286-B752-5B52-B77E24E799D4}"/>
+                </a:ext>
+              </a:extLst>
+            </p:cNvPr>
+            <p:cNvSpPr/>
+            <p:nvPr/>
+          </p:nvSpPr>
+          <p:spPr>
+            <a:xfrm>
+              <a:off x="6213107" y="2435191"/>
+              <a:ext cx="298383" cy="654518"/>
+            </a:xfrm>
+            <a:prstGeom prst="downArrow">
+              <a:avLst/>
+            </a:prstGeom>
+          </p:spPr>
+          <p:style>
+            <a:lnRef idx="1">
+              <a:schemeClr val="dk1"/>
+            </a:lnRef>
+            <a:fillRef idx="2">
+              <a:schemeClr val="dk1"/>
+            </a:fillRef>
+            <a:effectRef idx="1">
+              <a:schemeClr val="dk1"/>
+            </a:effectRef>
+            <a:fontRef idx="minor">
+              <a:schemeClr val="dk1"/>
+            </a:fontRef>
+          </p:style>
+          <p:txBody>
+            <a:bodyPr rtlCol="0" anchor="ctr"/>
+            <a:lstStyle/>
+            <a:p>
+              <a:pPr algn="ctr"/>
+              <a:endParaRPr lang="en-GB" dirty="0"/>
+            </a:p>
+          </p:txBody>
+        </p:sp>
+        <p:sp>
+          <p:nvSpPr>
+            <p:cNvPr id="7" name="Arrow: Down 6">
+              <a:extLst>
+                <a:ext uri="{FF2B5EF4-FFF2-40B4-BE49-F238E27FC236}">
+                  <a16:creationId xmlns:a16="http://schemas.microsoft.com/office/drawing/2014/main" id="{1761917D-5333-9255-5A58-5EFF01427842}"/>
+                </a:ext>
+              </a:extLst>
+            </p:cNvPr>
+            <p:cNvSpPr/>
+            <p:nvPr/>
+          </p:nvSpPr>
+          <p:spPr>
+            <a:xfrm>
+              <a:off x="6213107" y="3703211"/>
+              <a:ext cx="298383" cy="654518"/>
+            </a:xfrm>
+            <a:prstGeom prst="downArrow">
+              <a:avLst/>
+            </a:prstGeom>
+          </p:spPr>
+          <p:style>
+            <a:lnRef idx="1">
+              <a:schemeClr val="dk1"/>
+            </a:lnRef>
+            <a:fillRef idx="2">
+              <a:schemeClr val="dk1"/>
+            </a:fillRef>
+            <a:effectRef idx="1">
+              <a:schemeClr val="dk1"/>
+            </a:effectRef>
+            <a:fontRef idx="minor">
+              <a:schemeClr val="dk1"/>
+            </a:fontRef>
+          </p:style>
+          <p:txBody>
+            <a:bodyPr rtlCol="0" anchor="ctr"/>
+            <a:lstStyle/>
+            <a:p>
+              <a:pPr algn="ctr"/>
+              <a:endParaRPr lang="en-GB" dirty="0"/>
+            </a:p>
+          </p:txBody>
+        </p:sp>
+        <p:sp>
+          <p:nvSpPr>
+            <p:cNvPr id="3" name="Arrow: Down 2">
+              <a:extLst>
+                <a:ext uri="{FF2B5EF4-FFF2-40B4-BE49-F238E27FC236}">
+                  <a16:creationId xmlns:a16="http://schemas.microsoft.com/office/drawing/2014/main" id="{B7C8CFD6-D2DC-4FBC-2EF6-8A85C48E6516}"/>
+                </a:ext>
+              </a:extLst>
+            </p:cNvPr>
+            <p:cNvSpPr/>
+            <p:nvPr/>
+          </p:nvSpPr>
+          <p:spPr>
+            <a:xfrm>
+              <a:off x="6213107" y="4980856"/>
+              <a:ext cx="298383" cy="654518"/>
+            </a:xfrm>
+            <a:prstGeom prst="downArrow">
+              <a:avLst/>
+            </a:prstGeom>
+          </p:spPr>
+          <p:style>
+            <a:lnRef idx="1">
+              <a:schemeClr val="dk1"/>
+            </a:lnRef>
+            <a:fillRef idx="2">
+              <a:schemeClr val="dk1"/>
+            </a:fillRef>
+            <a:effectRef idx="1">
+              <a:schemeClr val="dk1"/>
+            </a:effectRef>
+            <a:fontRef idx="minor">
+              <a:schemeClr val="dk1"/>
+            </a:fontRef>
+          </p:style>
+          <p:txBody>
+            <a:bodyPr rtlCol="0" anchor="ctr"/>
+            <a:lstStyle/>
+            <a:p>
+              <a:pPr algn="ctr"/>
+              <a:endParaRPr lang="en-GB" dirty="0"/>
+            </a:p>
+          </p:txBody>
+        </p:sp>
+      </p:grpSp>
     </p:spTree>
     <p:extLst>
       <p:ext uri="{BB962C8B-B14F-4D97-AF65-F5344CB8AC3E}">
-        <p14:creationId xmlns:p14="http://schemas.microsoft.com/office/powerpoint/2010/main" val="1354246235"/>
+        <p14:creationId xmlns:p14="http://schemas.microsoft.com/office/powerpoint/2010/main" val="1433448591"/>
       </p:ext>
     </p:extLst>
   </p:cSld>
@@ -12890,6 +13544,3537 @@
 </file>
 
 <file path=ppt/slides/slide6.xml><?xml version="1.0" encoding="utf-8"?>
+<p:sld xmlns:a="http://schemas.openxmlformats.org/drawingml/2006/main" xmlns:r="http://schemas.openxmlformats.org/officeDocument/2006/relationships" xmlns:p="http://schemas.openxmlformats.org/presentationml/2006/main">
+  <p:cSld>
+    <p:spTree>
+      <p:nvGrpSpPr>
+        <p:cNvPr id="1" name=""/>
+        <p:cNvGrpSpPr/>
+        <p:nvPr/>
+      </p:nvGrpSpPr>
+      <p:grpSpPr>
+        <a:xfrm>
+          <a:off x="0" y="0"/>
+          <a:ext cx="0" cy="0"/>
+          <a:chOff x="0" y="0"/>
+          <a:chExt cx="0" cy="0"/>
+        </a:xfrm>
+      </p:grpSpPr>
+      <p:graphicFrame>
+        <p:nvGraphicFramePr>
+          <p:cNvPr id="4" name="Table 3">
+            <a:extLst>
+              <a:ext uri="{FF2B5EF4-FFF2-40B4-BE49-F238E27FC236}">
+                <a16:creationId xmlns:a16="http://schemas.microsoft.com/office/drawing/2014/main" id="{1CF04A0C-A00A-5F2D-3F9F-6A3257C72491}"/>
+              </a:ext>
+            </a:extLst>
+          </p:cNvPr>
+          <p:cNvGraphicFramePr>
+            <a:graphicFrameLocks noGrp="1"/>
+          </p:cNvGraphicFramePr>
+          <p:nvPr>
+            <p:extLst>
+              <p:ext uri="{D42A27DB-BD31-4B8C-83A1-F6EECF244321}">
+                <p14:modId xmlns:p14="http://schemas.microsoft.com/office/powerpoint/2010/main" val="3064040086"/>
+              </p:ext>
+            </p:extLst>
+          </p:nvPr>
+        </p:nvGraphicFramePr>
+        <p:xfrm>
+          <a:off x="1101560" y="1114304"/>
+          <a:ext cx="4452218" cy="4090215"/>
+        </p:xfrm>
+        <a:graphic>
+          <a:graphicData uri="http://schemas.openxmlformats.org/drawingml/2006/table">
+            <a:tbl>
+              <a:tblPr firstRow="1" bandRow="1">
+                <a:tableStyleId>{5C22544A-7EE6-4342-B048-85BDC9FD1C3A}</a:tableStyleId>
+              </a:tblPr>
+              <a:tblGrid>
+                <a:gridCol w="1637873">
+                  <a:extLst>
+                    <a:ext uri="{9D8B030D-6E8A-4147-A177-3AD203B41FA5}">
+                      <a16:colId xmlns:a16="http://schemas.microsoft.com/office/drawing/2014/main" val="4258500028"/>
+                    </a:ext>
+                  </a:extLst>
+                </a:gridCol>
+                <a:gridCol w="1330272">
+                  <a:extLst>
+                    <a:ext uri="{9D8B030D-6E8A-4147-A177-3AD203B41FA5}">
+                      <a16:colId xmlns:a16="http://schemas.microsoft.com/office/drawing/2014/main" val="1287036621"/>
+                    </a:ext>
+                  </a:extLst>
+                </a:gridCol>
+                <a:gridCol w="1484073">
+                  <a:extLst>
+                    <a:ext uri="{9D8B030D-6E8A-4147-A177-3AD203B41FA5}">
+                      <a16:colId xmlns:a16="http://schemas.microsoft.com/office/drawing/2014/main" val="3754495895"/>
+                    </a:ext>
+                  </a:extLst>
+                </a:gridCol>
+              </a:tblGrid>
+              <a:tr h="456225">
+                <a:tc rowSpan="2">
+                  <a:txBody>
+                    <a:bodyPr/>
+                    <a:lstStyle/>
+                    <a:p>
+                      <a:r>
+                        <a:rPr lang="en-GB" sz="1800" dirty="0"/>
+                        <a:t>Optimisation Technique</a:t>
+                      </a:r>
+                    </a:p>
+                  </a:txBody>
+                  <a:tcPr marL="108000">
+                    <a:lnL w="12700" cap="flat" cmpd="sng" algn="ctr">
+                      <a:solidFill>
+                        <a:schemeClr val="tx1"/>
+                      </a:solidFill>
+                      <a:prstDash val="solid"/>
+                      <a:round/>
+                      <a:headEnd type="none" w="med" len="med"/>
+                      <a:tailEnd type="none" w="med" len="med"/>
+                    </a:lnL>
+                    <a:lnR w="12700" cap="flat" cmpd="sng" algn="ctr">
+                      <a:solidFill>
+                        <a:schemeClr val="tx1"/>
+                      </a:solidFill>
+                      <a:prstDash val="solid"/>
+                      <a:round/>
+                      <a:headEnd type="none" w="med" len="med"/>
+                      <a:tailEnd type="none" w="med" len="med"/>
+                    </a:lnR>
+                    <a:lnT w="12700" cap="flat" cmpd="sng" algn="ctr">
+                      <a:solidFill>
+                        <a:schemeClr val="tx1"/>
+                      </a:solidFill>
+                      <a:prstDash val="solid"/>
+                      <a:round/>
+                      <a:headEnd type="none" w="med" len="med"/>
+                      <a:tailEnd type="none" w="med" len="med"/>
+                    </a:lnT>
+                    <a:lnB w="12700" cap="flat" cmpd="sng" algn="ctr">
+                      <a:solidFill>
+                        <a:schemeClr val="tx1"/>
+                      </a:solidFill>
+                      <a:prstDash val="solid"/>
+                      <a:round/>
+                      <a:headEnd type="none" w="med" len="med"/>
+                      <a:tailEnd type="none" w="med" len="med"/>
+                    </a:lnB>
+                    <a:noFill/>
+                  </a:tcPr>
+                </a:tc>
+                <a:tc gridSpan="2">
+                  <a:txBody>
+                    <a:bodyPr/>
+                    <a:lstStyle/>
+                    <a:p>
+                      <a:pPr algn="ctr"/>
+                      <a:r>
+                        <a:rPr lang="en-GB" sz="1800" dirty="0"/>
+                        <a:t>Accuracy (%)</a:t>
+                      </a:r>
+                    </a:p>
+                  </a:txBody>
+                  <a:tcPr>
+                    <a:lnL w="12700" cap="flat" cmpd="sng" algn="ctr">
+                      <a:solidFill>
+                        <a:schemeClr val="tx1"/>
+                      </a:solidFill>
+                      <a:prstDash val="solid"/>
+                      <a:round/>
+                      <a:headEnd type="none" w="med" len="med"/>
+                      <a:tailEnd type="none" w="med" len="med"/>
+                    </a:lnL>
+                    <a:lnR w="12700" cap="flat" cmpd="sng" algn="ctr">
+                      <a:solidFill>
+                        <a:schemeClr val="tx1"/>
+                      </a:solidFill>
+                      <a:prstDash val="solid"/>
+                      <a:round/>
+                      <a:headEnd type="none" w="med" len="med"/>
+                      <a:tailEnd type="none" w="med" len="med"/>
+                    </a:lnR>
+                    <a:lnT w="12700" cap="flat" cmpd="sng" algn="ctr">
+                      <a:solidFill>
+                        <a:schemeClr val="tx1"/>
+                      </a:solidFill>
+                      <a:prstDash val="solid"/>
+                      <a:round/>
+                      <a:headEnd type="none" w="med" len="med"/>
+                      <a:tailEnd type="none" w="med" len="med"/>
+                    </a:lnT>
+                    <a:lnB w="12700" cap="flat" cmpd="sng" algn="ctr">
+                      <a:solidFill>
+                        <a:schemeClr val="tx1"/>
+                      </a:solidFill>
+                      <a:prstDash val="solid"/>
+                      <a:round/>
+                      <a:headEnd type="none" w="med" len="med"/>
+                      <a:tailEnd type="none" w="med" len="med"/>
+                    </a:lnB>
+                    <a:noFill/>
+                  </a:tcPr>
+                </a:tc>
+                <a:tc hMerge="1">
+                  <a:txBody>
+                    <a:bodyPr/>
+                    <a:lstStyle/>
+                    <a:p>
+                      <a:endParaRPr lang="en-GB" dirty="0"/>
+                    </a:p>
+                  </a:txBody>
+                  <a:tcPr>
+                    <a:noFill/>
+                  </a:tcPr>
+                </a:tc>
+                <a:extLst>
+                  <a:ext uri="{0D108BD9-81ED-4DB2-BD59-A6C34878D82A}">
+                    <a16:rowId xmlns:a16="http://schemas.microsoft.com/office/drawing/2014/main" val="684357885"/>
+                  </a:ext>
+                </a:extLst>
+              </a:tr>
+              <a:tr h="456225">
+                <a:tc vMerge="1">
+                  <a:txBody>
+                    <a:bodyPr/>
+                    <a:lstStyle/>
+                    <a:p>
+                      <a:endParaRPr lang="en-GB" dirty="0"/>
+                    </a:p>
+                  </a:txBody>
+                  <a:tcPr>
+                    <a:noFill/>
+                  </a:tcPr>
+                </a:tc>
+                <a:tc>
+                  <a:txBody>
+                    <a:bodyPr/>
+                    <a:lstStyle/>
+                    <a:p>
+                      <a:pPr algn="ctr"/>
+                      <a:r>
+                        <a:rPr lang="en-GB" sz="1800" dirty="0">
+                          <a:solidFill>
+                            <a:schemeClr val="tx1"/>
+                          </a:solidFill>
+                        </a:rPr>
+                        <a:t>Training</a:t>
+                      </a:r>
+                    </a:p>
+                  </a:txBody>
+                  <a:tcPr>
+                    <a:lnL w="12700" cap="flat" cmpd="sng" algn="ctr">
+                      <a:solidFill>
+                        <a:schemeClr val="tx1"/>
+                      </a:solidFill>
+                      <a:prstDash val="solid"/>
+                      <a:round/>
+                      <a:headEnd type="none" w="med" len="med"/>
+                      <a:tailEnd type="none" w="med" len="med"/>
+                    </a:lnL>
+                    <a:lnR w="12700" cap="flat" cmpd="sng" algn="ctr">
+                      <a:solidFill>
+                        <a:schemeClr val="tx1"/>
+                      </a:solidFill>
+                      <a:prstDash val="solid"/>
+                      <a:round/>
+                      <a:headEnd type="none" w="med" len="med"/>
+                      <a:tailEnd type="none" w="med" len="med"/>
+                    </a:lnR>
+                    <a:lnT w="12700" cap="flat" cmpd="sng" algn="ctr">
+                      <a:solidFill>
+                        <a:schemeClr val="tx1"/>
+                      </a:solidFill>
+                      <a:prstDash val="solid"/>
+                      <a:round/>
+                      <a:headEnd type="none" w="med" len="med"/>
+                      <a:tailEnd type="none" w="med" len="med"/>
+                    </a:lnT>
+                    <a:lnB w="12700" cap="flat" cmpd="sng" algn="ctr">
+                      <a:solidFill>
+                        <a:schemeClr val="tx1"/>
+                      </a:solidFill>
+                      <a:prstDash val="solid"/>
+                      <a:round/>
+                      <a:headEnd type="none" w="med" len="med"/>
+                      <a:tailEnd type="none" w="med" len="med"/>
+                    </a:lnB>
+                    <a:noFill/>
+                  </a:tcPr>
+                </a:tc>
+                <a:tc>
+                  <a:txBody>
+                    <a:bodyPr/>
+                    <a:lstStyle/>
+                    <a:p>
+                      <a:pPr algn="ctr"/>
+                      <a:r>
+                        <a:rPr lang="en-GB" sz="1800" dirty="0">
+                          <a:solidFill>
+                            <a:schemeClr val="tx1"/>
+                          </a:solidFill>
+                        </a:rPr>
+                        <a:t>Test</a:t>
+                      </a:r>
+                    </a:p>
+                  </a:txBody>
+                  <a:tcPr>
+                    <a:lnL w="12700" cap="flat" cmpd="sng" algn="ctr">
+                      <a:solidFill>
+                        <a:schemeClr val="tx1"/>
+                      </a:solidFill>
+                      <a:prstDash val="solid"/>
+                      <a:round/>
+                      <a:headEnd type="none" w="med" len="med"/>
+                      <a:tailEnd type="none" w="med" len="med"/>
+                    </a:lnL>
+                    <a:lnR w="12700" cap="flat" cmpd="sng" algn="ctr">
+                      <a:solidFill>
+                        <a:schemeClr val="tx1"/>
+                      </a:solidFill>
+                      <a:prstDash val="solid"/>
+                      <a:round/>
+                      <a:headEnd type="none" w="med" len="med"/>
+                      <a:tailEnd type="none" w="med" len="med"/>
+                    </a:lnR>
+                    <a:lnT w="12700" cap="flat" cmpd="sng" algn="ctr">
+                      <a:solidFill>
+                        <a:schemeClr val="tx1"/>
+                      </a:solidFill>
+                      <a:prstDash val="solid"/>
+                      <a:round/>
+                      <a:headEnd type="none" w="med" len="med"/>
+                      <a:tailEnd type="none" w="med" len="med"/>
+                    </a:lnT>
+                    <a:lnB w="12700" cap="flat" cmpd="sng" algn="ctr">
+                      <a:solidFill>
+                        <a:schemeClr val="tx1"/>
+                      </a:solidFill>
+                      <a:prstDash val="solid"/>
+                      <a:round/>
+                      <a:headEnd type="none" w="med" len="med"/>
+                      <a:tailEnd type="none" w="med" len="med"/>
+                    </a:lnB>
+                    <a:noFill/>
+                  </a:tcPr>
+                </a:tc>
+                <a:extLst>
+                  <a:ext uri="{0D108BD9-81ED-4DB2-BD59-A6C34878D82A}">
+                    <a16:rowId xmlns:a16="http://schemas.microsoft.com/office/drawing/2014/main" val="2710383044"/>
+                  </a:ext>
+                </a:extLst>
+              </a:tr>
+              <a:tr h="368454">
+                <a:tc>
+                  <a:txBody>
+                    <a:bodyPr/>
+                    <a:lstStyle/>
+                    <a:p>
+                      <a:pPr algn="l" fontAlgn="b"/>
+                      <a:r>
+                        <a:rPr lang="en-GB" sz="1800" b="0" i="0" u="none" strike="noStrike" dirty="0">
+                          <a:solidFill>
+                            <a:schemeClr val="tx1"/>
+                          </a:solidFill>
+                          <a:effectLst/>
+                          <a:latin typeface="Calibri" panose="020F0502020204030204" pitchFamily="34" charset="0"/>
+                        </a:rPr>
+                        <a:t>Baseline</a:t>
+                      </a:r>
+                    </a:p>
+                  </a:txBody>
+                  <a:tcPr marL="108000" marR="9525" marT="9525" marB="0" anchor="ctr">
+                    <a:lnT w="12700" cap="flat" cmpd="sng" algn="ctr">
+                      <a:solidFill>
+                        <a:schemeClr val="tx1"/>
+                      </a:solidFill>
+                      <a:prstDash val="solid"/>
+                      <a:round/>
+                      <a:headEnd type="none" w="med" len="med"/>
+                      <a:tailEnd type="none" w="med" len="med"/>
+                    </a:lnT>
+                    <a:noFill/>
+                  </a:tcPr>
+                </a:tc>
+                <a:tc>
+                  <a:txBody>
+                    <a:bodyPr/>
+                    <a:lstStyle/>
+                    <a:p>
+                      <a:pPr algn="ctr" fontAlgn="b"/>
+                      <a:r>
+                        <a:rPr lang="en-GB" sz="2000" b="0" i="0" u="none" strike="noStrike" dirty="0">
+                          <a:solidFill>
+                            <a:schemeClr val="tx1"/>
+                          </a:solidFill>
+                          <a:effectLst/>
+                          <a:latin typeface="Calibri" panose="020F0502020204030204" pitchFamily="34" charset="0"/>
+                        </a:rPr>
+                        <a:t>57.2</a:t>
+                      </a:r>
+                    </a:p>
+                  </a:txBody>
+                  <a:tcPr marL="9525" marR="9525" marT="9525" marB="0" anchor="ctr">
+                    <a:lnT w="12700" cap="flat" cmpd="sng" algn="ctr">
+                      <a:solidFill>
+                        <a:schemeClr val="tx1"/>
+                      </a:solidFill>
+                      <a:prstDash val="solid"/>
+                      <a:round/>
+                      <a:headEnd type="none" w="med" len="med"/>
+                      <a:tailEnd type="none" w="med" len="med"/>
+                    </a:lnT>
+                    <a:noFill/>
+                  </a:tcPr>
+                </a:tc>
+                <a:tc>
+                  <a:txBody>
+                    <a:bodyPr/>
+                    <a:lstStyle/>
+                    <a:p>
+                      <a:pPr algn="ctr" fontAlgn="b"/>
+                      <a:r>
+                        <a:rPr lang="en-GB" sz="2000" b="0" i="0" u="none" strike="noStrike">
+                          <a:solidFill>
+                            <a:schemeClr val="tx1"/>
+                          </a:solidFill>
+                          <a:effectLst/>
+                          <a:latin typeface="Calibri" panose="020F0502020204030204" pitchFamily="34" charset="0"/>
+                        </a:rPr>
+                        <a:t>56.6</a:t>
+                      </a:r>
+                    </a:p>
+                  </a:txBody>
+                  <a:tcPr marL="9525" marR="9525" marT="9525" marB="0" anchor="ctr">
+                    <a:lnT w="12700" cap="flat" cmpd="sng" algn="ctr">
+                      <a:solidFill>
+                        <a:schemeClr val="tx1"/>
+                      </a:solidFill>
+                      <a:prstDash val="solid"/>
+                      <a:round/>
+                      <a:headEnd type="none" w="med" len="med"/>
+                      <a:tailEnd type="none" w="med" len="med"/>
+                    </a:lnT>
+                    <a:noFill/>
+                  </a:tcPr>
+                </a:tc>
+                <a:extLst>
+                  <a:ext uri="{0D108BD9-81ED-4DB2-BD59-A6C34878D82A}">
+                    <a16:rowId xmlns:a16="http://schemas.microsoft.com/office/drawing/2014/main" val="51415436"/>
+                  </a:ext>
+                </a:extLst>
+              </a:tr>
+              <a:tr h="572892">
+                <a:tc>
+                  <a:txBody>
+                    <a:bodyPr/>
+                    <a:lstStyle/>
+                    <a:p>
+                      <a:pPr algn="l" fontAlgn="b"/>
+                      <a:r>
+                        <a:rPr lang="en-GB" sz="1800" b="0" i="0" u="none" strike="noStrike" dirty="0">
+                          <a:solidFill>
+                            <a:schemeClr val="tx1"/>
+                          </a:solidFill>
+                          <a:effectLst/>
+                          <a:latin typeface="Calibri" panose="020F0502020204030204" pitchFamily="34" charset="0"/>
+                        </a:rPr>
+                        <a:t>Reduced dimensions</a:t>
+                      </a:r>
+                    </a:p>
+                  </a:txBody>
+                  <a:tcPr marL="108000" marR="9525" marT="9525" marB="0" anchor="ctr">
+                    <a:noFill/>
+                  </a:tcPr>
+                </a:tc>
+                <a:tc>
+                  <a:txBody>
+                    <a:bodyPr/>
+                    <a:lstStyle/>
+                    <a:p>
+                      <a:pPr algn="ctr" fontAlgn="b"/>
+                      <a:r>
+                        <a:rPr lang="en-GB" sz="2000" b="0" i="0" u="none" strike="noStrike" dirty="0">
+                          <a:solidFill>
+                            <a:schemeClr val="tx1"/>
+                          </a:solidFill>
+                          <a:effectLst/>
+                          <a:latin typeface="Calibri" panose="020F0502020204030204" pitchFamily="34" charset="0"/>
+                        </a:rPr>
+                        <a:t>56.3</a:t>
+                      </a:r>
+                    </a:p>
+                  </a:txBody>
+                  <a:tcPr marL="9525" marR="9525" marT="9525" marB="0" anchor="ctr">
+                    <a:noFill/>
+                  </a:tcPr>
+                </a:tc>
+                <a:tc>
+                  <a:txBody>
+                    <a:bodyPr/>
+                    <a:lstStyle/>
+                    <a:p>
+                      <a:pPr algn="ctr" fontAlgn="b"/>
+                      <a:r>
+                        <a:rPr lang="en-GB" sz="2000" b="0" i="0" u="none" strike="noStrike">
+                          <a:solidFill>
+                            <a:schemeClr val="tx1"/>
+                          </a:solidFill>
+                          <a:effectLst/>
+                          <a:latin typeface="Calibri" panose="020F0502020204030204" pitchFamily="34" charset="0"/>
+                        </a:rPr>
+                        <a:t>55.9</a:t>
+                      </a:r>
+                    </a:p>
+                  </a:txBody>
+                  <a:tcPr marL="9525" marR="9525" marT="9525" marB="0" anchor="ctr">
+                    <a:noFill/>
+                  </a:tcPr>
+                </a:tc>
+                <a:extLst>
+                  <a:ext uri="{0D108BD9-81ED-4DB2-BD59-A6C34878D82A}">
+                    <a16:rowId xmlns:a16="http://schemas.microsoft.com/office/drawing/2014/main" val="2377806290"/>
+                  </a:ext>
+                </a:extLst>
+              </a:tr>
+              <a:tr h="368454">
+                <a:tc>
+                  <a:txBody>
+                    <a:bodyPr/>
+                    <a:lstStyle/>
+                    <a:p>
+                      <a:pPr algn="l" fontAlgn="b"/>
+                      <a:r>
+                        <a:rPr lang="en-GB" sz="1800" b="0" i="0" u="none" strike="noStrike" dirty="0">
+                          <a:solidFill>
+                            <a:schemeClr val="tx1"/>
+                          </a:solidFill>
+                          <a:effectLst/>
+                          <a:latin typeface="Calibri" panose="020F0502020204030204" pitchFamily="34" charset="0"/>
+                        </a:rPr>
+                        <a:t>PCA</a:t>
+                      </a:r>
+                    </a:p>
+                  </a:txBody>
+                  <a:tcPr marL="108000" marR="9525" marT="9525" marB="0" anchor="ctr">
+                    <a:noFill/>
+                  </a:tcPr>
+                </a:tc>
+                <a:tc>
+                  <a:txBody>
+                    <a:bodyPr/>
+                    <a:lstStyle/>
+                    <a:p>
+                      <a:pPr algn="ctr" fontAlgn="b"/>
+                      <a:r>
+                        <a:rPr lang="en-GB" sz="2000" b="0" i="0" u="none" strike="noStrike" dirty="0">
+                          <a:solidFill>
+                            <a:schemeClr val="tx1"/>
+                          </a:solidFill>
+                          <a:effectLst/>
+                          <a:latin typeface="Calibri" panose="020F0502020204030204" pitchFamily="34" charset="0"/>
+                        </a:rPr>
+                        <a:t>53.6</a:t>
+                      </a:r>
+                    </a:p>
+                  </a:txBody>
+                  <a:tcPr marL="9525" marR="9525" marT="9525" marB="0" anchor="ctr">
+                    <a:noFill/>
+                  </a:tcPr>
+                </a:tc>
+                <a:tc>
+                  <a:txBody>
+                    <a:bodyPr/>
+                    <a:lstStyle/>
+                    <a:p>
+                      <a:pPr algn="ctr" fontAlgn="b"/>
+                      <a:r>
+                        <a:rPr lang="en-GB" sz="2000" b="0" i="0" u="none" strike="noStrike">
+                          <a:solidFill>
+                            <a:schemeClr val="tx1"/>
+                          </a:solidFill>
+                          <a:effectLst/>
+                          <a:latin typeface="Calibri" panose="020F0502020204030204" pitchFamily="34" charset="0"/>
+                        </a:rPr>
+                        <a:t>52.9</a:t>
+                      </a:r>
+                    </a:p>
+                  </a:txBody>
+                  <a:tcPr marL="9525" marR="9525" marT="9525" marB="0" anchor="ctr">
+                    <a:noFill/>
+                  </a:tcPr>
+                </a:tc>
+                <a:extLst>
+                  <a:ext uri="{0D108BD9-81ED-4DB2-BD59-A6C34878D82A}">
+                    <a16:rowId xmlns:a16="http://schemas.microsoft.com/office/drawing/2014/main" val="3624092050"/>
+                  </a:ext>
+                </a:extLst>
+              </a:tr>
+              <a:tr h="572892">
+                <a:tc>
+                  <a:txBody>
+                    <a:bodyPr/>
+                    <a:lstStyle/>
+                    <a:p>
+                      <a:pPr algn="l" fontAlgn="b"/>
+                      <a:r>
+                        <a:rPr lang="en-GB" sz="1800" b="0" i="0" u="none" strike="noStrike" dirty="0">
+                          <a:solidFill>
+                            <a:schemeClr val="tx1"/>
+                          </a:solidFill>
+                          <a:effectLst/>
+                          <a:latin typeface="Calibri" panose="020F0502020204030204" pitchFamily="34" charset="0"/>
+                        </a:rPr>
+                        <a:t>NN layers and Neurons</a:t>
+                      </a:r>
+                    </a:p>
+                  </a:txBody>
+                  <a:tcPr marL="108000" marR="9525" marT="9525" marB="0" anchor="ctr">
+                    <a:noFill/>
+                  </a:tcPr>
+                </a:tc>
+                <a:tc>
+                  <a:txBody>
+                    <a:bodyPr/>
+                    <a:lstStyle/>
+                    <a:p>
+                      <a:pPr algn="ctr" fontAlgn="b"/>
+                      <a:r>
+                        <a:rPr lang="en-GB" sz="2000" b="0" i="0" u="none" strike="noStrike" dirty="0">
+                          <a:solidFill>
+                            <a:schemeClr val="tx1"/>
+                          </a:solidFill>
+                          <a:effectLst/>
+                          <a:latin typeface="Calibri" panose="020F0502020204030204" pitchFamily="34" charset="0"/>
+                        </a:rPr>
+                        <a:t>63.5</a:t>
+                      </a:r>
+                    </a:p>
+                  </a:txBody>
+                  <a:tcPr marL="9525" marR="9525" marT="9525" marB="0" anchor="ctr">
+                    <a:noFill/>
+                  </a:tcPr>
+                </a:tc>
+                <a:tc>
+                  <a:txBody>
+                    <a:bodyPr/>
+                    <a:lstStyle/>
+                    <a:p>
+                      <a:pPr algn="ctr" fontAlgn="b"/>
+                      <a:r>
+                        <a:rPr lang="en-GB" sz="2000" b="0" i="0" u="none" strike="noStrike">
+                          <a:solidFill>
+                            <a:schemeClr val="tx1"/>
+                          </a:solidFill>
+                          <a:effectLst/>
+                          <a:latin typeface="Calibri" panose="020F0502020204030204" pitchFamily="34" charset="0"/>
+                        </a:rPr>
+                        <a:t>63.2</a:t>
+                      </a:r>
+                    </a:p>
+                  </a:txBody>
+                  <a:tcPr marL="9525" marR="9525" marT="9525" marB="0" anchor="ctr">
+                    <a:noFill/>
+                  </a:tcPr>
+                </a:tc>
+                <a:extLst>
+                  <a:ext uri="{0D108BD9-81ED-4DB2-BD59-A6C34878D82A}">
+                    <a16:rowId xmlns:a16="http://schemas.microsoft.com/office/drawing/2014/main" val="2995002497"/>
+                  </a:ext>
+                </a:extLst>
+              </a:tr>
+              <a:tr h="368454">
+                <a:tc>
+                  <a:txBody>
+                    <a:bodyPr/>
+                    <a:lstStyle/>
+                    <a:p>
+                      <a:pPr algn="l" fontAlgn="b"/>
+                      <a:r>
+                        <a:rPr lang="en-GB" sz="1800" b="0" i="0" u="none" strike="noStrike" dirty="0">
+                          <a:solidFill>
+                            <a:schemeClr val="tx1"/>
+                          </a:solidFill>
+                          <a:effectLst/>
+                          <a:latin typeface="Calibri" panose="020F0502020204030204" pitchFamily="34" charset="0"/>
+                        </a:rPr>
+                        <a:t>Over sampled</a:t>
+                      </a:r>
+                    </a:p>
+                  </a:txBody>
+                  <a:tcPr marL="108000" marR="9525" marT="9525" marB="0" anchor="ctr">
+                    <a:noFill/>
+                  </a:tcPr>
+                </a:tc>
+                <a:tc>
+                  <a:txBody>
+                    <a:bodyPr/>
+                    <a:lstStyle/>
+                    <a:p>
+                      <a:pPr algn="ctr" fontAlgn="b"/>
+                      <a:r>
+                        <a:rPr lang="en-GB" sz="2000" b="0" i="0" u="none" strike="noStrike" dirty="0">
+                          <a:solidFill>
+                            <a:schemeClr val="tx1"/>
+                          </a:solidFill>
+                          <a:effectLst/>
+                          <a:latin typeface="Calibri" panose="020F0502020204030204" pitchFamily="34" charset="0"/>
+                        </a:rPr>
+                        <a:t>55.3</a:t>
+                      </a:r>
+                    </a:p>
+                  </a:txBody>
+                  <a:tcPr marL="9525" marR="9525" marT="9525" marB="0" anchor="ctr">
+                    <a:noFill/>
+                  </a:tcPr>
+                </a:tc>
+                <a:tc>
+                  <a:txBody>
+                    <a:bodyPr/>
+                    <a:lstStyle/>
+                    <a:p>
+                      <a:pPr algn="ctr" fontAlgn="b"/>
+                      <a:r>
+                        <a:rPr lang="en-GB" sz="2000" b="0" i="0" u="none" strike="noStrike">
+                          <a:solidFill>
+                            <a:schemeClr val="tx1"/>
+                          </a:solidFill>
+                          <a:effectLst/>
+                          <a:latin typeface="Calibri" panose="020F0502020204030204" pitchFamily="34" charset="0"/>
+                        </a:rPr>
+                        <a:t>53.3</a:t>
+                      </a:r>
+                    </a:p>
+                  </a:txBody>
+                  <a:tcPr marL="9525" marR="9525" marT="9525" marB="0" anchor="ctr">
+                    <a:noFill/>
+                  </a:tcPr>
+                </a:tc>
+                <a:extLst>
+                  <a:ext uri="{0D108BD9-81ED-4DB2-BD59-A6C34878D82A}">
+                    <a16:rowId xmlns:a16="http://schemas.microsoft.com/office/drawing/2014/main" val="3663770546"/>
+                  </a:ext>
+                </a:extLst>
+              </a:tr>
+              <a:tr h="518804">
+                <a:tc>
+                  <a:txBody>
+                    <a:bodyPr/>
+                    <a:lstStyle/>
+                    <a:p>
+                      <a:pPr algn="l" fontAlgn="b"/>
+                      <a:r>
+                        <a:rPr lang="en-GB" sz="1800" b="0" i="0" u="none" strike="noStrike" dirty="0">
+                          <a:solidFill>
+                            <a:schemeClr val="tx1"/>
+                          </a:solidFill>
+                          <a:effectLst/>
+                          <a:latin typeface="Calibri" panose="020F0502020204030204" pitchFamily="34" charset="0"/>
+                        </a:rPr>
+                        <a:t>Activation function</a:t>
+                      </a:r>
+                    </a:p>
+                  </a:txBody>
+                  <a:tcPr marL="108000" marR="9525" marT="9525" marB="0" anchor="ctr">
+                    <a:noFill/>
+                  </a:tcPr>
+                </a:tc>
+                <a:tc>
+                  <a:txBody>
+                    <a:bodyPr/>
+                    <a:lstStyle/>
+                    <a:p>
+                      <a:pPr algn="ctr" fontAlgn="b"/>
+                      <a:r>
+                        <a:rPr lang="en-GB" sz="2000" b="0" i="0" u="none" strike="noStrike" dirty="0">
+                          <a:solidFill>
+                            <a:schemeClr val="tx1"/>
+                          </a:solidFill>
+                          <a:effectLst/>
+                          <a:latin typeface="Calibri" panose="020F0502020204030204" pitchFamily="34" charset="0"/>
+                        </a:rPr>
+                        <a:t>58.4</a:t>
+                      </a:r>
+                    </a:p>
+                  </a:txBody>
+                  <a:tcPr marL="9525" marR="9525" marT="9525" marB="0" anchor="ctr">
+                    <a:noFill/>
+                  </a:tcPr>
+                </a:tc>
+                <a:tc>
+                  <a:txBody>
+                    <a:bodyPr/>
+                    <a:lstStyle/>
+                    <a:p>
+                      <a:pPr algn="ctr" fontAlgn="b"/>
+                      <a:r>
+                        <a:rPr lang="en-GB" sz="2000" b="0" i="0" u="none" strike="noStrike">
+                          <a:solidFill>
+                            <a:schemeClr val="tx1"/>
+                          </a:solidFill>
+                          <a:effectLst/>
+                          <a:latin typeface="Calibri" panose="020F0502020204030204" pitchFamily="34" charset="0"/>
+                        </a:rPr>
+                        <a:t>58</a:t>
+                      </a:r>
+                    </a:p>
+                  </a:txBody>
+                  <a:tcPr marL="9525" marR="9525" marT="9525" marB="0" anchor="ctr">
+                    <a:noFill/>
+                  </a:tcPr>
+                </a:tc>
+                <a:extLst>
+                  <a:ext uri="{0D108BD9-81ED-4DB2-BD59-A6C34878D82A}">
+                    <a16:rowId xmlns:a16="http://schemas.microsoft.com/office/drawing/2014/main" val="172635450"/>
+                  </a:ext>
+                </a:extLst>
+              </a:tr>
+              <a:tr h="368454">
+                <a:tc>
+                  <a:txBody>
+                    <a:bodyPr/>
+                    <a:lstStyle/>
+                    <a:p>
+                      <a:pPr algn="l" fontAlgn="b"/>
+                      <a:r>
+                        <a:rPr lang="en-GB" sz="1800" b="0" i="0" u="none" strike="noStrike" dirty="0">
+                          <a:solidFill>
+                            <a:schemeClr val="tx1"/>
+                          </a:solidFill>
+                          <a:effectLst/>
+                          <a:latin typeface="Calibri" panose="020F0502020204030204" pitchFamily="34" charset="0"/>
+                        </a:rPr>
+                        <a:t>Fully optimised</a:t>
+                      </a:r>
+                    </a:p>
+                  </a:txBody>
+                  <a:tcPr marL="108000" marR="9525" marT="9525" marB="0" anchor="ctr">
+                    <a:noFill/>
+                  </a:tcPr>
+                </a:tc>
+                <a:tc>
+                  <a:txBody>
+                    <a:bodyPr/>
+                    <a:lstStyle/>
+                    <a:p>
+                      <a:pPr algn="ctr" fontAlgn="b"/>
+                      <a:r>
+                        <a:rPr lang="en-GB" sz="2000" b="0" i="0" u="none" strike="noStrike" dirty="0">
+                          <a:solidFill>
+                            <a:schemeClr val="tx1"/>
+                          </a:solidFill>
+                          <a:effectLst/>
+                          <a:latin typeface="Calibri" panose="020F0502020204030204" pitchFamily="34" charset="0"/>
+                        </a:rPr>
+                        <a:t>63.8</a:t>
+                      </a:r>
+                    </a:p>
+                  </a:txBody>
+                  <a:tcPr marL="9525" marR="9525" marT="9525" marB="0" anchor="ctr">
+                    <a:noFill/>
+                  </a:tcPr>
+                </a:tc>
+                <a:tc>
+                  <a:txBody>
+                    <a:bodyPr/>
+                    <a:lstStyle/>
+                    <a:p>
+                      <a:pPr algn="ctr" fontAlgn="b"/>
+                      <a:r>
+                        <a:rPr lang="en-GB" sz="2000" b="0" i="0" u="none" strike="noStrike" dirty="0">
+                          <a:solidFill>
+                            <a:schemeClr val="tx1"/>
+                          </a:solidFill>
+                          <a:effectLst/>
+                          <a:latin typeface="Calibri" panose="020F0502020204030204" pitchFamily="34" charset="0"/>
+                        </a:rPr>
+                        <a:t>62.9</a:t>
+                      </a:r>
+                    </a:p>
+                  </a:txBody>
+                  <a:tcPr marL="9525" marR="9525" marT="9525" marB="0" anchor="ctr">
+                    <a:noFill/>
+                  </a:tcPr>
+                </a:tc>
+                <a:extLst>
+                  <a:ext uri="{0D108BD9-81ED-4DB2-BD59-A6C34878D82A}">
+                    <a16:rowId xmlns:a16="http://schemas.microsoft.com/office/drawing/2014/main" val="2125992567"/>
+                  </a:ext>
+                </a:extLst>
+              </a:tr>
+            </a:tbl>
+          </a:graphicData>
+        </a:graphic>
+      </p:graphicFrame>
+      <p:sp>
+        <p:nvSpPr>
+          <p:cNvPr id="7" name="Oval 6">
+            <a:extLst>
+              <a:ext uri="{FF2B5EF4-FFF2-40B4-BE49-F238E27FC236}">
+                <a16:creationId xmlns:a16="http://schemas.microsoft.com/office/drawing/2014/main" id="{5CFA5173-83EB-4FB7-54A8-F6F16F819813}"/>
+              </a:ext>
+            </a:extLst>
+          </p:cNvPr>
+          <p:cNvSpPr/>
+          <p:nvPr/>
+        </p:nvSpPr>
+        <p:spPr>
+          <a:xfrm>
+            <a:off x="4203031" y="3429000"/>
+            <a:ext cx="1155031" cy="481263"/>
+          </a:xfrm>
+          <a:prstGeom prst="ellipse">
+            <a:avLst/>
+          </a:prstGeom>
+          <a:noFill/>
+          <a:ln w="57150">
+            <a:solidFill>
+              <a:schemeClr val="accent1"/>
+            </a:solidFill>
+          </a:ln>
+        </p:spPr>
+        <p:style>
+          <a:lnRef idx="2">
+            <a:schemeClr val="accent1">
+              <a:shade val="15000"/>
+            </a:schemeClr>
+          </a:lnRef>
+          <a:fillRef idx="1">
+            <a:schemeClr val="accent1"/>
+          </a:fillRef>
+          <a:effectRef idx="0">
+            <a:schemeClr val="accent1"/>
+          </a:effectRef>
+          <a:fontRef idx="minor">
+            <a:schemeClr val="lt1"/>
+          </a:fontRef>
+        </p:style>
+        <p:txBody>
+          <a:bodyPr rtlCol="0" anchor="ctr"/>
+          <a:lstStyle/>
+          <a:p>
+            <a:pPr algn="ctr"/>
+            <a:endParaRPr lang="en-GB" dirty="0"/>
+          </a:p>
+        </p:txBody>
+      </p:sp>
+      <p:sp>
+        <p:nvSpPr>
+          <p:cNvPr id="8" name="Oval 7">
+            <a:extLst>
+              <a:ext uri="{FF2B5EF4-FFF2-40B4-BE49-F238E27FC236}">
+                <a16:creationId xmlns:a16="http://schemas.microsoft.com/office/drawing/2014/main" id="{78B0D52F-2817-9B50-D3FE-1A51DDF91FC9}"/>
+              </a:ext>
+            </a:extLst>
+          </p:cNvPr>
+          <p:cNvSpPr/>
+          <p:nvPr/>
+        </p:nvSpPr>
+        <p:spPr>
+          <a:xfrm>
+            <a:off x="4203031" y="4332988"/>
+            <a:ext cx="1155031" cy="412268"/>
+          </a:xfrm>
+          <a:prstGeom prst="ellipse">
+            <a:avLst/>
+          </a:prstGeom>
+          <a:noFill/>
+          <a:ln w="57150">
+            <a:solidFill>
+              <a:schemeClr val="accent1"/>
+            </a:solidFill>
+          </a:ln>
+        </p:spPr>
+        <p:style>
+          <a:lnRef idx="2">
+            <a:schemeClr val="accent1">
+              <a:shade val="15000"/>
+            </a:schemeClr>
+          </a:lnRef>
+          <a:fillRef idx="1">
+            <a:schemeClr val="accent1"/>
+          </a:fillRef>
+          <a:effectRef idx="0">
+            <a:schemeClr val="accent1"/>
+          </a:effectRef>
+          <a:fontRef idx="minor">
+            <a:schemeClr val="lt1"/>
+          </a:fontRef>
+        </p:style>
+        <p:txBody>
+          <a:bodyPr rtlCol="0" anchor="ctr"/>
+          <a:lstStyle/>
+          <a:p>
+            <a:pPr algn="ctr"/>
+            <a:endParaRPr lang="en-GB"/>
+          </a:p>
+        </p:txBody>
+      </p:sp>
+      <p:pic>
+        <p:nvPicPr>
+          <p:cNvPr id="11" name="Picture 10">
+            <a:extLst>
+              <a:ext uri="{FF2B5EF4-FFF2-40B4-BE49-F238E27FC236}">
+                <a16:creationId xmlns:a16="http://schemas.microsoft.com/office/drawing/2014/main" id="{E9385D22-C8F8-75C1-A72C-C83AAE952549}"/>
+              </a:ext>
+            </a:extLst>
+          </p:cNvPr>
+          <p:cNvPicPr>
+            <a:picLocks noChangeAspect="1"/>
+          </p:cNvPicPr>
+          <p:nvPr/>
+        </p:nvPicPr>
+        <p:blipFill>
+          <a:blip r:embed="rId2"/>
+          <a:stretch>
+            <a:fillRect/>
+          </a:stretch>
+        </p:blipFill>
+        <p:spPr>
+          <a:xfrm>
+            <a:off x="6267112" y="110294"/>
+            <a:ext cx="3410551" cy="2548602"/>
+          </a:xfrm>
+          <a:prstGeom prst="rect">
+            <a:avLst/>
+          </a:prstGeom>
+        </p:spPr>
+      </p:pic>
+      <p:pic>
+        <p:nvPicPr>
+          <p:cNvPr id="3" name="Picture 2">
+            <a:extLst>
+              <a:ext uri="{FF2B5EF4-FFF2-40B4-BE49-F238E27FC236}">
+                <a16:creationId xmlns:a16="http://schemas.microsoft.com/office/drawing/2014/main" id="{33BD51EE-84A2-31C1-5CB2-F1DFB87E8294}"/>
+              </a:ext>
+            </a:extLst>
+          </p:cNvPr>
+          <p:cNvPicPr>
+            <a:picLocks noChangeAspect="1"/>
+          </p:cNvPicPr>
+          <p:nvPr/>
+        </p:nvPicPr>
+        <p:blipFill>
+          <a:blip r:embed="rId3"/>
+          <a:stretch>
+            <a:fillRect/>
+          </a:stretch>
+        </p:blipFill>
+        <p:spPr>
+          <a:xfrm>
+            <a:off x="6170346" y="2934801"/>
+            <a:ext cx="4752443" cy="3620909"/>
+          </a:xfrm>
+          <a:prstGeom prst="rect">
+            <a:avLst/>
+          </a:prstGeom>
+        </p:spPr>
+      </p:pic>
+    </p:spTree>
+    <p:extLst>
+      <p:ext uri="{BB962C8B-B14F-4D97-AF65-F5344CB8AC3E}">
+        <p14:creationId xmlns:p14="http://schemas.microsoft.com/office/powerpoint/2010/main" val="4249739218"/>
+      </p:ext>
+    </p:extLst>
+  </p:cSld>
+  <p:clrMapOvr>
+    <a:masterClrMapping/>
+  </p:clrMapOvr>
+  <p:timing>
+    <p:tnLst>
+      <p:par>
+        <p:cTn id="1" dur="indefinite" restart="never" nodeType="tmRoot">
+          <p:childTnLst>
+            <p:seq concurrent="1" nextAc="seek">
+              <p:cTn id="2" dur="indefinite" nodeType="mainSeq">
+                <p:childTnLst>
+                  <p:par>
+                    <p:cTn id="3" fill="hold">
+                      <p:stCondLst>
+                        <p:cond delay="indefinite"/>
+                      </p:stCondLst>
+                      <p:childTnLst>
+                        <p:par>
+                          <p:cTn id="4" fill="hold">
+                            <p:stCondLst>
+                              <p:cond delay="0"/>
+                            </p:stCondLst>
+                            <p:childTnLst>
+                              <p:par>
+                                <p:cTn id="5" presetID="1" presetClass="entr" presetSubtype="0" fill="hold" nodeType="clickEffect">
+                                  <p:stCondLst>
+                                    <p:cond delay="0"/>
+                                  </p:stCondLst>
+                                  <p:childTnLst>
+                                    <p:set>
+                                      <p:cBhvr>
+                                        <p:cTn id="6" dur="1" fill="hold">
+                                          <p:stCondLst>
+                                            <p:cond delay="0"/>
+                                          </p:stCondLst>
+                                        </p:cTn>
+                                        <p:tgtEl>
+                                          <p:spTgt spid="11"/>
+                                        </p:tgtEl>
+                                        <p:attrNameLst>
+                                          <p:attrName>style.visibility</p:attrName>
+                                        </p:attrNameLst>
+                                      </p:cBhvr>
+                                      <p:to>
+                                        <p:strVal val="visible"/>
+                                      </p:to>
+                                    </p:set>
+                                  </p:childTnLst>
+                                </p:cTn>
+                              </p:par>
+                            </p:childTnLst>
+                          </p:cTn>
+                        </p:par>
+                      </p:childTnLst>
+                    </p:cTn>
+                  </p:par>
+                  <p:par>
+                    <p:cTn id="7" fill="hold">
+                      <p:stCondLst>
+                        <p:cond delay="indefinite"/>
+                      </p:stCondLst>
+                      <p:childTnLst>
+                        <p:par>
+                          <p:cTn id="8" fill="hold">
+                            <p:stCondLst>
+                              <p:cond delay="0"/>
+                            </p:stCondLst>
+                            <p:childTnLst>
+                              <p:par>
+                                <p:cTn id="9" presetID="1" presetClass="entr" presetSubtype="0" fill="hold" grpId="0" nodeType="clickEffect">
+                                  <p:stCondLst>
+                                    <p:cond delay="0"/>
+                                  </p:stCondLst>
+                                  <p:childTnLst>
+                                    <p:set>
+                                      <p:cBhvr>
+                                        <p:cTn id="10" dur="1" fill="hold">
+                                          <p:stCondLst>
+                                            <p:cond delay="0"/>
+                                          </p:stCondLst>
+                                        </p:cTn>
+                                        <p:tgtEl>
+                                          <p:spTgt spid="7"/>
+                                        </p:tgtEl>
+                                        <p:attrNameLst>
+                                          <p:attrName>style.visibility</p:attrName>
+                                        </p:attrNameLst>
+                                      </p:cBhvr>
+                                      <p:to>
+                                        <p:strVal val="visible"/>
+                                      </p:to>
+                                    </p:set>
+                                  </p:childTnLst>
+                                </p:cTn>
+                              </p:par>
+                            </p:childTnLst>
+                          </p:cTn>
+                        </p:par>
+                      </p:childTnLst>
+                    </p:cTn>
+                  </p:par>
+                  <p:par>
+                    <p:cTn id="11" fill="hold">
+                      <p:stCondLst>
+                        <p:cond delay="indefinite"/>
+                      </p:stCondLst>
+                      <p:childTnLst>
+                        <p:par>
+                          <p:cTn id="12" fill="hold">
+                            <p:stCondLst>
+                              <p:cond delay="0"/>
+                            </p:stCondLst>
+                            <p:childTnLst>
+                              <p:par>
+                                <p:cTn id="13" presetID="1" presetClass="entr" presetSubtype="0" fill="hold" grpId="0" nodeType="clickEffect">
+                                  <p:stCondLst>
+                                    <p:cond delay="0"/>
+                                  </p:stCondLst>
+                                  <p:childTnLst>
+                                    <p:set>
+                                      <p:cBhvr>
+                                        <p:cTn id="14" dur="1" fill="hold">
+                                          <p:stCondLst>
+                                            <p:cond delay="0"/>
+                                          </p:stCondLst>
+                                        </p:cTn>
+                                        <p:tgtEl>
+                                          <p:spTgt spid="8"/>
+                                        </p:tgtEl>
+                                        <p:attrNameLst>
+                                          <p:attrName>style.visibility</p:attrName>
+                                        </p:attrNameLst>
+                                      </p:cBhvr>
+                                      <p:to>
+                                        <p:strVal val="visible"/>
+                                      </p:to>
+                                    </p:set>
+                                  </p:childTnLst>
+                                </p:cTn>
+                              </p:par>
+                            </p:childTnLst>
+                          </p:cTn>
+                        </p:par>
+                      </p:childTnLst>
+                    </p:cTn>
+                  </p:par>
+                </p:childTnLst>
+              </p:cTn>
+              <p:prevCondLst>
+                <p:cond evt="onPrev" delay="0">
+                  <p:tgtEl>
+                    <p:sldTgt/>
+                  </p:tgtEl>
+                </p:cond>
+              </p:prevCondLst>
+              <p:nextCondLst>
+                <p:cond evt="onNext" delay="0">
+                  <p:tgtEl>
+                    <p:sldTgt/>
+                  </p:tgtEl>
+                </p:cond>
+              </p:nextCondLst>
+            </p:seq>
+          </p:childTnLst>
+        </p:cTn>
+      </p:par>
+    </p:tnLst>
+    <p:bldLst>
+      <p:bldP spid="7" grpId="0" animBg="1"/>
+      <p:bldP spid="8" grpId="0" animBg="1"/>
+    </p:bldLst>
+  </p:timing>
+</p:sld>
+</file>
+
+<file path=ppt/slides/slide7.xml><?xml version="1.0" encoding="utf-8"?>
+<p:sld xmlns:a="http://schemas.openxmlformats.org/drawingml/2006/main" xmlns:r="http://schemas.openxmlformats.org/officeDocument/2006/relationships" xmlns:p="http://schemas.openxmlformats.org/presentationml/2006/main">
+  <p:cSld>
+    <p:spTree>
+      <p:nvGrpSpPr>
+        <p:cNvPr id="1" name=""/>
+        <p:cNvGrpSpPr/>
+        <p:nvPr/>
+      </p:nvGrpSpPr>
+      <p:grpSpPr>
+        <a:xfrm>
+          <a:off x="0" y="0"/>
+          <a:ext cx="0" cy="0"/>
+          <a:chOff x="0" y="0"/>
+          <a:chExt cx="0" cy="0"/>
+        </a:xfrm>
+      </p:grpSpPr>
+      <p:sp>
+        <p:nvSpPr>
+          <p:cNvPr id="3" name="TextBox 2">
+            <a:extLst>
+              <a:ext uri="{FF2B5EF4-FFF2-40B4-BE49-F238E27FC236}">
+                <a16:creationId xmlns:a16="http://schemas.microsoft.com/office/drawing/2014/main" id="{B16B833E-C7AF-0009-1759-580F3600211A}"/>
+              </a:ext>
+            </a:extLst>
+          </p:cNvPr>
+          <p:cNvSpPr txBox="1"/>
+          <p:nvPr/>
+        </p:nvSpPr>
+        <p:spPr>
+          <a:xfrm>
+            <a:off x="1674796" y="601929"/>
+            <a:ext cx="8672362" cy="5755422"/>
+          </a:xfrm>
+          <a:prstGeom prst="rect">
+            <a:avLst/>
+          </a:prstGeom>
+          <a:noFill/>
+        </p:spPr>
+        <p:txBody>
+          <a:bodyPr wrap="square">
+            <a:spAutoFit/>
+          </a:bodyPr>
+          <a:lstStyle/>
+          <a:p>
+            <a:pPr algn="ctr"/>
+            <a:r>
+              <a:rPr lang="en-GB" sz="2800" u="sng" dirty="0">
+                <a:solidFill>
+                  <a:srgbClr val="FFFFFF"/>
+                </a:solidFill>
+                <a:latin typeface="Söhne Mono"/>
+              </a:rPr>
+              <a:t>Optimised</a:t>
+            </a:r>
+            <a:r>
+              <a:rPr lang="en-GB" sz="2800" b="0" i="0" u="sng" dirty="0">
+                <a:solidFill>
+                  <a:srgbClr val="FFFFFF"/>
+                </a:solidFill>
+                <a:effectLst/>
+                <a:latin typeface="Söhne Mono"/>
+              </a:rPr>
+              <a:t> Neural Network – Trained over 10 Epochs</a:t>
+            </a:r>
+            <a:endParaRPr lang="en-GB" sz="2800" u="sng" dirty="0">
+              <a:solidFill>
+                <a:srgbClr val="FFFFFF"/>
+              </a:solidFill>
+              <a:latin typeface="Söhne Mono"/>
+            </a:endParaRPr>
+          </a:p>
+          <a:p>
+            <a:pPr algn="ctr"/>
+            <a:endParaRPr lang="en-GB" sz="2000" b="0" i="0" u="sng" dirty="0">
+              <a:solidFill>
+                <a:srgbClr val="FFFFFF"/>
+              </a:solidFill>
+              <a:effectLst/>
+              <a:latin typeface="Söhne Mono"/>
+            </a:endParaRPr>
+          </a:p>
+          <a:p>
+            <a:pPr algn="ctr"/>
+            <a:r>
+              <a:rPr lang="en-GB" sz="2400" b="0" i="0" dirty="0">
+                <a:solidFill>
+                  <a:srgbClr val="FFFFFF"/>
+                </a:solidFill>
+                <a:effectLst/>
+                <a:latin typeface="Söhne Mono"/>
+              </a:rPr>
+              <a:t>Input Layer (</a:t>
+            </a:r>
+            <a:r>
+              <a:rPr lang="en-GB" sz="2400" dirty="0">
+                <a:solidFill>
+                  <a:srgbClr val="DF3079"/>
+                </a:solidFill>
+                <a:latin typeface="Söhne Mono"/>
+              </a:rPr>
+              <a:t>48</a:t>
+            </a:r>
+            <a:r>
+              <a:rPr lang="en-GB" sz="2400" b="0" i="0" dirty="0">
+                <a:solidFill>
+                  <a:srgbClr val="FFFFFF"/>
+                </a:solidFill>
+                <a:effectLst/>
+                <a:latin typeface="Söhne Mono"/>
+              </a:rPr>
+              <a:t> inputs) </a:t>
+            </a:r>
+          </a:p>
+          <a:p>
+            <a:endParaRPr lang="en-GB" sz="2400" dirty="0">
+              <a:solidFill>
+                <a:srgbClr val="FFFFFF"/>
+              </a:solidFill>
+              <a:latin typeface="Söhne Mono"/>
+            </a:endParaRPr>
+          </a:p>
+          <a:p>
+            <a:endParaRPr lang="en-GB" sz="2400" b="0" i="0" dirty="0">
+              <a:solidFill>
+                <a:srgbClr val="FFFFFF"/>
+              </a:solidFill>
+              <a:effectLst/>
+              <a:latin typeface="Söhne Mono"/>
+            </a:endParaRPr>
+          </a:p>
+          <a:p>
+            <a:pPr algn="ctr"/>
+            <a:r>
+              <a:rPr lang="en-GB" sz="2400" b="0" i="0" dirty="0">
+                <a:solidFill>
+                  <a:srgbClr val="FFFFFF"/>
+                </a:solidFill>
+                <a:effectLst/>
+                <a:latin typeface="Söhne Mono"/>
+              </a:rPr>
+              <a:t>Hidden Layer </a:t>
+            </a:r>
+            <a:r>
+              <a:rPr lang="en-GB" sz="2400" b="0" i="0" dirty="0">
+                <a:solidFill>
+                  <a:srgbClr val="DF3079"/>
+                </a:solidFill>
+                <a:effectLst/>
+                <a:latin typeface="Söhne Mono"/>
+              </a:rPr>
+              <a:t>1</a:t>
+            </a:r>
+            <a:r>
+              <a:rPr lang="en-GB" sz="2400" b="0" i="0" dirty="0">
+                <a:solidFill>
+                  <a:srgbClr val="FFFFFF"/>
+                </a:solidFill>
+                <a:effectLst/>
+                <a:latin typeface="Söhne Mono"/>
+              </a:rPr>
+              <a:t> (</a:t>
+            </a:r>
+            <a:r>
+              <a:rPr lang="en-GB" sz="2400" dirty="0">
+                <a:solidFill>
+                  <a:srgbClr val="DF3079"/>
+                </a:solidFill>
+                <a:latin typeface="Söhne Mono"/>
+              </a:rPr>
+              <a:t>10</a:t>
+            </a:r>
+            <a:r>
+              <a:rPr lang="en-GB" sz="2400" b="0" i="0" dirty="0">
+                <a:solidFill>
+                  <a:srgbClr val="DF3079"/>
+                </a:solidFill>
+                <a:effectLst/>
+                <a:latin typeface="Söhne Mono"/>
+              </a:rPr>
+              <a:t>0</a:t>
+            </a:r>
+            <a:r>
+              <a:rPr lang="en-GB" sz="2400" b="0" i="0" dirty="0">
+                <a:solidFill>
+                  <a:srgbClr val="FFFFFF"/>
+                </a:solidFill>
+                <a:effectLst/>
+                <a:latin typeface="Söhne Mono"/>
+              </a:rPr>
+              <a:t> neurons, Tanh activation) </a:t>
+            </a:r>
+          </a:p>
+          <a:p>
+            <a:endParaRPr lang="en-GB" sz="2400" dirty="0">
+              <a:solidFill>
+                <a:srgbClr val="FFFFFF"/>
+              </a:solidFill>
+              <a:latin typeface="Söhne Mono"/>
+            </a:endParaRPr>
+          </a:p>
+          <a:p>
+            <a:endParaRPr lang="en-GB" sz="2400" dirty="0">
+              <a:solidFill>
+                <a:srgbClr val="FFFFFF"/>
+              </a:solidFill>
+              <a:latin typeface="Söhne Mono"/>
+            </a:endParaRPr>
+          </a:p>
+          <a:p>
+            <a:pPr algn="ctr"/>
+            <a:r>
+              <a:rPr lang="en-GB" sz="2400" b="0" i="0" dirty="0">
+                <a:solidFill>
+                  <a:srgbClr val="FFFFFF"/>
+                </a:solidFill>
+                <a:effectLst/>
+                <a:latin typeface="Söhne Mono"/>
+              </a:rPr>
+              <a:t>Hidden Layer </a:t>
+            </a:r>
+            <a:r>
+              <a:rPr lang="en-GB" sz="2400" dirty="0">
+                <a:solidFill>
+                  <a:srgbClr val="DF3079"/>
+                </a:solidFill>
+                <a:latin typeface="Söhne Mono"/>
+              </a:rPr>
+              <a:t>2</a:t>
+            </a:r>
+            <a:r>
+              <a:rPr lang="en-GB" sz="2400" b="0" i="0" dirty="0">
+                <a:solidFill>
+                  <a:srgbClr val="FFFFFF"/>
+                </a:solidFill>
+                <a:effectLst/>
+                <a:latin typeface="Söhne Mono"/>
+              </a:rPr>
+              <a:t> (</a:t>
+            </a:r>
+            <a:r>
+              <a:rPr lang="en-GB" sz="2400" dirty="0">
+                <a:solidFill>
+                  <a:srgbClr val="DF3079"/>
+                </a:solidFill>
+                <a:latin typeface="Söhne Mono"/>
+              </a:rPr>
+              <a:t>10</a:t>
+            </a:r>
+            <a:r>
+              <a:rPr lang="en-GB" sz="2400" b="0" i="0" dirty="0">
+                <a:solidFill>
+                  <a:srgbClr val="DF3079"/>
+                </a:solidFill>
+                <a:effectLst/>
+                <a:latin typeface="Söhne Mono"/>
+              </a:rPr>
+              <a:t>0</a:t>
+            </a:r>
+            <a:r>
+              <a:rPr lang="en-GB" sz="2400" b="0" i="0" dirty="0">
+                <a:solidFill>
+                  <a:srgbClr val="FFFFFF"/>
+                </a:solidFill>
+                <a:effectLst/>
+                <a:latin typeface="Söhne Mono"/>
+              </a:rPr>
+              <a:t> neurons, Tanh activation)</a:t>
+            </a:r>
+          </a:p>
+          <a:p>
+            <a:pPr algn="ctr"/>
+            <a:endParaRPr lang="en-GB" sz="2400" b="0" i="0" dirty="0">
+              <a:solidFill>
+                <a:srgbClr val="FFFFFF"/>
+              </a:solidFill>
+              <a:effectLst/>
+              <a:latin typeface="Söhne Mono"/>
+            </a:endParaRPr>
+          </a:p>
+          <a:p>
+            <a:endParaRPr lang="en-GB" sz="2400" b="0" i="0" dirty="0">
+              <a:solidFill>
+                <a:srgbClr val="FFFFFF"/>
+              </a:solidFill>
+              <a:effectLst/>
+              <a:latin typeface="Söhne Mono"/>
+            </a:endParaRPr>
+          </a:p>
+          <a:p>
+            <a:pPr algn="ctr"/>
+            <a:r>
+              <a:rPr lang="en-GB" sz="2400" b="0" i="0" dirty="0">
+                <a:solidFill>
+                  <a:srgbClr val="FFFFFF"/>
+                </a:solidFill>
+                <a:effectLst/>
+                <a:latin typeface="Söhne Mono"/>
+              </a:rPr>
+              <a:t>Hidden Layer </a:t>
+            </a:r>
+            <a:r>
+              <a:rPr lang="en-GB" sz="2400" b="0" i="0" dirty="0">
+                <a:solidFill>
+                  <a:srgbClr val="DF3079"/>
+                </a:solidFill>
+                <a:effectLst/>
+                <a:latin typeface="Söhne Mono"/>
+              </a:rPr>
+              <a:t>3</a:t>
+            </a:r>
+            <a:r>
+              <a:rPr lang="en-GB" sz="2400" b="0" i="0" dirty="0">
+                <a:solidFill>
+                  <a:srgbClr val="FFFFFF"/>
+                </a:solidFill>
+                <a:effectLst/>
+                <a:latin typeface="Söhne Mono"/>
+              </a:rPr>
+              <a:t> (</a:t>
+            </a:r>
+            <a:r>
+              <a:rPr lang="en-GB" sz="2400" dirty="0">
+                <a:solidFill>
+                  <a:srgbClr val="DF3079"/>
+                </a:solidFill>
+                <a:latin typeface="Söhne Mono"/>
+              </a:rPr>
+              <a:t>10</a:t>
+            </a:r>
+            <a:r>
+              <a:rPr lang="en-GB" sz="2400" b="0" i="0" dirty="0">
+                <a:solidFill>
+                  <a:srgbClr val="DF3079"/>
+                </a:solidFill>
+                <a:effectLst/>
+                <a:latin typeface="Söhne Mono"/>
+              </a:rPr>
+              <a:t>0</a:t>
+            </a:r>
+            <a:r>
+              <a:rPr lang="en-GB" sz="2400" b="0" i="0" dirty="0">
+                <a:solidFill>
+                  <a:srgbClr val="FFFFFF"/>
+                </a:solidFill>
+                <a:effectLst/>
+                <a:latin typeface="Söhne Mono"/>
+              </a:rPr>
+              <a:t> neurons, Tanh activation)</a:t>
+            </a:r>
+          </a:p>
+          <a:p>
+            <a:r>
+              <a:rPr lang="en-GB" sz="2400" dirty="0">
+                <a:solidFill>
+                  <a:srgbClr val="FFFFFF"/>
+                </a:solidFill>
+                <a:latin typeface="Söhne Mono"/>
+              </a:rPr>
+              <a:t>	</a:t>
+            </a:r>
+          </a:p>
+          <a:p>
+            <a:endParaRPr lang="en-GB" sz="2400" b="0" i="0" dirty="0">
+              <a:solidFill>
+                <a:srgbClr val="FFFFFF"/>
+              </a:solidFill>
+              <a:effectLst/>
+              <a:latin typeface="Söhne Mono"/>
+            </a:endParaRPr>
+          </a:p>
+          <a:p>
+            <a:pPr algn="ctr"/>
+            <a:r>
+              <a:rPr lang="en-GB" sz="2400" b="0" i="0" dirty="0">
+                <a:solidFill>
+                  <a:srgbClr val="FFFFFF"/>
+                </a:solidFill>
+                <a:effectLst/>
+                <a:latin typeface="Söhne Mono"/>
+              </a:rPr>
+              <a:t>Output Layer (</a:t>
+            </a:r>
+            <a:r>
+              <a:rPr lang="en-GB" sz="2400" dirty="0">
+                <a:solidFill>
+                  <a:srgbClr val="DF3079"/>
+                </a:solidFill>
+                <a:latin typeface="Söhne Mono"/>
+              </a:rPr>
+              <a:t>3</a:t>
+            </a:r>
+            <a:r>
+              <a:rPr lang="en-GB" sz="2400" b="0" i="0" dirty="0">
+                <a:solidFill>
+                  <a:srgbClr val="FFFFFF"/>
+                </a:solidFill>
+                <a:effectLst/>
+                <a:latin typeface="Söhne Mono"/>
+              </a:rPr>
+              <a:t> neurons, </a:t>
+            </a:r>
+            <a:r>
+              <a:rPr lang="en-GB" sz="2400" b="0" i="0" dirty="0" err="1">
+                <a:solidFill>
+                  <a:srgbClr val="FFFFFF"/>
+                </a:solidFill>
+                <a:effectLst/>
+                <a:latin typeface="Söhne Mono"/>
+              </a:rPr>
+              <a:t>Softmax</a:t>
+            </a:r>
+            <a:r>
+              <a:rPr lang="en-GB" sz="2400" b="0" i="0" dirty="0">
+                <a:solidFill>
+                  <a:srgbClr val="FFFFFF"/>
+                </a:solidFill>
+                <a:effectLst/>
+                <a:latin typeface="Söhne Mono"/>
+              </a:rPr>
+              <a:t> activation)</a:t>
+            </a:r>
+            <a:endParaRPr lang="en-GB" sz="2400" dirty="0"/>
+          </a:p>
+        </p:txBody>
+      </p:sp>
+      <p:sp>
+        <p:nvSpPr>
+          <p:cNvPr id="8" name="Arrow: Down 7">
+            <a:extLst>
+              <a:ext uri="{FF2B5EF4-FFF2-40B4-BE49-F238E27FC236}">
+                <a16:creationId xmlns:a16="http://schemas.microsoft.com/office/drawing/2014/main" id="{35F478EE-6AC2-1725-81BF-FB77140270D8}"/>
+              </a:ext>
+            </a:extLst>
+          </p:cNvPr>
+          <p:cNvSpPr/>
+          <p:nvPr/>
+        </p:nvSpPr>
+        <p:spPr>
+          <a:xfrm>
+            <a:off x="6010976" y="1832357"/>
+            <a:ext cx="298383" cy="654518"/>
+          </a:xfrm>
+          <a:prstGeom prst="downArrow">
+            <a:avLst/>
+          </a:prstGeom>
+        </p:spPr>
+        <p:style>
+          <a:lnRef idx="1">
+            <a:schemeClr val="dk1"/>
+          </a:lnRef>
+          <a:fillRef idx="2">
+            <a:schemeClr val="dk1"/>
+          </a:fillRef>
+          <a:effectRef idx="1">
+            <a:schemeClr val="dk1"/>
+          </a:effectRef>
+          <a:fontRef idx="minor">
+            <a:schemeClr val="dk1"/>
+          </a:fontRef>
+        </p:style>
+        <p:txBody>
+          <a:bodyPr rtlCol="0" anchor="ctr"/>
+          <a:lstStyle/>
+          <a:p>
+            <a:pPr algn="ctr"/>
+            <a:endParaRPr lang="en-GB" dirty="0"/>
+          </a:p>
+        </p:txBody>
+      </p:sp>
+      <p:sp>
+        <p:nvSpPr>
+          <p:cNvPr id="9" name="Arrow: Down 8">
+            <a:extLst>
+              <a:ext uri="{FF2B5EF4-FFF2-40B4-BE49-F238E27FC236}">
+                <a16:creationId xmlns:a16="http://schemas.microsoft.com/office/drawing/2014/main" id="{476CCBAC-396F-22EE-E19D-9292111373BD}"/>
+              </a:ext>
+            </a:extLst>
+          </p:cNvPr>
+          <p:cNvSpPr/>
+          <p:nvPr/>
+        </p:nvSpPr>
+        <p:spPr>
+          <a:xfrm>
+            <a:off x="6020600" y="2838715"/>
+            <a:ext cx="298383" cy="654518"/>
+          </a:xfrm>
+          <a:prstGeom prst="downArrow">
+            <a:avLst/>
+          </a:prstGeom>
+        </p:spPr>
+        <p:style>
+          <a:lnRef idx="1">
+            <a:schemeClr val="dk1"/>
+          </a:lnRef>
+          <a:fillRef idx="2">
+            <a:schemeClr val="dk1"/>
+          </a:fillRef>
+          <a:effectRef idx="1">
+            <a:schemeClr val="dk1"/>
+          </a:effectRef>
+          <a:fontRef idx="minor">
+            <a:schemeClr val="dk1"/>
+          </a:fontRef>
+        </p:style>
+        <p:txBody>
+          <a:bodyPr rtlCol="0" anchor="ctr"/>
+          <a:lstStyle/>
+          <a:p>
+            <a:pPr algn="ctr"/>
+            <a:endParaRPr lang="en-GB" dirty="0"/>
+          </a:p>
+        </p:txBody>
+      </p:sp>
+      <p:sp>
+        <p:nvSpPr>
+          <p:cNvPr id="10" name="Arrow: Down 9">
+            <a:extLst>
+              <a:ext uri="{FF2B5EF4-FFF2-40B4-BE49-F238E27FC236}">
+                <a16:creationId xmlns:a16="http://schemas.microsoft.com/office/drawing/2014/main" id="{2849F75A-DE4B-8DCD-CE18-F7C9C3DC6719}"/>
+              </a:ext>
+            </a:extLst>
+          </p:cNvPr>
+          <p:cNvSpPr/>
+          <p:nvPr/>
+        </p:nvSpPr>
+        <p:spPr>
+          <a:xfrm>
+            <a:off x="6010977" y="4047208"/>
+            <a:ext cx="298383" cy="654518"/>
+          </a:xfrm>
+          <a:prstGeom prst="downArrow">
+            <a:avLst/>
+          </a:prstGeom>
+        </p:spPr>
+        <p:style>
+          <a:lnRef idx="1">
+            <a:schemeClr val="dk1"/>
+          </a:lnRef>
+          <a:fillRef idx="2">
+            <a:schemeClr val="dk1"/>
+          </a:fillRef>
+          <a:effectRef idx="1">
+            <a:schemeClr val="dk1"/>
+          </a:effectRef>
+          <a:fontRef idx="minor">
+            <a:schemeClr val="dk1"/>
+          </a:fontRef>
+        </p:style>
+        <p:txBody>
+          <a:bodyPr rtlCol="0" anchor="ctr"/>
+          <a:lstStyle/>
+          <a:p>
+            <a:pPr algn="ctr"/>
+            <a:endParaRPr lang="en-GB" dirty="0"/>
+          </a:p>
+        </p:txBody>
+      </p:sp>
+      <p:sp>
+        <p:nvSpPr>
+          <p:cNvPr id="21" name="Arrow: Down 20">
+            <a:extLst>
+              <a:ext uri="{FF2B5EF4-FFF2-40B4-BE49-F238E27FC236}">
+                <a16:creationId xmlns:a16="http://schemas.microsoft.com/office/drawing/2014/main" id="{F44557AA-9E1B-1D26-1078-86A7543C564B}"/>
+              </a:ext>
+            </a:extLst>
+          </p:cNvPr>
+          <p:cNvSpPr/>
+          <p:nvPr/>
+        </p:nvSpPr>
+        <p:spPr>
+          <a:xfrm>
+            <a:off x="6020600" y="5125335"/>
+            <a:ext cx="298383" cy="654518"/>
+          </a:xfrm>
+          <a:prstGeom prst="downArrow">
+            <a:avLst/>
+          </a:prstGeom>
+        </p:spPr>
+        <p:style>
+          <a:lnRef idx="1">
+            <a:schemeClr val="dk1"/>
+          </a:lnRef>
+          <a:fillRef idx="2">
+            <a:schemeClr val="dk1"/>
+          </a:fillRef>
+          <a:effectRef idx="1">
+            <a:schemeClr val="dk1"/>
+          </a:effectRef>
+          <a:fontRef idx="minor">
+            <a:schemeClr val="dk1"/>
+          </a:fontRef>
+        </p:style>
+        <p:txBody>
+          <a:bodyPr rtlCol="0" anchor="ctr"/>
+          <a:lstStyle/>
+          <a:p>
+            <a:pPr algn="ctr"/>
+            <a:endParaRPr lang="en-GB" dirty="0"/>
+          </a:p>
+        </p:txBody>
+      </p:sp>
+    </p:spTree>
+    <p:extLst>
+      <p:ext uri="{BB962C8B-B14F-4D97-AF65-F5344CB8AC3E}">
+        <p14:creationId xmlns:p14="http://schemas.microsoft.com/office/powerpoint/2010/main" val="3659215675"/>
+      </p:ext>
+    </p:extLst>
+  </p:cSld>
+  <p:clrMapOvr>
+    <a:masterClrMapping/>
+  </p:clrMapOvr>
+</p:sld>
+</file>
+
+<file path=ppt/slides/slide8.xml><?xml version="1.0" encoding="utf-8"?>
+<p:sld xmlns:a="http://schemas.openxmlformats.org/drawingml/2006/main" xmlns:r="http://schemas.openxmlformats.org/officeDocument/2006/relationships" xmlns:p="http://schemas.openxmlformats.org/presentationml/2006/main">
+  <p:cSld>
+    <p:spTree>
+      <p:nvGrpSpPr>
+        <p:cNvPr id="1" name=""/>
+        <p:cNvGrpSpPr/>
+        <p:nvPr/>
+      </p:nvGrpSpPr>
+      <p:grpSpPr>
+        <a:xfrm>
+          <a:off x="0" y="0"/>
+          <a:ext cx="0" cy="0"/>
+          <a:chOff x="0" y="0"/>
+          <a:chExt cx="0" cy="0"/>
+        </a:xfrm>
+      </p:grpSpPr>
+      <p:graphicFrame>
+        <p:nvGraphicFramePr>
+          <p:cNvPr id="4" name="Table 3">
+            <a:extLst>
+              <a:ext uri="{FF2B5EF4-FFF2-40B4-BE49-F238E27FC236}">
+                <a16:creationId xmlns:a16="http://schemas.microsoft.com/office/drawing/2014/main" id="{A1F5F202-4523-C840-AE64-1A167FDAE63C}"/>
+              </a:ext>
+            </a:extLst>
+          </p:cNvPr>
+          <p:cNvGraphicFramePr>
+            <a:graphicFrameLocks noGrp="1"/>
+          </p:cNvGraphicFramePr>
+          <p:nvPr>
+            <p:extLst>
+              <p:ext uri="{D42A27DB-BD31-4B8C-83A1-F6EECF244321}">
+                <p14:modId xmlns:p14="http://schemas.microsoft.com/office/powerpoint/2010/main" val="3868045540"/>
+              </p:ext>
+            </p:extLst>
+          </p:nvPr>
+        </p:nvGraphicFramePr>
+        <p:xfrm>
+          <a:off x="1390450" y="2192355"/>
+          <a:ext cx="3295851" cy="2331017"/>
+        </p:xfrm>
+        <a:graphic>
+          <a:graphicData uri="http://schemas.openxmlformats.org/drawingml/2006/table">
+            <a:tbl>
+              <a:tblPr>
+                <a:tableStyleId>{5C22544A-7EE6-4342-B048-85BDC9FD1C3A}</a:tableStyleId>
+              </a:tblPr>
+              <a:tblGrid>
+                <a:gridCol w="1098617">
+                  <a:extLst>
+                    <a:ext uri="{9D8B030D-6E8A-4147-A177-3AD203B41FA5}">
+                      <a16:colId xmlns:a16="http://schemas.microsoft.com/office/drawing/2014/main" val="1832094207"/>
+                    </a:ext>
+                  </a:extLst>
+                </a:gridCol>
+                <a:gridCol w="1098617">
+                  <a:extLst>
+                    <a:ext uri="{9D8B030D-6E8A-4147-A177-3AD203B41FA5}">
+                      <a16:colId xmlns:a16="http://schemas.microsoft.com/office/drawing/2014/main" val="937761155"/>
+                    </a:ext>
+                  </a:extLst>
+                </a:gridCol>
+                <a:gridCol w="1098617">
+                  <a:extLst>
+                    <a:ext uri="{9D8B030D-6E8A-4147-A177-3AD203B41FA5}">
+                      <a16:colId xmlns:a16="http://schemas.microsoft.com/office/drawing/2014/main" val="435787703"/>
+                    </a:ext>
+                  </a:extLst>
+                </a:gridCol>
+              </a:tblGrid>
+              <a:tr h="454592">
+                <a:tc>
+                  <a:txBody>
+                    <a:bodyPr/>
+                    <a:lstStyle/>
+                    <a:p>
+                      <a:pPr algn="ctr" fontAlgn="b"/>
+                      <a:r>
+                        <a:rPr lang="en-GB" sz="2400" b="0" i="0" u="none" strike="noStrike" dirty="0">
+                          <a:solidFill>
+                            <a:srgbClr val="000000"/>
+                          </a:solidFill>
+                          <a:effectLst/>
+                          <a:latin typeface="Calibri" panose="020F0502020204030204" pitchFamily="34" charset="0"/>
+                        </a:rPr>
+                        <a:t>Minor</a:t>
+                      </a:r>
+                    </a:p>
+                  </a:txBody>
+                  <a:tcPr marL="9525" marR="9525" marT="9525" marB="0">
+                    <a:lnL w="12700" cap="flat" cmpd="sng" algn="ctr">
+                      <a:solidFill>
+                        <a:schemeClr val="tx1"/>
+                      </a:solidFill>
+                      <a:prstDash val="solid"/>
+                      <a:round/>
+                      <a:headEnd type="none" w="med" len="med"/>
+                      <a:tailEnd type="none" w="med" len="med"/>
+                    </a:lnL>
+                    <a:lnR w="12700" cap="flat" cmpd="sng" algn="ctr">
+                      <a:solidFill>
+                        <a:schemeClr val="tx1"/>
+                      </a:solidFill>
+                      <a:prstDash val="solid"/>
+                      <a:round/>
+                      <a:headEnd type="none" w="med" len="med"/>
+                      <a:tailEnd type="none" w="med" len="med"/>
+                    </a:lnR>
+                    <a:lnT w="12700" cap="flat" cmpd="sng" algn="ctr">
+                      <a:solidFill>
+                        <a:schemeClr val="tx1"/>
+                      </a:solidFill>
+                      <a:prstDash val="solid"/>
+                      <a:round/>
+                      <a:headEnd type="none" w="med" len="med"/>
+                      <a:tailEnd type="none" w="med" len="med"/>
+                    </a:lnT>
+                    <a:lnB w="12700" cap="flat" cmpd="sng" algn="ctr">
+                      <a:solidFill>
+                        <a:schemeClr val="tx1"/>
+                      </a:solidFill>
+                      <a:prstDash val="solid"/>
+                      <a:round/>
+                      <a:headEnd type="none" w="med" len="med"/>
+                      <a:tailEnd type="none" w="med" len="med"/>
+                    </a:lnB>
+                  </a:tcPr>
+                </a:tc>
+                <a:tc>
+                  <a:txBody>
+                    <a:bodyPr/>
+                    <a:lstStyle/>
+                    <a:p>
+                      <a:pPr algn="ctr" fontAlgn="b"/>
+                      <a:r>
+                        <a:rPr lang="en-GB" sz="2400" b="0" i="0" u="none" strike="noStrike" dirty="0">
+                          <a:solidFill>
+                            <a:srgbClr val="000000"/>
+                          </a:solidFill>
+                          <a:effectLst/>
+                          <a:latin typeface="Calibri" panose="020F0502020204030204" pitchFamily="34" charset="0"/>
+                        </a:rPr>
+                        <a:t>No Loan</a:t>
+                      </a:r>
+                    </a:p>
+                  </a:txBody>
+                  <a:tcPr marL="9525" marR="9525" marT="9525" marB="0">
+                    <a:lnL w="12700" cap="flat" cmpd="sng" algn="ctr">
+                      <a:solidFill>
+                        <a:schemeClr val="tx1"/>
+                      </a:solidFill>
+                      <a:prstDash val="solid"/>
+                      <a:round/>
+                      <a:headEnd type="none" w="med" len="med"/>
+                      <a:tailEnd type="none" w="med" len="med"/>
+                    </a:lnL>
+                    <a:lnR w="12700" cap="flat" cmpd="sng" algn="ctr">
+                      <a:solidFill>
+                        <a:schemeClr val="tx1"/>
+                      </a:solidFill>
+                      <a:prstDash val="solid"/>
+                      <a:round/>
+                      <a:headEnd type="none" w="med" len="med"/>
+                      <a:tailEnd type="none" w="med" len="med"/>
+                    </a:lnR>
+                    <a:lnT w="12700" cap="flat" cmpd="sng" algn="ctr">
+                      <a:solidFill>
+                        <a:schemeClr val="tx1"/>
+                      </a:solidFill>
+                      <a:prstDash val="solid"/>
+                      <a:round/>
+                      <a:headEnd type="none" w="med" len="med"/>
+                      <a:tailEnd type="none" w="med" len="med"/>
+                    </a:lnT>
+                    <a:lnB w="12700" cap="flat" cmpd="sng" algn="ctr">
+                      <a:solidFill>
+                        <a:schemeClr val="tx1"/>
+                      </a:solidFill>
+                      <a:prstDash val="solid"/>
+                      <a:round/>
+                      <a:headEnd type="none" w="med" len="med"/>
+                      <a:tailEnd type="none" w="med" len="med"/>
+                    </a:lnB>
+                  </a:tcPr>
+                </a:tc>
+                <a:tc>
+                  <a:txBody>
+                    <a:bodyPr/>
+                    <a:lstStyle/>
+                    <a:p>
+                      <a:pPr algn="ctr" fontAlgn="b"/>
+                      <a:r>
+                        <a:rPr lang="en-GB" sz="2400" b="0" i="0" u="none" strike="noStrike" dirty="0">
+                          <a:solidFill>
+                            <a:srgbClr val="000000"/>
+                          </a:solidFill>
+                          <a:effectLst/>
+                          <a:latin typeface="Calibri" panose="020F0502020204030204" pitchFamily="34" charset="0"/>
+                        </a:rPr>
+                        <a:t>Paid</a:t>
+                      </a:r>
+                    </a:p>
+                  </a:txBody>
+                  <a:tcPr marL="9525" marR="9525" marT="9525" marB="0">
+                    <a:lnL w="12700" cap="flat" cmpd="sng" algn="ctr">
+                      <a:solidFill>
+                        <a:schemeClr val="tx1"/>
+                      </a:solidFill>
+                      <a:prstDash val="solid"/>
+                      <a:round/>
+                      <a:headEnd type="none" w="med" len="med"/>
+                      <a:tailEnd type="none" w="med" len="med"/>
+                    </a:lnL>
+                    <a:lnR w="12700" cap="flat" cmpd="sng" algn="ctr">
+                      <a:solidFill>
+                        <a:schemeClr val="tx1"/>
+                      </a:solidFill>
+                      <a:prstDash val="solid"/>
+                      <a:round/>
+                      <a:headEnd type="none" w="med" len="med"/>
+                      <a:tailEnd type="none" w="med" len="med"/>
+                    </a:lnR>
+                    <a:lnT w="12700" cap="flat" cmpd="sng" algn="ctr">
+                      <a:solidFill>
+                        <a:schemeClr val="tx1"/>
+                      </a:solidFill>
+                      <a:prstDash val="solid"/>
+                      <a:round/>
+                      <a:headEnd type="none" w="med" len="med"/>
+                      <a:tailEnd type="none" w="med" len="med"/>
+                    </a:lnT>
+                    <a:lnB w="12700" cap="flat" cmpd="sng" algn="ctr">
+                      <a:solidFill>
+                        <a:schemeClr val="tx1"/>
+                      </a:solidFill>
+                      <a:prstDash val="solid"/>
+                      <a:round/>
+                      <a:headEnd type="none" w="med" len="med"/>
+                      <a:tailEnd type="none" w="med" len="med"/>
+                    </a:lnB>
+                  </a:tcPr>
+                </a:tc>
+                <a:extLst>
+                  <a:ext uri="{0D108BD9-81ED-4DB2-BD59-A6C34878D82A}">
+                    <a16:rowId xmlns:a16="http://schemas.microsoft.com/office/drawing/2014/main" val="626574549"/>
+                  </a:ext>
+                </a:extLst>
+              </a:tr>
+              <a:tr h="366713">
+                <a:tc>
+                  <a:txBody>
+                    <a:bodyPr/>
+                    <a:lstStyle/>
+                    <a:p>
+                      <a:pPr algn="ctr" fontAlgn="b"/>
+                      <a:r>
+                        <a:rPr lang="en-GB" sz="2400" u="none" strike="noStrike" dirty="0">
+                          <a:effectLst/>
+                        </a:rPr>
+                        <a:t>0</a:t>
+                      </a:r>
+                      <a:endParaRPr lang="en-GB" sz="2400" b="0" i="0" u="none" strike="noStrike" dirty="0">
+                        <a:solidFill>
+                          <a:srgbClr val="000000"/>
+                        </a:solidFill>
+                        <a:effectLst/>
+                        <a:latin typeface="Calibri" panose="020F0502020204030204" pitchFamily="34" charset="0"/>
+                      </a:endParaRPr>
+                    </a:p>
+                  </a:txBody>
+                  <a:tcPr marL="9525" marR="9525" marT="9525" marB="0" anchor="b">
+                    <a:lnL w="12700" cap="flat" cmpd="sng" algn="ctr">
+                      <a:noFill/>
+                      <a:prstDash val="solid"/>
+                      <a:round/>
+                      <a:headEnd type="none" w="med" len="med"/>
+                      <a:tailEnd type="none" w="med" len="med"/>
+                    </a:lnL>
+                    <a:lnT w="12700" cap="flat" cmpd="sng" algn="ctr">
+                      <a:solidFill>
+                        <a:schemeClr val="tx1"/>
+                      </a:solidFill>
+                      <a:prstDash val="solid"/>
+                      <a:round/>
+                      <a:headEnd type="none" w="med" len="med"/>
+                      <a:tailEnd type="none" w="med" len="med"/>
+                    </a:lnT>
+                    <a:lnB w="12700" cap="flat" cmpd="sng" algn="ctr">
+                      <a:noFill/>
+                      <a:prstDash val="solid"/>
+                      <a:round/>
+                      <a:headEnd type="none" w="med" len="med"/>
+                      <a:tailEnd type="none" w="med" len="med"/>
+                    </a:lnB>
+                  </a:tcPr>
+                </a:tc>
+                <a:tc>
+                  <a:txBody>
+                    <a:bodyPr/>
+                    <a:lstStyle/>
+                    <a:p>
+                      <a:pPr algn="ctr" fontAlgn="b"/>
+                      <a:r>
+                        <a:rPr lang="en-GB" sz="2400" b="0" i="0" u="none" strike="noStrike" dirty="0">
+                          <a:solidFill>
+                            <a:srgbClr val="000000"/>
+                          </a:solidFill>
+                          <a:effectLst/>
+                          <a:latin typeface="Calibri" panose="020F0502020204030204" pitchFamily="34" charset="0"/>
+                        </a:rPr>
+                        <a:t>1</a:t>
+                      </a:r>
+                    </a:p>
+                  </a:txBody>
+                  <a:tcPr marL="9525" marR="9525" marT="9525" marB="0" anchor="b">
+                    <a:lnT w="12700" cap="flat" cmpd="sng" algn="ctr">
+                      <a:solidFill>
+                        <a:schemeClr val="tx1"/>
+                      </a:solidFill>
+                      <a:prstDash val="solid"/>
+                      <a:round/>
+                      <a:headEnd type="none" w="med" len="med"/>
+                      <a:tailEnd type="none" w="med" len="med"/>
+                    </a:lnT>
+                    <a:lnB w="12700" cap="flat" cmpd="sng" algn="ctr">
+                      <a:noFill/>
+                      <a:prstDash val="solid"/>
+                      <a:round/>
+                      <a:headEnd type="none" w="med" len="med"/>
+                      <a:tailEnd type="none" w="med" len="med"/>
+                    </a:lnB>
+                  </a:tcPr>
+                </a:tc>
+                <a:tc>
+                  <a:txBody>
+                    <a:bodyPr/>
+                    <a:lstStyle/>
+                    <a:p>
+                      <a:pPr algn="ctr" fontAlgn="b"/>
+                      <a:r>
+                        <a:rPr lang="en-GB" sz="2400" u="none" strike="noStrike" dirty="0">
+                          <a:effectLst/>
+                        </a:rPr>
+                        <a:t>0</a:t>
+                      </a:r>
+                      <a:endParaRPr lang="en-GB" sz="2400" b="0" i="0" u="none" strike="noStrike" dirty="0">
+                        <a:solidFill>
+                          <a:srgbClr val="000000"/>
+                        </a:solidFill>
+                        <a:effectLst/>
+                        <a:latin typeface="Calibri" panose="020F0502020204030204" pitchFamily="34" charset="0"/>
+                      </a:endParaRPr>
+                    </a:p>
+                  </a:txBody>
+                  <a:tcPr marL="9525" marR="9525" marT="9525" marB="0" anchor="b">
+                    <a:lnT w="12700" cap="flat" cmpd="sng" algn="ctr">
+                      <a:solidFill>
+                        <a:schemeClr val="tx1"/>
+                      </a:solidFill>
+                      <a:prstDash val="solid"/>
+                      <a:round/>
+                      <a:headEnd type="none" w="med" len="med"/>
+                      <a:tailEnd type="none" w="med" len="med"/>
+                    </a:lnT>
+                    <a:lnB w="12700" cap="flat" cmpd="sng" algn="ctr">
+                      <a:noFill/>
+                      <a:prstDash val="solid"/>
+                      <a:round/>
+                      <a:headEnd type="none" w="med" len="med"/>
+                      <a:tailEnd type="none" w="med" len="med"/>
+                    </a:lnB>
+                  </a:tcPr>
+                </a:tc>
+                <a:extLst>
+                  <a:ext uri="{0D108BD9-81ED-4DB2-BD59-A6C34878D82A}">
+                    <a16:rowId xmlns:a16="http://schemas.microsoft.com/office/drawing/2014/main" val="148433964"/>
+                  </a:ext>
+                </a:extLst>
+              </a:tr>
+              <a:tr h="366713">
+                <a:tc>
+                  <a:txBody>
+                    <a:bodyPr/>
+                    <a:lstStyle/>
+                    <a:p>
+                      <a:pPr algn="ctr" fontAlgn="b"/>
+                      <a:r>
+                        <a:rPr lang="en-GB" sz="2400" u="none" strike="noStrike" dirty="0">
+                          <a:effectLst/>
+                        </a:rPr>
+                        <a:t>0</a:t>
+                      </a:r>
+                      <a:endParaRPr lang="en-GB" sz="2400" b="0" i="0" u="none" strike="noStrike" dirty="0">
+                        <a:solidFill>
+                          <a:srgbClr val="000000"/>
+                        </a:solidFill>
+                        <a:effectLst/>
+                        <a:latin typeface="Calibri" panose="020F0502020204030204" pitchFamily="34" charset="0"/>
+                      </a:endParaRPr>
+                    </a:p>
+                  </a:txBody>
+                  <a:tcPr marL="9525" marR="9525" marT="9525" marB="0" anchor="b">
+                    <a:lnT w="12700" cap="flat" cmpd="sng" algn="ctr">
+                      <a:noFill/>
+                      <a:prstDash val="solid"/>
+                      <a:round/>
+                      <a:headEnd type="none" w="med" len="med"/>
+                      <a:tailEnd type="none" w="med" len="med"/>
+                    </a:lnT>
+                  </a:tcPr>
+                </a:tc>
+                <a:tc>
+                  <a:txBody>
+                    <a:bodyPr/>
+                    <a:lstStyle/>
+                    <a:p>
+                      <a:pPr algn="ctr" fontAlgn="b"/>
+                      <a:r>
+                        <a:rPr lang="en-GB" sz="2400" u="none" strike="noStrike" dirty="0">
+                          <a:effectLst/>
+                        </a:rPr>
+                        <a:t>0</a:t>
+                      </a:r>
+                      <a:endParaRPr lang="en-GB" sz="2400" b="0" i="0" u="none" strike="noStrike" dirty="0">
+                        <a:solidFill>
+                          <a:srgbClr val="000000"/>
+                        </a:solidFill>
+                        <a:effectLst/>
+                        <a:latin typeface="Calibri" panose="020F0502020204030204" pitchFamily="34" charset="0"/>
+                      </a:endParaRPr>
+                    </a:p>
+                  </a:txBody>
+                  <a:tcPr marL="9525" marR="9525" marT="9525" marB="0" anchor="b">
+                    <a:lnT w="12700" cap="flat" cmpd="sng" algn="ctr">
+                      <a:noFill/>
+                      <a:prstDash val="solid"/>
+                      <a:round/>
+                      <a:headEnd type="none" w="med" len="med"/>
+                      <a:tailEnd type="none" w="med" len="med"/>
+                    </a:lnT>
+                  </a:tcPr>
+                </a:tc>
+                <a:tc>
+                  <a:txBody>
+                    <a:bodyPr/>
+                    <a:lstStyle/>
+                    <a:p>
+                      <a:pPr algn="ctr" fontAlgn="b"/>
+                      <a:r>
+                        <a:rPr lang="en-GB" sz="2400" u="none" strike="noStrike" dirty="0">
+                          <a:effectLst/>
+                          <a:latin typeface="Calibri" panose="020F0502020204030204" pitchFamily="34" charset="0"/>
+                          <a:ea typeface="Calibri" panose="020F0502020204030204" pitchFamily="34" charset="0"/>
+                          <a:cs typeface="Calibri" panose="020F0502020204030204" pitchFamily="34" charset="0"/>
+                        </a:rPr>
+                        <a:t>1</a:t>
+                      </a:r>
+                      <a:endParaRPr lang="en-GB" sz="2400" b="0" i="0" u="none" strike="noStrike" dirty="0">
+                        <a:solidFill>
+                          <a:srgbClr val="000000"/>
+                        </a:solidFill>
+                        <a:effectLst/>
+                        <a:latin typeface="Calibri" panose="020F0502020204030204" pitchFamily="34" charset="0"/>
+                        <a:ea typeface="Calibri" panose="020F0502020204030204" pitchFamily="34" charset="0"/>
+                        <a:cs typeface="Calibri" panose="020F0502020204030204" pitchFamily="34" charset="0"/>
+                      </a:endParaRPr>
+                    </a:p>
+                  </a:txBody>
+                  <a:tcPr marL="9525" marR="9525" marT="9525" marB="0" anchor="b">
+                    <a:lnT w="12700" cap="flat" cmpd="sng" algn="ctr">
+                      <a:noFill/>
+                      <a:prstDash val="solid"/>
+                      <a:round/>
+                      <a:headEnd type="none" w="med" len="med"/>
+                      <a:tailEnd type="none" w="med" len="med"/>
+                    </a:lnT>
+                  </a:tcPr>
+                </a:tc>
+                <a:extLst>
+                  <a:ext uri="{0D108BD9-81ED-4DB2-BD59-A6C34878D82A}">
+                    <a16:rowId xmlns:a16="http://schemas.microsoft.com/office/drawing/2014/main" val="2001463108"/>
+                  </a:ext>
+                </a:extLst>
+              </a:tr>
+              <a:tr h="366713">
+                <a:tc>
+                  <a:txBody>
+                    <a:bodyPr/>
+                    <a:lstStyle/>
+                    <a:p>
+                      <a:pPr algn="ctr" fontAlgn="b"/>
+                      <a:r>
+                        <a:rPr lang="en-GB" sz="2400" u="none" strike="noStrike">
+                          <a:effectLst/>
+                        </a:rPr>
+                        <a:t>0</a:t>
+                      </a:r>
+                      <a:endParaRPr lang="en-GB" sz="2400" b="0" i="0" u="none" strike="noStrike">
+                        <a:solidFill>
+                          <a:srgbClr val="000000"/>
+                        </a:solidFill>
+                        <a:effectLst/>
+                        <a:latin typeface="Calibri" panose="020F0502020204030204" pitchFamily="34" charset="0"/>
+                      </a:endParaRPr>
+                    </a:p>
+                  </a:txBody>
+                  <a:tcPr marL="9525" marR="9525" marT="9525" marB="0" anchor="b"/>
+                </a:tc>
+                <a:tc>
+                  <a:txBody>
+                    <a:bodyPr/>
+                    <a:lstStyle/>
+                    <a:p>
+                      <a:pPr algn="ctr" fontAlgn="b"/>
+                      <a:r>
+                        <a:rPr lang="en-GB" sz="2400" u="none" strike="noStrike" dirty="0">
+                          <a:effectLst/>
+                        </a:rPr>
+                        <a:t>0</a:t>
+                      </a:r>
+                      <a:endParaRPr lang="en-GB" sz="2400" b="0" i="0" u="none" strike="noStrike" dirty="0">
+                        <a:solidFill>
+                          <a:srgbClr val="000000"/>
+                        </a:solidFill>
+                        <a:effectLst/>
+                        <a:latin typeface="Calibri" panose="020F0502020204030204" pitchFamily="34" charset="0"/>
+                      </a:endParaRPr>
+                    </a:p>
+                  </a:txBody>
+                  <a:tcPr marL="9525" marR="9525" marT="9525" marB="0" anchor="b"/>
+                </a:tc>
+                <a:tc>
+                  <a:txBody>
+                    <a:bodyPr/>
+                    <a:lstStyle/>
+                    <a:p>
+                      <a:pPr algn="ctr" fontAlgn="b"/>
+                      <a:r>
+                        <a:rPr lang="en-GB" sz="2400" b="0" i="0" u="none" strike="noStrike" dirty="0">
+                          <a:solidFill>
+                            <a:srgbClr val="000000"/>
+                          </a:solidFill>
+                          <a:effectLst/>
+                          <a:latin typeface="Calibri" panose="020F0502020204030204" pitchFamily="34" charset="0"/>
+                        </a:rPr>
+                        <a:t>1</a:t>
+                      </a:r>
+                    </a:p>
+                  </a:txBody>
+                  <a:tcPr marL="9525" marR="9525" marT="9525" marB="0" anchor="b"/>
+                </a:tc>
+                <a:extLst>
+                  <a:ext uri="{0D108BD9-81ED-4DB2-BD59-A6C34878D82A}">
+                    <a16:rowId xmlns:a16="http://schemas.microsoft.com/office/drawing/2014/main" val="2383968183"/>
+                  </a:ext>
+                </a:extLst>
+              </a:tr>
+              <a:tr h="366713">
+                <a:tc>
+                  <a:txBody>
+                    <a:bodyPr/>
+                    <a:lstStyle/>
+                    <a:p>
+                      <a:pPr algn="ctr" fontAlgn="b"/>
+                      <a:r>
+                        <a:rPr lang="en-GB" sz="2400" u="none" strike="noStrike">
+                          <a:effectLst/>
+                        </a:rPr>
+                        <a:t>0</a:t>
+                      </a:r>
+                      <a:endParaRPr lang="en-GB" sz="2400" b="0" i="0" u="none" strike="noStrike">
+                        <a:solidFill>
+                          <a:srgbClr val="000000"/>
+                        </a:solidFill>
+                        <a:effectLst/>
+                        <a:latin typeface="Calibri" panose="020F0502020204030204" pitchFamily="34" charset="0"/>
+                      </a:endParaRPr>
+                    </a:p>
+                  </a:txBody>
+                  <a:tcPr marL="9525" marR="9525" marT="9525" marB="0" anchor="b"/>
+                </a:tc>
+                <a:tc>
+                  <a:txBody>
+                    <a:bodyPr/>
+                    <a:lstStyle/>
+                    <a:p>
+                      <a:pPr algn="ctr" fontAlgn="b"/>
+                      <a:r>
+                        <a:rPr lang="en-GB" sz="2400" u="none" strike="noStrike" dirty="0">
+                          <a:effectLst/>
+                          <a:latin typeface="Calibri" panose="020F0502020204030204" pitchFamily="34" charset="0"/>
+                          <a:ea typeface="Calibri" panose="020F0502020204030204" pitchFamily="34" charset="0"/>
+                          <a:cs typeface="Calibri" panose="020F0502020204030204" pitchFamily="34" charset="0"/>
+                        </a:rPr>
+                        <a:t>0</a:t>
+                      </a:r>
+                      <a:endParaRPr lang="en-GB" sz="2400" b="0" i="0" u="none" strike="noStrike" dirty="0">
+                        <a:solidFill>
+                          <a:srgbClr val="000000"/>
+                        </a:solidFill>
+                        <a:effectLst/>
+                        <a:latin typeface="Calibri" panose="020F0502020204030204" pitchFamily="34" charset="0"/>
+                        <a:ea typeface="Calibri" panose="020F0502020204030204" pitchFamily="34" charset="0"/>
+                        <a:cs typeface="Calibri" panose="020F0502020204030204" pitchFamily="34" charset="0"/>
+                      </a:endParaRPr>
+                    </a:p>
+                  </a:txBody>
+                  <a:tcPr marL="9525" marR="9525" marT="9525" marB="0" anchor="b"/>
+                </a:tc>
+                <a:tc>
+                  <a:txBody>
+                    <a:bodyPr/>
+                    <a:lstStyle/>
+                    <a:p>
+                      <a:pPr algn="ctr" fontAlgn="b"/>
+                      <a:r>
+                        <a:rPr lang="en-GB" sz="2400" u="none" strike="noStrike" dirty="0">
+                          <a:effectLst/>
+                          <a:latin typeface="Calibri" panose="020F0502020204030204" pitchFamily="34" charset="0"/>
+                          <a:ea typeface="Calibri" panose="020F0502020204030204" pitchFamily="34" charset="0"/>
+                          <a:cs typeface="Calibri" panose="020F0502020204030204" pitchFamily="34" charset="0"/>
+                        </a:rPr>
+                        <a:t>1</a:t>
+                      </a:r>
+                      <a:endParaRPr lang="en-GB" sz="2400" b="0" i="0" u="none" strike="noStrike" dirty="0">
+                        <a:solidFill>
+                          <a:srgbClr val="000000"/>
+                        </a:solidFill>
+                        <a:effectLst/>
+                        <a:latin typeface="Calibri" panose="020F0502020204030204" pitchFamily="34" charset="0"/>
+                        <a:ea typeface="Calibri" panose="020F0502020204030204" pitchFamily="34" charset="0"/>
+                        <a:cs typeface="Calibri" panose="020F0502020204030204" pitchFamily="34" charset="0"/>
+                      </a:endParaRPr>
+                    </a:p>
+                  </a:txBody>
+                  <a:tcPr marL="9525" marR="9525" marT="9525" marB="0" anchor="b"/>
+                </a:tc>
+                <a:extLst>
+                  <a:ext uri="{0D108BD9-81ED-4DB2-BD59-A6C34878D82A}">
+                    <a16:rowId xmlns:a16="http://schemas.microsoft.com/office/drawing/2014/main" val="647623481"/>
+                  </a:ext>
+                </a:extLst>
+              </a:tr>
+              <a:tr h="366713">
+                <a:tc>
+                  <a:txBody>
+                    <a:bodyPr/>
+                    <a:lstStyle/>
+                    <a:p>
+                      <a:pPr algn="ctr" fontAlgn="b"/>
+                      <a:r>
+                        <a:rPr lang="en-GB" sz="2400" b="0" i="0" u="none" strike="noStrike" dirty="0">
+                          <a:solidFill>
+                            <a:srgbClr val="000000"/>
+                          </a:solidFill>
+                          <a:effectLst/>
+                          <a:latin typeface="Calibri" panose="020F0502020204030204" pitchFamily="34" charset="0"/>
+                        </a:rPr>
+                        <a:t>1</a:t>
+                      </a:r>
+                    </a:p>
+                  </a:txBody>
+                  <a:tcPr marL="9525" marR="9525" marT="9525" marB="0" anchor="b"/>
+                </a:tc>
+                <a:tc>
+                  <a:txBody>
+                    <a:bodyPr/>
+                    <a:lstStyle/>
+                    <a:p>
+                      <a:pPr algn="ctr" fontAlgn="b"/>
+                      <a:r>
+                        <a:rPr lang="en-GB" sz="2400" b="0" i="0" u="none" strike="noStrike" dirty="0">
+                          <a:solidFill>
+                            <a:srgbClr val="000000"/>
+                          </a:solidFill>
+                          <a:effectLst/>
+                          <a:latin typeface="Calibri" panose="020F0502020204030204" pitchFamily="34" charset="0"/>
+                        </a:rPr>
+                        <a:t>0</a:t>
+                      </a:r>
+                    </a:p>
+                  </a:txBody>
+                  <a:tcPr marL="9525" marR="9525" marT="9525" marB="0" anchor="b"/>
+                </a:tc>
+                <a:tc>
+                  <a:txBody>
+                    <a:bodyPr/>
+                    <a:lstStyle/>
+                    <a:p>
+                      <a:pPr algn="ctr" fontAlgn="b"/>
+                      <a:r>
+                        <a:rPr lang="en-GB" sz="2400" u="none" strike="noStrike" dirty="0">
+                          <a:effectLst/>
+                        </a:rPr>
+                        <a:t>0</a:t>
+                      </a:r>
+                      <a:endParaRPr lang="en-GB" sz="2400" b="0" i="0" u="none" strike="noStrike" dirty="0">
+                        <a:solidFill>
+                          <a:srgbClr val="000000"/>
+                        </a:solidFill>
+                        <a:effectLst/>
+                        <a:latin typeface="Calibri" panose="020F0502020204030204" pitchFamily="34" charset="0"/>
+                      </a:endParaRPr>
+                    </a:p>
+                  </a:txBody>
+                  <a:tcPr marL="9525" marR="9525" marT="9525" marB="0" anchor="b"/>
+                </a:tc>
+                <a:extLst>
+                  <a:ext uri="{0D108BD9-81ED-4DB2-BD59-A6C34878D82A}">
+                    <a16:rowId xmlns:a16="http://schemas.microsoft.com/office/drawing/2014/main" val="2191134706"/>
+                  </a:ext>
+                </a:extLst>
+              </a:tr>
+            </a:tbl>
+          </a:graphicData>
+        </a:graphic>
+      </p:graphicFrame>
+      <p:graphicFrame>
+        <p:nvGraphicFramePr>
+          <p:cNvPr id="5" name="Table 4">
+            <a:extLst>
+              <a:ext uri="{FF2B5EF4-FFF2-40B4-BE49-F238E27FC236}">
+                <a16:creationId xmlns:a16="http://schemas.microsoft.com/office/drawing/2014/main" id="{09A2201F-597A-5B7A-4326-30C6BAAADCEA}"/>
+              </a:ext>
+            </a:extLst>
+          </p:cNvPr>
+          <p:cNvGraphicFramePr>
+            <a:graphicFrameLocks noGrp="1"/>
+          </p:cNvGraphicFramePr>
+          <p:nvPr>
+            <p:extLst>
+              <p:ext uri="{D42A27DB-BD31-4B8C-83A1-F6EECF244321}">
+                <p14:modId xmlns:p14="http://schemas.microsoft.com/office/powerpoint/2010/main" val="4017766955"/>
+              </p:ext>
+            </p:extLst>
+          </p:nvPr>
+        </p:nvGraphicFramePr>
+        <p:xfrm>
+          <a:off x="5818467" y="823806"/>
+          <a:ext cx="2959770" cy="2187140"/>
+        </p:xfrm>
+        <a:graphic>
+          <a:graphicData uri="http://schemas.openxmlformats.org/drawingml/2006/table">
+            <a:tbl>
+              <a:tblPr>
+                <a:tableStyleId>{5C22544A-7EE6-4342-B048-85BDC9FD1C3A}</a:tableStyleId>
+              </a:tblPr>
+              <a:tblGrid>
+                <a:gridCol w="986590">
+                  <a:extLst>
+                    <a:ext uri="{9D8B030D-6E8A-4147-A177-3AD203B41FA5}">
+                      <a16:colId xmlns:a16="http://schemas.microsoft.com/office/drawing/2014/main" val="2114343788"/>
+                    </a:ext>
+                  </a:extLst>
+                </a:gridCol>
+                <a:gridCol w="986590">
+                  <a:extLst>
+                    <a:ext uri="{9D8B030D-6E8A-4147-A177-3AD203B41FA5}">
+                      <a16:colId xmlns:a16="http://schemas.microsoft.com/office/drawing/2014/main" val="2287893478"/>
+                    </a:ext>
+                  </a:extLst>
+                </a:gridCol>
+                <a:gridCol w="986590">
+                  <a:extLst>
+                    <a:ext uri="{9D8B030D-6E8A-4147-A177-3AD203B41FA5}">
+                      <a16:colId xmlns:a16="http://schemas.microsoft.com/office/drawing/2014/main" val="1681575790"/>
+                    </a:ext>
+                  </a:extLst>
+                </a:gridCol>
+              </a:tblGrid>
+              <a:tr h="437428">
+                <a:tc>
+                  <a:txBody>
+                    <a:bodyPr/>
+                    <a:lstStyle/>
+                    <a:p>
+                      <a:pPr algn="ctr" fontAlgn="b"/>
+                      <a:r>
+                        <a:rPr lang="en-GB" sz="2400" b="0" i="0" u="none" strike="noStrike" dirty="0">
+                          <a:solidFill>
+                            <a:srgbClr val="000000"/>
+                          </a:solidFill>
+                          <a:effectLst/>
+                          <a:latin typeface="Calibri" panose="020F0502020204030204" pitchFamily="34" charset="0"/>
+                        </a:rPr>
+                        <a:t>7.7</a:t>
+                      </a:r>
+                    </a:p>
+                  </a:txBody>
+                  <a:tcPr marL="9525" marR="9525" marT="9525" marB="0" anchor="ctr">
+                    <a:noFill/>
+                  </a:tcPr>
+                </a:tc>
+                <a:tc>
+                  <a:txBody>
+                    <a:bodyPr/>
+                    <a:lstStyle/>
+                    <a:p>
+                      <a:pPr algn="ctr" fontAlgn="b"/>
+                      <a:r>
+                        <a:rPr lang="en-GB" sz="2400" b="0" i="0" u="none" strike="noStrike" dirty="0">
+                          <a:solidFill>
+                            <a:srgbClr val="000000"/>
+                          </a:solidFill>
+                          <a:effectLst/>
+                          <a:latin typeface="Calibri" panose="020F0502020204030204" pitchFamily="34" charset="0"/>
+                        </a:rPr>
+                        <a:t>7.6</a:t>
+                      </a:r>
+                    </a:p>
+                  </a:txBody>
+                  <a:tcPr marL="9525" marR="9525" marT="9525" marB="0" anchor="ctr">
+                    <a:noFill/>
+                  </a:tcPr>
+                </a:tc>
+                <a:tc>
+                  <a:txBody>
+                    <a:bodyPr/>
+                    <a:lstStyle/>
+                    <a:p>
+                      <a:pPr algn="ctr" fontAlgn="b"/>
+                      <a:r>
+                        <a:rPr lang="en-GB" sz="2400" b="0" i="0" u="none" strike="noStrike" dirty="0">
+                          <a:solidFill>
+                            <a:srgbClr val="000000"/>
+                          </a:solidFill>
+                          <a:effectLst/>
+                          <a:latin typeface="Calibri" panose="020F0502020204030204" pitchFamily="34" charset="0"/>
+                        </a:rPr>
+                        <a:t>84.7</a:t>
+                      </a:r>
+                    </a:p>
+                  </a:txBody>
+                  <a:tcPr marL="9525" marR="9525" marT="9525" marB="0" anchor="ctr">
+                    <a:solidFill>
+                      <a:srgbClr val="FF0000"/>
+                    </a:solidFill>
+                  </a:tcPr>
+                </a:tc>
+                <a:extLst>
+                  <a:ext uri="{0D108BD9-81ED-4DB2-BD59-A6C34878D82A}">
+                    <a16:rowId xmlns:a16="http://schemas.microsoft.com/office/drawing/2014/main" val="1038326436"/>
+                  </a:ext>
+                </a:extLst>
+              </a:tr>
+              <a:tr h="437428">
+                <a:tc>
+                  <a:txBody>
+                    <a:bodyPr/>
+                    <a:lstStyle/>
+                    <a:p>
+                      <a:pPr algn="ctr" fontAlgn="b"/>
+                      <a:r>
+                        <a:rPr lang="en-GB" sz="2400" b="0" i="0" u="none" strike="noStrike" dirty="0">
+                          <a:solidFill>
+                            <a:srgbClr val="000000"/>
+                          </a:solidFill>
+                          <a:effectLst/>
+                          <a:latin typeface="Calibri" panose="020F0502020204030204" pitchFamily="34" charset="0"/>
+                        </a:rPr>
+                        <a:t>61.7</a:t>
+                      </a:r>
+                    </a:p>
+                  </a:txBody>
+                  <a:tcPr marL="9525" marR="9525" marT="9525" marB="0" anchor="ctr">
+                    <a:solidFill>
+                      <a:srgbClr val="FF0000"/>
+                    </a:solidFill>
+                  </a:tcPr>
+                </a:tc>
+                <a:tc>
+                  <a:txBody>
+                    <a:bodyPr/>
+                    <a:lstStyle/>
+                    <a:p>
+                      <a:pPr algn="ctr" fontAlgn="b"/>
+                      <a:r>
+                        <a:rPr lang="en-GB" sz="2400" b="0" i="0" u="none" strike="noStrike" dirty="0">
+                          <a:solidFill>
+                            <a:srgbClr val="000000"/>
+                          </a:solidFill>
+                          <a:effectLst/>
+                          <a:latin typeface="Calibri" panose="020F0502020204030204" pitchFamily="34" charset="0"/>
+                        </a:rPr>
+                        <a:t>8.1</a:t>
+                      </a:r>
+                    </a:p>
+                  </a:txBody>
+                  <a:tcPr marL="9525" marR="9525" marT="9525" marB="0" anchor="ctr">
+                    <a:noFill/>
+                  </a:tcPr>
+                </a:tc>
+                <a:tc>
+                  <a:txBody>
+                    <a:bodyPr/>
+                    <a:lstStyle/>
+                    <a:p>
+                      <a:pPr algn="ctr" fontAlgn="b"/>
+                      <a:r>
+                        <a:rPr lang="en-GB" sz="2400" b="0" i="0" u="none" strike="noStrike">
+                          <a:solidFill>
+                            <a:srgbClr val="000000"/>
+                          </a:solidFill>
+                          <a:effectLst/>
+                          <a:latin typeface="Calibri" panose="020F0502020204030204" pitchFamily="34" charset="0"/>
+                        </a:rPr>
+                        <a:t>30.2</a:t>
+                      </a:r>
+                    </a:p>
+                  </a:txBody>
+                  <a:tcPr marL="9525" marR="9525" marT="9525" marB="0" anchor="ctr">
+                    <a:noFill/>
+                  </a:tcPr>
+                </a:tc>
+                <a:extLst>
+                  <a:ext uri="{0D108BD9-81ED-4DB2-BD59-A6C34878D82A}">
+                    <a16:rowId xmlns:a16="http://schemas.microsoft.com/office/drawing/2014/main" val="550029580"/>
+                  </a:ext>
+                </a:extLst>
+              </a:tr>
+              <a:tr h="437428">
+                <a:tc>
+                  <a:txBody>
+                    <a:bodyPr/>
+                    <a:lstStyle/>
+                    <a:p>
+                      <a:pPr algn="ctr" fontAlgn="b"/>
+                      <a:r>
+                        <a:rPr lang="en-GB" sz="2400" b="0" i="0" u="none" strike="noStrike">
+                          <a:solidFill>
+                            <a:srgbClr val="000000"/>
+                          </a:solidFill>
+                          <a:effectLst/>
+                          <a:latin typeface="Calibri" panose="020F0502020204030204" pitchFamily="34" charset="0"/>
+                        </a:rPr>
+                        <a:t>23.1</a:t>
+                      </a:r>
+                    </a:p>
+                  </a:txBody>
+                  <a:tcPr marL="9525" marR="9525" marT="9525" marB="0" anchor="ctr">
+                    <a:noFill/>
+                  </a:tcPr>
+                </a:tc>
+                <a:tc>
+                  <a:txBody>
+                    <a:bodyPr/>
+                    <a:lstStyle/>
+                    <a:p>
+                      <a:pPr algn="ctr" fontAlgn="b"/>
+                      <a:r>
+                        <a:rPr lang="en-GB" sz="2400" b="0" i="0" u="none" strike="noStrike" dirty="0">
+                          <a:solidFill>
+                            <a:srgbClr val="000000"/>
+                          </a:solidFill>
+                          <a:effectLst/>
+                          <a:latin typeface="Calibri" panose="020F0502020204030204" pitchFamily="34" charset="0"/>
+                        </a:rPr>
+                        <a:t>12.3</a:t>
+                      </a:r>
+                    </a:p>
+                  </a:txBody>
+                  <a:tcPr marL="9525" marR="9525" marT="9525" marB="0" anchor="ctr">
+                    <a:noFill/>
+                  </a:tcPr>
+                </a:tc>
+                <a:tc>
+                  <a:txBody>
+                    <a:bodyPr/>
+                    <a:lstStyle/>
+                    <a:p>
+                      <a:pPr algn="ctr" fontAlgn="b"/>
+                      <a:r>
+                        <a:rPr lang="en-GB" sz="2400" b="0" i="0" u="none" strike="noStrike" dirty="0">
+                          <a:solidFill>
+                            <a:srgbClr val="000000"/>
+                          </a:solidFill>
+                          <a:effectLst/>
+                          <a:latin typeface="Calibri" panose="020F0502020204030204" pitchFamily="34" charset="0"/>
+                        </a:rPr>
+                        <a:t>75.7</a:t>
+                      </a:r>
+                    </a:p>
+                  </a:txBody>
+                  <a:tcPr marL="9525" marR="9525" marT="9525" marB="0" anchor="ctr">
+                    <a:solidFill>
+                      <a:srgbClr val="00B050"/>
+                    </a:solidFill>
+                  </a:tcPr>
+                </a:tc>
+                <a:extLst>
+                  <a:ext uri="{0D108BD9-81ED-4DB2-BD59-A6C34878D82A}">
+                    <a16:rowId xmlns:a16="http://schemas.microsoft.com/office/drawing/2014/main" val="3578555237"/>
+                  </a:ext>
+                </a:extLst>
+              </a:tr>
+              <a:tr h="437428">
+                <a:tc>
+                  <a:txBody>
+                    <a:bodyPr/>
+                    <a:lstStyle/>
+                    <a:p>
+                      <a:pPr algn="ctr" fontAlgn="b"/>
+                      <a:r>
+                        <a:rPr lang="en-GB" sz="2400" b="0" i="0" u="none" strike="noStrike">
+                          <a:solidFill>
+                            <a:srgbClr val="000000"/>
+                          </a:solidFill>
+                          <a:effectLst/>
+                          <a:latin typeface="Calibri" panose="020F0502020204030204" pitchFamily="34" charset="0"/>
+                        </a:rPr>
+                        <a:t>31.3</a:t>
+                      </a:r>
+                    </a:p>
+                  </a:txBody>
+                  <a:tcPr marL="9525" marR="9525" marT="9525" marB="0" anchor="ctr">
+                    <a:noFill/>
+                  </a:tcPr>
+                </a:tc>
+                <a:tc>
+                  <a:txBody>
+                    <a:bodyPr/>
+                    <a:lstStyle/>
+                    <a:p>
+                      <a:pPr algn="ctr" fontAlgn="b"/>
+                      <a:r>
+                        <a:rPr lang="en-GB" sz="2400" b="0" i="0" u="none" strike="noStrike">
+                          <a:solidFill>
+                            <a:srgbClr val="000000"/>
+                          </a:solidFill>
+                          <a:effectLst/>
+                          <a:latin typeface="Calibri" panose="020F0502020204030204" pitchFamily="34" charset="0"/>
+                        </a:rPr>
+                        <a:t>11.8</a:t>
+                      </a:r>
+                    </a:p>
+                  </a:txBody>
+                  <a:tcPr marL="9525" marR="9525" marT="9525" marB="0" anchor="ctr">
+                    <a:noFill/>
+                  </a:tcPr>
+                </a:tc>
+                <a:tc>
+                  <a:txBody>
+                    <a:bodyPr/>
+                    <a:lstStyle/>
+                    <a:p>
+                      <a:pPr algn="ctr" fontAlgn="b"/>
+                      <a:r>
+                        <a:rPr lang="en-GB" sz="2400" b="0" i="0" u="none" strike="noStrike" dirty="0">
+                          <a:solidFill>
+                            <a:srgbClr val="000000"/>
+                          </a:solidFill>
+                          <a:effectLst/>
+                          <a:latin typeface="Calibri" panose="020F0502020204030204" pitchFamily="34" charset="0"/>
+                        </a:rPr>
+                        <a:t>56.9</a:t>
+                      </a:r>
+                    </a:p>
+                  </a:txBody>
+                  <a:tcPr marL="9525" marR="9525" marT="9525" marB="0" anchor="ctr">
+                    <a:solidFill>
+                      <a:srgbClr val="00B050"/>
+                    </a:solidFill>
+                  </a:tcPr>
+                </a:tc>
+                <a:extLst>
+                  <a:ext uri="{0D108BD9-81ED-4DB2-BD59-A6C34878D82A}">
+                    <a16:rowId xmlns:a16="http://schemas.microsoft.com/office/drawing/2014/main" val="1697822358"/>
+                  </a:ext>
+                </a:extLst>
+              </a:tr>
+              <a:tr h="437428">
+                <a:tc>
+                  <a:txBody>
+                    <a:bodyPr/>
+                    <a:lstStyle/>
+                    <a:p>
+                      <a:pPr algn="ctr" fontAlgn="b"/>
+                      <a:r>
+                        <a:rPr lang="en-GB" sz="2400" b="0" i="0" u="none" strike="noStrike" dirty="0">
+                          <a:solidFill>
+                            <a:srgbClr val="000000"/>
+                          </a:solidFill>
+                          <a:effectLst/>
+                          <a:latin typeface="Calibri" panose="020F0502020204030204" pitchFamily="34" charset="0"/>
+                        </a:rPr>
+                        <a:t>31.0</a:t>
+                      </a:r>
+                    </a:p>
+                  </a:txBody>
+                  <a:tcPr marL="9525" marR="9525" marT="9525" marB="0" anchor="ctr">
+                    <a:noFill/>
+                  </a:tcPr>
+                </a:tc>
+                <a:tc>
+                  <a:txBody>
+                    <a:bodyPr/>
+                    <a:lstStyle/>
+                    <a:p>
+                      <a:pPr algn="ctr" fontAlgn="b"/>
+                      <a:r>
+                        <a:rPr lang="en-GB" sz="2400" b="0" i="0" u="none" strike="noStrike">
+                          <a:solidFill>
+                            <a:srgbClr val="000000"/>
+                          </a:solidFill>
+                          <a:effectLst/>
+                          <a:latin typeface="Calibri" panose="020F0502020204030204" pitchFamily="34" charset="0"/>
+                        </a:rPr>
+                        <a:t>8.1</a:t>
+                      </a:r>
+                    </a:p>
+                  </a:txBody>
+                  <a:tcPr marL="9525" marR="9525" marT="9525" marB="0" anchor="ctr">
+                    <a:noFill/>
+                  </a:tcPr>
+                </a:tc>
+                <a:tc>
+                  <a:txBody>
+                    <a:bodyPr/>
+                    <a:lstStyle/>
+                    <a:p>
+                      <a:pPr algn="ctr" fontAlgn="b"/>
+                      <a:r>
+                        <a:rPr lang="en-GB" sz="2400" b="0" i="0" u="none" strike="noStrike" dirty="0">
+                          <a:solidFill>
+                            <a:srgbClr val="000000"/>
+                          </a:solidFill>
+                          <a:effectLst/>
+                          <a:latin typeface="Calibri" panose="020F0502020204030204" pitchFamily="34" charset="0"/>
+                        </a:rPr>
+                        <a:t>60.9</a:t>
+                      </a:r>
+                    </a:p>
+                  </a:txBody>
+                  <a:tcPr marL="9525" marR="9525" marT="9525" marB="0" anchor="ctr">
+                    <a:solidFill>
+                      <a:srgbClr val="FF0000"/>
+                    </a:solidFill>
+                  </a:tcPr>
+                </a:tc>
+                <a:extLst>
+                  <a:ext uri="{0D108BD9-81ED-4DB2-BD59-A6C34878D82A}">
+                    <a16:rowId xmlns:a16="http://schemas.microsoft.com/office/drawing/2014/main" val="3907034161"/>
+                  </a:ext>
+                </a:extLst>
+              </a:tr>
+            </a:tbl>
+          </a:graphicData>
+        </a:graphic>
+      </p:graphicFrame>
+      <p:graphicFrame>
+        <p:nvGraphicFramePr>
+          <p:cNvPr id="6" name="Table 5">
+            <a:extLst>
+              <a:ext uri="{FF2B5EF4-FFF2-40B4-BE49-F238E27FC236}">
+                <a16:creationId xmlns:a16="http://schemas.microsoft.com/office/drawing/2014/main" id="{E64BBDC7-F732-3CDA-548B-4050CF751BB0}"/>
+              </a:ext>
+            </a:extLst>
+          </p:cNvPr>
+          <p:cNvGraphicFramePr>
+            <a:graphicFrameLocks noGrp="1"/>
+          </p:cNvGraphicFramePr>
+          <p:nvPr>
+            <p:extLst>
+              <p:ext uri="{D42A27DB-BD31-4B8C-83A1-F6EECF244321}">
+                <p14:modId xmlns:p14="http://schemas.microsoft.com/office/powerpoint/2010/main" val="3562786521"/>
+              </p:ext>
+            </p:extLst>
+          </p:nvPr>
+        </p:nvGraphicFramePr>
+        <p:xfrm>
+          <a:off x="5818467" y="3559140"/>
+          <a:ext cx="3089712" cy="2187140"/>
+        </p:xfrm>
+        <a:graphic>
+          <a:graphicData uri="http://schemas.openxmlformats.org/drawingml/2006/table">
+            <a:tbl>
+              <a:tblPr>
+                <a:tableStyleId>{5C22544A-7EE6-4342-B048-85BDC9FD1C3A}</a:tableStyleId>
+              </a:tblPr>
+              <a:tblGrid>
+                <a:gridCol w="1029904">
+                  <a:extLst>
+                    <a:ext uri="{9D8B030D-6E8A-4147-A177-3AD203B41FA5}">
+                      <a16:colId xmlns:a16="http://schemas.microsoft.com/office/drawing/2014/main" val="996902882"/>
+                    </a:ext>
+                  </a:extLst>
+                </a:gridCol>
+                <a:gridCol w="1029904">
+                  <a:extLst>
+                    <a:ext uri="{9D8B030D-6E8A-4147-A177-3AD203B41FA5}">
+                      <a16:colId xmlns:a16="http://schemas.microsoft.com/office/drawing/2014/main" val="3250511372"/>
+                    </a:ext>
+                  </a:extLst>
+                </a:gridCol>
+                <a:gridCol w="1029904">
+                  <a:extLst>
+                    <a:ext uri="{9D8B030D-6E8A-4147-A177-3AD203B41FA5}">
+                      <a16:colId xmlns:a16="http://schemas.microsoft.com/office/drawing/2014/main" val="1745169147"/>
+                    </a:ext>
+                  </a:extLst>
+                </a:gridCol>
+              </a:tblGrid>
+              <a:tr h="437428">
+                <a:tc>
+                  <a:txBody>
+                    <a:bodyPr/>
+                    <a:lstStyle/>
+                    <a:p>
+                      <a:pPr algn="ctr" fontAlgn="b"/>
+                      <a:r>
+                        <a:rPr lang="en-GB" sz="2400" b="0" i="0" u="none" strike="noStrike" dirty="0">
+                          <a:solidFill>
+                            <a:srgbClr val="000000"/>
+                          </a:solidFill>
+                          <a:effectLst/>
+                          <a:latin typeface="Calibri" panose="020F0502020204030204" pitchFamily="34" charset="0"/>
+                        </a:rPr>
+                        <a:t>19.8</a:t>
+                      </a:r>
+                    </a:p>
+                  </a:txBody>
+                  <a:tcPr marL="9525" marR="9525" marT="9525" marB="0" anchor="ctr">
+                    <a:noFill/>
+                  </a:tcPr>
+                </a:tc>
+                <a:tc>
+                  <a:txBody>
+                    <a:bodyPr/>
+                    <a:lstStyle/>
+                    <a:p>
+                      <a:pPr algn="ctr" fontAlgn="b"/>
+                      <a:r>
+                        <a:rPr lang="en-GB" sz="2400" b="0" i="0" u="none" strike="noStrike">
+                          <a:solidFill>
+                            <a:srgbClr val="000000"/>
+                          </a:solidFill>
+                          <a:effectLst/>
+                          <a:latin typeface="Calibri" panose="020F0502020204030204" pitchFamily="34" charset="0"/>
+                        </a:rPr>
+                        <a:t>14.4</a:t>
+                      </a:r>
+                    </a:p>
+                  </a:txBody>
+                  <a:tcPr marL="9525" marR="9525" marT="9525" marB="0" anchor="ctr">
+                    <a:noFill/>
+                  </a:tcPr>
+                </a:tc>
+                <a:tc>
+                  <a:txBody>
+                    <a:bodyPr/>
+                    <a:lstStyle/>
+                    <a:p>
+                      <a:pPr algn="ctr" fontAlgn="b"/>
+                      <a:r>
+                        <a:rPr lang="en-GB" sz="2400" b="0" i="0" u="none" strike="noStrike" dirty="0">
+                          <a:solidFill>
+                            <a:srgbClr val="000000"/>
+                          </a:solidFill>
+                          <a:effectLst/>
+                          <a:latin typeface="Calibri" panose="020F0502020204030204" pitchFamily="34" charset="0"/>
+                        </a:rPr>
+                        <a:t>65.8</a:t>
+                      </a:r>
+                    </a:p>
+                  </a:txBody>
+                  <a:tcPr marL="9525" marR="9525" marT="9525" marB="0" anchor="ctr">
+                    <a:solidFill>
+                      <a:srgbClr val="FF0000"/>
+                    </a:solidFill>
+                  </a:tcPr>
+                </a:tc>
+                <a:extLst>
+                  <a:ext uri="{0D108BD9-81ED-4DB2-BD59-A6C34878D82A}">
+                    <a16:rowId xmlns:a16="http://schemas.microsoft.com/office/drawing/2014/main" val="1112250589"/>
+                  </a:ext>
+                </a:extLst>
+              </a:tr>
+              <a:tr h="437428">
+                <a:tc>
+                  <a:txBody>
+                    <a:bodyPr/>
+                    <a:lstStyle/>
+                    <a:p>
+                      <a:pPr algn="ctr" fontAlgn="b"/>
+                      <a:r>
+                        <a:rPr lang="en-GB" sz="2400" b="0" i="0" u="none" strike="noStrike">
+                          <a:solidFill>
+                            <a:srgbClr val="000000"/>
+                          </a:solidFill>
+                          <a:effectLst/>
+                          <a:latin typeface="Calibri" panose="020F0502020204030204" pitchFamily="34" charset="0"/>
+                        </a:rPr>
+                        <a:t>43.6</a:t>
+                      </a:r>
+                    </a:p>
+                  </a:txBody>
+                  <a:tcPr marL="9525" marR="9525" marT="9525" marB="0" anchor="ctr">
+                    <a:noFill/>
+                  </a:tcPr>
+                </a:tc>
+                <a:tc>
+                  <a:txBody>
+                    <a:bodyPr/>
+                    <a:lstStyle/>
+                    <a:p>
+                      <a:pPr algn="ctr" fontAlgn="b"/>
+                      <a:r>
+                        <a:rPr lang="en-GB" sz="2400" b="0" i="0" u="none" strike="noStrike">
+                          <a:solidFill>
+                            <a:srgbClr val="000000"/>
+                          </a:solidFill>
+                          <a:effectLst/>
+                          <a:latin typeface="Calibri" panose="020F0502020204030204" pitchFamily="34" charset="0"/>
+                        </a:rPr>
+                        <a:t>3.3</a:t>
+                      </a:r>
+                    </a:p>
+                  </a:txBody>
+                  <a:tcPr marL="9525" marR="9525" marT="9525" marB="0" anchor="ctr">
+                    <a:noFill/>
+                  </a:tcPr>
+                </a:tc>
+                <a:tc>
+                  <a:txBody>
+                    <a:bodyPr/>
+                    <a:lstStyle/>
+                    <a:p>
+                      <a:pPr algn="ctr" fontAlgn="b"/>
+                      <a:r>
+                        <a:rPr lang="en-GB" sz="2400" b="0" i="0" u="none" strike="noStrike" dirty="0">
+                          <a:solidFill>
+                            <a:srgbClr val="000000"/>
+                          </a:solidFill>
+                          <a:effectLst/>
+                          <a:latin typeface="Calibri" panose="020F0502020204030204" pitchFamily="34" charset="0"/>
+                        </a:rPr>
+                        <a:t>53.1</a:t>
+                      </a:r>
+                    </a:p>
+                  </a:txBody>
+                  <a:tcPr marL="9525" marR="9525" marT="9525" marB="0" anchor="ctr">
+                    <a:solidFill>
+                      <a:srgbClr val="00B050"/>
+                    </a:solidFill>
+                  </a:tcPr>
+                </a:tc>
+                <a:extLst>
+                  <a:ext uri="{0D108BD9-81ED-4DB2-BD59-A6C34878D82A}">
+                    <a16:rowId xmlns:a16="http://schemas.microsoft.com/office/drawing/2014/main" val="212069707"/>
+                  </a:ext>
+                </a:extLst>
+              </a:tr>
+              <a:tr h="437428">
+                <a:tc>
+                  <a:txBody>
+                    <a:bodyPr/>
+                    <a:lstStyle/>
+                    <a:p>
+                      <a:pPr algn="ctr" fontAlgn="b"/>
+                      <a:r>
+                        <a:rPr lang="en-GB" sz="2400" b="0" i="0" u="none" strike="noStrike">
+                          <a:solidFill>
+                            <a:srgbClr val="000000"/>
+                          </a:solidFill>
+                          <a:effectLst/>
+                          <a:latin typeface="Calibri" panose="020F0502020204030204" pitchFamily="34" charset="0"/>
+                        </a:rPr>
+                        <a:t>9.7</a:t>
+                      </a:r>
+                    </a:p>
+                  </a:txBody>
+                  <a:tcPr marL="9525" marR="9525" marT="9525" marB="0" anchor="ctr">
+                    <a:noFill/>
+                  </a:tcPr>
+                </a:tc>
+                <a:tc>
+                  <a:txBody>
+                    <a:bodyPr/>
+                    <a:lstStyle/>
+                    <a:p>
+                      <a:pPr algn="ctr" fontAlgn="b"/>
+                      <a:r>
+                        <a:rPr lang="en-GB" sz="2400" b="0" i="0" u="none" strike="noStrike">
+                          <a:solidFill>
+                            <a:srgbClr val="000000"/>
+                          </a:solidFill>
+                          <a:effectLst/>
+                          <a:latin typeface="Calibri" panose="020F0502020204030204" pitchFamily="34" charset="0"/>
+                        </a:rPr>
+                        <a:t>0.7</a:t>
+                      </a:r>
+                    </a:p>
+                  </a:txBody>
+                  <a:tcPr marL="9525" marR="9525" marT="9525" marB="0" anchor="ctr">
+                    <a:noFill/>
+                  </a:tcPr>
+                </a:tc>
+                <a:tc>
+                  <a:txBody>
+                    <a:bodyPr/>
+                    <a:lstStyle/>
+                    <a:p>
+                      <a:pPr algn="ctr" fontAlgn="b"/>
+                      <a:r>
+                        <a:rPr lang="en-GB" sz="2400" b="0" i="0" u="none" strike="noStrike" dirty="0">
+                          <a:solidFill>
+                            <a:srgbClr val="000000"/>
+                          </a:solidFill>
+                          <a:effectLst/>
+                          <a:latin typeface="Calibri" panose="020F0502020204030204" pitchFamily="34" charset="0"/>
+                        </a:rPr>
+                        <a:t>89.7</a:t>
+                      </a:r>
+                    </a:p>
+                  </a:txBody>
+                  <a:tcPr marL="9525" marR="9525" marT="9525" marB="0" anchor="ctr">
+                    <a:solidFill>
+                      <a:srgbClr val="00B050"/>
+                    </a:solidFill>
+                  </a:tcPr>
+                </a:tc>
+                <a:extLst>
+                  <a:ext uri="{0D108BD9-81ED-4DB2-BD59-A6C34878D82A}">
+                    <a16:rowId xmlns:a16="http://schemas.microsoft.com/office/drawing/2014/main" val="1084293016"/>
+                  </a:ext>
+                </a:extLst>
+              </a:tr>
+              <a:tr h="437428">
+                <a:tc>
+                  <a:txBody>
+                    <a:bodyPr/>
+                    <a:lstStyle/>
+                    <a:p>
+                      <a:pPr algn="ctr" fontAlgn="b"/>
+                      <a:r>
+                        <a:rPr lang="en-GB" sz="2400" b="0" i="0" u="none" strike="noStrike">
+                          <a:solidFill>
+                            <a:srgbClr val="000000"/>
+                          </a:solidFill>
+                          <a:effectLst/>
+                          <a:latin typeface="Calibri" panose="020F0502020204030204" pitchFamily="34" charset="0"/>
+                        </a:rPr>
+                        <a:t>6.5</a:t>
+                      </a:r>
+                    </a:p>
+                  </a:txBody>
+                  <a:tcPr marL="9525" marR="9525" marT="9525" marB="0" anchor="ctr">
+                    <a:noFill/>
+                  </a:tcPr>
+                </a:tc>
+                <a:tc>
+                  <a:txBody>
+                    <a:bodyPr/>
+                    <a:lstStyle/>
+                    <a:p>
+                      <a:pPr algn="ctr" fontAlgn="b"/>
+                      <a:r>
+                        <a:rPr lang="en-GB" sz="2400" b="0" i="0" u="none" strike="noStrike">
+                          <a:solidFill>
+                            <a:srgbClr val="000000"/>
+                          </a:solidFill>
+                          <a:effectLst/>
+                          <a:latin typeface="Calibri" panose="020F0502020204030204" pitchFamily="34" charset="0"/>
+                        </a:rPr>
+                        <a:t>3.1</a:t>
+                      </a:r>
+                    </a:p>
+                  </a:txBody>
+                  <a:tcPr marL="9525" marR="9525" marT="9525" marB="0" anchor="ctr">
+                    <a:noFill/>
+                  </a:tcPr>
+                </a:tc>
+                <a:tc>
+                  <a:txBody>
+                    <a:bodyPr/>
+                    <a:lstStyle/>
+                    <a:p>
+                      <a:pPr algn="ctr" fontAlgn="b"/>
+                      <a:r>
+                        <a:rPr lang="en-GB" sz="2400" b="0" i="0" u="none" strike="noStrike" dirty="0">
+                          <a:solidFill>
+                            <a:srgbClr val="000000"/>
+                          </a:solidFill>
+                          <a:effectLst/>
+                          <a:latin typeface="Calibri" panose="020F0502020204030204" pitchFamily="34" charset="0"/>
+                        </a:rPr>
+                        <a:t>90.4</a:t>
+                      </a:r>
+                    </a:p>
+                  </a:txBody>
+                  <a:tcPr marL="9525" marR="9525" marT="9525" marB="0" anchor="ctr">
+                    <a:solidFill>
+                      <a:srgbClr val="00B050"/>
+                    </a:solidFill>
+                  </a:tcPr>
+                </a:tc>
+                <a:extLst>
+                  <a:ext uri="{0D108BD9-81ED-4DB2-BD59-A6C34878D82A}">
+                    <a16:rowId xmlns:a16="http://schemas.microsoft.com/office/drawing/2014/main" val="3947639136"/>
+                  </a:ext>
+                </a:extLst>
+              </a:tr>
+              <a:tr h="437428">
+                <a:tc>
+                  <a:txBody>
+                    <a:bodyPr/>
+                    <a:lstStyle/>
+                    <a:p>
+                      <a:pPr algn="ctr" fontAlgn="b"/>
+                      <a:r>
+                        <a:rPr lang="en-GB" sz="2400" b="0" i="0" u="none" strike="noStrike" dirty="0">
+                          <a:solidFill>
+                            <a:srgbClr val="000000"/>
+                          </a:solidFill>
+                          <a:effectLst/>
+                          <a:latin typeface="Calibri" panose="020F0502020204030204" pitchFamily="34" charset="0"/>
+                        </a:rPr>
+                        <a:t>44.2</a:t>
+                      </a:r>
+                    </a:p>
+                  </a:txBody>
+                  <a:tcPr marL="9525" marR="9525" marT="9525" marB="0" anchor="ctr">
+                    <a:solidFill>
+                      <a:srgbClr val="00B050"/>
+                    </a:solidFill>
+                  </a:tcPr>
+                </a:tc>
+                <a:tc>
+                  <a:txBody>
+                    <a:bodyPr/>
+                    <a:lstStyle/>
+                    <a:p>
+                      <a:pPr algn="ctr" fontAlgn="b"/>
+                      <a:r>
+                        <a:rPr lang="en-GB" sz="2400" b="0" i="0" u="none" strike="noStrike" dirty="0">
+                          <a:solidFill>
+                            <a:srgbClr val="000000"/>
+                          </a:solidFill>
+                          <a:effectLst/>
+                          <a:latin typeface="Calibri" panose="020F0502020204030204" pitchFamily="34" charset="0"/>
+                        </a:rPr>
+                        <a:t>19</a:t>
+                      </a:r>
+                    </a:p>
+                  </a:txBody>
+                  <a:tcPr marL="9525" marR="9525" marT="9525" marB="0" anchor="ctr">
+                    <a:noFill/>
+                  </a:tcPr>
+                </a:tc>
+                <a:tc>
+                  <a:txBody>
+                    <a:bodyPr/>
+                    <a:lstStyle/>
+                    <a:p>
+                      <a:pPr algn="ctr" fontAlgn="b"/>
+                      <a:r>
+                        <a:rPr lang="en-GB" sz="2400" b="0" i="0" u="none" strike="noStrike" dirty="0">
+                          <a:solidFill>
+                            <a:srgbClr val="000000"/>
+                          </a:solidFill>
+                          <a:effectLst/>
+                          <a:latin typeface="Calibri" panose="020F0502020204030204" pitchFamily="34" charset="0"/>
+                        </a:rPr>
+                        <a:t>36.8</a:t>
+                      </a:r>
+                    </a:p>
+                  </a:txBody>
+                  <a:tcPr marL="9525" marR="9525" marT="9525" marB="0" anchor="ctr">
+                    <a:noFill/>
+                  </a:tcPr>
+                </a:tc>
+                <a:extLst>
+                  <a:ext uri="{0D108BD9-81ED-4DB2-BD59-A6C34878D82A}">
+                    <a16:rowId xmlns:a16="http://schemas.microsoft.com/office/drawing/2014/main" val="2986682236"/>
+                  </a:ext>
+                </a:extLst>
+              </a:tr>
+            </a:tbl>
+          </a:graphicData>
+        </a:graphic>
+      </p:graphicFrame>
+      <p:sp>
+        <p:nvSpPr>
+          <p:cNvPr id="2" name="Title 1">
+            <a:extLst>
+              <a:ext uri="{FF2B5EF4-FFF2-40B4-BE49-F238E27FC236}">
+                <a16:creationId xmlns:a16="http://schemas.microsoft.com/office/drawing/2014/main" id="{931DA0CE-7786-7594-4341-74D242712F95}"/>
+              </a:ext>
+            </a:extLst>
+          </p:cNvPr>
+          <p:cNvSpPr>
+            <a:spLocks noGrp="1"/>
+          </p:cNvSpPr>
+          <p:nvPr>
+            <p:ph type="title"/>
+          </p:nvPr>
+        </p:nvSpPr>
+        <p:spPr>
+          <a:xfrm>
+            <a:off x="1143001" y="-106124"/>
+            <a:ext cx="9905998" cy="1478570"/>
+          </a:xfrm>
+        </p:spPr>
+        <p:txBody>
+          <a:bodyPr/>
+          <a:lstStyle/>
+          <a:p>
+            <a:r>
+              <a:rPr lang="en-GB" dirty="0"/>
+              <a:t>Test</a:t>
+            </a:r>
+          </a:p>
+        </p:txBody>
+      </p:sp>
+      <p:sp>
+        <p:nvSpPr>
+          <p:cNvPr id="3" name="TextBox 2">
+            <a:extLst>
+              <a:ext uri="{FF2B5EF4-FFF2-40B4-BE49-F238E27FC236}">
+                <a16:creationId xmlns:a16="http://schemas.microsoft.com/office/drawing/2014/main" id="{4ECC3CD1-5062-DE2A-F826-B8C0AB4F2B46}"/>
+              </a:ext>
+            </a:extLst>
+          </p:cNvPr>
+          <p:cNvSpPr txBox="1"/>
+          <p:nvPr/>
+        </p:nvSpPr>
+        <p:spPr>
+          <a:xfrm>
+            <a:off x="8908179" y="1678759"/>
+            <a:ext cx="1401346" cy="523220"/>
+          </a:xfrm>
+          <a:prstGeom prst="rect">
+            <a:avLst/>
+          </a:prstGeom>
+          <a:noFill/>
+        </p:spPr>
+        <p:txBody>
+          <a:bodyPr wrap="none" rtlCol="0">
+            <a:spAutoFit/>
+          </a:bodyPr>
+          <a:lstStyle/>
+          <a:p>
+            <a:r>
+              <a:rPr lang="en-GB" sz="2800" dirty="0">
+                <a:latin typeface="Calibri" panose="020F0502020204030204" pitchFamily="34" charset="0"/>
+                <a:ea typeface="Calibri" panose="020F0502020204030204" pitchFamily="34" charset="0"/>
+                <a:cs typeface="Calibri" panose="020F0502020204030204" pitchFamily="34" charset="0"/>
+              </a:rPr>
+              <a:t>Baseline</a:t>
+            </a:r>
+          </a:p>
+        </p:txBody>
+      </p:sp>
+      <p:sp>
+        <p:nvSpPr>
+          <p:cNvPr id="7" name="TextBox 6">
+            <a:extLst>
+              <a:ext uri="{FF2B5EF4-FFF2-40B4-BE49-F238E27FC236}">
+                <a16:creationId xmlns:a16="http://schemas.microsoft.com/office/drawing/2014/main" id="{C653D83C-9AF3-30F6-CC46-0F37CF945C7E}"/>
+              </a:ext>
+            </a:extLst>
+          </p:cNvPr>
+          <p:cNvSpPr txBox="1"/>
+          <p:nvPr/>
+        </p:nvSpPr>
+        <p:spPr>
+          <a:xfrm>
+            <a:off x="8994804" y="4391100"/>
+            <a:ext cx="1688283" cy="523220"/>
+          </a:xfrm>
+          <a:prstGeom prst="rect">
+            <a:avLst/>
+          </a:prstGeom>
+          <a:noFill/>
+        </p:spPr>
+        <p:txBody>
+          <a:bodyPr wrap="none" rtlCol="0">
+            <a:spAutoFit/>
+          </a:bodyPr>
+          <a:lstStyle/>
+          <a:p>
+            <a:r>
+              <a:rPr lang="en-GB" sz="2800" dirty="0">
+                <a:latin typeface="Calibri" panose="020F0502020204030204" pitchFamily="34" charset="0"/>
+                <a:ea typeface="Calibri" panose="020F0502020204030204" pitchFamily="34" charset="0"/>
+                <a:cs typeface="Calibri" panose="020F0502020204030204" pitchFamily="34" charset="0"/>
+              </a:rPr>
+              <a:t>Optimised</a:t>
+            </a:r>
+          </a:p>
+        </p:txBody>
+      </p:sp>
+    </p:spTree>
+    <p:extLst>
+      <p:ext uri="{BB962C8B-B14F-4D97-AF65-F5344CB8AC3E}">
+        <p14:creationId xmlns:p14="http://schemas.microsoft.com/office/powerpoint/2010/main" val="4210023863"/>
+      </p:ext>
+    </p:extLst>
+  </p:cSld>
+  <p:clrMapOvr>
+    <a:masterClrMapping/>
+  </p:clrMapOvr>
+</p:sld>
+</file>
+
+<file path=ppt/slides/slide9.xml><?xml version="1.0" encoding="utf-8"?>
 <p:sld xmlns:a="http://schemas.openxmlformats.org/drawingml/2006/main" xmlns:r="http://schemas.openxmlformats.org/officeDocument/2006/relationships" xmlns:p="http://schemas.openxmlformats.org/presentationml/2006/main">
   <p:cSld>
     <p:spTree>
@@ -12929,7 +17114,7 @@
           <a:p>
             <a:r>
               <a:rPr lang="en-GB" dirty="0"/>
-              <a:t>Neural Networks</a:t>
+              <a:t>Logistic Regression</a:t>
             </a:r>
           </a:p>
         </p:txBody>
@@ -12962,7 +17147,7 @@
     </p:spTree>
     <p:extLst>
       <p:ext uri="{BB962C8B-B14F-4D97-AF65-F5344CB8AC3E}">
-        <p14:creationId xmlns:p14="http://schemas.microsoft.com/office/powerpoint/2010/main" val="1433448591"/>
+        <p14:creationId xmlns:p14="http://schemas.microsoft.com/office/powerpoint/2010/main" val="3084970501"/>
       </p:ext>
     </p:extLst>
   </p:cSld>

--- a/Presentation.pptx
+++ b/Presentation.pptx
@@ -16,8 +16,13 @@
     <p:sldId id="258" r:id="rId10"/>
     <p:sldId id="266" r:id="rId11"/>
     <p:sldId id="267" r:id="rId12"/>
-    <p:sldId id="268" r:id="rId13"/>
-    <p:sldId id="260" r:id="rId14"/>
+    <p:sldId id="270" r:id="rId13"/>
+    <p:sldId id="271" r:id="rId14"/>
+    <p:sldId id="272" r:id="rId15"/>
+    <p:sldId id="273" r:id="rId16"/>
+    <p:sldId id="269" r:id="rId17"/>
+    <p:sldId id="268" r:id="rId18"/>
+    <p:sldId id="260" r:id="rId19"/>
   </p:sldIdLst>
   <p:sldSz cx="12192000" cy="6858000"/>
   <p:notesSz cx="6858000" cy="9144000"/>
@@ -127,7 +132,7 @@
 <file path=ppt/revisionInfo.xml><?xml version="1.0" encoding="utf-8"?>
 <p1510:revInfo xmlns:a="http://schemas.openxmlformats.org/drawingml/2006/main" xmlns:r="http://schemas.openxmlformats.org/officeDocument/2006/relationships" xmlns:p1510="http://schemas.microsoft.com/office/powerpoint/2015/10/main">
   <p1510:revLst>
-    <p1510:client id="{12123CF6-D7A0-48AD-9993-38D5C8144BA4}" v="31" dt="2024-04-03T19:58:36.416"/>
+    <p1510:client id="{12123CF6-D7A0-48AD-9993-38D5C8144BA4}" v="41" dt="2024-04-03T21:28:59.867"/>
   </p1510:revLst>
 </p1510:revInfo>
 </file>
@@ -137,12 +142,12 @@
   <pc:docChgLst>
     <pc:chgData name="Ayomide Olanrewaju" userId="9e2ef167a983f186" providerId="LiveId" clId="{12123CF6-D7A0-48AD-9993-38D5C8144BA4}"/>
     <pc:docChg chg="undo redo custSel addSld modSld">
-      <pc:chgData name="Ayomide Olanrewaju" userId="9e2ef167a983f186" providerId="LiveId" clId="{12123CF6-D7A0-48AD-9993-38D5C8144BA4}" dt="2024-04-03T20:03:53.939" v="652" actId="20577"/>
+      <pc:chgData name="Ayomide Olanrewaju" userId="9e2ef167a983f186" providerId="LiveId" clId="{12123CF6-D7A0-48AD-9993-38D5C8144BA4}" dt="2024-04-03T21:29:07.600" v="1517" actId="26606"/>
       <pc:docMkLst>
         <pc:docMk/>
       </pc:docMkLst>
       <pc:sldChg chg="addSp delSp modSp mod setBg">
-        <pc:chgData name="Ayomide Olanrewaju" userId="9e2ef167a983f186" providerId="LiveId" clId="{12123CF6-D7A0-48AD-9993-38D5C8144BA4}" dt="2024-04-03T19:59:11.108" v="563" actId="22"/>
+        <pc:chgData name="Ayomide Olanrewaju" userId="9e2ef167a983f186" providerId="LiveId" clId="{12123CF6-D7A0-48AD-9993-38D5C8144BA4}" dt="2024-04-03T20:30:47.813" v="912" actId="20577"/>
         <pc:sldMkLst>
           <pc:docMk/>
           <pc:sldMk cId="3084970501" sldId="258"/>
@@ -156,7 +161,7 @@
           </ac:spMkLst>
         </pc:spChg>
         <pc:spChg chg="add del mod">
-          <ac:chgData name="Ayomide Olanrewaju" userId="9e2ef167a983f186" providerId="LiveId" clId="{12123CF6-D7A0-48AD-9993-38D5C8144BA4}" dt="2024-04-03T19:48:00.910" v="483" actId="26606"/>
+          <ac:chgData name="Ayomide Olanrewaju" userId="9e2ef167a983f186" providerId="LiveId" clId="{12123CF6-D7A0-48AD-9993-38D5C8144BA4}" dt="2024-04-03T20:30:47.813" v="912" actId="20577"/>
           <ac:spMkLst>
             <pc:docMk/>
             <pc:sldMk cId="3084970501" sldId="258"/>
@@ -354,13 +359,13 @@
         </pc:graphicFrameChg>
       </pc:sldChg>
       <pc:sldChg chg="addSp delSp modSp new mod setBg setClrOvrMap">
-        <pc:chgData name="Ayomide Olanrewaju" userId="9e2ef167a983f186" providerId="LiveId" clId="{12123CF6-D7A0-48AD-9993-38D5C8144BA4}" dt="2024-04-03T20:03:53.939" v="652" actId="20577"/>
+        <pc:chgData name="Ayomide Olanrewaju" userId="9e2ef167a983f186" providerId="LiveId" clId="{12123CF6-D7A0-48AD-9993-38D5C8144BA4}" dt="2024-04-03T21:15:10.029" v="1328" actId="113"/>
         <pc:sldMkLst>
           <pc:docMk/>
           <pc:sldMk cId="786187595" sldId="268"/>
         </pc:sldMkLst>
         <pc:spChg chg="mod">
-          <ac:chgData name="Ayomide Olanrewaju" userId="9e2ef167a983f186" providerId="LiveId" clId="{12123CF6-D7A0-48AD-9993-38D5C8144BA4}" dt="2024-04-03T20:00:28.836" v="567" actId="26606"/>
+          <ac:chgData name="Ayomide Olanrewaju" userId="9e2ef167a983f186" providerId="LiveId" clId="{12123CF6-D7A0-48AD-9993-38D5C8144BA4}" dt="2024-04-03T21:15:10.029" v="1328" actId="113"/>
           <ac:spMkLst>
             <pc:docMk/>
             <pc:sldMk cId="786187595" sldId="268"/>
@@ -439,8 +444,8 @@
             <ac:spMk id="142" creationId="{C2E4E997-8672-4FFD-B8EC-9932A8E4714B}"/>
           </ac:spMkLst>
         </pc:spChg>
-        <pc:spChg chg="add">
-          <ac:chgData name="Ayomide Olanrewaju" userId="9e2ef167a983f186" providerId="LiveId" clId="{12123CF6-D7A0-48AD-9993-38D5C8144BA4}" dt="2024-04-03T20:00:28.857" v="568" actId="26606"/>
+        <pc:spChg chg="add mod">
+          <ac:chgData name="Ayomide Olanrewaju" userId="9e2ef167a983f186" providerId="LiveId" clId="{12123CF6-D7A0-48AD-9993-38D5C8144BA4}" dt="2024-04-03T21:15:03.168" v="1325" actId="20577"/>
           <ac:spMkLst>
             <pc:docMk/>
             <pc:sldMk cId="786187595" sldId="268"/>
@@ -519,8 +524,8 @@
             <ac:graphicFrameMk id="49" creationId="{0A923AE2-095E-81E3-CB85-6D5F57937FE5}"/>
           </ac:graphicFrameMkLst>
         </pc:graphicFrameChg>
-        <pc:graphicFrameChg chg="add modGraphic">
-          <ac:chgData name="Ayomide Olanrewaju" userId="9e2ef167a983f186" providerId="LiveId" clId="{12123CF6-D7A0-48AD-9993-38D5C8144BA4}" dt="2024-04-03T20:03:53.939" v="652" actId="20577"/>
+        <pc:graphicFrameChg chg="add mod modGraphic">
+          <ac:chgData name="Ayomide Olanrewaju" userId="9e2ef167a983f186" providerId="LiveId" clId="{12123CF6-D7A0-48AD-9993-38D5C8144BA4}" dt="2024-04-03T20:10:11.755" v="656" actId="207"/>
           <ac:graphicFrameMkLst>
             <pc:docMk/>
             <pc:sldMk cId="786187595" sldId="268"/>
@@ -565,6 +570,385 @@
             <pc:docMk/>
             <pc:sldMk cId="786187595" sldId="268"/>
             <ac:picMk id="143" creationId="{FE6BA9E6-1D9E-4D30-B528-D49FA1342E4E}"/>
+          </ac:picMkLst>
+        </pc:picChg>
+      </pc:sldChg>
+      <pc:sldChg chg="addSp delSp modSp new mod">
+        <pc:chgData name="Ayomide Olanrewaju" userId="9e2ef167a983f186" providerId="LiveId" clId="{12123CF6-D7A0-48AD-9993-38D5C8144BA4}" dt="2024-04-03T21:12:16.986" v="1059" actId="1076"/>
+        <pc:sldMkLst>
+          <pc:docMk/>
+          <pc:sldMk cId="3153601589" sldId="269"/>
+        </pc:sldMkLst>
+        <pc:spChg chg="mod">
+          <ac:chgData name="Ayomide Olanrewaju" userId="9e2ef167a983f186" providerId="LiveId" clId="{12123CF6-D7A0-48AD-9993-38D5C8144BA4}" dt="2024-04-03T20:15:46.189" v="700" actId="20577"/>
+          <ac:spMkLst>
+            <pc:docMk/>
+            <pc:sldMk cId="3153601589" sldId="269"/>
+            <ac:spMk id="2" creationId="{F06D4710-E635-7461-F218-0686A84DEA09}"/>
+          </ac:spMkLst>
+        </pc:spChg>
+        <pc:spChg chg="del">
+          <ac:chgData name="Ayomide Olanrewaju" userId="9e2ef167a983f186" providerId="LiveId" clId="{12123CF6-D7A0-48AD-9993-38D5C8144BA4}" dt="2024-04-03T20:15:53.173" v="701" actId="22"/>
+          <ac:spMkLst>
+            <pc:docMk/>
+            <pc:sldMk cId="3153601589" sldId="269"/>
+            <ac:spMk id="3" creationId="{BD9F95D9-F998-9664-E346-60ACF2D6C936}"/>
+          </ac:spMkLst>
+        </pc:spChg>
+        <pc:spChg chg="add mod">
+          <ac:chgData name="Ayomide Olanrewaju" userId="9e2ef167a983f186" providerId="LiveId" clId="{12123CF6-D7A0-48AD-9993-38D5C8144BA4}" dt="2024-04-03T21:11:10.308" v="1037" actId="1076"/>
+          <ac:spMkLst>
+            <pc:docMk/>
+            <pc:sldMk cId="3153601589" sldId="269"/>
+            <ac:spMk id="8" creationId="{5A680542-4ED1-F2AB-D148-32926FA95B3F}"/>
+          </ac:spMkLst>
+        </pc:spChg>
+        <pc:spChg chg="add mod">
+          <ac:chgData name="Ayomide Olanrewaju" userId="9e2ef167a983f186" providerId="LiveId" clId="{12123CF6-D7A0-48AD-9993-38D5C8144BA4}" dt="2024-04-03T21:10:48.366" v="1035" actId="207"/>
+          <ac:spMkLst>
+            <pc:docMk/>
+            <pc:sldMk cId="3153601589" sldId="269"/>
+            <ac:spMk id="9" creationId="{2475F09F-A54B-A439-2701-ADE876FAA9EB}"/>
+          </ac:spMkLst>
+        </pc:spChg>
+        <pc:spChg chg="add mod">
+          <ac:chgData name="Ayomide Olanrewaju" userId="9e2ef167a983f186" providerId="LiveId" clId="{12123CF6-D7A0-48AD-9993-38D5C8144BA4}" dt="2024-04-03T21:11:20.668" v="1040" actId="113"/>
+          <ac:spMkLst>
+            <pc:docMk/>
+            <pc:sldMk cId="3153601589" sldId="269"/>
+            <ac:spMk id="12" creationId="{C5385508-8696-901C-468D-074C7D30D8B3}"/>
+          </ac:spMkLst>
+        </pc:spChg>
+        <pc:spChg chg="add mod">
+          <ac:chgData name="Ayomide Olanrewaju" userId="9e2ef167a983f186" providerId="LiveId" clId="{12123CF6-D7A0-48AD-9993-38D5C8144BA4}" dt="2024-04-03T21:11:32.037" v="1042" actId="1076"/>
+          <ac:spMkLst>
+            <pc:docMk/>
+            <pc:sldMk cId="3153601589" sldId="269"/>
+            <ac:spMk id="15" creationId="{4692E744-9A96-711C-3532-15265BB08577}"/>
+          </ac:spMkLst>
+        </pc:spChg>
+        <pc:spChg chg="add">
+          <ac:chgData name="Ayomide Olanrewaju" userId="9e2ef167a983f186" providerId="LiveId" clId="{12123CF6-D7A0-48AD-9993-38D5C8144BA4}" dt="2024-04-03T21:11:45.473" v="1043" actId="11529"/>
+          <ac:spMkLst>
+            <pc:docMk/>
+            <pc:sldMk cId="3153601589" sldId="269"/>
+            <ac:spMk id="16" creationId="{43C4E81B-EBF3-A03B-BCCE-1A097731166E}"/>
+          </ac:spMkLst>
+        </pc:spChg>
+        <pc:spChg chg="add mod">
+          <ac:chgData name="Ayomide Olanrewaju" userId="9e2ef167a983f186" providerId="LiveId" clId="{12123CF6-D7A0-48AD-9993-38D5C8144BA4}" dt="2024-04-03T21:12:16.986" v="1059" actId="1076"/>
+          <ac:spMkLst>
+            <pc:docMk/>
+            <pc:sldMk cId="3153601589" sldId="269"/>
+            <ac:spMk id="17" creationId="{8E160622-170A-B369-CA60-A902206C5D75}"/>
+          </ac:spMkLst>
+        </pc:spChg>
+        <pc:picChg chg="add mod ord">
+          <ac:chgData name="Ayomide Olanrewaju" userId="9e2ef167a983f186" providerId="LiveId" clId="{12123CF6-D7A0-48AD-9993-38D5C8144BA4}" dt="2024-04-03T21:09:44.402" v="990" actId="1076"/>
+          <ac:picMkLst>
+            <pc:docMk/>
+            <pc:sldMk cId="3153601589" sldId="269"/>
+            <ac:picMk id="5" creationId="{656F6168-39B3-4D03-5EC3-BFAC395536D3}"/>
+          </ac:picMkLst>
+        </pc:picChg>
+        <pc:picChg chg="add mod">
+          <ac:chgData name="Ayomide Olanrewaju" userId="9e2ef167a983f186" providerId="LiveId" clId="{12123CF6-D7A0-48AD-9993-38D5C8144BA4}" dt="2024-04-03T21:09:36.537" v="987" actId="1076"/>
+          <ac:picMkLst>
+            <pc:docMk/>
+            <pc:sldMk cId="3153601589" sldId="269"/>
+            <ac:picMk id="7" creationId="{74D65E55-4C5E-20A3-6355-C1E860B877C3}"/>
+          </ac:picMkLst>
+        </pc:picChg>
+        <pc:picChg chg="add mod">
+          <ac:chgData name="Ayomide Olanrewaju" userId="9e2ef167a983f186" providerId="LiveId" clId="{12123CF6-D7A0-48AD-9993-38D5C8144BA4}" dt="2024-04-03T21:11:06.881" v="1036" actId="1076"/>
+          <ac:picMkLst>
+            <pc:docMk/>
+            <pc:sldMk cId="3153601589" sldId="269"/>
+            <ac:picMk id="11" creationId="{27223F48-E945-E5DE-015F-E61BEDED4783}"/>
+          </ac:picMkLst>
+        </pc:picChg>
+        <pc:picChg chg="add mod">
+          <ac:chgData name="Ayomide Olanrewaju" userId="9e2ef167a983f186" providerId="LiveId" clId="{12123CF6-D7A0-48AD-9993-38D5C8144BA4}" dt="2024-04-03T21:09:59.761" v="995" actId="1076"/>
+          <ac:picMkLst>
+            <pc:docMk/>
+            <pc:sldMk cId="3153601589" sldId="269"/>
+            <ac:picMk id="14" creationId="{38C07EE2-A886-7BB1-68AF-5A87664805B9}"/>
+          </ac:picMkLst>
+        </pc:picChg>
+      </pc:sldChg>
+      <pc:sldChg chg="addSp delSp modSp new mod">
+        <pc:chgData name="Ayomide Olanrewaju" userId="9e2ef167a983f186" providerId="LiveId" clId="{12123CF6-D7A0-48AD-9993-38D5C8144BA4}" dt="2024-04-03T21:19:54.174" v="1340" actId="9405"/>
+        <pc:sldMkLst>
+          <pc:docMk/>
+          <pc:sldMk cId="915588294" sldId="270"/>
+        </pc:sldMkLst>
+        <pc:spChg chg="mod">
+          <ac:chgData name="Ayomide Olanrewaju" userId="9e2ef167a983f186" providerId="LiveId" clId="{12123CF6-D7A0-48AD-9993-38D5C8144BA4}" dt="2024-04-03T20:52:29.115" v="933"/>
+          <ac:spMkLst>
+            <pc:docMk/>
+            <pc:sldMk cId="915588294" sldId="270"/>
+            <ac:spMk id="2" creationId="{2359983F-CA15-A69B-EF21-3B7AB791996A}"/>
+          </ac:spMkLst>
+        </pc:spChg>
+        <pc:spChg chg="mod">
+          <ac:chgData name="Ayomide Olanrewaju" userId="9e2ef167a983f186" providerId="LiveId" clId="{12123CF6-D7A0-48AD-9993-38D5C8144BA4}" dt="2024-04-03T21:18:02.666" v="1330" actId="20577"/>
+          <ac:spMkLst>
+            <pc:docMk/>
+            <pc:sldMk cId="915588294" sldId="270"/>
+            <ac:spMk id="3" creationId="{CA1CF3DF-5727-FF65-258B-3BEAF4D26E3E}"/>
+          </ac:spMkLst>
+        </pc:spChg>
+        <pc:picChg chg="add mod">
+          <ac:chgData name="Ayomide Olanrewaju" userId="9e2ef167a983f186" providerId="LiveId" clId="{12123CF6-D7A0-48AD-9993-38D5C8144BA4}" dt="2024-04-03T21:18:10.147" v="1332" actId="1076"/>
+          <ac:picMkLst>
+            <pc:docMk/>
+            <pc:sldMk cId="915588294" sldId="270"/>
+            <ac:picMk id="5" creationId="{2AEEA6F5-3F58-ABF6-62BA-1106C4366084}"/>
+          </ac:picMkLst>
+        </pc:picChg>
+        <pc:inkChg chg="add">
+          <ac:chgData name="Ayomide Olanrewaju" userId="9e2ef167a983f186" providerId="LiveId" clId="{12123CF6-D7A0-48AD-9993-38D5C8144BA4}" dt="2024-04-03T21:19:02.642" v="1333" actId="9405"/>
+          <ac:inkMkLst>
+            <pc:docMk/>
+            <pc:sldMk cId="915588294" sldId="270"/>
+            <ac:inkMk id="6" creationId="{058F9025-A3CA-67BD-B325-ADD8BBF06116}"/>
+          </ac:inkMkLst>
+        </pc:inkChg>
+        <pc:inkChg chg="add del">
+          <ac:chgData name="Ayomide Olanrewaju" userId="9e2ef167a983f186" providerId="LiveId" clId="{12123CF6-D7A0-48AD-9993-38D5C8144BA4}" dt="2024-04-03T21:19:12.944" v="1335" actId="9405"/>
+          <ac:inkMkLst>
+            <pc:docMk/>
+            <pc:sldMk cId="915588294" sldId="270"/>
+            <ac:inkMk id="7" creationId="{B7D90C4D-2D67-D8DB-B9B6-57BF48067666}"/>
+          </ac:inkMkLst>
+        </pc:inkChg>
+        <pc:inkChg chg="add del">
+          <ac:chgData name="Ayomide Olanrewaju" userId="9e2ef167a983f186" providerId="LiveId" clId="{12123CF6-D7A0-48AD-9993-38D5C8144BA4}" dt="2024-04-03T21:19:17.631" v="1337" actId="9405"/>
+          <ac:inkMkLst>
+            <pc:docMk/>
+            <pc:sldMk cId="915588294" sldId="270"/>
+            <ac:inkMk id="8" creationId="{130F8B16-BE11-9F5D-4929-0CB03836C88F}"/>
+          </ac:inkMkLst>
+        </pc:inkChg>
+        <pc:inkChg chg="add">
+          <ac:chgData name="Ayomide Olanrewaju" userId="9e2ef167a983f186" providerId="LiveId" clId="{12123CF6-D7A0-48AD-9993-38D5C8144BA4}" dt="2024-04-03T21:19:37.827" v="1338" actId="9405"/>
+          <ac:inkMkLst>
+            <pc:docMk/>
+            <pc:sldMk cId="915588294" sldId="270"/>
+            <ac:inkMk id="9" creationId="{270F0626-1948-356F-C280-82A3F4FFB8D6}"/>
+          </ac:inkMkLst>
+        </pc:inkChg>
+        <pc:inkChg chg="add">
+          <ac:chgData name="Ayomide Olanrewaju" userId="9e2ef167a983f186" providerId="LiveId" clId="{12123CF6-D7A0-48AD-9993-38D5C8144BA4}" dt="2024-04-03T21:19:47.208" v="1339" actId="9405"/>
+          <ac:inkMkLst>
+            <pc:docMk/>
+            <pc:sldMk cId="915588294" sldId="270"/>
+            <ac:inkMk id="10" creationId="{17FEB62A-843D-20FF-9507-BDB8F6C41C83}"/>
+          </ac:inkMkLst>
+        </pc:inkChg>
+        <pc:inkChg chg="add">
+          <ac:chgData name="Ayomide Olanrewaju" userId="9e2ef167a983f186" providerId="LiveId" clId="{12123CF6-D7A0-48AD-9993-38D5C8144BA4}" dt="2024-04-03T21:19:54.174" v="1340" actId="9405"/>
+          <ac:inkMkLst>
+            <pc:docMk/>
+            <pc:sldMk cId="915588294" sldId="270"/>
+            <ac:inkMk id="11" creationId="{A69F7EAF-1D52-F42E-B0F8-36A2F08BE03A}"/>
+          </ac:inkMkLst>
+        </pc:inkChg>
+      </pc:sldChg>
+      <pc:sldChg chg="addSp delSp modSp new mod">
+        <pc:chgData name="Ayomide Olanrewaju" userId="9e2ef167a983f186" providerId="LiveId" clId="{12123CF6-D7A0-48AD-9993-38D5C8144BA4}" dt="2024-04-03T21:28:09.471" v="1475" actId="1076"/>
+        <pc:sldMkLst>
+          <pc:docMk/>
+          <pc:sldMk cId="1556710669" sldId="271"/>
+        </pc:sldMkLst>
+        <pc:spChg chg="mod">
+          <ac:chgData name="Ayomide Olanrewaju" userId="9e2ef167a983f186" providerId="LiveId" clId="{12123CF6-D7A0-48AD-9993-38D5C8144BA4}" dt="2024-04-03T20:52:41.825" v="935"/>
+          <ac:spMkLst>
+            <pc:docMk/>
+            <pc:sldMk cId="1556710669" sldId="271"/>
+            <ac:spMk id="2" creationId="{589086DA-5238-2E1C-0346-515A231B1430}"/>
+          </ac:spMkLst>
+        </pc:spChg>
+        <pc:spChg chg="mod">
+          <ac:chgData name="Ayomide Olanrewaju" userId="9e2ef167a983f186" providerId="LiveId" clId="{12123CF6-D7A0-48AD-9993-38D5C8144BA4}" dt="2024-04-03T21:21:03.195" v="1365" actId="20577"/>
+          <ac:spMkLst>
+            <pc:docMk/>
+            <pc:sldMk cId="1556710669" sldId="271"/>
+            <ac:spMk id="3" creationId="{870A92BA-424B-8A3C-BA0A-79242DC0C366}"/>
+          </ac:spMkLst>
+        </pc:spChg>
+        <pc:picChg chg="add mod">
+          <ac:chgData name="Ayomide Olanrewaju" userId="9e2ef167a983f186" providerId="LiveId" clId="{12123CF6-D7A0-48AD-9993-38D5C8144BA4}" dt="2024-04-03T21:28:04.019" v="1473" actId="688"/>
+          <ac:picMkLst>
+            <pc:docMk/>
+            <pc:sldMk cId="1556710669" sldId="271"/>
+            <ac:picMk id="7" creationId="{09FF5E95-087A-BB57-7B0E-BC17EA8DC8FA}"/>
+          </ac:picMkLst>
+        </pc:picChg>
+        <pc:inkChg chg="add del">
+          <ac:chgData name="Ayomide Olanrewaju" userId="9e2ef167a983f186" providerId="LiveId" clId="{12123CF6-D7A0-48AD-9993-38D5C8144BA4}" dt="2024-04-03T21:20:20.439" v="1344" actId="9405"/>
+          <ac:inkMkLst>
+            <pc:docMk/>
+            <pc:sldMk cId="1556710669" sldId="271"/>
+            <ac:inkMk id="4" creationId="{8F060CE3-7D9D-DD9E-C49F-1CF7EB4E9DC7}"/>
+          </ac:inkMkLst>
+        </pc:inkChg>
+        <pc:inkChg chg="add del">
+          <ac:chgData name="Ayomide Olanrewaju" userId="9e2ef167a983f186" providerId="LiveId" clId="{12123CF6-D7A0-48AD-9993-38D5C8144BA4}" dt="2024-04-03T21:20:19.764" v="1343" actId="9405"/>
+          <ac:inkMkLst>
+            <pc:docMk/>
+            <pc:sldMk cId="1556710669" sldId="271"/>
+            <ac:inkMk id="5" creationId="{A8581622-B939-DAD1-EB05-3910D684F5E9}"/>
+          </ac:inkMkLst>
+        </pc:inkChg>
+        <pc:inkChg chg="add mod">
+          <ac:chgData name="Ayomide Olanrewaju" userId="9e2ef167a983f186" providerId="LiveId" clId="{12123CF6-D7A0-48AD-9993-38D5C8144BA4}" dt="2024-04-03T21:28:09.471" v="1475" actId="1076"/>
+          <ac:inkMkLst>
+            <pc:docMk/>
+            <pc:sldMk cId="1556710669" sldId="271"/>
+            <ac:inkMk id="8" creationId="{D88A360B-3F08-EDB0-40B5-C8019AD7AA61}"/>
+          </ac:inkMkLst>
+        </pc:inkChg>
+        <pc:inkChg chg="add mod">
+          <ac:chgData name="Ayomide Olanrewaju" userId="9e2ef167a983f186" providerId="LiveId" clId="{12123CF6-D7A0-48AD-9993-38D5C8144BA4}" dt="2024-04-03T21:28:07.379" v="1474" actId="1076"/>
+          <ac:inkMkLst>
+            <pc:docMk/>
+            <pc:sldMk cId="1556710669" sldId="271"/>
+            <ac:inkMk id="9" creationId="{D778FD16-C6FD-49BE-5D8D-A893DB94C155}"/>
+          </ac:inkMkLst>
+        </pc:inkChg>
+        <pc:inkChg chg="add">
+          <ac:chgData name="Ayomide Olanrewaju" userId="9e2ef167a983f186" providerId="LiveId" clId="{12123CF6-D7A0-48AD-9993-38D5C8144BA4}" dt="2024-04-03T21:23:06.152" v="1370" actId="9405"/>
+          <ac:inkMkLst>
+            <pc:docMk/>
+            <pc:sldMk cId="1556710669" sldId="271"/>
+            <ac:inkMk id="10" creationId="{8041F3D0-B69F-FE30-452B-1BAF3499A9D8}"/>
+          </ac:inkMkLst>
+        </pc:inkChg>
+      </pc:sldChg>
+      <pc:sldChg chg="addSp modSp new mod">
+        <pc:chgData name="Ayomide Olanrewaju" userId="9e2ef167a983f186" providerId="LiveId" clId="{12123CF6-D7A0-48AD-9993-38D5C8144BA4}" dt="2024-04-03T21:27:11.427" v="1408"/>
+        <pc:sldMkLst>
+          <pc:docMk/>
+          <pc:sldMk cId="21361387" sldId="272"/>
+        </pc:sldMkLst>
+        <pc:spChg chg="mod">
+          <ac:chgData name="Ayomide Olanrewaju" userId="9e2ef167a983f186" providerId="LiveId" clId="{12123CF6-D7A0-48AD-9993-38D5C8144BA4}" dt="2024-04-03T21:27:11.427" v="1408"/>
+          <ac:spMkLst>
+            <pc:docMk/>
+            <pc:sldMk cId="21361387" sldId="272"/>
+            <ac:spMk id="2" creationId="{96B6CA45-6367-6D0D-7FA2-F0BE046452A4}"/>
+          </ac:spMkLst>
+        </pc:spChg>
+        <pc:spChg chg="mod">
+          <ac:chgData name="Ayomide Olanrewaju" userId="9e2ef167a983f186" providerId="LiveId" clId="{12123CF6-D7A0-48AD-9993-38D5C8144BA4}" dt="2024-04-03T21:23:36.503" v="1398" actId="20577"/>
+          <ac:spMkLst>
+            <pc:docMk/>
+            <pc:sldMk cId="21361387" sldId="272"/>
+            <ac:spMk id="3" creationId="{1D2D7C9A-174A-C29B-813D-CC902BDC6F47}"/>
+          </ac:spMkLst>
+        </pc:spChg>
+        <pc:picChg chg="add mod">
+          <ac:chgData name="Ayomide Olanrewaju" userId="9e2ef167a983f186" providerId="LiveId" clId="{12123CF6-D7A0-48AD-9993-38D5C8144BA4}" dt="2024-04-03T21:24:58.540" v="1402" actId="14100"/>
+          <ac:picMkLst>
+            <pc:docMk/>
+            <pc:sldMk cId="21361387" sldId="272"/>
+            <ac:picMk id="5" creationId="{7051C5EB-8975-D6F2-B284-E8DB41C4241B}"/>
+          </ac:picMkLst>
+        </pc:picChg>
+        <pc:inkChg chg="add">
+          <ac:chgData name="Ayomide Olanrewaju" userId="9e2ef167a983f186" providerId="LiveId" clId="{12123CF6-D7A0-48AD-9993-38D5C8144BA4}" dt="2024-04-03T21:25:23.401" v="1403" actId="9405"/>
+          <ac:inkMkLst>
+            <pc:docMk/>
+            <pc:sldMk cId="21361387" sldId="272"/>
+            <ac:inkMk id="6" creationId="{9E0921E0-BFC9-3FDF-9FED-5717A58E915F}"/>
+          </ac:inkMkLst>
+        </pc:inkChg>
+        <pc:inkChg chg="add">
+          <ac:chgData name="Ayomide Olanrewaju" userId="9e2ef167a983f186" providerId="LiveId" clId="{12123CF6-D7A0-48AD-9993-38D5C8144BA4}" dt="2024-04-03T21:25:45.816" v="1404" actId="9405"/>
+          <ac:inkMkLst>
+            <pc:docMk/>
+            <pc:sldMk cId="21361387" sldId="272"/>
+            <ac:inkMk id="7" creationId="{EE5991D3-B09A-40DB-F074-0524E798C4A3}"/>
+          </ac:inkMkLst>
+        </pc:inkChg>
+        <pc:inkChg chg="add">
+          <ac:chgData name="Ayomide Olanrewaju" userId="9e2ef167a983f186" providerId="LiveId" clId="{12123CF6-D7A0-48AD-9993-38D5C8144BA4}" dt="2024-04-03T21:25:55.328" v="1405" actId="9405"/>
+          <ac:inkMkLst>
+            <pc:docMk/>
+            <pc:sldMk cId="21361387" sldId="272"/>
+            <ac:inkMk id="8" creationId="{8DF2679D-4101-9D94-E232-611B07E4F4F6}"/>
+          </ac:inkMkLst>
+        </pc:inkChg>
+      </pc:sldChg>
+      <pc:sldChg chg="addSp delSp modSp new mod setBg setClrOvrMap">
+        <pc:chgData name="Ayomide Olanrewaju" userId="9e2ef167a983f186" providerId="LiveId" clId="{12123CF6-D7A0-48AD-9993-38D5C8144BA4}" dt="2024-04-03T21:29:07.600" v="1517" actId="26606"/>
+        <pc:sldMkLst>
+          <pc:docMk/>
+          <pc:sldMk cId="4263905640" sldId="273"/>
+        </pc:sldMkLst>
+        <pc:spChg chg="mod">
+          <ac:chgData name="Ayomide Olanrewaju" userId="9e2ef167a983f186" providerId="LiveId" clId="{12123CF6-D7A0-48AD-9993-38D5C8144BA4}" dt="2024-04-03T21:29:07.600" v="1517" actId="26606"/>
+          <ac:spMkLst>
+            <pc:docMk/>
+            <pc:sldMk cId="4263905640" sldId="273"/>
+            <ac:spMk id="2" creationId="{0E42D588-C1D0-570B-48AB-135A6EB8081A}"/>
+          </ac:spMkLst>
+        </pc:spChg>
+        <pc:spChg chg="add del mod ord">
+          <ac:chgData name="Ayomide Olanrewaju" userId="9e2ef167a983f186" providerId="LiveId" clId="{12123CF6-D7A0-48AD-9993-38D5C8144BA4}" dt="2024-04-03T21:29:07.600" v="1517" actId="26606"/>
+          <ac:spMkLst>
+            <pc:docMk/>
+            <pc:sldMk cId="4263905640" sldId="273"/>
+            <ac:spMk id="3" creationId="{6C2A90BD-FF94-EE60-5494-2D8C95407A58}"/>
+          </ac:spMkLst>
+        </pc:spChg>
+        <pc:spChg chg="add">
+          <ac:chgData name="Ayomide Olanrewaju" userId="9e2ef167a983f186" providerId="LiveId" clId="{12123CF6-D7A0-48AD-9993-38D5C8144BA4}" dt="2024-04-03T21:29:07.600" v="1517" actId="26606"/>
+          <ac:spMkLst>
+            <pc:docMk/>
+            <pc:sldMk cId="4263905640" sldId="273"/>
+            <ac:spMk id="10" creationId="{9775AF3B-5284-4B97-9BB7-55C6FB3699C2}"/>
+          </ac:spMkLst>
+        </pc:spChg>
+        <pc:spChg chg="add">
+          <ac:chgData name="Ayomide Olanrewaju" userId="9e2ef167a983f186" providerId="LiveId" clId="{12123CF6-D7A0-48AD-9993-38D5C8144BA4}" dt="2024-04-03T21:29:07.600" v="1517" actId="26606"/>
+          <ac:spMkLst>
+            <pc:docMk/>
+            <pc:sldMk cId="4263905640" sldId="273"/>
+            <ac:spMk id="55" creationId="{66D4F5BA-1D71-49B2-8A7F-6B4EB94D7265}"/>
+          </ac:spMkLst>
+        </pc:spChg>
+        <pc:grpChg chg="add">
+          <ac:chgData name="Ayomide Olanrewaju" userId="9e2ef167a983f186" providerId="LiveId" clId="{12123CF6-D7A0-48AD-9993-38D5C8144BA4}" dt="2024-04-03T21:29:07.600" v="1517" actId="26606"/>
+          <ac:grpSpMkLst>
+            <pc:docMk/>
+            <pc:sldMk cId="4263905640" sldId="273"/>
+            <ac:grpSpMk id="12" creationId="{A0F1F7ED-DA39-478F-85DA-317DE08941E8}"/>
+          </ac:grpSpMkLst>
+        </pc:grpChg>
+        <pc:picChg chg="add mod">
+          <ac:chgData name="Ayomide Olanrewaju" userId="9e2ef167a983f186" providerId="LiveId" clId="{12123CF6-D7A0-48AD-9993-38D5C8144BA4}" dt="2024-04-03T21:28:43.449" v="1477"/>
+          <ac:picMkLst>
+            <pc:docMk/>
+            <pc:sldMk cId="4263905640" sldId="273"/>
+            <ac:picMk id="4" creationId="{40431BB4-B70E-3885-2D77-449EDF16AD72}"/>
+          </ac:picMkLst>
+        </pc:picChg>
+        <pc:picChg chg="add mod">
+          <ac:chgData name="Ayomide Olanrewaju" userId="9e2ef167a983f186" providerId="LiveId" clId="{12123CF6-D7A0-48AD-9993-38D5C8144BA4}" dt="2024-04-03T21:29:07.600" v="1517" actId="26606"/>
+          <ac:picMkLst>
+            <pc:docMk/>
+            <pc:sldMk cId="4263905640" sldId="273"/>
+            <ac:picMk id="5" creationId="{A0AFA70B-6D4E-DD4B-DDDA-931BAB7D5523}"/>
+          </ac:picMkLst>
+        </pc:picChg>
+        <pc:picChg chg="add">
+          <ac:chgData name="Ayomide Olanrewaju" userId="9e2ef167a983f186" providerId="LiveId" clId="{12123CF6-D7A0-48AD-9993-38D5C8144BA4}" dt="2024-04-03T21:29:07.600" v="1517" actId="26606"/>
+          <ac:picMkLst>
+            <pc:docMk/>
+            <pc:sldMk cId="4263905640" sldId="273"/>
+            <ac:picMk id="53" creationId="{1B17CCE2-CEEF-40CA-8C4D-0DC2DCA78A23}"/>
           </ac:picMkLst>
         </pc:picChg>
       </pc:sldChg>
@@ -1377,7 +1761,7 @@
         <a:lstStyle/>
         <a:p>
           <a:r>
-            <a:rPr lang="en-US"/>
+            <a:rPr lang="en-US" dirty="0"/>
             <a:t>Encoding &amp; Scaling</a:t>
           </a:r>
         </a:p>
@@ -1413,7 +1797,7 @@
         <a:lstStyle/>
         <a:p>
           <a:r>
-            <a:rPr lang="en-US"/>
+            <a:rPr lang="en-US" dirty="0"/>
             <a:t>Random Over Sampling</a:t>
           </a:r>
         </a:p>
@@ -1805,7 +2189,7 @@
             <a:buNone/>
           </a:pPr>
           <a:r>
-            <a:rPr lang="en-US" sz="2500" kern="1200"/>
+            <a:rPr lang="en-US" sz="2500" kern="1200" dirty="0"/>
             <a:t>Encoding &amp; Scaling</a:t>
           </a:r>
         </a:p>
@@ -1945,7 +2329,7 @@
             <a:buNone/>
           </a:pPr>
           <a:r>
-            <a:rPr lang="en-US" sz="2500" kern="1200"/>
+            <a:rPr lang="en-US" sz="2500" kern="1200" dirty="0"/>
             <a:t>Random Over Sampling</a:t>
           </a:r>
         </a:p>
@@ -3838,6 +4222,296 @@
     </dgm:style>
   </dgm:styleLbl>
 </dgm:styleDef>
+</file>
+
+<file path=ppt/ink/ink1.xml><?xml version="1.0" encoding="utf-8"?>
+<inkml:ink xmlns:inkml="http://www.w3.org/2003/InkML">
+  <inkml:definitions>
+    <inkml:context xml:id="ctx0">
+      <inkml:inkSource xml:id="inkSrc0">
+        <inkml:traceFormat>
+          <inkml:channel name="X" type="integer" min="-2.14748E9" max="2.14748E9" units="cm"/>
+          <inkml:channel name="Y" type="integer" min="-2.14748E9" max="2.14748E9" units="cm"/>
+        </inkml:traceFormat>
+        <inkml:channelProperties>
+          <inkml:channelProperty channel="X" name="resolution" value="1000" units="1/cm"/>
+          <inkml:channelProperty channel="Y" name="resolution" value="1000" units="1/cm"/>
+        </inkml:channelProperties>
+      </inkml:inkSource>
+      <inkml:timestamp xml:id="ts0" timeString="2024-04-03T21:19:02.630"/>
+    </inkml:context>
+    <inkml:brush xml:id="br0">
+      <inkml:brushProperty name="width" value="0.3" units="cm"/>
+      <inkml:brushProperty name="height" value="0.6" units="cm"/>
+      <inkml:brushProperty name="color" value="#FFFC00"/>
+      <inkml:brushProperty name="tip" value="rectangle"/>
+      <inkml:brushProperty name="rasterOp" value="maskPen"/>
+      <inkml:brushProperty name="ignorePressure" value="1"/>
+    </inkml:brush>
+  </inkml:definitions>
+  <inkml:trace contextRef="#ctx0" brushRef="#br0">902 622,'38'15,"0"1,-1 2,-2 1,0 2,35 27,151 137,-217-181,70 66,-4 3,-3 3,-3 4,101 164,150 384,-118-98,-46 11,-124-432,23 181,-48-269,0 1,-2 0,0 0,-1 0,-8 40,8-58,0-1,-1 1,1-1,-1 0,0 1,0-1,0 0,0 0,0 0,-1 0,1-1,-1 1,0 0,0-1,0 0,0 0,0 0,-1 0,1 0,0-1,-1 0,0 1,1-1,-1 0,1-1,-1 1,0-1,0 1,1-1,-1 0,0-1,0 1,1-1,-1 1,0-1,1 0,-1-1,1 1,-1-1,1 1,0-1,-1 0,-2-2,-43-31,2-1,2-3,2-1,1-2,2-2,-37-53,42 44,1-1,4-2,1 0,-28-84,-57-251,21-81,-25-93,100 505,-3 2,-40-81,-71-101,97 181,-54-78,61 98,2 0,1-2,-33-78,30 54,-2 1,-61-93,77 132,-13-33,17 35,-2 0,-13-22,4 12,15 21,-1 1,-1 0,-17-20,0 9,0 1,-2 1,-39-22,-17-12,76 49,0 0,0 1,0 0,-1 1,0 0,0 0,0 0,0 1,-14-2,18 3,-1 1,0 0,0 0,0 0,0 1,0-1,0 1,0 0,1 1,-1-1,0 1,1 0,-1 0,1 1,0-1,0 1,-7 5,-4 6,1 1,0 1,1 1,0 0,2 0,-12 23,-45 117,44-98,6-8,1 2,3 0,2 0,2 1,3 1,-1 98,46 329,-16-286,-9 402,-15-397,0 140,4 610,0-854,25 164,-20-220,3-1,1 0,1 0,3-1,1-1,34 58,69 100,-113-186,-3-4,0-1,0 0,0 0,0 0,1 0,0 0,0-1,8 8,-11-12,-1 0,0 0,1 0,-1 0,0 0,1 0,-1 0,0 0,0 0,1 0,-1 0,0 0,1 0,-1 0,0 0,1 0,-1 0,0 0,0-1,1 1,-1 0,0 0,0 0,1 0,-1-1,0 1,0 0,1 0,-1-1,0 1,0 0,0 0,0-1,1 1,-1 0,0-1,0 1,0 0,0 0,0-1,0 0,4-16,-4 15,6-68,-5-111,-3 79,0-302,12-771,90 120,-83 913,38-650,-58 738,-20-104,13 105,-5-97,14 124,0 17,0 0,1 1,0-1,0 0,1 0,0 0,5-16,-6 25,0 1,0-1,0 0,0 0,0 0,0 1,0-1,0 0,0 0,0 0,0 1,0-1,0 0,0 0,0 0,0 1,0-1,0 0,1 0,-1 0,0 1,0-1,0 0,0 0,0 0,1 0,-1 0,0 1,0-1,0 0,0 0,1 0,-1 0,0 0,0 0,0 0,1 0,-1 0,0 0,0 0,1 0,-1 0,0 0,0 0,0 0,1 0,-1 0,0 0,0 0,0 0,1 0,-1 0,0 0,0 0,0 0,1-1,-1 1,0 0,0 0,0 0,0 0,0-1,1 1,-1 0,0 0,0 0,0-1,5 21,-5-20,66 316,20 114,2 478,-86-873,28 957,-29-885,32 760,-18-714,6-1,47 169,-65-308,-1-9,0 1,-1-1,0 1,0-1,0 1,0 0,-1-1,0 1,0 0,0-1,-2 10,2-14,0 0,0 0,-1 0,1 0,0 0,0 0,-1 0,1 0,0 0,0 0,0 0,-1 0,1 0,0 0,0 0,-1 0,1 0,0 0,0 0,-1 0,1 0,0 0,0-1,0 1,-1 0,1 0,0 0,0 0,0-1,-1 1,1 0,0 0,0 0,0 0,0-1,0 1,0 0,-1 0,1-1,0 1,-9-13,1 0,0 0,1-1,0 0,1 0,-5-22,-3-1,-54-160,-76-361,40-217,72-12,36-1,-1 628,-1 16,-6 0,-38-237,32 312,3 0,4-124,7 270,19 115,-9-95,149 837,50-4,-136-601,102 346,24-6,-200-660,-1 0,4 12,1-1,0 0,2 0,19 34,-21-51,-4-11,0-21,-3 27,3-482,-5 262,-23-1964,3 1653,20 508,-1 0,-11-41,11 121,87 2146,42-1233,-92-792,6-2,95 249,-122-390,23 67,-36-160,-30-405,-31-4,43 341,-51-341,-53-449,104 125,20 632,12-367,-2 87,-15 401,3 39,0 1,0-1,0 0,0 1,0-1,-1 0,1 1,0-1,-1 1,1-1,0 0,-1 1,1-1,-1 1,1-1,-1 1,1-1,-1 1,1 0,-1-1,0 1,0 0,0 0,0 0,1 0,-1 0,0 1,0-1,1 0,-1 1,0-1,1 0,-1 1,0-1,1 1,-1-1,1 1,-1-1,0 1,1-1,-1 1,1 0,0-1,-1 2,-10 14,2 0,0 1,0 0,2 0,0 1,-7 28,7-25,-35 129,-32 209,13 160,30-96,37 673,89-319,-81-717,-9-46,-2 0,1 1,-2-1,2 25,2-98,-3-1,-6-92,-1 72,-139-1488,77 1211,49 263,5 0,-1-174,-1-29,12 280,2 11,0 1,-1-1,0 1,0-1,-3-8,4 13,0 1,0 0,-1-1,1 1,0 0,0 0,0-1,0 1,-1 0,1 0,0-1,0 1,0 0,-1 0,1-1,0 1,-1 0,1 0,0 0,0 0,-1 0,1 0,0-1,-1 1,1 0,0 0,-1 0,1 0,0 0,-1 0,1 0,0 0,-1 0,1 0,0 0,0 1,-1-1,1 0,0 0,-1 0,1 0,0 0,0 1,-1-1,1 0,0 0,0 0,-1 1,1-1,0 0,0 0,0 1,-1-1,1 0,0 1,0-1,0 0,0 0,0 1,0-1,-1 1,-11 23,0 14,2 1,1 0,2 0,-3 52,7-57,-46 1230,77-841,-18-352,4 1,3-2,47 124,-19-74,-29-73,1 0,3-2,44 75,27 19,-91-138,1 0,-1-1,0 1,1 0,-1 0,1 0,0-1,-1 1,1 0,-1 0,1-1,0 1,0-1,-1 1,1-1,0 1,0-1,0 1,0-1,-1 0,1 1,0-1,0 0,0 0,1 0,-1 0,0-1,0 0,-1 1,1-1,0 0,-1 0,1 1,0-1,-1 0,1 0,-1 0,0 0,1 0,-1 0,0 0,0 0,1 0,-1-2,1-9,0 0,0 0,-2-12,-4-23,-1 1,-18-62,-38-94,39 130,-170-500,-40 13,68 203,100 210,-22-41,74 164,-1 2,0 0,-2 0,0 2,-1 0,-23-19,32 31,-6-7,-1 2,-1-1,0 2,-1 0,0 1,-31-13,26 15,1 0,-28-15,40 18,1 0,0-1,0 0,1 0,0 0,0-1,0-1,-6-9,-3-3,8 10,1 0,0 0,-7-15,13 22,-1 0,1 0,0 0,0 0,0-1,1 1,-1 0,1-1,0 1,0-1,0 1,0 0,0-1,1 1,-1 0,3-7,-1 8,-1-1,1 0,-1 1,1 0,0-1,0 1,0 0,1 0,-1 0,0 0,1 0,3-2,37-17,-33 17,46-18,1 2,1 3,0 2,84-10,245-1,304 43,-651-13,-24-2,-1-1,1 0,-1-1,23-2,-78-20,-17-4,-39-19,-159-50,71 47,-298-38,390 76,-118-19,136 15,152 11,998 48,15-22,-1089-23,26-2,-18-2,-10 4,0 0,0-1,0 1,0 0,0 0,0-1,0 1,0 0,0 0,0-1,0 1,0 0,0-1,0 1,0 0,0 0,0-1,0 1,-1 0,1 0,0 0,0-1,0 1,0 0,0 0,-1 0,1-1,0 1,0 0,0 0,-1 0,1 0,0 0,0-1,-1 1,-10-7,0 0,0 1,0 1,-1-1,0 2,0 0,-20-4,-91-12,-303-8,0 26,278 3,148-1,-1 0,1-1,-1 1,1 0,-1 0,1 0,-1 0,1 0,0 0,-1 0,1 0,-1 0,1 0,-1 0,1 0,-1 1,1-1,0 0,-1 0,1 0,-1 0,1 1,0-1,-1 0,1 1,0-1,-1 0,1 1,0-1,-1 1,12 8,37 12,-38-16,451 166,-406-154,0 2,-2 2,77 43,-108-51,-1 1,0 1,-1 0,-1 2,-1 0,0 1,-1 1,-1 0,-1 1,20 36,-15-16,-3 2,-1 1,-2 0,-2 0,-2 2,7 64,2 280,-18-321,0 1438,-4-645,3-654,-3-187,0-21,-1-15,-21-160,-116-1112,85-63,61 970,1-103,-6 483,0-1,0 0,0 1,0-1,0 0,0 1,-1-1,1 0,-1 1,1-1,-1 0,1 1,-1-1,0 1,-1-2,2 3,-1-1,1 1,-1 0,1 0,-1 0,1 0,-1 0,1-1,-1 1,1 0,-1 0,1 0,-1 0,1 1,-1-1,1 0,-1 0,1 0,-1 0,1 0,-1 1,1-1,0 0,-1 0,1 1,-1-1,1 0,-1 1,1-1,-1 1,-5 6,0-1,0 2,1-1,-7 11,-8 18,1 1,-20 58,-19 86,46-142,-53 184,10 3,11 2,-30 444,77 202,31-579,-9-98,-1 4,-22-191,1-13,0-24,-3 22,10-194,-10 193,6-258,43-1225,-38 1271,21-672,-31 874,-3-38,2 52,0-1,-1 0,1 1,-1-1,0 1,1-1,-1 1,0-1,-1 1,1-1,0 1,-1 0,1 0,-1 0,-2-3,2 4,0 0,1 0,-1 1,0-1,0 1,1-1,-1 1,0-1,0 1,0 0,1 0,-1 0,0 0,0 0,0 0,0 1,1-1,-1 1,0-1,0 1,1-1,-1 1,0 0,1 0,-1 0,1 0,-1 0,-1 2,-8 5,1 1,-16 19,23-25,-39 46,1 3,-51 87,-53 128,48-69,-138 405,197-473,5 3,6 0,5 2,-5 192,36 274,-6-516,6 85,44 238,-33-315,-11-60,-2 0,-2 0,0 0,-1 51,-20-167,-357-1362,366 1425,-12-45,-4 1,-2 1,-51-90,73 149,1 0,-1 0,0 0,-1 0,1 0,-1 0,0 1,1 0,-1 0,-1 0,1 0,0 1,-1-1,1 1,-1 0,0 1,-5-2,6 2,0 1,0 0,1 0,-1 0,0 0,0 1,1-1,-1 1,0 0,1 0,-1 1,1-1,-1 1,1 0,0-1,0 1,-1 1,1-1,1 0,-1 1,0 0,1-1,-4 5,-6 10,0 1,1 0,1 1,1 0,0 0,1 1,-6 26,-1 18,-8 67,7 25,7 0,13 183,2-258,4 0,3-1,3 0,28 78,-42-153,44 158,-39-132,-2-1,0 1,-1 44,-5-359,-77-553,68 784,-4 0,-36-95,48 144,1 1,-1-1,0 1,0 0,-1 0,1 0,-1 0,1 0,-1 1,-5-5,7 7,1-1,-1 1,0-1,0 1,0-1,1 1,-1 0,0-1,0 1,0 0,0 0,0 0,0 0,0 0,0 0,0 0,1 0,-1 0,0 0,0 0,0 1,0-1,0 0,0 1,1-1,-1 1,0-1,0 1,0-1,1 1,-1-1,0 1,1 0,-1-1,0 1,1 0,-1-1,1 1,-1 0,1 0,0 0,-1 0,1 0,0-1,0 1,-1 0,1 0,0 2,-4 14,1 0,1 0,0 1,2-1,2 36,-1-12,-1 143,3 132,2-274,2 1,1-1,22 64,-2-9,6 7,-25-81,-1-1,-1 1,-1 1,-1-1,-1 1,1 25,-5-20,1 0,1-1,1 1,2 0,1-1,12 34,47 127,-54-152,9 63,-14-68,0 0,2 0,15 37,-18-56,-3-8,0 0,0 0,0 0,1-1,-1 1,6 5,-7-8,1-1,-1 0,1 0,-1 0,1 0,-1 0,1 0,0 0,-1-1,1 1,0-1,0 1,-1-1,1 1,0-1,0 0,0 0,-1 0,1 0,0 0,0-1,0 1,1-1,9-3,-1 0,0-1,0 0,0-1,-1 0,0-1,0 0,11-11,36-22,-22 21,1 1,1 2,1 1,71-17,-49 20,1 2,90-2,-76 12,0 3,0 4,-1 2,0 4,97 30,-147-37,8 2,-30-7,-21-4,-507-93,-336-57,792 145,-1 2,0 4,-1 3,1 2,-78 15,141-16,-48 8,53-10,0 1,0 0,0 0,1 0,-1 0,0 0,1 1,-1-1,0 1,1-1,0 1,-1 0,1 0,-3 4,4-5,1 0,0 1,-1-1,1 0,0 1,0-1,0 0,0 1,0-1,0 1,0-1,0 0,1 1,-1-1,1 0,-1 1,1-1,-1 0,1 0,-1 0,1 1,0-1,0 0,0 0,0 0,1 1,29 25,-8-12,1-1,0-1,1-1,45 14,115 25,-146-42,914 168,-679-140,441 1,-677-39,0-1,-1-2,1-2,-1-2,0-1,40-15,-72 22,-1 0,1 0,-1 0,1-1,-1 1,0-1,0 0,0 0,0 0,-1-1,1 1,-1-1,0 0,0 0,0 0,3-7,-4 3,1 1,-2-1,1 1,-1-1,0 0,-1 0,1 1,-2-1,-1-15,-1 4,0-1,-2 1,0 0,-1 0,-1 0,-1 1,-13-22,5 13,-2 1,0 0,-42-43,39 50,0 1,-1 1,0 1,-2 1,1 0,-31-12,-13-1,-79-23,93 34,-1 3,-1 2,0 2,0 3,0 2,-99 4,235-1,1 4,102 15,-171-16,265 42,93 7,-369-50,31-1,-33 1,0 0,1-1,-1 1,1 0,-1 0,0 0,1 0,-1-1,0 1,1 0,-1 0,0-1,0 1,1 0,-1-1,0 1,0 0,1-1,-1 1,0 0,0-1,0 1,1-1,-1 1,0-1,-7-15,-12-6,-24-23,-14-16,33 32,9 12,1 0,0-1,1-1,2 0,0 0,0-1,-7-22,12 24,-1 1,-11-18,10 21,1-1,1 1,-9-29,0-20,2-1,-7-119,21-138,-2-61,-9 241,-2-50,13-165,-2 352,0 6,-4 15,-6 27,-10 83,-10 229,31 135,3-215,-3-153,0-96</inkml:trace>
+</inkml:ink>
+</file>
+
+<file path=ppt/ink/ink10.xml><?xml version="1.0" encoding="utf-8"?>
+<inkml:ink xmlns:inkml="http://www.w3.org/2003/InkML">
+  <inkml:definitions>
+    <inkml:context xml:id="ctx0">
+      <inkml:inkSource xml:id="inkSrc0">
+        <inkml:traceFormat>
+          <inkml:channel name="X" type="integer" min="-2.14748E9" max="2.14748E9" units="cm"/>
+          <inkml:channel name="Y" type="integer" min="-2.14748E9" max="2.14748E9" units="cm"/>
+        </inkml:traceFormat>
+        <inkml:channelProperties>
+          <inkml:channelProperty channel="X" name="resolution" value="1000" units="1/cm"/>
+          <inkml:channelProperty channel="Y" name="resolution" value="1000" units="1/cm"/>
+        </inkml:channelProperties>
+      </inkml:inkSource>
+      <inkml:timestamp xml:id="ts0" timeString="2024-04-03T21:25:55.327"/>
+    </inkml:context>
+    <inkml:brush xml:id="br0">
+      <inkml:brushProperty name="width" value="0.3" units="cm"/>
+      <inkml:brushProperty name="height" value="0.6" units="cm"/>
+      <inkml:brushProperty name="color" value="#FF2500"/>
+      <inkml:brushProperty name="tip" value="rectangle"/>
+      <inkml:brushProperty name="rasterOp" value="maskPen"/>
+      <inkml:brushProperty name="ignorePressure" value="1"/>
+    </inkml:brush>
+  </inkml:definitions>
+  <inkml:trace contextRef="#ctx0" brushRef="#br0">1 54,'315'11,"12"0,-266-11,-8-2,1 3,90 13,59 18,-81-11,-87-13,0-2,57 3,458-10,-532 0,0 0,24-7,20-1,376 4,-236 8,-112-1,0 5,91 18,91 8,-249-30,1 1,29 10,-33-8,0-1,0-1,40 3,649-6,-325-3,-340 2,335 14,-305-8,-1-2,1-4,-1-3,101-17,-112 10,-15 3,0-2,45-15,-79 20,0 0,1 2,0-1,-1 2,1 0,0 1,0 0,0 1,-1 0,1 1,15 4,3 0,1-2,60-1,67-12,-139 7,42-3,601-27,-475 32,120 2,-156 9,62 0,557-12,-733-1,0-2,55-12,-51 7,68-4,358 11,-228 4,2042-2,-2247-1,49-9,-49 4,53 0,-52 6,0-2,0-1,42-9,-70 10,131-23,-73 15,-31 5,52-2,-45 5,48-9,-32 3,3-2,-35 5,45-3,-33 4,-25-1</inkml:trace>
+</inkml:ink>
+</file>
+
+<file path=ppt/ink/ink2.xml><?xml version="1.0" encoding="utf-8"?>
+<inkml:ink xmlns:inkml="http://www.w3.org/2003/InkML">
+  <inkml:definitions>
+    <inkml:context xml:id="ctx0">
+      <inkml:inkSource xml:id="inkSrc0">
+        <inkml:traceFormat>
+          <inkml:channel name="X" type="integer" min="-2.14748E9" max="2.14748E9" units="cm"/>
+          <inkml:channel name="Y" type="integer" min="-2.14748E9" max="2.14748E9" units="cm"/>
+        </inkml:traceFormat>
+        <inkml:channelProperties>
+          <inkml:channelProperty channel="X" name="resolution" value="1000" units="1/cm"/>
+          <inkml:channelProperty channel="Y" name="resolution" value="1000" units="1/cm"/>
+        </inkml:channelProperties>
+      </inkml:inkSource>
+      <inkml:timestamp xml:id="ts0" timeString="2024-04-03T21:19:37.824"/>
+    </inkml:context>
+    <inkml:brush xml:id="br0">
+      <inkml:brushProperty name="width" value="0.3" units="cm"/>
+      <inkml:brushProperty name="height" value="0.6" units="cm"/>
+      <inkml:brushProperty name="color" value="#00F900"/>
+      <inkml:brushProperty name="tip" value="rectangle"/>
+      <inkml:brushProperty name="rasterOp" value="maskPen"/>
+      <inkml:brushProperty name="ignorePressure" value="1"/>
+    </inkml:brush>
+  </inkml:definitions>
+  <inkml:trace contextRef="#ctx0" brushRef="#br0">201 0,'0'10,"-1"0,-1 1,0-1,0-1,-1 1,-5 12,-29 58,26-60,-27 53,-20 40,51-94,0 0,1 0,0 0,2 1,0 0,2 0,0 0,1 32,3 23,15 96,-12-142,1-1,2 1,1-1,0-1,3 0,19 37,-10-27,-12-19,1-1,23 30,-29-41,0 0,0 0,-1 1,0-1,0 1,0 0,-1 0,0 0,0 0,-1 0,2 14,-2 8,-4 50,0-21,-11 204,-9 26,18-233,3-1,2 1,2 0,3 0,18 86,-15-101,-3-15,1 1,1-1,19 47,-16-48,13 46,-16-44,19 43,-13-37,-1 2,-2-1,7 42,4 14,4 36,-18-82,12 43,-14-62,-1-1,-1 1,-1 0,-1 27,0-20,7 53,6 19,-10-59,20 78,-14-80,8 73,-13-72,17 71,-13-73,-2 0,-1 1,-2 0,-4 78,0-97,1 6,10 53,-6-52,2 46,-7-54,1 0,1 0,7 31,-1-16,-4-17,1-1,0 0,11 25,-6-27,-10-17,0 0,0 0,0 0,0 0,0 1,0-1,0 0,0 0,0 0,1 0,-1 0,0 0,0 0,0 0,0 0,0 0,0 0,0 0,0 0,1 0,-1 0,0 0,0 0,0 0,0-1,0 1,0 0,0 0,0 0,0 0,1 0,-1 0,0 0,0 0,0 0,0 0,0 0,0 0,0 0,0-1,0 1,0 0,0 0,0 0,0 0,0 0,0 0,0 0,0 0,0-1,0 1,0 0,0 0,0 0,0 0,0 0,0 0,0 0,0 0,0-1,0 1,0 0,0 0,0 0,0 0,0 0,0 0,0 0,-5-38,4 28,-64-319,12 79,19 120,4 26,25 70,-3-58,-2-12,1 53,-35-247,34 231,5 35,-2-52,4 41,-2 0,-16-71,7 51,14 60,0 1,-1 0,1-1,-1 1,0 0,0-1,0 1,0 0,0 0,0 0,-1 0,1 0,-1 0,1 0,-1 1,0-1,0 0,-2-1,3 2,-1 1,0-1,0 0,0 1,0-1,0 1,0 0,0-1,0 1,0 0,0 0,0 0,0 1,0-1,0 0,0 1,-3 1,1-1,0 1,-1 0,1 1,0-1,0 1,1 0,-1 0,0 0,1 0,0 1,0-1,0 1,0 0,0 0,1 0,0 0,-3 6,0 12,1-1,1 1,1 0,1 0,1 0,4 29,-1 11,-3-52,-1 42,3 0,2 0,18 81,-1-58,44 104,-53-154,22 34,-26-48,0 2,-1-1,0 1,-1 0,0 0,-1 0,-1 1,0 0,-1 0,2 17,7 97,-3-69,-6-30,1 1,2-1,1 0,22 55,-15-53,-2 1,0 0,11 58,-18-70,1 1,1-1,1 1,1-2,21 37,-20-39,-2 0,0 1,5 19,-10-28,-1-1,0 1,-1-1,1 1,-2-1,1 1,-1 0,-2 16,2-36,1 0,-2 0,1 0,-1 0,-1 0,-5-20,2 9,-59-303,57 301,-1 1,-12-26,8 20,12 29,0-1,0 0,0 1,0-1,-1 0,1 1,0-1,0 1,-1-1,1 0,0 1,-1-1,1 1,0-1,-1 1,1-1,-1 1,1 0,-1-1,1 1,-1-1,1 1,-1 0,0-1,1 1,-1 0,1 0,-2-1,1 2,0-1,0 1,1 0,-1-1,0 1,1 0,-1 0,1-1,-1 1,1 0,-1 0,1 0,0 0,-1 0,1-1,-1 3,-7 41,6 64,3-71,-2 0,-6 42,-24 156,25-170,5 118,3-80,-2-54,1 56,-1-102,0-1,1 0,-1 0,1 0,-1 0,1 0,0 0,-1 0,1-1,0 1,0 0,1 0,-1 0,0-1,0 1,1-1,-1 1,1-1,0 0,-1 1,3 0,0 0,0 0,0-1,0 0,0 0,0 0,1 0,-1 0,0-1,9 0,0-1,0 0,0-1,0-1,0 0,24-9,-22 5,0-2,24-16,-30 18,0 1,1 0,0 0,0 1,0 0,1 1,-1 0,18-4,21 3,-1 3,73 4,15 0,54-12,106-2,-38 13,-255-3,-9-3,-12-2,-63-9,-66-15,101 21,-1 2,0 2,0 2,-77 3,143 9,17 2,75-3,122-7,-89-2,301 2,-441 0,-1 0,1 0,0 0,-1-1,1 1,-1-1,1 0,-1 0,0 0,1 0,-1-1,0 1,0-1,1 0,-1 0,-1 0,5-4,-3 1,0 0,-1-1,1 0,-1 1,0-1,-1 0,0 0,0-1,2-6,124-550,-100 396,11-289,-39-176,-5 275,6-1899,-13 2447,1-13,11-29,-1-148,-3-9,-4-13,-1-75,8 71,-1 1,-1-1,-9-33,-15-36,-77-172,76 202,23 48,-1 1,-1 0,0 0,-1 1,-1 0,-18-23,6 13,17 18,0 1,0 0,-1 0,1 0,-1 1,-1 0,1 0,0 0,-1 0,0 1,0 0,0 0,-8-2,-10-1,-1 2,0 0,-1 1,-48 2,-100 18,37 3,44-4,-187 5,179-21,-78-2,159-1,1 0,0-1,-32-12,-12-2,56 17,-22-6,0 1,0 2,-40-2,47 6,0-1,1-1,-1-1,-32-9,93 9,72 14,190 43,-159-24,-66-16,667 99,-648-109,69 7,-143-8,1 1,-1 1,0 1,-1 1,31 14,0 1,-33-15,-1 0,25 15,-41-21,0-1,0 1,0 0,0-1,0 1,0 0,0 0,0 0,0-1,-1 1,1 0,0 0,-1 0,1 0,0 0,-1 1,0-1,1 0,-1 0,1 0,-1 0,0 1,0-1,0 0,0 0,0 0,0 1,0-1,0 0,0 0,-1 0,1 0,0 1,-1-1,1 0,-1 0,1 0,-1 0,0 0,1 0,-1 0,0 0,-1 1,-4 5,-1 0,-1-1,1 1,-13 6,19-12,-64 42,-3-3,-105 45,-153 43,300-118,-323 99,287-95,1-3,-1-2,-115-1,105-9,96-5,0 0,0-2,0 0,-1-2,36-20,-14 8,166-90,-176 90,-1-1,-1-2,54-54,-83 74,1 0,-1 0,0-1,0 0,-1 1,1-1,-1 0,-1-1,1 1,-1 0,0-1,-1 0,2-7,-3 9,0 0,0 0,0 0,0 0,-1 0,0 0,0 1,0-1,-1 0,0 1,1-1,-2 1,1-1,0 1,-1 0,0 0,0 0,-5-5,-7-4,1 0,-2 1,1 1,-2 0,1 2,-2 0,1 0,-1 2,0 0,-1 1,1 1,-35-5,-12 3,-1 3,-94 6,49 1,-18-5,-118 4,150 9,51-5,-47 0,84-7,7 1,0-1,0 1,-1 0,1 0,0 0,-1 0,1 0,0 1,0-1,-1 1,1-1,0 1,-3 1,5-2,0 1,0-1,0 0,0 1,0-1,0 0,0 1,0-1,0 0,0 1,1-1,-1 0,0 0,0 1,0-1,0 0,0 1,1-1,-1 0,0 0,0 1,0-1,1 0,-1 0,0 1,0-1,1 0,-1 0,0 0,1 0,-1 0,0 1,0-1,1 0,0 0,13 7,-13-6,327 119,-67-28,47 37,294 110,-442-180,-159-58,-4 0,-14-2,-22-3,-84-8,0 5,-237 18,237 6,-169 45,17-2,252-56,0-1,0-1,0-1,-39-3,60 2,0 0,1-1,-1 1,0-1,0 1,0-1,1 1,-1-1,0 0,1 0,-1 0,0 0,1 0,0 0,-1-1,1 1,0 0,-1-1,1 1,0-1,0 1,-1-4,1 2,-1-1,2 1,-1-1,0 0,1 0,-1 1,1-1,0 0,0 0,2-6,0-2,1 0,0 0,1 0,1 1,0-1,7-11,27-35,4 0,66-68,-66 78,8-2,-34 35,0-2,18-22,-31 34,0 0,-1 0,0 0,0-1,0 1,0-1,-1 0,0 1,-1-1,1 0,-1-1,0 1,0-7,-1 9,-1 1,0-1,1 1,-1-1,0 1,-1-1,1 1,-1 0,1 0,-1-1,0 1,0 0,-4-3,-38-38,23 24,5 7,0-1,0 2,-1 0,-1 1,0 1,-1 0,-37-12,-39-22,51 23,37 17,-1 0,0 0,1 1,-1 0,-1 0,-9-1,9 2,4 2,1 0,-1-1,1 1,-1-1,1-1,-1 1,1 0,0-1,0 0,-6-3,11 4,0 0,0 1,0-1,1 1,-1-1,0 1,0-1,0 1,0-1,0 1,1 0,-1 0,0 0,0 0,2 0,72-3,0 3,106 15,149 38,-229-35,-20-4,-11-4,-1 4,0 2,98 37,-167-53,0 0,1 0,-1 0,0 0,0 0,0 0,0 0,0 0,1 0,-1 0,0 0,0 0,0 0,0 0,0 0,1 0,-1 0,0 0,0 0,0 0,0 0,0 0,1 1,-1-1,0 0,0 0,0 0,0 0,0 0,0 0,0 0,0 0,1 1,-1-1,0 0,0 0,0 0,0 0,0 0,0 1,0-1,0 0,0 0,0 0,0 0,0 0,0 1,0-1,0 0,0 0,0 0,0 0,0 0,0 1,0-1,0 0,0 0,0 0,-1 0,1 0,0 0,0 1,0-1,-15 3,-35-1,38-2,-244 20,-11 1,188-20,-128-15,103 8,69 6,-53-8,75 5,0 0,0 0,0-1,1-1,0 0,0-1,0 0,0-1,1 0,0-1,-15-13,4 2,16 15,1 0,-1 0,1-1,0 0,0 0,-7-11,11 15,1 0,-1 0,1 0,0 0,-1 0,1 0,0 0,0 0,-1 0,1 0,0 0,0 0,0 0,0 0,1 0,-1 0,0 0,0 0,1 0,-1 0,1-1,0 0,1 0,-1 0,1 1,0-1,0 0,0 1,0-1,0 1,0 0,0 0,0-1,4 0,18-6,-1 1,1 1,0 1,39-3,1 0,-17 4,-36 3,0 1,0-1,1-1,-1 0,15-5,-26 7,1 0,-1 0,0 0,0 0,0 0,0 0,1-1,-1 1,0 0,0 0,0 0,0 0,1 0,-1 0,0 0,0 0,0 0,0 0,0 0,0-1,1 1,-1 0,0 0,0 0,0 0,0 0,0-1,0 1,0 0,0 0,0 0,0 0,0 0,0-1,0 1,0 0,0 0,0 0,0 0,0-1,0 1,0 0,0 0,0 0,0 0,0-1,0 1,0 0,-10-5,-15 0,-250-32,188 15,170 44,-49-12,0-1,62 7,262-13,-190-5,299 2,-440-3,0-1,0-2,-1 0,1-2,43-18,-57 20,-12 6,0 0,0 0,-1 0,1 0,0 0,-1 0,1-1,0 1,0 0,-1-1,1 1,-1 0,1-1,0 1,-1-1,1 1,-1-1,1 1,-1-1,1 1,-1-1,0 0,1 1,-1-1,0 1,1-1,-1 0,0 1,0-1,1 0,-1-1,-1 1,0 0,0 0,1 0,-1 0,0 0,0 0,0 0,0 1,-1-1,1 0,0 1,0-1,0 0,-1 1,0-1,-53-14,25 12,0 2,0 1,0 1,1 1,-1 1,1 2,-34 10,-197 76,204-65,0 3,-81 56,65-38,7-6,-91 54,127-77,1 1,-37 34,17-13,33-28,0 0,0 1,2 1,0 0,0 1,1 1,1-1,1 2,0 0,1 0,1 0,1 1,0 0,1 1,1 0,1 0,1 0,-2 33,5 289,2-122,-2-209,0 1,1-1,0 0,1 1,0-1,1 0,0 0,5 12,-5-17,0 1,0-1,0 0,1 0,0-1,0 1,0-1,1 1,-1-2,1 1,0 0,0-1,0 0,1 0,9 4,2-1,0-1,1 0,0-1,0-1,19 0,94-2,-104-1,778-78,-488 38,-156 21,455-42,-395 57,-220 4,1 0,-1 0,0 0,1 0,-1 0,0 0,1 0,-1-1,0 1,1 0,-1-1,0 1,0-1,0 0,1 1,-1-1,0 0,0 0,0 1,0-1,0 0,0 0,0 0,1-3,-2 3,-1 0,1 0,0 0,0 0,-1-1,1 1,-1 0,1 0,-1 0,1 0,-1 0,1 0,-1 0,0 1,0-1,0 0,1 0,-1 0,0 1,0-1,0 0,0 1,0-1,0 1,0-1,0 1,-1 0,0-1,-19-7,-1 0,0 2,0 1,-44-6,-95 3,136 7,-448-2,329 8,-184 32,-379 97,655-124,2-2,-65 0,105-7,734-72,-10-54,-589 97,103-17,-185 38,-2-2,48-16,-24 5,-63 20,0 0,0-1,0 1,0-1,-1 0,1 1,0-1,0 0,-1 0,1 0,-1 0,1-1,-1 1,1 0,1-3,-3 3,1 0,-1 1,0-1,0 0,0 0,0 1,0-1,0 0,0 0,0 0,0 1,0-1,0 0,0 0,0 1,-1-1,1 0,0 1,-1-1,1 0,0 1,-1-1,1 0,-1 1,1-1,-1 0,-4-3,1 1,0-1,-1 1,0 0,1 0,-1 0,0 1,-10-4,-29-6,0 1,0 2,-1 2,0 2,-56 0,38 7,-1 3,0 3,-69 17,-4 13,1 6,-204 97,102-26,-315 206,544-316,1 0,1 0,-1 0,1 0,1 1,-8 7,14-12,-1-1,0 1,0 0,1 0,-1 0,1 0,-1 0,1 0,-1 0,1 0,0 0,-1 1,1-1,0 0,0 0,0 0,0 0,0 0,0 2,1-2,0 1,-1-1,1 1,0-1,0 0,0 0,0 1,0-1,0 0,0 0,1 0,-1 0,0 0,1 0,-1-1,0 1,1 0,1 0,14 5,0 0,0-1,0 0,25 2,77 4,-74-8,275 15,278 33,-568-47,-1 2,0 0,0 2,-1 1,36 17,-55-18,-14-3,-22 0,24-5,-128 17,-158 43,-121 61,-48 70,364-148,37-15,1 3,-66 46,116-73,-1 1,1 0,1 1,-1-1,1 1,0 0,0 1,-7 13,11-19,0 1,1-1,-1 1,1-1,-1 1,1 0,-1-1,1 1,0 0,0-1,0 1,0 0,0-1,0 1,1 0,-1-1,1 1,-1-1,1 3,1-2,-1 0,1-1,0 1,-1 0,1 0,0-1,0 0,0 1,0-1,0 0,0 0,1 0,-1 0,0 0,0 0,1-1,3 1,40 7,-1-2,1-3,52-2,-34 0,156 2,792 28,-866-20,294 10,-429-21,1-1,0 1,-1-2,1 0,-1 0,0-1,0-1,12-4,-20 7,-1-1,1 0,0 1,0-1,-1 0,1 0,-1-1,0 1,0 0,0-1,0 1,0-1,0 0,-1 0,1 0,-1 0,0 0,1 0,-2 0,1 0,0 0,-1 0,1 0,-1-1,0 1,0 0,0 0,0-1,-1 1,1 0,-1 0,-2-5,1 2,0 0,-1 1,1-1,-2 1,1-1,-1 1,1 0,-1 0,-1 0,1 1,-1-1,1 1,-1 0,-1 1,1-1,-9-4,-8-2,1 0,-1 2,-26-7,-5 1,-1 3,-1 2,-57-2,-169 9,178 8,-149 30,239-33,14 0,25-2,357-20,-2-30,-347 45,-1 0,-19 3,-1 0,1-1,-1 0,0-1,0-1,0 0,0-1,-1 0,20-11,-31 15,1 0,-1 0,0 0,0-1,0 1,0 0,0-1,0 1,0-1,0 1,-1-1,1 0,-1 1,1-1,-1 1,1-1,-1 0,0 0,0 1,0-1,0 0,0 1,0-1,0 0,-1 0,1 1,-1-1,1 1,-1-1,1 0,-1 1,0-1,0 1,0-1,0 1,0 0,0-1,-2-1,-5-6,0 0,0 1,-1 0,-11-8,0 2,-2 1,1 1,-2 0,0 2,0 1,-1 0,0 2,-25-5,-15 1,-123-6,-17 16,186-3,25-3,34-7,783-139,-606 131,-195 21,1-4,-24 5,0 0,0 0,0 0,0-1,0 1,0 0,0 0,0 0,0 0,0-1,0 1,0 0,0 0,0 0,0 0,0-1,0 1,0 0,0 0,0 0,0 0,-1-1,1 1,0 0,0 0,0 0,0 0,0 0,0 0,-1 0,1-1,0 1,0 0,0 0,0 0,-1 0,1 0,0 0,0 0,0 0,0 0,-1 0,1 0,0 0,0 0,0 0,0 0,-1 0,1 0,0 0,0 0,-1 0,-46-6,-3 6,-1 2,0 3,1 2,0 2,-72 22,-236 106,216-70,-148 95,-114 109,362-241,19-15,1 1,-31 29,52-44,0 0,0 0,0 0,0 0,0 1,0-1,0 0,0 0,0 1,1-1,-1 0,1 1,-1-1,1 0,-1 1,1-1,0 1,0-1,0 3,0-3,0 0,1 0,-1 0,1 0,-1 0,1 0,0 0,-1 0,1 0,0 0,0 0,-1 0,1-1,0 1,0 0,0-1,0 1,0-1,2 1,4 2,1 0,0-1,0 0,0 0,14 0,170 12,94 9,190 45,-472-67,8 1,-1 0,0 1,16 6,-25-8,-1 0,0-1,1 1,-1 0,1 0,-1 0,0 0,0 0,0 0,1 0,-1 0,0 0,0 1,0 1,0-2,-1 0,0 0,0 0,0 0,0 0,0 0,0 0,0 0,0 0,0-1,0 1,-1 0,1 0,0 0,-1 0,1 0,0 0,-1 0,1 0,-1-1,0 1,1 0,-1 0,0-1,-1 2,-16 14,-1-1,0-1,-2 0,1-2,-44 20,25-13,-297 143,44-23,196-93,-88 48,180-91,-1-1,1 1,0 0,0 1,0-1,0 1,1-1,0 1,-1 0,1 0,1 1,-1-1,-3 9,5-10,0 0,1 1,-1-1,1 0,0 0,0 1,0-1,1 0,-1 0,1 1,-1-1,1 0,0 0,0 0,1 0,-1 0,1 0,-1 0,1-1,0 1,0-1,3 4,8 8,1-1,0-1,1 0,0-1,1 0,0-1,1-1,24 9,145 45,-181-61,280 74,-204-58,129 10,-201-27,0-1,0-1,-1 1,13-4,-19 4,-1 0,0-1,0 1,1 0,-1-1,0 0,0 1,0-1,0 1,1-1,-1 0,0 0,0 0,0 0,-1 0,2-1,-1 1,-1 0,0 0,0 0,0 0,0 1,0-1,0 0,0 0,0 0,0 0,0 0,-1 0,1 0,0 0,-1 0,1 0,0 1,-1-1,1 0,-1 0,1 0,-1 1,0-1,1 0,-1 1,-1-2,-3-3,-1 0,0 0,0 0,-1 1,1-1,-1 2,-10-6,-57-17,56 20,-59-17,-1 3,0 4,-1 3,-1 3,1 4,-1 4,-86 8,141-4,0 1,1 1,-46 14,63-15,0 0,0 0,1 1,-1-1,1 2,0-1,-9 8,12-9,0 1,0-1,1 0,-1 1,1 0,0-1,0 1,0 0,1 0,-1 0,1 0,0 1,0-1,0 5,1-6,0-1,0 1,1-1,-1 1,1-1,-1 1,1-1,0 0,0 1,0-1,0 0,1 0,-1 0,1 0,-1 0,1 0,0 0,-1 0,1-1,0 1,0-1,0 1,1-1,-1 0,0 0,0 0,1 0,-1 0,5 1,9 3,1-1,0 0,20 1,-31-4,90 8,169-5,93-36,-240 16,144-40,-250 53,-1-1,0 1,0-2,0 0,0 0,-1-1,17-12,-25 16,0 0,0 0,0 0,0 0,0 0,-1-1,1 1,-1 0,1-1,-1 0,0 1,0-1,0 1,0-1,0 0,-1 0,1 0,-1 1,0-1,0 0,0 0,0 0,0 0,-1 0,1 1,-1-1,0 0,0 0,0 1,0-1,0 1,0-1,-1 1,1-1,-1 1,-3-4,-9-11,-1 1,0 0,-1 1,-1 1,0 0,-25-15,-124-61,39 34,-2 5,-3 6,-1 6,-184-30,293 64,-1 2,1 0,-44 3,68-1,0 1,-1 0,1 0,0 0,-1 0,1 0,0 0,-1 0,1 0,-1 0,1 0,0 0,-1 0,1 1,0-1,-1 0,1 0,0 0,-1 0,1 1,0-1,0 0,-1 0,1 0,0 1,0-1,-1 0,1 1,0-1,0 0,-1 1,10 6,21 5,28 3,1-2,77 7,122-2,-238-17,13 0,158 4,-152-11,-38 6,0 0,-1 0,1 0,-1 0,1 0,0 0,-1-1,1 1,-1 0,1-1,-1 1,1 0,-1-1,1 1,-1 0,1-1,-1 1,0-1,1 1,-1-1,0 1,1-1,-1 1,0-1,1 1,-1-1,0 1,0-1,0 0,0 1,0-1,1 1,-1-1,0 0,0 1,0-1,-1 1,1-1,0 0,0 1,0-1,0 1,-1-1,1 1,0-1,0 1,-1-1,1 1,0-1,-1 1,1-1,-1 1,1-1,0 1,-1 0,1-1,-1 1,-6-7,-1 1,1 0,-1 1,0 0,0 0,-1 1,-10-4,5 1,-62-28,-2 4,-1 3,-1 4,-1 3,-1 3,-1 4,-148-5,221 19,1 0,-1 1,0 0,0 0,1 1,-14 5,21-7,1 1,-1 0,0-1,1 1,-1 0,1 0,-1 0,1 0,-1 0,1 1,0-1,-1 0,1 1,0-1,0 0,0 1,0 0,0-1,1 1,-1-1,0 1,1 0,-1 0,1-1,0 1,-1 0,1 0,0 0,0-1,0 1,0 0,1 0,-1 0,0-1,1 1,-1 0,1 0,0-1,-1 1,1 0,2 2,1 4,1 0,1 0,-1-1,1 0,0 0,1 0,-1-1,13 9,0-1,1-2,30 16,67 25,165 50,131 15,-364-105,366 85,-408-97,-1 1,1 0,-1 0,0 1,0-1,0 1,0 1,6 4,-11-8,-1 0,1 1,-1-1,0 0,1 1,-1-1,0 1,1-1,-1 1,0-1,1 0,-1 1,0-1,0 1,0-1,0 1,1-1,-1 1,0 0,0-1,0 1,0-1,0 1,0-1,0 1,-1-1,1 1,0-1,0 1,0-1,0 1,-1-1,1 1,0 0,-17 12,-10 2,-1-2,0-1,-1-1,-43 10,33-10,-54 17,-633 214,716-238,-31 12,-63 37,94-47,1 0,0 0,0 1,0 0,1 0,0 1,1 0,0 1,0-1,1 1,0 1,-6 11,10-18,1 1,-1 0,1 0,0 0,0 1,0-1,1 0,-1 0,1 1,0-1,0 0,1 0,-1 1,1-1,0 0,0 0,2 6,0-6,0 1,0 0,0-1,0 1,1-1,0 0,0 0,0-1,0 1,1-1,8 6,7 0,0 0,0-1,1-1,0-1,38 7,39 1,129 3,103-20,136-47,-6-36,-347 63,-201 26,-142 23,-84 36,128-23,175-37,-2 1,-1 0,0-1,1-1,-1 0,-24-1,38-1,-1 1,1 0,0 0,-1 0,1 0,0 0,-1 0,1-1,0 1,0 0,-1 0,1-1,0 1,-1 0,1 0,0-1,0 1,0 0,-1-1,1 1,0 0,0-1,0 1,0 0,0-1,0 1,-1 0,1-1,0 1,0 0,0-1,0 1,0 0,0-1,1 1,-1-1,0 1,0 0,0-1,0 1,0 0,0-1,1 1,-1 0,0 0,0-1,0 1,1 0,-1-1,0 1,0 0,1 0,-1-1,1 1,16-20,-16 19,28-27,33-31,100-126,7-67,-148 215,-2-1,-1 0,-3-1,0-1,10-50,-23 76,0 1,-1-1,0 1,-1-1,-1 0,0 1,0-1,-2 1,0 0,0-1,-7-14,7 19,-1 1,0 0,-1 0,1 0,-2 1,1-1,-1 1,0 1,0-1,-1 1,0 0,0 0,0 1,-1 0,1 1,-1-1,-15-5,16 8,-1 1,1-1,0 1,0 0,-1 1,1 0,-13 1,15-1,1 1,-1 0,1-1,0 2,-1-1,1 0,0 1,0 0,0 0,0 0,0 1,0-1,-5 5,5 0,7-5,13-8,4-9,1-1,-2 0,0-1,-1-2,-1 1,15-24,0-2,-32 44,0-1,0 1,0 0,0-1,0 1,1-1,-1 1,0 0,0-1,1 1,-1 0,0-1,0 1,1 0,-1 0,0-1,1 1,-1 0,0 0,1-1,-1 1,1 0,-1 0,0 0,1 0,-1 0,1 0,-1 0,0 0,1 0,-1 0,1 0,-1 0,0 0,2 0,3 15,-4 28,-36 239,20-194,-6 141,24 155,-3-360,2 1,1-1,1 1,1-1,1 0,2-1,0 0,17 35,-17-46,0 0,1-1,0 0,0 0,1-1,1-1,11 10,-7-7,-1 0,-1 1,15 19,-24-27,-1 1,0-1,-1 1,1 0,-1 0,0 1,-1-1,1 0,-1 1,0-1,-1 0,0 1,0 8,-1-6,2 0,-1 0,1 0,1-1,3 14,2-8,2-4</inkml:trace>
+</inkml:ink>
+</file>
+
+<file path=ppt/ink/ink3.xml><?xml version="1.0" encoding="utf-8"?>
+<inkml:ink xmlns:inkml="http://www.w3.org/2003/InkML">
+  <inkml:definitions>
+    <inkml:context xml:id="ctx0">
+      <inkml:inkSource xml:id="inkSrc0">
+        <inkml:traceFormat>
+          <inkml:channel name="X" type="integer" min="-2.14748E9" max="2.14748E9" units="cm"/>
+          <inkml:channel name="Y" type="integer" min="-2.14748E9" max="2.14748E9" units="cm"/>
+        </inkml:traceFormat>
+        <inkml:channelProperties>
+          <inkml:channelProperty channel="X" name="resolution" value="1000" units="1/cm"/>
+          <inkml:channelProperty channel="Y" name="resolution" value="1000" units="1/cm"/>
+        </inkml:channelProperties>
+      </inkml:inkSource>
+      <inkml:timestamp xml:id="ts0" timeString="2024-04-03T21:19:47.207"/>
+    </inkml:context>
+    <inkml:brush xml:id="br0">
+      <inkml:brushProperty name="width" value="0.3" units="cm"/>
+      <inkml:brushProperty name="height" value="0.6" units="cm"/>
+      <inkml:brushProperty name="color" value="#FF2500"/>
+      <inkml:brushProperty name="tip" value="rectangle"/>
+      <inkml:brushProperty name="rasterOp" value="maskPen"/>
+      <inkml:brushProperty name="ignorePressure" value="1"/>
+    </inkml:brush>
+  </inkml:definitions>
+  <inkml:trace contextRef="#ctx0" brushRef="#br0">1 0,'398'13,"-231"-3,-62-6,111 20,-191-19,92 15,0 5,114 41,-207-58,0 2,-1 0,0 2,-1 0,0 2,21 16,-35-24,0 0,0-1,1 0,-1 0,1-1,0 0,1-1,-1 0,1 0,-1-1,1-1,0 1,16-1,8-2,0-1,54-11,-39 5,-6 1,2 0,84-4,142 10,186 4,-141 29,62 2,-319-33,-3 1,-1-3,1-2,80-14,68-30,407-76,161 79,-237 23,-111-10,9 25,-248 8,-127-3,-31-1,-1 2,1 0,-1 2,1 1,51 12,168 62,-76-33,-142-37,1-1,-1-2,1-1,0-1,0-2,36-3,9 1,408 1,-456 0,49-9,-49 5,47-1,972 5,-475 3,-546-1,44 8,-44-5,-1-1,30 0,187-23,-33-1,442 17,-350 7,-233-3,-47 0</inkml:trace>
+</inkml:ink>
+</file>
+
+<file path=ppt/ink/ink4.xml><?xml version="1.0" encoding="utf-8"?>
+<inkml:ink xmlns:inkml="http://www.w3.org/2003/InkML">
+  <inkml:definitions>
+    <inkml:context xml:id="ctx0">
+      <inkml:inkSource xml:id="inkSrc0">
+        <inkml:traceFormat>
+          <inkml:channel name="X" type="integer" min="-2.14748E9" max="2.14748E9" units="cm"/>
+          <inkml:channel name="Y" type="integer" min="-2.14748E9" max="2.14748E9" units="cm"/>
+        </inkml:traceFormat>
+        <inkml:channelProperties>
+          <inkml:channelProperty channel="X" name="resolution" value="1000" units="1/cm"/>
+          <inkml:channelProperty channel="Y" name="resolution" value="1000" units="1/cm"/>
+        </inkml:channelProperties>
+      </inkml:inkSource>
+      <inkml:timestamp xml:id="ts0" timeString="2024-04-03T21:19:54.173"/>
+    </inkml:context>
+    <inkml:brush xml:id="br0">
+      <inkml:brushProperty name="width" value="0.3" units="cm"/>
+      <inkml:brushProperty name="height" value="0.6" units="cm"/>
+      <inkml:brushProperty name="color" value="#FF2500"/>
+      <inkml:brushProperty name="tip" value="rectangle"/>
+      <inkml:brushProperty name="rasterOp" value="maskPen"/>
+      <inkml:brushProperty name="ignorePressure" value="1"/>
+    </inkml:brush>
+  </inkml:definitions>
+  <inkml:trace contextRef="#ctx0" brushRef="#br0">55 93,'832'0,"-691"11,-11 0,23-13,78 4,-69 20,-111-17,197 13,-221-17,-17-1,0 1,0-1,0-1,0 0,16-4,-26 5,1 0,-1 0,0 0,1 0,-1 0,0 0,0 0,1 0,-1 0,0 0,1 0,-1 0,0 0,0 0,1-1,-1 1,0 0,0 0,1 0,-1 0,0-1,0 1,0 0,1 0,-1-1,0 1,0 0,0 0,0-1,0 1,1 0,-1 0,0-1,0 1,0 0,0 0,0-1,0 1,0-1,-12-5,-27-2,35 7,-566-75,114 65,275 14,128-4,23 0,0 1,0 1,-47 8,37-2,-1-2,-60 0,-49 5,94 0,6-2,-90 6,104-11,21 5,14-8,1 0,0 1,0-1,0 1,-1-1,1 1,0-1,0 0,0 1,0-1,0 1,0-1,0 1,0-1,0 1,0-1,0 1,0-1,0 0,1 1,-1-1,0 1,0-1,0 0,1 1,-1-1,0 1,0-1,1 0,-1 1,0-1,1 1,2 1,-1 0,1 0,-1-1,1 1,-1-1,1 1,0-1,0 0,0 0,0 0,0 0,0-1,0 1,3 0,49 0,-41-1,87-1,-13-1,0 4,161 24,-3 13,-207-34,111 22,-88-14,1-3,85 4,543-16,-671-1,-30-5,-37-9,41 15,-40-13,0 3,-1 1,0 2,-96-4,-536 12,313 3,-167-2,743 11,-25 0,777-9,-492-4,-325-11,-51 3,-10 0,-43 4,51 0,-10 7,23 1,0-5,113-17,129-13,-262 28,226 0,-39 2,42-24,-27 1,366 7,-169 8,420 5,-522 8,438-2,-647 11,2 1,1103-13,-1170-2,198-30,-235 25,0 4,104 5,-59 1,1-4,119 5,-214 0,0 1,34 11,-37-9,-1-1,1-1,0-1,26 2,-41-5,18-1,0 2,1 0,-2 1,1 1,0 1,0 1,40 16,-35-12,0 0,0-2,1-1,0-1,38 2,-31-4,107 2,-100-6,0 2,45 7,-32-1,1-3,64-3,45 2,-145 0,-5 2</inkml:trace>
+</inkml:ink>
+</file>
+
+<file path=ppt/ink/ink5.xml><?xml version="1.0" encoding="utf-8"?>
+<inkml:ink xmlns:inkml="http://www.w3.org/2003/InkML">
+  <inkml:definitions>
+    <inkml:context xml:id="ctx0">
+      <inkml:inkSource xml:id="inkSrc0">
+        <inkml:traceFormat>
+          <inkml:channel name="X" type="integer" min="-2.14748E9" max="2.14748E9" units="cm"/>
+          <inkml:channel name="Y" type="integer" min="-2.14748E9" max="2.14748E9" units="cm"/>
+        </inkml:traceFormat>
+        <inkml:channelProperties>
+          <inkml:channelProperty channel="X" name="resolution" value="1000" units="1/cm"/>
+          <inkml:channelProperty channel="Y" name="resolution" value="1000" units="1/cm"/>
+        </inkml:channelProperties>
+      </inkml:inkSource>
+      <inkml:timestamp xml:id="ts0" timeString="2024-04-03T21:22:39.200"/>
+    </inkml:context>
+    <inkml:brush xml:id="br0">
+      <inkml:brushProperty name="width" value="0.3" units="cm"/>
+      <inkml:brushProperty name="height" value="0.6" units="cm"/>
+      <inkml:brushProperty name="color" value="#FFFC00"/>
+      <inkml:brushProperty name="tip" value="rectangle"/>
+      <inkml:brushProperty name="rasterOp" value="maskPen"/>
+      <inkml:brushProperty name="ignorePressure" value="1"/>
+    </inkml:brush>
+  </inkml:definitions>
+  <inkml:trace contextRef="#ctx0" brushRef="#br0">1 1,'670'47,"-510"-33,-54-5,151 30,-11 20,-227-55,0-2,22 1,-25-3,-1 1,1 1,-1 1,19 4,129 51,285 144,-320-122,-6-3,-116-73,0-1,0 1,-1 0,1 0,-1 1,0-1,0 1,-1 0,1 1,-1-1,0 1,3 7,-7-12,0-1,0 1,0-1,-1 1,1-1,0 1,-1 0,1-1,0 0,-1 1,1-1,0 1,-1-1,1 1,-1-1,1 0,-1 1,1-1,-1 0,1 1,-1-1,1 0,-1 0,1 0,-1 1,1-1,-1 0,0 0,1 0,-1 0,1 0,-1 0,1 0,-2 0,-26 1,24-1,-56-4,1-2,-1-2,-74-21,-32-6,2 11,-273-7,-120 33,522 0,0 1,-59 14,59-9,0-2,-62 3,86-9,-1 0,1 1,-1 1,1-1,0 2,-1 0,1 0,1 1,-13 6,11-6,1-1,0 0,-1 0,1-1,-1-1,0 0,0 0,-19-3,-28 3,58-1,-1-1,1 1,-1 0,1 1,-1-1,1 0,0 0,-1 1,1-1,-1 1,1-1,-1 1,1-1,0 1,0 0,-1 0,1 0,0 0,0 0,0 0,0 0,0 0,0 0,0 0,-1 2,2-1,0 0,-1 0,1 0,1 0,-1 0,0 0,0-1,1 1,-1 0,1 0,-1 0,1-1,0 1,0 0,0 0,2 2,5 7,0-1,1 0,0-1,17 14,11 4,1-1,57 28,90 34,-161-78,387 152,-82-35,112 34,-381-143,-1 4,62 31,-47-25,-58-23,1 0,-2 2,1-1,16 11,-32-17,1 1,-1-1,1 0,-1 1,1-1,-1 0,1 1,-1-1,1 0,-1 1,1-1,-1 1,0-1,1 1,-1-1,0 1,1-1,-1 1,0-1,0 1,0-1,1 1,-1-1,0 2,-11 4,-32-3,34-2,2-1,1 1,-1 0,1 0,-1 0,1 1,0 0,0 0,0 1,0 0,0 0,0 0,1 0,-1 1,-5 6,3-2,1 1,0 0,0 1,1 0,0 0,1 0,-6 15,-25 59,3 2,5 2,3 0,4 1,-12 116,25 128,-1 14,6-316,-15 57,15-77,0 0,-1 0,0-1,-1 1,0-1,-1 0,0-1,-11 14,14-21,1 1,0-1,0 0,-1 0,1-1,-1 1,1 0,-1-1,0 0,1 1,-1-1,0 0,0-1,0 1,0 0,0-1,0 0,0 1,0-1,0 0,0-1,0 1,0 0,0-1,0 0,0 0,0 0,0 0,0 0,1-1,-1 1,-5-4,-1-2,-1 0,1-1,0 0,1 0,0-1,0 0,-7-13,-11-18,3-1,-29-70,-24-97,55 148,-396-962,384 947,-10-13,-68-103,92 163,0 2,-2 0,0 1,-34-30,27 27,-41-55,-14-14,48 55,28 31,-1 2,-16-18,20 24,1 0,0 1,-1 0,0-1,0 1,1 0,-1 1,0-1,0 1,0 0,-1 0,-5-1,5 1,1 1,0-1,-1 1,1 0,-1 0,1 1,0-1,-1 1,1 0,0 0,0 1,-7 2,8-2,1 0,0 0,0 0,0 0,0 0,0 0,1 1,-1-1,1 0,-1 1,1-1,0 1,0 0,0-1,1 1,-1 0,0 0,1 0,0-1,0 6,0 16,1 1,1-1,2 0,10 40,4 26,-9 6,-8 166,-3-119,2-108,5 227,0-201,2-1,20 79,3 7,-11-46,-10-43,-2 0,-2 111,-5-96,10 79,-4-78,-4 123,-1 7,9-105,2 46,-12-123,0 39,2 0,16 97,3 14,-17-124,-2-31,1-1,1 1,10 24,5 26,-15-45,1 0,1-1,1 0,1-1,1 1,0-2,24 36,-5-11,-16-24,1-1,1 0,19 20,-18-23,2 3,1-1,28 19,-40-31,1-1,1 0,-1 0,1-1,-1 0,1 0,0-1,0 0,0 0,0-1,9 0,177-1,-75-2,-38-3,-1-3,152-36,-34 5,-130 27,-14 2,-1 3,65-2,-68 9,78-12,-78 5,13-4,101-2,-150 13,0-1,-1 0,1-1,0-1,25-8,-33 9,0 0,-1 0,0-1,1 0,-1 0,0 0,-1-1,1 0,-1 0,1 0,-1 0,0-1,-1 1,1-1,-1 0,4-7,0-6,-1 0,0 0,-1 0,3-26,4-82,-11 103,16-848,-16 346,6 254,-11-669,-46 567,2 25,1 18,39 300,-1 1,-24-56,33 84,0-1,-1 1,1 0,-1 0,1 0,-1-1,1 1,-1 0,0 0,1 0,-1 0,0 0,0 0,0 0,0 0,0 1,0-1,0 0,0 0,0 1,0-1,0 1,-1-1,1 1,0-1,0 1,-1 0,1 0,0-1,0 1,-1 0,1 0,0 0,0 1,-1-1,1 0,0 0,-1 1,1-1,0 0,0 1,0 0,0-1,0 1,-1 0,1-1,0 1,0 0,0 0,1 0,-1 0,-1 1,-7 7,1 0,1 1,0 0,-8 14,-8 21,1 0,3 2,1 1,3 0,1 1,3 0,-7 73,0 360,18-440,-21 1331,-1-3,23-1247,26-191,83-306,-19 3,234-1579,-298 1576,-22 85,-17 51,8 205,-1 1,-2 1,-1-1,-2 2,-14-33,16 48,-1-1,0 1,-1 0,-1 1,0 0,-1 1,0 0,-1 1,-1 1,-17-12,-17-9,-92-43,102 56,-3-2,-3-2,-1 1,-1 3,-61-18,95 33,-1 1,0 0,0 2,-1-1,1 1,0 1,0 1,-1 0,1 0,0 1,0 1,0 0,0 1,1 0,-1 1,1 1,-16 9,9-1,0 1,1 1,1 1,0 0,2 1,0 1,1 0,0 1,-9 22,-15 33,-33 93,62-144,-28 74,5 1,-26 130,47-165,2 0,4 0,2 1,10 122,9-99,3 0,55 150,-48-161,4 16,52 150,-57-181,58 106,-71-147,2 0,0-1,2 0,23 23,-38-42,0 0,0 0,0 0,0 0,0 0,1 0,-1 0,0 0,1-1,-1 1,0 0,1-1,-1 1,1-1,-1 0,1 1,-1-1,1 0,-1 0,1 0,-1 0,1 0,-1 0,1 0,-1-1,1 1,-1 0,1-1,-1 0,0 1,1-1,-1 0,0 1,1-1,-1 0,0 0,0 0,0 0,0 0,0 0,0-1,1-1,4-5,0-1,-1 0,0 0,6-19,4-15,-3 0,-1-2,-2 1,-2-1,-2-1,-2 1,-2-1,-2 1,-2-1,-2 1,-11-47,12 76,-1 0,0-1,-1 2,-1-1,0 1,-10-15,13 23,0 1,-1 0,0 0,0 1,0-1,-1 1,1 0,-1 1,0-1,-1 1,1 0,-1 1,0 0,0 0,0 0,-7-1,9 3,1 0,-1 1,1 0,0 0,-1 0,1 1,-1 0,1-1,0 2,0-1,-1 0,1 1,0 0,0 0,0 0,1 0,-1 0,1 1,-1 0,1 0,0 0,-4 4,-7 9,2 0,0 1,-15 27,22-35,-53 102,4 2,6 2,-35 126,59-158,3 1,-15 136,31-160,2 0,3 1,3-1,15 92,-11-117,2 1,1-2,18 41,-19-54,1-2,1 1,1-1,0-1,1 0,24 23,-35-38,0-1,1 1,-1-1,1 0,-1 0,1 0,0-1,0 1,0-1,0 1,0-1,0 0,0 0,1-1,3 2,-4-2,0-1,-1 1,1 0,-1-1,1 0,-1 1,1-1,-1 0,1 0,-1 0,0-1,0 1,1-1,-1 1,3-4,5-6,-1 0,-1-1,0 0,0 0,-2-1,10-21,46-134,15-107,104-705,-154 709,-11-459,-43 417,19 260,-4 1,-1 0,-34-83,40 117,-1 1,0 1,-2-1,1 2,-18-22,21 31,-1-1,1 1,-1 0,0 1,-1-1,1 2,-1-1,0 1,0 0,0 0,-1 1,-11-3,4 2,0 1,-1 1,1 0,0 1,-1 0,1 2,0 0,-1 1,-22 5,25-3,1 1,0 0,0 0,1 2,-1 0,1 0,1 1,-1 0,1 1,1 0,-14 16,-2 6,1 2,2 0,2 1,-27 58,-52 157,61-122,5 2,6 1,5 1,7 1,5 0,6 1,15 174,2-171,7-2,5 0,7-1,5-2,100 240,-122-340,2-1,1 0,1-1,1-1,2-1,1-1,1 0,1-2,48 38,-67-58,0 0,1-1,-1 0,1 0,-1-1,1 1,0-1,0-1,12 3,-15-4,0 0,0 0,0 0,1-1,-1 1,0-1,0 0,0 0,0 0,0 0,0-1,0 1,0-1,0 0,-1 1,1-1,-1-1,1 1,-1 0,4-5,9-13,-2 0,0 0,-1-1,-1-1,15-41,-10 17,17-95,-23 78,-4-1,-3 0,-2 0,-11-97,-1 82,-3 1,-3 1,-36-97,37 132,-1 1,-2 1,-2 1,-1 0,-2 2,-2 1,-59-65,68 84,-1 1,-1 1,0 1,-2 0,1 1,-44-18,47 24,-1 1,-1 1,1 0,0 2,-1 0,0 1,0 1,0 0,-33 5,41-2,0 0,0 1,0 1,1 0,-1 0,1 1,0 1,0 0,1 0,0 1,0 0,0 0,1 1,0 0,1 0,-1 1,2 0,-9 14,-2 7,1 0,1 1,2 1,-17 58,7 2,3 1,5 0,4 1,4 1,8 156,4-193,2 0,3-1,20 66,-19-87,1-2,2 0,2 0,1-2,1 0,26 34,-34-53,1 0,1-1,0 0,0-1,1 0,1-1,0 0,0-1,1-1,0 0,0-1,20 6,-22-9,-1-1,1-1,-1 0,1 0,0-1,0-1,-1-1,1 1,0-2,0 0,-1 0,1-1,-1-1,0 0,0-1,20-10,-5-3,1 0,-2-2,-1-1,0-1,-2-1,0-1,36-51,-12 4,73-147,-53 74,-6-3,-7-2,-6-2,-7-2,-7-2,-6-1,7-165,-33 269,-1 0,-3 0,-3 0,-21-101,19 125,-1 1,-2 0,-1 1,0 0,-2 1,-2 1,0 0,-1 0,-1 2,-33-34,26 32,-2 1,-46-32,63 49,0 1,0 0,0 0,0 1,-1 0,0 1,1 0,-1 0,-1 1,1 0,0 1,0 0,-14 1,17 1,0 1,1-1,-1 1,1 1,-1-1,1 1,0 0,0 1,0-1,0 1,1 1,0-1,-9 10,-1 2,0 2,-23 37,-1 11,2 1,4 2,3 1,2 1,4 2,3 0,3 1,4 1,3 1,3 0,3 0,8 109,-3-179,1 10,0 0,1-1,1 1,0 0,1-1,9 24,-11-37,-1 1,1-1,0 0,0 0,0 0,0 0,0-1,1 1,-1 0,0-1,1 0,-1 1,1-1,0 0,-1 0,1-1,0 1,-1 0,1-1,5 0,5 1,1-1,26-3,-34 2,12-2,-1 0,1-2,-1 0,0-1,0 0,0-2,-1 0,0 0,-1-2,0 0,0-1,23-22,-19 14,-1-1,0-1,-2 0,-1-1,0-1,-2 0,0-1,9-25,-19 38,1 0,-2 1,1-1,-2 0,1 0,-1-1,-1 1,0 0,-1 0,0 0,0 0,-2 0,1 0,-1 0,-1 1,0-1,0 1,-1 0,0 0,-1 0,0 1,-8-10,6 10,0-1,-1 1,0 0,-1 1,0 0,0 0,-1 1,0 1,0 0,0 0,-1 1,0 0,0 1,0 1,-1 0,1 0,-1 1,1 1,-17 0,6 3,0 1,-1 1,1 2,0 0,1 1,0 1,0 1,0 1,-37 25,11-3,2 2,1 2,-41 43,28-17,2 1,4 3,2 3,3 1,4 2,2 3,-43 111,49-91,3 1,5 2,4 1,5 0,-11 194,28-223,2 0,4 0,3 0,3-1,27 92,-24-114,2-1,3-1,1-1,2-1,2 0,2-2,2-1,50 57,-59-77,1-1,34 25,-46-38,0 0,1-1,-1 0,1 0,0-1,1 0,-1-1,1 0,0-1,13 3,-17-6,-1 1,0-1,1 1,-1-2,0 1,1-1,-1 1,0-1,0-1,0 1,-1-1,1 0,0 0,-1 0,0 0,0-1,0 0,6-8,1-1,0-1,-2 0,1-1,11-28,0-9,-2 0,-3-2,-2 0,-3-1,5-57,0-284,-16 329,-4 0,-3 0,-2 1,-29-104,28 140,-1 0,-2 1,0 0,-34-51,34 62,-1 0,0 1,-2 1,1 1,-2 0,0 1,-36-23,40 30,0 0,0 1,-1 1,1 0,-1 1,-1 0,-21-2,30 5,-1 0,0 1,1 0,-1 0,0 0,1 1,-1 0,1 0,-1 1,1 0,-1 0,1 1,0-1,0 1,0 1,0-1,1 1,-10 8,7-3,0 0,1 1,0 0,1 0,-10 22,-21 65,10-2,4 1,4 1,-10 166,23-106,23 250,41-31,-40-299,3-1,55 128,-66-182,1-1,1 1,1-2,0 0,23 25,-25-34,1 0,0 0,1-1,0 0,1-1,0-1,0 0,27 10,-25-11,1-2,0 0,1 0,-1-2,1 0,31 1,-40-4,1-1,0 0,-1-1,0 0,1 0,-1-1,0 0,0 0,0-1,-1-1,0 1,1-1,-1-1,11-10,-5 3,-1-1,0 0,-1-1,-1 0,0-1,-1 0,-1-1,10-25,-1-6,-2 0,9-52,-9 14,-3-1,-4 0,-3 0,-5-1,-3 0,-18-108,6 104,-5 0,-4 1,-4 1,-4 2,-74-149,62 160,-68-92,-65-58,4 6,94 122,68 87,-2 0,0 1,0 0,-1 1,-22-15,33 24,0 0,1 0,-1 0,0 0,1 0,-1 1,0-1,0 0,0 1,0 0,0-1,0 1,0 0,0 0,0 0,0 0,0 0,1 0,-1 1,0-1,0 1,0-1,0 1,0 0,0 0,1-1,-1 1,0 1,1-1,-1 0,1 0,-1 1,1-1,0 0,-1 1,0 2,-3 4,1 0,0 1,0 0,1 0,0 0,-3 16,-5 40,2 0,3 0,3 77,30 195,-11-230,5 0,66 198,-79-283,2 0,1 0,0-1,20 26,-26-39,1 0,1-1,-1 0,1 0,0-1,1 0,0 0,0 0,0-1,0 0,1-1,0 0,14 4,-18-6,0-2,0 1,0 0,0-1,0 0,0 0,0-1,0 0,0 1,0-2,0 1,0 0,0-1,-1 0,7-3,-1-2,0 1,0-1,0-1,-1 0,14-16,-4 2,-1 0,-2-2,25-42,31-96,-27 39,44-200,-11-145,-61 298,-7-293,-16 363,-4 1,-4 1,-4 0,-43-130,48 190,-1 1,-2 1,-2 0,-42-63,51 87,0 0,0 1,-1 0,0 1,-1 0,0 0,-1 1,0 0,0 1,-1 1,0 0,0 1,-1 0,1 1,-1 0,-18-3,28 8,1-1,0 1,0 0,0 0,0 0,-1 0,1 1,0-1,0 1,0 0,0 0,0 0,0 0,0 1,0-1,1 1,-1 0,0-1,1 1,-1 0,1 1,0-1,0 0,-3 5,-2 4,1 0,0 0,0 1,1 0,-4 14,-10 42,-22 132,8 77,32-258,-33 457,46 1,-8-437,13 57,-14-85,1 0,-1 0,2 0,0-1,0 1,1-1,0 0,16 18,-21-26,1-1,0 0,1 1,-1-1,0 0,1-1,-1 1,1 0,-1-1,1 1,0-1,-1 0,1 0,0 0,0 0,0-1,0 1,0-1,0 1,0-1,0 0,0-1,0 1,0 0,0-1,0 1,0-1,0 0,-1 0,1 0,0-1,0 1,-1 0,1-1,2-2,1-1,0 0,-1 0,0-1,0 1,0-1,0 0,-1-1,0 1,-1-1,1 0,-1 0,0 0,1-8,2-15,-1 1,-2-1,0 0,-3 0,0 0,-7-42,2 33,-3 0,-1 1,-2 0,-22-51,26 70,-1 1,-1 0,-1 1,0 0,-1 0,-1 1,-26-27,37 42,0 0,-1-1,1 1,0 0,-1 1,1-1,0 0,-1 0,1 0,-1 1,1-1,-1 1,0-1,1 1,-1 0,1 0,-1-1,0 1,1 0,-1 1,0-1,-1 0,1 1,0 1,0-1,0 0,1 1,-1-1,1 1,-1-1,1 1,-1 0,1 0,0-1,0 1,0 0,0 0,0 0,0 0,1 1,-1 2,-7 27,2 0,2 1,-1 61,4 38,5 0,32 193,97 254,45-78,-132-398,4-2,108 161,-129-221,2-1,1-2,65 59,-84-85,1 0,1-2,0 1,0-2,1 0,0-1,1 0,0-2,0 0,0 0,1-2,-1 0,30 2,-38-6,-1-1,1 1,-1-1,1-1,-1 0,0 0,0-1,0 0,0 0,0-1,-1 0,1 0,-1-1,0 0,11-10,-1-2,-2 0,0-1,0 0,-2-1,11-21,4-12,29-73,34-146,-5-97,54-592,-122 700,-25-449,0 625,-3 1,-29-111,33 170,-2 1,0 1,-14-28,17 41,-1 0,0 0,0 1,0 0,-1 0,0 0,-1 1,0 0,-12-8,17 13,0 0,0 0,0 1,0-1,-1 1,1 0,0 0,-1 0,1 0,-1 0,1 1,-1 0,0 0,1 0,-1 0,1 0,-1 1,1-1,-1 1,1 0,-1 0,1 0,0 1,-1-1,1 1,-5 3,0 1,0 1,1-1,0 1,0 0,1 1,0 0,0 0,-8 15,-3 9,2 1,-21 66,-8 78,40-164,-33 176,8 2,9 0,7 363,17-473,4-1,21 92,-16-116,3 0,3-1,43 91,-56-135,0 0,0 0,2-1,-1 0,1 0,1 0,-1-1,2 0,-1-1,1 0,0-1,15 8,-17-11,-1-1,1 0,0 0,0-1,0 0,0 0,0-1,0 0,0 0,0-1,1 0,-1-1,0 0,0 0,0-1,0 0,0 0,0-1,14-6,-3-2,-1-1,0-1,0 0,-1-1,-1-1,0-1,-2 0,1-1,-2-1,0 0,18-36,2-12,-2-2,24-83,-21 43,-4-2,-6 0,-4-2,-5-1,-6 0,-8-213,-4 281,-2 0,-20-87,21 119,0 0,0 0,-1 1,-1 0,0 0,-1 1,0-1,0 1,-1 1,-1-1,0 2,0-1,-1 1,-18-13,24 20,1-1,-1 1,0 0,0 0,-1 0,1 0,0 1,-1 0,1 0,-1 0,1 0,-1 1,1 0,-1-1,1 2,-1-1,1 1,-9 1,8 0,0 1,-1-1,1 1,0 0,0 1,0-1,1 1,-1 0,1 0,0 1,0-1,-5 9,-4 8,1 1,2 0,0 1,1 0,-10 42,-4 33,5 2,-5 104,6 207,15-255,7 1,6-1,8 0,39 157,-58-313,14 40,-14-40,0 0,0 1,0-1,0 0,1 0,-1 1,0-1,0 0,0 0,1 1,-1-1,0 0,0 0,1 0,-1 1,0-1,1 0,-1 0,0 0,1 0,-1 0,0 0,1 0,-1 1,0-1,1 0,-1 0,0 0,1 0,-1 0,0-1,1 1,-1 0,1 0,0-1,0 0,0 0,0-1,0 1,0 0,0 0,0-1,0 1,0-1,0 1,-1-1,1-2,9-23,-1-2,-2 1,-1-1,2-31,3-120,-9 135,-1 9,2-12,-2 0,-2 0,-9-56,10 101,-1 0,1 0,-1 0,0 0,0 0,-1 0,1 0,-1 0,1 0,-1 0,0 1,0-1,0 1,0-1,-5-3,6 5,-1 0,0 0,0 1,0-1,0 1,0-1,0 1,0-1,0 1,0 0,0 0,0 0,-1 0,1 0,0 1,0-1,0 1,0-1,0 1,0 0,1 0,-1-1,0 1,0 1,0-1,-1 1,-11 9,1 1,0 0,1 1,0 0,1 0,-10 17,13-20,-87 127,7 3,5 5,7 2,-102 283,168-404,2 0,0 1,2-1,1 2,1-1,1 0,2 1,0 0,7 48,-3-56,1 0,0 0,2-1,1 0,9 20,-13-33,0 0,1 0,-1 0,2-1,-1 0,0 1,1-2,0 1,0 0,1-1,-1 0,1-1,0 1,0-1,0 0,0 0,1-1,-1 0,8 2,-2-2,0 0,0-1,0 0,1-1,-1 0,0-1,0 0,0-1,0 0,0-1,0-1,0 1,-1-2,18-9,-22 10,-1 0,1 0,-1-1,0 0,0 0,-1-1,0 0,0 0,0 0,-1 0,1-1,-2 1,1-1,-1 0,0 0,0-1,-1 1,0-1,0 1,-1-1,0 0,0 1,-1-1,0-8,-1 4,-1 0,0 1,-1-1,-1 0,1 1,-2 0,1 0,-2 0,1 0,-2 1,1 0,-1 0,-1 1,0 0,0 0,-14-11,1 3,-1 1,0 0,-1 2,-1 0,0 2,-34-12,43 18,-1 1,1 1,-1 1,0 0,0 1,0 0,-1 2,1 0,0 0,0 2,-22 4,29-4,1 0,0 1,-1 0,1 1,0-1,0 2,1-1,-1 1,1 0,0 0,1 1,-1 0,1 0,0 1,0 0,1 0,0 0,1 1,-1-1,1 1,1 0,-5 12,0 12,2 0,0 1,3-1,0 1,3 0,0 0,7 46,-3-57,0 1,1-1,2 0,0-1,1 1,14 25,-14-33,0 0,1 0,1-1,0 0,0-1,2 0,-1 0,2-2,20 16,-29-23,1-1,-1 1,1-1,-1 0,1-1,0 1,0-1,0 0,0 0,0 0,0-1,6 1,-10-2,1 1,0 0,-1-1,1 1,-1-1,1 1,0-1,-1 1,1-1,-1 0,0 0,1 0,-1 0,0 0,1 0,-1 0,0-1,0 1,0 0,0-1,0 1,0-1,-1 1,1-1,0 1,-1-1,1 1,-1-1,1 0,-1 1,0-1,0 0,0 1,0-1,0 0,0 1,0-1,-1 0,1-1,-2-9,-1 1,0 0,0 0,-1 1,-1-1,0 1,0 0,-1 0,0 0,-12-14,1 3,-2 1,0 0,-29-22,24 24,-1 1,-1 1,0 1,-1 1,-1 1,0 2,-1 1,-37-8,48 14,-1 0,1 1,-1 2,0 0,0 0,1 2,-1 0,0 2,1 0,0 0,-1 2,1 1,1 0,-26 12,38-15,0 1,0-1,0 1,0-1,1 1,-1 1,1-1,0 1,1-1,-1 1,1 0,0 0,0 1,0-1,1 1,0-1,0 1,-2 9,3-8,0 1,1 0,0 0,0 0,0-1,1 1,1 0,-1 0,1-1,0 1,1-1,0 1,6 11,-6-14,-1 1,0 0,0 0,0 1,-1-1,0 0,0 1,-1-1,1 0,-1 1,-1-1,1 1,-4 11,-2 7,-1 0,-13 27,9-22,-11 21,17-41,0 1,0 0,1 0,0 1,1-1,1 1,-2 16,3-12,0-1,2 1,2 22,-2-34,0 0,0 0,0 0,0-1,1 1,-1 0,1-1,0 1,0-1,0 0,0 1,1-1,0 0,-1 0,1-1,0 1,0-1,7 5,8 3,0 0,1-1,1-1,0-1,0 0,0-2,0 0,1-2,26 2,58-3,-1-6,163-25,-170 18,0 5,122 7,-73 1,-45 0,111-4,-198 0,0 0,0-1,0-1,20-8,-21 7,1 0,0 1,0 1,15-2,-11 4</inkml:trace>
+</inkml:ink>
+</file>
+
+<file path=ppt/ink/ink6.xml><?xml version="1.0" encoding="utf-8"?>
+<inkml:ink xmlns:inkml="http://www.w3.org/2003/InkML">
+  <inkml:definitions>
+    <inkml:context xml:id="ctx0">
+      <inkml:inkSource xml:id="inkSrc0">
+        <inkml:traceFormat>
+          <inkml:channel name="X" type="integer" min="-2.14748E9" max="2.14748E9" units="cm"/>
+          <inkml:channel name="Y" type="integer" min="-2.14748E9" max="2.14748E9" units="cm"/>
+        </inkml:traceFormat>
+        <inkml:channelProperties>
+          <inkml:channelProperty channel="X" name="resolution" value="1000" units="1/cm"/>
+          <inkml:channelProperty channel="Y" name="resolution" value="1000" units="1/cm"/>
+        </inkml:channelProperties>
+      </inkml:inkSource>
+      <inkml:timestamp xml:id="ts0" timeString="2024-04-03T21:22:54.770"/>
+    </inkml:context>
+    <inkml:brush xml:id="br0">
+      <inkml:brushProperty name="width" value="0.3" units="cm"/>
+      <inkml:brushProperty name="height" value="0.6" units="cm"/>
+      <inkml:brushProperty name="color" value="#00F900"/>
+      <inkml:brushProperty name="tip" value="rectangle"/>
+      <inkml:brushProperty name="rasterOp" value="maskPen"/>
+      <inkml:brushProperty name="ignorePressure" value="1"/>
+    </inkml:brush>
+  </inkml:definitions>
+  <inkml:trace contextRef="#ctx0" brushRef="#br0">0 201,'978'0,"-884"4,170 32,-161-19,-51-10,-29-5,0 1,0 1,0 1,0 2,36 14,-13-2,86 25,-78-38,-44-6,1 1,-1 0,0 0,1 1,15 5,-24-6,0 0,0 0,0 0,0 0,-1 1,1-1,0 0,0 1,-1-1,1 1,-1 0,1 0,-1-1,0 1,0 0,0 0,0 0,0 0,0 0,0 0,-1 1,1-1,-1 0,1 0,-1 1,0-1,0 0,0 0,0 0,-1 4,-2 12,-1 1,0-1,-2 0,-13 31,3-10,-132 335,-157 462,279-735,5 1,-13 139,21 210,18 556,-5-786,0-221,0 1,0-1,0 0,0 0,0 0,0 0,-1 1,1-1,0 0,0 0,0 1,0-1,0 0,0 0,0 0,0 1,0-1,0 0,0 0,0 1,0-1,0 0,1 0,-1 0,0 1,0-1,0 0,0 0,0 0,0 0,0 1,1-1,-1 0,0 0,0 0,0 0,0 1,1-1,-1 0,0 0,0 0,0 0,1 0,-1 0,0 0,0 0,0 0,1 0,-1 0,9-11,9-27,13-51,-4-1,20-125,-27 115,5-23,-6 0,-5 0,-2-182,-3 54,0 53,-11-72,4-127,9 234,0-66,-9 192,2 0,13-61,-9 62,-2 0,3-61,-8 78,2 0,0 1,1 0,1-1,0 1,2 1,10-23,-6 15,-1 0,10-43,-12 39,16-45,1 1,-11 27,29-64,2 28,-30 58,-2 0,16-41,-26 57,0 1,1 0,0 0,0 0,8-10,-11 16,-1 0,1 0,0 0,0 0,-1 0,1 0,0 0,0 0,0 0,0 0,0 1,0-1,0 0,0 1,0-1,0 1,1-1,-1 1,0 0,0-1,0 1,1 0,-1 0,0 0,0 0,1 0,-1 0,0 0,0 0,1 1,-1-1,0 0,0 1,0-1,0 1,0-1,1 1,-1 0,0-1,0 1,0 0,-1 0,1 0,0 0,1 1,0 2,1 0,-1-1,0 1,-1 0,1 0,-1 1,0-1,0 0,0 0,0 9,0 49,-1-43,-2 48,-13 90,6-72,5 1,6 86,0-41,-2-40,14 381,-4-305,-12 185,-19-167,0-8,15-18,-4 72,-12 172,12 163,12-350,-2 646,0-859,1 0,-1 0,-1 1,1-1,0 0,-1 0,1 0,-1 0,0 0,0 0,0 0,-1 0,1 0,-1-1,1 1,-1 0,-3 3,2-4,-1 0,1 0,-1 0,0 0,1-1,-1 1,0-1,0 0,0 0,0-1,0 1,0-1,-7 0,-50 2,-1-3,-61-9,82 2,-77-26,73 19,-52-10,-111-1,129 16,44 5,-45-1,-683 7,760-1,0 0,1 0,-1 0,0 0,1 0,-1-1,0 1,1-1,-1 0,1 0,-1 1,1-2,-1 1,1 0,0 0,0-1,-1 0,1 1,0-1,-3-3,3 0,0 1,0-1,0 1,1-1,-1 0,1 1,0-1,1 0,-1 0,1 0,0-5,1-321,2 118,-5-186,4-460,20 452,1-124,-24-474,-1 976,-1 1,-1 0,-9-33,5 30,2 1,-3-48,9-300,1 249,-38 773,-7-174,14-131,-4 266,28-448,0 658,8-469,3-210,5-1,28 138,79 260,-105-483,-6-15,-1 1,-2-1,-1 46,0 1,-2-80,0-1,0 1,0-1,1 0,-1 1,0-1,0 1,1-1,-1 0,1 1,-1-1,1 0,0 1,1 1,-2-3,1 0,-1 0,1 1,-1-1,0 0,1 0,-1 0,1 0,-1 0,0 0,1 0,-1 0,1 0,-1 0,1 0,-1 0,0 0,1 0,-1 0,1-1,-1 1,0 0,1 0,-1 0,0-1,1 1,-1 0,0-1,1 1,-1 0,1-1,3-4,0 0,0 0,0 0,-1-1,1 1,2-8,73-187,-68 168,69-189,30-86,709-2087,-810 2364,135-430,-25-5,-114 443,2-8,-2 0,4-53,-9 77,1-1,-1 1,-1 0,1 0,-1-1,0 1,-1 0,1 0,-1 0,0 0,-1 1,1-1,-1 0,0 1,-1 0,1 0,-1 0,0 0,-8-7,7 9,0 0,0 0,-1 1,1 0,-1-1,0 2,1-1,-1 1,0 0,0 0,0 0,0 1,0 0,0 0,0 1,0 0,0 0,0 0,-7 3,-2 0,2 2,-1-1,0 2,1-1,1 2,-21 15,7-1,1 2,1 1,1 0,1 2,2 1,1 0,-25 49,2 10,-43 131,48-105,6 1,-29 217,44-174,7 258,33-135,-23-273,0 0,1-1,0 1,0 0,3 6,-4-12,-1 0,0-1,1 1,-1 0,0 0,1-1,-1 1,1 0,-1-1,1 1,0 0,-1-1,1 1,0-1,-1 1,1-1,0 1,0-1,-1 1,1-1,0 0,0 0,0 1,-1-1,1 0,0 0,0 0,0 0,0 0,-1 0,1 0,0 0,0 0,0 0,0 0,0-1,-1 1,1 0,0-1,0 1,-1-1,1 1,0 0,0-1,-1 0,1 1,-1-1,1 1,0-1,-1 0,1 0,15-18,-2 0,0 0,-2-1,0-1,-1 0,-1-1,-1 0,7-26,-3 1,-2-2,-2 1,-3-1,-2-1,-1 1,-3 0,-10-74,6 95,-2 0,-2 0,0 0,-2 1,-1 1,-1 0,-1 0,-1 1,-1 1,-31-37,39 52,-1 1,0-1,-1 1,0 1,0 0,-14-8,18 12,0 1,0 0,0 0,0 0,0 1,-1 0,1 0,0 0,-1 0,1 1,-1 0,1 0,-1 0,1 1,-10 2,-2 3,1 0,0 0,1 2,0 0,0 0,0 2,1 0,1 0,-1 2,2-1,0 2,-14 17,-4 9,3 1,1 2,-24 50,20-30,2 1,3 2,-28 114,46-147,1 1,2 1,1-1,1 0,2 1,1-1,2 1,1-1,16 58,-12-68,1-1,1 0,2 0,0-1,1 0,0-1,29 31,-39-48,0 0,-1 0,1 0,0 0,0-1,1 1,-1-1,1 0,-1 0,1 0,-1-1,1 1,0-1,0 0,0 0,0 0,0 0,0-1,0 0,0 1,0-2,0 1,0 0,0-1,0 0,0 0,0 0,0 0,-1 0,1-1,6-4,2-1,0-2,-1 0,-1 0,0-1,0 0,-1 0,0-1,10-17,17-30,-2-1,44-110,26-140,-80 229,-4-1,14-119,-31 166,-1-1,-2 0,-1 0,-2 0,-1 1,-2-1,-1 1,-19-51,11 48,-1 1,-2 0,-2 2,-1 0,-1 2,-2 0,-1 1,-2 2,-1 1,-38-30,60 52,0 1,-1 0,0 1,0 0,0 0,0 0,-1 1,1 0,-1 1,0-1,0 2,0-1,0 1,0 0,-1 1,1-1,0 2,0-1,0 1,0 1,0-1,0 1,0 1,0-1,1 1,-1 1,1 0,0 0,0 0,0 0,0 1,1 1,-7 6,-9 12,2 0,0 1,2 1,1 1,1 1,-14 33,5-2,2 1,-15 69,23-67,-7 74,19-101,1 0,1 0,8 60,-5-82,1-1,1 1,0-1,1 0,0 0,1-1,0 1,1-1,0-1,1 1,0-1,1-1,0 1,0-1,1-1,0 0,0 0,1-1,0 0,14 5,-14-6,0-1,1 0,0-1,0-1,0 0,1 0,-1-1,1-1,-1 0,1-1,-1 0,1-1,0 0,-1-1,0 0,1-1,-1-1,0 0,0 0,20-12,-7-1,0-1,-2-2,0 0,-1-1,-1-1,-1-1,19-29,-2-4,-1-2,31-72,-49 89,-2-1,-1 0,-3-1,-1-1,-2 0,-2 0,1-74,-7 89,-2-1,-1 0,-1 1,-2 0,-1 0,-1 0,-2 0,0 1,-2 1,-1 0,-1 0,-25-36,25 45,-1 0,-1 0,0 2,-2 0,0 0,-19-12,28 22,0 1,0 0,-1 1,1 0,-1 0,0 1,0 0,-1 1,1 0,0 0,-1 1,1 0,-1 1,1 0,-1 0,-18 4,4 2,0 2,0 0,1 1,1 2,-1 0,2 2,0 0,0 1,-30 28,29-22,1 1,1 1,1 1,1 1,1 0,1 2,-22 46,25-39,1 1,2 0,1 1,2 0,-3 42,6-23,2 1,10 91,-4-118,1-1,2 1,1-1,0 0,3-1,0 0,1-1,1 0,2 0,0-2,24 28,-16-25,0-1,2-1,0-1,2-2,0 0,1-2,1-1,61 28,-72-39,0 0,1-1,-1-1,2 0,-1-2,25 2,-34-4,0-2,0 1,0-1,0 0,0-1,0 0,0-1,-1 0,1-1,-1 0,0 0,0-1,-1 0,10-6,-3-2,-1-1,0 0,-1-1,0 0,-1-1,-1-1,-1 0,15-31,-5 0,-2 0,14-59,-18 53,-2 0,-3-1,5-95,-15 124,0 1,-1 0,-2-1,-8-30,8 41,-1 0,-1 0,0 0,-1 1,-1-1,0 2,-17-22,19 28,-1 0,0 0,-1 1,0-1,1 2,-2-1,1 1,-1 0,0 1,0 0,0 0,0 1,-1 0,1 1,-1 0,0 1,1 0,-1 0,0 1,0 0,0 1,0 0,1 0,-1 1,0 0,1 1,0 0,-1 1,1 0,0 0,1 1,-1 0,-10 9,1 1,1 0,1 2,0 0,2 0,-18 26,-52 107,36-49,4 2,5 2,5 2,-27 140,32-80,8 0,-1 200,36-45,-5-254,2-1,35 111,-39-158,2 1,0-1,1-1,1 0,0 0,2-1,0 0,1-1,1-1,0 0,1-1,1-1,0 0,27 15,-37-25,0-1,0 0,0 0,1 0,-1-1,1 0,-1 0,1-1,0 0,0 0,0-1,-1 0,1-1,0 1,12-4,-8 0,0 0,-1 0,1-1,-1-1,0 0,0-1,-1 0,19-16,1-6,-2-1,-1-2,-1-1,38-64,-24 29,-4-2,-2-1,-3-1,-4-2,-2-1,-4 0,11-84,-28 136,-2 0,-1 0,0 0,-2-1,-1 1,0 0,-10-35,9 46,-1 1,0 0,-1 0,0 1,-1-1,0 1,-1 0,0 1,0-1,-1 2,0-1,0 1,-1 0,-1 1,1 0,-17-9,9 7,-1 1,-1 1,1 1,-1 0,0 2,-1 0,-37-2,32 5,1 1,-1 1,0 1,1 1,-48 13,49-7,1 0,1 2,-1 0,2 1,-1 1,2 1,0 1,1 1,0 0,1 2,-17 22,-5 10,3 2,2 1,-29 62,32-51,2 2,4 1,2 1,3 1,4 1,2 0,3 1,4 0,2 86,7-56,4-2,27 133,-20-170,3 0,2-1,4-1,51 104,-65-150,0 0,1 0,1-1,0 0,0-1,2 0,19 16,-27-25,-1 0,1 0,0-1,0 1,0-1,1 0,-1 0,0-1,1 1,-1-1,1 0,0 0,-1-1,1 1,0-1,-1 0,1 0,0-1,-1 1,1-1,0 0,-1-1,1 1,-1-1,0 1,1-1,-1-1,0 1,0 0,5-6,6-5,0-1,-1 0,0-1,-2-1,1 0,-2-1,11-20,-9 12,-1-1,-1 0,-1 0,10-45,-18 59,0 0,-1 0,0 0,0 0,-1 0,-1 0,0 0,-1 0,0 0,-1 0,-1 1,-4-13,2 11,-1 0,0 1,0 0,-2 0,1 1,-1 0,-1 0,0 1,0 1,-13-9,10 8,0 0,-1 1,0 1,0 0,-1 1,0 1,0 0,-18-3,26 7,0 1,0 0,0 0,0 1,-1 0,1 0,0 1,0 0,0 0,0 1,1 0,-1 0,0 0,1 1,-1 0,1 0,0 1,0 0,0 0,-10 9,-6 11,1 0,1 1,1 1,1 1,2 0,1 1,0 1,3 1,0 0,-11 46,7-10,3 2,3 0,-2 128,12-175,0 0,2 0,0 1,1-1,1 0,12 33,-14-47,1-1,0 0,0 1,0-1,1 0,0-1,0 1,1-1,-1 0,1 0,0 0,0-1,1 1,0-1,-1-1,1 1,1-1,-1 0,0 0,1-1,-1 0,1 0,0 0,7 0,-5-1,1 1,-1-2,0 0,1 0,-1 0,1-1,-1-1,13-3,-18 4,0-1,0 0,0 0,0-1,-1 1,1-1,-1 1,1-1,-1 0,0-1,0 1,0 0,-1-1,1 0,-1 1,0-1,0 0,0 0,2-9,-2 2,1 0,-1 0,-1 0,0 0,-1 0,0 0,0 0,-2-1,1 1,-1 0,-1 1,0-1,0 0,-1 1,0-1,-1 1,0 0,-1 1,-13-17,15 21,-1 0,1 1,-1 0,0 0,-1 0,1 1,-1 0,1 0,-1 0,0 1,-10-3,14 4,0 1,0-1,-1 1,1-1,0 1,-1 0,1 0,0 0,-1 0,1 1,0-1,-1 1,1-1,-4 3,5-3,0 1,0 0,-1 0,1 1,0-1,0 0,0 0,0 1,0-1,0 0,1 1,-1-1,0 1,1-1,-1 1,1-1,-1 1,1-1,0 1,0 0,0-1,0 1,0 2,0 1,1-1,-1 0,1 1,0-1,1 1,-1-1,1 0,0 0,0 0,0 0,0 0,1 0,0-1,0 1,0-1,0 0,0 0,1 0,-1 0,8 4,6 4,1-1,1-1,22 8,-35-15,27 10,1-2,0-1,1-2,-1-1,2-2,-1-2,0-1,0-1,54-8,-22-3,-1-2,-1-4,126-48,-127 38,-2-3,0-2,-2-3,-2-3,-2-2,-1-2,-2-3,80-87,-107 101,-1-2,-2-1,-1 0,-1-2,-3 0,27-73,-35 78,-2-1,-1 0,-2 0,-1 0,-1-1,-2 0,-1 1,-2-1,-7-45,-2 30,-1 0,-3 2,-1-1,-3 2,-1 1,-3 0,-1 1,-2 2,-45-55,39 60,-1 3,-1 0,-1 3,-49-33,66 52,-1 0,0 1,0 1,-1 1,0 0,0 2,-1 0,0 2,0 0,0 1,0 1,-23 1,29 2,1 0,0 0,0 1,0 1,0 1,0-1,1 2,0 0,0 1,0 0,0 1,1 0,0 1,1 1,0 0,0 0,1 1,-18 21,5 4,1 0,2 1,1 1,2 1,2 1,-16 61,11-12,-19 172,34-205,2 0,2 1,8 59,-5-97,0-1,2 0,0 1,1-1,1-1,0 1,1-1,1 0,0 0,1-1,1 0,1-1,20 22,-25-30,0-1,1 1,0-1,0-1,0 0,0 0,1 0,-1-1,1 0,0 0,0-1,0 0,10 1,-6-2,-1-1,1 0,-1-1,1 0,0-1,-1 0,0-1,17-6,1-3,-1-2,0-1,-2-1,1-1,-2-2,25-22,4-9,-3-2,-1-3,-3-2,-3-1,46-80,-41 52,-5-1,-3-3,41-134,-63 159,-3-1,-2-1,7-104,-19 131,-1 0,-3 0,-1 0,-2 1,-2 0,-1 0,-19-52,20 72,0 1,-2 1,-1-1,0 1,-1 1,0 0,-1 0,-1 2,-24-23,31 32,-1 0,1 0,-1 0,0 1,0 0,0 0,-1 1,0 0,1 0,-1 1,0 0,0 0,0 1,-1 0,1 0,0 1,0 0,0 0,-1 1,1 0,0 1,0 0,0 0,0 0,-13 7,7-1,1 0,-1 1,2 0,-1 1,1 1,-20 23,-56 81,39-40,3 2,4 3,-57 147,62-122,6 2,-31 183,53-214,2 1,4-1,12 133,-7-198,0-1,1 1,0-1,0 0,1 1,1-2,0 1,0 0,1-1,0 0,0 0,1-1,0 0,1 0,0-1,0 1,15 8,-17-11,0-1,1 0,0 0,0-1,0 0,0 0,1-1,-1 0,1 0,-1 0,1-1,0-1,0 1,-1-1,1 0,0-1,0 0,-1 0,1-1,-1 0,1 0,-1-1,0 1,0-2,9-4,0-3,-1-1,1-1,-2 0,0-1,-1 0,16-21,2-10,26-51,-13 12,-5-1,-3-1,-4-3,-4 0,26-144,-36 122,-5-2,-5 1,-5-1,-15-149,-17 67,22 167,0 0,-2 1,0 0,-25-46,30 66,-1 0,1 0,-1 0,0 1,0 0,-1 0,0 0,0 1,0 0,0 0,-1 0,0 1,-9-4,12 6,-1 1,0 0,0-1,0 2,0-1,-1 1,1-1,0 1,0 1,0-1,0 1,0 0,0 0,0 0,0 1,0 0,0 0,1 0,-1 0,1 1,-7 4,0 2,0 0,0 1,1 0,0 1,1 0,1 0,-15 24,-40 96,54-111,-15 36,3 1,2 0,2 2,3 0,3 1,2 1,3-1,3 84,4-125,0 1,2-1,0 0,2-1,0 1,1-1,0 0,2 0,0-1,1 0,1 0,0-1,22 26,-28-38,1 0,-1 0,1 0,0-1,0 0,1 0,-1 0,1-1,-1 1,1-1,0-1,0 1,0-1,0 0,0 0,0-1,0 0,0 0,0 0,9-2,1-1,0 0,0-1,-1-1,0 0,0-1,22-12,-12 3,0-2,-2 0,0-1,-1-2,-1 0,0-1,-2-1,-1-1,-1-1,0 0,-2-1,-1-1,-1 0,-1-1,-2 0,0-1,-2 0,-1-1,-2 0,4-50,-6 22,-8-79,2 114,0 0,-1 1,-2-1,0 1,-1 0,-16-33,-64-90,41 71,40 64,1 0,0 0,1 0,0 0,-4-18,7 25,1 1,-1-1,1 0,0 0,0 1,0-1,0 0,0 0,0 0,0 1,0-1,1 0,-1 0,1 1,-1-1,1 0,0 1,0-1,0 1,0-1,0 1,0-1,0 1,0-1,0 1,1 0,-1 0,0 0,1 0,-1 0,1 0,0 0,-1 0,1 0,0 1,-1-1,1 1,0-1,0 1,1 0,2-1,1 0,-1 0,0-1,0 1,0-1,0 0,9-5,-12 5,0 0,-1 0,1 0,0 0,-1 0,1 0,-1 0,1-1,-1 1,0 0,0-1,0 1,0-1,-1 1,1-1,-1 0,1 1,-1-4,-1-52,0 42,0 0,1 0,1 0,3-21,-3 34,0 0,-1 0,1 0,0 0,0 0,1 1,-1-1,1 0,-1 0,1 1,0-1,0 1,0 0,0-1,1 1,-1 0,1 0,-1 0,1 1,0-1,-1 1,1-1,0 1,0 0,0 0,5-1,-5 2,-1 0,1 0,-1 0,1 0,-1 0,1 1,-1-1,0 1,1-1,-1 1,0 0,1 0,-1 0,0 0,0 1,0-1,0 1,0-1,0 1,0-1,-1 1,1 0,-1 0,1 0,-1 0,0 0,1 0,-1 1,0-1,0 0,0 3,5 10,-1 1,-1 0,4 25,-6-28,17 94,-4 1,0 201,-15-810,-2 218,2-14,0 290,-3 7,-4 16,-6 26,6-15,-3 8,1 0,2 0,-3 45,-1 82,-1 43,12-170,0-7</inkml:trace>
+</inkml:ink>
+</file>
+
+<file path=ppt/ink/ink7.xml><?xml version="1.0" encoding="utf-8"?>
+<inkml:ink xmlns:inkml="http://www.w3.org/2003/InkML">
+  <inkml:definitions>
+    <inkml:context xml:id="ctx0">
+      <inkml:inkSource xml:id="inkSrc0">
+        <inkml:traceFormat>
+          <inkml:channel name="X" type="integer" min="-2.14748E9" max="2.14748E9" units="cm"/>
+          <inkml:channel name="Y" type="integer" min="-2.14748E9" max="2.14748E9" units="cm"/>
+        </inkml:traceFormat>
+        <inkml:channelProperties>
+          <inkml:channelProperty channel="X" name="resolution" value="1000" units="1/cm"/>
+          <inkml:channelProperty channel="Y" name="resolution" value="1000" units="1/cm"/>
+        </inkml:channelProperties>
+      </inkml:inkSource>
+      <inkml:timestamp xml:id="ts0" timeString="2024-04-03T21:23:06.151"/>
+    </inkml:context>
+    <inkml:brush xml:id="br0">
+      <inkml:brushProperty name="width" value="0.3" units="cm"/>
+      <inkml:brushProperty name="height" value="0.6" units="cm"/>
+      <inkml:brushProperty name="color" value="#FF2500"/>
+      <inkml:brushProperty name="tip" value="rectangle"/>
+      <inkml:brushProperty name="rasterOp" value="maskPen"/>
+      <inkml:brushProperty name="ignorePressure" value="1"/>
+    </inkml:brush>
+  </inkml:definitions>
+  <inkml:trace contextRef="#ctx0" brushRef="#br0">1 113,'176'-2,"191"4,-345 0,0 0,0 1,-1 2,1 0,-1 1,0 1,22 11,-32-14,-1 0,1-1,-1 0,1-1,0 0,16 1,70-4,-43-1,756 1,-753 5,0 1,59 15,-41-7,-21-3,-27-4,2-2,44 2,980-7,-1013 1,72 10,-94-6,0 0,-1 0,1 2,-1 0,0 1,21 12,-33-17,0 0,1 0,-1 0,1-1,-1 1,1-1,-1-1,1 1,0-1,-1 0,1 0,10-2,8-2,39-13,-36 9,114-32,102-25,-195 55,1 2,0 2,55 1,224 26,-267-17,69-5,45 3,-44 21,-97-18,111 13,263 47,-322-48,-31-6,50 11,2-4,124 3,195-22,-399-1,-1-1,0-1,33-9,-25 5,37-4,249 8,-175 6,2010-2,-2013 11,-2 1,184-30,-178 13,-113 6,1-1,-1-1,0-2,0-2,55-14,-22 0,98-15,-92 21,72-23,-123 29,63-20,150-28,-177 50,0 2,59 5,-14 1,202-3,-427 1,-139-3,148-9,-38 0,-405 12,425-13,0 1,94 11,0-2,-47-9,40 4,-47 0,-16-2,46 4,-85 3,-4 0,53-8,-29-1,-433 10,267 2,259 1,0 1,-37 9,25-4,-30 6,17-3,-1-2,-60 0,-70-11,-116 3,257 5,-78 20,-21 4,-157 20,251-40,-42 3,68-11,0 1,1 2,-45 13,55-14,0 0,-1-1,1-1,-1-1,-34-1,51 0,-18 0</inkml:trace>
+</inkml:ink>
+</file>
+
+<file path=ppt/ink/ink8.xml><?xml version="1.0" encoding="utf-8"?>
+<inkml:ink xmlns:inkml="http://www.w3.org/2003/InkML">
+  <inkml:definitions>
+    <inkml:context xml:id="ctx0">
+      <inkml:inkSource xml:id="inkSrc0">
+        <inkml:traceFormat>
+          <inkml:channel name="X" type="integer" min="-2.14748E9" max="2.14748E9" units="cm"/>
+          <inkml:channel name="Y" type="integer" min="-2.14748E9" max="2.14748E9" units="cm"/>
+        </inkml:traceFormat>
+        <inkml:channelProperties>
+          <inkml:channelProperty channel="X" name="resolution" value="1000" units="1/cm"/>
+          <inkml:channelProperty channel="Y" name="resolution" value="1000" units="1/cm"/>
+        </inkml:channelProperties>
+      </inkml:inkSource>
+      <inkml:timestamp xml:id="ts0" timeString="2024-04-03T21:25:23.398"/>
+    </inkml:context>
+    <inkml:brush xml:id="br0">
+      <inkml:brushProperty name="width" value="0.3" units="cm"/>
+      <inkml:brushProperty name="height" value="0.6" units="cm"/>
+      <inkml:brushProperty name="color" value="#FFFC00"/>
+      <inkml:brushProperty name="tip" value="rectangle"/>
+      <inkml:brushProperty name="rasterOp" value="maskPen"/>
+      <inkml:brushProperty name="ignorePressure" value="1"/>
+    </inkml:brush>
+  </inkml:definitions>
+  <inkml:trace contextRef="#ctx0" brushRef="#br0">1 0,'109'6,"210"38,-215-26,961 181,-752-137,306 101,-522-134,-65-19,227 75,-227-70,-26-11,0-1,0 1,1-1,0-1,-1 1,1-1,0 0,0-1,0 1,1-2,9 1,-17-1,1 0,-1 0,0 0,0 0,1 0,-1 0,0 0,0 0,0 0,1 0,-1 0,0 0,0 0,1 0,-1 0,0-1,0 1,0 0,0 0,1 0,-1 0,0 0,0-1,0 1,0 0,0 0,1 0,-1-1,0 1,0 0,0 0,0 0,0-1,0 1,0 0,0 0,0-1,0 1,0 0,-7-9,-13-4,-9 5,0 0,0 2,-60-5,-94 8,115 3,-391 11,2 40,-81 37,519-85,-56 9,-125 2,89-12,-94-5,194 1,-1 0,1-1,0 0,-20-9,21 7,-1 1,0 1,0 0,-1 0,-12-1,-54-5,77 9,0-1,0 1,0 0,0 0,0 0,0 0,0 0,0 0,0 0,0 0,0 0,0 1,0-1,0 0,0 1,0-1,0 1,1-1,-1 1,0-1,0 1,0 0,0-1,1 1,-2 1,1 0,0-1,0 1,0 0,1 0,-1 1,0-1,1 0,0 0,-1 0,1 0,0 4,1 7,0 1,1-1,4 17,-3-20,9 37,22 55,-17-55,13 56,-20-58,-2 1,-2 0,0 59,-10 1872,6-1048,0-902,1 0,1 0,10 35,-7-33,-1 0,3 43,-8-41,11 137,10 66,-13-106,4 26,-7-87,-2 0,-7 68,5 90,-1-221,0-1,0 0,0 0,0 0,1 0,-1 0,1 0,0-1,-1 1,1-1,1 1,-1-1,0 1,0-1,1 0,-1 0,6 3,7 4,0-1,18 8,-22-11,159 62,-129-48,1-2,1-2,0-1,1-3,87 11,439 12,117-35,-668 0,0-1,0-1,0-1,0 0,-1-1,0-1,18-9,-5 3,51-10,-58 17,38-14,-36 10,0 1,1 2,-1 0,30-2,-49 7,0 0,-1 0,1-1,-1 0,1 0,-1-1,0 0,1 0,-2 0,1-1,0 0,-1 0,8-7,-6 3,0 0,-1 0,0-1,0 0,-1 0,0 0,0 0,2-11,4-15,-3 0,0-1,4-71,-12 101,9-196,-21-241,8 358,10-411,4 220,-10 263,-13-445,1 256,-6-33,1 114,-6-33,-5-211,17 157,0-2,13 13,-4-212,-2 372,-2 0,-1 0,-20-57,16 60,1 1,2-2,2 1,-4-50,13-49,-1 67,-5-72,3 136,0 1,0 0,0 0,-1 0,1 0,0 0,0 0,-1 0,1 0,0 0,-1 0,1 0,-1 0,0 0,1 0,-1 0,0 0,1 1,-1-1,-1-1,1 2,0 0,0-1,1 1,-1 0,0 0,0 0,0 0,0 0,0 0,0 0,1 0,-1 0,0 1,0-1,0 0,0 1,1-1,-1 0,-1 2,-6 3,1 0,0 1,0 0,-6 7,5-5,-187 159,74-66,-267 255,270-234,-114 151,176-195,4 1,3 3,4 2,-52 135,54-98,6 1,-39 228,22 268,59-2,6-412,9-1,8-2,10 0,84 262,-108-417,3-2,1 0,37 64,-47-95,1 1,0-1,1 0,0-1,1 0,1-1,0 0,0-1,1 0,1-1,-1 0,1-2,1 1,16 5,-25-11,1 0,-1-1,1 0,0 0,-1-1,1 0,0 0,0 0,-1-1,1 0,0 0,-1-1,1 1,-1-2,1 1,-1-1,0 0,0 0,0 0,-1-1,11-8,0-3,0-1,-1 0,-1 0,-1-2,20-32,5-17,-3-1,-3-2,36-118,35-238,-68 224,13-310,-45 376,-7-1,-5 1,-34-172,30 246,-3 0,-2 2,-3 0,-3 1,-2 1,-64-102,37 78,-59-89,-137-160,204 279,-73-63,100 98,-2 2,0 1,0 0,-2 1,0 2,0 0,-33-11,47 19,-1 1,0 0,0 0,0 1,0 0,0 1,0 0,-13 2,17-1,0 0,0 0,0 1,0 0,0 0,0 0,1 0,-1 1,1 0,-1 0,1 0,0 1,0-1,1 1,-7 8,-6 11,0 1,2 1,1 1,1 0,-10 32,-35 145,22-36,7 0,7 2,8 1,7 0,18 185,-2-252,25 114,-23-163,2-1,3 0,44 92,-49-123,1-1,1 0,1-1,1 0,0-1,2-1,0-1,1-1,31 21,-47-34,1-1,-1 0,0 0,1 0,-1 0,1-1,0 0,-1 1,1-1,0 0,0-1,0 1,0-1,0 0,0 0,-1 0,1 0,0-1,0 1,0-1,0 0,0 0,-1-1,1 1,-1-1,1 0,3-2,3-4,0 0,-1 0,0-1,0 0,-1-1,-1 0,14-21,9-23,-3-3,-1 0,32-112,9-69,55-365,-46-262,-79 380,-5 370,-5 0,-31-126,35 206,-2-1,-1 1,-28-57,30 73,-1 0,-1 1,-1 1,0 0,-1 1,-1 0,-27-22,17 18,3 2,-1 0,-48-26,64 40,0 0,-1 1,1 0,-1 1,0 0,0 0,0 0,0 1,0 1,0-1,0 1,-1 0,1 1,-16 3,11 1,0 0,0 0,0 1,1 1,0 0,0 1,1 0,0 1,0 0,1 1,-16 19,-7 14,-48 79,77-115,-49 86,4 3,4 2,4 2,5 2,5 1,-28 160,37-124,7 0,6 1,6 1,24 217,-12-284,4-1,30 102,-27-128,2 0,1-2,3 0,43 66,-62-105,1-1,-1 0,1 0,0-1,1 1,-1-1,6 4,-9-7,1 0,-1-1,1 1,0 0,-1-1,1 1,0-1,-1 1,1-1,0 0,-1 0,1 0,0 0,0 0,-1 0,1 0,0-1,-1 1,1-1,0 1,-1-1,1 1,0-1,-1 0,1 0,-1 0,0 0,1 0,-1 0,0 0,3-3,5-5,-1-1,0 1,0-2,-1 1,8-15,30-71,-42 88,74-190,134-558,-80-24,-92 372,-36 328,-3 1,-4 0,-15-83,16 140,-2 1,0 0,-2 0,0 0,-1 1,-1 0,-1 0,-16-22,19 32,0 1,-1 1,0 0,0 0,0 0,-1 1,-1 0,1 1,-1 0,0 0,0 1,-1 1,0 0,0 0,0 1,0 0,-15-1,16 3,0 0,0 1,0 1,0 0,-1 0,1 1,0 0,1 0,-1 1,0 1,1 0,0 0,0 1,0 0,0 0,1 1,0 0,0 1,0 0,-7 8,-5 9,1 0,1 1,1 0,1 2,-18 40,5 1,3 1,2 2,-20 109,-10 226,48 119,52-2,-26-383,6 0,59 180,-79-294,8 24,-13-48,0 0,-1 0,1 0,0 0,0 0,0 0,1-1,-1 1,0 0,1-1,-1 1,1-1,-1 1,1-1,0 0,0 0,-1 0,3 1,-2-1,-1-1,1 0,0 0,-1 0,1 0,-1 0,1-1,0 1,-1 0,1-1,-1 1,1-1,-1 0,1 1,-1-1,0 0,1 0,-1 0,0 0,2-2,25-27,-23 24,10-13,-2 0,0-1,-1-1,-2 0,0 0,-1-1,-1 0,10-41,-11 26,-1 1,-2-1,-1 0,-5-73,-2 79,-1-1,-2 1,-1 0,-1 1,-2 0,-1 0,-1 1,-1 1,-2 0,-25-34,5 16,-1 1,-3 2,-1 1,-80-60,104 89,0 1,-1 1,-1 1,1 0,-2 1,1 2,-1 0,0 0,-1 2,-40-5,59 10,-1 1,0-1,1 1,-1 0,0-1,1 1,-1 0,1 1,-1-1,1 0,0 1,-1-1,1 1,0 0,0 0,0-1,0 2,1-1,-1 0,0 0,1 0,-3 5,-3 7,-1 1,-7 25,9-25,5-12,0 1,0-1,0 1,0-1,1 1,0-1,-1 1,1-1,1 1,-1 4,0-8,0 1,1-1,-1 0,0 1,0-1,0 1,0-1,0 0,1 1,-1-1,0 0,0 1,0-1,1 0,-1 1,0-1,1 0,-1 0,0 1,1-1,-1 0,0 0,1 0,-1 1,0-1,1 0,-1 0,1 0,-1 0,0 0,1 0,-1 0,1 0,1 0,0-1,-1 0,1 1,0-1,-1 0,1 0,-1 0,1 0,-1-1,1 1,-1 0,2-3,13-15,0-1,-2 0,21-38,31-76,-52 102,79-191,-84 194,-1 0,-2 0,0-1,-2 0,-2 0,0-30,-3 28,-2 1,-8-45,11 75,0-1,0 1,-1 0,2 0,-1-1,0 1,0 0,0 0,0 0,1-1,-1 1,1 0,-1 0,1 0,-1 0,1 0,0-1,-1 1,1 0,0 1,0-1,0 0,0 0,0 0,0 0,0 1,0-1,0 0,1 0,42-15,-32 12,252-74,3 12,507-59,-629 110,276 8,-410 7,-1 1,1 1,-1-1,0 2,1-1,-1 1,0 1,-1 0,14 7,-23-11,0 0,1 0,-1 1,0-1,1 0,-1 0,0 0,1 0,-1 1,0-1,0 0,1 0,-1 0,0 1,0-1,1 0,-1 1,0-1,0 0,0 1,0-1,0 0,1 0,-1 1,0-1,0 1,0-1,0 0,0 1,0-1,0 0,0 1,0-1,-12 6,-27-1,33-5,-167 18,-173 8,251-25,-147-19,233 17,-17-2,23 2,15 0,57 5,-1 3,117 27,-133-24,205 41,-253-50,0 0,0 0,0 0,0 0,0 0,0 1,-1 0,1-1,-1 1,1 1,-1-1,6 5,-8-5,0-1,0 1,0 0,-1-1,1 1,0 0,-1 0,1 0,-1 0,0 0,1 0,-1 0,0 0,0 0,0 0,0-1,-1 1,1 0,0 0,-1 0,0 0,1 0,-1 0,0-1,0 1,0 0,-2 2,-6 11,-1 0,-1-1,0 0,-1 0,-16 13,-75 59,72-62,-443 333,208-159,227-171,26-20,1 2,0-1,0 2,1 0,0 0,0 1,-12 17,23-28,-1 1,1-1,0 1,-1-1,1 1,0-1,0 1,-1-1,1 1,0-1,0 1,0 0,0-1,0 1,0-1,0 1,0-1,0 1,0 0,0-1,0 1,0-1,0 1,0-1,1 1,-1-1,0 1,0-1,1 1,-1-1,0 1,1-1,-1 1,0-1,1 0,-1 1,1-1,-1 1,1-1,-1 0,1 0,-1 1,1-1,-1 0,1 0,-1 0,1 1,-1-1,1 0,-1 0,1 0,0 0,-1 0,1 0,0 0,39-3,17-12,83-34,-42 13,809-227,-893 260,-2 0,1 0,21-10,-33 13,-1 0,1 0,-1 0,0-1,1 1,-1 0,1 0,-1 0,1-1,-1 1,0 0,1-1,-1 1,0 0,1-1,-1 1,0-1,1 1,-1 0,0-1,0 1,1-1,-1 1,0-1,0 1,0-1,0 1,0-1,0 1,0-1,0 1,0-1,0 0,-13-13,-29-4,6 7,0 2,-66-8,-80 3,173 13,-360-14,-114-7,394 14,37 2,0 2,-73 5,124-1,0 0,0 0,0 0,0 0,0 0,0 0,0 0,1 0,-1 0,0 1,0-1,0 0,0 0,1 1,-1-1,0 1,0-1,1 1,-1-1,0 1,1-1,-1 1,0 0,1-1,-1 1,1 0,-1 0,1-1,-1 1,1 0,0 0,-1 0,1 1,0-1,1 1,-1-1,1 1,-1-1,1 0,0 1,0-1,-1 0,1 0,0 0,0 0,0 1,0-1,1 0,-1-1,0 1,0 0,0 0,1 0,1 0,13 6,1 0,-1-1,1-1,33 6,78 4,-102-12,334 18,-254-21,151-20,-254 20,-1-1,1 1,0-1,0 1,0-1,0 0,0 0,-1 0,1-1,-1 1,1-1,-1 1,1-1,-1 0,0 0,3-2,-5 3,0 0,1 0,-1 1,1-1,-1 0,0 0,0 0,1 1,-1-1,0 0,0 0,0 0,0 0,0 0,0 1,0-1,0 0,-1 0,1 0,-1-1,0 0,0 0,0 0,0 0,-1 0,1 0,-1 0,0 1,1-1,-1 1,-3-3,-23-13,-1 1,0 2,-59-20,45 18,-214-67,216 73,0 2,-1 1,0 3,-60 1,99 3,0 0,0 0,0 0,0 0,0 1,0 0,0 0,0 0,0 0,0 0,0 0,0 1,0-1,1 1,-1 0,1 0,-1 0,1 0,-3 3,4-2,-1 0,0 1,1-1,0 1,0-1,0 1,0-1,0 1,1-1,0 1,0 0,0-1,0 1,0-1,1 1,1 5,1 5,1-1,1 1,0-1,1 0,1-1,0 0,0 0,1 0,1-1,0 0,0-1,1 1,22 16,4 0,2-1,81 41,-11-17,3-4,1-5,3-5,130 23,-237-58,17 5,0-2,-1 0,45 0,-67-4,1 0,-1-1,1 1,-1 0,1-1,-1 1,1-1,-1 0,1 0,-1 0,0 0,0 0,1 0,-1-1,0 1,3-3,-4 2,0 1,-1 0,1-1,0 1,-1-1,1 1,-1-1,1 1,-1-1,0 1,1-1,-1 0,0 1,0-1,0 1,0-1,-1 0,1 1,-1-3,-2-5,0 1,-1 0,0 0,-1 0,0 0,0 1,0 0,-8-8,-26-26,-2 2,-72-53,-105-58,216 149,-167-104,-323-146,148 107,205 84,128 57,9 5,15 12,181 112,-49-34,-102-62,-5-3,66 36,-88-59,-12-11,-4 4,-1 0,1 0,-1 0,0 1,0-1,0 0,0 1,-2-4,-14-20,0 0,-2 1,0 1,-26-24,-99-83,113 104,-16-12,-100-65,118 87,-1 1,-1 1,0 1,-1 2,-36-8,57 17,1 1,-1 0,0 1,0 0,1 1,-1 0,0 1,0 0,-17 4,22-4,1 1,0 0,1 1,-1-1,0 1,0 0,1 0,0 0,0 1,0-1,0 1,0 0,1 0,-1 0,1 1,0-1,1 1,-1 0,1 0,-4 9,3-2,1-1,0 1,0 0,1-1,1 1,0 0,1 0,0-1,0 1,1 0,6 17,-2-1,-5-24,0-1,-1 1,1 0,-1-1,0 1,1 0,-2 0,1-1,0 1,-1 0,0-1,0 1,0 0,-2 5,1-7,0 0,0 0,1 0,-1 0,-1-1,1 1,0-1,0 1,-1-1,1 0,0 1,-1-1,0 0,1-1,-1 1,1 0,-1-1,0 0,0 1,-4-1,-11 0,12 0,-1 0,0 0,1 1,-1 0,-9 2,15-2,-1-1,1 1,0 0,-1-1,1 1,0 0,-1 0,1 0,0 0,0 0,0 0,0 0,0 0,0 0,0 1,0-1,0 0,1 1,-1-1,0 1,1-1,-1 1,1-1,0 1,-1-1,1 1,0-1,0 1,0 1,1 5,1 1,0-1,1 1,0-1,0 0,0 0,1-1,0 1,1-1,9 12,-4-4,39 55,3-1,120 120,152 88,-236-212,2-4,4-4,2-5,1-3,3-5,2-4,2-5,0-4,124 19,-78-21,-126-23,0 1,-1 2,0 0,23 13,-35-12,-16-6,-27-3,-280-38,-25-1,-4 25,340 12,0 1,-1 0,1 0,0 0,0 0,0 0,0 0,-1 0,1 1,0-1,0 0,0 1,0-1,0 1,-1-1,1 1,0-1,0 1,-1 1,4-1,-1 0,1 0,-1-1,1 1,-1 0,1 0,-1-1,1 1,0-1,-1 1,1-1,0 0,-1 0,1 0,0 0,1 0,23 2,-1-2,1 0,-1-2,28-6,330-76,1-35,-250 76,281-85,240-79,-769 238,109-30,-708 244,181-10,413-169,27-13,61-36,1 1,0 2,2 1,-27 26,50-43,1 1,0 0,0 0,1 0,-1 1,1-1,0 1,1 0,-1 0,-1 8,3-12,1 0,-1 0,1 0,-1-1,1 1,0 0,0 0,0 0,0 0,0 0,0 0,0-1,1 1,-1 0,1 0,0 0,-1-1,1 1,0 0,0-1,0 1,0 0,0-1,0 1,0-1,1 0,-1 1,1-1,-1 0,1 0,-1 0,1 0,-1 0,1 0,0 0,0-1,-1 1,1-1,3 1,14 2,0 0,0-2,1 0,-1-2,36-4,102-26,-130 25,161-39,230-86,-396 124,31-15,-50 21,0-1,0 1,-1-1,1 0,0 0,-1 0,1 0,-1 0,0 0,0-1,0 1,0-1,2-4,-3 6,-1 0,0 0,0 1,1-1,-1 0,0 0,0 0,0 1,0-1,0 0,0 0,0 0,0 0,-1 1,1-1,0 0,0 0,-1 0,1 1,0-1,-1 0,1 0,-1 1,1-1,-1 0,0 0,-22-14,-2 4,-1 2,1 0,-2 2,-27-5,-114-10,108 16,-1 3,0 3,-1 2,2 3,-1 2,-75 20,99-17,1 2,1 1,0 1,1 3,1 0,0 2,1 2,2 1,0 1,1 1,-34 38,32-28,2 0,-48 74,70-95,0 0,1 0,0 1,1 0,0 0,1 0,1 0,1 0,0 1,0 0,2-1,-1 1,3 16,-2-30,0 1,0-1,0 0,0 0,1 1,-1-1,0 0,0 0,1 0,-1 0,0 1,1-1,0 0,-1 0,1 0,-1 0,1 0,0 0,0 0,0 0,-1-1,1 1,0 0,0 0,0-1,0 1,0 0,1-1,-1 1,1 0,0-2,-1 1,1-1,-1 1,1-1,-1 1,1-1,-1 0,0 0,1 0,-1 0,0 0,0 0,1 0,-1 0,0 0,0 0,0-1,-1 1,1 0,0-1,0 1,-1-1,1-1,8-17,-1-1,-2 0,0 0,-1-1,-1 0,2-35,-4 18,-2 0,-10-73,7 92,-1 1,-1 1,0-1,-13-26,16 39,-1 0,-1 0,1 1,-1-1,0 1,-1 0,-7-7,10 10,-1 0,1 0,-1 0,0 1,0-1,0 1,0 0,0 0,0 0,0 0,0 0,-1 0,1 1,0 0,0 0,-4 0,3 0,0 1,0 0,0 0,0 0,0 1,0-1,1 1,-1 0,1 0,-1 0,1 0,0 1,-5 5,-37 45,38-44,-49 71,-80 153,-21 105,57-94,11 4,-66 296,151-526,-22 120,24-121,0 1,2-1,0 0,1 1,4 27,-5-45,0 0,0 1,0-1,0 0,0 1,0-1,0 0,0 1,0-1,0 0,0 0,0 1,0-1,0 0,0 1,1-1,-1 0,0 1,0-1,0 0,0 0,1 1,-1-1,0 0,0 0,0 0,1 1,-1-1,0 0,0 0,1 0,-1 0,0 1,1-1,-1 0,0 0,0 0,1 0,-1 0,0 0,1 0,-1 0,0 0,1 0,-1 0,0 0,0 0,1 0,-1 0,0 0,1 0,-1 0,0-1,1 1,-1 0,0 0,0 0,1 0,-1-1,0 1,0 0,1-1,13-17,0-9,-1 1,-1-1,13-47,17-90,-28 89,-3 1,1-88,-13-151,-1 146,-21-179,22 343,1 0,0 1,-1-1,0 1,0-1,0 0,0 1,0 0,0-1,-3-3,4 6,-1 0,1 0,0-1,-1 1,1 0,0-1,-1 1,1 0,0 0,-1 0,1 0,0-1,-1 1,1 0,0 0,-1 0,1 0,-1 0,1 0,0 0,-1 0,1 0,-1 0,1 0,0 0,-1 0,0 0,0 1,0 0,0 0,0 0,0 0,0 0,0 0,0 0,0 0,0 0,1 0,-1 0,0 1,0 0,-8 23,1 0,0 0,2 1,1 0,1 0,0 29,1-24,-25 799,38-526,13-1,118 568,-120-791,8 49,-29-250,-62-884,-63 3,63 595,63 406,-1 1,0-1,0 0,0 1,0-1,0 0,0 1,0-1,0 0,0 1,-1-1,1 0,0 1,0-1,0 1,-1-1,1 0,0 1,-1-1,1 1,-1-1,1 1,-1-1,1 1,0-1,-1 1,0 0,1-1,-1 1,1 0,-1-1,1 1,-1 0,0 0,0-1,0 2,0 0,0 0,0 0,0 1,0-1,0 0,0 0,0 1,1-1,-1 0,0 1,1-1,-1 0,1 1,0-1,-1 3,-7 42,3 0,1 0,4 72,0-41,-1 53,4 441,5-418,47 259,-45-364,3-1,1-1,2 0,2-1,26 45,-43-87,0-1,0 0,1 0,-1 1,0-1,1 0,-1 0,1 0,0-1,0 1,0 0,0-1,0 1,0-1,0 1,0-1,0 0,1 0,-1 0,0 0,5 0,-4-1,0-1,-1 1,1-1,0 0,-1 0,1 0,-1-1,1 1,-1-1,0 1,0-1,0 0,1 1,-2-1,1 0,0 0,0-1,-1 1,1 0,1-3,10-18,0 0,-1 0,-2-1,0-1,-2 0,11-48,13-162,18-782,-47 922,-2-285,-2 394,1 1,-2-1,-5 24,0 7,-83 1169,89-1199,2 291,2-229,28 149,-24-197,2 0,1-1,1 0,1-1,2-1,0 0,2 0,1-2,1 0,1-1,31 30,-47-50,0 1,1-1,0 0,0 0,0-1,0 1,0-1,0 1,1-1,-1-1,1 1,6 1,-9-3,1 0,-1 0,1 0,0-1,-1 1,1-1,-1 0,1 1,-1-1,0 0,1 0,-1-1,0 1,1 0,-1-1,0 1,0-1,0 0,-1 0,1 0,0 0,-1 0,1 0,-1 0,2-4,16-27,-3-1,0-1,-2-1,16-67,34-151,19-148,-18-4,16-530,-80 925,1-39,-8-92,5 134,0 0,-1 0,0 0,-1 0,0 1,0-1,0 1,-1-1,-6-7,7 11,0 0,0 0,-1 0,1 1,-1 0,0 0,0 0,0 0,0 0,0 1,-1 0,1 0,-1 0,0 0,1 1,-6-1,9 1,0 1,0 0,0 0,0 0,0 0,0 1,0-1,1 0,-1 0,0 0,0 1,0-1,0 1,1-1,-1 0,0 1,0-1,1 1,-1 0,0-1,1 1,-1-1,0 1,1 0,-1 0,1-1,-1 1,1 0,-1 1,-10 31,9-25,-13 60,-10 113,10 79,6 115,44 405,10-453,-30-254,4-1,38 98,-38-124,2-1,2-2,2 0,31 40,-54-80,0 0,0-1,0 1,1-1,0 1,-1-1,1 0,0 0,5 3,-6-5,-1 1,1-1,-1 0,1 1,-1-1,1 0,0 0,-1 0,1 0,-1-1,1 1,-1 0,1-1,0 1,-1-1,0 1,1-1,-1 0,1 0,-1 0,0 0,1 1,-1-2,0 1,0 0,1-1,6-7,0 1,-1-1,0 0,-1-1,0 1,5-12,28-74,-30 69,51-147,-9-3,33-203,10-380,-82 177,-17 482,-6 0,-3 1,-49-174,51 234,-2 1,-1 0,-2 1,-2 1,-1 1,-2 1,-29-36,49 67,0 0,-1 1,1-1,-1 0,1 1,-1 0,0 0,0 0,0 0,0 0,0 1,-1-1,1 1,0 0,-1 0,1 0,-1 0,1 1,-5-1,4 1,0 1,0 0,0 0,0 0,0 0,0 1,0-1,0 1,1 0,-1 0,0 1,1-1,-6 6,-3 3,1 1,1 1,0 0,1 0,1 1,0 0,-8 18,-11 36,3 2,-16 75,-19 151,20-49,12 1,9 479,24-639,3-1,5 0,37 129,-49-206,0-3,0-1,0 1,0-1,1 1,-1-1,2 0,-1 0,6 7,-9-13,0 1,1-1,-1 0,0 1,0-1,1 0,-1 1,1-1,-1 0,0 0,1 1,-1-1,1 0,-1 0,0 0,1 0,-1 0,1 1,-1-1,1 0,-1 0,1 0,-1 0,0 0,1-1,-1 1,1 0,-1 0,1 0,-1 0,1 0,-1-1,0 1,1 0,-1 0,0 0,1-1,-1 1,1 0,-1-1,0 1,0 0,1-1,-1 1,1-1,12-28,9-38,20-111,9-115,-14-2,1-413,-37 703,-5-231,0 180,-2-1,-14-58,16 100,0 0,-1 0,-1 1,0-1,-1 1,0 1,-1-1,-18-21,23 31,-1-1,0 1,-1 0,1 0,-1 0,1 1,-1 0,0-1,0 2,-1-1,1 1,0 0,-1 0,0 0,1 1,-1-1,0 2,0-1,0 0,1 1,-1 0,0 1,0-1,0 1,-10 3,10-1,0-1,0 1,1 0,-1 1,1-1,0 1,0 0,0 0,0 1,1 0,-7 8,-4 7,-20 37,21-28,1 0,1 1,2 0,1 1,1 0,-6 55,-1 196,15-259,0 85,19 162,-12-221,2 1,3-2,2 0,2 0,33 69,-31-81,2 0,1-2,43 55,-54-78,0-1,0 1,0-2,1 1,1-2,0 1,0-2,1 1,-1-2,1 0,1 0,-1-1,28 6,-35-10,0 0,-1-1,1 0,0 0,-1 0,1-1,0 0,-1 0,1 0,-1-1,1 0,-1 0,0 0,0 0,0-1,6-4,2-3,-1 0,0-1,-1 0,20-26,8-16,-2-2,-3-2,44-97,43-141,6-87,-32 46,55-384,-113 458,-11-1,-10-291,-33 269,10 221,-2 0,-3 1,-35-106,42 153,-2 0,0 1,0 0,-1 1,-1-1,-20-23,24 33,0 0,0 0,0 1,0 0,-1 0,1 0,-1 1,0 0,0 0,-1 0,1 1,0 0,-1 0,1 1,-1 0,0 0,0 0,-12 1,7 2,-1-1,1 2,-1 0,1 0,0 2,0-1,1 1,-1 1,1 0,0 1,-14 10,-5 8,0 0,-39 46,1 9,3 2,4 3,4 3,-53 110,45-61,6 2,-52 188,82-214,4 2,-14 170,28-113,13 178,6-247,4-1,36 142,83 189,-95-330,5-2,4-1,5-3,114 168,-146-241,1-1,1-1,1-1,0-1,2 0,0-2,1-1,49 26,-68-40,-1-1,1 0,0 0,0-1,-1 1,1-1,0 0,1-1,-1 1,0-1,0 0,0 0,0-1,0 1,7-3,-6 1,1-1,-1 0,-1 0,1-1,0 0,-1 0,0 0,0 0,0-1,0 0,7-10,8-15,0-1,-2 0,-2-2,-1 0,13-42,31-93,64-312,-31-192,-82 564,-6-1,-16-196,9 285,0 0,-1 0,-8-20,11 36,0 0,-1 1,1-1,-1 0,1 1,-1-1,0 1,-1 0,1 0,0 0,-1 0,0 0,0 0,0 0,0 1,0 0,0-1,0 1,-1 1,1-1,-1 0,-6-1,7 3,1 0,-1 1,0-1,0 1,0-1,1 1,-1 0,0 0,1 0,-1 1,1-1,0 0,-1 1,1 0,0-1,0 1,0 0,0 0,0 1,0-1,0 0,-2 5,-5 7,1 1,-10 24,16-36,-16 45,1 1,2 0,3 1,-11 97,5 210,17-312,-1 189,48 388,-39-567,-3-17,2 0,12 45,-17-81,0 1,-1-1,1 0,0 0,0 1,0-1,0 0,1 0,-1 0,1 0,-1 0,1 0,-1-1,1 1,3 2,-4-4,0 0,0 1,0-1,1 0,-1 0,0 0,0 0,1 0,-1 0,0-1,0 1,1 0,-1 0,0-1,0 1,0-1,0 1,1-1,-1 0,0 1,0-1,0 0,0 0,-1 0,1 1,0-1,0 0,1-2,-1 2,8-9,-13 18,-4 6,-337 639,60 29,256-595,-24 117,43-146,2 1,2 0,3 63,4-58,6 132,-3-159,1-1,1 0,14 44,-15-64,2 1,-1-1,2 0,0-1,1 1,0-2,1 1,1-1,0-1,1 0,0-1,26 20,-36-30,1-1,-1 1,1-1,0 0,0 0,-1 0,1 0,0 0,0 0,0-1,0 0,0 1,0-1,0 0,0-1,0 1,0 0,0-1,0 0,2 0,1-2,-1 1,0-1,0 0,0 0,0-1,-1 0,1 0,-1 0,6-7,5-9,-2 0,0 0,19-43,-11 14,-3-1,-1-1,-3 0,13-93,2-218,-25 268,-2 55,10-257,-12 202,-15-107,14 197,1-9,-2 1,0-1,0 1,-2-1,1 1,-1 0,-1 0,-6-11,10 22,1 0,0 1,-1-1,1 0,-1 1,1-1,-1 1,0-1,1 0,-1 1,0 0,1-1,-1 1,0-1,1 1,-1 0,0-1,0 1,1 0,-1 0,0 0,0 0,0-1,1 1,-1 0,0 0,0 0,0 1,-1-1,1 1,0 0,-1 0,1 0,0 0,0 0,0 0,0 0,0 0,0 0,0 1,0-1,-1 2,-2 5,1 0,-1-1,2 1,-3 11,0 1,2 0,1 0,0 1,1-1,2 0,0 0,5 27,-5-39,1-1,0 1,0-1,1 1,0-1,0 0,1 0,0 0,0-1,0 1,1-1,0 0,0 0,1-1,0 0,0 0,0 0,0 0,1-1,0 0,13 5,-1-3,0 0,0-1,1-2,0 0,0-1,0 0,0-2,0-1,0 0,0-1,0-1,0-1,22-8,-34 9,1-1,-1 0,0 0,0-1,0 0,-1 0,0-1,0 0,0 0,-1-1,0 0,0 0,-1 0,0-1,0 0,0 0,-1 0,-1 0,1-1,-1 1,2-11,0-2,-2 0,0 0,-1 0,-1 0,-1 0,-1-1,0 1,-6-23,3 25,-1 0,0 1,-2-1,0 2,-1-1,0 1,-2 0,0 0,-1 1,0 1,-27-28,34 40,0 0,0 0,0 0,0 1,-1 0,1 0,-1 0,0 0,0 1,1-1,-1 1,0 0,0 1,0-1,0 1,0 0,0 0,0 1,0 0,0-1,0 2,0-1,1 0,-1 1,0 0,1 0,-9 6,-2 1,0 1,1 0,0 2,0-1,2 2,-20 22,1 7,1 2,3 0,1 2,2 1,3 1,-25 79,23-47,4 2,3 1,-8 116,23-184,-4 142,5-136,1 1,2-1,0 0,1 0,9 25,-12-43,0 0,0 0,0 0,1 0,0 0,-1-1,1 1,0-1,0 1,0-1,1 1,-1-1,1 0,-1 0,1-1,0 1,-1 0,1-1,0 1,0-1,0 0,0 0,0 0,0-1,1 1,-1-1,0 0,0 0,5 0,5-1,0-1,0-1,0 0,-1 0,1-2,12-5,14-8,0-1,-2-3,0 0,-2-3,50-42,-58 42,0-2,-2 0,-1-2,-1 0,-2-2,32-58,-43 65,-1-1,0 0,-2 0,-1-1,-2 0,0 0,-1 0,-2 0,-1 0,-1-1,-1 1,-7-33,-2 5,-2 1,-3 1,-2 0,-46-91,47 112,-2 0,-1 1,-27-30,-79-77,75 83,31 35,-1 1,-1 1,0 1,-25-13,-29-21,75 50,0-1,0 1,0-1,0 1,1-1,-1 1,0-1,0 0,1 1,-1-1,0 0,1 1,-1-1,1 0,-1 0,1 0,-1 0,1 1,0-1,-1-2,2 3,-1-1,1 1,0 0,-1-1,1 1,0 0,-1 0,1-1,0 1,0 0,-1 0,1 0,0 0,-1 0,1 0,0 0,0 0,-1 0,2 1,46 10,120 36,-140-41,0-2,0-1,0-2,35-1,-61 0,1-1,0 1,0-1,0 1,0-1,0 0,-1 0,1 0,0 0,-1-1,1 1,0-1,-1 1,0-1,1 0,-1 0,0 0,0 0,2-4,-1 2,-1-1,0 0,0 1,0-1,0 0,-1 0,0 0,0 0,0 0,0-8,-1 0,-1-1,0 1,-1 0,0 0,-1 0,0 0,-1 0,-6-13,0 8,-1-1,-1 1,0 1,-1 0,-1 1,-27-25,17 20,-1 1,0 2,-53-30,38 27,-2 2,0 2,-2 1,1 3,-1 1,-1 2,0 2,-1 3,-79-1,124 6,-3 0,1 1,-1-1,1 0,-1-1,1 1,-1-1,-5-1,8 2,1 0,0 0,0-1,-1 1,1 0,0 0,0 0,0-1,-1 1,1 0,0 0,0-1,0 1,0 0,0 0,-1-1,1 1,0 0,0-1,0 1,0 0,0 0,0-1,0 1,0 0,0-1,0 1,0 0,0-1,0 1,0 0,1-1,11-17,15-9,-17 18,-1 0,0-1,0-1,10-17,-16 24,-1 0,-1 0,1-1,-1 1,1 0,-1-1,0 1,-1-1,1 0,-1 1,0-1,0 1,-1-1,1 0,-1 1,0-1,-2-5,-2-4,-1 1,0 1,-1-1,-1 1,-10-14,9 14,1 0,0-1,0-1,-7-18,14 29,1 0,-1-1,1 1,0 0,-1 0,1 0,1 0,-1-1,0 1,1 0,0 0,0 0,0 0,0 0,0 0,0 0,1 1,0-1,-1 0,1 1,0-1,3-2,7-8,0 1,1 0,14-9,-2 0,14-11,-23 20,-2 0,1-1,-1-1,-1 0,20-27,-33 39,1 1,-1 0,1-1,0 1,0 0,0 0,-1 0,1-1,0 1,1 0,-1 0,0 1,0-1,0 0,0 0,1 1,-1-1,0 0,1 1,-1-1,0 1,1 0,-1-1,1 1,-1 0,1 0,-1 0,1 0,-1 0,0 0,1 0,-1 1,1-1,-1 0,0 1,1-1,1 2,5 3,-1 0,0 0,-1 1,1 0,7 10,11 8,414 352,-434-372,9 8,0 1,-2 0,1 1,12 18,-22-28,-1 1,1-1,-1 1,0-1,0 1,0 0,-1 0,0 0,0 0,0 0,-1 0,1 0,-1 0,0 1,-1-1,1 0,-1 0,0 0,-1 0,-1 5,-14 28,-2-1,-2-1,-46 62,37-56,-18 25,-3-3,-3-2,-2-3,-3-2,-68 50,100-84,-2-2,-1-1,0-2,-1 0,-62 23,-104 18,175-53,-39 18,-7 2,59-23,0 1,1 0,-1 0,-14 11,-14 6,33-18,0-1,0 1,0 0,0 0,0 0,1 1,-1-1,1 1,0 0,0 0,0 0,1 0,-4 9,1 1</inkml:trace>
+</inkml:ink>
+</file>
+
+<file path=ppt/ink/ink9.xml><?xml version="1.0" encoding="utf-8"?>
+<inkml:ink xmlns:inkml="http://www.w3.org/2003/InkML">
+  <inkml:definitions>
+    <inkml:context xml:id="ctx0">
+      <inkml:inkSource xml:id="inkSrc0">
+        <inkml:traceFormat>
+          <inkml:channel name="X" type="integer" min="-2.14748E9" max="2.14748E9" units="cm"/>
+          <inkml:channel name="Y" type="integer" min="-2.14748E9" max="2.14748E9" units="cm"/>
+        </inkml:traceFormat>
+        <inkml:channelProperties>
+          <inkml:channelProperty channel="X" name="resolution" value="1000" units="1/cm"/>
+          <inkml:channelProperty channel="Y" name="resolution" value="1000" units="1/cm"/>
+        </inkml:channelProperties>
+      </inkml:inkSource>
+      <inkml:timestamp xml:id="ts0" timeString="2024-04-03T21:25:45.814"/>
+    </inkml:context>
+    <inkml:brush xml:id="br0">
+      <inkml:brushProperty name="width" value="0.3" units="cm"/>
+      <inkml:brushProperty name="height" value="0.6" units="cm"/>
+      <inkml:brushProperty name="color" value="#00F900"/>
+      <inkml:brushProperty name="tip" value="rectangle"/>
+      <inkml:brushProperty name="rasterOp" value="maskPen"/>
+      <inkml:brushProperty name="ignorePressure" value="1"/>
+    </inkml:brush>
+  </inkml:definitions>
+  <inkml:trace contextRef="#ctx0" brushRef="#br0">281 1,'168'12,"-81"-4,2 4,0 3,154 48,-204-54,-1-2,72 4,-10-2,3 0,153-8,-119-3,328 2,-449 1,0 1,0 1,0 0,0 1,15 6,-15-5,1 0,-1-1,1-1,25 2,0-6,-30 0,0 1,0 0,-1 0,1 1,15 3,-19 1,-13-1,-20 1,-236 22,-6 2,97-6,-405 51,-3-43,256-10,-2 0,323-21,-28 2,29-2,0 0,0 0,0 0,0 0,0 0,-1 0,1 0,0 0,0 0,0 0,0 0,0 0,0 0,-1 0,1 0,0 0,0 0,0 1,0-1,0 0,0 0,0 0,0 0,-1 0,1 0,0 1,0-1,0 0,0 0,0 0,0 0,0 0,0 0,0 1,0-1,0 0,0 0,0 0,0 0,0 0,0 1,0-1,0 0,0 0,0 0,1 0,12 10,8 0,0-1,0-1,1-1,43 8,-41-10,38 12,-43-11,-1-1,1 0,0-2,27 2,-26-4,-1-2,0 0,0-1,0-1,29-8,-39 8,0-1,1 1,-1-2,-1 0,1 0,-1 0,0-1,0 0,0-1,-1 1,0-2,10-11,-15 16,0 0,0 1,-1-1,1 0,-1 0,1 0,-1 0,0-1,0 1,0 0,-1 0,1-1,-1 1,1 0,-1-1,0 1,-1-1,1 1,-1-4,-1 2,0 0,0 0,0 0,-1 0,0 1,0-1,0 1,0 0,-1-1,-7-6,-8-4,-2 0,1 1,-2 1,-25-12,37 20,-9-6,0-1,-22-20,27 21,0 0,0 1,-1 1,-22-11,36 19,0 1,-1-1,1 1,0 0,0 0,0 0,0 0,0 0,0 0,0 0,0 0,0 0,0 0,0 0,0 1,0-1,-1 0,2 1,-1-1,0 1,0-1,0 1,0 0,0-1,0 1,0 0,1 0,-1-1,0 1,1 0,-1 0,0 0,1 0,-1 0,1 0,0 0,-1 0,1 0,0 0,-1 0,1 0,0 2,-2 7,0 0,1 0,0 16,1-19,0 367,2-153,0-167,2 0,11 54,31 105,-7-38,-27-126,29 75,-27-87,-1 0,-2 1,10 71,28 563,32 283,-71-882,134 829,-104-638,-34-205,0 26,-6 107,-2-73,2 142,0-394,-13-494,-10 160,13-386,12 516,-15-216,5 36,35 303,-12 122,-11 68,1 1,1 0,1 0,1 1,1 0,1 0,0 1,2 0,1 1,0 0,1 2,2-1,-1 1,2 1,0 1,1 1,1 0,0 1,1 1,37-17,11-1,2 3,93-25,152-22,-200 50,-106 23,16-3,-1-1,-1-1,1 0,37-20,-59 27,-1-1,1 0,-1 1,1-1,-1 0,0 0,1 0,-1 0,0 0,0-1,0 1,0 0,0-1,0 1,0 0,0-1,-1 1,1-1,0 1,0-4,-1 4,0-1,-1 1,1 0,0 0,-1-1,1 1,-1 0,0 0,1 0,-1-1,0 1,0 0,1 0,-1 0,0 0,0 0,0 1,0-1,-3-1,-5-4,-1 1,0 0,0 0,-20-5,-137-34,-202-26,20 40,-2 28,237 3,107-2,-1 2,1-1,0 1,0 0,0 0,-11 5,16-6,1 1,0-1,0 1,0 0,0-1,0 1,0 0,0 0,0 0,0-1,0 1,0 0,0 0,1 1,-1-1,0 0,1 0,-1 1,0 0,1 0,0 0,0 0,0-1,0 1,0 0,1 0,-1-1,0 1,1 0,-1-1,1 1,0 0,0-1,-1 1,1-1,2 3,1 1,0 1,1 0,0-1,0 0,0 0,0-1,1 0,0 0,7 4,61 27,-56-27,40 14,2-3,95 19,-83-23,85 31,-152-44,1-1,0 1,0 0,0 1,0 0,0 0,-1 0,1 0,-1 1,8 7,-13-10,0 0,0 0,0-1,0 1,0 0,-1 0,1 0,0-1,0 1,-1 0,1-1,-1 1,1 0,0 0,-1-1,1 1,-1-1,0 1,1-1,-1 1,1-1,-1 1,0-1,1 1,-1-1,0 0,0 1,1-1,-1 0,0 0,0 1,-1-1,-30 12,29-12,-77 20,-141 17,40-9,63-10,116-19,1 1,-1 1,1-1,-1 0,1 0,-1 0,1 1,-1-1,1 1,-1-1,1 1,0 0,-1 0,1-1,0 1,0 0,-1 0,1 0,0 0,0 0,0 1,0-1,0 0,0 0,1 1,-1-1,0 0,1 1,-1-1,1 1,-1-1,1 1,0-1,-1 1,1-1,0 1,0-1,0 1,0-1,1 1,-1 2,1-1,1 0,-1 0,0 0,1 0,-1 0,1-1,0 1,0-1,0 1,0-1,0 0,1 1,-1-1,1 0,-1-1,1 1,0 0,0-1,5 3,31 5,0-1,77 6,-64-9,95 8,1-6,184-16,-227-1,-1-5,0-4,195-63,-60 3,-237 79,1-1,-1 1,0-1,1 0,-1 0,0 0,0 0,0 0,0-1,0 1,0-1,0 1,0-1,0 0,-1 0,1 1,-1-1,1 0,-1 0,0-1,0 1,0 0,1-4,-2 4,0-1,0 1,0-1,0 1,-1 0,1-1,-1 1,0 0,1-1,-1 1,0 0,0 0,-1 0,1 0,0 0,-1 0,1 0,-1 0,0 0,1 1,-1-1,0 1,-3-2,-12-9,0 1,-1 1,0 1,-1 0,0 2,-35-10,0 4,-70-6,29 15,66 4,-54-7,80 7,0-1,0 1,0-1,0 0,0 0,1 0,-1-1,0 1,-3-3,6 4,-1 0,1-1,0 1,-1 0,1-1,0 1,0-1,-1 1,1 0,0-1,0 1,0-1,-1 1,1-1,0 1,0-1,0 1,0-1,0 1,0-1,0 1,0-1,0 0,12-14,42-23,2 3,102-49,33-19,-138 70,-12 9,-2-1,0-2,44-42,-79 65,0 1,0 0,0 1,0-1,0 1,1-1,-1 1,1 0,0 1,-1-1,1 1,0 0,0 0,0 1,0-1,0 1,-1 0,1 1,9 1,-10-2,-1 1,1 0,-1 0,1 0,-1 0,0 1,0-1,0 1,0 0,0 0,0 0,0 1,0-1,-1 0,1 1,-1 0,0 0,0 0,0 0,0 0,0 0,-1 0,1 0,-1 1,0-1,0 1,1 5,2 41,-6 100,0-62,-17 448,12 123,9-388,-4 60,5 356,4-561,38 204,-36-258,-2 0,-7 139,-3-84,3 845,1-962,0 0,1 0,0 0,1 0,0 0,0-1,6 11,-4-7,1 0,5 27,-2-1,5 30,-14-63,1 0,-1-1,0 1,0 0,0 0,-1 0,0 0,-4 11,4-15,0-1,0 1,0 0,-1 0,1 0,-1-1,0 1,1-1,-1 1,0-1,0 0,0 0,0 1,0-1,0-1,0 1,0 0,0 0,-1-1,1 1,-4-1,-54 3,47-4,-1812-3,1808 3,1-1,-30-6,28 4,0 1,-21-1,36 4,-1 0,1 0,0-1,-1 1,1-1,0 0,-1 1,1-1,0-1,0 1,0 0,0-1,-5-3,6 3,0-1,0 1,1 0,-1-1,1 1,-1-1,1 0,0 1,0-1,0 0,0 0,1 1,-1-1,1 0,-1 0,1-4,-1-97,5 1,20-126,-8 96,-16 132,27-405,-26 214,-3-114,-9 209,6 57,-1-41,-5-32,1 15,-12-114,17 156,-13-65,9 72,2 0,-1-55,8 32,-1-74,30-248,-20 316,0-81,-6 73,0 61,1 0,1 1,1 0,2 0,0 0,1 1,2 0,0 1,1 1,2-1,18-22,-19 27,1 1,0 0,1 1,1 1,0 1,1 0,0 1,1 0,1 2,0 0,34-12,-50 21,1 0,-1 0,1 0,-1 0,0 1,1 0,-1-1,1 1,-1 1,1-1,-1 0,1 1,-1 0,1 0,-1 0,0 0,1 0,4 4,-3-2,-1 1,0 0,0 1,0-1,0 1,-1 0,0-1,0 2,0-1,-1 0,3 6,7 22,-1-1,-2 1,9 66,1 111,-18-194,18 866,-6-136,27-167,118 577,-136-1036,97 714,-116-814,1-26,4-41,23-243,-8 28,6-77,101-1107,51-1,-128 1107,41-290,-89 587,0 15,-1-1,-2 1,-1 0,-1-1,-5-30,5 55,0 1,-1-1,1 1,-1 0,0-1,0 1,0 0,-1 0,1 0,-1 0,0 0,1 0,-1 0,-1 0,1 1,0-1,-1 1,1 0,-1 0,0-1,1 2,-1-1,0 0,0 1,0-1,-1 1,1 0,0 0,-1 0,1 0,0 1,-1-1,1 1,-1 0,-5 0,-1 2,-1 0,1 0,0 0,0 2,0-1,0 1,1 1,0-1,0 2,-12 8,-28 27,2 1,2 3,1 2,-55 78,50-53,3 1,3 3,3 1,4 2,3 1,-43 164,51-129,4 0,6 1,5 1,7 194,6-278,1-1,2 0,1 0,1 0,2-1,1 0,1-1,2-1,1 0,1 0,24 30,-39-57,1 0,-1 0,0 0,1 0,-1-1,1 1,0 0,-1-1,1 1,0-1,0 0,0 1,0-1,0 0,0 0,1 0,-1-1,2 2,-2-3,0 1,-1 0,1 0,0 0,-1-1,1 1,-1-1,1 1,0-1,-1 0,0 0,1 0,-1 1,1-1,-1-1,0 1,0 0,0 0,2-2,4-7,0-1,0 0,-1 0,-1-1,6-17,15-47,-3-2,19-115,1-167,-36 277,-6-126,-3 183,0-1,-2 0,-1 1,-1 0,-1 0,-2 1,0 0,-24-44,30 64,-1-1,1 1,-1 0,0 0,-1 0,1 0,-1 1,0 0,0 0,0 0,-1 1,1 0,-1 0,0 0,0 0,-13-2,14 4,0 0,-1 1,1 0,-1 0,1 0,-1 1,1 0,0 0,-1 0,1 1,0 0,0 0,0 0,0 0,0 1,1 0,-1 0,1 0,0 0,-7 8,-4 5,0 0,1 1,1 1,0 1,-14 27,-41 109,65-146,-46 125,7 1,6 2,6 1,5 2,7 1,6 0,7 153,7-234,3 0,13 63,-10-86,2 1,2-2,1 0,23 45,-19-46,3 5,41 62,-54-92,1 0,0 0,0-1,1 0,0 0,1-1,0 0,0-1,1 0,18 9,-26-15,-1 0,0 0,1-1,0 1,-1-1,1 1,-1-1,1 0,-1 0,1 0,0 0,-1 0,1-1,-1 1,1-1,-1 1,1-1,-1 0,1 0,-1 0,0-1,0 1,1-1,-1 1,0-1,0 1,2-4,3-3,0-1,-1 1,-1-1,0 0,0 0,4-12,17-43,-4-2,26-124,2-148,-3-265,-45 442,-32-280,23 385,-30-108,32 148,-1 0,0 1,-1 0,-1 0,0 0,-1 1,0 0,-1 1,-1 0,-24-23,32 33,-1 0,0 0,0 0,0 0,-1 1,1 0,0-1,-1 2,0-1,1 1,-1-1,0 1,0 1,0-1,0 1,0-1,-6 2,6 0,-1 0,1 1,-1 0,1 0,0 0,0 0,0 1,0 0,1 0,-1 0,1 1,0-1,0 1,0 0,-4 5,-8 12,1 0,1 1,1 0,1 1,-16 41,-32 132,11 17,9 1,9 3,-4 314,35-426,18 155,-12-218,2-1,1 0,3-1,1 0,2-1,31 61,-38-88,0 0,0 0,1-1,1 0,0-1,0 0,1-1,0 0,0 0,1-1,0-1,1 0,0-1,0 0,24 7,-33-12,0 0,1-1,-1 0,0 1,0-1,0-1,1 1,-1-1,0 1,0-1,0 0,0-1,0 1,5-3,-2 0,-1 0,0 0,0-1,0 0,0 0,-1 0,8-9,1-6,-1 0,0-1,-2-1,11-26,8-29,-4-2,-3-1,20-132,-25 75,0-194,-20 192,-22-158,12 208,-5 1,-52-159,56 212,0 1,-2 1,-2 0,-1 1,-34-45,43 66,0 1,0 0,-2 1,1 0,-1 0,0 1,-20-11,22 15,-1 0,1 1,0 0,-1 0,0 1,0 0,1 1,-1 0,0 0,0 1,-17 2,17 0,0 1,-1 0,1 0,1 1,-1 1,1-1,0 2,0-1,0 1,0 0,1 1,0 0,1 0,0 1,0 0,0 0,-6 12,-6 10,1 1,1 1,-20 57,2 13,4 2,5 1,-23 194,34-112,12 255,9-337,5 0,5-1,4 0,4-2,66 174,-66-217,1-2,4 0,63 95,-87-145,0-1,0 0,0 0,12 9,-16-14,1 1,-1-1,1 0,0 0,-1 0,1 0,0 0,0-1,0 1,0-1,0 1,0-1,-1 1,1-1,0 0,0 0,0 0,0 0,0-1,0 1,0 0,0-1,0 1,0-1,0 0,2-1,5-4,0-2,-1 1,0-1,0-1,-1 1,0-1,0-1,-1 1,8-16,-11 20,40-74,-2-1,40-116,35-180,-41 69,-62 237,-3 0,2-101,-12 164,0 1,-1 0,0 0,0-1,0 1,-4-11,5 16,0 1,-1-1,1 0,-1 0,1 1,0-1,-1 0,1 1,-1-1,0 1,1-1,-1 1,1-1,-1 1,0-1,1 1,-1-1,0 1,0 0,1-1,-1 1,-2 0,2 0,-1 0,1 0,-1 1,1-1,-1 1,1-1,0 1,-1 0,1-1,0 1,-1 0,1 0,0 0,0 0,0 0,0 0,-2 2,-14 17,1 1,0 0,1 2,2-1,0 2,-18 47,10-11,-23 111,31-90,3 1,5 1,2-1,5 1,13 92,-12-149,2 1,0-1,2 0,1-1,1 1,1-2,2 1,0-1,1-1,2-1,0 0,1 0,1-2,21 20,-36-38,0 0,1 0,-1 0,0 0,1-1,-1 1,1-1,-1 1,1-1,0 0,-1 0,1 0,0-1,0 1,0-1,0 1,0-1,-1 0,1 0,0 0,0-1,0 1,0-1,0 1,3-2,0-2,0 1,0-1,0 0,0-1,-1 1,0-1,0 0,0-1,0 1,4-8,16-24,-2-2,-2 0,-2-1,-1-1,16-55,44-224,-60 224,11-186,-28 251,-1-1,-2 1,-1-1,-1 1,-2 0,-1 1,-2-1,0 1,-2 1,-16-30,20 48,-1 0,0 0,0 0,-1 1,-1 1,0 0,0 0,0 1,-1 0,0 0,-1 2,0-1,0 1,0 1,-1 0,0 1,0 1,0 0,-16-2,13 3,0 0,0 2,0 0,0 1,0 0,1 1,-1 1,1 1,-1 0,1 1,0 0,1 1,-1 1,1 1,-25 17,17-7,2 1,0 1,1 1,1 1,0 0,2 2,1 0,1 0,1 1,1 1,-12 41,9-20,3 1,2 1,2 0,3 0,0 87,5-85,3 0,2-1,2 0,2 0,2 0,3-1,22 54,-18-65,2-1,1-1,38 51,116 158,-170-237,1 0,0 0,15 14,-20-21,-1 0,1-1,0 1,-1 0,1-1,0 1,0 0,-1-1,1 1,0-1,0 1,0-1,0 0,0 1,0-1,0 0,0 0,0 1,0-1,0 0,0 0,0 0,0 0,0 0,0-1,0 1,0 0,0 0,0-1,0 1,-1 0,1-1,0 1,0-1,0 1,0-1,-1 0,1 1,0-1,0 0,-1 1,1-1,0 0,-1 0,1 0,-1 1,1-1,-1 0,0 0,1 0,-1 0,0-2,3-4,-1 0,-1-1,1 1,-1-1,0 1,-1-1,0 0,0 1,-1-1,0 1,0-1,-1 1,0-1,0 1,-1 0,-6-14,1 5,-1 1,-1 0,0 0,-1 1,-1 0,-15-14,9 12,0 0,-1 1,-1 1,0 1,-1 0,-44-18,51 26,0 0,0 1,-1 0,0 2,0-1,0 2,0 0,0 1,0 0,0 1,0 1,-20 5,30-6,0 1,0 0,0 0,0 1,0 0,1-1,-1 2,1-1,0 0,0 1,0 0,0 0,1 0,0 0,-1 1,2-1,-1 1,0 0,1 0,0 0,0 0,0 0,1 0,-1 9,-3 12,2 0,2 0,2 48,0-42,-2-8,2 1,1 0,1 0,1-1,2 0,0 0,18 45,-20-60,6 15,2 0,0-1,1 0,31 39,-40-57,1 1,1-1,-1 0,1-1,0 1,0-1,0-1,0 1,1-1,0 0,-1 0,1-1,0 0,0 0,0-1,1 1,-1-2,0 1,0-1,1 0,-1-1,12-1,-1-2,0-1,0-1,-1 0,0-2,0 1,-1-2,0 0,18-14,10-12,55-52,-37 27,-3-3,-3-2,-2-2,-4-3,-3-2,-2-2,-5-1,-2-3,-4-1,-3-1,27-116,-32 80,16-184,-37 232,-4 0,-2 1,-3-1,-16-80,16 127,-1 0,-2 0,0 1,0 0,-2 0,-1 0,0 2,-1-1,-25-30,28 40,-1 0,0 0,-1 1,0 0,0 0,-1 1,1 1,-2 0,1 0,0 1,-1 0,0 1,0 1,-1 0,1 0,-1 1,-22 0,26 2,-1 0,0 1,0 1,1-1,-1 2,0-1,1 1,0 0,0 1,0 0,-11 7,9-3,-1 1,1-1,1 2,0 0,0 0,1 0,-10 15,3 2,1 0,0 1,2 0,2 1,0 0,-9 45,4 3,3 0,3 0,4 1,3 1,4-1,19 146,-18-213,0 1,1-1,1 0,-1 0,2 0,0 0,6 10,-9-17,1 1,1-1,-1 0,1 0,-1 0,1 0,0-1,0 1,1-1,-1 0,1-1,0 1,-1-1,1 0,0 0,0 0,9 1,-11-3,1 1,-1-1,1 0,-1-1,1 1,0 0,-1-1,1 0,-1 0,0 0,1 0,-1-1,0 0,0 1,0-1,6-4,3-4,-1 0,18-21,2-6,-2-2,-1-1,-2-2,21-47,69-186,-84 185,-3-1,27-155,-50 201,-1-1,-2 1,-2 0,-2-1,-2 1,-2 0,-20-79,0 52,-3 1,-50-91,59 125,10 19,-6-14,-37-54,49 81,-1 1,1 0,-1-1,0 2,0-1,-1 0,1 1,-1 0,1 0,-1 0,0 0,-1 1,1 0,-8-2,10 3,-1 1,1-1,-1 1,1 0,0 0,-1 1,1-1,-1 1,1 0,0 0,-1 0,1 0,0 0,0 1,0-1,0 1,0 0,0 0,0 0,0 1,1-1,0 0,-1 1,-1 3,-11 14,0 2,2-1,0 2,2 0,1 0,0 1,2 0,1 1,-7 36,4 4,3 1,2 96,5-151,0 0,0 0,1-1,1 1,0 0,5 16,-6-24,0-1,1 1,-1-1,1 1,-1-1,1 0,0 0,0 0,0 0,0 0,0 0,0 0,1-1,-1 1,1-1,-1 0,1 0,-1 0,1 0,0 0,0 0,-1-1,1 1,0-1,0 0,0 0,-1 0,1 0,0 0,4-1,4-2,0 1,0-1,-1-1,1 0,-1 0,0-1,0-1,0 1,-1-2,0 1,11-11,14-15,41-48,-73 78,44-52,-2-2,-3-2,-3-2,-2-2,46-107,-64 126,-3 0,-2-2,-1 0,-3 0,-1-1,-3 0,-1 0,-3 0,-7-82,4 120,0 0,0 0,-1 0,0 1,0-1,-1 1,0-1,0 1,-10-12,-1 1,0 1,-23-19,33 32,0 0,0 0,-1 0,0 0,1 1,-1 0,0 0,-13-3,17 5,-1 1,0-1,0 1,0 0,-1-1,1 1,0 1,0-1,0 0,0 1,0 0,0-1,1 1,-1 0,0 0,0 1,0-1,1 1,-1-1,1 1,-4 3,-3 4,-1 2,2-1,-1 1,2 1,-13 23,-26 68,43-94,-15 41,2 1,2 0,3 0,2 2,-3 64,9-51,3 1,3-1,21 117,-19-157,1 0,1 0,2 0,0-1,2 0,1-1,0 0,2-1,1 0,24 28,-35-47,0 1,1-1,-1 0,1 0,0 0,0-1,1 1,-1-1,1-1,-1 1,1-1,0 0,0 0,0-1,0 0,0 0,1 0,-1-1,0 1,0-2,0 1,12-3,-8 1,-1-1,-1 0,1-1,0 0,-1-1,0 1,0-1,0-1,-1 0,1 0,-1 0,-1-1,1 0,6-10,-1-1,-1-1,-1 1,-1-2,-1 1,0-1,-2 0,7-33,-1-15,2-68,-6-122,-10 215,-2 1,-2-1,-2 1,-13-42,16 68,-1 1,0 0,-1 0,-1 0,-1 1,0 0,0 1,-2 0,1 0,-2 1,0 1,-19-16,28 26,1 0,0 0,-1 0,1 0,0 1,-1-1,1 1,-1-1,1 1,-1 0,1 0,-1 0,1 0,0 0,-1 1,1-1,-1 1,1 0,-1-1,1 1,0 0,0 1,0-1,-1 0,1 1,-2 1,-9 7,1 0,1 0,-12 14,20-20,-25 28,2 2,1 0,1 2,3 1,-30 68,13-10,-32 124,50-143,4 0,3 2,4 0,2 0,9 151,1-209,1 1,0-1,2 0,0-1,1 1,1-1,1-1,1 0,0 0,1-1,1 0,1-1,0 0,1-1,1 0,28 21,-39-33,1 0,-1 0,1-1,-1 1,1-1,0 0,0-1,0 1,0-1,0 0,0 0,0 0,0-1,0 0,1 0,-1 0,0 0,0-1,0 0,0 0,0-1,0 1,0-1,0 0,0 0,-1-1,1 1,-1-1,0 0,1 0,-2-1,1 1,6-7,3-6,0 0,-1-1,-1 0,0-1,-1 0,-1-1,8-23,8-34,-3 0,-4-2,-2 0,4-81,-10-1,-11-162,1 315,0 1,-1-1,0 1,-3-11,4 16,0 1,0-1,0 1,0 0,-1-1,1 1,0-1,0 1,-1 0,1-1,0 1,-1-1,1 1,0 0,-1-1,1 1,0 0,-1 0,1-1,-1 1,1 0,0 0,-1 0,1 0,-1-1,1 1,-1 0,0 0,0 1,0-1,-1 1,1-1,0 1,0-1,0 1,0 0,0 0,0 0,0 0,0 0,0 0,0 0,0 0,-1 1,-7 12,0 0,0 0,1 1,1-1,-7 22,-22 86,27-88,-124 560,111-443,6 1,5 154,12-206,10 241,-6-282,3 0,3-1,30 97,-36-141,1 4,0-1,1 0,12 20,-19-35,1-1,0 1,0-1,0 0,0 0,0 1,0-1,0 0,0 0,0 0,1 0,-1 0,0 0,1 0,-1-1,1 1,-1 0,1-1,-1 1,1-1,-1 0,1 1,-1-1,1 0,-1 0,1 0,0 0,-1 0,1-1,-1 1,1 0,0-1,-1 1,1-1,-1 1,0-1,1 0,1-1,1-1,0 0,0 0,0-1,0 0,-1 0,1 0,-1 0,0 0,0-1,2-6,19-46,-3 0,24-102,7-125,-27 98,-9-1,-9-236,-7 421,-4-34,3 36,1-1,0 0,0 1,0-1,-1 1,1-1,0 1,-1-1,1 1,0 0,-1-1,1 1,-1-1,1 1,-1 0,1-1,-1 1,1 0,-1 0,1-1,-1 1,1 0,-1 0,1 0,-1-1,1 1,-1 0,0 0,1 0,-1 0,1 0,-1 0,1 0,-1 1,0-1,1 0,-1 0,1 0,-1 0,1 1,-1-1,1 0,-1 1,1-1,-1 0,1 1,0-1,-1 1,1-1,-1 0,1 1,0-1,-1 2,-7 5,1 1,0 0,1 0,0 0,0 1,0 0,2 0,-1 1,-5 14,-25 100,25-80,-12 49,5 1,-9 160,32 193,3-342,5-1,39 149,-50-241,1 0,0-1,1 0,0 0,1 0,0 0,1-1,0 0,11 11,-15-17,1 0,1 0,-1 0,1-1,-1 1,1-1,0 0,0-1,0 1,1-1,-1 0,1 0,-1-1,1 1,-1-1,1 0,0-1,0 0,-1 0,1 0,8-1,-9-1,0 0,1 0,-1 0,0-1,0 0,-1 0,1 0,0-1,-1 1,0-1,0 0,0 0,6-9,2-4,0-1,12-25,-12 18,-2 0,-1-1,-1 0,-1-1,-1 0,3-44,-6 36,-2 0,-2 0,-1 0,-11-61,10 85,0 0,0 0,-1 1,0-1,-1 1,0 0,0 0,-1 0,-1 1,0 0,0 0,0 1,-13-11,14 14,-1 1,1-1,-1 2,1-1,-1 1,0 0,0 0,-1 1,1 0,-1 0,1 1,-1 0,1 0,-1 0,0 1,1 1,-1-1,0 1,1 0,-13 4,10-1,0 0,0 1,1 0,-1 1,1 0,0 0,0 1,1 0,0 0,1 1,-1 0,1 0,1 1,0 0,0 0,-8 17,0 4,1 1,2 0,1 0,-8 41,10-24,1 1,3 0,2 0,1 0,10 69,-7-100,1 0,1 0,1 0,0 0,1-1,1 0,18 32,-21-43,0 1,1-1,0-1,0 1,0-1,0 0,1 0,0 0,0-1,0 0,1 0,-1-1,1 0,0 0,0 0,0-1,0 0,0 0,1-1,-1 0,1 0,8-1,-4 0,0-1,0 0,-1-1,1 0,-1-1,0-1,1 1,-2-2,12-5,-18 8,0 0,0 0,0-1,0 0,-1 0,0 0,1 0,-1 0,0-1,0 1,-1-1,1 0,-1 1,1-2,-1 1,-1 0,1 0,-1 0,1-1,-1 1,0-1,-1 1,1-1,-1 1,0-7,-2-1,0 0,-1 0,-1 1,1-1,-2 1,0 0,0 1,-1-1,0 1,-1 0,0 0,0 1,-1 0,-1 0,1 1,-1 0,-1 1,-11-8,2 2,0 1,-1 1,-1 1,0 1,0 1,-1 0,0 2,-38-6,18 7,1 2,-70 3,91 2,0 0,0 1,0 1,0 1,1 1,0 1,-28 13,42-18,1 1,0-1,0 1,0 0,0 0,1 0,-1 1,1-1,0 1,0 0,0 0,0 0,1 0,-1 0,1 1,-3 8,4-6,0 0,0-1,0 1,1 0,0 0,1 0,-1 0,1-1,1 1,-1 0,4 9,1-2,0 1,1-1,1-1,0 1,0-1,2-1,-1 0,2 0,-1-1,20 16,11 5,81 48,-90-61,0-2,1-1,42 13,-56-23,-1-1,1 0,0-2,0 0,1-1,-1-1,34-3,-52 3,1-1,-1 0,0 0,1 0,-1 0,0-1,0 1,1 0,-1-1,0 1,0 0,0-1,1 1,-1-1,0 0,0 1,0-1,0 0,0 0,0 0,0 1,0-1,-1 0,1 0,0 0,0-1,-1 1,1 0,-1 0,1 0,-1 0,1-1,-1 1,0 0,0 0,1-1,-1 1,0 0,0 0,0-1,-1 1,1 0,0 0,0-1,-1 1,1-1,-3-4,1 0,-1 0,0 1,0 0,0 0,-1-1,0 2,-5-7,-9-5,0 0,-2 2,1 0,-1 1,-24-11,-113-45,138 62,0 1,0 0,-1 2,1 0,-1 1,0 1,0 1,0 0,-20 3,38-2,1 0,-1 0,1 1,-1-1,1 0,-1 0,1 1,-1-1,1 1,-1-1,1 1,0 0,-1-1,1 1,0 0,0 0,0 0,-1 0,1 0,0 0,0 0,0 0,1 1,-1-1,0 0,0 1,1-1,-1 0,1 1,-1-1,1 1,-1 1,1 0,1 0,-1-1,0 1,1 0,0 0,0-1,0 1,0-1,0 1,0-1,1 0,-1 1,1-1,0 0,0 0,3 3,5 4,1-1,-1 0,2 0,-1-2,1 1,0-1,1-1,-1 0,1-1,0 0,17 2,-5-2,1-1,0-2,0 0,49-5,-40-1</inkml:trace>
+</inkml:ink>
 </file>
 
 <file path=ppt/slideLayouts/slideLayout1.xml><?xml version="1.0" encoding="utf-8"?>
@@ -28472,6 +29146,5394 @@
 <file path=ppt/slides/slide12.xml><?xml version="1.0" encoding="utf-8"?>
 <p:sld xmlns:a="http://schemas.openxmlformats.org/drawingml/2006/main" xmlns:r="http://schemas.openxmlformats.org/officeDocument/2006/relationships" xmlns:p="http://schemas.openxmlformats.org/presentationml/2006/main">
   <p:cSld>
+    <p:spTree>
+      <p:nvGrpSpPr>
+        <p:cNvPr id="1" name=""/>
+        <p:cNvGrpSpPr/>
+        <p:nvPr/>
+      </p:nvGrpSpPr>
+      <p:grpSpPr>
+        <a:xfrm>
+          <a:off x="0" y="0"/>
+          <a:ext cx="0" cy="0"/>
+          <a:chOff x="0" y="0"/>
+          <a:chExt cx="0" cy="0"/>
+        </a:xfrm>
+      </p:grpSpPr>
+      <p:sp>
+        <p:nvSpPr>
+          <p:cNvPr id="2" name="Title 1">
+            <a:extLst>
+              <a:ext uri="{FF2B5EF4-FFF2-40B4-BE49-F238E27FC236}">
+                <a16:creationId xmlns:a16="http://schemas.microsoft.com/office/drawing/2014/main" id="{2359983F-CA15-A69B-EF21-3B7AB791996A}"/>
+              </a:ext>
+            </a:extLst>
+          </p:cNvPr>
+          <p:cNvSpPr>
+            <a:spLocks noGrp="1"/>
+          </p:cNvSpPr>
+          <p:nvPr>
+            <p:ph type="title"/>
+          </p:nvPr>
+        </p:nvSpPr>
+        <p:spPr/>
+        <p:txBody>
+          <a:bodyPr/>
+          <a:lstStyle/>
+          <a:p>
+            <a:r>
+              <a:rPr lang="en-US" dirty="0"/>
+              <a:t>Encoding &amp; Scaling</a:t>
+            </a:r>
+            <a:br>
+              <a:rPr lang="en-US" dirty="0"/>
+            </a:br>
+            <a:endParaRPr lang="en-GB" dirty="0"/>
+          </a:p>
+        </p:txBody>
+      </p:sp>
+      <p:sp>
+        <p:nvSpPr>
+          <p:cNvPr id="3" name="Content Placeholder 2">
+            <a:extLst>
+              <a:ext uri="{FF2B5EF4-FFF2-40B4-BE49-F238E27FC236}">
+                <a16:creationId xmlns:a16="http://schemas.microsoft.com/office/drawing/2014/main" id="{CA1CF3DF-5727-FF65-258B-3BEAF4D26E3E}"/>
+              </a:ext>
+            </a:extLst>
+          </p:cNvPr>
+          <p:cNvSpPr>
+            <a:spLocks noGrp="1"/>
+          </p:cNvSpPr>
+          <p:nvPr>
+            <p:ph idx="1"/>
+          </p:nvPr>
+        </p:nvSpPr>
+        <p:spPr>
+          <a:xfrm>
+            <a:off x="990337" y="1915532"/>
+            <a:ext cx="9905999" cy="3541714"/>
+          </a:xfrm>
+        </p:spPr>
+        <p:txBody>
+          <a:bodyPr/>
+          <a:lstStyle/>
+          <a:p>
+            <a:pPr marL="0" indent="0">
+              <a:buNone/>
+            </a:pPr>
+            <a:endParaRPr lang="en-US" dirty="0"/>
+          </a:p>
+          <a:p>
+            <a:r>
+              <a:rPr lang="en-US" dirty="0"/>
+              <a:t>Classification report </a:t>
+            </a:r>
+            <a:endParaRPr lang="en-GB" dirty="0"/>
+          </a:p>
+        </p:txBody>
+      </p:sp>
+      <p:pic>
+        <p:nvPicPr>
+          <p:cNvPr id="5" name="Picture 4">
+            <a:extLst>
+              <a:ext uri="{FF2B5EF4-FFF2-40B4-BE49-F238E27FC236}">
+                <a16:creationId xmlns:a16="http://schemas.microsoft.com/office/drawing/2014/main" id="{2AEEA6F5-3F58-ABF6-62BA-1106C4366084}"/>
+              </a:ext>
+            </a:extLst>
+          </p:cNvPr>
+          <p:cNvPicPr>
+            <a:picLocks noChangeAspect="1"/>
+          </p:cNvPicPr>
+          <p:nvPr/>
+        </p:nvPicPr>
+        <p:blipFill>
+          <a:blip r:embed="rId2"/>
+          <a:stretch>
+            <a:fillRect/>
+          </a:stretch>
+        </p:blipFill>
+        <p:spPr>
+          <a:xfrm>
+            <a:off x="2053870" y="3134549"/>
+            <a:ext cx="4999153" cy="2004234"/>
+          </a:xfrm>
+          <a:prstGeom prst="rect">
+            <a:avLst/>
+          </a:prstGeom>
+        </p:spPr>
+      </p:pic>
+      <mc:AlternateContent xmlns:mc="http://schemas.openxmlformats.org/markup-compatibility/2006">
+        <mc:Choice xmlns:p14="http://schemas.microsoft.com/office/powerpoint/2010/main" Requires="p14">
+          <p:contentPart p14:bwMode="auto" r:id="rId3">
+            <p14:nvContentPartPr>
+              <p14:cNvPr id="6" name="Ink 5">
+                <a:extLst>
+                  <a:ext uri="{FF2B5EF4-FFF2-40B4-BE49-F238E27FC236}">
+                    <a16:creationId xmlns:a16="http://schemas.microsoft.com/office/drawing/2014/main" id="{058F9025-A3CA-67BD-B325-ADD8BBF06116}"/>
+                  </a:ext>
+                </a:extLst>
+              </p14:cNvPr>
+              <p14:cNvContentPartPr/>
+              <p14:nvPr/>
+            </p14:nvContentPartPr>
+            <p14:xfrm>
+              <a:off x="3332833" y="3147464"/>
+              <a:ext cx="992160" cy="1846800"/>
+            </p14:xfrm>
+          </p:contentPart>
+        </mc:Choice>
+        <mc:Fallback>
+          <p:pic>
+            <p:nvPicPr>
+              <p:cNvPr id="6" name="Ink 5">
+                <a:extLst>
+                  <a:ext uri="{FF2B5EF4-FFF2-40B4-BE49-F238E27FC236}">
+                    <a16:creationId xmlns:a16="http://schemas.microsoft.com/office/drawing/2014/main" id="{058F9025-A3CA-67BD-B325-ADD8BBF06116}"/>
+                  </a:ext>
+                </a:extLst>
+              </p:cNvPr>
+              <p:cNvPicPr/>
+              <p:nvPr/>
+            </p:nvPicPr>
+            <p:blipFill>
+              <a:blip r:embed="rId4"/>
+              <a:stretch>
+                <a:fillRect/>
+              </a:stretch>
+            </p:blipFill>
+            <p:spPr>
+              <a:xfrm>
+                <a:off x="3279193" y="3039824"/>
+                <a:ext cx="1099800" cy="2062440"/>
+              </a:xfrm>
+              <a:prstGeom prst="rect">
+                <a:avLst/>
+              </a:prstGeom>
+            </p:spPr>
+          </p:pic>
+        </mc:Fallback>
+      </mc:AlternateContent>
+      <mc:AlternateContent xmlns:mc="http://schemas.openxmlformats.org/markup-compatibility/2006">
+        <mc:Choice xmlns:p14="http://schemas.microsoft.com/office/powerpoint/2010/main" Requires="p14">
+          <p:contentPart p14:bwMode="auto" r:id="rId5">
+            <p14:nvContentPartPr>
+              <p14:cNvPr id="9" name="Ink 8">
+                <a:extLst>
+                  <a:ext uri="{FF2B5EF4-FFF2-40B4-BE49-F238E27FC236}">
+                    <a16:creationId xmlns:a16="http://schemas.microsoft.com/office/drawing/2014/main" id="{270F0626-1948-356F-C280-82A3F4FFB8D6}"/>
+                  </a:ext>
+                </a:extLst>
+              </p14:cNvPr>
+              <p14:cNvContentPartPr/>
+              <p14:nvPr/>
+            </p14:nvContentPartPr>
+            <p14:xfrm>
+              <a:off x="4285033" y="3101024"/>
+              <a:ext cx="1037520" cy="1998360"/>
+            </p14:xfrm>
+          </p:contentPart>
+        </mc:Choice>
+        <mc:Fallback>
+          <p:pic>
+            <p:nvPicPr>
+              <p:cNvPr id="9" name="Ink 8">
+                <a:extLst>
+                  <a:ext uri="{FF2B5EF4-FFF2-40B4-BE49-F238E27FC236}">
+                    <a16:creationId xmlns:a16="http://schemas.microsoft.com/office/drawing/2014/main" id="{270F0626-1948-356F-C280-82A3F4FFB8D6}"/>
+                  </a:ext>
+                </a:extLst>
+              </p:cNvPr>
+              <p:cNvPicPr/>
+              <p:nvPr/>
+            </p:nvPicPr>
+            <p:blipFill>
+              <a:blip r:embed="rId6"/>
+              <a:stretch>
+                <a:fillRect/>
+              </a:stretch>
+            </p:blipFill>
+            <p:spPr>
+              <a:xfrm>
+                <a:off x="4231033" y="2993024"/>
+                <a:ext cx="1145160" cy="2214000"/>
+              </a:xfrm>
+              <a:prstGeom prst="rect">
+                <a:avLst/>
+              </a:prstGeom>
+            </p:spPr>
+          </p:pic>
+        </mc:Fallback>
+      </mc:AlternateContent>
+      <mc:AlternateContent xmlns:mc="http://schemas.openxmlformats.org/markup-compatibility/2006">
+        <mc:Choice xmlns:p14="http://schemas.microsoft.com/office/powerpoint/2010/main" Requires="p14">
+          <p:contentPart p14:bwMode="auto" r:id="rId7">
+            <p14:nvContentPartPr>
+              <p14:cNvPr id="10" name="Ink 9">
+                <a:extLst>
+                  <a:ext uri="{FF2B5EF4-FFF2-40B4-BE49-F238E27FC236}">
+                    <a16:creationId xmlns:a16="http://schemas.microsoft.com/office/drawing/2014/main" id="{17FEB62A-843D-20FF-9507-BDB8F6C41C83}"/>
+                  </a:ext>
+                </a:extLst>
+              </p14:cNvPr>
+              <p14:cNvContentPartPr/>
+              <p14:nvPr/>
+            </p14:nvContentPartPr>
+            <p14:xfrm>
+              <a:off x="2432833" y="4293704"/>
+              <a:ext cx="4332960" cy="120960"/>
+            </p14:xfrm>
+          </p:contentPart>
+        </mc:Choice>
+        <mc:Fallback>
+          <p:pic>
+            <p:nvPicPr>
+              <p:cNvPr id="10" name="Ink 9">
+                <a:extLst>
+                  <a:ext uri="{FF2B5EF4-FFF2-40B4-BE49-F238E27FC236}">
+                    <a16:creationId xmlns:a16="http://schemas.microsoft.com/office/drawing/2014/main" id="{17FEB62A-843D-20FF-9507-BDB8F6C41C83}"/>
+                  </a:ext>
+                </a:extLst>
+              </p:cNvPr>
+              <p:cNvPicPr/>
+              <p:nvPr/>
+            </p:nvPicPr>
+            <p:blipFill>
+              <a:blip r:embed="rId8"/>
+              <a:stretch>
+                <a:fillRect/>
+              </a:stretch>
+            </p:blipFill>
+            <p:spPr>
+              <a:xfrm>
+                <a:off x="2379193" y="4185704"/>
+                <a:ext cx="4440600" cy="336600"/>
+              </a:xfrm>
+              <a:prstGeom prst="rect">
+                <a:avLst/>
+              </a:prstGeom>
+            </p:spPr>
+          </p:pic>
+        </mc:Fallback>
+      </mc:AlternateContent>
+      <mc:AlternateContent xmlns:mc="http://schemas.openxmlformats.org/markup-compatibility/2006">
+        <mc:Choice xmlns:p14="http://schemas.microsoft.com/office/powerpoint/2010/main" Requires="p14">
+          <p:contentPart p14:bwMode="auto" r:id="rId9">
+            <p14:nvContentPartPr>
+              <p14:cNvPr id="11" name="Ink 10">
+                <a:extLst>
+                  <a:ext uri="{FF2B5EF4-FFF2-40B4-BE49-F238E27FC236}">
+                    <a16:creationId xmlns:a16="http://schemas.microsoft.com/office/drawing/2014/main" id="{A69F7EAF-1D52-F42E-B0F8-36A2F08BE03A}"/>
+                  </a:ext>
+                </a:extLst>
+              </p14:cNvPr>
+              <p14:cNvContentPartPr/>
+              <p14:nvPr/>
+            </p14:nvContentPartPr>
+            <p14:xfrm>
+              <a:off x="2373433" y="4316024"/>
+              <a:ext cx="4317840" cy="105840"/>
+            </p14:xfrm>
+          </p:contentPart>
+        </mc:Choice>
+        <mc:Fallback>
+          <p:pic>
+            <p:nvPicPr>
+              <p:cNvPr id="11" name="Ink 10">
+                <a:extLst>
+                  <a:ext uri="{FF2B5EF4-FFF2-40B4-BE49-F238E27FC236}">
+                    <a16:creationId xmlns:a16="http://schemas.microsoft.com/office/drawing/2014/main" id="{A69F7EAF-1D52-F42E-B0F8-36A2F08BE03A}"/>
+                  </a:ext>
+                </a:extLst>
+              </p:cNvPr>
+              <p:cNvPicPr/>
+              <p:nvPr/>
+            </p:nvPicPr>
+            <p:blipFill>
+              <a:blip r:embed="rId10"/>
+              <a:stretch>
+                <a:fillRect/>
+              </a:stretch>
+            </p:blipFill>
+            <p:spPr>
+              <a:xfrm>
+                <a:off x="2319793" y="4208384"/>
+                <a:ext cx="4425480" cy="321480"/>
+              </a:xfrm>
+              <a:prstGeom prst="rect">
+                <a:avLst/>
+              </a:prstGeom>
+            </p:spPr>
+          </p:pic>
+        </mc:Fallback>
+      </mc:AlternateContent>
+    </p:spTree>
+    <p:extLst>
+      <p:ext uri="{BB962C8B-B14F-4D97-AF65-F5344CB8AC3E}">
+        <p14:creationId xmlns:p14="http://schemas.microsoft.com/office/powerpoint/2010/main" val="915588294"/>
+      </p:ext>
+    </p:extLst>
+  </p:cSld>
+  <p:clrMapOvr>
+    <a:masterClrMapping/>
+  </p:clrMapOvr>
+</p:sld>
+</file>
+
+<file path=ppt/slides/slide13.xml><?xml version="1.0" encoding="utf-8"?>
+<p:sld xmlns:a="http://schemas.openxmlformats.org/drawingml/2006/main" xmlns:r="http://schemas.openxmlformats.org/officeDocument/2006/relationships" xmlns:p="http://schemas.openxmlformats.org/presentationml/2006/main">
+  <p:cSld>
+    <p:spTree>
+      <p:nvGrpSpPr>
+        <p:cNvPr id="1" name=""/>
+        <p:cNvGrpSpPr/>
+        <p:nvPr/>
+      </p:nvGrpSpPr>
+      <p:grpSpPr>
+        <a:xfrm>
+          <a:off x="0" y="0"/>
+          <a:ext cx="0" cy="0"/>
+          <a:chOff x="0" y="0"/>
+          <a:chExt cx="0" cy="0"/>
+        </a:xfrm>
+      </p:grpSpPr>
+      <p:sp>
+        <p:nvSpPr>
+          <p:cNvPr id="2" name="Title 1">
+            <a:extLst>
+              <a:ext uri="{FF2B5EF4-FFF2-40B4-BE49-F238E27FC236}">
+                <a16:creationId xmlns:a16="http://schemas.microsoft.com/office/drawing/2014/main" id="{589086DA-5238-2E1C-0346-515A231B1430}"/>
+              </a:ext>
+            </a:extLst>
+          </p:cNvPr>
+          <p:cNvSpPr>
+            <a:spLocks noGrp="1"/>
+          </p:cNvSpPr>
+          <p:nvPr>
+            <p:ph type="title"/>
+          </p:nvPr>
+        </p:nvSpPr>
+        <p:spPr/>
+        <p:txBody>
+          <a:bodyPr/>
+          <a:lstStyle/>
+          <a:p>
+            <a:r>
+              <a:rPr lang="en-US" dirty="0"/>
+              <a:t>Random Over Sampling</a:t>
+            </a:r>
+            <a:br>
+              <a:rPr lang="en-US" dirty="0"/>
+            </a:br>
+            <a:endParaRPr lang="en-GB" dirty="0"/>
+          </a:p>
+        </p:txBody>
+      </p:sp>
+      <p:sp>
+        <p:nvSpPr>
+          <p:cNvPr id="3" name="Content Placeholder 2">
+            <a:extLst>
+              <a:ext uri="{FF2B5EF4-FFF2-40B4-BE49-F238E27FC236}">
+                <a16:creationId xmlns:a16="http://schemas.microsoft.com/office/drawing/2014/main" id="{870A92BA-424B-8A3C-BA0A-79242DC0C366}"/>
+              </a:ext>
+            </a:extLst>
+          </p:cNvPr>
+          <p:cNvSpPr>
+            <a:spLocks noGrp="1"/>
+          </p:cNvSpPr>
+          <p:nvPr>
+            <p:ph idx="1"/>
+          </p:nvPr>
+        </p:nvSpPr>
+        <p:spPr/>
+        <p:txBody>
+          <a:bodyPr/>
+          <a:lstStyle/>
+          <a:p>
+            <a:r>
+              <a:rPr lang="en-US" dirty="0"/>
+              <a:t>Classification report</a:t>
+            </a:r>
+            <a:endParaRPr lang="en-GB" dirty="0"/>
+          </a:p>
+        </p:txBody>
+      </p:sp>
+      <p:pic>
+        <p:nvPicPr>
+          <p:cNvPr id="7" name="Picture 6">
+            <a:extLst>
+              <a:ext uri="{FF2B5EF4-FFF2-40B4-BE49-F238E27FC236}">
+                <a16:creationId xmlns:a16="http://schemas.microsoft.com/office/drawing/2014/main" id="{09FF5E95-087A-BB57-7B0E-BC17EA8DC8FA}"/>
+              </a:ext>
+            </a:extLst>
+          </p:cNvPr>
+          <p:cNvPicPr>
+            <a:picLocks noChangeAspect="1"/>
+          </p:cNvPicPr>
+          <p:nvPr/>
+        </p:nvPicPr>
+        <p:blipFill>
+          <a:blip r:embed="rId2"/>
+          <a:stretch>
+            <a:fillRect/>
+          </a:stretch>
+        </p:blipFill>
+        <p:spPr>
+          <a:xfrm>
+            <a:off x="3262252" y="3180969"/>
+            <a:ext cx="5314002" cy="2049070"/>
+          </a:xfrm>
+          <a:prstGeom prst="rect">
+            <a:avLst/>
+          </a:prstGeom>
+        </p:spPr>
+      </p:pic>
+      <mc:AlternateContent xmlns:mc="http://schemas.openxmlformats.org/markup-compatibility/2006">
+        <mc:Choice xmlns:p14="http://schemas.microsoft.com/office/powerpoint/2010/main" Requires="p14">
+          <p:contentPart p14:bwMode="auto" r:id="rId3">
+            <p14:nvContentPartPr>
+              <p14:cNvPr id="8" name="Ink 7">
+                <a:extLst>
+                  <a:ext uri="{FF2B5EF4-FFF2-40B4-BE49-F238E27FC236}">
+                    <a16:creationId xmlns:a16="http://schemas.microsoft.com/office/drawing/2014/main" id="{D88A360B-3F08-EDB0-40B5-C8019AD7AA61}"/>
+                  </a:ext>
+                </a:extLst>
+              </p14:cNvPr>
+              <p14:cNvContentPartPr/>
+              <p14:nvPr/>
+            </p14:nvContentPartPr>
+            <p14:xfrm>
+              <a:off x="4667228" y="3286604"/>
+              <a:ext cx="1045800" cy="1837800"/>
+            </p14:xfrm>
+          </p:contentPart>
+        </mc:Choice>
+        <mc:Fallback>
+          <p:pic>
+            <p:nvPicPr>
+              <p:cNvPr id="8" name="Ink 7">
+                <a:extLst>
+                  <a:ext uri="{FF2B5EF4-FFF2-40B4-BE49-F238E27FC236}">
+                    <a16:creationId xmlns:a16="http://schemas.microsoft.com/office/drawing/2014/main" id="{D88A360B-3F08-EDB0-40B5-C8019AD7AA61}"/>
+                  </a:ext>
+                </a:extLst>
+              </p:cNvPr>
+              <p:cNvPicPr/>
+              <p:nvPr/>
+            </p:nvPicPr>
+            <p:blipFill>
+              <a:blip r:embed="rId4"/>
+              <a:stretch>
+                <a:fillRect/>
+              </a:stretch>
+            </p:blipFill>
+            <p:spPr>
+              <a:xfrm>
+                <a:off x="4613588" y="3178964"/>
+                <a:ext cx="1153440" cy="2053440"/>
+              </a:xfrm>
+              <a:prstGeom prst="rect">
+                <a:avLst/>
+              </a:prstGeom>
+            </p:spPr>
+          </p:pic>
+        </mc:Fallback>
+      </mc:AlternateContent>
+      <mc:AlternateContent xmlns:mc="http://schemas.openxmlformats.org/markup-compatibility/2006">
+        <mc:Choice xmlns:p14="http://schemas.microsoft.com/office/powerpoint/2010/main" Requires="p14">
+          <p:contentPart p14:bwMode="auto" r:id="rId5">
+            <p14:nvContentPartPr>
+              <p14:cNvPr id="9" name="Ink 8">
+                <a:extLst>
+                  <a:ext uri="{FF2B5EF4-FFF2-40B4-BE49-F238E27FC236}">
+                    <a16:creationId xmlns:a16="http://schemas.microsoft.com/office/drawing/2014/main" id="{D778FD16-C6FD-49BE-5D8D-A893DB94C155}"/>
+                  </a:ext>
+                </a:extLst>
+              </p14:cNvPr>
+              <p14:cNvContentPartPr/>
+              <p14:nvPr/>
+            </p14:nvContentPartPr>
+            <p14:xfrm>
+              <a:off x="5777283" y="3334484"/>
+              <a:ext cx="765000" cy="1742040"/>
+            </p14:xfrm>
+          </p:contentPart>
+        </mc:Choice>
+        <mc:Fallback>
+          <p:pic>
+            <p:nvPicPr>
+              <p:cNvPr id="9" name="Ink 8">
+                <a:extLst>
+                  <a:ext uri="{FF2B5EF4-FFF2-40B4-BE49-F238E27FC236}">
+                    <a16:creationId xmlns:a16="http://schemas.microsoft.com/office/drawing/2014/main" id="{D778FD16-C6FD-49BE-5D8D-A893DB94C155}"/>
+                  </a:ext>
+                </a:extLst>
+              </p:cNvPr>
+              <p:cNvPicPr/>
+              <p:nvPr/>
+            </p:nvPicPr>
+            <p:blipFill>
+              <a:blip r:embed="rId6"/>
+              <a:stretch>
+                <a:fillRect/>
+              </a:stretch>
+            </p:blipFill>
+            <p:spPr>
+              <a:xfrm>
+                <a:off x="5723283" y="3226844"/>
+                <a:ext cx="872640" cy="1957680"/>
+              </a:xfrm>
+              <a:prstGeom prst="rect">
+                <a:avLst/>
+              </a:prstGeom>
+            </p:spPr>
+          </p:pic>
+        </mc:Fallback>
+      </mc:AlternateContent>
+      <mc:AlternateContent xmlns:mc="http://schemas.openxmlformats.org/markup-compatibility/2006">
+        <mc:Choice xmlns:p14="http://schemas.microsoft.com/office/powerpoint/2010/main" Requires="p14">
+          <p:contentPart p14:bwMode="auto" r:id="rId7">
+            <p14:nvContentPartPr>
+              <p14:cNvPr id="10" name="Ink 9">
+                <a:extLst>
+                  <a:ext uri="{FF2B5EF4-FFF2-40B4-BE49-F238E27FC236}">
+                    <a16:creationId xmlns:a16="http://schemas.microsoft.com/office/drawing/2014/main" id="{8041F3D0-B69F-FE30-452B-1BAF3499A9D8}"/>
+                  </a:ext>
+                </a:extLst>
+              </p14:cNvPr>
+              <p14:cNvContentPartPr/>
+              <p14:nvPr/>
+            </p14:nvContentPartPr>
+            <p14:xfrm>
+              <a:off x="3728833" y="4205504"/>
+              <a:ext cx="4380840" cy="136800"/>
+            </p14:xfrm>
+          </p:contentPart>
+        </mc:Choice>
+        <mc:Fallback>
+          <p:pic>
+            <p:nvPicPr>
+              <p:cNvPr id="10" name="Ink 9">
+                <a:extLst>
+                  <a:ext uri="{FF2B5EF4-FFF2-40B4-BE49-F238E27FC236}">
+                    <a16:creationId xmlns:a16="http://schemas.microsoft.com/office/drawing/2014/main" id="{8041F3D0-B69F-FE30-452B-1BAF3499A9D8}"/>
+                  </a:ext>
+                </a:extLst>
+              </p:cNvPr>
+              <p:cNvPicPr/>
+              <p:nvPr/>
+            </p:nvPicPr>
+            <p:blipFill>
+              <a:blip r:embed="rId8"/>
+              <a:stretch>
+                <a:fillRect/>
+              </a:stretch>
+            </p:blipFill>
+            <p:spPr>
+              <a:xfrm>
+                <a:off x="3675193" y="4097864"/>
+                <a:ext cx="4488480" cy="352440"/>
+              </a:xfrm>
+              <a:prstGeom prst="rect">
+                <a:avLst/>
+              </a:prstGeom>
+            </p:spPr>
+          </p:pic>
+        </mc:Fallback>
+      </mc:AlternateContent>
+    </p:spTree>
+    <p:extLst>
+      <p:ext uri="{BB962C8B-B14F-4D97-AF65-F5344CB8AC3E}">
+        <p14:creationId xmlns:p14="http://schemas.microsoft.com/office/powerpoint/2010/main" val="1556710669"/>
+      </p:ext>
+    </p:extLst>
+  </p:cSld>
+  <p:clrMapOvr>
+    <a:masterClrMapping/>
+  </p:clrMapOvr>
+</p:sld>
+</file>
+
+<file path=ppt/slides/slide14.xml><?xml version="1.0" encoding="utf-8"?>
+<p:sld xmlns:a="http://schemas.openxmlformats.org/drawingml/2006/main" xmlns:r="http://schemas.openxmlformats.org/officeDocument/2006/relationships" xmlns:p="http://schemas.openxmlformats.org/presentationml/2006/main">
+  <p:cSld>
+    <p:spTree>
+      <p:nvGrpSpPr>
+        <p:cNvPr id="1" name=""/>
+        <p:cNvGrpSpPr/>
+        <p:nvPr/>
+      </p:nvGrpSpPr>
+      <p:grpSpPr>
+        <a:xfrm>
+          <a:off x="0" y="0"/>
+          <a:ext cx="0" cy="0"/>
+          <a:chOff x="0" y="0"/>
+          <a:chExt cx="0" cy="0"/>
+        </a:xfrm>
+      </p:grpSpPr>
+      <p:sp>
+        <p:nvSpPr>
+          <p:cNvPr id="2" name="Title 1">
+            <a:extLst>
+              <a:ext uri="{FF2B5EF4-FFF2-40B4-BE49-F238E27FC236}">
+                <a16:creationId xmlns:a16="http://schemas.microsoft.com/office/drawing/2014/main" id="{96B6CA45-6367-6D0D-7FA2-F0BE046452A4}"/>
+              </a:ext>
+            </a:extLst>
+          </p:cNvPr>
+          <p:cNvSpPr>
+            <a:spLocks noGrp="1"/>
+          </p:cNvSpPr>
+          <p:nvPr>
+            <p:ph type="title"/>
+          </p:nvPr>
+        </p:nvSpPr>
+        <p:spPr/>
+        <p:txBody>
+          <a:bodyPr/>
+          <a:lstStyle/>
+          <a:p>
+            <a:r>
+              <a:rPr lang="en-US"/>
+              <a:t>Regularisation and weight Balancing</a:t>
+            </a:r>
+            <a:br>
+              <a:rPr lang="en-US"/>
+            </a:br>
+            <a:endParaRPr lang="en-GB" dirty="0"/>
+          </a:p>
+        </p:txBody>
+      </p:sp>
+      <p:sp>
+        <p:nvSpPr>
+          <p:cNvPr id="3" name="Content Placeholder 2">
+            <a:extLst>
+              <a:ext uri="{FF2B5EF4-FFF2-40B4-BE49-F238E27FC236}">
+                <a16:creationId xmlns:a16="http://schemas.microsoft.com/office/drawing/2014/main" id="{1D2D7C9A-174A-C29B-813D-CC902BDC6F47}"/>
+              </a:ext>
+            </a:extLst>
+          </p:cNvPr>
+          <p:cNvSpPr>
+            <a:spLocks noGrp="1"/>
+          </p:cNvSpPr>
+          <p:nvPr>
+            <p:ph idx="1"/>
+          </p:nvPr>
+        </p:nvSpPr>
+        <p:spPr/>
+        <p:txBody>
+          <a:bodyPr/>
+          <a:lstStyle/>
+          <a:p>
+            <a:r>
+              <a:rPr lang="en-US" dirty="0"/>
+              <a:t>Classification report</a:t>
+            </a:r>
+          </a:p>
+          <a:p>
+            <a:endParaRPr lang="en-GB" dirty="0"/>
+          </a:p>
+        </p:txBody>
+      </p:sp>
+      <p:pic>
+        <p:nvPicPr>
+          <p:cNvPr id="5" name="Picture 4">
+            <a:extLst>
+              <a:ext uri="{FF2B5EF4-FFF2-40B4-BE49-F238E27FC236}">
+                <a16:creationId xmlns:a16="http://schemas.microsoft.com/office/drawing/2014/main" id="{7051C5EB-8975-D6F2-B284-E8DB41C4241B}"/>
+              </a:ext>
+            </a:extLst>
+          </p:cNvPr>
+          <p:cNvPicPr>
+            <a:picLocks noChangeAspect="1"/>
+          </p:cNvPicPr>
+          <p:nvPr/>
+        </p:nvPicPr>
+        <p:blipFill>
+          <a:blip r:embed="rId2"/>
+          <a:stretch>
+            <a:fillRect/>
+          </a:stretch>
+        </p:blipFill>
+        <p:spPr>
+          <a:xfrm>
+            <a:off x="2894275" y="3114348"/>
+            <a:ext cx="5477516" cy="2101708"/>
+          </a:xfrm>
+          <a:prstGeom prst="rect">
+            <a:avLst/>
+          </a:prstGeom>
+        </p:spPr>
+      </p:pic>
+      <mc:AlternateContent xmlns:mc="http://schemas.openxmlformats.org/markup-compatibility/2006">
+        <mc:Choice xmlns:p14="http://schemas.microsoft.com/office/powerpoint/2010/main" Requires="p14">
+          <p:contentPart p14:bwMode="auto" r:id="rId3">
+            <p14:nvContentPartPr>
+              <p14:cNvPr id="6" name="Ink 5">
+                <a:extLst>
+                  <a:ext uri="{FF2B5EF4-FFF2-40B4-BE49-F238E27FC236}">
+                    <a16:creationId xmlns:a16="http://schemas.microsoft.com/office/drawing/2014/main" id="{9E0921E0-BFC9-3FDF-9FED-5717A58E915F}"/>
+                  </a:ext>
+                </a:extLst>
+              </p14:cNvPr>
+              <p14:cNvContentPartPr/>
+              <p14:nvPr/>
+            </p14:nvContentPartPr>
+            <p14:xfrm>
+              <a:off x="4317433" y="3013544"/>
+              <a:ext cx="1312200" cy="2463120"/>
+            </p14:xfrm>
+          </p:contentPart>
+        </mc:Choice>
+        <mc:Fallback>
+          <p:pic>
+            <p:nvPicPr>
+              <p:cNvPr id="6" name="Ink 5">
+                <a:extLst>
+                  <a:ext uri="{FF2B5EF4-FFF2-40B4-BE49-F238E27FC236}">
+                    <a16:creationId xmlns:a16="http://schemas.microsoft.com/office/drawing/2014/main" id="{9E0921E0-BFC9-3FDF-9FED-5717A58E915F}"/>
+                  </a:ext>
+                </a:extLst>
+              </p:cNvPr>
+              <p:cNvPicPr/>
+              <p:nvPr/>
+            </p:nvPicPr>
+            <p:blipFill>
+              <a:blip r:embed="rId4"/>
+              <a:stretch>
+                <a:fillRect/>
+              </a:stretch>
+            </p:blipFill>
+            <p:spPr>
+              <a:xfrm>
+                <a:off x="4263793" y="2905544"/>
+                <a:ext cx="1419840" cy="2678760"/>
+              </a:xfrm>
+              <a:prstGeom prst="rect">
+                <a:avLst/>
+              </a:prstGeom>
+            </p:spPr>
+          </p:pic>
+        </mc:Fallback>
+      </mc:AlternateContent>
+      <mc:AlternateContent xmlns:mc="http://schemas.openxmlformats.org/markup-compatibility/2006">
+        <mc:Choice xmlns:p14="http://schemas.microsoft.com/office/powerpoint/2010/main" Requires="p14">
+          <p:contentPart p14:bwMode="auto" r:id="rId5">
+            <p14:nvContentPartPr>
+              <p14:cNvPr id="7" name="Ink 6">
+                <a:extLst>
+                  <a:ext uri="{FF2B5EF4-FFF2-40B4-BE49-F238E27FC236}">
+                    <a16:creationId xmlns:a16="http://schemas.microsoft.com/office/drawing/2014/main" id="{EE5991D3-B09A-40DB-F074-0524E798C4A3}"/>
+                  </a:ext>
+                </a:extLst>
+              </p14:cNvPr>
+              <p14:cNvContentPartPr/>
+              <p14:nvPr/>
+            </p14:nvContentPartPr>
+            <p14:xfrm>
+              <a:off x="5289793" y="3132704"/>
+              <a:ext cx="993240" cy="2274840"/>
+            </p14:xfrm>
+          </p:contentPart>
+        </mc:Choice>
+        <mc:Fallback>
+          <p:pic>
+            <p:nvPicPr>
+              <p:cNvPr id="7" name="Ink 6">
+                <a:extLst>
+                  <a:ext uri="{FF2B5EF4-FFF2-40B4-BE49-F238E27FC236}">
+                    <a16:creationId xmlns:a16="http://schemas.microsoft.com/office/drawing/2014/main" id="{EE5991D3-B09A-40DB-F074-0524E798C4A3}"/>
+                  </a:ext>
+                </a:extLst>
+              </p:cNvPr>
+              <p:cNvPicPr/>
+              <p:nvPr/>
+            </p:nvPicPr>
+            <p:blipFill>
+              <a:blip r:embed="rId6"/>
+              <a:stretch>
+                <a:fillRect/>
+              </a:stretch>
+            </p:blipFill>
+            <p:spPr>
+              <a:xfrm>
+                <a:off x="5235793" y="3025064"/>
+                <a:ext cx="1100880" cy="2490480"/>
+              </a:xfrm>
+              <a:prstGeom prst="rect">
+                <a:avLst/>
+              </a:prstGeom>
+            </p:spPr>
+          </p:pic>
+        </mc:Fallback>
+      </mc:AlternateContent>
+      <mc:AlternateContent xmlns:mc="http://schemas.openxmlformats.org/markup-compatibility/2006">
+        <mc:Choice xmlns:p14="http://schemas.microsoft.com/office/powerpoint/2010/main" Requires="p14">
+          <p:contentPart p14:bwMode="auto" r:id="rId7">
+            <p14:nvContentPartPr>
+              <p14:cNvPr id="8" name="Ink 7">
+                <a:extLst>
+                  <a:ext uri="{FF2B5EF4-FFF2-40B4-BE49-F238E27FC236}">
+                    <a16:creationId xmlns:a16="http://schemas.microsoft.com/office/drawing/2014/main" id="{8DF2679D-4101-9D94-E232-611B07E4F4F6}"/>
+                  </a:ext>
+                </a:extLst>
+              </p14:cNvPr>
+              <p14:cNvContentPartPr/>
+              <p14:nvPr/>
+            </p14:nvContentPartPr>
+            <p14:xfrm>
+              <a:off x="3228073" y="4512944"/>
+              <a:ext cx="4767120" cy="99720"/>
+            </p14:xfrm>
+          </p:contentPart>
+        </mc:Choice>
+        <mc:Fallback>
+          <p:pic>
+            <p:nvPicPr>
+              <p:cNvPr id="8" name="Ink 7">
+                <a:extLst>
+                  <a:ext uri="{FF2B5EF4-FFF2-40B4-BE49-F238E27FC236}">
+                    <a16:creationId xmlns:a16="http://schemas.microsoft.com/office/drawing/2014/main" id="{8DF2679D-4101-9D94-E232-611B07E4F4F6}"/>
+                  </a:ext>
+                </a:extLst>
+              </p:cNvPr>
+              <p:cNvPicPr/>
+              <p:nvPr/>
+            </p:nvPicPr>
+            <p:blipFill>
+              <a:blip r:embed="rId8"/>
+              <a:stretch>
+                <a:fillRect/>
+              </a:stretch>
+            </p:blipFill>
+            <p:spPr>
+              <a:xfrm>
+                <a:off x="3174433" y="4404944"/>
+                <a:ext cx="4874760" cy="315360"/>
+              </a:xfrm>
+              <a:prstGeom prst="rect">
+                <a:avLst/>
+              </a:prstGeom>
+            </p:spPr>
+          </p:pic>
+        </mc:Fallback>
+      </mc:AlternateContent>
+    </p:spTree>
+    <p:extLst>
+      <p:ext uri="{BB962C8B-B14F-4D97-AF65-F5344CB8AC3E}">
+        <p14:creationId xmlns:p14="http://schemas.microsoft.com/office/powerpoint/2010/main" val="21361387"/>
+      </p:ext>
+    </p:extLst>
+  </p:cSld>
+  <p:clrMapOvr>
+    <a:masterClrMapping/>
+  </p:clrMapOvr>
+</p:sld>
+</file>
+
+<file path=ppt/slides/slide15.xml><?xml version="1.0" encoding="utf-8"?>
+<p:sld xmlns:a="http://schemas.openxmlformats.org/drawingml/2006/main" xmlns:r="http://schemas.openxmlformats.org/officeDocument/2006/relationships" xmlns:p="http://schemas.openxmlformats.org/presentationml/2006/main">
+  <p:cSld>
+    <p:bg>
+      <p:bgPr>
+        <a:solidFill>
+          <a:schemeClr val="bg1"/>
+        </a:solidFill>
+        <a:effectLst/>
+      </p:bgPr>
+    </p:bg>
+    <p:spTree>
+      <p:nvGrpSpPr>
+        <p:cNvPr id="1" name=""/>
+        <p:cNvGrpSpPr/>
+        <p:nvPr/>
+      </p:nvGrpSpPr>
+      <p:grpSpPr>
+        <a:xfrm>
+          <a:off x="0" y="0"/>
+          <a:ext cx="0" cy="0"/>
+          <a:chOff x="0" y="0"/>
+          <a:chExt cx="0" cy="0"/>
+        </a:xfrm>
+      </p:grpSpPr>
+      <p:sp>
+        <p:nvSpPr>
+          <p:cNvPr id="10" name="Rectangle 9">
+            <a:extLst>
+              <a:ext uri="{FF2B5EF4-FFF2-40B4-BE49-F238E27FC236}">
+                <a16:creationId xmlns:a16="http://schemas.microsoft.com/office/drawing/2014/main" id="{9775AF3B-5284-4B97-9BB7-55C6FB3699C2}"/>
+              </a:ext>
+              <a:ext uri="{C183D7F6-B498-43B3-948B-1728B52AA6E4}">
+                <adec:decorative xmlns:adec="http://schemas.microsoft.com/office/drawing/2017/decorative" val="1"/>
+              </a:ext>
+            </a:extLst>
+          </p:cNvPr>
+          <p:cNvSpPr>
+            <a:spLocks noGrp="1" noRot="1" noChangeAspect="1" noMove="1" noResize="1" noEditPoints="1" noAdjustHandles="1" noChangeArrowheads="1" noChangeShapeType="1" noTextEdit="1"/>
+          </p:cNvSpPr>
+          <p:nvPr>
+            <p:extLst>
+              <p:ext uri="{386F3935-93C4-4BCD-93E2-E3B085C9AB24}">
+                <p16:designElem xmlns:p16="http://schemas.microsoft.com/office/powerpoint/2015/main" val="1"/>
+              </p:ext>
+            </p:extLst>
+          </p:nvPr>
+        </p:nvSpPr>
+        <p:spPr>
+          <a:xfrm>
+            <a:off x="0" y="0"/>
+            <a:ext cx="12192000" cy="6858000"/>
+          </a:xfrm>
+          <a:prstGeom prst="rect">
+            <a:avLst/>
+          </a:prstGeom>
+          <a:ln>
+            <a:noFill/>
+          </a:ln>
+        </p:spPr>
+        <p:style>
+          <a:lnRef idx="2">
+            <a:schemeClr val="accent1">
+              <a:shade val="50000"/>
+            </a:schemeClr>
+          </a:lnRef>
+          <a:fillRef idx="1003">
+            <a:schemeClr val="dk2"/>
+          </a:fillRef>
+          <a:effectRef idx="0">
+            <a:schemeClr val="accent1"/>
+          </a:effectRef>
+          <a:fontRef idx="minor">
+            <a:schemeClr val="lt1"/>
+          </a:fontRef>
+        </p:style>
+        <p:txBody>
+          <a:bodyPr rtlCol="0" anchor="ctr"/>
+          <a:lstStyle/>
+          <a:p>
+            <a:pPr algn="ctr"/>
+            <a:endParaRPr lang="en-US"/>
+          </a:p>
+        </p:txBody>
+      </p:sp>
+      <p:grpSp>
+        <p:nvGrpSpPr>
+          <p:cNvPr id="12" name="Group 11">
+            <a:extLst>
+              <a:ext uri="{FF2B5EF4-FFF2-40B4-BE49-F238E27FC236}">
+                <a16:creationId xmlns:a16="http://schemas.microsoft.com/office/drawing/2014/main" id="{A0F1F7ED-DA39-478F-85DA-317DE08941E8}"/>
+              </a:ext>
+              <a:ext uri="{C183D7F6-B498-43B3-948B-1728B52AA6E4}">
+                <adec:decorative xmlns:adec="http://schemas.microsoft.com/office/drawing/2017/decorative" val="1"/>
+              </a:ext>
+            </a:extLst>
+          </p:cNvPr>
+          <p:cNvGrpSpPr>
+            <a:grpSpLocks noGrp="1" noUngrp="1" noRot="1" noChangeAspect="1" noMove="1" noResize="1"/>
+          </p:cNvGrpSpPr>
+          <p:nvPr>
+            <p:extLst>
+              <p:ext uri="{386F3935-93C4-4BCD-93E2-E3B085C9AB24}">
+                <p16:designElem xmlns:p16="http://schemas.microsoft.com/office/powerpoint/2015/main" val="1"/>
+              </p:ext>
+            </p:extLst>
+          </p:nvPr>
+        </p:nvGrpSpPr>
+        <p:grpSpPr>
+          <a:xfrm>
+            <a:off x="0" y="0"/>
+            <a:ext cx="11902285" cy="6858001"/>
+            <a:chOff x="0" y="0"/>
+            <a:chExt cx="11902285" cy="6858001"/>
+          </a:xfrm>
+        </p:grpSpPr>
+        <p:grpSp>
+          <p:nvGrpSpPr>
+            <p:cNvPr id="13" name="Group 12">
+              <a:extLst>
+                <a:ext uri="{FF2B5EF4-FFF2-40B4-BE49-F238E27FC236}">
+                  <a16:creationId xmlns:a16="http://schemas.microsoft.com/office/drawing/2014/main" id="{1DAE5903-52E8-4F25-8473-93EF4837763C}"/>
+                </a:ext>
+                <a:ext uri="{C183D7F6-B498-43B3-948B-1728B52AA6E4}">
+                  <adec:decorative xmlns:adec="http://schemas.microsoft.com/office/drawing/2017/decorative" val="1"/>
+                </a:ext>
+              </a:extLst>
+            </p:cNvPr>
+            <p:cNvGrpSpPr/>
+            <p:nvPr>
+              <p:extLst>
+                <p:ext uri="{386F3935-93C4-4BCD-93E2-E3B085C9AB24}">
+                  <p16:designElem xmlns:p16="http://schemas.microsoft.com/office/powerpoint/2015/main" val="1"/>
+                </p:ext>
+              </p:extLst>
+            </p:nvPr>
+          </p:nvGrpSpPr>
+          <p:grpSpPr>
+            <a:xfrm>
+              <a:off x="0" y="0"/>
+              <a:ext cx="1220788" cy="6858001"/>
+              <a:chOff x="-14288" y="0"/>
+              <a:chExt cx="1220788" cy="6858001"/>
+            </a:xfrm>
+            <a:gradFill flip="none" rotWithShape="1">
+              <a:gsLst>
+                <a:gs pos="0">
+                  <a:schemeClr val="bg2"/>
+                </a:gs>
+                <a:gs pos="100000">
+                  <a:schemeClr val="tx2">
+                    <a:lumMod val="60000"/>
+                    <a:lumOff val="40000"/>
+                  </a:schemeClr>
+                </a:gs>
+              </a:gsLst>
+              <a:lin ang="5400000" scaled="0"/>
+              <a:tileRect/>
+            </a:gradFill>
+          </p:grpSpPr>
+          <p:sp>
+            <p:nvSpPr>
+              <p:cNvPr id="25" name="Rectangle 5">
+                <a:extLst>
+                  <a:ext uri="{FF2B5EF4-FFF2-40B4-BE49-F238E27FC236}">
+                    <a16:creationId xmlns:a16="http://schemas.microsoft.com/office/drawing/2014/main" id="{894835C1-32DE-4571-AD10-28D58CB8CFD1}"/>
+                  </a:ext>
+                  <a:ext uri="{C183D7F6-B498-43B3-948B-1728B52AA6E4}">
+                    <adec:decorative xmlns:adec="http://schemas.microsoft.com/office/drawing/2017/decorative" val="1"/>
+                  </a:ext>
+                </a:extLst>
+              </p:cNvPr>
+              <p:cNvSpPr>
+                <a:spLocks noChangeArrowheads="1"/>
+              </p:cNvSpPr>
+              <p:nvPr>
+                <p:extLst>
+                  <p:ext uri="{386F3935-93C4-4BCD-93E2-E3B085C9AB24}">
+                    <p16:designElem xmlns:p16="http://schemas.microsoft.com/office/powerpoint/2015/main" val="1"/>
+                  </p:ext>
+                </p:extLst>
+              </p:nvPr>
+            </p:nvSpPr>
+            <p:spPr bwMode="auto">
+              <a:xfrm>
+                <a:off x="114300" y="4763"/>
+                <a:ext cx="23813" cy="2181225"/>
+              </a:xfrm>
+              <a:prstGeom prst="rect">
+                <a:avLst/>
+              </a:prstGeom>
+              <a:grpFill/>
+              <a:ln>
+                <a:noFill/>
+              </a:ln>
+              <a:extLst>
+                <a:ext uri="{91240B29-F687-4f45-9708-019B960494DF}">
+                  <a14:hiddenLine xmlns="" xmlns:a16="http://schemas.microsoft.com/office/drawing/2014/main" xmlns:p14="http://schemas.microsoft.com/office/powerpoint/2010/main" xmlns:a14="http://schemas.microsoft.com/office/drawing/2010/main" w="9525">
+                    <a:solidFill>
+                      <a:srgbClr val="000000"/>
+                    </a:solidFill>
+                    <a:miter lim="800000"/>
+                    <a:headEnd/>
+                    <a:tailEnd/>
+                  </a14:hiddenLine>
+                </a:ext>
+              </a:extLst>
+            </p:spPr>
+            <p:txBody>
+              <a:bodyPr/>
+              <a:lstStyle/>
+              <a:p>
+                <a:endParaRPr lang="en-GB"/>
+              </a:p>
+            </p:txBody>
+          </p:sp>
+          <p:sp>
+            <p:nvSpPr>
+              <p:cNvPr id="26" name="Freeform 6">
+                <a:extLst>
+                  <a:ext uri="{FF2B5EF4-FFF2-40B4-BE49-F238E27FC236}">
+                    <a16:creationId xmlns:a16="http://schemas.microsoft.com/office/drawing/2014/main" id="{097A5B92-0B48-4251-9764-D34DF889207C}"/>
+                  </a:ext>
+                  <a:ext uri="{C183D7F6-B498-43B3-948B-1728B52AA6E4}">
+                    <adec:decorative xmlns:adec="http://schemas.microsoft.com/office/drawing/2017/decorative" val="1"/>
+                  </a:ext>
+                </a:extLst>
+              </p:cNvPr>
+              <p:cNvSpPr>
+                <a:spLocks noEditPoints="1"/>
+              </p:cNvSpPr>
+              <p:nvPr>
+                <p:extLst>
+                  <p:ext uri="{386F3935-93C4-4BCD-93E2-E3B085C9AB24}">
+                    <p16:designElem xmlns:p16="http://schemas.microsoft.com/office/powerpoint/2015/main" val="1"/>
+                  </p:ext>
+                </p:extLst>
+              </p:nvPr>
+            </p:nvSpPr>
+            <p:spPr bwMode="auto">
+              <a:xfrm>
+                <a:off x="33337" y="2176463"/>
+                <a:ext cx="190500" cy="190500"/>
+              </a:xfrm>
+              <a:custGeom>
+                <a:avLst/>
+                <a:gdLst/>
+                <a:ahLst/>
+                <a:cxnLst/>
+                <a:rect l="0" t="0" r="r" b="b"/>
+                <a:pathLst>
+                  <a:path w="40" h="40">
+                    <a:moveTo>
+                      <a:pt x="20" y="40"/>
+                    </a:moveTo>
+                    <a:cubicBezTo>
+                      <a:pt x="9" y="40"/>
+                      <a:pt x="0" y="31"/>
+                      <a:pt x="0" y="20"/>
+                    </a:cubicBezTo>
+                    <a:cubicBezTo>
+                      <a:pt x="0" y="9"/>
+                      <a:pt x="9" y="0"/>
+                      <a:pt x="20" y="0"/>
+                    </a:cubicBezTo>
+                    <a:cubicBezTo>
+                      <a:pt x="31" y="0"/>
+                      <a:pt x="40" y="9"/>
+                      <a:pt x="40" y="20"/>
+                    </a:cubicBezTo>
+                    <a:cubicBezTo>
+                      <a:pt x="40" y="31"/>
+                      <a:pt x="31" y="40"/>
+                      <a:pt x="20" y="40"/>
+                    </a:cubicBezTo>
+                    <a:close/>
+                    <a:moveTo>
+                      <a:pt x="20" y="4"/>
+                    </a:moveTo>
+                    <a:cubicBezTo>
+                      <a:pt x="11" y="4"/>
+                      <a:pt x="4" y="11"/>
+                      <a:pt x="4" y="20"/>
+                    </a:cubicBezTo>
+                    <a:cubicBezTo>
+                      <a:pt x="4" y="29"/>
+                      <a:pt x="11" y="36"/>
+                      <a:pt x="20" y="36"/>
+                    </a:cubicBezTo>
+                    <a:cubicBezTo>
+                      <a:pt x="28" y="36"/>
+                      <a:pt x="36" y="29"/>
+                      <a:pt x="36" y="20"/>
+                    </a:cubicBezTo>
+                    <a:cubicBezTo>
+                      <a:pt x="36" y="11"/>
+                      <a:pt x="28" y="4"/>
+                      <a:pt x="20" y="4"/>
+                    </a:cubicBezTo>
+                    <a:close/>
+                  </a:path>
+                </a:pathLst>
+              </a:custGeom>
+              <a:grpFill/>
+              <a:ln>
+                <a:noFill/>
+              </a:ln>
+              <a:extLst>
+                <a:ext uri="{91240B29-F687-4f45-9708-019B960494DF}">
+                  <a14:hiddenLine xmlns="" xmlns:a16="http://schemas.microsoft.com/office/drawing/2014/main" xmlns:p14="http://schemas.microsoft.com/office/powerpoint/2010/main" xmlns:a14="http://schemas.microsoft.com/office/drawing/2010/main" w="9525">
+                    <a:solidFill>
+                      <a:srgbClr val="000000"/>
+                    </a:solidFill>
+                    <a:round/>
+                    <a:headEnd/>
+                    <a:tailEnd/>
+                  </a14:hiddenLine>
+                </a:ext>
+              </a:extLst>
+            </p:spPr>
+            <p:txBody>
+              <a:bodyPr/>
+              <a:lstStyle/>
+              <a:p>
+                <a:endParaRPr lang="en-GB"/>
+              </a:p>
+            </p:txBody>
+          </p:sp>
+          <p:sp>
+            <p:nvSpPr>
+              <p:cNvPr id="27" name="Freeform 7">
+                <a:extLst>
+                  <a:ext uri="{FF2B5EF4-FFF2-40B4-BE49-F238E27FC236}">
+                    <a16:creationId xmlns:a16="http://schemas.microsoft.com/office/drawing/2014/main" id="{E222BF19-57E7-43F3-A2B9-2398BEF966D4}"/>
+                  </a:ext>
+                  <a:ext uri="{C183D7F6-B498-43B3-948B-1728B52AA6E4}">
+                    <adec:decorative xmlns:adec="http://schemas.microsoft.com/office/drawing/2017/decorative" val="1"/>
+                  </a:ext>
+                </a:extLst>
+              </p:cNvPr>
+              <p:cNvSpPr>
+                <a:spLocks noEditPoints="1"/>
+              </p:cNvSpPr>
+              <p:nvPr>
+                <p:extLst>
+                  <p:ext uri="{386F3935-93C4-4BCD-93E2-E3B085C9AB24}">
+                    <p16:designElem xmlns:p16="http://schemas.microsoft.com/office/powerpoint/2015/main" val="1"/>
+                  </p:ext>
+                </p:extLst>
+              </p:nvPr>
+            </p:nvSpPr>
+            <p:spPr bwMode="auto">
+              <a:xfrm>
+                <a:off x="28575" y="4021138"/>
+                <a:ext cx="190500" cy="188913"/>
+              </a:xfrm>
+              <a:custGeom>
+                <a:avLst/>
+                <a:gdLst/>
+                <a:ahLst/>
+                <a:cxnLst/>
+                <a:rect l="0" t="0" r="r" b="b"/>
+                <a:pathLst>
+                  <a:path w="40" h="40">
+                    <a:moveTo>
+                      <a:pt x="20" y="40"/>
+                    </a:moveTo>
+                    <a:cubicBezTo>
+                      <a:pt x="9" y="40"/>
+                      <a:pt x="0" y="31"/>
+                      <a:pt x="0" y="20"/>
+                    </a:cubicBezTo>
+                    <a:cubicBezTo>
+                      <a:pt x="0" y="9"/>
+                      <a:pt x="9" y="0"/>
+                      <a:pt x="20" y="0"/>
+                    </a:cubicBezTo>
+                    <a:cubicBezTo>
+                      <a:pt x="31" y="0"/>
+                      <a:pt x="40" y="9"/>
+                      <a:pt x="40" y="20"/>
+                    </a:cubicBezTo>
+                    <a:cubicBezTo>
+                      <a:pt x="40" y="31"/>
+                      <a:pt x="31" y="40"/>
+                      <a:pt x="20" y="40"/>
+                    </a:cubicBezTo>
+                    <a:close/>
+                    <a:moveTo>
+                      <a:pt x="20" y="4"/>
+                    </a:moveTo>
+                    <a:cubicBezTo>
+                      <a:pt x="12" y="4"/>
+                      <a:pt x="4" y="11"/>
+                      <a:pt x="4" y="20"/>
+                    </a:cubicBezTo>
+                    <a:cubicBezTo>
+                      <a:pt x="4" y="29"/>
+                      <a:pt x="12" y="36"/>
+                      <a:pt x="20" y="36"/>
+                    </a:cubicBezTo>
+                    <a:cubicBezTo>
+                      <a:pt x="29" y="36"/>
+                      <a:pt x="36" y="29"/>
+                      <a:pt x="36" y="20"/>
+                    </a:cubicBezTo>
+                    <a:cubicBezTo>
+                      <a:pt x="36" y="11"/>
+                      <a:pt x="29" y="4"/>
+                      <a:pt x="20" y="4"/>
+                    </a:cubicBezTo>
+                    <a:close/>
+                  </a:path>
+                </a:pathLst>
+              </a:custGeom>
+              <a:grpFill/>
+              <a:ln>
+                <a:noFill/>
+              </a:ln>
+              <a:extLst>
+                <a:ext uri="{91240B29-F687-4f45-9708-019B960494DF}">
+                  <a14:hiddenLine xmlns="" xmlns:a16="http://schemas.microsoft.com/office/drawing/2014/main" xmlns:p14="http://schemas.microsoft.com/office/powerpoint/2010/main" xmlns:a14="http://schemas.microsoft.com/office/drawing/2010/main" w="9525">
+                    <a:solidFill>
+                      <a:srgbClr val="000000"/>
+                    </a:solidFill>
+                    <a:round/>
+                    <a:headEnd/>
+                    <a:tailEnd/>
+                  </a14:hiddenLine>
+                </a:ext>
+              </a:extLst>
+            </p:spPr>
+            <p:txBody>
+              <a:bodyPr/>
+              <a:lstStyle/>
+              <a:p>
+                <a:endParaRPr lang="en-GB"/>
+              </a:p>
+            </p:txBody>
+          </p:sp>
+          <p:sp>
+            <p:nvSpPr>
+              <p:cNvPr id="28" name="Freeform 8">
+                <a:extLst>
+                  <a:ext uri="{FF2B5EF4-FFF2-40B4-BE49-F238E27FC236}">
+                    <a16:creationId xmlns:a16="http://schemas.microsoft.com/office/drawing/2014/main" id="{60C8836E-B7D9-48A9-8FD9-4CC52AF44D24}"/>
+                  </a:ext>
+                  <a:ext uri="{C183D7F6-B498-43B3-948B-1728B52AA6E4}">
+                    <adec:decorative xmlns:adec="http://schemas.microsoft.com/office/drawing/2017/decorative" val="1"/>
+                  </a:ext>
+                </a:extLst>
+              </p:cNvPr>
+              <p:cNvSpPr/>
+              <p:nvPr>
+                <p:extLst>
+                  <p:ext uri="{386F3935-93C4-4BCD-93E2-E3B085C9AB24}">
+                    <p16:designElem xmlns:p16="http://schemas.microsoft.com/office/powerpoint/2015/main" val="1"/>
+                  </p:ext>
+                </p:extLst>
+              </p:nvPr>
+            </p:nvSpPr>
+            <p:spPr bwMode="auto">
+              <a:xfrm>
+                <a:off x="200025" y="4763"/>
+                <a:ext cx="369888" cy="1811338"/>
+              </a:xfrm>
+              <a:custGeom>
+                <a:avLst/>
+                <a:gdLst/>
+                <a:ahLst/>
+                <a:cxnLst/>
+                <a:rect l="0" t="0" r="r" b="b"/>
+                <a:pathLst>
+                  <a:path w="233" h="1141">
+                    <a:moveTo>
+                      <a:pt x="218" y="1141"/>
+                    </a:moveTo>
+                    <a:lnTo>
+                      <a:pt x="0" y="626"/>
+                    </a:lnTo>
+                    <a:lnTo>
+                      <a:pt x="0" y="0"/>
+                    </a:lnTo>
+                    <a:lnTo>
+                      <a:pt x="15" y="0"/>
+                    </a:lnTo>
+                    <a:lnTo>
+                      <a:pt x="15" y="623"/>
+                    </a:lnTo>
+                    <a:lnTo>
+                      <a:pt x="233" y="1135"/>
+                    </a:lnTo>
+                    <a:lnTo>
+                      <a:pt x="218" y="1141"/>
+                    </a:lnTo>
+                    <a:close/>
+                  </a:path>
+                </a:pathLst>
+              </a:custGeom>
+              <a:grpFill/>
+              <a:ln>
+                <a:noFill/>
+              </a:ln>
+              <a:extLst>
+                <a:ext uri="{91240B29-F687-4f45-9708-019B960494DF}">
+                  <a14:hiddenLine xmlns="" xmlns:a16="http://schemas.microsoft.com/office/drawing/2014/main" xmlns:p14="http://schemas.microsoft.com/office/powerpoint/2010/main" xmlns:a14="http://schemas.microsoft.com/office/drawing/2010/main" w="9525">
+                    <a:solidFill>
+                      <a:srgbClr val="000000"/>
+                    </a:solidFill>
+                    <a:round/>
+                    <a:headEnd/>
+                    <a:tailEnd/>
+                  </a14:hiddenLine>
+                </a:ext>
+              </a:extLst>
+            </p:spPr>
+            <p:txBody>
+              <a:bodyPr/>
+              <a:lstStyle/>
+              <a:p>
+                <a:endParaRPr lang="en-GB"/>
+              </a:p>
+            </p:txBody>
+          </p:sp>
+          <p:sp>
+            <p:nvSpPr>
+              <p:cNvPr id="29" name="Freeform 9">
+                <a:extLst>
+                  <a:ext uri="{FF2B5EF4-FFF2-40B4-BE49-F238E27FC236}">
+                    <a16:creationId xmlns:a16="http://schemas.microsoft.com/office/drawing/2014/main" id="{8504740E-456D-4FB9-9520-4317CCFA71B1}"/>
+                  </a:ext>
+                  <a:ext uri="{C183D7F6-B498-43B3-948B-1728B52AA6E4}">
+                    <adec:decorative xmlns:adec="http://schemas.microsoft.com/office/drawing/2017/decorative" val="1"/>
+                  </a:ext>
+                </a:extLst>
+              </p:cNvPr>
+              <p:cNvSpPr>
+                <a:spLocks noEditPoints="1"/>
+              </p:cNvSpPr>
+              <p:nvPr>
+                <p:extLst>
+                  <p:ext uri="{386F3935-93C4-4BCD-93E2-E3B085C9AB24}">
+                    <p16:designElem xmlns:p16="http://schemas.microsoft.com/office/powerpoint/2015/main" val="1"/>
+                  </p:ext>
+                </p:extLst>
+              </p:nvPr>
+            </p:nvSpPr>
+            <p:spPr bwMode="auto">
+              <a:xfrm>
+                <a:off x="503237" y="1801813"/>
+                <a:ext cx="190500" cy="188913"/>
+              </a:xfrm>
+              <a:custGeom>
+                <a:avLst/>
+                <a:gdLst/>
+                <a:ahLst/>
+                <a:cxnLst/>
+                <a:rect l="0" t="0" r="r" b="b"/>
+                <a:pathLst>
+                  <a:path w="40" h="40">
+                    <a:moveTo>
+                      <a:pt x="20" y="40"/>
+                    </a:moveTo>
+                    <a:cubicBezTo>
+                      <a:pt x="9" y="40"/>
+                      <a:pt x="0" y="31"/>
+                      <a:pt x="0" y="20"/>
+                    </a:cubicBezTo>
+                    <a:cubicBezTo>
+                      <a:pt x="0" y="9"/>
+                      <a:pt x="9" y="0"/>
+                      <a:pt x="20" y="0"/>
+                    </a:cubicBezTo>
+                    <a:cubicBezTo>
+                      <a:pt x="33" y="0"/>
+                      <a:pt x="40" y="6"/>
+                      <a:pt x="40" y="20"/>
+                    </a:cubicBezTo>
+                    <a:cubicBezTo>
+                      <a:pt x="40" y="31"/>
+                      <a:pt x="31" y="40"/>
+                      <a:pt x="20" y="40"/>
+                    </a:cubicBezTo>
+                    <a:close/>
+                    <a:moveTo>
+                      <a:pt x="20" y="4"/>
+                    </a:moveTo>
+                    <a:cubicBezTo>
+                      <a:pt x="11" y="4"/>
+                      <a:pt x="4" y="11"/>
+                      <a:pt x="4" y="20"/>
+                    </a:cubicBezTo>
+                    <a:cubicBezTo>
+                      <a:pt x="4" y="29"/>
+                      <a:pt x="11" y="36"/>
+                      <a:pt x="20" y="36"/>
+                    </a:cubicBezTo>
+                    <a:cubicBezTo>
+                      <a:pt x="28" y="36"/>
+                      <a:pt x="36" y="29"/>
+                      <a:pt x="36" y="20"/>
+                    </a:cubicBezTo>
+                    <a:cubicBezTo>
+                      <a:pt x="36" y="9"/>
+                      <a:pt x="31" y="4"/>
+                      <a:pt x="20" y="4"/>
+                    </a:cubicBezTo>
+                    <a:close/>
+                  </a:path>
+                </a:pathLst>
+              </a:custGeom>
+              <a:grpFill/>
+              <a:ln>
+                <a:noFill/>
+              </a:ln>
+              <a:extLst>
+                <a:ext uri="{91240B29-F687-4f45-9708-019B960494DF}">
+                  <a14:hiddenLine xmlns="" xmlns:a16="http://schemas.microsoft.com/office/drawing/2014/main" xmlns:p14="http://schemas.microsoft.com/office/powerpoint/2010/main" xmlns:a14="http://schemas.microsoft.com/office/drawing/2010/main" w="9525">
+                    <a:solidFill>
+                      <a:srgbClr val="000000"/>
+                    </a:solidFill>
+                    <a:round/>
+                    <a:headEnd/>
+                    <a:tailEnd/>
+                  </a14:hiddenLine>
+                </a:ext>
+              </a:extLst>
+            </p:spPr>
+            <p:txBody>
+              <a:bodyPr/>
+              <a:lstStyle/>
+              <a:p>
+                <a:endParaRPr lang="en-GB"/>
+              </a:p>
+            </p:txBody>
+          </p:sp>
+          <p:sp>
+            <p:nvSpPr>
+              <p:cNvPr id="30" name="Freeform 10">
+                <a:extLst>
+                  <a:ext uri="{FF2B5EF4-FFF2-40B4-BE49-F238E27FC236}">
+                    <a16:creationId xmlns:a16="http://schemas.microsoft.com/office/drawing/2014/main" id="{1563A7B4-B1D5-4F93-AFF9-2EB78655FC56}"/>
+                  </a:ext>
+                  <a:ext uri="{C183D7F6-B498-43B3-948B-1728B52AA6E4}">
+                    <adec:decorative xmlns:adec="http://schemas.microsoft.com/office/drawing/2017/decorative" val="1"/>
+                  </a:ext>
+                </a:extLst>
+              </p:cNvPr>
+              <p:cNvSpPr/>
+              <p:nvPr>
+                <p:extLst>
+                  <p:ext uri="{386F3935-93C4-4BCD-93E2-E3B085C9AB24}">
+                    <p16:designElem xmlns:p16="http://schemas.microsoft.com/office/powerpoint/2015/main" val="1"/>
+                  </p:ext>
+                </p:extLst>
+              </p:nvPr>
+            </p:nvSpPr>
+            <p:spPr bwMode="auto">
+              <a:xfrm>
+                <a:off x="285750" y="4763"/>
+                <a:ext cx="369888" cy="1430338"/>
+              </a:xfrm>
+              <a:custGeom>
+                <a:avLst/>
+                <a:gdLst/>
+                <a:ahLst/>
+                <a:cxnLst/>
+                <a:rect l="0" t="0" r="r" b="b"/>
+                <a:pathLst>
+                  <a:path w="233" h="901">
+                    <a:moveTo>
+                      <a:pt x="221" y="901"/>
+                    </a:moveTo>
+                    <a:lnTo>
+                      <a:pt x="0" y="383"/>
+                    </a:lnTo>
+                    <a:lnTo>
+                      <a:pt x="0" y="0"/>
+                    </a:lnTo>
+                    <a:lnTo>
+                      <a:pt x="18" y="0"/>
+                    </a:lnTo>
+                    <a:lnTo>
+                      <a:pt x="18" y="380"/>
+                    </a:lnTo>
+                    <a:lnTo>
+                      <a:pt x="233" y="895"/>
+                    </a:lnTo>
+                    <a:lnTo>
+                      <a:pt x="221" y="901"/>
+                    </a:lnTo>
+                    <a:close/>
+                  </a:path>
+                </a:pathLst>
+              </a:custGeom>
+              <a:grpFill/>
+              <a:ln>
+                <a:noFill/>
+              </a:ln>
+              <a:extLst>
+                <a:ext uri="{91240B29-F687-4f45-9708-019B960494DF}">
+                  <a14:hiddenLine xmlns="" xmlns:a16="http://schemas.microsoft.com/office/drawing/2014/main" xmlns:p14="http://schemas.microsoft.com/office/powerpoint/2010/main" xmlns:a14="http://schemas.microsoft.com/office/drawing/2010/main" w="9525">
+                    <a:solidFill>
+                      <a:srgbClr val="000000"/>
+                    </a:solidFill>
+                    <a:round/>
+                    <a:headEnd/>
+                    <a:tailEnd/>
+                  </a14:hiddenLine>
+                </a:ext>
+              </a:extLst>
+            </p:spPr>
+            <p:txBody>
+              <a:bodyPr/>
+              <a:lstStyle/>
+              <a:p>
+                <a:endParaRPr lang="en-GB"/>
+              </a:p>
+            </p:txBody>
+          </p:sp>
+          <p:sp>
+            <p:nvSpPr>
+              <p:cNvPr id="31" name="Freeform 11">
+                <a:extLst>
+                  <a:ext uri="{FF2B5EF4-FFF2-40B4-BE49-F238E27FC236}">
+                    <a16:creationId xmlns:a16="http://schemas.microsoft.com/office/drawing/2014/main" id="{D139ED24-FA37-4470-8B42-D0D00EDE14FB}"/>
+                  </a:ext>
+                  <a:ext uri="{C183D7F6-B498-43B3-948B-1728B52AA6E4}">
+                    <adec:decorative xmlns:adec="http://schemas.microsoft.com/office/drawing/2017/decorative" val="1"/>
+                  </a:ext>
+                </a:extLst>
+              </p:cNvPr>
+              <p:cNvSpPr/>
+              <p:nvPr>
+                <p:extLst>
+                  <p:ext uri="{386F3935-93C4-4BCD-93E2-E3B085C9AB24}">
+                    <p16:designElem xmlns:p16="http://schemas.microsoft.com/office/powerpoint/2015/main" val="1"/>
+                  </p:ext>
+                </p:extLst>
+              </p:nvPr>
+            </p:nvSpPr>
+            <p:spPr bwMode="auto">
+              <a:xfrm>
+                <a:off x="546100" y="0"/>
+                <a:ext cx="152400" cy="912813"/>
+              </a:xfrm>
+              <a:custGeom>
+                <a:avLst/>
+                <a:gdLst/>
+                <a:ahLst/>
+                <a:cxnLst/>
+                <a:rect l="0" t="0" r="r" b="b"/>
+                <a:pathLst>
+                  <a:path w="96" h="575">
+                    <a:moveTo>
+                      <a:pt x="96" y="575"/>
+                    </a:moveTo>
+                    <a:lnTo>
+                      <a:pt x="78" y="575"/>
+                    </a:lnTo>
+                    <a:lnTo>
+                      <a:pt x="78" y="192"/>
+                    </a:lnTo>
+                    <a:lnTo>
+                      <a:pt x="0" y="6"/>
+                    </a:lnTo>
+                    <a:lnTo>
+                      <a:pt x="15" y="0"/>
+                    </a:lnTo>
+                    <a:lnTo>
+                      <a:pt x="96" y="189"/>
+                    </a:lnTo>
+                    <a:lnTo>
+                      <a:pt x="96" y="575"/>
+                    </a:lnTo>
+                    <a:close/>
+                  </a:path>
+                </a:pathLst>
+              </a:custGeom>
+              <a:grpFill/>
+              <a:ln>
+                <a:noFill/>
+              </a:ln>
+              <a:extLst>
+                <a:ext uri="{91240B29-F687-4f45-9708-019B960494DF}">
+                  <a14:hiddenLine xmlns="" xmlns:a16="http://schemas.microsoft.com/office/drawing/2014/main" xmlns:p14="http://schemas.microsoft.com/office/powerpoint/2010/main" xmlns:a14="http://schemas.microsoft.com/office/drawing/2010/main" w="9525">
+                    <a:solidFill>
+                      <a:srgbClr val="000000"/>
+                    </a:solidFill>
+                    <a:round/>
+                    <a:headEnd/>
+                    <a:tailEnd/>
+                  </a14:hiddenLine>
+                </a:ext>
+              </a:extLst>
+            </p:spPr>
+            <p:txBody>
+              <a:bodyPr/>
+              <a:lstStyle/>
+              <a:p>
+                <a:endParaRPr lang="en-GB"/>
+              </a:p>
+            </p:txBody>
+          </p:sp>
+          <p:sp>
+            <p:nvSpPr>
+              <p:cNvPr id="32" name="Freeform 12">
+                <a:extLst>
+                  <a:ext uri="{FF2B5EF4-FFF2-40B4-BE49-F238E27FC236}">
+                    <a16:creationId xmlns:a16="http://schemas.microsoft.com/office/drawing/2014/main" id="{48825AA7-BB26-45C2-93A2-1AD8D9A23251}"/>
+                  </a:ext>
+                  <a:ext uri="{C183D7F6-B498-43B3-948B-1728B52AA6E4}">
+                    <adec:decorative xmlns:adec="http://schemas.microsoft.com/office/drawing/2017/decorative" val="1"/>
+                  </a:ext>
+                </a:extLst>
+              </p:cNvPr>
+              <p:cNvSpPr>
+                <a:spLocks noEditPoints="1"/>
+              </p:cNvSpPr>
+              <p:nvPr>
+                <p:extLst>
+                  <p:ext uri="{386F3935-93C4-4BCD-93E2-E3B085C9AB24}">
+                    <p16:designElem xmlns:p16="http://schemas.microsoft.com/office/powerpoint/2015/main" val="1"/>
+                  </p:ext>
+                </p:extLst>
+              </p:nvPr>
+            </p:nvSpPr>
+            <p:spPr bwMode="auto">
+              <a:xfrm>
+                <a:off x="588962" y="1420813"/>
+                <a:ext cx="190500" cy="190500"/>
+              </a:xfrm>
+              <a:custGeom>
+                <a:avLst/>
+                <a:gdLst/>
+                <a:ahLst/>
+                <a:cxnLst/>
+                <a:rect l="0" t="0" r="r" b="b"/>
+                <a:pathLst>
+                  <a:path w="40" h="40">
+                    <a:moveTo>
+                      <a:pt x="20" y="40"/>
+                    </a:moveTo>
+                    <a:cubicBezTo>
+                      <a:pt x="9" y="40"/>
+                      <a:pt x="0" y="31"/>
+                      <a:pt x="0" y="20"/>
+                    </a:cubicBezTo>
+                    <a:cubicBezTo>
+                      <a:pt x="0" y="9"/>
+                      <a:pt x="9" y="0"/>
+                      <a:pt x="20" y="0"/>
+                    </a:cubicBezTo>
+                    <a:cubicBezTo>
+                      <a:pt x="33" y="0"/>
+                      <a:pt x="40" y="7"/>
+                      <a:pt x="40" y="20"/>
+                    </a:cubicBezTo>
+                    <a:cubicBezTo>
+                      <a:pt x="40" y="31"/>
+                      <a:pt x="31" y="40"/>
+                      <a:pt x="20" y="40"/>
+                    </a:cubicBezTo>
+                    <a:close/>
+                    <a:moveTo>
+                      <a:pt x="20" y="4"/>
+                    </a:moveTo>
+                    <a:cubicBezTo>
+                      <a:pt x="11" y="4"/>
+                      <a:pt x="4" y="11"/>
+                      <a:pt x="4" y="20"/>
+                    </a:cubicBezTo>
+                    <a:cubicBezTo>
+                      <a:pt x="4" y="29"/>
+                      <a:pt x="11" y="36"/>
+                      <a:pt x="20" y="36"/>
+                    </a:cubicBezTo>
+                    <a:cubicBezTo>
+                      <a:pt x="29" y="36"/>
+                      <a:pt x="36" y="29"/>
+                      <a:pt x="36" y="20"/>
+                    </a:cubicBezTo>
+                    <a:cubicBezTo>
+                      <a:pt x="36" y="9"/>
+                      <a:pt x="31" y="4"/>
+                      <a:pt x="20" y="4"/>
+                    </a:cubicBezTo>
+                    <a:close/>
+                  </a:path>
+                </a:pathLst>
+              </a:custGeom>
+              <a:grpFill/>
+              <a:ln>
+                <a:noFill/>
+              </a:ln>
+              <a:extLst>
+                <a:ext uri="{91240B29-F687-4f45-9708-019B960494DF}">
+                  <a14:hiddenLine xmlns="" xmlns:a16="http://schemas.microsoft.com/office/drawing/2014/main" xmlns:p14="http://schemas.microsoft.com/office/powerpoint/2010/main" xmlns:a14="http://schemas.microsoft.com/office/drawing/2010/main" w="9525">
+                    <a:solidFill>
+                      <a:srgbClr val="000000"/>
+                    </a:solidFill>
+                    <a:round/>
+                    <a:headEnd/>
+                    <a:tailEnd/>
+                  </a14:hiddenLine>
+                </a:ext>
+              </a:extLst>
+            </p:spPr>
+            <p:txBody>
+              <a:bodyPr/>
+              <a:lstStyle/>
+              <a:p>
+                <a:endParaRPr lang="en-GB"/>
+              </a:p>
+            </p:txBody>
+          </p:sp>
+          <p:sp>
+            <p:nvSpPr>
+              <p:cNvPr id="33" name="Freeform 13">
+                <a:extLst>
+                  <a:ext uri="{FF2B5EF4-FFF2-40B4-BE49-F238E27FC236}">
+                    <a16:creationId xmlns:a16="http://schemas.microsoft.com/office/drawing/2014/main" id="{A98D0B91-D4E4-402D-8234-E96987219E90}"/>
+                  </a:ext>
+                  <a:ext uri="{C183D7F6-B498-43B3-948B-1728B52AA6E4}">
+                    <adec:decorative xmlns:adec="http://schemas.microsoft.com/office/drawing/2017/decorative" val="1"/>
+                  </a:ext>
+                </a:extLst>
+              </p:cNvPr>
+              <p:cNvSpPr>
+                <a:spLocks noEditPoints="1"/>
+              </p:cNvSpPr>
+              <p:nvPr>
+                <p:extLst>
+                  <p:ext uri="{386F3935-93C4-4BCD-93E2-E3B085C9AB24}">
+                    <p16:designElem xmlns:p16="http://schemas.microsoft.com/office/powerpoint/2015/main" val="1"/>
+                  </p:ext>
+                </p:extLst>
+              </p:nvPr>
+            </p:nvSpPr>
+            <p:spPr bwMode="auto">
+              <a:xfrm>
+                <a:off x="588962" y="903288"/>
+                <a:ext cx="190500" cy="190500"/>
+              </a:xfrm>
+              <a:custGeom>
+                <a:avLst/>
+                <a:gdLst/>
+                <a:ahLst/>
+                <a:cxnLst/>
+                <a:rect l="0" t="0" r="r" b="b"/>
+                <a:pathLst>
+                  <a:path w="40" h="40">
+                    <a:moveTo>
+                      <a:pt x="20" y="40"/>
+                    </a:moveTo>
+                    <a:cubicBezTo>
+                      <a:pt x="9" y="40"/>
+                      <a:pt x="0" y="31"/>
+                      <a:pt x="0" y="20"/>
+                    </a:cubicBezTo>
+                    <a:cubicBezTo>
+                      <a:pt x="0" y="9"/>
+                      <a:pt x="9" y="0"/>
+                      <a:pt x="20" y="0"/>
+                    </a:cubicBezTo>
+                    <a:cubicBezTo>
+                      <a:pt x="31" y="0"/>
+                      <a:pt x="40" y="9"/>
+                      <a:pt x="40" y="20"/>
+                    </a:cubicBezTo>
+                    <a:cubicBezTo>
+                      <a:pt x="40" y="31"/>
+                      <a:pt x="31" y="40"/>
+                      <a:pt x="20" y="40"/>
+                    </a:cubicBezTo>
+                    <a:close/>
+                    <a:moveTo>
+                      <a:pt x="20" y="4"/>
+                    </a:moveTo>
+                    <a:cubicBezTo>
+                      <a:pt x="11" y="4"/>
+                      <a:pt x="4" y="11"/>
+                      <a:pt x="4" y="20"/>
+                    </a:cubicBezTo>
+                    <a:cubicBezTo>
+                      <a:pt x="4" y="29"/>
+                      <a:pt x="11" y="36"/>
+                      <a:pt x="20" y="36"/>
+                    </a:cubicBezTo>
+                    <a:cubicBezTo>
+                      <a:pt x="29" y="36"/>
+                      <a:pt x="36" y="29"/>
+                      <a:pt x="36" y="20"/>
+                    </a:cubicBezTo>
+                    <a:cubicBezTo>
+                      <a:pt x="36" y="11"/>
+                      <a:pt x="29" y="4"/>
+                      <a:pt x="20" y="4"/>
+                    </a:cubicBezTo>
+                    <a:close/>
+                  </a:path>
+                </a:pathLst>
+              </a:custGeom>
+              <a:grpFill/>
+              <a:ln>
+                <a:noFill/>
+              </a:ln>
+              <a:extLst>
+                <a:ext uri="{91240B29-F687-4f45-9708-019B960494DF}">
+                  <a14:hiddenLine xmlns="" xmlns:a16="http://schemas.microsoft.com/office/drawing/2014/main" xmlns:p14="http://schemas.microsoft.com/office/powerpoint/2010/main" xmlns:a14="http://schemas.microsoft.com/office/drawing/2010/main" w="9525">
+                    <a:solidFill>
+                      <a:srgbClr val="000000"/>
+                    </a:solidFill>
+                    <a:round/>
+                    <a:headEnd/>
+                    <a:tailEnd/>
+                  </a14:hiddenLine>
+                </a:ext>
+              </a:extLst>
+            </p:spPr>
+            <p:txBody>
+              <a:bodyPr/>
+              <a:lstStyle/>
+              <a:p>
+                <a:endParaRPr lang="en-GB"/>
+              </a:p>
+            </p:txBody>
+          </p:sp>
+          <p:sp>
+            <p:nvSpPr>
+              <p:cNvPr id="34" name="Freeform 14">
+                <a:extLst>
+                  <a:ext uri="{FF2B5EF4-FFF2-40B4-BE49-F238E27FC236}">
+                    <a16:creationId xmlns:a16="http://schemas.microsoft.com/office/drawing/2014/main" id="{94F1DB97-3769-4DA5-9F45-47132C3125D0}"/>
+                  </a:ext>
+                  <a:ext uri="{C183D7F6-B498-43B3-948B-1728B52AA6E4}">
+                    <adec:decorative xmlns:adec="http://schemas.microsoft.com/office/drawing/2017/decorative" val="1"/>
+                  </a:ext>
+                </a:extLst>
+              </p:cNvPr>
+              <p:cNvSpPr/>
+              <p:nvPr>
+                <p:extLst>
+                  <p:ext uri="{386F3935-93C4-4BCD-93E2-E3B085C9AB24}">
+                    <p16:designElem xmlns:p16="http://schemas.microsoft.com/office/powerpoint/2015/main" val="1"/>
+                  </p:ext>
+                </p:extLst>
+              </p:nvPr>
+            </p:nvSpPr>
+            <p:spPr bwMode="auto">
+              <a:xfrm>
+                <a:off x="641350" y="0"/>
+                <a:ext cx="422275" cy="527050"/>
+              </a:xfrm>
+              <a:custGeom>
+                <a:avLst/>
+                <a:gdLst/>
+                <a:ahLst/>
+                <a:cxnLst/>
+                <a:rect l="0" t="0" r="r" b="b"/>
+                <a:pathLst>
+                  <a:path w="266" h="332">
+                    <a:moveTo>
+                      <a:pt x="257" y="332"/>
+                    </a:moveTo>
+                    <a:lnTo>
+                      <a:pt x="48" y="123"/>
+                    </a:lnTo>
+                    <a:lnTo>
+                      <a:pt x="0" y="6"/>
+                    </a:lnTo>
+                    <a:lnTo>
+                      <a:pt x="15" y="0"/>
+                    </a:lnTo>
+                    <a:lnTo>
+                      <a:pt x="63" y="114"/>
+                    </a:lnTo>
+                    <a:lnTo>
+                      <a:pt x="266" y="320"/>
+                    </a:lnTo>
+                    <a:lnTo>
+                      <a:pt x="257" y="332"/>
+                    </a:lnTo>
+                    <a:close/>
+                  </a:path>
+                </a:pathLst>
+              </a:custGeom>
+              <a:grpFill/>
+              <a:ln>
+                <a:noFill/>
+              </a:ln>
+              <a:extLst>
+                <a:ext uri="{91240B29-F687-4f45-9708-019B960494DF}">
+                  <a14:hiddenLine xmlns="" xmlns:a16="http://schemas.microsoft.com/office/drawing/2014/main" xmlns:p14="http://schemas.microsoft.com/office/powerpoint/2010/main" xmlns:a14="http://schemas.microsoft.com/office/drawing/2010/main" w="9525">
+                    <a:solidFill>
+                      <a:srgbClr val="000000"/>
+                    </a:solidFill>
+                    <a:round/>
+                    <a:headEnd/>
+                    <a:tailEnd/>
+                  </a14:hiddenLine>
+                </a:ext>
+              </a:extLst>
+            </p:spPr>
+            <p:txBody>
+              <a:bodyPr/>
+              <a:lstStyle/>
+              <a:p>
+                <a:endParaRPr lang="en-GB"/>
+              </a:p>
+            </p:txBody>
+          </p:sp>
+          <p:sp>
+            <p:nvSpPr>
+              <p:cNvPr id="35" name="Freeform 15">
+                <a:extLst>
+                  <a:ext uri="{FF2B5EF4-FFF2-40B4-BE49-F238E27FC236}">
+                    <a16:creationId xmlns:a16="http://schemas.microsoft.com/office/drawing/2014/main" id="{A9BC86E2-B185-4D80-81B5-A8D387E678B7}"/>
+                  </a:ext>
+                  <a:ext uri="{C183D7F6-B498-43B3-948B-1728B52AA6E4}">
+                    <adec:decorative xmlns:adec="http://schemas.microsoft.com/office/drawing/2017/decorative" val="1"/>
+                  </a:ext>
+                </a:extLst>
+              </p:cNvPr>
+              <p:cNvSpPr>
+                <a:spLocks noEditPoints="1"/>
+              </p:cNvSpPr>
+              <p:nvPr>
+                <p:extLst>
+                  <p:ext uri="{386F3935-93C4-4BCD-93E2-E3B085C9AB24}">
+                    <p16:designElem xmlns:p16="http://schemas.microsoft.com/office/powerpoint/2015/main" val="1"/>
+                  </p:ext>
+                </p:extLst>
+              </p:nvPr>
+            </p:nvSpPr>
+            <p:spPr bwMode="auto">
+              <a:xfrm>
+                <a:off x="1020762" y="488950"/>
+                <a:ext cx="161925" cy="147638"/>
+              </a:xfrm>
+              <a:custGeom>
+                <a:avLst/>
+                <a:gdLst/>
+                <a:ahLst/>
+                <a:cxnLst/>
+                <a:rect l="0" t="0" r="r" b="b"/>
+                <a:pathLst>
+                  <a:path w="34" h="31">
+                    <a:moveTo>
+                      <a:pt x="17" y="31"/>
+                    </a:moveTo>
+                    <a:cubicBezTo>
+                      <a:pt x="13" y="31"/>
+                      <a:pt x="9" y="30"/>
+                      <a:pt x="6" y="27"/>
+                    </a:cubicBezTo>
+                    <a:cubicBezTo>
+                      <a:pt x="0" y="20"/>
+                      <a:pt x="0" y="10"/>
+                      <a:pt x="6" y="4"/>
+                    </a:cubicBezTo>
+                    <a:cubicBezTo>
+                      <a:pt x="9" y="1"/>
+                      <a:pt x="13" y="0"/>
+                      <a:pt x="17" y="0"/>
+                    </a:cubicBezTo>
+                    <a:cubicBezTo>
+                      <a:pt x="21" y="0"/>
+                      <a:pt x="25" y="1"/>
+                      <a:pt x="28" y="4"/>
+                    </a:cubicBezTo>
+                    <a:cubicBezTo>
+                      <a:pt x="34" y="10"/>
+                      <a:pt x="34" y="20"/>
+                      <a:pt x="28" y="27"/>
+                    </a:cubicBezTo>
+                    <a:cubicBezTo>
+                      <a:pt x="25" y="30"/>
+                      <a:pt x="21" y="31"/>
+                      <a:pt x="17" y="31"/>
+                    </a:cubicBezTo>
+                    <a:close/>
+                    <a:moveTo>
+                      <a:pt x="17" y="4"/>
+                    </a:moveTo>
+                    <a:cubicBezTo>
+                      <a:pt x="14" y="4"/>
+                      <a:pt x="11" y="5"/>
+                      <a:pt x="9" y="7"/>
+                    </a:cubicBezTo>
+                    <a:cubicBezTo>
+                      <a:pt x="4" y="12"/>
+                      <a:pt x="4" y="19"/>
+                      <a:pt x="9" y="24"/>
+                    </a:cubicBezTo>
+                    <a:cubicBezTo>
+                      <a:pt x="11" y="26"/>
+                      <a:pt x="14" y="27"/>
+                      <a:pt x="17" y="27"/>
+                    </a:cubicBezTo>
+                    <a:cubicBezTo>
+                      <a:pt x="20" y="27"/>
+                      <a:pt x="23" y="26"/>
+                      <a:pt x="25" y="24"/>
+                    </a:cubicBezTo>
+                    <a:cubicBezTo>
+                      <a:pt x="30" y="19"/>
+                      <a:pt x="30" y="12"/>
+                      <a:pt x="25" y="7"/>
+                    </a:cubicBezTo>
+                    <a:cubicBezTo>
+                      <a:pt x="23" y="5"/>
+                      <a:pt x="20" y="4"/>
+                      <a:pt x="17" y="4"/>
+                    </a:cubicBezTo>
+                    <a:close/>
+                  </a:path>
+                </a:pathLst>
+              </a:custGeom>
+              <a:grpFill/>
+              <a:ln>
+                <a:noFill/>
+              </a:ln>
+              <a:extLst>
+                <a:ext uri="{91240B29-F687-4f45-9708-019B960494DF}">
+                  <a14:hiddenLine xmlns="" xmlns:a16="http://schemas.microsoft.com/office/drawing/2014/main" xmlns:p14="http://schemas.microsoft.com/office/powerpoint/2010/main" xmlns:a14="http://schemas.microsoft.com/office/drawing/2010/main" w="9525">
+                    <a:solidFill>
+                      <a:srgbClr val="000000"/>
+                    </a:solidFill>
+                    <a:round/>
+                    <a:headEnd/>
+                    <a:tailEnd/>
+                  </a14:hiddenLine>
+                </a:ext>
+              </a:extLst>
+            </p:spPr>
+            <p:txBody>
+              <a:bodyPr/>
+              <a:lstStyle/>
+              <a:p>
+                <a:endParaRPr lang="en-GB"/>
+              </a:p>
+            </p:txBody>
+          </p:sp>
+          <p:sp>
+            <p:nvSpPr>
+              <p:cNvPr id="36" name="Line 16">
+                <a:extLst>
+                  <a:ext uri="{FF2B5EF4-FFF2-40B4-BE49-F238E27FC236}">
+                    <a16:creationId xmlns:a16="http://schemas.microsoft.com/office/drawing/2014/main" id="{FA773F49-8CD0-46DC-B986-F2DB57BD7266}"/>
+                  </a:ext>
+                  <a:ext uri="{C183D7F6-B498-43B3-948B-1728B52AA6E4}">
+                    <adec:decorative xmlns:adec="http://schemas.microsoft.com/office/drawing/2017/decorative" val="1"/>
+                  </a:ext>
+                </a:extLst>
+              </p:cNvPr>
+              <p:cNvSpPr>
+                <a:spLocks noChangeShapeType="1"/>
+              </p:cNvSpPr>
+              <p:nvPr>
+                <p:extLst>
+                  <p:ext uri="{386F3935-93C4-4BCD-93E2-E3B085C9AB24}">
+                    <p16:designElem xmlns:p16="http://schemas.microsoft.com/office/powerpoint/2015/main" val="1"/>
+                  </p:ext>
+                </p:extLst>
+              </p:nvPr>
+            </p:nvSpPr>
+            <p:spPr bwMode="auto">
+              <a:xfrm>
+                <a:off x="-4763" y="9525"/>
+                <a:ext cx="0" cy="0"/>
+              </a:xfrm>
+              <a:prstGeom prst="line">
+                <a:avLst/>
+              </a:prstGeom>
+              <a:grpFill/>
+              <a:ln w="15" cap="flat">
+                <a:solidFill>
+                  <a:srgbClr val="FFFFFF"/>
+                </a:solidFill>
+                <a:prstDash val="solid"/>
+                <a:miter lim="800000"/>
+                <a:headEnd/>
+                <a:tailEnd/>
+              </a:ln>
+            </p:spPr>
+            <p:txBody>
+              <a:bodyPr/>
+              <a:lstStyle/>
+              <a:p>
+                <a:endParaRPr lang="en-GB"/>
+              </a:p>
+            </p:txBody>
+          </p:sp>
+          <p:sp>
+            <p:nvSpPr>
+              <p:cNvPr id="37" name="Freeform 17">
+                <a:extLst>
+                  <a:ext uri="{FF2B5EF4-FFF2-40B4-BE49-F238E27FC236}">
+                    <a16:creationId xmlns:a16="http://schemas.microsoft.com/office/drawing/2014/main" id="{8C55A009-3401-4888-93C7-4ED51CBC64FF}"/>
+                  </a:ext>
+                  <a:ext uri="{C183D7F6-B498-43B3-948B-1728B52AA6E4}">
+                    <adec:decorative xmlns:adec="http://schemas.microsoft.com/office/drawing/2017/decorative" val="1"/>
+                  </a:ext>
+                </a:extLst>
+              </p:cNvPr>
+              <p:cNvSpPr/>
+              <p:nvPr>
+                <p:extLst>
+                  <p:ext uri="{386F3935-93C4-4BCD-93E2-E3B085C9AB24}">
+                    <p16:designElem xmlns:p16="http://schemas.microsoft.com/office/powerpoint/2015/main" val="1"/>
+                  </p:ext>
+                </p:extLst>
+              </p:nvPr>
+            </p:nvSpPr>
+            <p:spPr bwMode="auto">
+              <a:xfrm>
+                <a:off x="9525" y="1801813"/>
+                <a:ext cx="123825" cy="127000"/>
+              </a:xfrm>
+              <a:custGeom>
+                <a:avLst/>
+                <a:gdLst/>
+                <a:ahLst/>
+                <a:cxnLst/>
+                <a:rect l="0" t="0" r="r" b="b"/>
+                <a:pathLst>
+                  <a:path w="78" h="80">
+                    <a:moveTo>
+                      <a:pt x="6" y="80"/>
+                    </a:moveTo>
+                    <a:lnTo>
+                      <a:pt x="0" y="71"/>
+                    </a:lnTo>
+                    <a:lnTo>
+                      <a:pt x="69" y="0"/>
+                    </a:lnTo>
+                    <a:lnTo>
+                      <a:pt x="78" y="9"/>
+                    </a:lnTo>
+                    <a:lnTo>
+                      <a:pt x="6" y="80"/>
+                    </a:lnTo>
+                    <a:close/>
+                  </a:path>
+                </a:pathLst>
+              </a:custGeom>
+              <a:grpFill/>
+              <a:ln>
+                <a:noFill/>
+              </a:ln>
+              <a:extLst>
+                <a:ext uri="{91240B29-F687-4f45-9708-019B960494DF}">
+                  <a14:hiddenLine xmlns="" xmlns:a16="http://schemas.microsoft.com/office/drawing/2014/main" xmlns:p14="http://schemas.microsoft.com/office/powerpoint/2010/main" xmlns:a14="http://schemas.microsoft.com/office/drawing/2010/main" w="9525">
+                    <a:solidFill>
+                      <a:srgbClr val="000000"/>
+                    </a:solidFill>
+                    <a:round/>
+                    <a:headEnd/>
+                    <a:tailEnd/>
+                  </a14:hiddenLine>
+                </a:ext>
+              </a:extLst>
+            </p:spPr>
+            <p:txBody>
+              <a:bodyPr/>
+              <a:lstStyle/>
+              <a:p>
+                <a:endParaRPr lang="en-GB"/>
+              </a:p>
+            </p:txBody>
+          </p:sp>
+          <p:sp>
+            <p:nvSpPr>
+              <p:cNvPr id="38" name="Freeform 18">
+                <a:extLst>
+                  <a:ext uri="{FF2B5EF4-FFF2-40B4-BE49-F238E27FC236}">
+                    <a16:creationId xmlns:a16="http://schemas.microsoft.com/office/drawing/2014/main" id="{10B44829-5BB5-48C5-8492-699971FE7809}"/>
+                  </a:ext>
+                  <a:ext uri="{C183D7F6-B498-43B3-948B-1728B52AA6E4}">
+                    <adec:decorative xmlns:adec="http://schemas.microsoft.com/office/drawing/2017/decorative" val="1"/>
+                  </a:ext>
+                </a:extLst>
+              </p:cNvPr>
+              <p:cNvSpPr/>
+              <p:nvPr>
+                <p:extLst>
+                  <p:ext uri="{386F3935-93C4-4BCD-93E2-E3B085C9AB24}">
+                    <p16:designElem xmlns:p16="http://schemas.microsoft.com/office/powerpoint/2015/main" val="1"/>
+                  </p:ext>
+                </p:extLst>
+              </p:nvPr>
+            </p:nvSpPr>
+            <p:spPr bwMode="auto">
+              <a:xfrm>
+                <a:off x="-9525" y="3549650"/>
+                <a:ext cx="147638" cy="481013"/>
+              </a:xfrm>
+              <a:custGeom>
+                <a:avLst/>
+                <a:gdLst/>
+                <a:ahLst/>
+                <a:cxnLst/>
+                <a:rect l="0" t="0" r="r" b="b"/>
+                <a:pathLst>
+                  <a:path w="93" h="303">
+                    <a:moveTo>
+                      <a:pt x="93" y="303"/>
+                    </a:moveTo>
+                    <a:lnTo>
+                      <a:pt x="78" y="303"/>
+                    </a:lnTo>
+                    <a:lnTo>
+                      <a:pt x="78" y="78"/>
+                    </a:lnTo>
+                    <a:lnTo>
+                      <a:pt x="0" y="12"/>
+                    </a:lnTo>
+                    <a:lnTo>
+                      <a:pt x="12" y="0"/>
+                    </a:lnTo>
+                    <a:lnTo>
+                      <a:pt x="93" y="69"/>
+                    </a:lnTo>
+                    <a:lnTo>
+                      <a:pt x="93" y="303"/>
+                    </a:lnTo>
+                    <a:close/>
+                  </a:path>
+                </a:pathLst>
+              </a:custGeom>
+              <a:grpFill/>
+              <a:ln>
+                <a:noFill/>
+              </a:ln>
+              <a:extLst>
+                <a:ext uri="{91240B29-F687-4f45-9708-019B960494DF}">
+                  <a14:hiddenLine xmlns="" xmlns:a16="http://schemas.microsoft.com/office/drawing/2014/main" xmlns:p14="http://schemas.microsoft.com/office/powerpoint/2010/main" xmlns:a14="http://schemas.microsoft.com/office/drawing/2010/main" w="9525">
+                    <a:solidFill>
+                      <a:srgbClr val="000000"/>
+                    </a:solidFill>
+                    <a:round/>
+                    <a:headEnd/>
+                    <a:tailEnd/>
+                  </a14:hiddenLine>
+                </a:ext>
+              </a:extLst>
+            </p:spPr>
+            <p:txBody>
+              <a:bodyPr/>
+              <a:lstStyle/>
+              <a:p>
+                <a:endParaRPr lang="en-GB"/>
+              </a:p>
+            </p:txBody>
+          </p:sp>
+          <p:sp>
+            <p:nvSpPr>
+              <p:cNvPr id="39" name="Freeform 19">
+                <a:extLst>
+                  <a:ext uri="{FF2B5EF4-FFF2-40B4-BE49-F238E27FC236}">
+                    <a16:creationId xmlns:a16="http://schemas.microsoft.com/office/drawing/2014/main" id="{30C1F9A0-4FA6-4F6F-B2D0-A1BBA41DFC3B}"/>
+                  </a:ext>
+                  <a:ext uri="{C183D7F6-B498-43B3-948B-1728B52AA6E4}">
+                    <adec:decorative xmlns:adec="http://schemas.microsoft.com/office/drawing/2017/decorative" val="1"/>
+                  </a:ext>
+                </a:extLst>
+              </p:cNvPr>
+              <p:cNvSpPr/>
+              <p:nvPr>
+                <p:extLst>
+                  <p:ext uri="{386F3935-93C4-4BCD-93E2-E3B085C9AB24}">
+                    <p16:designElem xmlns:p16="http://schemas.microsoft.com/office/powerpoint/2015/main" val="1"/>
+                  </p:ext>
+                </p:extLst>
+              </p:nvPr>
+            </p:nvSpPr>
+            <p:spPr bwMode="auto">
+              <a:xfrm>
+                <a:off x="128587" y="1382713"/>
+                <a:ext cx="142875" cy="476250"/>
+              </a:xfrm>
+              <a:custGeom>
+                <a:avLst/>
+                <a:gdLst/>
+                <a:ahLst/>
+                <a:cxnLst/>
+                <a:rect l="0" t="0" r="r" b="b"/>
+                <a:pathLst>
+                  <a:path w="90" h="300">
+                    <a:moveTo>
+                      <a:pt x="90" y="300"/>
+                    </a:moveTo>
+                    <a:lnTo>
+                      <a:pt x="78" y="300"/>
+                    </a:lnTo>
+                    <a:lnTo>
+                      <a:pt x="78" y="84"/>
+                    </a:lnTo>
+                    <a:lnTo>
+                      <a:pt x="0" y="9"/>
+                    </a:lnTo>
+                    <a:lnTo>
+                      <a:pt x="9" y="0"/>
+                    </a:lnTo>
+                    <a:lnTo>
+                      <a:pt x="90" y="81"/>
+                    </a:lnTo>
+                    <a:lnTo>
+                      <a:pt x="90" y="300"/>
+                    </a:lnTo>
+                    <a:close/>
+                  </a:path>
+                </a:pathLst>
+              </a:custGeom>
+              <a:grpFill/>
+              <a:ln>
+                <a:noFill/>
+              </a:ln>
+              <a:extLst>
+                <a:ext uri="{91240B29-F687-4f45-9708-019B960494DF}">
+                  <a14:hiddenLine xmlns="" xmlns:a16="http://schemas.microsoft.com/office/drawing/2014/main" xmlns:p14="http://schemas.microsoft.com/office/powerpoint/2010/main" xmlns:a14="http://schemas.microsoft.com/office/drawing/2010/main" w="9525">
+                    <a:solidFill>
+                      <a:srgbClr val="000000"/>
+                    </a:solidFill>
+                    <a:round/>
+                    <a:headEnd/>
+                    <a:tailEnd/>
+                  </a14:hiddenLine>
+                </a:ext>
+              </a:extLst>
+            </p:spPr>
+            <p:txBody>
+              <a:bodyPr/>
+              <a:lstStyle/>
+              <a:p>
+                <a:endParaRPr lang="en-GB"/>
+              </a:p>
+            </p:txBody>
+          </p:sp>
+          <p:sp>
+            <p:nvSpPr>
+              <p:cNvPr id="40" name="Freeform 20">
+                <a:extLst>
+                  <a:ext uri="{FF2B5EF4-FFF2-40B4-BE49-F238E27FC236}">
+                    <a16:creationId xmlns:a16="http://schemas.microsoft.com/office/drawing/2014/main" id="{01BF274F-C7B8-44B4-A183-307D8619D271}"/>
+                  </a:ext>
+                  <a:ext uri="{C183D7F6-B498-43B3-948B-1728B52AA6E4}">
+                    <adec:decorative xmlns:adec="http://schemas.microsoft.com/office/drawing/2017/decorative" val="1"/>
+                  </a:ext>
+                </a:extLst>
+              </p:cNvPr>
+              <p:cNvSpPr>
+                <a:spLocks noEditPoints="1"/>
+              </p:cNvSpPr>
+              <p:nvPr>
+                <p:extLst>
+                  <p:ext uri="{386F3935-93C4-4BCD-93E2-E3B085C9AB24}">
+                    <p16:designElem xmlns:p16="http://schemas.microsoft.com/office/powerpoint/2015/main" val="1"/>
+                  </p:ext>
+                </p:extLst>
+              </p:nvPr>
+            </p:nvSpPr>
+            <p:spPr bwMode="auto">
+              <a:xfrm>
+                <a:off x="204787" y="1849438"/>
+                <a:ext cx="114300" cy="107950"/>
+              </a:xfrm>
+              <a:custGeom>
+                <a:avLst/>
+                <a:gdLst/>
+                <a:ahLst/>
+                <a:cxnLst/>
+                <a:rect l="0" t="0" r="r" b="b"/>
+                <a:pathLst>
+                  <a:path w="24" h="23">
+                    <a:moveTo>
+                      <a:pt x="12" y="23"/>
+                    </a:moveTo>
+                    <a:cubicBezTo>
+                      <a:pt x="6" y="23"/>
+                      <a:pt x="0" y="18"/>
+                      <a:pt x="0" y="12"/>
+                    </a:cubicBezTo>
+                    <a:cubicBezTo>
+                      <a:pt x="0" y="5"/>
+                      <a:pt x="6" y="0"/>
+                      <a:pt x="12" y="0"/>
+                    </a:cubicBezTo>
+                    <a:cubicBezTo>
+                      <a:pt x="18" y="0"/>
+                      <a:pt x="24" y="5"/>
+                      <a:pt x="24" y="12"/>
+                    </a:cubicBezTo>
+                    <a:cubicBezTo>
+                      <a:pt x="24" y="18"/>
+                      <a:pt x="18" y="23"/>
+                      <a:pt x="12" y="23"/>
+                    </a:cubicBezTo>
+                    <a:close/>
+                    <a:moveTo>
+                      <a:pt x="12" y="4"/>
+                    </a:moveTo>
+                    <a:cubicBezTo>
+                      <a:pt x="8" y="4"/>
+                      <a:pt x="4" y="8"/>
+                      <a:pt x="4" y="12"/>
+                    </a:cubicBezTo>
+                    <a:cubicBezTo>
+                      <a:pt x="4" y="16"/>
+                      <a:pt x="8" y="19"/>
+                      <a:pt x="12" y="19"/>
+                    </a:cubicBezTo>
+                    <a:cubicBezTo>
+                      <a:pt x="16" y="19"/>
+                      <a:pt x="20" y="16"/>
+                      <a:pt x="20" y="12"/>
+                    </a:cubicBezTo>
+                    <a:cubicBezTo>
+                      <a:pt x="20" y="8"/>
+                      <a:pt x="16" y="4"/>
+                      <a:pt x="12" y="4"/>
+                    </a:cubicBezTo>
+                    <a:close/>
+                  </a:path>
+                </a:pathLst>
+              </a:custGeom>
+              <a:grpFill/>
+              <a:ln>
+                <a:noFill/>
+              </a:ln>
+              <a:extLst>
+                <a:ext uri="{91240B29-F687-4f45-9708-019B960494DF}">
+                  <a14:hiddenLine xmlns="" xmlns:a16="http://schemas.microsoft.com/office/drawing/2014/main" xmlns:p14="http://schemas.microsoft.com/office/powerpoint/2010/main" xmlns:a14="http://schemas.microsoft.com/office/drawing/2010/main" w="9525">
+                    <a:solidFill>
+                      <a:srgbClr val="000000"/>
+                    </a:solidFill>
+                    <a:round/>
+                    <a:headEnd/>
+                    <a:tailEnd/>
+                  </a14:hiddenLine>
+                </a:ext>
+              </a:extLst>
+            </p:spPr>
+            <p:txBody>
+              <a:bodyPr/>
+              <a:lstStyle/>
+              <a:p>
+                <a:endParaRPr lang="en-GB"/>
+              </a:p>
+            </p:txBody>
+          </p:sp>
+          <p:sp>
+            <p:nvSpPr>
+              <p:cNvPr id="41" name="Rectangle 21">
+                <a:extLst>
+                  <a:ext uri="{FF2B5EF4-FFF2-40B4-BE49-F238E27FC236}">
+                    <a16:creationId xmlns:a16="http://schemas.microsoft.com/office/drawing/2014/main" id="{037E8930-0F22-4558-9432-F18953E32A04}"/>
+                  </a:ext>
+                  <a:ext uri="{C183D7F6-B498-43B3-948B-1728B52AA6E4}">
+                    <adec:decorative xmlns:adec="http://schemas.microsoft.com/office/drawing/2017/decorative" val="1"/>
+                  </a:ext>
+                </a:extLst>
+              </p:cNvPr>
+              <p:cNvSpPr>
+                <a:spLocks noChangeArrowheads="1"/>
+              </p:cNvSpPr>
+              <p:nvPr>
+                <p:extLst>
+                  <p:ext uri="{386F3935-93C4-4BCD-93E2-E3B085C9AB24}">
+                    <p16:designElem xmlns:p16="http://schemas.microsoft.com/office/powerpoint/2015/main" val="1"/>
+                  </p:ext>
+                </p:extLst>
+              </p:nvPr>
+            </p:nvSpPr>
+            <p:spPr bwMode="auto">
+              <a:xfrm>
+                <a:off x="133350" y="4662488"/>
+                <a:ext cx="23813" cy="2181225"/>
+              </a:xfrm>
+              <a:prstGeom prst="rect">
+                <a:avLst/>
+              </a:prstGeom>
+              <a:grpFill/>
+              <a:ln>
+                <a:noFill/>
+              </a:ln>
+              <a:extLst>
+                <a:ext uri="{91240B29-F687-4f45-9708-019B960494DF}">
+                  <a14:hiddenLine xmlns="" xmlns:a16="http://schemas.microsoft.com/office/drawing/2014/main" xmlns:p14="http://schemas.microsoft.com/office/powerpoint/2010/main" xmlns:a14="http://schemas.microsoft.com/office/drawing/2010/main" w="9525">
+                    <a:solidFill>
+                      <a:srgbClr val="000000"/>
+                    </a:solidFill>
+                    <a:miter lim="800000"/>
+                    <a:headEnd/>
+                    <a:tailEnd/>
+                  </a14:hiddenLine>
+                </a:ext>
+              </a:extLst>
+            </p:spPr>
+            <p:txBody>
+              <a:bodyPr/>
+              <a:lstStyle/>
+              <a:p>
+                <a:endParaRPr lang="en-GB"/>
+              </a:p>
+            </p:txBody>
+          </p:sp>
+          <p:sp>
+            <p:nvSpPr>
+              <p:cNvPr id="42" name="Freeform 22">
+                <a:extLst>
+                  <a:ext uri="{FF2B5EF4-FFF2-40B4-BE49-F238E27FC236}">
+                    <a16:creationId xmlns:a16="http://schemas.microsoft.com/office/drawing/2014/main" id="{9AFC3429-FF29-47FF-A4A8-317A979DB922}"/>
+                  </a:ext>
+                  <a:ext uri="{C183D7F6-B498-43B3-948B-1728B52AA6E4}">
+                    <adec:decorative xmlns:adec="http://schemas.microsoft.com/office/drawing/2017/decorative" val="1"/>
+                  </a:ext>
+                </a:extLst>
+              </p:cNvPr>
+              <p:cNvSpPr/>
+              <p:nvPr>
+                <p:extLst>
+                  <p:ext uri="{386F3935-93C4-4BCD-93E2-E3B085C9AB24}">
+                    <p16:designElem xmlns:p16="http://schemas.microsoft.com/office/powerpoint/2015/main" val="1"/>
+                  </p:ext>
+                </p:extLst>
+              </p:nvPr>
+            </p:nvSpPr>
+            <p:spPr bwMode="auto">
+              <a:xfrm>
+                <a:off x="223837" y="5041900"/>
+                <a:ext cx="369888" cy="1801813"/>
+              </a:xfrm>
+              <a:custGeom>
+                <a:avLst/>
+                <a:gdLst/>
+                <a:ahLst/>
+                <a:cxnLst/>
+                <a:rect l="0" t="0" r="r" b="b"/>
+                <a:pathLst>
+                  <a:path w="233" h="1135">
+                    <a:moveTo>
+                      <a:pt x="15" y="1135"/>
+                    </a:moveTo>
+                    <a:lnTo>
+                      <a:pt x="0" y="1135"/>
+                    </a:lnTo>
+                    <a:lnTo>
+                      <a:pt x="0" y="515"/>
+                    </a:lnTo>
+                    <a:lnTo>
+                      <a:pt x="0" y="512"/>
+                    </a:lnTo>
+                    <a:lnTo>
+                      <a:pt x="218" y="0"/>
+                    </a:lnTo>
+                    <a:lnTo>
+                      <a:pt x="233" y="6"/>
+                    </a:lnTo>
+                    <a:lnTo>
+                      <a:pt x="15" y="518"/>
+                    </a:lnTo>
+                    <a:lnTo>
+                      <a:pt x="15" y="1135"/>
+                    </a:lnTo>
+                    <a:close/>
+                  </a:path>
+                </a:pathLst>
+              </a:custGeom>
+              <a:grpFill/>
+              <a:ln>
+                <a:noFill/>
+              </a:ln>
+              <a:extLst>
+                <a:ext uri="{91240B29-F687-4f45-9708-019B960494DF}">
+                  <a14:hiddenLine xmlns="" xmlns:a16="http://schemas.microsoft.com/office/drawing/2014/main" xmlns:p14="http://schemas.microsoft.com/office/powerpoint/2010/main" xmlns:a14="http://schemas.microsoft.com/office/drawing/2010/main" w="9525">
+                    <a:solidFill>
+                      <a:srgbClr val="000000"/>
+                    </a:solidFill>
+                    <a:round/>
+                    <a:headEnd/>
+                    <a:tailEnd/>
+                  </a14:hiddenLine>
+                </a:ext>
+              </a:extLst>
+            </p:spPr>
+            <p:txBody>
+              <a:bodyPr/>
+              <a:lstStyle/>
+              <a:p>
+                <a:endParaRPr lang="en-GB"/>
+              </a:p>
+            </p:txBody>
+          </p:sp>
+          <p:sp>
+            <p:nvSpPr>
+              <p:cNvPr id="43" name="Freeform 23">
+                <a:extLst>
+                  <a:ext uri="{FF2B5EF4-FFF2-40B4-BE49-F238E27FC236}">
+                    <a16:creationId xmlns:a16="http://schemas.microsoft.com/office/drawing/2014/main" id="{91D48543-2C05-4768-80B1-ECA6F885080A}"/>
+                  </a:ext>
+                  <a:ext uri="{C183D7F6-B498-43B3-948B-1728B52AA6E4}">
+                    <adec:decorative xmlns:adec="http://schemas.microsoft.com/office/drawing/2017/decorative" val="1"/>
+                  </a:ext>
+                </a:extLst>
+              </p:cNvPr>
+              <p:cNvSpPr>
+                <a:spLocks noEditPoints="1"/>
+              </p:cNvSpPr>
+              <p:nvPr>
+                <p:extLst>
+                  <p:ext uri="{386F3935-93C4-4BCD-93E2-E3B085C9AB24}">
+                    <p16:designElem xmlns:p16="http://schemas.microsoft.com/office/powerpoint/2015/main" val="1"/>
+                  </p:ext>
+                </p:extLst>
+              </p:nvPr>
+            </p:nvSpPr>
+            <p:spPr bwMode="auto">
+              <a:xfrm>
+                <a:off x="52387" y="4481513"/>
+                <a:ext cx="190500" cy="190500"/>
+              </a:xfrm>
+              <a:custGeom>
+                <a:avLst/>
+                <a:gdLst/>
+                <a:ahLst/>
+                <a:cxnLst/>
+                <a:rect l="0" t="0" r="r" b="b"/>
+                <a:pathLst>
+                  <a:path w="40" h="40">
+                    <a:moveTo>
+                      <a:pt x="20" y="40"/>
+                    </a:moveTo>
+                    <a:cubicBezTo>
+                      <a:pt x="9" y="40"/>
+                      <a:pt x="0" y="31"/>
+                      <a:pt x="0" y="20"/>
+                    </a:cubicBezTo>
+                    <a:cubicBezTo>
+                      <a:pt x="0" y="9"/>
+                      <a:pt x="9" y="0"/>
+                      <a:pt x="20" y="0"/>
+                    </a:cubicBezTo>
+                    <a:cubicBezTo>
+                      <a:pt x="31" y="0"/>
+                      <a:pt x="40" y="9"/>
+                      <a:pt x="40" y="20"/>
+                    </a:cubicBezTo>
+                    <a:cubicBezTo>
+                      <a:pt x="40" y="31"/>
+                      <a:pt x="31" y="40"/>
+                      <a:pt x="20" y="40"/>
+                    </a:cubicBezTo>
+                    <a:close/>
+                    <a:moveTo>
+                      <a:pt x="20" y="4"/>
+                    </a:moveTo>
+                    <a:cubicBezTo>
+                      <a:pt x="11" y="4"/>
+                      <a:pt x="4" y="11"/>
+                      <a:pt x="4" y="20"/>
+                    </a:cubicBezTo>
+                    <a:cubicBezTo>
+                      <a:pt x="4" y="29"/>
+                      <a:pt x="11" y="36"/>
+                      <a:pt x="20" y="36"/>
+                    </a:cubicBezTo>
+                    <a:cubicBezTo>
+                      <a:pt x="28" y="36"/>
+                      <a:pt x="36" y="29"/>
+                      <a:pt x="36" y="20"/>
+                    </a:cubicBezTo>
+                    <a:cubicBezTo>
+                      <a:pt x="36" y="11"/>
+                      <a:pt x="28" y="4"/>
+                      <a:pt x="20" y="4"/>
+                    </a:cubicBezTo>
+                    <a:close/>
+                  </a:path>
+                </a:pathLst>
+              </a:custGeom>
+              <a:grpFill/>
+              <a:ln>
+                <a:noFill/>
+              </a:ln>
+              <a:extLst>
+                <a:ext uri="{91240B29-F687-4f45-9708-019B960494DF}">
+                  <a14:hiddenLine xmlns="" xmlns:a16="http://schemas.microsoft.com/office/drawing/2014/main" xmlns:p14="http://schemas.microsoft.com/office/powerpoint/2010/main" xmlns:a14="http://schemas.microsoft.com/office/drawing/2010/main" w="9525">
+                    <a:solidFill>
+                      <a:srgbClr val="000000"/>
+                    </a:solidFill>
+                    <a:round/>
+                    <a:headEnd/>
+                    <a:tailEnd/>
+                  </a14:hiddenLine>
+                </a:ext>
+              </a:extLst>
+            </p:spPr>
+            <p:txBody>
+              <a:bodyPr/>
+              <a:lstStyle/>
+              <a:p>
+                <a:endParaRPr lang="en-GB"/>
+              </a:p>
+            </p:txBody>
+          </p:sp>
+          <p:sp>
+            <p:nvSpPr>
+              <p:cNvPr id="44" name="Freeform 24">
+                <a:extLst>
+                  <a:ext uri="{FF2B5EF4-FFF2-40B4-BE49-F238E27FC236}">
+                    <a16:creationId xmlns:a16="http://schemas.microsoft.com/office/drawing/2014/main" id="{3AC527CC-154C-4370-A25B-74AC5B4A6313}"/>
+                  </a:ext>
+                  <a:ext uri="{C183D7F6-B498-43B3-948B-1728B52AA6E4}">
+                    <adec:decorative xmlns:adec="http://schemas.microsoft.com/office/drawing/2017/decorative" val="1"/>
+                  </a:ext>
+                </a:extLst>
+              </p:cNvPr>
+              <p:cNvSpPr/>
+              <p:nvPr>
+                <p:extLst>
+                  <p:ext uri="{386F3935-93C4-4BCD-93E2-E3B085C9AB24}">
+                    <p16:designElem xmlns:p16="http://schemas.microsoft.com/office/powerpoint/2015/main" val="1"/>
+                  </p:ext>
+                </p:extLst>
+              </p:nvPr>
+            </p:nvSpPr>
+            <p:spPr bwMode="auto">
+              <a:xfrm>
+                <a:off x="-14288" y="5627688"/>
+                <a:ext cx="85725" cy="1216025"/>
+              </a:xfrm>
+              <a:custGeom>
+                <a:avLst/>
+                <a:gdLst/>
+                <a:ahLst/>
+                <a:cxnLst/>
+                <a:rect l="0" t="0" r="r" b="b"/>
+                <a:pathLst>
+                  <a:path w="54" h="766">
+                    <a:moveTo>
+                      <a:pt x="54" y="766"/>
+                    </a:moveTo>
+                    <a:lnTo>
+                      <a:pt x="36" y="766"/>
+                    </a:lnTo>
+                    <a:lnTo>
+                      <a:pt x="36" y="149"/>
+                    </a:lnTo>
+                    <a:lnTo>
+                      <a:pt x="0" y="3"/>
+                    </a:lnTo>
+                    <a:lnTo>
+                      <a:pt x="18" y="0"/>
+                    </a:lnTo>
+                    <a:lnTo>
+                      <a:pt x="54" y="146"/>
+                    </a:lnTo>
+                    <a:lnTo>
+                      <a:pt x="54" y="766"/>
+                    </a:lnTo>
+                    <a:close/>
+                  </a:path>
+                </a:pathLst>
+              </a:custGeom>
+              <a:grpFill/>
+              <a:ln>
+                <a:noFill/>
+              </a:ln>
+              <a:extLst>
+                <a:ext uri="{91240B29-F687-4f45-9708-019B960494DF}">
+                  <a14:hiddenLine xmlns="" xmlns:a16="http://schemas.microsoft.com/office/drawing/2014/main" xmlns:p14="http://schemas.microsoft.com/office/powerpoint/2010/main" xmlns:a14="http://schemas.microsoft.com/office/drawing/2010/main" w="9525">
+                    <a:solidFill>
+                      <a:srgbClr val="000000"/>
+                    </a:solidFill>
+                    <a:round/>
+                    <a:headEnd/>
+                    <a:tailEnd/>
+                  </a14:hiddenLine>
+                </a:ext>
+              </a:extLst>
+            </p:spPr>
+            <p:txBody>
+              <a:bodyPr/>
+              <a:lstStyle/>
+              <a:p>
+                <a:endParaRPr lang="en-GB"/>
+              </a:p>
+            </p:txBody>
+          </p:sp>
+          <p:sp>
+            <p:nvSpPr>
+              <p:cNvPr id="45" name="Freeform 25">
+                <a:extLst>
+                  <a:ext uri="{FF2B5EF4-FFF2-40B4-BE49-F238E27FC236}">
+                    <a16:creationId xmlns:a16="http://schemas.microsoft.com/office/drawing/2014/main" id="{798B18F5-51C9-4E50-95C5-A850EF5398AA}"/>
+                  </a:ext>
+                  <a:ext uri="{C183D7F6-B498-43B3-948B-1728B52AA6E4}">
+                    <adec:decorative xmlns:adec="http://schemas.microsoft.com/office/drawing/2017/decorative" val="1"/>
+                  </a:ext>
+                </a:extLst>
+              </p:cNvPr>
+              <p:cNvSpPr>
+                <a:spLocks noEditPoints="1"/>
+              </p:cNvSpPr>
+              <p:nvPr>
+                <p:extLst>
+                  <p:ext uri="{386F3935-93C4-4BCD-93E2-E3B085C9AB24}">
+                    <p16:designElem xmlns:p16="http://schemas.microsoft.com/office/powerpoint/2015/main" val="1"/>
+                  </p:ext>
+                </p:extLst>
+              </p:nvPr>
+            </p:nvSpPr>
+            <p:spPr bwMode="auto">
+              <a:xfrm>
+                <a:off x="527050" y="4867275"/>
+                <a:ext cx="190500" cy="188913"/>
+              </a:xfrm>
+              <a:custGeom>
+                <a:avLst/>
+                <a:gdLst/>
+                <a:ahLst/>
+                <a:cxnLst/>
+                <a:rect l="0" t="0" r="r" b="b"/>
+                <a:pathLst>
+                  <a:path w="40" h="40">
+                    <a:moveTo>
+                      <a:pt x="20" y="40"/>
+                    </a:moveTo>
+                    <a:cubicBezTo>
+                      <a:pt x="9" y="40"/>
+                      <a:pt x="0" y="31"/>
+                      <a:pt x="0" y="20"/>
+                    </a:cubicBezTo>
+                    <a:cubicBezTo>
+                      <a:pt x="0" y="9"/>
+                      <a:pt x="9" y="0"/>
+                      <a:pt x="20" y="0"/>
+                    </a:cubicBezTo>
+                    <a:cubicBezTo>
+                      <a:pt x="31" y="0"/>
+                      <a:pt x="40" y="9"/>
+                      <a:pt x="40" y="20"/>
+                    </a:cubicBezTo>
+                    <a:cubicBezTo>
+                      <a:pt x="40" y="31"/>
+                      <a:pt x="31" y="40"/>
+                      <a:pt x="20" y="40"/>
+                    </a:cubicBezTo>
+                    <a:close/>
+                    <a:moveTo>
+                      <a:pt x="20" y="4"/>
+                    </a:moveTo>
+                    <a:cubicBezTo>
+                      <a:pt x="11" y="4"/>
+                      <a:pt x="4" y="11"/>
+                      <a:pt x="4" y="20"/>
+                    </a:cubicBezTo>
+                    <a:cubicBezTo>
+                      <a:pt x="4" y="29"/>
+                      <a:pt x="11" y="36"/>
+                      <a:pt x="20" y="36"/>
+                    </a:cubicBezTo>
+                    <a:cubicBezTo>
+                      <a:pt x="29" y="36"/>
+                      <a:pt x="36" y="29"/>
+                      <a:pt x="36" y="20"/>
+                    </a:cubicBezTo>
+                    <a:cubicBezTo>
+                      <a:pt x="36" y="11"/>
+                      <a:pt x="29" y="4"/>
+                      <a:pt x="20" y="4"/>
+                    </a:cubicBezTo>
+                    <a:close/>
+                  </a:path>
+                </a:pathLst>
+              </a:custGeom>
+              <a:grpFill/>
+              <a:ln>
+                <a:noFill/>
+              </a:ln>
+              <a:extLst>
+                <a:ext uri="{91240B29-F687-4f45-9708-019B960494DF}">
+                  <a14:hiddenLine xmlns="" xmlns:a16="http://schemas.microsoft.com/office/drawing/2014/main" xmlns:p14="http://schemas.microsoft.com/office/powerpoint/2010/main" xmlns:a14="http://schemas.microsoft.com/office/drawing/2010/main" w="9525">
+                    <a:solidFill>
+                      <a:srgbClr val="000000"/>
+                    </a:solidFill>
+                    <a:round/>
+                    <a:headEnd/>
+                    <a:tailEnd/>
+                  </a14:hiddenLine>
+                </a:ext>
+              </a:extLst>
+            </p:spPr>
+            <p:txBody>
+              <a:bodyPr/>
+              <a:lstStyle/>
+              <a:p>
+                <a:endParaRPr lang="en-GB"/>
+              </a:p>
+            </p:txBody>
+          </p:sp>
+          <p:sp>
+            <p:nvSpPr>
+              <p:cNvPr id="46" name="Freeform 26">
+                <a:extLst>
+                  <a:ext uri="{FF2B5EF4-FFF2-40B4-BE49-F238E27FC236}">
+                    <a16:creationId xmlns:a16="http://schemas.microsoft.com/office/drawing/2014/main" id="{15B4CF27-638C-4979-B0FD-6263E13074A9}"/>
+                  </a:ext>
+                  <a:ext uri="{C183D7F6-B498-43B3-948B-1728B52AA6E4}">
+                    <adec:decorative xmlns:adec="http://schemas.microsoft.com/office/drawing/2017/decorative" val="1"/>
+                  </a:ext>
+                </a:extLst>
+              </p:cNvPr>
+              <p:cNvSpPr/>
+              <p:nvPr>
+                <p:extLst>
+                  <p:ext uri="{386F3935-93C4-4BCD-93E2-E3B085C9AB24}">
+                    <p16:designElem xmlns:p16="http://schemas.microsoft.com/office/powerpoint/2015/main" val="1"/>
+                  </p:ext>
+                </p:extLst>
+              </p:nvPr>
+            </p:nvSpPr>
+            <p:spPr bwMode="auto">
+              <a:xfrm>
+                <a:off x="309562" y="5422900"/>
+                <a:ext cx="374650" cy="1425575"/>
+              </a:xfrm>
+              <a:custGeom>
+                <a:avLst/>
+                <a:gdLst/>
+                <a:ahLst/>
+                <a:cxnLst/>
+                <a:rect l="0" t="0" r="r" b="b"/>
+                <a:pathLst>
+                  <a:path w="236" h="898">
+                    <a:moveTo>
+                      <a:pt x="18" y="898"/>
+                    </a:moveTo>
+                    <a:lnTo>
+                      <a:pt x="0" y="898"/>
+                    </a:lnTo>
+                    <a:lnTo>
+                      <a:pt x="0" y="515"/>
+                    </a:lnTo>
+                    <a:lnTo>
+                      <a:pt x="3" y="512"/>
+                    </a:lnTo>
+                    <a:lnTo>
+                      <a:pt x="221" y="0"/>
+                    </a:lnTo>
+                    <a:lnTo>
+                      <a:pt x="236" y="6"/>
+                    </a:lnTo>
+                    <a:lnTo>
+                      <a:pt x="18" y="518"/>
+                    </a:lnTo>
+                    <a:lnTo>
+                      <a:pt x="18" y="898"/>
+                    </a:lnTo>
+                    <a:close/>
+                  </a:path>
+                </a:pathLst>
+              </a:custGeom>
+              <a:grpFill/>
+              <a:ln>
+                <a:noFill/>
+              </a:ln>
+              <a:extLst>
+                <a:ext uri="{91240B29-F687-4f45-9708-019B960494DF}">
+                  <a14:hiddenLine xmlns="" xmlns:a16="http://schemas.microsoft.com/office/drawing/2014/main" xmlns:p14="http://schemas.microsoft.com/office/powerpoint/2010/main" xmlns:a14="http://schemas.microsoft.com/office/drawing/2010/main" w="9525">
+                    <a:solidFill>
+                      <a:srgbClr val="000000"/>
+                    </a:solidFill>
+                    <a:round/>
+                    <a:headEnd/>
+                    <a:tailEnd/>
+                  </a14:hiddenLine>
+                </a:ext>
+              </a:extLst>
+            </p:spPr>
+            <p:txBody>
+              <a:bodyPr/>
+              <a:lstStyle/>
+              <a:p>
+                <a:endParaRPr lang="en-GB"/>
+              </a:p>
+            </p:txBody>
+          </p:sp>
+          <p:sp>
+            <p:nvSpPr>
+              <p:cNvPr id="47" name="Freeform 27">
+                <a:extLst>
+                  <a:ext uri="{FF2B5EF4-FFF2-40B4-BE49-F238E27FC236}">
+                    <a16:creationId xmlns:a16="http://schemas.microsoft.com/office/drawing/2014/main" id="{236C6A22-48A2-4442-B82D-30DB49827242}"/>
+                  </a:ext>
+                  <a:ext uri="{C183D7F6-B498-43B3-948B-1728B52AA6E4}">
+                    <adec:decorative xmlns:adec="http://schemas.microsoft.com/office/drawing/2017/decorative" val="1"/>
+                  </a:ext>
+                </a:extLst>
+              </p:cNvPr>
+              <p:cNvSpPr/>
+              <p:nvPr>
+                <p:extLst>
+                  <p:ext uri="{386F3935-93C4-4BCD-93E2-E3B085C9AB24}">
+                    <p16:designElem xmlns:p16="http://schemas.microsoft.com/office/powerpoint/2015/main" val="1"/>
+                  </p:ext>
+                </p:extLst>
+              </p:nvPr>
+            </p:nvSpPr>
+            <p:spPr bwMode="auto">
+              <a:xfrm>
+                <a:off x="569912" y="5945188"/>
+                <a:ext cx="152400" cy="912813"/>
+              </a:xfrm>
+              <a:custGeom>
+                <a:avLst/>
+                <a:gdLst/>
+                <a:ahLst/>
+                <a:cxnLst/>
+                <a:rect l="0" t="0" r="r" b="b"/>
+                <a:pathLst>
+                  <a:path w="96" h="575">
+                    <a:moveTo>
+                      <a:pt x="15" y="575"/>
+                    </a:moveTo>
+                    <a:lnTo>
+                      <a:pt x="0" y="569"/>
+                    </a:lnTo>
+                    <a:lnTo>
+                      <a:pt x="81" y="383"/>
+                    </a:lnTo>
+                    <a:lnTo>
+                      <a:pt x="81" y="0"/>
+                    </a:lnTo>
+                    <a:lnTo>
+                      <a:pt x="96" y="0"/>
+                    </a:lnTo>
+                    <a:lnTo>
+                      <a:pt x="96" y="386"/>
+                    </a:lnTo>
+                    <a:lnTo>
+                      <a:pt x="15" y="575"/>
+                    </a:lnTo>
+                    <a:close/>
+                  </a:path>
+                </a:pathLst>
+              </a:custGeom>
+              <a:grpFill/>
+              <a:ln>
+                <a:noFill/>
+              </a:ln>
+              <a:extLst>
+                <a:ext uri="{91240B29-F687-4f45-9708-019B960494DF}">
+                  <a14:hiddenLine xmlns="" xmlns:a16="http://schemas.microsoft.com/office/drawing/2014/main" xmlns:p14="http://schemas.microsoft.com/office/powerpoint/2010/main" xmlns:a14="http://schemas.microsoft.com/office/drawing/2010/main" w="9525">
+                    <a:solidFill>
+                      <a:srgbClr val="000000"/>
+                    </a:solidFill>
+                    <a:round/>
+                    <a:headEnd/>
+                    <a:tailEnd/>
+                  </a14:hiddenLine>
+                </a:ext>
+              </a:extLst>
+            </p:spPr>
+            <p:txBody>
+              <a:bodyPr/>
+              <a:lstStyle/>
+              <a:p>
+                <a:endParaRPr lang="en-GB"/>
+              </a:p>
+            </p:txBody>
+          </p:sp>
+          <p:sp>
+            <p:nvSpPr>
+              <p:cNvPr id="48" name="Freeform 28">
+                <a:extLst>
+                  <a:ext uri="{FF2B5EF4-FFF2-40B4-BE49-F238E27FC236}">
+                    <a16:creationId xmlns:a16="http://schemas.microsoft.com/office/drawing/2014/main" id="{1BB7BCE1-0D99-412E-ABA6-81412638E9EC}"/>
+                  </a:ext>
+                  <a:ext uri="{C183D7F6-B498-43B3-948B-1728B52AA6E4}">
+                    <adec:decorative xmlns:adec="http://schemas.microsoft.com/office/drawing/2017/decorative" val="1"/>
+                  </a:ext>
+                </a:extLst>
+              </p:cNvPr>
+              <p:cNvSpPr>
+                <a:spLocks noEditPoints="1"/>
+              </p:cNvSpPr>
+              <p:nvPr>
+                <p:extLst>
+                  <p:ext uri="{386F3935-93C4-4BCD-93E2-E3B085C9AB24}">
+                    <p16:designElem xmlns:p16="http://schemas.microsoft.com/office/powerpoint/2015/main" val="1"/>
+                  </p:ext>
+                </p:extLst>
+              </p:nvPr>
+            </p:nvSpPr>
+            <p:spPr bwMode="auto">
+              <a:xfrm>
+                <a:off x="612775" y="5246688"/>
+                <a:ext cx="190500" cy="190500"/>
+              </a:xfrm>
+              <a:custGeom>
+                <a:avLst/>
+                <a:gdLst/>
+                <a:ahLst/>
+                <a:cxnLst/>
+                <a:rect l="0" t="0" r="r" b="b"/>
+                <a:pathLst>
+                  <a:path w="40" h="40">
+                    <a:moveTo>
+                      <a:pt x="20" y="40"/>
+                    </a:moveTo>
+                    <a:cubicBezTo>
+                      <a:pt x="9" y="40"/>
+                      <a:pt x="0" y="31"/>
+                      <a:pt x="0" y="20"/>
+                    </a:cubicBezTo>
+                    <a:cubicBezTo>
+                      <a:pt x="0" y="9"/>
+                      <a:pt x="9" y="0"/>
+                      <a:pt x="20" y="0"/>
+                    </a:cubicBezTo>
+                    <a:cubicBezTo>
+                      <a:pt x="31" y="0"/>
+                      <a:pt x="40" y="9"/>
+                      <a:pt x="40" y="20"/>
+                    </a:cubicBezTo>
+                    <a:cubicBezTo>
+                      <a:pt x="40" y="31"/>
+                      <a:pt x="31" y="40"/>
+                      <a:pt x="20" y="40"/>
+                    </a:cubicBezTo>
+                    <a:close/>
+                    <a:moveTo>
+                      <a:pt x="20" y="4"/>
+                    </a:moveTo>
+                    <a:cubicBezTo>
+                      <a:pt x="12" y="4"/>
+                      <a:pt x="4" y="11"/>
+                      <a:pt x="4" y="20"/>
+                    </a:cubicBezTo>
+                    <a:cubicBezTo>
+                      <a:pt x="4" y="29"/>
+                      <a:pt x="12" y="36"/>
+                      <a:pt x="20" y="36"/>
+                    </a:cubicBezTo>
+                    <a:cubicBezTo>
+                      <a:pt x="29" y="36"/>
+                      <a:pt x="36" y="29"/>
+                      <a:pt x="36" y="20"/>
+                    </a:cubicBezTo>
+                    <a:cubicBezTo>
+                      <a:pt x="36" y="11"/>
+                      <a:pt x="29" y="4"/>
+                      <a:pt x="20" y="4"/>
+                    </a:cubicBezTo>
+                    <a:close/>
+                  </a:path>
+                </a:pathLst>
+              </a:custGeom>
+              <a:grpFill/>
+              <a:ln>
+                <a:noFill/>
+              </a:ln>
+              <a:extLst>
+                <a:ext uri="{91240B29-F687-4f45-9708-019B960494DF}">
+                  <a14:hiddenLine xmlns="" xmlns:a16="http://schemas.microsoft.com/office/drawing/2014/main" xmlns:p14="http://schemas.microsoft.com/office/powerpoint/2010/main" xmlns:a14="http://schemas.microsoft.com/office/drawing/2010/main" w="9525">
+                    <a:solidFill>
+                      <a:srgbClr val="000000"/>
+                    </a:solidFill>
+                    <a:round/>
+                    <a:headEnd/>
+                    <a:tailEnd/>
+                  </a14:hiddenLine>
+                </a:ext>
+              </a:extLst>
+            </p:spPr>
+            <p:txBody>
+              <a:bodyPr/>
+              <a:lstStyle/>
+              <a:p>
+                <a:endParaRPr lang="en-GB"/>
+              </a:p>
+            </p:txBody>
+          </p:sp>
+          <p:sp>
+            <p:nvSpPr>
+              <p:cNvPr id="49" name="Freeform 29">
+                <a:extLst>
+                  <a:ext uri="{FF2B5EF4-FFF2-40B4-BE49-F238E27FC236}">
+                    <a16:creationId xmlns:a16="http://schemas.microsoft.com/office/drawing/2014/main" id="{C20E57E0-0912-44F2-93DA-75E4D13F3B74}"/>
+                  </a:ext>
+                  <a:ext uri="{C183D7F6-B498-43B3-948B-1728B52AA6E4}">
+                    <adec:decorative xmlns:adec="http://schemas.microsoft.com/office/drawing/2017/decorative" val="1"/>
+                  </a:ext>
+                </a:extLst>
+              </p:cNvPr>
+              <p:cNvSpPr>
+                <a:spLocks noEditPoints="1"/>
+              </p:cNvSpPr>
+              <p:nvPr>
+                <p:extLst>
+                  <p:ext uri="{386F3935-93C4-4BCD-93E2-E3B085C9AB24}">
+                    <p16:designElem xmlns:p16="http://schemas.microsoft.com/office/powerpoint/2015/main" val="1"/>
+                  </p:ext>
+                </p:extLst>
+              </p:nvPr>
+            </p:nvSpPr>
+            <p:spPr bwMode="auto">
+              <a:xfrm>
+                <a:off x="612775" y="5764213"/>
+                <a:ext cx="190500" cy="190500"/>
+              </a:xfrm>
+              <a:custGeom>
+                <a:avLst/>
+                <a:gdLst/>
+                <a:ahLst/>
+                <a:cxnLst/>
+                <a:rect l="0" t="0" r="r" b="b"/>
+                <a:pathLst>
+                  <a:path w="40" h="40">
+                    <a:moveTo>
+                      <a:pt x="20" y="40"/>
+                    </a:moveTo>
+                    <a:cubicBezTo>
+                      <a:pt x="9" y="40"/>
+                      <a:pt x="0" y="31"/>
+                      <a:pt x="0" y="20"/>
+                    </a:cubicBezTo>
+                    <a:cubicBezTo>
+                      <a:pt x="0" y="9"/>
+                      <a:pt x="9" y="0"/>
+                      <a:pt x="20" y="0"/>
+                    </a:cubicBezTo>
+                    <a:cubicBezTo>
+                      <a:pt x="31" y="0"/>
+                      <a:pt x="40" y="9"/>
+                      <a:pt x="40" y="20"/>
+                    </a:cubicBezTo>
+                    <a:cubicBezTo>
+                      <a:pt x="40" y="31"/>
+                      <a:pt x="31" y="40"/>
+                      <a:pt x="20" y="40"/>
+                    </a:cubicBezTo>
+                    <a:close/>
+                    <a:moveTo>
+                      <a:pt x="20" y="4"/>
+                    </a:moveTo>
+                    <a:cubicBezTo>
+                      <a:pt x="12" y="4"/>
+                      <a:pt x="4" y="11"/>
+                      <a:pt x="4" y="20"/>
+                    </a:cubicBezTo>
+                    <a:cubicBezTo>
+                      <a:pt x="4" y="29"/>
+                      <a:pt x="12" y="36"/>
+                      <a:pt x="20" y="36"/>
+                    </a:cubicBezTo>
+                    <a:cubicBezTo>
+                      <a:pt x="29" y="36"/>
+                      <a:pt x="36" y="29"/>
+                      <a:pt x="36" y="20"/>
+                    </a:cubicBezTo>
+                    <a:cubicBezTo>
+                      <a:pt x="36" y="11"/>
+                      <a:pt x="29" y="4"/>
+                      <a:pt x="20" y="4"/>
+                    </a:cubicBezTo>
+                    <a:close/>
+                  </a:path>
+                </a:pathLst>
+              </a:custGeom>
+              <a:grpFill/>
+              <a:ln>
+                <a:noFill/>
+              </a:ln>
+              <a:extLst>
+                <a:ext uri="{91240B29-F687-4f45-9708-019B960494DF}">
+                  <a14:hiddenLine xmlns="" xmlns:a16="http://schemas.microsoft.com/office/drawing/2014/main" xmlns:p14="http://schemas.microsoft.com/office/powerpoint/2010/main" xmlns:a14="http://schemas.microsoft.com/office/drawing/2010/main" w="9525">
+                    <a:solidFill>
+                      <a:srgbClr val="000000"/>
+                    </a:solidFill>
+                    <a:round/>
+                    <a:headEnd/>
+                    <a:tailEnd/>
+                  </a14:hiddenLine>
+                </a:ext>
+              </a:extLst>
+            </p:spPr>
+            <p:txBody>
+              <a:bodyPr/>
+              <a:lstStyle/>
+              <a:p>
+                <a:endParaRPr lang="en-GB"/>
+              </a:p>
+            </p:txBody>
+          </p:sp>
+          <p:sp>
+            <p:nvSpPr>
+              <p:cNvPr id="50" name="Freeform 30">
+                <a:extLst>
+                  <a:ext uri="{FF2B5EF4-FFF2-40B4-BE49-F238E27FC236}">
+                    <a16:creationId xmlns:a16="http://schemas.microsoft.com/office/drawing/2014/main" id="{DF059390-54ED-44F4-983F-92FF36AD94FB}"/>
+                  </a:ext>
+                  <a:ext uri="{C183D7F6-B498-43B3-948B-1728B52AA6E4}">
+                    <adec:decorative xmlns:adec="http://schemas.microsoft.com/office/drawing/2017/decorative" val="1"/>
+                  </a:ext>
+                </a:extLst>
+              </p:cNvPr>
+              <p:cNvSpPr/>
+              <p:nvPr>
+                <p:extLst>
+                  <p:ext uri="{386F3935-93C4-4BCD-93E2-E3B085C9AB24}">
+                    <p16:designElem xmlns:p16="http://schemas.microsoft.com/office/powerpoint/2015/main" val="1"/>
+                  </p:ext>
+                </p:extLst>
+              </p:nvPr>
+            </p:nvSpPr>
+            <p:spPr bwMode="auto">
+              <a:xfrm>
+                <a:off x="669925" y="6330950"/>
+                <a:ext cx="417513" cy="517525"/>
+              </a:xfrm>
+              <a:custGeom>
+                <a:avLst/>
+                <a:gdLst/>
+                <a:ahLst/>
+                <a:cxnLst/>
+                <a:rect l="0" t="0" r="r" b="b"/>
+                <a:pathLst>
+                  <a:path w="263" h="326">
+                    <a:moveTo>
+                      <a:pt x="15" y="326"/>
+                    </a:moveTo>
+                    <a:lnTo>
+                      <a:pt x="0" y="320"/>
+                    </a:lnTo>
+                    <a:lnTo>
+                      <a:pt x="45" y="206"/>
+                    </a:lnTo>
+                    <a:lnTo>
+                      <a:pt x="48" y="206"/>
+                    </a:lnTo>
+                    <a:lnTo>
+                      <a:pt x="254" y="0"/>
+                    </a:lnTo>
+                    <a:lnTo>
+                      <a:pt x="263" y="12"/>
+                    </a:lnTo>
+                    <a:lnTo>
+                      <a:pt x="60" y="215"/>
+                    </a:lnTo>
+                    <a:lnTo>
+                      <a:pt x="15" y="326"/>
+                    </a:lnTo>
+                    <a:close/>
+                  </a:path>
+                </a:pathLst>
+              </a:custGeom>
+              <a:grpFill/>
+              <a:ln>
+                <a:noFill/>
+              </a:ln>
+              <a:extLst>
+                <a:ext uri="{91240B29-F687-4f45-9708-019B960494DF}">
+                  <a14:hiddenLine xmlns="" xmlns:a16="http://schemas.microsoft.com/office/drawing/2014/main" xmlns:p14="http://schemas.microsoft.com/office/powerpoint/2010/main" xmlns:a14="http://schemas.microsoft.com/office/drawing/2010/main" w="9525">
+                    <a:solidFill>
+                      <a:srgbClr val="000000"/>
+                    </a:solidFill>
+                    <a:round/>
+                    <a:headEnd/>
+                    <a:tailEnd/>
+                  </a14:hiddenLine>
+                </a:ext>
+              </a:extLst>
+            </p:spPr>
+            <p:txBody>
+              <a:bodyPr/>
+              <a:lstStyle/>
+              <a:p>
+                <a:endParaRPr lang="en-GB"/>
+              </a:p>
+            </p:txBody>
+          </p:sp>
+          <p:sp>
+            <p:nvSpPr>
+              <p:cNvPr id="51" name="Freeform 31">
+                <a:extLst>
+                  <a:ext uri="{FF2B5EF4-FFF2-40B4-BE49-F238E27FC236}">
+                    <a16:creationId xmlns:a16="http://schemas.microsoft.com/office/drawing/2014/main" id="{42D5E9ED-595D-443D-8CDC-D8FCD4021D7D}"/>
+                  </a:ext>
+                  <a:ext uri="{C183D7F6-B498-43B3-948B-1728B52AA6E4}">
+                    <adec:decorative xmlns:adec="http://schemas.microsoft.com/office/drawing/2017/decorative" val="1"/>
+                  </a:ext>
+                </a:extLst>
+              </p:cNvPr>
+              <p:cNvSpPr>
+                <a:spLocks noEditPoints="1"/>
+              </p:cNvSpPr>
+              <p:nvPr>
+                <p:extLst>
+                  <p:ext uri="{386F3935-93C4-4BCD-93E2-E3B085C9AB24}">
+                    <p16:designElem xmlns:p16="http://schemas.microsoft.com/office/powerpoint/2015/main" val="1"/>
+                  </p:ext>
+                </p:extLst>
+              </p:nvPr>
+            </p:nvSpPr>
+            <p:spPr bwMode="auto">
+              <a:xfrm>
+                <a:off x="1049337" y="6221413"/>
+                <a:ext cx="157163" cy="147638"/>
+              </a:xfrm>
+              <a:custGeom>
+                <a:avLst/>
+                <a:gdLst/>
+                <a:ahLst/>
+                <a:cxnLst/>
+                <a:rect l="0" t="0" r="r" b="b"/>
+                <a:pathLst>
+                  <a:path w="33" h="31">
+                    <a:moveTo>
+                      <a:pt x="16" y="31"/>
+                    </a:moveTo>
+                    <a:cubicBezTo>
+                      <a:pt x="12" y="31"/>
+                      <a:pt x="8" y="29"/>
+                      <a:pt x="5" y="26"/>
+                    </a:cubicBezTo>
+                    <a:cubicBezTo>
+                      <a:pt x="2" y="24"/>
+                      <a:pt x="0" y="20"/>
+                      <a:pt x="0" y="15"/>
+                    </a:cubicBezTo>
+                    <a:cubicBezTo>
+                      <a:pt x="0" y="11"/>
+                      <a:pt x="2" y="7"/>
+                      <a:pt x="5" y="4"/>
+                    </a:cubicBezTo>
+                    <a:cubicBezTo>
+                      <a:pt x="8" y="1"/>
+                      <a:pt x="12" y="0"/>
+                      <a:pt x="16" y="0"/>
+                    </a:cubicBezTo>
+                    <a:cubicBezTo>
+                      <a:pt x="20" y="0"/>
+                      <a:pt x="24" y="1"/>
+                      <a:pt x="27" y="4"/>
+                    </a:cubicBezTo>
+                    <a:cubicBezTo>
+                      <a:pt x="33" y="10"/>
+                      <a:pt x="33" y="20"/>
+                      <a:pt x="27" y="26"/>
+                    </a:cubicBezTo>
+                    <a:cubicBezTo>
+                      <a:pt x="24" y="29"/>
+                      <a:pt x="20" y="31"/>
+                      <a:pt x="16" y="31"/>
+                    </a:cubicBezTo>
+                    <a:close/>
+                    <a:moveTo>
+                      <a:pt x="16" y="4"/>
+                    </a:moveTo>
+                    <a:cubicBezTo>
+                      <a:pt x="13" y="4"/>
+                      <a:pt x="10" y="5"/>
+                      <a:pt x="8" y="7"/>
+                    </a:cubicBezTo>
+                    <a:cubicBezTo>
+                      <a:pt x="6" y="9"/>
+                      <a:pt x="4" y="12"/>
+                      <a:pt x="4" y="15"/>
+                    </a:cubicBezTo>
+                    <a:cubicBezTo>
+                      <a:pt x="4" y="19"/>
+                      <a:pt x="6" y="21"/>
+                      <a:pt x="8" y="24"/>
+                    </a:cubicBezTo>
+                    <a:cubicBezTo>
+                      <a:pt x="10" y="26"/>
+                      <a:pt x="13" y="27"/>
+                      <a:pt x="16" y="27"/>
+                    </a:cubicBezTo>
+                    <a:cubicBezTo>
+                      <a:pt x="19" y="27"/>
+                      <a:pt x="22" y="26"/>
+                      <a:pt x="24" y="24"/>
+                    </a:cubicBezTo>
+                    <a:cubicBezTo>
+                      <a:pt x="29" y="19"/>
+                      <a:pt x="29" y="12"/>
+                      <a:pt x="24" y="7"/>
+                    </a:cubicBezTo>
+                    <a:cubicBezTo>
+                      <a:pt x="22" y="5"/>
+                      <a:pt x="19" y="4"/>
+                      <a:pt x="16" y="4"/>
+                    </a:cubicBezTo>
+                    <a:close/>
+                  </a:path>
+                </a:pathLst>
+              </a:custGeom>
+              <a:grpFill/>
+              <a:ln>
+                <a:noFill/>
+              </a:ln>
+              <a:extLst>
+                <a:ext uri="{91240B29-F687-4f45-9708-019B960494DF}">
+                  <a14:hiddenLine xmlns="" xmlns:a16="http://schemas.microsoft.com/office/drawing/2014/main" xmlns:p14="http://schemas.microsoft.com/office/powerpoint/2010/main" xmlns:a14="http://schemas.microsoft.com/office/drawing/2010/main" w="9525">
+                    <a:solidFill>
+                      <a:srgbClr val="000000"/>
+                    </a:solidFill>
+                    <a:round/>
+                    <a:headEnd/>
+                    <a:tailEnd/>
+                  </a14:hiddenLine>
+                </a:ext>
+              </a:extLst>
+            </p:spPr>
+            <p:txBody>
+              <a:bodyPr/>
+              <a:lstStyle/>
+              <a:p>
+                <a:endParaRPr lang="en-GB"/>
+              </a:p>
+            </p:txBody>
+          </p:sp>
+        </p:grpSp>
+        <p:grpSp>
+          <p:nvGrpSpPr>
+            <p:cNvPr id="14" name="Group 13">
+              <a:extLst>
+                <a:ext uri="{FF2B5EF4-FFF2-40B4-BE49-F238E27FC236}">
+                  <a16:creationId xmlns:a16="http://schemas.microsoft.com/office/drawing/2014/main" id="{DB14A457-C54A-4F1E-91FB-0FEE49877D68}"/>
+                </a:ext>
+                <a:ext uri="{C183D7F6-B498-43B3-948B-1728B52AA6E4}">
+                  <adec:decorative xmlns:adec="http://schemas.microsoft.com/office/drawing/2017/decorative" val="1"/>
+                </a:ext>
+              </a:extLst>
+            </p:cNvPr>
+            <p:cNvGrpSpPr/>
+            <p:nvPr>
+              <p:extLst>
+                <p:ext uri="{386F3935-93C4-4BCD-93E2-E3B085C9AB24}">
+                  <p16:designElem xmlns:p16="http://schemas.microsoft.com/office/powerpoint/2015/main" val="1"/>
+                </p:ext>
+              </p:extLst>
+            </p:nvPr>
+          </p:nvGrpSpPr>
+          <p:grpSpPr>
+            <a:xfrm>
+              <a:off x="11227597" y="0"/>
+              <a:ext cx="674688" cy="6848476"/>
+              <a:chOff x="11364912" y="0"/>
+              <a:chExt cx="674688" cy="6848476"/>
+            </a:xfrm>
+            <a:gradFill flip="none" rotWithShape="1">
+              <a:gsLst>
+                <a:gs pos="0">
+                  <a:schemeClr val="bg2"/>
+                </a:gs>
+                <a:gs pos="100000">
+                  <a:schemeClr val="tx2">
+                    <a:lumMod val="60000"/>
+                    <a:lumOff val="40000"/>
+                  </a:schemeClr>
+                </a:gs>
+              </a:gsLst>
+              <a:lin ang="5400000" scaled="0"/>
+              <a:tileRect/>
+            </a:gradFill>
+          </p:grpSpPr>
+          <p:sp>
+            <p:nvSpPr>
+              <p:cNvPr id="15" name="Freeform 32">
+                <a:extLst>
+                  <a:ext uri="{FF2B5EF4-FFF2-40B4-BE49-F238E27FC236}">
+                    <a16:creationId xmlns:a16="http://schemas.microsoft.com/office/drawing/2014/main" id="{791F3E2E-D393-464E-84B4-9B30D071ADE0}"/>
+                  </a:ext>
+                  <a:ext uri="{C183D7F6-B498-43B3-948B-1728B52AA6E4}">
+                    <adec:decorative xmlns:adec="http://schemas.microsoft.com/office/drawing/2017/decorative" val="1"/>
+                  </a:ext>
+                </a:extLst>
+              </p:cNvPr>
+              <p:cNvSpPr/>
+              <p:nvPr>
+                <p:extLst>
+                  <p:ext uri="{386F3935-93C4-4BCD-93E2-E3B085C9AB24}">
+                    <p16:designElem xmlns:p16="http://schemas.microsoft.com/office/powerpoint/2015/main" val="1"/>
+                  </p:ext>
+                </p:extLst>
+              </p:nvPr>
+            </p:nvSpPr>
+            <p:spPr bwMode="auto">
+              <a:xfrm>
+                <a:off x="11483975" y="0"/>
+                <a:ext cx="417513" cy="512763"/>
+              </a:xfrm>
+              <a:custGeom>
+                <a:avLst/>
+                <a:gdLst/>
+                <a:ahLst/>
+                <a:cxnLst/>
+                <a:rect l="0" t="0" r="r" b="b"/>
+                <a:pathLst>
+                  <a:path w="263" h="323">
+                    <a:moveTo>
+                      <a:pt x="12" y="323"/>
+                    </a:moveTo>
+                    <a:lnTo>
+                      <a:pt x="0" y="314"/>
+                    </a:lnTo>
+                    <a:lnTo>
+                      <a:pt x="203" y="108"/>
+                    </a:lnTo>
+                    <a:lnTo>
+                      <a:pt x="248" y="0"/>
+                    </a:lnTo>
+                    <a:lnTo>
+                      <a:pt x="263" y="6"/>
+                    </a:lnTo>
+                    <a:lnTo>
+                      <a:pt x="218" y="117"/>
+                    </a:lnTo>
+                    <a:lnTo>
+                      <a:pt x="218" y="117"/>
+                    </a:lnTo>
+                    <a:lnTo>
+                      <a:pt x="12" y="323"/>
+                    </a:lnTo>
+                    <a:close/>
+                  </a:path>
+                </a:pathLst>
+              </a:custGeom>
+              <a:grpFill/>
+              <a:ln>
+                <a:noFill/>
+              </a:ln>
+              <a:extLst>
+                <a:ext uri="{91240B29-F687-4f45-9708-019B960494DF}">
+                  <a14:hiddenLine xmlns="" xmlns:a16="http://schemas.microsoft.com/office/drawing/2014/main" xmlns:p14="http://schemas.microsoft.com/office/powerpoint/2010/main" xmlns:a14="http://schemas.microsoft.com/office/drawing/2010/main" w="9525">
+                    <a:solidFill>
+                      <a:srgbClr val="000000"/>
+                    </a:solidFill>
+                    <a:round/>
+                    <a:headEnd/>
+                    <a:tailEnd/>
+                  </a14:hiddenLine>
+                </a:ext>
+              </a:extLst>
+            </p:spPr>
+            <p:txBody>
+              <a:bodyPr/>
+              <a:lstStyle/>
+              <a:p>
+                <a:endParaRPr lang="en-GB"/>
+              </a:p>
+            </p:txBody>
+          </p:sp>
+          <p:sp>
+            <p:nvSpPr>
+              <p:cNvPr id="16" name="Freeform 33">
+                <a:extLst>
+                  <a:ext uri="{FF2B5EF4-FFF2-40B4-BE49-F238E27FC236}">
+                    <a16:creationId xmlns:a16="http://schemas.microsoft.com/office/drawing/2014/main" id="{EBEEAD6F-6425-4F85-A8A8-4FF19A909B34}"/>
+                  </a:ext>
+                  <a:ext uri="{C183D7F6-B498-43B3-948B-1728B52AA6E4}">
+                    <adec:decorative xmlns:adec="http://schemas.microsoft.com/office/drawing/2017/decorative" val="1"/>
+                  </a:ext>
+                </a:extLst>
+              </p:cNvPr>
+              <p:cNvSpPr>
+                <a:spLocks noEditPoints="1"/>
+              </p:cNvSpPr>
+              <p:nvPr>
+                <p:extLst>
+                  <p:ext uri="{386F3935-93C4-4BCD-93E2-E3B085C9AB24}">
+                    <p16:designElem xmlns:p16="http://schemas.microsoft.com/office/powerpoint/2015/main" val="1"/>
+                  </p:ext>
+                </p:extLst>
+              </p:nvPr>
+            </p:nvSpPr>
+            <p:spPr bwMode="auto">
+              <a:xfrm>
+                <a:off x="11364912" y="474663"/>
+                <a:ext cx="157163" cy="152400"/>
+              </a:xfrm>
+              <a:custGeom>
+                <a:avLst/>
+                <a:gdLst/>
+                <a:ahLst/>
+                <a:cxnLst/>
+                <a:rect l="0" t="0" r="r" b="b"/>
+                <a:pathLst>
+                  <a:path w="33" h="32">
+                    <a:moveTo>
+                      <a:pt x="17" y="32"/>
+                    </a:moveTo>
+                    <a:cubicBezTo>
+                      <a:pt x="13" y="32"/>
+                      <a:pt x="9" y="30"/>
+                      <a:pt x="6" y="27"/>
+                    </a:cubicBezTo>
+                    <a:cubicBezTo>
+                      <a:pt x="0" y="21"/>
+                      <a:pt x="0" y="11"/>
+                      <a:pt x="6" y="5"/>
+                    </a:cubicBezTo>
+                    <a:cubicBezTo>
+                      <a:pt x="9" y="2"/>
+                      <a:pt x="13" y="0"/>
+                      <a:pt x="17" y="0"/>
+                    </a:cubicBezTo>
+                    <a:cubicBezTo>
+                      <a:pt x="21" y="0"/>
+                      <a:pt x="25" y="2"/>
+                      <a:pt x="28" y="5"/>
+                    </a:cubicBezTo>
+                    <a:cubicBezTo>
+                      <a:pt x="31" y="8"/>
+                      <a:pt x="33" y="12"/>
+                      <a:pt x="33" y="16"/>
+                    </a:cubicBezTo>
+                    <a:cubicBezTo>
+                      <a:pt x="33" y="20"/>
+                      <a:pt x="31" y="24"/>
+                      <a:pt x="28" y="27"/>
+                    </a:cubicBezTo>
+                    <a:cubicBezTo>
+                      <a:pt x="25" y="30"/>
+                      <a:pt x="21" y="32"/>
+                      <a:pt x="17" y="32"/>
+                    </a:cubicBezTo>
+                    <a:close/>
+                    <a:moveTo>
+                      <a:pt x="17" y="4"/>
+                    </a:moveTo>
+                    <a:cubicBezTo>
+                      <a:pt x="14" y="4"/>
+                      <a:pt x="11" y="6"/>
+                      <a:pt x="9" y="8"/>
+                    </a:cubicBezTo>
+                    <a:cubicBezTo>
+                      <a:pt x="4" y="12"/>
+                      <a:pt x="4" y="20"/>
+                      <a:pt x="9" y="24"/>
+                    </a:cubicBezTo>
+                    <a:cubicBezTo>
+                      <a:pt x="11" y="27"/>
+                      <a:pt x="14" y="28"/>
+                      <a:pt x="17" y="28"/>
+                    </a:cubicBezTo>
+                    <a:cubicBezTo>
+                      <a:pt x="20" y="28"/>
+                      <a:pt x="23" y="27"/>
+                      <a:pt x="26" y="24"/>
+                    </a:cubicBezTo>
+                    <a:cubicBezTo>
+                      <a:pt x="30" y="20"/>
+                      <a:pt x="30" y="12"/>
+                      <a:pt x="26" y="8"/>
+                    </a:cubicBezTo>
+                    <a:cubicBezTo>
+                      <a:pt x="23" y="6"/>
+                      <a:pt x="20" y="4"/>
+                      <a:pt x="17" y="4"/>
+                    </a:cubicBezTo>
+                    <a:close/>
+                  </a:path>
+                </a:pathLst>
+              </a:custGeom>
+              <a:grpFill/>
+              <a:ln>
+                <a:noFill/>
+              </a:ln>
+              <a:extLst>
+                <a:ext uri="{91240B29-F687-4f45-9708-019B960494DF}">
+                  <a14:hiddenLine xmlns="" xmlns:a16="http://schemas.microsoft.com/office/drawing/2014/main" xmlns:p14="http://schemas.microsoft.com/office/powerpoint/2010/main" xmlns:a14="http://schemas.microsoft.com/office/drawing/2010/main" w="9525">
+                    <a:solidFill>
+                      <a:srgbClr val="000000"/>
+                    </a:solidFill>
+                    <a:round/>
+                    <a:headEnd/>
+                    <a:tailEnd/>
+                  </a14:hiddenLine>
+                </a:ext>
+              </a:extLst>
+            </p:spPr>
+            <p:txBody>
+              <a:bodyPr/>
+              <a:lstStyle/>
+              <a:p>
+                <a:endParaRPr lang="en-GB"/>
+              </a:p>
+            </p:txBody>
+          </p:sp>
+          <p:sp>
+            <p:nvSpPr>
+              <p:cNvPr id="17" name="Freeform 34">
+                <a:extLst>
+                  <a:ext uri="{FF2B5EF4-FFF2-40B4-BE49-F238E27FC236}">
+                    <a16:creationId xmlns:a16="http://schemas.microsoft.com/office/drawing/2014/main" id="{8AACA44E-9D6C-4708-8D61-D767B6620B8B}"/>
+                  </a:ext>
+                  <a:ext uri="{C183D7F6-B498-43B3-948B-1728B52AA6E4}">
+                    <adec:decorative xmlns:adec="http://schemas.microsoft.com/office/drawing/2017/decorative" val="1"/>
+                  </a:ext>
+                </a:extLst>
+              </p:cNvPr>
+              <p:cNvSpPr>
+                <a:spLocks noEditPoints="1"/>
+              </p:cNvSpPr>
+              <p:nvPr>
+                <p:extLst>
+                  <p:ext uri="{386F3935-93C4-4BCD-93E2-E3B085C9AB24}">
+                    <p16:designElem xmlns:p16="http://schemas.microsoft.com/office/powerpoint/2015/main" val="1"/>
+                  </p:ext>
+                </p:extLst>
+              </p:nvPr>
+            </p:nvSpPr>
+            <p:spPr bwMode="auto">
+              <a:xfrm>
+                <a:off x="11631612" y="1539875"/>
+                <a:ext cx="188913" cy="190500"/>
+              </a:xfrm>
+              <a:custGeom>
+                <a:avLst/>
+                <a:gdLst/>
+                <a:ahLst/>
+                <a:cxnLst/>
+                <a:rect l="0" t="0" r="r" b="b"/>
+                <a:pathLst>
+                  <a:path w="40" h="40">
+                    <a:moveTo>
+                      <a:pt x="20" y="40"/>
+                    </a:moveTo>
+                    <a:cubicBezTo>
+                      <a:pt x="9" y="40"/>
+                      <a:pt x="0" y="31"/>
+                      <a:pt x="0" y="20"/>
+                    </a:cubicBezTo>
+                    <a:cubicBezTo>
+                      <a:pt x="0" y="9"/>
+                      <a:pt x="9" y="0"/>
+                      <a:pt x="20" y="0"/>
+                    </a:cubicBezTo>
+                    <a:cubicBezTo>
+                      <a:pt x="31" y="0"/>
+                      <a:pt x="40" y="9"/>
+                      <a:pt x="40" y="20"/>
+                    </a:cubicBezTo>
+                    <a:cubicBezTo>
+                      <a:pt x="40" y="31"/>
+                      <a:pt x="31" y="40"/>
+                      <a:pt x="20" y="40"/>
+                    </a:cubicBezTo>
+                    <a:close/>
+                    <a:moveTo>
+                      <a:pt x="20" y="4"/>
+                    </a:moveTo>
+                    <a:cubicBezTo>
+                      <a:pt x="11" y="4"/>
+                      <a:pt x="4" y="11"/>
+                      <a:pt x="4" y="20"/>
+                    </a:cubicBezTo>
+                    <a:cubicBezTo>
+                      <a:pt x="4" y="29"/>
+                      <a:pt x="11" y="36"/>
+                      <a:pt x="20" y="36"/>
+                    </a:cubicBezTo>
+                    <a:cubicBezTo>
+                      <a:pt x="29" y="36"/>
+                      <a:pt x="36" y="29"/>
+                      <a:pt x="36" y="20"/>
+                    </a:cubicBezTo>
+                    <a:cubicBezTo>
+                      <a:pt x="36" y="11"/>
+                      <a:pt x="29" y="4"/>
+                      <a:pt x="20" y="4"/>
+                    </a:cubicBezTo>
+                    <a:close/>
+                  </a:path>
+                </a:pathLst>
+              </a:custGeom>
+              <a:grpFill/>
+              <a:ln>
+                <a:noFill/>
+              </a:ln>
+              <a:extLst>
+                <a:ext uri="{91240B29-F687-4f45-9708-019B960494DF}">
+                  <a14:hiddenLine xmlns="" xmlns:a16="http://schemas.microsoft.com/office/drawing/2014/main" xmlns:p14="http://schemas.microsoft.com/office/powerpoint/2010/main" xmlns:a14="http://schemas.microsoft.com/office/drawing/2010/main" w="9525">
+                    <a:solidFill>
+                      <a:srgbClr val="000000"/>
+                    </a:solidFill>
+                    <a:round/>
+                    <a:headEnd/>
+                    <a:tailEnd/>
+                  </a14:hiddenLine>
+                </a:ext>
+              </a:extLst>
+            </p:spPr>
+            <p:txBody>
+              <a:bodyPr/>
+              <a:lstStyle/>
+              <a:p>
+                <a:endParaRPr lang="en-GB"/>
+              </a:p>
+            </p:txBody>
+          </p:sp>
+          <p:sp>
+            <p:nvSpPr>
+              <p:cNvPr id="18" name="Freeform 35">
+                <a:extLst>
+                  <a:ext uri="{FF2B5EF4-FFF2-40B4-BE49-F238E27FC236}">
+                    <a16:creationId xmlns:a16="http://schemas.microsoft.com/office/drawing/2014/main" id="{B6E3525F-9937-463E-872C-8EB7C62D10CA}"/>
+                  </a:ext>
+                  <a:ext uri="{C183D7F6-B498-43B3-948B-1728B52AA6E4}">
+                    <adec:decorative xmlns:adec="http://schemas.microsoft.com/office/drawing/2017/decorative" val="1"/>
+                  </a:ext>
+                </a:extLst>
+              </p:cNvPr>
+              <p:cNvSpPr/>
+              <p:nvPr>
+                <p:extLst>
+                  <p:ext uri="{386F3935-93C4-4BCD-93E2-E3B085C9AB24}">
+                    <p16:designElem xmlns:p16="http://schemas.microsoft.com/office/powerpoint/2015/main" val="1"/>
+                  </p:ext>
+                </p:extLst>
+              </p:nvPr>
+            </p:nvSpPr>
+            <p:spPr bwMode="auto">
+              <a:xfrm>
+                <a:off x="11531600" y="5694363"/>
+                <a:ext cx="298450" cy="1154113"/>
+              </a:xfrm>
+              <a:custGeom>
+                <a:avLst/>
+                <a:gdLst/>
+                <a:ahLst/>
+                <a:cxnLst/>
+                <a:rect l="0" t="0" r="r" b="b"/>
+                <a:pathLst>
+                  <a:path w="188" h="727">
+                    <a:moveTo>
+                      <a:pt x="15" y="727"/>
+                    </a:moveTo>
+                    <a:lnTo>
+                      <a:pt x="0" y="727"/>
+                    </a:lnTo>
+                    <a:lnTo>
+                      <a:pt x="0" y="407"/>
+                    </a:lnTo>
+                    <a:lnTo>
+                      <a:pt x="0" y="407"/>
+                    </a:lnTo>
+                    <a:lnTo>
+                      <a:pt x="176" y="0"/>
+                    </a:lnTo>
+                    <a:lnTo>
+                      <a:pt x="188" y="6"/>
+                    </a:lnTo>
+                    <a:lnTo>
+                      <a:pt x="15" y="410"/>
+                    </a:lnTo>
+                    <a:lnTo>
+                      <a:pt x="15" y="727"/>
+                    </a:lnTo>
+                    <a:close/>
+                  </a:path>
+                </a:pathLst>
+              </a:custGeom>
+              <a:grpFill/>
+              <a:ln>
+                <a:noFill/>
+              </a:ln>
+              <a:extLst>
+                <a:ext uri="{91240B29-F687-4f45-9708-019B960494DF}">
+                  <a14:hiddenLine xmlns="" xmlns:a16="http://schemas.microsoft.com/office/drawing/2014/main" xmlns:p14="http://schemas.microsoft.com/office/powerpoint/2010/main" xmlns:a14="http://schemas.microsoft.com/office/drawing/2010/main" w="9525">
+                    <a:solidFill>
+                      <a:srgbClr val="000000"/>
+                    </a:solidFill>
+                    <a:round/>
+                    <a:headEnd/>
+                    <a:tailEnd/>
+                  </a14:hiddenLine>
+                </a:ext>
+              </a:extLst>
+            </p:spPr>
+            <p:txBody>
+              <a:bodyPr/>
+              <a:lstStyle/>
+              <a:p>
+                <a:endParaRPr lang="en-GB"/>
+              </a:p>
+            </p:txBody>
+          </p:sp>
+          <p:sp>
+            <p:nvSpPr>
+              <p:cNvPr id="19" name="Freeform 36">
+                <a:extLst>
+                  <a:ext uri="{FF2B5EF4-FFF2-40B4-BE49-F238E27FC236}">
+                    <a16:creationId xmlns:a16="http://schemas.microsoft.com/office/drawing/2014/main" id="{BE829B0B-C602-40F1-81D1-A55332343D79}"/>
+                  </a:ext>
+                  <a:ext uri="{C183D7F6-B498-43B3-948B-1728B52AA6E4}">
+                    <adec:decorative xmlns:adec="http://schemas.microsoft.com/office/drawing/2017/decorative" val="1"/>
+                  </a:ext>
+                </a:extLst>
+              </p:cNvPr>
+              <p:cNvSpPr>
+                <a:spLocks noEditPoints="1"/>
+              </p:cNvSpPr>
+              <p:nvPr>
+                <p:extLst>
+                  <p:ext uri="{386F3935-93C4-4BCD-93E2-E3B085C9AB24}">
+                    <p16:designElem xmlns:p16="http://schemas.microsoft.com/office/powerpoint/2015/main" val="1"/>
+                  </p:ext>
+                </p:extLst>
+              </p:nvPr>
+            </p:nvSpPr>
+            <p:spPr bwMode="auto">
+              <a:xfrm>
+                <a:off x="11772900" y="5551488"/>
+                <a:ext cx="157163" cy="155575"/>
+              </a:xfrm>
+              <a:custGeom>
+                <a:avLst/>
+                <a:gdLst/>
+                <a:ahLst/>
+                <a:cxnLst/>
+                <a:rect l="0" t="0" r="r" b="b"/>
+                <a:pathLst>
+                  <a:path w="33" h="33">
+                    <a:moveTo>
+                      <a:pt x="17" y="33"/>
+                    </a:moveTo>
+                    <a:cubicBezTo>
+                      <a:pt x="8" y="33"/>
+                      <a:pt x="0" y="25"/>
+                      <a:pt x="0" y="16"/>
+                    </a:cubicBezTo>
+                    <a:cubicBezTo>
+                      <a:pt x="0" y="7"/>
+                      <a:pt x="8" y="0"/>
+                      <a:pt x="17" y="0"/>
+                    </a:cubicBezTo>
+                    <a:cubicBezTo>
+                      <a:pt x="26" y="0"/>
+                      <a:pt x="33" y="7"/>
+                      <a:pt x="33" y="16"/>
+                    </a:cubicBezTo>
+                    <a:cubicBezTo>
+                      <a:pt x="33" y="25"/>
+                      <a:pt x="26" y="33"/>
+                      <a:pt x="17" y="33"/>
+                    </a:cubicBezTo>
+                    <a:close/>
+                    <a:moveTo>
+                      <a:pt x="17" y="4"/>
+                    </a:moveTo>
+                    <a:cubicBezTo>
+                      <a:pt x="10" y="4"/>
+                      <a:pt x="4" y="9"/>
+                      <a:pt x="4" y="16"/>
+                    </a:cubicBezTo>
+                    <a:cubicBezTo>
+                      <a:pt x="4" y="23"/>
+                      <a:pt x="10" y="29"/>
+                      <a:pt x="17" y="29"/>
+                    </a:cubicBezTo>
+                    <a:cubicBezTo>
+                      <a:pt x="23" y="29"/>
+                      <a:pt x="29" y="23"/>
+                      <a:pt x="29" y="16"/>
+                    </a:cubicBezTo>
+                    <a:cubicBezTo>
+                      <a:pt x="29" y="9"/>
+                      <a:pt x="23" y="4"/>
+                      <a:pt x="17" y="4"/>
+                    </a:cubicBezTo>
+                    <a:close/>
+                  </a:path>
+                </a:pathLst>
+              </a:custGeom>
+              <a:grpFill/>
+              <a:ln>
+                <a:noFill/>
+              </a:ln>
+              <a:extLst>
+                <a:ext uri="{91240B29-F687-4f45-9708-019B960494DF}">
+                  <a14:hiddenLine xmlns="" xmlns:a16="http://schemas.microsoft.com/office/drawing/2014/main" xmlns:p14="http://schemas.microsoft.com/office/powerpoint/2010/main" xmlns:a14="http://schemas.microsoft.com/office/drawing/2010/main" w="9525">
+                    <a:solidFill>
+                      <a:srgbClr val="000000"/>
+                    </a:solidFill>
+                    <a:round/>
+                    <a:headEnd/>
+                    <a:tailEnd/>
+                  </a14:hiddenLine>
+                </a:ext>
+              </a:extLst>
+            </p:spPr>
+            <p:txBody>
+              <a:bodyPr/>
+              <a:lstStyle/>
+              <a:p>
+                <a:endParaRPr lang="en-GB"/>
+              </a:p>
+            </p:txBody>
+          </p:sp>
+          <p:sp>
+            <p:nvSpPr>
+              <p:cNvPr id="20" name="Freeform 37">
+                <a:extLst>
+                  <a:ext uri="{FF2B5EF4-FFF2-40B4-BE49-F238E27FC236}">
+                    <a16:creationId xmlns:a16="http://schemas.microsoft.com/office/drawing/2014/main" id="{92660531-24B5-4B97-A4A2-64686E235DAE}"/>
+                  </a:ext>
+                  <a:ext uri="{C183D7F6-B498-43B3-948B-1728B52AA6E4}">
+                    <adec:decorative xmlns:adec="http://schemas.microsoft.com/office/drawing/2017/decorative" val="1"/>
+                  </a:ext>
+                </a:extLst>
+              </p:cNvPr>
+              <p:cNvSpPr/>
+              <p:nvPr>
+                <p:extLst>
+                  <p:ext uri="{386F3935-93C4-4BCD-93E2-E3B085C9AB24}">
+                    <p16:designElem xmlns:p16="http://schemas.microsoft.com/office/powerpoint/2015/main" val="1"/>
+                  </p:ext>
+                </p:extLst>
+              </p:nvPr>
+            </p:nvSpPr>
+            <p:spPr bwMode="auto">
+              <a:xfrm>
+                <a:off x="11710987" y="4763"/>
+                <a:ext cx="304800" cy="1544638"/>
+              </a:xfrm>
+              <a:custGeom>
+                <a:avLst/>
+                <a:gdLst/>
+                <a:ahLst/>
+                <a:cxnLst/>
+                <a:rect l="0" t="0" r="r" b="b"/>
+                <a:pathLst>
+                  <a:path w="192" h="973">
+                    <a:moveTo>
+                      <a:pt x="15" y="973"/>
+                    </a:moveTo>
+                    <a:lnTo>
+                      <a:pt x="0" y="973"/>
+                    </a:lnTo>
+                    <a:lnTo>
+                      <a:pt x="0" y="790"/>
+                    </a:lnTo>
+                    <a:lnTo>
+                      <a:pt x="174" y="614"/>
+                    </a:lnTo>
+                    <a:lnTo>
+                      <a:pt x="174" y="0"/>
+                    </a:lnTo>
+                    <a:lnTo>
+                      <a:pt x="192" y="0"/>
+                    </a:lnTo>
+                    <a:lnTo>
+                      <a:pt x="192" y="620"/>
+                    </a:lnTo>
+                    <a:lnTo>
+                      <a:pt x="15" y="796"/>
+                    </a:lnTo>
+                    <a:lnTo>
+                      <a:pt x="15" y="973"/>
+                    </a:lnTo>
+                    <a:close/>
+                  </a:path>
+                </a:pathLst>
+              </a:custGeom>
+              <a:grpFill/>
+              <a:ln>
+                <a:noFill/>
+              </a:ln>
+              <a:extLst>
+                <a:ext uri="{91240B29-F687-4f45-9708-019B960494DF}">
+                  <a14:hiddenLine xmlns="" xmlns:a16="http://schemas.microsoft.com/office/drawing/2014/main" xmlns:p14="http://schemas.microsoft.com/office/powerpoint/2010/main" xmlns:a14="http://schemas.microsoft.com/office/drawing/2010/main" w="9525">
+                    <a:solidFill>
+                      <a:srgbClr val="000000"/>
+                    </a:solidFill>
+                    <a:round/>
+                    <a:headEnd/>
+                    <a:tailEnd/>
+                  </a14:hiddenLine>
+                </a:ext>
+              </a:extLst>
+            </p:spPr>
+            <p:txBody>
+              <a:bodyPr/>
+              <a:lstStyle/>
+              <a:p>
+                <a:endParaRPr lang="en-GB"/>
+              </a:p>
+            </p:txBody>
+          </p:sp>
+          <p:sp>
+            <p:nvSpPr>
+              <p:cNvPr id="21" name="Freeform 38">
+                <a:extLst>
+                  <a:ext uri="{FF2B5EF4-FFF2-40B4-BE49-F238E27FC236}">
+                    <a16:creationId xmlns:a16="http://schemas.microsoft.com/office/drawing/2014/main" id="{6242D0CE-6FFD-4D17-AC26-BD3E481195FB}"/>
+                  </a:ext>
+                  <a:ext uri="{C183D7F6-B498-43B3-948B-1728B52AA6E4}">
+                    <adec:decorative xmlns:adec="http://schemas.microsoft.com/office/drawing/2017/decorative" val="1"/>
+                  </a:ext>
+                </a:extLst>
+              </p:cNvPr>
+              <p:cNvSpPr>
+                <a:spLocks noEditPoints="1"/>
+              </p:cNvSpPr>
+              <p:nvPr>
+                <p:extLst>
+                  <p:ext uri="{386F3935-93C4-4BCD-93E2-E3B085C9AB24}">
+                    <p16:designElem xmlns:p16="http://schemas.microsoft.com/office/powerpoint/2015/main" val="1"/>
+                  </p:ext>
+                </p:extLst>
+              </p:nvPr>
+            </p:nvSpPr>
+            <p:spPr bwMode="auto">
+              <a:xfrm>
+                <a:off x="11636375" y="4867275"/>
+                <a:ext cx="188913" cy="188913"/>
+              </a:xfrm>
+              <a:custGeom>
+                <a:avLst/>
+                <a:gdLst/>
+                <a:ahLst/>
+                <a:cxnLst/>
+                <a:rect l="0" t="0" r="r" b="b"/>
+                <a:pathLst>
+                  <a:path w="40" h="40">
+                    <a:moveTo>
+                      <a:pt x="20" y="40"/>
+                    </a:moveTo>
+                    <a:cubicBezTo>
+                      <a:pt x="9" y="40"/>
+                      <a:pt x="0" y="31"/>
+                      <a:pt x="0" y="20"/>
+                    </a:cubicBezTo>
+                    <a:cubicBezTo>
+                      <a:pt x="0" y="9"/>
+                      <a:pt x="9" y="0"/>
+                      <a:pt x="20" y="0"/>
+                    </a:cubicBezTo>
+                    <a:cubicBezTo>
+                      <a:pt x="31" y="0"/>
+                      <a:pt x="40" y="9"/>
+                      <a:pt x="40" y="20"/>
+                    </a:cubicBezTo>
+                    <a:cubicBezTo>
+                      <a:pt x="40" y="31"/>
+                      <a:pt x="31" y="40"/>
+                      <a:pt x="20" y="40"/>
+                    </a:cubicBezTo>
+                    <a:close/>
+                    <a:moveTo>
+                      <a:pt x="20" y="4"/>
+                    </a:moveTo>
+                    <a:cubicBezTo>
+                      <a:pt x="11" y="4"/>
+                      <a:pt x="4" y="11"/>
+                      <a:pt x="4" y="20"/>
+                    </a:cubicBezTo>
+                    <a:cubicBezTo>
+                      <a:pt x="4" y="29"/>
+                      <a:pt x="11" y="36"/>
+                      <a:pt x="20" y="36"/>
+                    </a:cubicBezTo>
+                    <a:cubicBezTo>
+                      <a:pt x="29" y="36"/>
+                      <a:pt x="36" y="29"/>
+                      <a:pt x="36" y="20"/>
+                    </a:cubicBezTo>
+                    <a:cubicBezTo>
+                      <a:pt x="36" y="11"/>
+                      <a:pt x="29" y="4"/>
+                      <a:pt x="20" y="4"/>
+                    </a:cubicBezTo>
+                    <a:close/>
+                  </a:path>
+                </a:pathLst>
+              </a:custGeom>
+              <a:grpFill/>
+              <a:ln>
+                <a:noFill/>
+              </a:ln>
+              <a:extLst>
+                <a:ext uri="{91240B29-F687-4f45-9708-019B960494DF}">
+                  <a14:hiddenLine xmlns="" xmlns:a16="http://schemas.microsoft.com/office/drawing/2014/main" xmlns:p14="http://schemas.microsoft.com/office/powerpoint/2010/main" xmlns:a14="http://schemas.microsoft.com/office/drawing/2010/main" w="9525">
+                    <a:solidFill>
+                      <a:srgbClr val="000000"/>
+                    </a:solidFill>
+                    <a:round/>
+                    <a:headEnd/>
+                    <a:tailEnd/>
+                  </a14:hiddenLine>
+                </a:ext>
+              </a:extLst>
+            </p:spPr>
+            <p:txBody>
+              <a:bodyPr/>
+              <a:lstStyle/>
+              <a:p>
+                <a:endParaRPr lang="en-GB"/>
+              </a:p>
+            </p:txBody>
+          </p:sp>
+          <p:sp>
+            <p:nvSpPr>
+              <p:cNvPr id="22" name="Freeform 39">
+                <a:extLst>
+                  <a:ext uri="{FF2B5EF4-FFF2-40B4-BE49-F238E27FC236}">
+                    <a16:creationId xmlns:a16="http://schemas.microsoft.com/office/drawing/2014/main" id="{61631F37-AF37-4DB9-8D98-A08586C7663F}"/>
+                  </a:ext>
+                  <a:ext uri="{C183D7F6-B498-43B3-948B-1728B52AA6E4}">
+                    <adec:decorative xmlns:adec="http://schemas.microsoft.com/office/drawing/2017/decorative" val="1"/>
+                  </a:ext>
+                </a:extLst>
+              </p:cNvPr>
+              <p:cNvSpPr/>
+              <p:nvPr>
+                <p:extLst>
+                  <p:ext uri="{386F3935-93C4-4BCD-93E2-E3B085C9AB24}">
+                    <p16:designElem xmlns:p16="http://schemas.microsoft.com/office/powerpoint/2015/main" val="1"/>
+                  </p:ext>
+                </p:extLst>
+              </p:nvPr>
+            </p:nvSpPr>
+            <p:spPr bwMode="auto">
+              <a:xfrm>
+                <a:off x="11441112" y="5046663"/>
+                <a:ext cx="307975" cy="1801813"/>
+              </a:xfrm>
+              <a:custGeom>
+                <a:avLst/>
+                <a:gdLst/>
+                <a:ahLst/>
+                <a:cxnLst/>
+                <a:rect l="0" t="0" r="r" b="b"/>
+                <a:pathLst>
+                  <a:path w="194" h="1135">
+                    <a:moveTo>
+                      <a:pt x="18" y="1135"/>
+                    </a:moveTo>
+                    <a:lnTo>
+                      <a:pt x="0" y="1135"/>
+                    </a:lnTo>
+                    <a:lnTo>
+                      <a:pt x="0" y="354"/>
+                    </a:lnTo>
+                    <a:lnTo>
+                      <a:pt x="176" y="177"/>
+                    </a:lnTo>
+                    <a:lnTo>
+                      <a:pt x="176" y="0"/>
+                    </a:lnTo>
+                    <a:lnTo>
+                      <a:pt x="194" y="0"/>
+                    </a:lnTo>
+                    <a:lnTo>
+                      <a:pt x="194" y="183"/>
+                    </a:lnTo>
+                    <a:lnTo>
+                      <a:pt x="18" y="360"/>
+                    </a:lnTo>
+                    <a:lnTo>
+                      <a:pt x="18" y="1135"/>
+                    </a:lnTo>
+                    <a:close/>
+                  </a:path>
+                </a:pathLst>
+              </a:custGeom>
+              <a:grpFill/>
+              <a:ln>
+                <a:noFill/>
+              </a:ln>
+              <a:extLst>
+                <a:ext uri="{91240B29-F687-4f45-9708-019B960494DF}">
+                  <a14:hiddenLine xmlns="" xmlns:a16="http://schemas.microsoft.com/office/drawing/2014/main" xmlns:p14="http://schemas.microsoft.com/office/powerpoint/2010/main" xmlns:a14="http://schemas.microsoft.com/office/drawing/2010/main" w="9525">
+                    <a:solidFill>
+                      <a:srgbClr val="000000"/>
+                    </a:solidFill>
+                    <a:round/>
+                    <a:headEnd/>
+                    <a:tailEnd/>
+                  </a14:hiddenLine>
+                </a:ext>
+              </a:extLst>
+            </p:spPr>
+            <p:txBody>
+              <a:bodyPr/>
+              <a:lstStyle/>
+              <a:p>
+                <a:endParaRPr lang="en-GB"/>
+              </a:p>
+            </p:txBody>
+          </p:sp>
+          <p:sp>
+            <p:nvSpPr>
+              <p:cNvPr id="23" name="Freeform 40">
+                <a:extLst>
+                  <a:ext uri="{FF2B5EF4-FFF2-40B4-BE49-F238E27FC236}">
+                    <a16:creationId xmlns:a16="http://schemas.microsoft.com/office/drawing/2014/main" id="{2A2597FF-2F22-40BB-A7B3-19C4DFCFFA0B}"/>
+                  </a:ext>
+                  <a:ext uri="{C183D7F6-B498-43B3-948B-1728B52AA6E4}">
+                    <adec:decorative xmlns:adec="http://schemas.microsoft.com/office/drawing/2017/decorative" val="1"/>
+                  </a:ext>
+                </a:extLst>
+              </p:cNvPr>
+              <p:cNvSpPr>
+                <a:spLocks noEditPoints="1"/>
+              </p:cNvSpPr>
+              <p:nvPr>
+                <p:extLst>
+                  <p:ext uri="{386F3935-93C4-4BCD-93E2-E3B085C9AB24}">
+                    <p16:designElem xmlns:p16="http://schemas.microsoft.com/office/powerpoint/2015/main" val="1"/>
+                  </p:ext>
+                </p:extLst>
+              </p:nvPr>
+            </p:nvSpPr>
+            <p:spPr bwMode="auto">
+              <a:xfrm>
+                <a:off x="11849100" y="6416675"/>
+                <a:ext cx="190500" cy="188913"/>
+              </a:xfrm>
+              <a:custGeom>
+                <a:avLst/>
+                <a:gdLst/>
+                <a:ahLst/>
+                <a:cxnLst/>
+                <a:rect l="0" t="0" r="r" b="b"/>
+                <a:pathLst>
+                  <a:path w="40" h="40">
+                    <a:moveTo>
+                      <a:pt x="20" y="40"/>
+                    </a:moveTo>
+                    <a:cubicBezTo>
+                      <a:pt x="9" y="40"/>
+                      <a:pt x="0" y="31"/>
+                      <a:pt x="0" y="20"/>
+                    </a:cubicBezTo>
+                    <a:cubicBezTo>
+                      <a:pt x="0" y="9"/>
+                      <a:pt x="9" y="0"/>
+                      <a:pt x="20" y="0"/>
+                    </a:cubicBezTo>
+                    <a:cubicBezTo>
+                      <a:pt x="31" y="0"/>
+                      <a:pt x="40" y="9"/>
+                      <a:pt x="40" y="20"/>
+                    </a:cubicBezTo>
+                    <a:cubicBezTo>
+                      <a:pt x="40" y="31"/>
+                      <a:pt x="31" y="40"/>
+                      <a:pt x="20" y="40"/>
+                    </a:cubicBezTo>
+                    <a:close/>
+                    <a:moveTo>
+                      <a:pt x="20" y="4"/>
+                    </a:moveTo>
+                    <a:cubicBezTo>
+                      <a:pt x="12" y="4"/>
+                      <a:pt x="4" y="11"/>
+                      <a:pt x="4" y="20"/>
+                    </a:cubicBezTo>
+                    <a:cubicBezTo>
+                      <a:pt x="4" y="29"/>
+                      <a:pt x="12" y="36"/>
+                      <a:pt x="20" y="36"/>
+                    </a:cubicBezTo>
+                    <a:cubicBezTo>
+                      <a:pt x="29" y="36"/>
+                      <a:pt x="36" y="29"/>
+                      <a:pt x="36" y="20"/>
+                    </a:cubicBezTo>
+                    <a:cubicBezTo>
+                      <a:pt x="36" y="11"/>
+                      <a:pt x="29" y="4"/>
+                      <a:pt x="20" y="4"/>
+                    </a:cubicBezTo>
+                    <a:close/>
+                  </a:path>
+                </a:pathLst>
+              </a:custGeom>
+              <a:grpFill/>
+              <a:ln>
+                <a:noFill/>
+              </a:ln>
+              <a:extLst>
+                <a:ext uri="{91240B29-F687-4f45-9708-019B960494DF}">
+                  <a14:hiddenLine xmlns="" xmlns:a16="http://schemas.microsoft.com/office/drawing/2014/main" xmlns:p14="http://schemas.microsoft.com/office/powerpoint/2010/main" xmlns:a14="http://schemas.microsoft.com/office/drawing/2010/main" w="9525">
+                    <a:solidFill>
+                      <a:srgbClr val="000000"/>
+                    </a:solidFill>
+                    <a:round/>
+                    <a:headEnd/>
+                    <a:tailEnd/>
+                  </a14:hiddenLine>
+                </a:ext>
+              </a:extLst>
+            </p:spPr>
+            <p:txBody>
+              <a:bodyPr/>
+              <a:lstStyle/>
+              <a:p>
+                <a:endParaRPr lang="en-GB"/>
+              </a:p>
+            </p:txBody>
+          </p:sp>
+          <p:sp>
+            <p:nvSpPr>
+              <p:cNvPr id="24" name="Rectangle 41">
+                <a:extLst>
+                  <a:ext uri="{FF2B5EF4-FFF2-40B4-BE49-F238E27FC236}">
+                    <a16:creationId xmlns:a16="http://schemas.microsoft.com/office/drawing/2014/main" id="{DCC8773C-0113-4046-B222-C8F4080AF389}"/>
+                  </a:ext>
+                  <a:ext uri="{C183D7F6-B498-43B3-948B-1728B52AA6E4}">
+                    <adec:decorative xmlns:adec="http://schemas.microsoft.com/office/drawing/2017/decorative" val="1"/>
+                  </a:ext>
+                </a:extLst>
+              </p:cNvPr>
+              <p:cNvSpPr>
+                <a:spLocks noChangeArrowheads="1"/>
+              </p:cNvSpPr>
+              <p:nvPr>
+                <p:extLst>
+                  <p:ext uri="{386F3935-93C4-4BCD-93E2-E3B085C9AB24}">
+                    <p16:designElem xmlns:p16="http://schemas.microsoft.com/office/powerpoint/2015/main" val="1"/>
+                  </p:ext>
+                </p:extLst>
+              </p:nvPr>
+            </p:nvSpPr>
+            <p:spPr bwMode="auto">
+              <a:xfrm>
+                <a:off x="11939587" y="6596063"/>
+                <a:ext cx="23813" cy="252413"/>
+              </a:xfrm>
+              <a:prstGeom prst="rect">
+                <a:avLst/>
+              </a:prstGeom>
+              <a:grpFill/>
+              <a:ln>
+                <a:noFill/>
+              </a:ln>
+              <a:extLst>
+                <a:ext uri="{91240B29-F687-4f45-9708-019B960494DF}">
+                  <a14:hiddenLine xmlns="" xmlns:a16="http://schemas.microsoft.com/office/drawing/2014/main" xmlns:p14="http://schemas.microsoft.com/office/powerpoint/2010/main" xmlns:a14="http://schemas.microsoft.com/office/drawing/2010/main" w="9525">
+                    <a:solidFill>
+                      <a:srgbClr val="000000"/>
+                    </a:solidFill>
+                    <a:miter lim="800000"/>
+                    <a:headEnd/>
+                    <a:tailEnd/>
+                  </a14:hiddenLine>
+                </a:ext>
+              </a:extLst>
+            </p:spPr>
+            <p:txBody>
+              <a:bodyPr/>
+              <a:lstStyle/>
+              <a:p>
+                <a:endParaRPr lang="en-GB"/>
+              </a:p>
+            </p:txBody>
+          </p:sp>
+        </p:grpSp>
+      </p:grpSp>
+      <p:pic>
+        <p:nvPicPr>
+          <p:cNvPr id="53" name="Picture 2">
+            <a:extLst>
+              <a:ext uri="{FF2B5EF4-FFF2-40B4-BE49-F238E27FC236}">
+                <a16:creationId xmlns:a16="http://schemas.microsoft.com/office/drawing/2014/main" id="{1B17CCE2-CEEF-40CA-8C4D-0DC2DCA78A23}"/>
+              </a:ext>
+              <a:ext uri="{C183D7F6-B498-43B3-948B-1728B52AA6E4}">
+                <adec:decorative xmlns:adec="http://schemas.microsoft.com/office/drawing/2017/decorative" val="1"/>
+              </a:ext>
+            </a:extLst>
+          </p:cNvPr>
+          <p:cNvPicPr>
+            <a:picLocks noGrp="1" noRot="1" noChangeAspect="1" noMove="1" noResize="1" noEditPoints="1" noAdjustHandles="1" noChangeArrowheads="1" noChangeShapeType="1" noCrop="1"/>
+          </p:cNvPicPr>
+          <p:nvPr>
+            <p:extLst>
+              <p:ext uri="{386F3935-93C4-4BCD-93E2-E3B085C9AB24}">
+                <p16:designElem xmlns:p16="http://schemas.microsoft.com/office/powerpoint/2015/main" val="1"/>
+              </p:ext>
+            </p:extLst>
+          </p:nvPr>
+        </p:nvPicPr>
+        <p:blipFill>
+          <a:blip r:embed="rId2">
+            <a:alphaModFix amt="30000"/>
+            <a:extLst>
+              <a:ext uri="{28A0092B-C50C-407E-A947-70E740481C1C}">
+                <a14:useLocalDpi xmlns:a14="http://schemas.microsoft.com/office/drawing/2010/main" val="0"/>
+              </a:ext>
+            </a:extLst>
+          </a:blip>
+          <a:srcRect/>
+          <a:stretch>
+            <a:fillRect/>
+          </a:stretch>
+        </p:blipFill>
+        <p:spPr bwMode="auto">
+          <a:xfrm>
+            <a:off x="0" y="0"/>
+            <a:ext cx="12192003" cy="6858001"/>
+          </a:xfrm>
+          <a:prstGeom prst="rect">
+            <a:avLst/>
+          </a:prstGeom>
+          <a:noFill/>
+          <a:extLst>
+            <a:ext uri="{909E8E84-426E-40dd-AFC4-6F175D3DCCD1}">
+              <a14:hiddenFill xmlns="" xmlns:a16="http://schemas.microsoft.com/office/drawing/2014/main" xmlns:p14="http://schemas.microsoft.com/office/powerpoint/2010/main" xmlns:a14="http://schemas.microsoft.com/office/drawing/2010/main">
+                <a:solidFill>
+                  <a:srgbClr val="FFFFFF"/>
+                </a:solidFill>
+              </a14:hiddenFill>
+            </a:ext>
+          </a:extLst>
+        </p:spPr>
+      </p:pic>
+      <p:sp>
+        <p:nvSpPr>
+          <p:cNvPr id="2" name="Title 1">
+            <a:extLst>
+              <a:ext uri="{FF2B5EF4-FFF2-40B4-BE49-F238E27FC236}">
+                <a16:creationId xmlns:a16="http://schemas.microsoft.com/office/drawing/2014/main" id="{0E42D588-C1D0-570B-48AB-135A6EB8081A}"/>
+              </a:ext>
+            </a:extLst>
+          </p:cNvPr>
+          <p:cNvSpPr>
+            <a:spLocks noGrp="1"/>
+          </p:cNvSpPr>
+          <p:nvPr>
+            <p:ph type="title"/>
+          </p:nvPr>
+        </p:nvSpPr>
+        <p:spPr>
+          <a:xfrm>
+            <a:off x="6569957" y="618518"/>
+            <a:ext cx="4747088" cy="1478570"/>
+          </a:xfrm>
+        </p:spPr>
+        <p:txBody>
+          <a:bodyPr>
+            <a:normAutofit/>
+          </a:bodyPr>
+          <a:lstStyle/>
+          <a:p>
+            <a:r>
+              <a:rPr lang="en-US">
+                <a:solidFill>
+                  <a:srgbClr val="FFFFFF"/>
+                </a:solidFill>
+              </a:rPr>
+              <a:t>Grid search and cross classification</a:t>
+            </a:r>
+            <a:endParaRPr lang="en-GB">
+              <a:solidFill>
+                <a:srgbClr val="FFFFFF"/>
+              </a:solidFill>
+            </a:endParaRPr>
+          </a:p>
+        </p:txBody>
+      </p:sp>
+      <p:sp useBgFill="1">
+        <p:nvSpPr>
+          <p:cNvPr id="55" name="Round Diagonal Corner Rectangle 9">
+            <a:extLst>
+              <a:ext uri="{FF2B5EF4-FFF2-40B4-BE49-F238E27FC236}">
+                <a16:creationId xmlns:a16="http://schemas.microsoft.com/office/drawing/2014/main" id="{66D4F5BA-1D71-49B2-8A7F-6B4EB94D7265}"/>
+              </a:ext>
+              <a:ext uri="{C183D7F6-B498-43B3-948B-1728B52AA6E4}">
+                <adec:decorative xmlns:adec="http://schemas.microsoft.com/office/drawing/2017/decorative" val="1"/>
+              </a:ext>
+            </a:extLst>
+          </p:cNvPr>
+          <p:cNvSpPr>
+            <a:spLocks noGrp="1" noRot="1" noChangeAspect="1" noMove="1" noResize="1" noEditPoints="1" noAdjustHandles="1" noChangeArrowheads="1" noChangeShapeType="1" noTextEdit="1"/>
+          </p:cNvSpPr>
+          <p:nvPr>
+            <p:extLst>
+              <p:ext uri="{386F3935-93C4-4BCD-93E2-E3B085C9AB24}">
+                <p16:designElem xmlns:p16="http://schemas.microsoft.com/office/powerpoint/2015/main" val="1"/>
+              </p:ext>
+            </p:extLst>
+          </p:nvPr>
+        </p:nvSpPr>
+        <p:spPr>
+          <a:xfrm>
+            <a:off x="798950" y="808057"/>
+            <a:ext cx="5286376" cy="5234394"/>
+          </a:xfrm>
+          <a:prstGeom prst="round2DiagRect">
+            <a:avLst>
+              <a:gd name="adj1" fmla="val 7418"/>
+              <a:gd name="adj2" fmla="val 0"/>
+            </a:avLst>
+          </a:prstGeom>
+          <a:ln w="19050" cap="sq">
+            <a:solidFill>
+              <a:schemeClr val="tx2">
+                <a:lumMod val="60000"/>
+                <a:lumOff val="40000"/>
+                <a:alpha val="60000"/>
+              </a:schemeClr>
+            </a:solidFill>
+            <a:miter lim="800000"/>
+          </a:ln>
+          <a:effectLst>
+            <a:outerShdw blurRad="88900" dist="38100" dir="5400000" algn="t" rotWithShape="0">
+              <a:prstClr val="black">
+                <a:alpha val="40000"/>
+              </a:prstClr>
+            </a:outerShdw>
+          </a:effectLst>
+        </p:spPr>
+        <p:style>
+          <a:lnRef idx="2">
+            <a:schemeClr val="accent1">
+              <a:shade val="50000"/>
+            </a:schemeClr>
+          </a:lnRef>
+          <a:fillRef idx="1">
+            <a:schemeClr val="accent1"/>
+          </a:fillRef>
+          <a:effectRef idx="0">
+            <a:schemeClr val="accent1"/>
+          </a:effectRef>
+          <a:fontRef idx="minor">
+            <a:schemeClr val="lt1"/>
+          </a:fontRef>
+        </p:style>
+        <p:txBody>
+          <a:bodyPr rtlCol="0" anchor="ctr"/>
+          <a:lstStyle/>
+          <a:p>
+            <a:pPr algn="ctr"/>
+            <a:endParaRPr lang="en-US"/>
+          </a:p>
+        </p:txBody>
+      </p:sp>
+      <p:pic>
+        <p:nvPicPr>
+          <p:cNvPr id="5" name="Picture 4">
+            <a:extLst>
+              <a:ext uri="{FF2B5EF4-FFF2-40B4-BE49-F238E27FC236}">
+                <a16:creationId xmlns:a16="http://schemas.microsoft.com/office/drawing/2014/main" id="{A0AFA70B-6D4E-DD4B-DDDA-931BAB7D5523}"/>
+              </a:ext>
+            </a:extLst>
+          </p:cNvPr>
+          <p:cNvPicPr>
+            <a:picLocks noChangeAspect="1"/>
+          </p:cNvPicPr>
+          <p:nvPr/>
+        </p:nvPicPr>
+        <p:blipFill>
+          <a:blip r:embed="rId3"/>
+          <a:stretch>
+            <a:fillRect/>
+          </a:stretch>
+        </p:blipFill>
+        <p:spPr>
+          <a:xfrm>
+            <a:off x="1118988" y="2556065"/>
+            <a:ext cx="4635583" cy="1749933"/>
+          </a:xfrm>
+          <a:prstGeom prst="rect">
+            <a:avLst/>
+          </a:prstGeom>
+        </p:spPr>
+      </p:pic>
+      <p:sp>
+        <p:nvSpPr>
+          <p:cNvPr id="3" name="Content Placeholder 2">
+            <a:extLst>
+              <a:ext uri="{FF2B5EF4-FFF2-40B4-BE49-F238E27FC236}">
+                <a16:creationId xmlns:a16="http://schemas.microsoft.com/office/drawing/2014/main" id="{6C2A90BD-FF94-EE60-5494-2D8C95407A58}"/>
+              </a:ext>
+            </a:extLst>
+          </p:cNvPr>
+          <p:cNvSpPr>
+            <a:spLocks noGrp="1"/>
+          </p:cNvSpPr>
+          <p:nvPr>
+            <p:ph idx="1"/>
+          </p:nvPr>
+        </p:nvSpPr>
+        <p:spPr>
+          <a:xfrm>
+            <a:off x="6569957" y="2249487"/>
+            <a:ext cx="4747087" cy="3541714"/>
+          </a:xfrm>
+        </p:spPr>
+        <p:txBody>
+          <a:bodyPr>
+            <a:normAutofit/>
+          </a:bodyPr>
+          <a:lstStyle/>
+          <a:p>
+            <a:r>
+              <a:rPr lang="en-US">
+                <a:solidFill>
+                  <a:srgbClr val="FFFFFF"/>
+                </a:solidFill>
+              </a:rPr>
+              <a:t>Classification report</a:t>
+            </a:r>
+          </a:p>
+          <a:p>
+            <a:endParaRPr lang="en-GB">
+              <a:solidFill>
+                <a:srgbClr val="FFFFFF"/>
+              </a:solidFill>
+            </a:endParaRPr>
+          </a:p>
+        </p:txBody>
+      </p:sp>
+    </p:spTree>
+    <p:extLst>
+      <p:ext uri="{BB962C8B-B14F-4D97-AF65-F5344CB8AC3E}">
+        <p14:creationId xmlns:p14="http://schemas.microsoft.com/office/powerpoint/2010/main" val="4263905640"/>
+      </p:ext>
+    </p:extLst>
+  </p:cSld>
+  <p:clrMapOvr>
+    <a:overrideClrMapping bg1="lt1" tx1="dk1" bg2="lt2" tx2="dk2" accent1="accent1" accent2="accent2" accent3="accent3" accent4="accent4" accent5="accent5" accent6="accent6" hlink="hlink" folHlink="folHlink"/>
+  </p:clrMapOvr>
+</p:sld>
+</file>
+
+<file path=ppt/slides/slide16.xml><?xml version="1.0" encoding="utf-8"?>
+<p:sld xmlns:a="http://schemas.openxmlformats.org/drawingml/2006/main" xmlns:r="http://schemas.openxmlformats.org/officeDocument/2006/relationships" xmlns:p="http://schemas.openxmlformats.org/presentationml/2006/main">
+  <p:cSld>
+    <p:spTree>
+      <p:nvGrpSpPr>
+        <p:cNvPr id="1" name=""/>
+        <p:cNvGrpSpPr/>
+        <p:nvPr/>
+      </p:nvGrpSpPr>
+      <p:grpSpPr>
+        <a:xfrm>
+          <a:off x="0" y="0"/>
+          <a:ext cx="0" cy="0"/>
+          <a:chOff x="0" y="0"/>
+          <a:chExt cx="0" cy="0"/>
+        </a:xfrm>
+      </p:grpSpPr>
+      <p:sp>
+        <p:nvSpPr>
+          <p:cNvPr id="2" name="Title 1">
+            <a:extLst>
+              <a:ext uri="{FF2B5EF4-FFF2-40B4-BE49-F238E27FC236}">
+                <a16:creationId xmlns:a16="http://schemas.microsoft.com/office/drawing/2014/main" id="{F06D4710-E635-7461-F218-0686A84DEA09}"/>
+              </a:ext>
+            </a:extLst>
+          </p:cNvPr>
+          <p:cNvSpPr>
+            <a:spLocks noGrp="1"/>
+          </p:cNvSpPr>
+          <p:nvPr>
+            <p:ph type="title"/>
+          </p:nvPr>
+        </p:nvSpPr>
+        <p:spPr/>
+        <p:txBody>
+          <a:bodyPr>
+            <a:normAutofit fontScale="90000"/>
+          </a:bodyPr>
+          <a:lstStyle/>
+          <a:p>
+            <a:r>
+              <a:rPr lang="en-US" dirty="0"/>
+              <a:t>Paid- 0</a:t>
+            </a:r>
+            <a:br>
+              <a:rPr lang="en-US" dirty="0"/>
+            </a:br>
+            <a:r>
+              <a:rPr lang="en-US" dirty="0"/>
+              <a:t>Minor(overdue)- 1</a:t>
+            </a:r>
+            <a:br>
+              <a:rPr lang="en-US" dirty="0"/>
+            </a:br>
+            <a:r>
+              <a:rPr lang="en-US" dirty="0"/>
+              <a:t>no loan taken- 2</a:t>
+            </a:r>
+            <a:endParaRPr lang="en-GB" dirty="0"/>
+          </a:p>
+        </p:txBody>
+      </p:sp>
+      <p:pic>
+        <p:nvPicPr>
+          <p:cNvPr id="5" name="Content Placeholder 4">
+            <a:extLst>
+              <a:ext uri="{FF2B5EF4-FFF2-40B4-BE49-F238E27FC236}">
+                <a16:creationId xmlns:a16="http://schemas.microsoft.com/office/drawing/2014/main" id="{656F6168-39B3-4D03-5EC3-BFAC395536D3}"/>
+              </a:ext>
+            </a:extLst>
+          </p:cNvPr>
+          <p:cNvPicPr>
+            <a:picLocks noGrp="1" noChangeAspect="1"/>
+          </p:cNvPicPr>
+          <p:nvPr>
+            <p:ph idx="1"/>
+          </p:nvPr>
+        </p:nvPicPr>
+        <p:blipFill>
+          <a:blip r:embed="rId2"/>
+          <a:stretch>
+            <a:fillRect/>
+          </a:stretch>
+        </p:blipFill>
+        <p:spPr>
+          <a:xfrm>
+            <a:off x="1497534" y="2241000"/>
+            <a:ext cx="1539373" cy="1760373"/>
+          </a:xfrm>
+        </p:spPr>
+      </p:pic>
+      <p:pic>
+        <p:nvPicPr>
+          <p:cNvPr id="7" name="Picture 6">
+            <a:extLst>
+              <a:ext uri="{FF2B5EF4-FFF2-40B4-BE49-F238E27FC236}">
+                <a16:creationId xmlns:a16="http://schemas.microsoft.com/office/drawing/2014/main" id="{74D65E55-4C5E-20A3-6355-C1E860B877C3}"/>
+              </a:ext>
+            </a:extLst>
+          </p:cNvPr>
+          <p:cNvPicPr>
+            <a:picLocks noChangeAspect="1"/>
+          </p:cNvPicPr>
+          <p:nvPr/>
+        </p:nvPicPr>
+        <p:blipFill>
+          <a:blip r:embed="rId3"/>
+          <a:stretch>
+            <a:fillRect/>
+          </a:stretch>
+        </p:blipFill>
+        <p:spPr>
+          <a:xfrm>
+            <a:off x="8614383" y="1866418"/>
+            <a:ext cx="1539373" cy="1737511"/>
+          </a:xfrm>
+          <a:prstGeom prst="rect">
+            <a:avLst/>
+          </a:prstGeom>
+        </p:spPr>
+      </p:pic>
+      <p:sp>
+        <p:nvSpPr>
+          <p:cNvPr id="8" name="TextBox 7">
+            <a:extLst>
+              <a:ext uri="{FF2B5EF4-FFF2-40B4-BE49-F238E27FC236}">
+                <a16:creationId xmlns:a16="http://schemas.microsoft.com/office/drawing/2014/main" id="{5A680542-4ED1-F2AB-D148-32926FA95B3F}"/>
+              </a:ext>
+            </a:extLst>
+          </p:cNvPr>
+          <p:cNvSpPr txBox="1"/>
+          <p:nvPr/>
+        </p:nvSpPr>
+        <p:spPr>
+          <a:xfrm>
+            <a:off x="8859247" y="3827061"/>
+            <a:ext cx="1457325" cy="646331"/>
+          </a:xfrm>
+          <a:prstGeom prst="rect">
+            <a:avLst/>
+          </a:prstGeom>
+          <a:noFill/>
+        </p:spPr>
+        <p:txBody>
+          <a:bodyPr wrap="square" rtlCol="0">
+            <a:spAutoFit/>
+          </a:bodyPr>
+          <a:lstStyle/>
+          <a:p>
+            <a:r>
+              <a:rPr lang="en-US" b="1" dirty="0">
+                <a:solidFill>
+                  <a:schemeClr val="bg1"/>
+                </a:solidFill>
+              </a:rPr>
+              <a:t>Encoding and scaling</a:t>
+            </a:r>
+            <a:endParaRPr lang="en-GB" b="1" dirty="0">
+              <a:solidFill>
+                <a:schemeClr val="bg1"/>
+              </a:solidFill>
+            </a:endParaRPr>
+          </a:p>
+        </p:txBody>
+      </p:sp>
+      <p:sp>
+        <p:nvSpPr>
+          <p:cNvPr id="9" name="TextBox 8">
+            <a:extLst>
+              <a:ext uri="{FF2B5EF4-FFF2-40B4-BE49-F238E27FC236}">
+                <a16:creationId xmlns:a16="http://schemas.microsoft.com/office/drawing/2014/main" id="{2475F09F-A54B-A439-2701-ADE876FAA9EB}"/>
+              </a:ext>
+            </a:extLst>
+          </p:cNvPr>
+          <p:cNvSpPr txBox="1"/>
+          <p:nvPr/>
+        </p:nvSpPr>
+        <p:spPr>
+          <a:xfrm>
+            <a:off x="1639344" y="4011727"/>
+            <a:ext cx="1202498" cy="923330"/>
+          </a:xfrm>
+          <a:prstGeom prst="rect">
+            <a:avLst/>
+          </a:prstGeom>
+          <a:noFill/>
+        </p:spPr>
+        <p:txBody>
+          <a:bodyPr wrap="square" rtlCol="0">
+            <a:spAutoFit/>
+          </a:bodyPr>
+          <a:lstStyle/>
+          <a:p>
+            <a:r>
+              <a:rPr lang="en-US" b="1" dirty="0">
+                <a:solidFill>
+                  <a:schemeClr val="bg1"/>
+                </a:solidFill>
+              </a:rPr>
+              <a:t>Random Oversampling</a:t>
+            </a:r>
+            <a:endParaRPr lang="en-GB" b="1" dirty="0">
+              <a:solidFill>
+                <a:schemeClr val="bg1"/>
+              </a:solidFill>
+            </a:endParaRPr>
+          </a:p>
+        </p:txBody>
+      </p:sp>
+      <p:pic>
+        <p:nvPicPr>
+          <p:cNvPr id="11" name="Picture 10">
+            <a:extLst>
+              <a:ext uri="{FF2B5EF4-FFF2-40B4-BE49-F238E27FC236}">
+                <a16:creationId xmlns:a16="http://schemas.microsoft.com/office/drawing/2014/main" id="{27223F48-E945-E5DE-015F-E61BEDED4783}"/>
+              </a:ext>
+            </a:extLst>
+          </p:cNvPr>
+          <p:cNvPicPr>
+            <a:picLocks noChangeAspect="1"/>
+          </p:cNvPicPr>
+          <p:nvPr/>
+        </p:nvPicPr>
+        <p:blipFill>
+          <a:blip r:embed="rId4"/>
+          <a:stretch>
+            <a:fillRect/>
+          </a:stretch>
+        </p:blipFill>
+        <p:spPr>
+          <a:xfrm>
+            <a:off x="3300421" y="2209074"/>
+            <a:ext cx="1577477" cy="1752752"/>
+          </a:xfrm>
+          <a:prstGeom prst="rect">
+            <a:avLst/>
+          </a:prstGeom>
+        </p:spPr>
+      </p:pic>
+      <p:sp>
+        <p:nvSpPr>
+          <p:cNvPr id="12" name="TextBox 11">
+            <a:extLst>
+              <a:ext uri="{FF2B5EF4-FFF2-40B4-BE49-F238E27FC236}">
+                <a16:creationId xmlns:a16="http://schemas.microsoft.com/office/drawing/2014/main" id="{C5385508-8696-901C-468D-074C7D30D8B3}"/>
+              </a:ext>
+            </a:extLst>
+          </p:cNvPr>
+          <p:cNvSpPr txBox="1"/>
+          <p:nvPr/>
+        </p:nvSpPr>
+        <p:spPr>
+          <a:xfrm>
+            <a:off x="3723033" y="4126860"/>
+            <a:ext cx="1259911" cy="646331"/>
+          </a:xfrm>
+          <a:prstGeom prst="rect">
+            <a:avLst/>
+          </a:prstGeom>
+          <a:noFill/>
+        </p:spPr>
+        <p:txBody>
+          <a:bodyPr wrap="square" rtlCol="0">
+            <a:spAutoFit/>
+          </a:bodyPr>
+          <a:lstStyle/>
+          <a:p>
+            <a:r>
+              <a:rPr lang="en-US" b="1" dirty="0">
+                <a:solidFill>
+                  <a:schemeClr val="bg1"/>
+                </a:solidFill>
+              </a:rPr>
+              <a:t>Grid Search</a:t>
+            </a:r>
+            <a:endParaRPr lang="en-GB" b="1" dirty="0">
+              <a:solidFill>
+                <a:schemeClr val="bg1"/>
+              </a:solidFill>
+            </a:endParaRPr>
+          </a:p>
+        </p:txBody>
+      </p:sp>
+      <p:pic>
+        <p:nvPicPr>
+          <p:cNvPr id="14" name="Picture 13">
+            <a:extLst>
+              <a:ext uri="{FF2B5EF4-FFF2-40B4-BE49-F238E27FC236}">
+                <a16:creationId xmlns:a16="http://schemas.microsoft.com/office/drawing/2014/main" id="{38C07EE2-A886-7BB1-68AF-5A87664805B9}"/>
+              </a:ext>
+            </a:extLst>
+          </p:cNvPr>
+          <p:cNvPicPr>
+            <a:picLocks noChangeAspect="1"/>
+          </p:cNvPicPr>
+          <p:nvPr/>
+        </p:nvPicPr>
+        <p:blipFill>
+          <a:blip r:embed="rId5"/>
+          <a:stretch>
+            <a:fillRect/>
+          </a:stretch>
+        </p:blipFill>
+        <p:spPr>
+          <a:xfrm>
+            <a:off x="2357908" y="4812738"/>
+            <a:ext cx="1577477" cy="1760373"/>
+          </a:xfrm>
+          <a:prstGeom prst="rect">
+            <a:avLst/>
+          </a:prstGeom>
+        </p:spPr>
+      </p:pic>
+      <p:sp>
+        <p:nvSpPr>
+          <p:cNvPr id="15" name="TextBox 14">
+            <a:extLst>
+              <a:ext uri="{FF2B5EF4-FFF2-40B4-BE49-F238E27FC236}">
+                <a16:creationId xmlns:a16="http://schemas.microsoft.com/office/drawing/2014/main" id="{4692E744-9A96-711C-3532-15265BB08577}"/>
+              </a:ext>
+            </a:extLst>
+          </p:cNvPr>
+          <p:cNvSpPr txBox="1"/>
+          <p:nvPr/>
+        </p:nvSpPr>
+        <p:spPr>
+          <a:xfrm>
+            <a:off x="3865211" y="5446154"/>
+            <a:ext cx="1577476" cy="923330"/>
+          </a:xfrm>
+          <a:prstGeom prst="rect">
+            <a:avLst/>
+          </a:prstGeom>
+          <a:noFill/>
+        </p:spPr>
+        <p:txBody>
+          <a:bodyPr wrap="square" rtlCol="0">
+            <a:spAutoFit/>
+          </a:bodyPr>
+          <a:lstStyle/>
+          <a:p>
+            <a:r>
+              <a:rPr lang="en-US" b="1" dirty="0" err="1">
+                <a:solidFill>
+                  <a:schemeClr val="bg1"/>
+                </a:solidFill>
+              </a:rPr>
+              <a:t>Regularising</a:t>
+            </a:r>
+            <a:r>
+              <a:rPr lang="en-US" b="1" dirty="0">
+                <a:solidFill>
+                  <a:schemeClr val="bg1"/>
+                </a:solidFill>
+              </a:rPr>
+              <a:t>, weight balance</a:t>
+            </a:r>
+            <a:endParaRPr lang="en-GB" b="1" dirty="0">
+              <a:solidFill>
+                <a:schemeClr val="bg1"/>
+              </a:solidFill>
+            </a:endParaRPr>
+          </a:p>
+        </p:txBody>
+      </p:sp>
+      <p:sp>
+        <p:nvSpPr>
+          <p:cNvPr id="16" name="Right Brace 15">
+            <a:extLst>
+              <a:ext uri="{FF2B5EF4-FFF2-40B4-BE49-F238E27FC236}">
+                <a16:creationId xmlns:a16="http://schemas.microsoft.com/office/drawing/2014/main" id="{43C4E81B-EBF3-A03B-BCCE-1A097731166E}"/>
+              </a:ext>
+            </a:extLst>
+          </p:cNvPr>
+          <p:cNvSpPr/>
+          <p:nvPr/>
+        </p:nvSpPr>
+        <p:spPr>
+          <a:xfrm>
+            <a:off x="4982944" y="2241000"/>
+            <a:ext cx="1402257" cy="4128484"/>
+          </a:xfrm>
+          <a:prstGeom prst="rightBrace">
+            <a:avLst/>
+          </a:prstGeom>
+        </p:spPr>
+        <p:style>
+          <a:lnRef idx="1">
+            <a:schemeClr val="accent1"/>
+          </a:lnRef>
+          <a:fillRef idx="0">
+            <a:schemeClr val="accent1"/>
+          </a:fillRef>
+          <a:effectRef idx="0">
+            <a:schemeClr val="accent1"/>
+          </a:effectRef>
+          <a:fontRef idx="minor">
+            <a:schemeClr val="tx1"/>
+          </a:fontRef>
+        </p:style>
+        <p:txBody>
+          <a:bodyPr rtlCol="0" anchor="ctr"/>
+          <a:lstStyle/>
+          <a:p>
+            <a:pPr algn="ctr"/>
+            <a:endParaRPr lang="en-GB"/>
+          </a:p>
+        </p:txBody>
+      </p:sp>
+      <p:sp>
+        <p:nvSpPr>
+          <p:cNvPr id="17" name="TextBox 16">
+            <a:extLst>
+              <a:ext uri="{FF2B5EF4-FFF2-40B4-BE49-F238E27FC236}">
+                <a16:creationId xmlns:a16="http://schemas.microsoft.com/office/drawing/2014/main" id="{8E160622-170A-B369-CA60-A902206C5D75}"/>
+              </a:ext>
+            </a:extLst>
+          </p:cNvPr>
+          <p:cNvSpPr txBox="1"/>
+          <p:nvPr/>
+        </p:nvSpPr>
+        <p:spPr>
+          <a:xfrm>
+            <a:off x="6452160" y="4104060"/>
+            <a:ext cx="1343771" cy="369332"/>
+          </a:xfrm>
+          <a:prstGeom prst="rect">
+            <a:avLst/>
+          </a:prstGeom>
+          <a:noFill/>
+        </p:spPr>
+        <p:txBody>
+          <a:bodyPr wrap="square" rtlCol="0">
+            <a:spAutoFit/>
+          </a:bodyPr>
+          <a:lstStyle/>
+          <a:p>
+            <a:r>
+              <a:rPr lang="en-US" dirty="0">
+                <a:solidFill>
+                  <a:schemeClr val="bg1"/>
+                </a:solidFill>
+              </a:rPr>
+              <a:t>Same result</a:t>
+            </a:r>
+            <a:endParaRPr lang="en-GB" dirty="0">
+              <a:solidFill>
+                <a:schemeClr val="bg1"/>
+              </a:solidFill>
+            </a:endParaRPr>
+          </a:p>
+        </p:txBody>
+      </p:sp>
+    </p:spTree>
+    <p:extLst>
+      <p:ext uri="{BB962C8B-B14F-4D97-AF65-F5344CB8AC3E}">
+        <p14:creationId xmlns:p14="http://schemas.microsoft.com/office/powerpoint/2010/main" val="3153601589"/>
+      </p:ext>
+    </p:extLst>
+  </p:cSld>
+  <p:clrMapOvr>
+    <a:masterClrMapping/>
+  </p:clrMapOvr>
+</p:sld>
+</file>
+
+<file path=ppt/slides/slide17.xml><?xml version="1.0" encoding="utf-8"?>
+<p:sld xmlns:a="http://schemas.openxmlformats.org/drawingml/2006/main" xmlns:r="http://schemas.openxmlformats.org/officeDocument/2006/relationships" xmlns:p="http://schemas.openxmlformats.org/presentationml/2006/main">
+  <p:cSld>
     <p:bg>
       <p:bgPr>
         <a:blipFill>
@@ -28656,10 +34718,32 @@
           <a:lstStyle/>
           <a:p>
             <a:r>
-              <a:rPr lang="en-US" sz="3200"/>
+              <a:rPr lang="en-US" sz="3200" b="1" dirty="0">
+                <a:solidFill>
+                  <a:schemeClr val="bg1"/>
+                </a:solidFill>
+                <a:effectLst>
+                  <a:outerShdw blurRad="38100" dist="38100" dir="2700000" algn="tl">
+                    <a:srgbClr val="000000">
+                      <a:alpha val="43137"/>
+                    </a:srgbClr>
+                  </a:outerShdw>
+                </a:effectLst>
+              </a:rPr>
               <a:t>PERFORMANCE EVALUATION</a:t>
             </a:r>
-            <a:endParaRPr lang="en-GB" sz="3200"/>
+            <a:endParaRPr lang="en-GB" sz="3200" b="1" dirty="0">
+              <a:solidFill>
+                <a:schemeClr val="bg1"/>
+              </a:solidFill>
+              <a:effectLst>
+                <a:outerShdw blurRad="38100" dist="38100" dir="2700000" algn="tl">
+                  <a:srgbClr val="000000">
+                    <a:alpha val="43137"/>
+                  </a:srgbClr>
+                </a:outerShdw>
+              </a:effectLst>
+            </a:endParaRPr>
           </a:p>
         </p:txBody>
       </p:sp>
@@ -28691,7 +34775,16 @@
           </a:bodyPr>
           <a:lstStyle/>
           <a:p>
-            <a:endParaRPr lang="en-US" sz="2000"/>
+            <a:r>
+              <a:rPr lang="en-US" sz="2000" dirty="0"/>
+              <a:t>Encoding &amp; Scaling- most optimizing technique.</a:t>
+            </a:r>
+          </a:p>
+          <a:p>
+            <a:r>
+              <a:rPr lang="en-US" sz="2000" dirty="0"/>
+              <a:t>Logistics regression- updates model for performing multi-class predictions based on a very large sample data base. Very unreliable. </a:t>
+            </a:r>
           </a:p>
         </p:txBody>
       </p:sp>
@@ -31324,14 +37417,14 @@
           <p:nvPr>
             <p:extLst>
               <p:ext uri="{D42A27DB-BD31-4B8C-83A1-F6EECF244321}">
-                <p14:modId xmlns:p14="http://schemas.microsoft.com/office/powerpoint/2010/main" val="1780224141"/>
+                <p14:modId xmlns:p14="http://schemas.microsoft.com/office/powerpoint/2010/main" val="279594644"/>
               </p:ext>
             </p:extLst>
           </p:nvPr>
         </p:nvGraphicFramePr>
         <p:xfrm>
-          <a:off x="6096000" y="1271207"/>
-          <a:ext cx="5456279" cy="4453681"/>
+          <a:off x="6112701" y="1271207"/>
+          <a:ext cx="5439578" cy="4453681"/>
         </p:xfrm>
         <a:graphic>
           <a:graphicData uri="http://schemas.openxmlformats.org/drawingml/2006/table">
@@ -31341,7 +37434,7 @@
                 <a:tableStyleId>{7DF18680-E054-41AD-8BC1-D1AEF772440D}</a:tableStyleId>
               </a:tblPr>
               <a:tblGrid>
-                <a:gridCol w="2466909">
+                <a:gridCol w="2450208">
                   <a:extLst>
                     <a:ext uri="{9D8B030D-6E8A-4147-A177-3AD203B41FA5}">
                       <a16:colId xmlns:a16="http://schemas.microsoft.com/office/drawing/2014/main" val="3103690408"/>
@@ -31370,25 +37463,46 @@
                     <a:lstStyle/>
                     <a:p>
                       <a:r>
-                        <a:rPr lang="en-US" sz="1900" b="0" cap="none" spc="0" err="1">
+                        <a:rPr lang="en-US" sz="1900" b="1" cap="none" spc="0" dirty="0" err="1">
                           <a:solidFill>
-                            <a:schemeClr val="tx1"/>
+                            <a:schemeClr val="bg1"/>
                           </a:solidFill>
+                          <a:effectLst>
+                            <a:outerShdw blurRad="38100" dist="38100" dir="2700000" algn="tl">
+                              <a:srgbClr val="000000">
+                                <a:alpha val="43137"/>
+                              </a:srgbClr>
+                            </a:outerShdw>
+                          </a:effectLst>
                         </a:rPr>
                         <a:t>Optimisation</a:t>
                       </a:r>
                       <a:r>
-                        <a:rPr lang="en-US" sz="1900" b="0" cap="none" spc="0">
+                        <a:rPr lang="en-US" sz="1900" b="1" cap="none" spc="0" dirty="0">
                           <a:solidFill>
-                            <a:schemeClr val="tx1"/>
+                            <a:schemeClr val="bg1"/>
                           </a:solidFill>
+                          <a:effectLst>
+                            <a:outerShdw blurRad="38100" dist="38100" dir="2700000" algn="tl">
+                              <a:srgbClr val="000000">
+                                <a:alpha val="43137"/>
+                              </a:srgbClr>
+                            </a:outerShdw>
+                          </a:effectLst>
                         </a:rPr>
                         <a:t> Techniques</a:t>
                       </a:r>
-                      <a:endParaRPr lang="en-GB" sz="1900" b="0" cap="none" spc="0">
+                      <a:endParaRPr lang="en-GB" sz="1900" b="1" cap="none" spc="0" dirty="0">
                         <a:solidFill>
-                          <a:schemeClr val="tx1"/>
+                          <a:schemeClr val="bg1"/>
                         </a:solidFill>
+                        <a:effectLst>
+                          <a:outerShdw blurRad="38100" dist="38100" dir="2700000" algn="tl">
+                            <a:srgbClr val="000000">
+                              <a:alpha val="43137"/>
+                            </a:srgbClr>
+                          </a:outerShdw>
+                        </a:effectLst>
                       </a:endParaRPr>
                     </a:p>
                   </a:txBody>
@@ -31418,17 +37532,31 @@
                     <a:lstStyle/>
                     <a:p>
                       <a:r>
-                        <a:rPr lang="en-US" sz="1900" b="0" cap="none" spc="0">
+                        <a:rPr lang="en-US" sz="1900" b="1" cap="none" spc="0">
                           <a:solidFill>
-                            <a:schemeClr val="tx1"/>
+                            <a:schemeClr val="bg1"/>
                           </a:solidFill>
+                          <a:effectLst>
+                            <a:outerShdw blurRad="38100" dist="38100" dir="2700000" algn="tl">
+                              <a:srgbClr val="000000">
+                                <a:alpha val="43137"/>
+                              </a:srgbClr>
+                            </a:outerShdw>
+                          </a:effectLst>
                         </a:rPr>
                         <a:t>Training Accuracy</a:t>
                       </a:r>
-                      <a:endParaRPr lang="en-GB" sz="1900" b="0" cap="none" spc="0">
+                      <a:endParaRPr lang="en-GB" sz="1900" b="1" cap="none" spc="0">
                         <a:solidFill>
-                          <a:schemeClr val="tx1"/>
+                          <a:schemeClr val="bg1"/>
                         </a:solidFill>
+                        <a:effectLst>
+                          <a:outerShdw blurRad="38100" dist="38100" dir="2700000" algn="tl">
+                            <a:srgbClr val="000000">
+                              <a:alpha val="43137"/>
+                            </a:srgbClr>
+                          </a:outerShdw>
+                        </a:effectLst>
                       </a:endParaRPr>
                     </a:p>
                   </a:txBody>
@@ -31458,17 +37586,31 @@
                     <a:lstStyle/>
                     <a:p>
                       <a:r>
-                        <a:rPr lang="en-US" sz="1900" b="0" cap="none" spc="0">
+                        <a:rPr lang="en-US" sz="1900" b="1" cap="none" spc="0" dirty="0">
                           <a:solidFill>
-                            <a:schemeClr val="tx1"/>
+                            <a:schemeClr val="bg1"/>
                           </a:solidFill>
+                          <a:effectLst>
+                            <a:outerShdw blurRad="38100" dist="38100" dir="2700000" algn="tl">
+                              <a:srgbClr val="000000">
+                                <a:alpha val="43137"/>
+                              </a:srgbClr>
+                            </a:outerShdw>
+                          </a:effectLst>
                         </a:rPr>
                         <a:t>Test Accuracy</a:t>
                       </a:r>
-                      <a:endParaRPr lang="en-GB" sz="1900" b="0" cap="none" spc="0">
+                      <a:endParaRPr lang="en-GB" sz="1900" b="1" cap="none" spc="0" dirty="0">
                         <a:solidFill>
-                          <a:schemeClr val="tx1"/>
+                          <a:schemeClr val="bg1"/>
                         </a:solidFill>
+                        <a:effectLst>
+                          <a:outerShdw blurRad="38100" dist="38100" dir="2700000" algn="tl">
+                            <a:srgbClr val="000000">
+                              <a:alpha val="43137"/>
+                            </a:srgbClr>
+                          </a:outerShdw>
+                        </a:effectLst>
                       </a:endParaRPr>
                     </a:p>
                   </a:txBody>
@@ -31640,7 +37782,7 @@
                         </a:rPr>
                         <a:t>Encoding and Scaling</a:t>
                       </a:r>
-                      <a:endParaRPr lang="en-GB" sz="1600" cap="none" spc="0">
+                      <a:endParaRPr lang="en-GB" sz="1600" cap="none" spc="0" dirty="0">
                         <a:solidFill>
                           <a:schemeClr val="tx1"/>
                         </a:solidFill>
@@ -31772,7 +37914,7 @@
                     <a:lstStyle/>
                     <a:p>
                       <a:r>
-                        <a:rPr lang="en-US" sz="1900" cap="none" spc="0">
+                        <a:rPr lang="en-US" sz="1900" cap="none" spc="0" dirty="0">
                           <a:solidFill>
                             <a:schemeClr val="tx1"/>
                           </a:solidFill>
@@ -31780,14 +37922,14 @@
                         <a:t>Random </a:t>
                       </a:r>
                       <a:r>
-                        <a:rPr lang="en-US" sz="1900" cap="none" spc="0" err="1">
+                        <a:rPr lang="en-US" sz="1900" cap="none" spc="0" dirty="0" err="1">
                           <a:solidFill>
                             <a:schemeClr val="tx1"/>
                           </a:solidFill>
                         </a:rPr>
                         <a:t>Oversampler</a:t>
                       </a:r>
-                      <a:endParaRPr lang="en-GB" sz="1900" cap="none" spc="0">
+                      <a:endParaRPr lang="en-GB" sz="1900" cap="none" spc="0" dirty="0">
                         <a:solidFill>
                           <a:schemeClr val="tx1"/>
                         </a:solidFill>
@@ -32306,7 +38448,7 @@
 </p:sld>
 </file>
 
-<file path=ppt/slides/slide13.xml><?xml version="1.0" encoding="utf-8"?>
+<file path=ppt/slides/slide18.xml><?xml version="1.0" encoding="utf-8"?>
 <p:sld xmlns:a="http://schemas.openxmlformats.org/drawingml/2006/main" xmlns:r="http://schemas.openxmlformats.org/officeDocument/2006/relationships" xmlns:p="http://schemas.openxmlformats.org/presentationml/2006/main">
   <p:cSld>
     <p:spTree>
@@ -37071,7 +43213,7 @@
         </p:style>
         <p:txBody>
           <a:bodyPr>
-            <a:normAutofit/>
+            <a:normAutofit fontScale="92500" lnSpcReduction="10000"/>
             <a:scene3d>
               <a:camera prst="obliqueTopRight"/>
               <a:lightRig rig="threePt" dir="t"/>
@@ -37079,15 +43221,15 @@
           </a:bodyPr>
           <a:lstStyle/>
           <a:p>
-            <a:endParaRPr lang="en-GB" sz="2000"/>
+            <a:endParaRPr lang="en-GB" sz="2000" dirty="0"/>
           </a:p>
           <a:p>
             <a:r>
-              <a:rPr lang="en-GB" sz="2000"/>
+              <a:rPr lang="en-GB" sz="2000" dirty="0"/>
               <a:t>  </a:t>
             </a:r>
             <a:r>
-              <a:rPr lang="en-GB" sz="2000">
+              <a:rPr lang="en-GB" sz="2000" dirty="0" err="1">
                 <a:ln>
                   <a:solidFill>
                     <a:sysClr val="windowText" lastClr="000000"/>
@@ -37096,18 +43238,162 @@
               </a:rPr>
               <a:t>LogisticRegression?i</a:t>
             </a:r>
+            <a:endParaRPr lang="en-GB" sz="2000" dirty="0">
+              <a:ln>
+                <a:solidFill>
+                  <a:sysClr val="windowText" lastClr="000000"/>
+                </a:solidFill>
+              </a:ln>
+            </a:endParaRPr>
           </a:p>
           <a:p>
             <a:r>
-              <a:rPr lang="en-GB" sz="2000">
+              <a:rPr lang="en-GB" sz="2000" dirty="0" err="1">
                 <a:ln>
                   <a:solidFill>
                     <a:sysClr val="windowText" lastClr="000000"/>
                   </a:solidFill>
                 </a:ln>
               </a:rPr>
-              <a:t>LogisticRegression(max_iter=2000, multi_class='ovr', random_state=42)</a:t>
+              <a:t>LogisticRegression</a:t>
             </a:r>
+            <a:r>
+              <a:rPr lang="en-GB" sz="2000" dirty="0">
+                <a:ln>
+                  <a:solidFill>
+                    <a:sysClr val="windowText" lastClr="000000"/>
+                  </a:solidFill>
+                </a:ln>
+              </a:rPr>
+              <a:t>(</a:t>
+            </a:r>
+            <a:r>
+              <a:rPr lang="en-GB" sz="2000" dirty="0" err="1">
+                <a:ln>
+                  <a:solidFill>
+                    <a:sysClr val="windowText" lastClr="000000"/>
+                  </a:solidFill>
+                </a:ln>
+              </a:rPr>
+              <a:t>max_iter</a:t>
+            </a:r>
+            <a:r>
+              <a:rPr lang="en-GB" sz="2000" dirty="0">
+                <a:ln>
+                  <a:solidFill>
+                    <a:sysClr val="windowText" lastClr="000000"/>
+                  </a:solidFill>
+                </a:ln>
+              </a:rPr>
+              <a:t>=2000, </a:t>
+            </a:r>
+            <a:r>
+              <a:rPr lang="en-GB" sz="2000" dirty="0" err="1">
+                <a:ln>
+                  <a:solidFill>
+                    <a:sysClr val="windowText" lastClr="000000"/>
+                  </a:solidFill>
+                </a:ln>
+              </a:rPr>
+              <a:t>multi_class</a:t>
+            </a:r>
+            <a:r>
+              <a:rPr lang="en-GB" sz="2000" dirty="0">
+                <a:ln>
+                  <a:solidFill>
+                    <a:sysClr val="windowText" lastClr="000000"/>
+                  </a:solidFill>
+                </a:ln>
+              </a:rPr>
+              <a:t>='</a:t>
+            </a:r>
+            <a:r>
+              <a:rPr lang="en-GB" sz="2000" dirty="0" err="1">
+                <a:ln>
+                  <a:solidFill>
+                    <a:sysClr val="windowText" lastClr="000000"/>
+                  </a:solidFill>
+                </a:ln>
+              </a:rPr>
+              <a:t>ovr</a:t>
+            </a:r>
+            <a:r>
+              <a:rPr lang="en-GB" sz="2000" dirty="0">
+                <a:ln>
+                  <a:solidFill>
+                    <a:sysClr val="windowText" lastClr="000000"/>
+                  </a:solidFill>
+                </a:ln>
+              </a:rPr>
+              <a:t>', </a:t>
+            </a:r>
+            <a:r>
+              <a:rPr lang="en-GB" sz="2000" dirty="0" err="1">
+                <a:ln>
+                  <a:solidFill>
+                    <a:sysClr val="windowText" lastClr="000000"/>
+                  </a:solidFill>
+                </a:ln>
+              </a:rPr>
+              <a:t>random_state</a:t>
+            </a:r>
+            <a:r>
+              <a:rPr lang="en-GB" sz="2000" dirty="0">
+                <a:ln>
+                  <a:solidFill>
+                    <a:sysClr val="windowText" lastClr="000000"/>
+                  </a:solidFill>
+                </a:ln>
+              </a:rPr>
+              <a:t>=42)</a:t>
+            </a:r>
+          </a:p>
+          <a:p>
+            <a:r>
+              <a:rPr lang="en-US" sz="1800" kern="100" dirty="0">
+                <a:effectLst/>
+                <a:latin typeface="Aptos" panose="020B0004020202020204" pitchFamily="34" charset="0"/>
+                <a:ea typeface="Aptos" panose="020B0004020202020204" pitchFamily="34" charset="0"/>
+                <a:cs typeface="Times New Roman" panose="02020603050405020304" pitchFamily="18" charset="0"/>
+              </a:rPr>
+              <a:t>Method for modelling relationships between variables. Used to infer or predict a variable based on other variables.</a:t>
+            </a:r>
+          </a:p>
+          <a:p>
+            <a:r>
+              <a:rPr lang="en-US" sz="1800" kern="100" dirty="0">
+                <a:latin typeface="Aptos" panose="020B0004020202020204" pitchFamily="34" charset="0"/>
+                <a:ea typeface="Aptos" panose="020B0004020202020204" pitchFamily="34" charset="0"/>
+                <a:cs typeface="Times New Roman" panose="02020603050405020304" pitchFamily="18" charset="0"/>
+              </a:rPr>
+              <a:t>X- other features</a:t>
+            </a:r>
+          </a:p>
+          <a:p>
+            <a:r>
+              <a:rPr lang="en-US" sz="1800" kern="100" dirty="0">
+                <a:effectLst/>
+                <a:latin typeface="Aptos" panose="020B0004020202020204" pitchFamily="34" charset="0"/>
+                <a:ea typeface="Aptos" panose="020B0004020202020204" pitchFamily="34" charset="0"/>
+                <a:cs typeface="Times New Roman" panose="02020603050405020304" pitchFamily="18" charset="0"/>
+              </a:rPr>
+              <a:t>Y- target variable( Status: Paid, Minor overdue, No loan Taken)</a:t>
+            </a:r>
+            <a:endParaRPr lang="en-GB" sz="1800" kern="100" dirty="0">
+              <a:effectLst/>
+              <a:latin typeface="Aptos" panose="020B0004020202020204" pitchFamily="34" charset="0"/>
+              <a:ea typeface="Aptos" panose="020B0004020202020204" pitchFamily="34" charset="0"/>
+              <a:cs typeface="Times New Roman" panose="02020603050405020304" pitchFamily="18" charset="0"/>
+            </a:endParaRPr>
+          </a:p>
+          <a:p>
+            <a:endParaRPr lang="en-GB" sz="2000" dirty="0">
+              <a:ln>
+                <a:solidFill>
+                  <a:sysClr val="windowText" lastClr="000000"/>
+                </a:solidFill>
+              </a:ln>
+            </a:endParaRPr>
           </a:p>
         </p:txBody>
       </p:sp>

--- a/Presentation.pptx
+++ b/Presentation.pptx
@@ -132,7 +132,7 @@
 <file path=ppt/revisionInfo.xml><?xml version="1.0" encoding="utf-8"?>
 <p1510:revInfo xmlns:a="http://schemas.openxmlformats.org/drawingml/2006/main" xmlns:r="http://schemas.openxmlformats.org/officeDocument/2006/relationships" xmlns:p1510="http://schemas.microsoft.com/office/powerpoint/2015/10/main">
   <p1510:revLst>
-    <p1510:client id="{12123CF6-D7A0-48AD-9993-38D5C8144BA4}" v="41" dt="2024-04-03T21:28:59.867"/>
+    <p1510:client id="{12123CF6-D7A0-48AD-9993-38D5C8144BA4}" v="45" dt="2024-04-03T23:38:33.990"/>
   </p1510:revLst>
 </p1510:revInfo>
 </file>
@@ -142,7 +142,7 @@
   <pc:docChgLst>
     <pc:chgData name="Ayomide Olanrewaju" userId="9e2ef167a983f186" providerId="LiveId" clId="{12123CF6-D7A0-48AD-9993-38D5C8144BA4}"/>
     <pc:docChg chg="undo redo custSel addSld modSld">
-      <pc:chgData name="Ayomide Olanrewaju" userId="9e2ef167a983f186" providerId="LiveId" clId="{12123CF6-D7A0-48AD-9993-38D5C8144BA4}" dt="2024-04-03T21:29:07.600" v="1517" actId="26606"/>
+      <pc:chgData name="Ayomide Olanrewaju" userId="9e2ef167a983f186" providerId="LiveId" clId="{12123CF6-D7A0-48AD-9993-38D5C8144BA4}" dt="2024-04-03T23:44:26.818" v="1644" actId="1076"/>
       <pc:docMkLst>
         <pc:docMk/>
       </pc:docMkLst>
@@ -248,14 +248,14 @@
           </ac:graphicFrameMkLst>
         </pc:graphicFrameChg>
       </pc:sldChg>
-      <pc:sldChg chg="addSp modSp new mod setBg addAnim">
-        <pc:chgData name="Ayomide Olanrewaju" userId="9e2ef167a983f186" providerId="LiveId" clId="{12123CF6-D7A0-48AD-9993-38D5C8144BA4}" dt="2024-04-03T19:48:21.622" v="486"/>
+      <pc:sldChg chg="addSp delSp modSp new mod setBg addAnim">
+        <pc:chgData name="Ayomide Olanrewaju" userId="9e2ef167a983f186" providerId="LiveId" clId="{12123CF6-D7A0-48AD-9993-38D5C8144BA4}" dt="2024-04-03T23:44:26.818" v="1644" actId="1076"/>
         <pc:sldMkLst>
           <pc:docMk/>
           <pc:sldMk cId="3350781362" sldId="266"/>
         </pc:sldMkLst>
         <pc:spChg chg="mod">
-          <ac:chgData name="Ayomide Olanrewaju" userId="9e2ef167a983f186" providerId="LiveId" clId="{12123CF6-D7A0-48AD-9993-38D5C8144BA4}" dt="2024-04-03T19:48:21.612" v="485" actId="26606"/>
+          <ac:chgData name="Ayomide Olanrewaju" userId="9e2ef167a983f186" providerId="LiveId" clId="{12123CF6-D7A0-48AD-9993-38D5C8144BA4}" dt="2024-04-03T23:34:53.165" v="1560" actId="1076"/>
           <ac:spMkLst>
             <pc:docMk/>
             <pc:sldMk cId="3350781362" sldId="266"/>
@@ -263,11 +263,43 @@
           </ac:spMkLst>
         </pc:spChg>
         <pc:spChg chg="mod">
-          <ac:chgData name="Ayomide Olanrewaju" userId="9e2ef167a983f186" providerId="LiveId" clId="{12123CF6-D7A0-48AD-9993-38D5C8144BA4}" dt="2024-04-03T19:48:21.612" v="485" actId="26606"/>
+          <ac:chgData name="Ayomide Olanrewaju" userId="9e2ef167a983f186" providerId="LiveId" clId="{12123CF6-D7A0-48AD-9993-38D5C8144BA4}" dt="2024-04-03T23:34:55.936" v="1561" actId="1076"/>
           <ac:spMkLst>
             <pc:docMk/>
             <pc:sldMk cId="3350781362" sldId="266"/>
             <ac:spMk id="3" creationId="{D55F0546-BEDB-5673-15E6-117B3CEBDF2C}"/>
+          </ac:spMkLst>
+        </pc:spChg>
+        <pc:spChg chg="add mod">
+          <ac:chgData name="Ayomide Olanrewaju" userId="9e2ef167a983f186" providerId="LiveId" clId="{12123CF6-D7A0-48AD-9993-38D5C8144BA4}" dt="2024-04-03T23:34:59.308" v="1562" actId="1076"/>
+          <ac:spMkLst>
+            <pc:docMk/>
+            <pc:sldMk cId="3350781362" sldId="266"/>
+            <ac:spMk id="7" creationId="{4D620F47-0C83-7236-CD27-8608D569A9F1}"/>
+          </ac:spMkLst>
+        </pc:spChg>
+        <pc:spChg chg="add mod">
+          <ac:chgData name="Ayomide Olanrewaju" userId="9e2ef167a983f186" providerId="LiveId" clId="{12123CF6-D7A0-48AD-9993-38D5C8144BA4}" dt="2024-04-03T23:35:17.391" v="1566" actId="1076"/>
+          <ac:spMkLst>
+            <pc:docMk/>
+            <pc:sldMk cId="3350781362" sldId="266"/>
+            <ac:spMk id="66" creationId="{ADBE674A-D1A6-C477-22D8-41932DB04BC1}"/>
+          </ac:spMkLst>
+        </pc:spChg>
+        <pc:spChg chg="add mod">
+          <ac:chgData name="Ayomide Olanrewaju" userId="9e2ef167a983f186" providerId="LiveId" clId="{12123CF6-D7A0-48AD-9993-38D5C8144BA4}" dt="2024-04-03T23:37:13.434" v="1595" actId="207"/>
+          <ac:spMkLst>
+            <pc:docMk/>
+            <pc:sldMk cId="3350781362" sldId="266"/>
+            <ac:spMk id="138" creationId="{1A58C023-5D72-2FAF-BA36-6032796DA014}"/>
+          </ac:spMkLst>
+        </pc:spChg>
+        <pc:spChg chg="add del mod">
+          <ac:chgData name="Ayomide Olanrewaju" userId="9e2ef167a983f186" providerId="LiveId" clId="{12123CF6-D7A0-48AD-9993-38D5C8144BA4}" dt="2024-04-03T23:44:09.296" v="1638" actId="478"/>
+          <ac:spMkLst>
+            <pc:docMk/>
+            <pc:sldMk cId="3350781362" sldId="266"/>
+            <ac:spMk id="141" creationId="{AF77DEBD-65D0-099A-C629-685D0A581A4B}"/>
           </ac:spMkLst>
         </pc:spChg>
         <pc:grpChg chg="add">
@@ -310,12 +342,52 @@
             <ac:picMk id="5" creationId="{0C8F44B4-BD5D-DDA4-008D-D38B661BDAFB}"/>
           </ac:picMkLst>
         </pc:picChg>
+        <pc:picChg chg="add mod">
+          <ac:chgData name="Ayomide Olanrewaju" userId="9e2ef167a983f186" providerId="LiveId" clId="{12123CF6-D7A0-48AD-9993-38D5C8144BA4}" dt="2024-04-03T23:35:01.989" v="1563" actId="1076"/>
+          <ac:picMkLst>
+            <pc:docMk/>
+            <pc:sldMk cId="3350781362" sldId="266"/>
+            <ac:picMk id="6" creationId="{905498D8-D4F9-60D4-E3F2-0D987926189D}"/>
+          </ac:picMkLst>
+        </pc:picChg>
         <pc:picChg chg="add">
           <ac:chgData name="Ayomide Olanrewaju" userId="9e2ef167a983f186" providerId="LiveId" clId="{12123CF6-D7A0-48AD-9993-38D5C8144BA4}" dt="2024-04-03T19:48:21.612" v="485" actId="26606"/>
           <ac:picMkLst>
             <pc:docMk/>
             <pc:sldMk cId="3350781362" sldId="266"/>
             <ac:picMk id="9" creationId="{50C065C3-0FE3-4452-B765-CB05BBB2A983}"/>
+          </ac:picMkLst>
+        </pc:picChg>
+        <pc:picChg chg="add mod">
+          <ac:chgData name="Ayomide Olanrewaju" userId="9e2ef167a983f186" providerId="LiveId" clId="{12123CF6-D7A0-48AD-9993-38D5C8144BA4}" dt="2024-04-03T23:35:12.481" v="1565" actId="1076"/>
+          <ac:picMkLst>
+            <pc:docMk/>
+            <pc:sldMk cId="3350781362" sldId="266"/>
+            <ac:picMk id="10" creationId="{BA0BF935-AD0F-6843-7B5A-6352BF0F4009}"/>
+          </ac:picMkLst>
+        </pc:picChg>
+        <pc:picChg chg="add mod">
+          <ac:chgData name="Ayomide Olanrewaju" userId="9e2ef167a983f186" providerId="LiveId" clId="{12123CF6-D7A0-48AD-9993-38D5C8144BA4}" dt="2024-04-03T23:36:27.540" v="1568" actId="1076"/>
+          <ac:picMkLst>
+            <pc:docMk/>
+            <pc:sldMk cId="3350781362" sldId="266"/>
+            <ac:picMk id="126" creationId="{1D5E74D7-2C05-B173-833F-761CE0383554}"/>
+          </ac:picMkLst>
+        </pc:picChg>
+        <pc:picChg chg="add del mod">
+          <ac:chgData name="Ayomide Olanrewaju" userId="9e2ef167a983f186" providerId="LiveId" clId="{12123CF6-D7A0-48AD-9993-38D5C8144BA4}" dt="2024-04-03T23:44:01.394" v="1635" actId="478"/>
+          <ac:picMkLst>
+            <pc:docMk/>
+            <pc:sldMk cId="3350781362" sldId="266"/>
+            <ac:picMk id="140" creationId="{1BE44AB1-BAAD-0328-8798-AFB8CCC8FCBC}"/>
+          </ac:picMkLst>
+        </pc:picChg>
+        <pc:picChg chg="add mod">
+          <ac:chgData name="Ayomide Olanrewaju" userId="9e2ef167a983f186" providerId="LiveId" clId="{12123CF6-D7A0-48AD-9993-38D5C8144BA4}" dt="2024-04-03T23:44:26.818" v="1644" actId="1076"/>
+          <ac:picMkLst>
+            <pc:docMk/>
+            <pc:sldMk cId="3350781362" sldId="266"/>
+            <ac:picMk id="143" creationId="{097750FE-74F6-2E6C-6FFF-D1271E3242D5}"/>
           </ac:picMkLst>
         </pc:picChg>
       </pc:sldChg>
@@ -359,7 +431,7 @@
         </pc:graphicFrameChg>
       </pc:sldChg>
       <pc:sldChg chg="addSp delSp modSp new mod setBg setClrOvrMap">
-        <pc:chgData name="Ayomide Olanrewaju" userId="9e2ef167a983f186" providerId="LiveId" clId="{12123CF6-D7A0-48AD-9993-38D5C8144BA4}" dt="2024-04-03T21:15:10.029" v="1328" actId="113"/>
+        <pc:chgData name="Ayomide Olanrewaju" userId="9e2ef167a983f186" providerId="LiveId" clId="{12123CF6-D7A0-48AD-9993-38D5C8144BA4}" dt="2024-04-03T23:31:21.154" v="1524" actId="20577"/>
         <pc:sldMkLst>
           <pc:docMk/>
           <pc:sldMk cId="786187595" sldId="268"/>
@@ -525,7 +597,7 @@
           </ac:graphicFrameMkLst>
         </pc:graphicFrameChg>
         <pc:graphicFrameChg chg="add mod modGraphic">
-          <ac:chgData name="Ayomide Olanrewaju" userId="9e2ef167a983f186" providerId="LiveId" clId="{12123CF6-D7A0-48AD-9993-38D5C8144BA4}" dt="2024-04-03T20:10:11.755" v="656" actId="207"/>
+          <ac:chgData name="Ayomide Olanrewaju" userId="9e2ef167a983f186" providerId="LiveId" clId="{12123CF6-D7A0-48AD-9993-38D5C8144BA4}" dt="2024-04-03T23:31:21.154" v="1524" actId="20577"/>
           <ac:graphicFrameMkLst>
             <pc:docMk/>
             <pc:sldMk cId="786187595" sldId="268"/>
@@ -4564,7 +4636,7 @@
           <a:noFill/>
           <a:extLst>
             <a:ext uri="{909E8E84-426E-40dd-AFC4-6F175D3DCCD1}">
-              <a14:hiddenFill xmlns:a14="http://schemas.microsoft.com/office/drawing/2010/main" xmlns="">
+              <a14:hiddenFill xmlns="" xmlns:a14="http://schemas.microsoft.com/office/drawing/2010/main">
                 <a:solidFill>
                   <a:srgbClr val="FFFFFF"/>
                 </a:solidFill>
@@ -4624,7 +4696,7 @@
             </a:ln>
             <a:extLst>
               <a:ext uri="{91240B29-F687-4f45-9708-019B960494DF}">
-                <a14:hiddenLine xmlns:a14="http://schemas.microsoft.com/office/drawing/2010/main" xmlns="" w="9525">
+                <a14:hiddenLine xmlns="" xmlns:a14="http://schemas.microsoft.com/office/drawing/2010/main" w="9525">
                   <a:solidFill>
                     <a:srgbClr val="000000"/>
                   </a:solidFill>
@@ -4714,7 +4786,7 @@
             </a:ln>
             <a:extLst>
               <a:ext uri="{91240B29-F687-4f45-9708-019B960494DF}">
-                <a14:hiddenLine xmlns:a14="http://schemas.microsoft.com/office/drawing/2010/main" xmlns="" w="9525">
+                <a14:hiddenLine xmlns="" xmlns:a14="http://schemas.microsoft.com/office/drawing/2010/main" w="9525">
                   <a:solidFill>
                     <a:srgbClr val="000000"/>
                   </a:solidFill>
@@ -4804,7 +4876,7 @@
             </a:ln>
             <a:extLst>
               <a:ext uri="{91240B29-F687-4f45-9708-019B960494DF}">
-                <a14:hiddenLine xmlns:a14="http://schemas.microsoft.com/office/drawing/2010/main" xmlns="" w="9525">
+                <a14:hiddenLine xmlns="" xmlns:a14="http://schemas.microsoft.com/office/drawing/2010/main" w="9525">
                   <a:solidFill>
                     <a:srgbClr val="000000"/>
                   </a:solidFill>
@@ -4838,7 +4910,7 @@
             </a:ln>
             <a:extLst>
               <a:ext uri="{91240B29-F687-4f45-9708-019B960494DF}">
-                <a14:hiddenLine xmlns:a14="http://schemas.microsoft.com/office/drawing/2010/main" xmlns="" w="9525">
+                <a14:hiddenLine xmlns="" xmlns:a14="http://schemas.microsoft.com/office/drawing/2010/main" w="9525">
                   <a:solidFill>
                     <a:srgbClr val="000000"/>
                   </a:solidFill>
@@ -4928,7 +5000,7 @@
             </a:ln>
             <a:extLst>
               <a:ext uri="{91240B29-F687-4f45-9708-019B960494DF}">
-                <a14:hiddenLine xmlns:a14="http://schemas.microsoft.com/office/drawing/2010/main" xmlns="" w="9525">
+                <a14:hiddenLine xmlns="" xmlns:a14="http://schemas.microsoft.com/office/drawing/2010/main" w="9525">
                   <a:solidFill>
                     <a:srgbClr val="000000"/>
                   </a:solidFill>
@@ -4990,7 +5062,7 @@
             </a:ln>
             <a:extLst>
               <a:ext uri="{91240B29-F687-4f45-9708-019B960494DF}">
-                <a14:hiddenLine xmlns:a14="http://schemas.microsoft.com/office/drawing/2010/main" xmlns="" w="9525">
+                <a14:hiddenLine xmlns="" xmlns:a14="http://schemas.microsoft.com/office/drawing/2010/main" w="9525">
                   <a:solidFill>
                     <a:srgbClr val="000000"/>
                   </a:solidFill>
@@ -5052,7 +5124,7 @@
             </a:ln>
             <a:extLst>
               <a:ext uri="{91240B29-F687-4f45-9708-019B960494DF}">
-                <a14:hiddenLine xmlns:a14="http://schemas.microsoft.com/office/drawing/2010/main" xmlns="" w="9525">
+                <a14:hiddenLine xmlns="" xmlns:a14="http://schemas.microsoft.com/office/drawing/2010/main" w="9525">
                   <a:solidFill>
                     <a:srgbClr val="000000"/>
                   </a:solidFill>
@@ -5142,7 +5214,7 @@
             </a:ln>
             <a:extLst>
               <a:ext uri="{91240B29-F687-4f45-9708-019B960494DF}">
-                <a14:hiddenLine xmlns:a14="http://schemas.microsoft.com/office/drawing/2010/main" xmlns="" w="9525">
+                <a14:hiddenLine xmlns="" xmlns:a14="http://schemas.microsoft.com/office/drawing/2010/main" w="9525">
                   <a:solidFill>
                     <a:srgbClr val="000000"/>
                   </a:solidFill>
@@ -5204,7 +5276,7 @@
             </a:ln>
             <a:extLst>
               <a:ext uri="{91240B29-F687-4f45-9708-019B960494DF}">
-                <a14:hiddenLine xmlns:a14="http://schemas.microsoft.com/office/drawing/2010/main" xmlns="" w="9525">
+                <a14:hiddenLine xmlns="" xmlns:a14="http://schemas.microsoft.com/office/drawing/2010/main" w="9525">
                   <a:solidFill>
                     <a:srgbClr val="000000"/>
                   </a:solidFill>
@@ -5266,7 +5338,7 @@
             </a:ln>
             <a:extLst>
               <a:ext uri="{91240B29-F687-4f45-9708-019B960494DF}">
-                <a14:hiddenLine xmlns:a14="http://schemas.microsoft.com/office/drawing/2010/main" xmlns="" w="9525">
+                <a14:hiddenLine xmlns="" xmlns:a14="http://schemas.microsoft.com/office/drawing/2010/main" w="9525">
                   <a:solidFill>
                     <a:srgbClr val="000000"/>
                   </a:solidFill>
@@ -5356,7 +5428,7 @@
             </a:ln>
             <a:extLst>
               <a:ext uri="{91240B29-F687-4f45-9708-019B960494DF}">
-                <a14:hiddenLine xmlns:a14="http://schemas.microsoft.com/office/drawing/2010/main" xmlns="" w="9525">
+                <a14:hiddenLine xmlns="" xmlns:a14="http://schemas.microsoft.com/office/drawing/2010/main" w="9525">
                   <a:solidFill>
                     <a:srgbClr val="000000"/>
                   </a:solidFill>
@@ -5446,7 +5518,7 @@
             </a:ln>
             <a:extLst>
               <a:ext uri="{91240B29-F687-4f45-9708-019B960494DF}">
-                <a14:hiddenLine xmlns:a14="http://schemas.microsoft.com/office/drawing/2010/main" xmlns="" w="9525">
+                <a14:hiddenLine xmlns="" xmlns:a14="http://schemas.microsoft.com/office/drawing/2010/main" w="9525">
                   <a:solidFill>
                     <a:srgbClr val="000000"/>
                   </a:solidFill>
@@ -5508,7 +5580,7 @@
             </a:ln>
             <a:extLst>
               <a:ext uri="{91240B29-F687-4f45-9708-019B960494DF}">
-                <a14:hiddenLine xmlns:a14="http://schemas.microsoft.com/office/drawing/2010/main" xmlns="" w="9525">
+                <a14:hiddenLine xmlns="" xmlns:a14="http://schemas.microsoft.com/office/drawing/2010/main" w="9525">
                   <a:solidFill>
                     <a:srgbClr val="000000"/>
                   </a:solidFill>
@@ -5618,7 +5690,7 @@
             </a:ln>
             <a:extLst>
               <a:ext uri="{91240B29-F687-4f45-9708-019B960494DF}">
-                <a14:hiddenLine xmlns:a14="http://schemas.microsoft.com/office/drawing/2010/main" xmlns="" w="9525">
+                <a14:hiddenLine xmlns="" xmlns:a14="http://schemas.microsoft.com/office/drawing/2010/main" w="9525">
                   <a:solidFill>
                     <a:srgbClr val="000000"/>
                   </a:solidFill>
@@ -5680,7 +5752,7 @@
             </a:ln>
             <a:extLst>
               <a:ext uri="{91240B29-F687-4f45-9708-019B960494DF}">
-                <a14:hiddenLine xmlns:a14="http://schemas.microsoft.com/office/drawing/2010/main" xmlns="" w="9525">
+                <a14:hiddenLine xmlns="" xmlns:a14="http://schemas.microsoft.com/office/drawing/2010/main" w="9525">
                   <a:solidFill>
                     <a:srgbClr val="000000"/>
                   </a:solidFill>
@@ -5770,7 +5842,7 @@
             </a:ln>
             <a:extLst>
               <a:ext uri="{91240B29-F687-4f45-9708-019B960494DF}">
-                <a14:hiddenLine xmlns:a14="http://schemas.microsoft.com/office/drawing/2010/main" xmlns="" w="9525">
+                <a14:hiddenLine xmlns="" xmlns:a14="http://schemas.microsoft.com/office/drawing/2010/main" w="9525">
                   <a:solidFill>
                     <a:srgbClr val="000000"/>
                   </a:solidFill>
@@ -5860,7 +5932,7 @@
             </a:ln>
             <a:extLst>
               <a:ext uri="{91240B29-F687-4f45-9708-019B960494DF}">
-                <a14:hiddenLine xmlns:a14="http://schemas.microsoft.com/office/drawing/2010/main" xmlns="" w="9525">
+                <a14:hiddenLine xmlns="" xmlns:a14="http://schemas.microsoft.com/office/drawing/2010/main" w="9525">
                   <a:solidFill>
                     <a:srgbClr val="000000"/>
                   </a:solidFill>
@@ -5922,7 +5994,7 @@
             </a:ln>
             <a:extLst>
               <a:ext uri="{91240B29-F687-4f45-9708-019B960494DF}">
-                <a14:hiddenLine xmlns:a14="http://schemas.microsoft.com/office/drawing/2010/main" xmlns="" w="9525">
+                <a14:hiddenLine xmlns="" xmlns:a14="http://schemas.microsoft.com/office/drawing/2010/main" w="9525">
                   <a:solidFill>
                     <a:srgbClr val="000000"/>
                   </a:solidFill>
@@ -6012,7 +6084,7 @@
             </a:ln>
             <a:extLst>
               <a:ext uri="{91240B29-F687-4f45-9708-019B960494DF}">
-                <a14:hiddenLine xmlns:a14="http://schemas.microsoft.com/office/drawing/2010/main" xmlns="" w="9525">
+                <a14:hiddenLine xmlns="" xmlns:a14="http://schemas.microsoft.com/office/drawing/2010/main" w="9525">
                   <a:solidFill>
                     <a:srgbClr val="000000"/>
                   </a:solidFill>
@@ -6102,7 +6174,7 @@
             </a:ln>
             <a:extLst>
               <a:ext uri="{91240B29-F687-4f45-9708-019B960494DF}">
-                <a14:hiddenLine xmlns:a14="http://schemas.microsoft.com/office/drawing/2010/main" xmlns="" w="9525">
+                <a14:hiddenLine xmlns="" xmlns:a14="http://schemas.microsoft.com/office/drawing/2010/main" w="9525">
                   <a:solidFill>
                     <a:srgbClr val="000000"/>
                   </a:solidFill>
@@ -6158,7 +6230,7 @@
             </a:ln>
             <a:extLst>
               <a:ext uri="{91240B29-F687-4f45-9708-019B960494DF}">
-                <a14:hiddenLine xmlns:a14="http://schemas.microsoft.com/office/drawing/2010/main" xmlns="" w="9525">
+                <a14:hiddenLine xmlns="" xmlns:a14="http://schemas.microsoft.com/office/drawing/2010/main" w="9525">
                   <a:solidFill>
                     <a:srgbClr val="000000"/>
                   </a:solidFill>
@@ -6248,7 +6320,7 @@
             </a:ln>
             <a:extLst>
               <a:ext uri="{91240B29-F687-4f45-9708-019B960494DF}">
-                <a14:hiddenLine xmlns:a14="http://schemas.microsoft.com/office/drawing/2010/main" xmlns="" w="9525">
+                <a14:hiddenLine xmlns="" xmlns:a14="http://schemas.microsoft.com/office/drawing/2010/main" w="9525">
                   <a:solidFill>
                     <a:srgbClr val="000000"/>
                   </a:solidFill>
@@ -6304,7 +6376,7 @@
             </a:ln>
             <a:extLst>
               <a:ext uri="{91240B29-F687-4f45-9708-019B960494DF}">
-                <a14:hiddenLine xmlns:a14="http://schemas.microsoft.com/office/drawing/2010/main" xmlns="" w="9525">
+                <a14:hiddenLine xmlns="" xmlns:a14="http://schemas.microsoft.com/office/drawing/2010/main" w="9525">
                   <a:solidFill>
                     <a:srgbClr val="000000"/>
                   </a:solidFill>
@@ -6394,7 +6466,7 @@
             </a:ln>
             <a:extLst>
               <a:ext uri="{91240B29-F687-4f45-9708-019B960494DF}">
-                <a14:hiddenLine xmlns:a14="http://schemas.microsoft.com/office/drawing/2010/main" xmlns="" w="9525">
+                <a14:hiddenLine xmlns="" xmlns:a14="http://schemas.microsoft.com/office/drawing/2010/main" w="9525">
                   <a:solidFill>
                     <a:srgbClr val="000000"/>
                   </a:solidFill>
@@ -6462,7 +6534,7 @@
             </a:ln>
             <a:extLst>
               <a:ext uri="{91240B29-F687-4f45-9708-019B960494DF}">
-                <a14:hiddenLine xmlns:a14="http://schemas.microsoft.com/office/drawing/2010/main" xmlns="" w="9525">
+                <a14:hiddenLine xmlns="" xmlns:a14="http://schemas.microsoft.com/office/drawing/2010/main" w="9525">
                   <a:solidFill>
                     <a:srgbClr val="000000"/>
                   </a:solidFill>
@@ -6552,7 +6624,7 @@
             </a:ln>
             <a:extLst>
               <a:ext uri="{91240B29-F687-4f45-9708-019B960494DF}">
-                <a14:hiddenLine xmlns:a14="http://schemas.microsoft.com/office/drawing/2010/main" xmlns="" w="9525">
+                <a14:hiddenLine xmlns="" xmlns:a14="http://schemas.microsoft.com/office/drawing/2010/main" w="9525">
                   <a:solidFill>
                     <a:srgbClr val="000000"/>
                   </a:solidFill>
@@ -6620,7 +6692,7 @@
             </a:ln>
             <a:extLst>
               <a:ext uri="{91240B29-F687-4f45-9708-019B960494DF}">
-                <a14:hiddenLine xmlns:a14="http://schemas.microsoft.com/office/drawing/2010/main" xmlns="" w="9525">
+                <a14:hiddenLine xmlns="" xmlns:a14="http://schemas.microsoft.com/office/drawing/2010/main" w="9525">
                   <a:solidFill>
                     <a:srgbClr val="000000"/>
                   </a:solidFill>
@@ -6710,7 +6782,7 @@
             </a:ln>
             <a:extLst>
               <a:ext uri="{91240B29-F687-4f45-9708-019B960494DF}">
-                <a14:hiddenLine xmlns:a14="http://schemas.microsoft.com/office/drawing/2010/main" xmlns="" w="9525">
+                <a14:hiddenLine xmlns="" xmlns:a14="http://schemas.microsoft.com/office/drawing/2010/main" w="9525">
                   <a:solidFill>
                     <a:srgbClr val="000000"/>
                   </a:solidFill>
@@ -6744,7 +6816,7 @@
             </a:ln>
             <a:extLst>
               <a:ext uri="{91240B29-F687-4f45-9708-019B960494DF}">
-                <a14:hiddenLine xmlns:a14="http://schemas.microsoft.com/office/drawing/2010/main" xmlns="" w="9525">
+                <a14:hiddenLine xmlns="" xmlns:a14="http://schemas.microsoft.com/office/drawing/2010/main" w="9525">
                   <a:solidFill>
                     <a:srgbClr val="000000"/>
                   </a:solidFill>
@@ -6834,7 +6906,7 @@
             </a:ln>
             <a:extLst>
               <a:ext uri="{91240B29-F687-4f45-9708-019B960494DF}">
-                <a14:hiddenLine xmlns:a14="http://schemas.microsoft.com/office/drawing/2010/main" xmlns="" w="9525">
+                <a14:hiddenLine xmlns="" xmlns:a14="http://schemas.microsoft.com/office/drawing/2010/main" w="9525">
                   <a:solidFill>
                     <a:srgbClr val="000000"/>
                   </a:solidFill>
@@ -6896,7 +6968,7 @@
             </a:ln>
             <a:extLst>
               <a:ext uri="{91240B29-F687-4f45-9708-019B960494DF}">
-                <a14:hiddenLine xmlns:a14="http://schemas.microsoft.com/office/drawing/2010/main" xmlns="" w="9525">
+                <a14:hiddenLine xmlns="" xmlns:a14="http://schemas.microsoft.com/office/drawing/2010/main" w="9525">
                   <a:solidFill>
                     <a:srgbClr val="000000"/>
                   </a:solidFill>
@@ -6958,7 +7030,7 @@
             </a:ln>
             <a:extLst>
               <a:ext uri="{91240B29-F687-4f45-9708-019B960494DF}">
-                <a14:hiddenLine xmlns:a14="http://schemas.microsoft.com/office/drawing/2010/main" xmlns="" w="9525">
+                <a14:hiddenLine xmlns="" xmlns:a14="http://schemas.microsoft.com/office/drawing/2010/main" w="9525">
                   <a:solidFill>
                     <a:srgbClr val="000000"/>
                   </a:solidFill>
@@ -7048,7 +7120,7 @@
             </a:ln>
             <a:extLst>
               <a:ext uri="{91240B29-F687-4f45-9708-019B960494DF}">
-                <a14:hiddenLine xmlns:a14="http://schemas.microsoft.com/office/drawing/2010/main" xmlns="" w="9525">
+                <a14:hiddenLine xmlns="" xmlns:a14="http://schemas.microsoft.com/office/drawing/2010/main" w="9525">
                   <a:solidFill>
                     <a:srgbClr val="000000"/>
                   </a:solidFill>
@@ -7116,7 +7188,7 @@
             </a:ln>
             <a:extLst>
               <a:ext uri="{91240B29-F687-4f45-9708-019B960494DF}">
-                <a14:hiddenLine xmlns:a14="http://schemas.microsoft.com/office/drawing/2010/main" xmlns="" w="9525">
+                <a14:hiddenLine xmlns="" xmlns:a14="http://schemas.microsoft.com/office/drawing/2010/main" w="9525">
                   <a:solidFill>
                     <a:srgbClr val="000000"/>
                   </a:solidFill>
@@ -7178,7 +7250,7 @@
             </a:ln>
             <a:extLst>
               <a:ext uri="{91240B29-F687-4f45-9708-019B960494DF}">
-                <a14:hiddenLine xmlns:a14="http://schemas.microsoft.com/office/drawing/2010/main" xmlns="" w="9525">
+                <a14:hiddenLine xmlns="" xmlns:a14="http://schemas.microsoft.com/office/drawing/2010/main" w="9525">
                   <a:solidFill>
                     <a:srgbClr val="000000"/>
                   </a:solidFill>
@@ -7268,7 +7340,7 @@
             </a:ln>
             <a:extLst>
               <a:ext uri="{91240B29-F687-4f45-9708-019B960494DF}">
-                <a14:hiddenLine xmlns:a14="http://schemas.microsoft.com/office/drawing/2010/main" xmlns="" w="9525">
+                <a14:hiddenLine xmlns="" xmlns:a14="http://schemas.microsoft.com/office/drawing/2010/main" w="9525">
                   <a:solidFill>
                     <a:srgbClr val="000000"/>
                   </a:solidFill>
@@ -7330,7 +7402,7 @@
             </a:ln>
             <a:extLst>
               <a:ext uri="{91240B29-F687-4f45-9708-019B960494DF}">
-                <a14:hiddenLine xmlns:a14="http://schemas.microsoft.com/office/drawing/2010/main" xmlns="" w="9525">
+                <a14:hiddenLine xmlns="" xmlns:a14="http://schemas.microsoft.com/office/drawing/2010/main" w="9525">
                   <a:solidFill>
                     <a:srgbClr val="000000"/>
                   </a:solidFill>
@@ -7420,7 +7492,7 @@
             </a:ln>
             <a:extLst>
               <a:ext uri="{91240B29-F687-4f45-9708-019B960494DF}">
-                <a14:hiddenLine xmlns:a14="http://schemas.microsoft.com/office/drawing/2010/main" xmlns="" w="9525">
+                <a14:hiddenLine xmlns="" xmlns:a14="http://schemas.microsoft.com/office/drawing/2010/main" w="9525">
                   <a:solidFill>
                     <a:srgbClr val="000000"/>
                   </a:solidFill>
@@ -7482,7 +7554,7 @@
             </a:ln>
             <a:extLst>
               <a:ext uri="{91240B29-F687-4f45-9708-019B960494DF}">
-                <a14:hiddenLine xmlns:a14="http://schemas.microsoft.com/office/drawing/2010/main" xmlns="" w="9525">
+                <a14:hiddenLine xmlns="" xmlns:a14="http://schemas.microsoft.com/office/drawing/2010/main" w="9525">
                   <a:solidFill>
                     <a:srgbClr val="000000"/>
                   </a:solidFill>
@@ -7572,7 +7644,7 @@
             </a:ln>
             <a:extLst>
               <a:ext uri="{91240B29-F687-4f45-9708-019B960494DF}">
-                <a14:hiddenLine xmlns:a14="http://schemas.microsoft.com/office/drawing/2010/main" xmlns="" w="9525">
+                <a14:hiddenLine xmlns="" xmlns:a14="http://schemas.microsoft.com/office/drawing/2010/main" w="9525">
                   <a:solidFill>
                     <a:srgbClr val="000000"/>
                   </a:solidFill>
@@ -7606,7 +7678,7 @@
             </a:ln>
             <a:extLst>
               <a:ext uri="{91240B29-F687-4f45-9708-019B960494DF}">
-                <a14:hiddenLine xmlns:a14="http://schemas.microsoft.com/office/drawing/2010/main" xmlns="" w="9525">
+                <a14:hiddenLine xmlns="" xmlns:a14="http://schemas.microsoft.com/office/drawing/2010/main" w="9525">
                   <a:solidFill>
                     <a:srgbClr val="000000"/>
                   </a:solidFill>
@@ -7671,7 +7743,7 @@
             </a:ln>
             <a:extLst>
               <a:ext uri="{91240B29-F687-4f45-9708-019B960494DF}">
-                <a14:hiddenLine xmlns:a14="http://schemas.microsoft.com/office/drawing/2010/main" xmlns="" w="9525">
+                <a14:hiddenLine xmlns="" xmlns:a14="http://schemas.microsoft.com/office/drawing/2010/main" w="9525">
                   <a:solidFill>
                     <a:srgbClr val="000000"/>
                   </a:solidFill>
@@ -7761,7 +7833,7 @@
             </a:ln>
             <a:extLst>
               <a:ext uri="{91240B29-F687-4f45-9708-019B960494DF}">
-                <a14:hiddenLine xmlns:a14="http://schemas.microsoft.com/office/drawing/2010/main" xmlns="" w="9525">
+                <a14:hiddenLine xmlns="" xmlns:a14="http://schemas.microsoft.com/office/drawing/2010/main" w="9525">
                   <a:solidFill>
                     <a:srgbClr val="000000"/>
                   </a:solidFill>
@@ -7823,7 +7895,7 @@
             </a:ln>
             <a:extLst>
               <a:ext uri="{91240B29-F687-4f45-9708-019B960494DF}">
-                <a14:hiddenLine xmlns:a14="http://schemas.microsoft.com/office/drawing/2010/main" xmlns="" w="9525">
+                <a14:hiddenLine xmlns="" xmlns:a14="http://schemas.microsoft.com/office/drawing/2010/main" w="9525">
                   <a:solidFill>
                     <a:srgbClr val="000000"/>
                   </a:solidFill>
@@ -7913,7 +7985,7 @@
             </a:ln>
             <a:extLst>
               <a:ext uri="{91240B29-F687-4f45-9708-019B960494DF}">
-                <a14:hiddenLine xmlns:a14="http://schemas.microsoft.com/office/drawing/2010/main" xmlns="" w="9525">
+                <a14:hiddenLine xmlns="" xmlns:a14="http://schemas.microsoft.com/office/drawing/2010/main" w="9525">
                   <a:solidFill>
                     <a:srgbClr val="000000"/>
                   </a:solidFill>
@@ -8003,7 +8075,7 @@
             </a:ln>
             <a:extLst>
               <a:ext uri="{91240B29-F687-4f45-9708-019B960494DF}">
-                <a14:hiddenLine xmlns:a14="http://schemas.microsoft.com/office/drawing/2010/main" xmlns="" w="9525">
+                <a14:hiddenLine xmlns="" xmlns:a14="http://schemas.microsoft.com/office/drawing/2010/main" w="9525">
                   <a:solidFill>
                     <a:srgbClr val="000000"/>
                   </a:solidFill>
@@ -8068,7 +8140,7 @@
             </a:ln>
             <a:extLst>
               <a:ext uri="{91240B29-F687-4f45-9708-019B960494DF}">
-                <a14:hiddenLine xmlns:a14="http://schemas.microsoft.com/office/drawing/2010/main" xmlns="" w="9525">
+                <a14:hiddenLine xmlns="" xmlns:a14="http://schemas.microsoft.com/office/drawing/2010/main" w="9525">
                   <a:solidFill>
                     <a:srgbClr val="000000"/>
                   </a:solidFill>
@@ -8130,7 +8202,7 @@
             </a:ln>
             <a:extLst>
               <a:ext uri="{91240B29-F687-4f45-9708-019B960494DF}">
-                <a14:hiddenLine xmlns:a14="http://schemas.microsoft.com/office/drawing/2010/main" xmlns="" w="9525">
+                <a14:hiddenLine xmlns="" xmlns:a14="http://schemas.microsoft.com/office/drawing/2010/main" w="9525">
                   <a:solidFill>
                     <a:srgbClr val="000000"/>
                   </a:solidFill>
@@ -8220,7 +8292,7 @@
             </a:ln>
             <a:extLst>
               <a:ext uri="{91240B29-F687-4f45-9708-019B960494DF}">
-                <a14:hiddenLine xmlns:a14="http://schemas.microsoft.com/office/drawing/2010/main" xmlns="" w="9525">
+                <a14:hiddenLine xmlns="" xmlns:a14="http://schemas.microsoft.com/office/drawing/2010/main" w="9525">
                   <a:solidFill>
                     <a:srgbClr val="000000"/>
                   </a:solidFill>
@@ -8310,7 +8382,7 @@
             </a:ln>
             <a:extLst>
               <a:ext uri="{91240B29-F687-4f45-9708-019B960494DF}">
-                <a14:hiddenLine xmlns:a14="http://schemas.microsoft.com/office/drawing/2010/main" xmlns="" w="9525">
+                <a14:hiddenLine xmlns="" xmlns:a14="http://schemas.microsoft.com/office/drawing/2010/main" w="9525">
                   <a:solidFill>
                     <a:srgbClr val="000000"/>
                   </a:solidFill>
@@ -8372,7 +8444,7 @@
             </a:ln>
             <a:extLst>
               <a:ext uri="{91240B29-F687-4f45-9708-019B960494DF}">
-                <a14:hiddenLine xmlns:a14="http://schemas.microsoft.com/office/drawing/2010/main" xmlns="" w="9525">
+                <a14:hiddenLine xmlns="" xmlns:a14="http://schemas.microsoft.com/office/drawing/2010/main" w="9525">
                   <a:solidFill>
                     <a:srgbClr val="000000"/>
                   </a:solidFill>
@@ -8492,7 +8564,7 @@
             </a:ln>
             <a:extLst>
               <a:ext uri="{91240B29-F687-4f45-9708-019B960494DF}">
-                <a14:hiddenLine xmlns:a14="http://schemas.microsoft.com/office/drawing/2010/main" xmlns="" w="9525">
+                <a14:hiddenLine xmlns="" xmlns:a14="http://schemas.microsoft.com/office/drawing/2010/main" w="9525">
                   <a:solidFill>
                     <a:srgbClr val="000000"/>
                   </a:solidFill>
@@ -8560,7 +8632,7 @@
             </a:ln>
             <a:extLst>
               <a:ext uri="{91240B29-F687-4f45-9708-019B960494DF}">
-                <a14:hiddenLine xmlns:a14="http://schemas.microsoft.com/office/drawing/2010/main" xmlns="" w="9525">
+                <a14:hiddenLine xmlns="" xmlns:a14="http://schemas.microsoft.com/office/drawing/2010/main" w="9525">
                   <a:solidFill>
                     <a:srgbClr val="000000"/>
                   </a:solidFill>
@@ -8650,7 +8722,7 @@
             </a:ln>
             <a:extLst>
               <a:ext uri="{91240B29-F687-4f45-9708-019B960494DF}">
-                <a14:hiddenLine xmlns:a14="http://schemas.microsoft.com/office/drawing/2010/main" xmlns="" w="9525">
+                <a14:hiddenLine xmlns="" xmlns:a14="http://schemas.microsoft.com/office/drawing/2010/main" w="9525">
                   <a:solidFill>
                     <a:srgbClr val="000000"/>
                   </a:solidFill>
@@ -8790,7 +8862,7 @@
           <a:p>
             <a:fld id="{A2BB5BE7-7604-4EE2-9D5E-E193E96D3402}" type="datetimeFigureOut">
               <a:rPr lang="en-GB" smtClean="0"/>
-              <a:t>03/04/2024</a:t>
+              <a:t>04/04/2024</a:t>
             </a:fld>
             <a:endParaRPr lang="en-GB"/>
           </a:p>
@@ -9057,7 +9129,7 @@
           <a:p>
             <a:fld id="{A2BB5BE7-7604-4EE2-9D5E-E193E96D3402}" type="datetimeFigureOut">
               <a:rPr lang="en-GB" smtClean="0"/>
-              <a:t>03/04/2024</a:t>
+              <a:t>04/04/2024</a:t>
             </a:fld>
             <a:endParaRPr lang="en-GB"/>
           </a:p>
@@ -9253,7 +9325,7 @@
           <a:p>
             <a:fld id="{A2BB5BE7-7604-4EE2-9D5E-E193E96D3402}" type="datetimeFigureOut">
               <a:rPr lang="en-GB" smtClean="0"/>
-              <a:t>03/04/2024</a:t>
+              <a:t>04/04/2024</a:t>
             </a:fld>
             <a:endParaRPr lang="en-GB"/>
           </a:p>
@@ -9516,7 +9588,7 @@
           <a:p>
             <a:fld id="{A2BB5BE7-7604-4EE2-9D5E-E193E96D3402}" type="datetimeFigureOut">
               <a:rPr lang="en-GB" smtClean="0"/>
-              <a:t>03/04/2024</a:t>
+              <a:t>04/04/2024</a:t>
             </a:fld>
             <a:endParaRPr lang="en-GB"/>
           </a:p>
@@ -9950,7 +10022,7 @@
           <a:p>
             <a:fld id="{A2BB5BE7-7604-4EE2-9D5E-E193E96D3402}" type="datetimeFigureOut">
               <a:rPr lang="en-GB" smtClean="0"/>
-              <a:t>03/04/2024</a:t>
+              <a:t>04/04/2024</a:t>
             </a:fld>
             <a:endParaRPr lang="en-GB"/>
           </a:p>
@@ -10496,7 +10568,7 @@
           <a:p>
             <a:fld id="{A2BB5BE7-7604-4EE2-9D5E-E193E96D3402}" type="datetimeFigureOut">
               <a:rPr lang="en-GB" smtClean="0"/>
-              <a:t>03/04/2024</a:t>
+              <a:t>04/04/2024</a:t>
             </a:fld>
             <a:endParaRPr lang="en-GB"/>
           </a:p>
@@ -11216,7 +11288,7 @@
           <a:p>
             <a:fld id="{A2BB5BE7-7604-4EE2-9D5E-E193E96D3402}" type="datetimeFigureOut">
               <a:rPr lang="en-GB" smtClean="0"/>
-              <a:t>03/04/2024</a:t>
+              <a:t>04/04/2024</a:t>
             </a:fld>
             <a:endParaRPr lang="en-GB"/>
           </a:p>
@@ -11386,7 +11458,7 @@
           <a:p>
             <a:fld id="{A2BB5BE7-7604-4EE2-9D5E-E193E96D3402}" type="datetimeFigureOut">
               <a:rPr lang="en-GB" smtClean="0"/>
-              <a:t>03/04/2024</a:t>
+              <a:t>04/04/2024</a:t>
             </a:fld>
             <a:endParaRPr lang="en-GB"/>
           </a:p>
@@ -11566,7 +11638,7 @@
           <a:p>
             <a:fld id="{A2BB5BE7-7604-4EE2-9D5E-E193E96D3402}" type="datetimeFigureOut">
               <a:rPr lang="en-GB" smtClean="0"/>
-              <a:t>03/04/2024</a:t>
+              <a:t>04/04/2024</a:t>
             </a:fld>
             <a:endParaRPr lang="en-GB"/>
           </a:p>
@@ -11736,7 +11808,7 @@
           <a:p>
             <a:fld id="{A2BB5BE7-7604-4EE2-9D5E-E193E96D3402}" type="datetimeFigureOut">
               <a:rPr lang="en-GB" smtClean="0"/>
-              <a:t>03/04/2024</a:t>
+              <a:t>04/04/2024</a:t>
             </a:fld>
             <a:endParaRPr lang="en-GB"/>
           </a:p>
@@ -11986,7 +12058,7 @@
           <a:p>
             <a:fld id="{A2BB5BE7-7604-4EE2-9D5E-E193E96D3402}" type="datetimeFigureOut">
               <a:rPr lang="en-GB" smtClean="0"/>
-              <a:t>03/04/2024</a:t>
+              <a:t>04/04/2024</a:t>
             </a:fld>
             <a:endParaRPr lang="en-GB"/>
           </a:p>
@@ -12218,7 +12290,7 @@
           <a:p>
             <a:fld id="{A2BB5BE7-7604-4EE2-9D5E-E193E96D3402}" type="datetimeFigureOut">
               <a:rPr lang="en-GB" smtClean="0"/>
-              <a:t>03/04/2024</a:t>
+              <a:t>04/04/2024</a:t>
             </a:fld>
             <a:endParaRPr lang="en-GB"/>
           </a:p>
@@ -12599,7 +12671,7 @@
           <a:p>
             <a:fld id="{A2BB5BE7-7604-4EE2-9D5E-E193E96D3402}" type="datetimeFigureOut">
               <a:rPr lang="en-GB" smtClean="0"/>
-              <a:t>03/04/2024</a:t>
+              <a:t>04/04/2024</a:t>
             </a:fld>
             <a:endParaRPr lang="en-GB"/>
           </a:p>
@@ -12717,7 +12789,7 @@
           <a:p>
             <a:fld id="{A2BB5BE7-7604-4EE2-9D5E-E193E96D3402}" type="datetimeFigureOut">
               <a:rPr lang="en-GB" smtClean="0"/>
-              <a:t>03/04/2024</a:t>
+              <a:t>04/04/2024</a:t>
             </a:fld>
             <a:endParaRPr lang="en-GB"/>
           </a:p>
@@ -12812,7 +12884,7 @@
           <a:p>
             <a:fld id="{A2BB5BE7-7604-4EE2-9D5E-E193E96D3402}" type="datetimeFigureOut">
               <a:rPr lang="en-GB" smtClean="0"/>
-              <a:t>03/04/2024</a:t>
+              <a:t>04/04/2024</a:t>
             </a:fld>
             <a:endParaRPr lang="en-GB"/>
           </a:p>
@@ -13061,7 +13133,7 @@
           <a:p>
             <a:fld id="{A2BB5BE7-7604-4EE2-9D5E-E193E96D3402}" type="datetimeFigureOut">
               <a:rPr lang="en-GB" smtClean="0"/>
-              <a:t>03/04/2024</a:t>
+              <a:t>04/04/2024</a:t>
             </a:fld>
             <a:endParaRPr lang="en-GB"/>
           </a:p>
@@ -13341,7 +13413,7 @@
           <a:p>
             <a:fld id="{A2BB5BE7-7604-4EE2-9D5E-E193E96D3402}" type="datetimeFigureOut">
               <a:rPr lang="en-GB" smtClean="0"/>
-              <a:t>03/04/2024</a:t>
+              <a:t>04/04/2024</a:t>
             </a:fld>
             <a:endParaRPr lang="en-GB"/>
           </a:p>
@@ -13457,7 +13529,7 @@
           <a:noFill/>
           <a:extLst>
             <a:ext uri="{909E8E84-426E-40dd-AFC4-6F175D3DCCD1}">
-              <a14:hiddenFill xmlns:a14="http://schemas.microsoft.com/office/drawing/2010/main" xmlns="">
+              <a14:hiddenFill xmlns="" xmlns:a14="http://schemas.microsoft.com/office/drawing/2010/main">
                 <a:solidFill>
                   <a:srgbClr val="FFFFFF"/>
                 </a:solidFill>
@@ -13531,7 +13603,7 @@
               </a:ln>
               <a:extLst>
                 <a:ext uri="{91240B29-F687-4f45-9708-019B960494DF}">
-                  <a14:hiddenLine xmlns:a14="http://schemas.microsoft.com/office/drawing/2010/main" xmlns="" w="9525">
+                  <a14:hiddenLine xmlns="" xmlns:a14="http://schemas.microsoft.com/office/drawing/2010/main" w="9525">
                     <a:solidFill>
                       <a:srgbClr val="000000"/>
                     </a:solidFill>
@@ -13621,7 +13693,7 @@
               </a:ln>
               <a:extLst>
                 <a:ext uri="{91240B29-F687-4f45-9708-019B960494DF}">
-                  <a14:hiddenLine xmlns:a14="http://schemas.microsoft.com/office/drawing/2010/main" xmlns="" w="9525">
+                  <a14:hiddenLine xmlns="" xmlns:a14="http://schemas.microsoft.com/office/drawing/2010/main" w="9525">
                     <a:solidFill>
                       <a:srgbClr val="000000"/>
                     </a:solidFill>
@@ -13711,7 +13783,7 @@
               </a:ln>
               <a:extLst>
                 <a:ext uri="{91240B29-F687-4f45-9708-019B960494DF}">
-                  <a14:hiddenLine xmlns:a14="http://schemas.microsoft.com/office/drawing/2010/main" xmlns="" w="9525">
+                  <a14:hiddenLine xmlns="" xmlns:a14="http://schemas.microsoft.com/office/drawing/2010/main" w="9525">
                     <a:solidFill>
                       <a:srgbClr val="000000"/>
                     </a:solidFill>
@@ -13773,7 +13845,7 @@
               </a:ln>
               <a:extLst>
                 <a:ext uri="{91240B29-F687-4f45-9708-019B960494DF}">
-                  <a14:hiddenLine xmlns:a14="http://schemas.microsoft.com/office/drawing/2010/main" xmlns="" w="9525">
+                  <a14:hiddenLine xmlns="" xmlns:a14="http://schemas.microsoft.com/office/drawing/2010/main" w="9525">
                     <a:solidFill>
                       <a:srgbClr val="000000"/>
                     </a:solidFill>
@@ -13863,7 +13935,7 @@
               </a:ln>
               <a:extLst>
                 <a:ext uri="{91240B29-F687-4f45-9708-019B960494DF}">
-                  <a14:hiddenLine xmlns:a14="http://schemas.microsoft.com/office/drawing/2010/main" xmlns="" w="9525">
+                  <a14:hiddenLine xmlns="" xmlns:a14="http://schemas.microsoft.com/office/drawing/2010/main" w="9525">
                     <a:solidFill>
                       <a:srgbClr val="000000"/>
                     </a:solidFill>
@@ -13925,7 +13997,7 @@
               </a:ln>
               <a:extLst>
                 <a:ext uri="{91240B29-F687-4f45-9708-019B960494DF}">
-                  <a14:hiddenLine xmlns:a14="http://schemas.microsoft.com/office/drawing/2010/main" xmlns="" w="9525">
+                  <a14:hiddenLine xmlns="" xmlns:a14="http://schemas.microsoft.com/office/drawing/2010/main" w="9525">
                     <a:solidFill>
                       <a:srgbClr val="000000"/>
                     </a:solidFill>
@@ -13987,7 +14059,7 @@
               </a:ln>
               <a:extLst>
                 <a:ext uri="{91240B29-F687-4f45-9708-019B960494DF}">
-                  <a14:hiddenLine xmlns:a14="http://schemas.microsoft.com/office/drawing/2010/main" xmlns="" w="9525">
+                  <a14:hiddenLine xmlns="" xmlns:a14="http://schemas.microsoft.com/office/drawing/2010/main" w="9525">
                     <a:solidFill>
                       <a:srgbClr val="000000"/>
                     </a:solidFill>
@@ -14077,7 +14149,7 @@
               </a:ln>
               <a:extLst>
                 <a:ext uri="{91240B29-F687-4f45-9708-019B960494DF}">
-                  <a14:hiddenLine xmlns:a14="http://schemas.microsoft.com/office/drawing/2010/main" xmlns="" w="9525">
+                  <a14:hiddenLine xmlns="" xmlns:a14="http://schemas.microsoft.com/office/drawing/2010/main" w="9525">
                     <a:solidFill>
                       <a:srgbClr val="000000"/>
                     </a:solidFill>
@@ -14167,7 +14239,7 @@
               </a:ln>
               <a:extLst>
                 <a:ext uri="{91240B29-F687-4f45-9708-019B960494DF}">
-                  <a14:hiddenLine xmlns:a14="http://schemas.microsoft.com/office/drawing/2010/main" xmlns="" w="9525">
+                  <a14:hiddenLine xmlns="" xmlns:a14="http://schemas.microsoft.com/office/drawing/2010/main" w="9525">
                     <a:solidFill>
                       <a:srgbClr val="000000"/>
                     </a:solidFill>
@@ -14229,7 +14301,7 @@
               </a:ln>
               <a:extLst>
                 <a:ext uri="{91240B29-F687-4f45-9708-019B960494DF}">
-                  <a14:hiddenLine xmlns:a14="http://schemas.microsoft.com/office/drawing/2010/main" xmlns="" w="9525">
+                  <a14:hiddenLine xmlns="" xmlns:a14="http://schemas.microsoft.com/office/drawing/2010/main" w="9525">
                     <a:solidFill>
                       <a:srgbClr val="000000"/>
                     </a:solidFill>
@@ -14339,7 +14411,7 @@
               </a:ln>
               <a:extLst>
                 <a:ext uri="{91240B29-F687-4f45-9708-019B960494DF}">
-                  <a14:hiddenLine xmlns:a14="http://schemas.microsoft.com/office/drawing/2010/main" xmlns="" w="9525">
+                  <a14:hiddenLine xmlns="" xmlns:a14="http://schemas.microsoft.com/office/drawing/2010/main" w="9525">
                     <a:solidFill>
                       <a:srgbClr val="000000"/>
                     </a:solidFill>
@@ -14423,7 +14495,7 @@
               </a:ln>
               <a:extLst>
                 <a:ext uri="{91240B29-F687-4f45-9708-019B960494DF}">
-                  <a14:hiddenLine xmlns:a14="http://schemas.microsoft.com/office/drawing/2010/main" xmlns="" w="9525">
+                  <a14:hiddenLine xmlns="" xmlns:a14="http://schemas.microsoft.com/office/drawing/2010/main" w="9525">
                     <a:solidFill>
                       <a:srgbClr val="000000"/>
                     </a:solidFill>
@@ -14485,7 +14557,7 @@
               </a:ln>
               <a:extLst>
                 <a:ext uri="{91240B29-F687-4f45-9708-019B960494DF}">
-                  <a14:hiddenLine xmlns:a14="http://schemas.microsoft.com/office/drawing/2010/main" xmlns="" w="9525">
+                  <a14:hiddenLine xmlns="" xmlns:a14="http://schemas.microsoft.com/office/drawing/2010/main" w="9525">
                     <a:solidFill>
                       <a:srgbClr val="000000"/>
                     </a:solidFill>
@@ -14547,7 +14619,7 @@
               </a:ln>
               <a:extLst>
                 <a:ext uri="{91240B29-F687-4f45-9708-019B960494DF}">
-                  <a14:hiddenLine xmlns:a14="http://schemas.microsoft.com/office/drawing/2010/main" xmlns="" w="9525">
+                  <a14:hiddenLine xmlns="" xmlns:a14="http://schemas.microsoft.com/office/drawing/2010/main" w="9525">
                     <a:solidFill>
                       <a:srgbClr val="000000"/>
                     </a:solidFill>
@@ -14637,7 +14709,7 @@
               </a:ln>
               <a:extLst>
                 <a:ext uri="{91240B29-F687-4f45-9708-019B960494DF}">
-                  <a14:hiddenLine xmlns:a14="http://schemas.microsoft.com/office/drawing/2010/main" xmlns="" w="9525">
+                  <a14:hiddenLine xmlns="" xmlns:a14="http://schemas.microsoft.com/office/drawing/2010/main" w="9525">
                     <a:solidFill>
                       <a:srgbClr val="000000"/>
                     </a:solidFill>
@@ -14671,7 +14743,7 @@
               </a:ln>
               <a:extLst>
                 <a:ext uri="{91240B29-F687-4f45-9708-019B960494DF}">
-                  <a14:hiddenLine xmlns:a14="http://schemas.microsoft.com/office/drawing/2010/main" xmlns="" w="9525">
+                  <a14:hiddenLine xmlns="" xmlns:a14="http://schemas.microsoft.com/office/drawing/2010/main" w="9525">
                     <a:solidFill>
                       <a:srgbClr val="000000"/>
                     </a:solidFill>
@@ -14736,7 +14808,7 @@
               </a:ln>
               <a:extLst>
                 <a:ext uri="{91240B29-F687-4f45-9708-019B960494DF}">
-                  <a14:hiddenLine xmlns:a14="http://schemas.microsoft.com/office/drawing/2010/main" xmlns="" w="9525">
+                  <a14:hiddenLine xmlns="" xmlns:a14="http://schemas.microsoft.com/office/drawing/2010/main" w="9525">
                     <a:solidFill>
                       <a:srgbClr val="000000"/>
                     </a:solidFill>
@@ -14826,7 +14898,7 @@
               </a:ln>
               <a:extLst>
                 <a:ext uri="{91240B29-F687-4f45-9708-019B960494DF}">
-                  <a14:hiddenLine xmlns:a14="http://schemas.microsoft.com/office/drawing/2010/main" xmlns="" w="9525">
+                  <a14:hiddenLine xmlns="" xmlns:a14="http://schemas.microsoft.com/office/drawing/2010/main" w="9525">
                     <a:solidFill>
                       <a:srgbClr val="000000"/>
                     </a:solidFill>
@@ -14888,7 +14960,7 @@
               </a:ln>
               <a:extLst>
                 <a:ext uri="{91240B29-F687-4f45-9708-019B960494DF}">
-                  <a14:hiddenLine xmlns:a14="http://schemas.microsoft.com/office/drawing/2010/main" xmlns="" w="9525">
+                  <a14:hiddenLine xmlns="" xmlns:a14="http://schemas.microsoft.com/office/drawing/2010/main" w="9525">
                     <a:solidFill>
                       <a:srgbClr val="000000"/>
                     </a:solidFill>
@@ -14978,7 +15050,7 @@
               </a:ln>
               <a:extLst>
                 <a:ext uri="{91240B29-F687-4f45-9708-019B960494DF}">
-                  <a14:hiddenLine xmlns:a14="http://schemas.microsoft.com/office/drawing/2010/main" xmlns="" w="9525">
+                  <a14:hiddenLine xmlns="" xmlns:a14="http://schemas.microsoft.com/office/drawing/2010/main" w="9525">
                     <a:solidFill>
                       <a:srgbClr val="000000"/>
                     </a:solidFill>
@@ -15043,7 +15115,7 @@
               </a:ln>
               <a:extLst>
                 <a:ext uri="{91240B29-F687-4f45-9708-019B960494DF}">
-                  <a14:hiddenLine xmlns:a14="http://schemas.microsoft.com/office/drawing/2010/main" xmlns="" w="9525">
+                  <a14:hiddenLine xmlns="" xmlns:a14="http://schemas.microsoft.com/office/drawing/2010/main" w="9525">
                     <a:solidFill>
                       <a:srgbClr val="000000"/>
                     </a:solidFill>
@@ -15105,7 +15177,7 @@
               </a:ln>
               <a:extLst>
                 <a:ext uri="{91240B29-F687-4f45-9708-019B960494DF}">
-                  <a14:hiddenLine xmlns:a14="http://schemas.microsoft.com/office/drawing/2010/main" xmlns="" w="9525">
+                  <a14:hiddenLine xmlns="" xmlns:a14="http://schemas.microsoft.com/office/drawing/2010/main" w="9525">
                     <a:solidFill>
                       <a:srgbClr val="000000"/>
                     </a:solidFill>
@@ -15195,7 +15267,7 @@
               </a:ln>
               <a:extLst>
                 <a:ext uri="{91240B29-F687-4f45-9708-019B960494DF}">
-                  <a14:hiddenLine xmlns:a14="http://schemas.microsoft.com/office/drawing/2010/main" xmlns="" w="9525">
+                  <a14:hiddenLine xmlns="" xmlns:a14="http://schemas.microsoft.com/office/drawing/2010/main" w="9525">
                     <a:solidFill>
                       <a:srgbClr val="000000"/>
                     </a:solidFill>
@@ -15285,7 +15357,7 @@
               </a:ln>
               <a:extLst>
                 <a:ext uri="{91240B29-F687-4f45-9708-019B960494DF}">
-                  <a14:hiddenLine xmlns:a14="http://schemas.microsoft.com/office/drawing/2010/main" xmlns="" w="9525">
+                  <a14:hiddenLine xmlns="" xmlns:a14="http://schemas.microsoft.com/office/drawing/2010/main" w="9525">
                     <a:solidFill>
                       <a:srgbClr val="000000"/>
                     </a:solidFill>
@@ -15350,7 +15422,7 @@
               </a:ln>
               <a:extLst>
                 <a:ext uri="{91240B29-F687-4f45-9708-019B960494DF}">
-                  <a14:hiddenLine xmlns:a14="http://schemas.microsoft.com/office/drawing/2010/main" xmlns="" w="9525">
+                  <a14:hiddenLine xmlns="" xmlns:a14="http://schemas.microsoft.com/office/drawing/2010/main" w="9525">
                     <a:solidFill>
                       <a:srgbClr val="000000"/>
                     </a:solidFill>
@@ -15470,7 +15542,7 @@
               </a:ln>
               <a:extLst>
                 <a:ext uri="{91240B29-F687-4f45-9708-019B960494DF}">
-                  <a14:hiddenLine xmlns:a14="http://schemas.microsoft.com/office/drawing/2010/main" xmlns="" w="9525">
+                  <a14:hiddenLine xmlns="" xmlns:a14="http://schemas.microsoft.com/office/drawing/2010/main" w="9525">
                     <a:solidFill>
                       <a:srgbClr val="000000"/>
                     </a:solidFill>
@@ -15568,7 +15640,7 @@
               </a:ln>
               <a:extLst>
                 <a:ext uri="{91240B29-F687-4f45-9708-019B960494DF}">
-                  <a14:hiddenLine xmlns:a14="http://schemas.microsoft.com/office/drawing/2010/main" xmlns="" w="9525">
+                  <a14:hiddenLine xmlns="" xmlns:a14="http://schemas.microsoft.com/office/drawing/2010/main" w="9525">
                     <a:solidFill>
                       <a:srgbClr val="000000"/>
                     </a:solidFill>
@@ -15683,7 +15755,7 @@
               </a:ln>
               <a:extLst>
                 <a:ext uri="{91240B29-F687-4f45-9708-019B960494DF}">
-                  <a14:hiddenLine xmlns:a14="http://schemas.microsoft.com/office/drawing/2010/main" xmlns="" w="9525">
+                  <a14:hiddenLine xmlns="" xmlns:a14="http://schemas.microsoft.com/office/drawing/2010/main" w="9525">
                     <a:solidFill>
                       <a:srgbClr val="000000"/>
                     </a:solidFill>
@@ -15773,7 +15845,7 @@
               </a:ln>
               <a:extLst>
                 <a:ext uri="{91240B29-F687-4f45-9708-019B960494DF}">
-                  <a14:hiddenLine xmlns:a14="http://schemas.microsoft.com/office/drawing/2010/main" xmlns="" w="9525">
+                  <a14:hiddenLine xmlns="" xmlns:a14="http://schemas.microsoft.com/office/drawing/2010/main" w="9525">
                     <a:solidFill>
                       <a:srgbClr val="000000"/>
                     </a:solidFill>
@@ -15838,7 +15910,7 @@
               </a:ln>
               <a:extLst>
                 <a:ext uri="{91240B29-F687-4f45-9708-019B960494DF}">
-                  <a14:hiddenLine xmlns:a14="http://schemas.microsoft.com/office/drawing/2010/main" xmlns="" w="9525">
+                  <a14:hiddenLine xmlns="" xmlns:a14="http://schemas.microsoft.com/office/drawing/2010/main" w="9525">
                     <a:solidFill>
                       <a:srgbClr val="000000"/>
                     </a:solidFill>
@@ -15928,7 +16000,7 @@
               </a:ln>
               <a:extLst>
                 <a:ext uri="{91240B29-F687-4f45-9708-019B960494DF}">
-                  <a14:hiddenLine xmlns:a14="http://schemas.microsoft.com/office/drawing/2010/main" xmlns="" w="9525">
+                  <a14:hiddenLine xmlns="" xmlns:a14="http://schemas.microsoft.com/office/drawing/2010/main" w="9525">
                     <a:solidFill>
                       <a:srgbClr val="000000"/>
                     </a:solidFill>
@@ -15996,7 +16068,7 @@
               </a:ln>
               <a:extLst>
                 <a:ext uri="{91240B29-F687-4f45-9708-019B960494DF}">
-                  <a14:hiddenLine xmlns:a14="http://schemas.microsoft.com/office/drawing/2010/main" xmlns="" w="9525">
+                  <a14:hiddenLine xmlns="" xmlns:a14="http://schemas.microsoft.com/office/drawing/2010/main" w="9525">
                     <a:solidFill>
                       <a:srgbClr val="000000"/>
                     </a:solidFill>
@@ -16086,7 +16158,7 @@
               </a:ln>
               <a:extLst>
                 <a:ext uri="{91240B29-F687-4f45-9708-019B960494DF}">
-                  <a14:hiddenLine xmlns:a14="http://schemas.microsoft.com/office/drawing/2010/main" xmlns="" w="9525">
+                  <a14:hiddenLine xmlns="" xmlns:a14="http://schemas.microsoft.com/office/drawing/2010/main" w="9525">
                     <a:solidFill>
                       <a:srgbClr val="000000"/>
                     </a:solidFill>
@@ -16154,7 +16226,7 @@
               </a:ln>
               <a:extLst>
                 <a:ext uri="{91240B29-F687-4f45-9708-019B960494DF}">
-                  <a14:hiddenLine xmlns:a14="http://schemas.microsoft.com/office/drawing/2010/main" xmlns="" w="9525">
+                  <a14:hiddenLine xmlns="" xmlns:a14="http://schemas.microsoft.com/office/drawing/2010/main" w="9525">
                     <a:solidFill>
                       <a:srgbClr val="000000"/>
                     </a:solidFill>
@@ -16244,7 +16316,7 @@
               </a:ln>
               <a:extLst>
                 <a:ext uri="{91240B29-F687-4f45-9708-019B960494DF}">
-                  <a14:hiddenLine xmlns:a14="http://schemas.microsoft.com/office/drawing/2010/main" xmlns="" w="9525">
+                  <a14:hiddenLine xmlns="" xmlns:a14="http://schemas.microsoft.com/office/drawing/2010/main" w="9525">
                     <a:solidFill>
                       <a:srgbClr val="000000"/>
                     </a:solidFill>
@@ -16278,7 +16350,7 @@
               </a:ln>
               <a:extLst>
                 <a:ext uri="{91240B29-F687-4f45-9708-019B960494DF}">
-                  <a14:hiddenLine xmlns:a14="http://schemas.microsoft.com/office/drawing/2010/main" xmlns="" w="9525">
+                  <a14:hiddenLine xmlns="" xmlns:a14="http://schemas.microsoft.com/office/drawing/2010/main" w="9525">
                     <a:solidFill>
                       <a:srgbClr val="000000"/>
                     </a:solidFill>
@@ -16418,7 +16490,7 @@
           <a:p>
             <a:fld id="{A2BB5BE7-7604-4EE2-9D5E-E193E96D3402}" type="datetimeFigureOut">
               <a:rPr lang="en-GB" smtClean="0"/>
-              <a:t>03/04/2024</a:t>
+              <a:t>04/04/2024</a:t>
             </a:fld>
             <a:endParaRPr lang="en-GB"/>
           </a:p>
@@ -17022,7 +17094,7 @@
           <a:noFill/>
           <a:extLst>
             <a:ext uri="{909E8E84-426E-40dd-AFC4-6F175D3DCCD1}">
-              <a14:hiddenFill xmlns="" xmlns:a16="http://schemas.microsoft.com/office/drawing/2014/main" xmlns:a14="http://schemas.microsoft.com/office/drawing/2010/main" xmlns:p14="http://schemas.microsoft.com/office/powerpoint/2010/main">
+              <a14:hiddenFill xmlns:p14="http://schemas.microsoft.com/office/powerpoint/2010/main" xmlns:a14="http://schemas.microsoft.com/office/drawing/2010/main" xmlns:a16="http://schemas.microsoft.com/office/drawing/2014/main" xmlns="">
                 <a:solidFill>
                   <a:srgbClr val="FFFFFF"/>
                 </a:solidFill>
@@ -17114,7 +17186,7 @@
             </a:ln>
             <a:extLst>
               <a:ext uri="{91240B29-F687-4f45-9708-019B960494DF}">
-                <a14:hiddenLine xmlns="" xmlns:a16="http://schemas.microsoft.com/office/drawing/2014/main" xmlns:a14="http://schemas.microsoft.com/office/drawing/2010/main" xmlns:p14="http://schemas.microsoft.com/office/powerpoint/2010/main" w="9525">
+                <a14:hiddenLine xmlns:p14="http://schemas.microsoft.com/office/powerpoint/2010/main" xmlns:a14="http://schemas.microsoft.com/office/drawing/2010/main" xmlns:a16="http://schemas.microsoft.com/office/drawing/2014/main" xmlns="" w="9525">
                   <a:solidFill>
                     <a:srgbClr val="000000"/>
                   </a:solidFill>
@@ -17226,7 +17298,7 @@
             </a:ln>
             <a:extLst>
               <a:ext uri="{91240B29-F687-4f45-9708-019B960494DF}">
-                <a14:hiddenLine xmlns="" xmlns:a16="http://schemas.microsoft.com/office/drawing/2014/main" xmlns:a14="http://schemas.microsoft.com/office/drawing/2010/main" xmlns:p14="http://schemas.microsoft.com/office/powerpoint/2010/main" w="9525">
+                <a14:hiddenLine xmlns:p14="http://schemas.microsoft.com/office/powerpoint/2010/main" xmlns:a14="http://schemas.microsoft.com/office/drawing/2010/main" xmlns:a16="http://schemas.microsoft.com/office/drawing/2014/main" xmlns="" w="9525">
                   <a:solidFill>
                     <a:srgbClr val="000000"/>
                   </a:solidFill>
@@ -17338,7 +17410,7 @@
             </a:ln>
             <a:extLst>
               <a:ext uri="{91240B29-F687-4f45-9708-019B960494DF}">
-                <a14:hiddenLine xmlns="" xmlns:a16="http://schemas.microsoft.com/office/drawing/2014/main" xmlns:a14="http://schemas.microsoft.com/office/drawing/2010/main" xmlns:p14="http://schemas.microsoft.com/office/powerpoint/2010/main" w="9525">
+                <a14:hiddenLine xmlns:p14="http://schemas.microsoft.com/office/powerpoint/2010/main" xmlns:a14="http://schemas.microsoft.com/office/drawing/2010/main" xmlns:a16="http://schemas.microsoft.com/office/drawing/2014/main" xmlns="" w="9525">
                   <a:solidFill>
                     <a:srgbClr val="000000"/>
                   </a:solidFill>
@@ -17394,7 +17466,7 @@
             </a:ln>
             <a:extLst>
               <a:ext uri="{91240B29-F687-4f45-9708-019B960494DF}">
-                <a14:hiddenLine xmlns="" xmlns:a16="http://schemas.microsoft.com/office/drawing/2014/main" xmlns:a14="http://schemas.microsoft.com/office/drawing/2010/main" xmlns:p14="http://schemas.microsoft.com/office/powerpoint/2010/main" w="9525">
+                <a14:hiddenLine xmlns:p14="http://schemas.microsoft.com/office/powerpoint/2010/main" xmlns:a14="http://schemas.microsoft.com/office/drawing/2010/main" xmlns:a16="http://schemas.microsoft.com/office/drawing/2014/main" xmlns="" w="9525">
                   <a:solidFill>
                     <a:srgbClr val="000000"/>
                   </a:solidFill>
@@ -17506,7 +17578,7 @@
             </a:ln>
             <a:extLst>
               <a:ext uri="{91240B29-F687-4f45-9708-019B960494DF}">
-                <a14:hiddenLine xmlns="" xmlns:a16="http://schemas.microsoft.com/office/drawing/2014/main" xmlns:a14="http://schemas.microsoft.com/office/drawing/2010/main" xmlns:p14="http://schemas.microsoft.com/office/powerpoint/2010/main" w="9525">
+                <a14:hiddenLine xmlns:p14="http://schemas.microsoft.com/office/powerpoint/2010/main" xmlns:a14="http://schemas.microsoft.com/office/drawing/2010/main" xmlns:a16="http://schemas.microsoft.com/office/drawing/2014/main" xmlns="" w="9525">
                   <a:solidFill>
                     <a:srgbClr val="000000"/>
                   </a:solidFill>
@@ -17590,7 +17662,7 @@
             </a:ln>
             <a:extLst>
               <a:ext uri="{91240B29-F687-4f45-9708-019B960494DF}">
-                <a14:hiddenLine xmlns="" xmlns:a16="http://schemas.microsoft.com/office/drawing/2014/main" xmlns:a14="http://schemas.microsoft.com/office/drawing/2010/main" xmlns:p14="http://schemas.microsoft.com/office/powerpoint/2010/main" w="9525">
+                <a14:hiddenLine xmlns:p14="http://schemas.microsoft.com/office/powerpoint/2010/main" xmlns:a14="http://schemas.microsoft.com/office/drawing/2010/main" xmlns:a16="http://schemas.microsoft.com/office/drawing/2014/main" xmlns="" w="9525">
                   <a:solidFill>
                     <a:srgbClr val="000000"/>
                   </a:solidFill>
@@ -17674,7 +17746,7 @@
             </a:ln>
             <a:extLst>
               <a:ext uri="{91240B29-F687-4f45-9708-019B960494DF}">
-                <a14:hiddenLine xmlns="" xmlns:a16="http://schemas.microsoft.com/office/drawing/2014/main" xmlns:a14="http://schemas.microsoft.com/office/drawing/2010/main" xmlns:p14="http://schemas.microsoft.com/office/powerpoint/2010/main" w="9525">
+                <a14:hiddenLine xmlns:p14="http://schemas.microsoft.com/office/powerpoint/2010/main" xmlns:a14="http://schemas.microsoft.com/office/drawing/2010/main" xmlns:a16="http://schemas.microsoft.com/office/drawing/2014/main" xmlns="" w="9525">
                   <a:solidFill>
                     <a:srgbClr val="000000"/>
                   </a:solidFill>
@@ -17786,7 +17858,7 @@
             </a:ln>
             <a:extLst>
               <a:ext uri="{91240B29-F687-4f45-9708-019B960494DF}">
-                <a14:hiddenLine xmlns="" xmlns:a16="http://schemas.microsoft.com/office/drawing/2014/main" xmlns:a14="http://schemas.microsoft.com/office/drawing/2010/main" xmlns:p14="http://schemas.microsoft.com/office/powerpoint/2010/main" w="9525">
+                <a14:hiddenLine xmlns:p14="http://schemas.microsoft.com/office/powerpoint/2010/main" xmlns:a14="http://schemas.microsoft.com/office/drawing/2010/main" xmlns:a16="http://schemas.microsoft.com/office/drawing/2014/main" xmlns="" w="9525">
                   <a:solidFill>
                     <a:srgbClr val="000000"/>
                   </a:solidFill>
@@ -17870,7 +17942,7 @@
             </a:ln>
             <a:extLst>
               <a:ext uri="{91240B29-F687-4f45-9708-019B960494DF}">
-                <a14:hiddenLine xmlns="" xmlns:a16="http://schemas.microsoft.com/office/drawing/2014/main" xmlns:a14="http://schemas.microsoft.com/office/drawing/2010/main" xmlns:p14="http://schemas.microsoft.com/office/powerpoint/2010/main" w="9525">
+                <a14:hiddenLine xmlns:p14="http://schemas.microsoft.com/office/powerpoint/2010/main" xmlns:a14="http://schemas.microsoft.com/office/drawing/2010/main" xmlns:a16="http://schemas.microsoft.com/office/drawing/2014/main" xmlns="" w="9525">
                   <a:solidFill>
                     <a:srgbClr val="000000"/>
                   </a:solidFill>
@@ -17954,7 +18026,7 @@
             </a:ln>
             <a:extLst>
               <a:ext uri="{91240B29-F687-4f45-9708-019B960494DF}">
-                <a14:hiddenLine xmlns="" xmlns:a16="http://schemas.microsoft.com/office/drawing/2014/main" xmlns:a14="http://schemas.microsoft.com/office/drawing/2010/main" xmlns:p14="http://schemas.microsoft.com/office/powerpoint/2010/main" w="9525">
+                <a14:hiddenLine xmlns:p14="http://schemas.microsoft.com/office/powerpoint/2010/main" xmlns:a14="http://schemas.microsoft.com/office/drawing/2010/main" xmlns:a16="http://schemas.microsoft.com/office/drawing/2014/main" xmlns="" w="9525">
                   <a:solidFill>
                     <a:srgbClr val="000000"/>
                   </a:solidFill>
@@ -18066,7 +18138,7 @@
             </a:ln>
             <a:extLst>
               <a:ext uri="{91240B29-F687-4f45-9708-019B960494DF}">
-                <a14:hiddenLine xmlns="" xmlns:a16="http://schemas.microsoft.com/office/drawing/2014/main" xmlns:a14="http://schemas.microsoft.com/office/drawing/2010/main" xmlns:p14="http://schemas.microsoft.com/office/powerpoint/2010/main" w="9525">
+                <a14:hiddenLine xmlns:p14="http://schemas.microsoft.com/office/powerpoint/2010/main" xmlns:a14="http://schemas.microsoft.com/office/drawing/2010/main" xmlns:a16="http://schemas.microsoft.com/office/drawing/2014/main" xmlns="" w="9525">
                   <a:solidFill>
                     <a:srgbClr val="000000"/>
                   </a:solidFill>
@@ -18178,7 +18250,7 @@
             </a:ln>
             <a:extLst>
               <a:ext uri="{91240B29-F687-4f45-9708-019B960494DF}">
-                <a14:hiddenLine xmlns="" xmlns:a16="http://schemas.microsoft.com/office/drawing/2014/main" xmlns:a14="http://schemas.microsoft.com/office/drawing/2010/main" xmlns:p14="http://schemas.microsoft.com/office/powerpoint/2010/main" w="9525">
+                <a14:hiddenLine xmlns:p14="http://schemas.microsoft.com/office/powerpoint/2010/main" xmlns:a14="http://schemas.microsoft.com/office/drawing/2010/main" xmlns:a16="http://schemas.microsoft.com/office/drawing/2014/main" xmlns="" w="9525">
                   <a:solidFill>
                     <a:srgbClr val="000000"/>
                   </a:solidFill>
@@ -18262,7 +18334,7 @@
             </a:ln>
             <a:extLst>
               <a:ext uri="{91240B29-F687-4f45-9708-019B960494DF}">
-                <a14:hiddenLine xmlns="" xmlns:a16="http://schemas.microsoft.com/office/drawing/2014/main" xmlns:a14="http://schemas.microsoft.com/office/drawing/2010/main" xmlns:p14="http://schemas.microsoft.com/office/powerpoint/2010/main" w="9525">
+                <a14:hiddenLine xmlns:p14="http://schemas.microsoft.com/office/powerpoint/2010/main" xmlns:a14="http://schemas.microsoft.com/office/drawing/2010/main" xmlns:a16="http://schemas.microsoft.com/office/drawing/2014/main" xmlns="" w="9525">
                   <a:solidFill>
                     <a:srgbClr val="000000"/>
                   </a:solidFill>
@@ -18394,7 +18466,7 @@
             </a:ln>
             <a:extLst>
               <a:ext uri="{91240B29-F687-4f45-9708-019B960494DF}">
-                <a14:hiddenLine xmlns="" xmlns:a16="http://schemas.microsoft.com/office/drawing/2014/main" xmlns:a14="http://schemas.microsoft.com/office/drawing/2010/main" xmlns:p14="http://schemas.microsoft.com/office/powerpoint/2010/main" w="9525">
+                <a14:hiddenLine xmlns:p14="http://schemas.microsoft.com/office/powerpoint/2010/main" xmlns:a14="http://schemas.microsoft.com/office/drawing/2010/main" xmlns:a16="http://schemas.microsoft.com/office/drawing/2014/main" xmlns="" w="9525">
                   <a:solidFill>
                     <a:srgbClr val="000000"/>
                   </a:solidFill>
@@ -18478,7 +18550,7 @@
             </a:ln>
             <a:extLst>
               <a:ext uri="{91240B29-F687-4f45-9708-019B960494DF}">
-                <a14:hiddenLine xmlns="" xmlns:a16="http://schemas.microsoft.com/office/drawing/2014/main" xmlns:a14="http://schemas.microsoft.com/office/drawing/2010/main" xmlns:p14="http://schemas.microsoft.com/office/powerpoint/2010/main" w="9525">
+                <a14:hiddenLine xmlns:p14="http://schemas.microsoft.com/office/powerpoint/2010/main" xmlns:a14="http://schemas.microsoft.com/office/drawing/2010/main" xmlns:a16="http://schemas.microsoft.com/office/drawing/2014/main" xmlns="" w="9525">
                   <a:solidFill>
                     <a:srgbClr val="000000"/>
                   </a:solidFill>
@@ -18590,7 +18662,7 @@
             </a:ln>
             <a:extLst>
               <a:ext uri="{91240B29-F687-4f45-9708-019B960494DF}">
-                <a14:hiddenLine xmlns="" xmlns:a16="http://schemas.microsoft.com/office/drawing/2014/main" xmlns:a14="http://schemas.microsoft.com/office/drawing/2010/main" xmlns:p14="http://schemas.microsoft.com/office/powerpoint/2010/main" w="9525">
+                <a14:hiddenLine xmlns:p14="http://schemas.microsoft.com/office/powerpoint/2010/main" xmlns:a14="http://schemas.microsoft.com/office/drawing/2010/main" xmlns:a16="http://schemas.microsoft.com/office/drawing/2014/main" xmlns="" w="9525">
                   <a:solidFill>
                     <a:srgbClr val="000000"/>
                   </a:solidFill>
@@ -18702,7 +18774,7 @@
             </a:ln>
             <a:extLst>
               <a:ext uri="{91240B29-F687-4f45-9708-019B960494DF}">
-                <a14:hiddenLine xmlns="" xmlns:a16="http://schemas.microsoft.com/office/drawing/2014/main" xmlns:a14="http://schemas.microsoft.com/office/drawing/2010/main" xmlns:p14="http://schemas.microsoft.com/office/powerpoint/2010/main" w="9525">
+                <a14:hiddenLine xmlns:p14="http://schemas.microsoft.com/office/powerpoint/2010/main" xmlns:a14="http://schemas.microsoft.com/office/drawing/2010/main" xmlns:a16="http://schemas.microsoft.com/office/drawing/2014/main" xmlns="" w="9525">
                   <a:solidFill>
                     <a:srgbClr val="000000"/>
                   </a:solidFill>
@@ -18786,7 +18858,7 @@
             </a:ln>
             <a:extLst>
               <a:ext uri="{91240B29-F687-4f45-9708-019B960494DF}">
-                <a14:hiddenLine xmlns="" xmlns:a16="http://schemas.microsoft.com/office/drawing/2014/main" xmlns:a14="http://schemas.microsoft.com/office/drawing/2010/main" xmlns:p14="http://schemas.microsoft.com/office/powerpoint/2010/main" w="9525">
+                <a14:hiddenLine xmlns:p14="http://schemas.microsoft.com/office/powerpoint/2010/main" xmlns:a14="http://schemas.microsoft.com/office/drawing/2010/main" xmlns:a16="http://schemas.microsoft.com/office/drawing/2014/main" xmlns="" w="9525">
                   <a:solidFill>
                     <a:srgbClr val="000000"/>
                   </a:solidFill>
@@ -18898,7 +18970,7 @@
             </a:ln>
             <a:extLst>
               <a:ext uri="{91240B29-F687-4f45-9708-019B960494DF}">
-                <a14:hiddenLine xmlns="" xmlns:a16="http://schemas.microsoft.com/office/drawing/2014/main" xmlns:a14="http://schemas.microsoft.com/office/drawing/2010/main" xmlns:p14="http://schemas.microsoft.com/office/powerpoint/2010/main" w="9525">
+                <a14:hiddenLine xmlns:p14="http://schemas.microsoft.com/office/powerpoint/2010/main" xmlns:a14="http://schemas.microsoft.com/office/drawing/2010/main" xmlns:a16="http://schemas.microsoft.com/office/drawing/2014/main" xmlns="" w="9525">
                   <a:solidFill>
                     <a:srgbClr val="000000"/>
                   </a:solidFill>
@@ -19010,7 +19082,7 @@
             </a:ln>
             <a:extLst>
               <a:ext uri="{91240B29-F687-4f45-9708-019B960494DF}">
-                <a14:hiddenLine xmlns="" xmlns:a16="http://schemas.microsoft.com/office/drawing/2014/main" xmlns:a14="http://schemas.microsoft.com/office/drawing/2010/main" xmlns:p14="http://schemas.microsoft.com/office/powerpoint/2010/main" w="9525">
+                <a14:hiddenLine xmlns:p14="http://schemas.microsoft.com/office/powerpoint/2010/main" xmlns:a14="http://schemas.microsoft.com/office/drawing/2010/main" xmlns:a16="http://schemas.microsoft.com/office/drawing/2014/main" xmlns="" w="9525">
                   <a:solidFill>
                     <a:srgbClr val="000000"/>
                   </a:solidFill>
@@ -19088,7 +19160,7 @@
             </a:ln>
             <a:extLst>
               <a:ext uri="{91240B29-F687-4f45-9708-019B960494DF}">
-                <a14:hiddenLine xmlns="" xmlns:a16="http://schemas.microsoft.com/office/drawing/2014/main" xmlns:a14="http://schemas.microsoft.com/office/drawing/2010/main" xmlns:p14="http://schemas.microsoft.com/office/powerpoint/2010/main" w="9525">
+                <a14:hiddenLine xmlns:p14="http://schemas.microsoft.com/office/powerpoint/2010/main" xmlns:a14="http://schemas.microsoft.com/office/drawing/2010/main" xmlns:a16="http://schemas.microsoft.com/office/drawing/2014/main" xmlns="" w="9525">
                   <a:solidFill>
                     <a:srgbClr val="000000"/>
                   </a:solidFill>
@@ -19200,7 +19272,7 @@
             </a:ln>
             <a:extLst>
               <a:ext uri="{91240B29-F687-4f45-9708-019B960494DF}">
-                <a14:hiddenLine xmlns="" xmlns:a16="http://schemas.microsoft.com/office/drawing/2014/main" xmlns:a14="http://schemas.microsoft.com/office/drawing/2010/main" xmlns:p14="http://schemas.microsoft.com/office/powerpoint/2010/main" w="9525">
+                <a14:hiddenLine xmlns:p14="http://schemas.microsoft.com/office/powerpoint/2010/main" xmlns:a14="http://schemas.microsoft.com/office/drawing/2010/main" xmlns:a16="http://schemas.microsoft.com/office/drawing/2014/main" xmlns="" w="9525">
                   <a:solidFill>
                     <a:srgbClr val="000000"/>
                   </a:solidFill>
@@ -19278,7 +19350,7 @@
             </a:ln>
             <a:extLst>
               <a:ext uri="{91240B29-F687-4f45-9708-019B960494DF}">
-                <a14:hiddenLine xmlns="" xmlns:a16="http://schemas.microsoft.com/office/drawing/2014/main" xmlns:a14="http://schemas.microsoft.com/office/drawing/2010/main" xmlns:p14="http://schemas.microsoft.com/office/powerpoint/2010/main" w="9525">
+                <a14:hiddenLine xmlns:p14="http://schemas.microsoft.com/office/powerpoint/2010/main" xmlns:a14="http://schemas.microsoft.com/office/drawing/2010/main" xmlns:a16="http://schemas.microsoft.com/office/drawing/2014/main" xmlns="" w="9525">
                   <a:solidFill>
                     <a:srgbClr val="000000"/>
                   </a:solidFill>
@@ -19390,7 +19462,7 @@
             </a:ln>
             <a:extLst>
               <a:ext uri="{91240B29-F687-4f45-9708-019B960494DF}">
-                <a14:hiddenLine xmlns="" xmlns:a16="http://schemas.microsoft.com/office/drawing/2014/main" xmlns:a14="http://schemas.microsoft.com/office/drawing/2010/main" xmlns:p14="http://schemas.microsoft.com/office/powerpoint/2010/main" w="9525">
+                <a14:hiddenLine xmlns:p14="http://schemas.microsoft.com/office/powerpoint/2010/main" xmlns:a14="http://schemas.microsoft.com/office/drawing/2010/main" xmlns:a16="http://schemas.microsoft.com/office/drawing/2014/main" xmlns="" w="9525">
                   <a:solidFill>
                     <a:srgbClr val="000000"/>
                   </a:solidFill>
@@ -19480,7 +19552,7 @@
             </a:ln>
             <a:extLst>
               <a:ext uri="{91240B29-F687-4f45-9708-019B960494DF}">
-                <a14:hiddenLine xmlns="" xmlns:a16="http://schemas.microsoft.com/office/drawing/2014/main" xmlns:a14="http://schemas.microsoft.com/office/drawing/2010/main" xmlns:p14="http://schemas.microsoft.com/office/powerpoint/2010/main" w="9525">
+                <a14:hiddenLine xmlns:p14="http://schemas.microsoft.com/office/powerpoint/2010/main" xmlns:a14="http://schemas.microsoft.com/office/drawing/2010/main" xmlns:a16="http://schemas.microsoft.com/office/drawing/2014/main" xmlns="" w="9525">
                   <a:solidFill>
                     <a:srgbClr val="000000"/>
                   </a:solidFill>
@@ -19592,7 +19664,7 @@
             </a:ln>
             <a:extLst>
               <a:ext uri="{91240B29-F687-4f45-9708-019B960494DF}">
-                <a14:hiddenLine xmlns="" xmlns:a16="http://schemas.microsoft.com/office/drawing/2014/main" xmlns:a14="http://schemas.microsoft.com/office/drawing/2010/main" xmlns:p14="http://schemas.microsoft.com/office/powerpoint/2010/main" w="9525">
+                <a14:hiddenLine xmlns:p14="http://schemas.microsoft.com/office/powerpoint/2010/main" xmlns:a14="http://schemas.microsoft.com/office/drawing/2010/main" xmlns:a16="http://schemas.microsoft.com/office/drawing/2014/main" xmlns="" w="9525">
                   <a:solidFill>
                     <a:srgbClr val="000000"/>
                   </a:solidFill>
@@ -19682,7 +19754,7 @@
             </a:ln>
             <a:extLst>
               <a:ext uri="{91240B29-F687-4f45-9708-019B960494DF}">
-                <a14:hiddenLine xmlns="" xmlns:a16="http://schemas.microsoft.com/office/drawing/2014/main" xmlns:a14="http://schemas.microsoft.com/office/drawing/2010/main" xmlns:p14="http://schemas.microsoft.com/office/powerpoint/2010/main" w="9525">
+                <a14:hiddenLine xmlns:p14="http://schemas.microsoft.com/office/powerpoint/2010/main" xmlns:a14="http://schemas.microsoft.com/office/drawing/2010/main" xmlns:a16="http://schemas.microsoft.com/office/drawing/2014/main" xmlns="" w="9525">
                   <a:solidFill>
                     <a:srgbClr val="000000"/>
                   </a:solidFill>
@@ -19794,7 +19866,7 @@
             </a:ln>
             <a:extLst>
               <a:ext uri="{91240B29-F687-4f45-9708-019B960494DF}">
-                <a14:hiddenLine xmlns="" xmlns:a16="http://schemas.microsoft.com/office/drawing/2014/main" xmlns:a14="http://schemas.microsoft.com/office/drawing/2010/main" xmlns:p14="http://schemas.microsoft.com/office/powerpoint/2010/main" w="9525">
+                <a14:hiddenLine xmlns:p14="http://schemas.microsoft.com/office/powerpoint/2010/main" xmlns:a14="http://schemas.microsoft.com/office/drawing/2010/main" xmlns:a16="http://schemas.microsoft.com/office/drawing/2014/main" xmlns="" w="9525">
                   <a:solidFill>
                     <a:srgbClr val="000000"/>
                   </a:solidFill>
@@ -19850,7 +19922,7 @@
             </a:ln>
             <a:extLst>
               <a:ext uri="{91240B29-F687-4f45-9708-019B960494DF}">
-                <a14:hiddenLine xmlns="" xmlns:a16="http://schemas.microsoft.com/office/drawing/2014/main" xmlns:a14="http://schemas.microsoft.com/office/drawing/2010/main" xmlns:p14="http://schemas.microsoft.com/office/powerpoint/2010/main" w="9525">
+                <a14:hiddenLine xmlns:p14="http://schemas.microsoft.com/office/powerpoint/2010/main" xmlns:a14="http://schemas.microsoft.com/office/drawing/2010/main" xmlns:a16="http://schemas.microsoft.com/office/drawing/2014/main" xmlns="" w="9525">
                   <a:solidFill>
                     <a:srgbClr val="000000"/>
                   </a:solidFill>
@@ -19962,7 +20034,7 @@
             </a:ln>
             <a:extLst>
               <a:ext uri="{91240B29-F687-4f45-9708-019B960494DF}">
-                <a14:hiddenLine xmlns="" xmlns:a16="http://schemas.microsoft.com/office/drawing/2014/main" xmlns:a14="http://schemas.microsoft.com/office/drawing/2010/main" xmlns:p14="http://schemas.microsoft.com/office/powerpoint/2010/main" w="9525">
+                <a14:hiddenLine xmlns:p14="http://schemas.microsoft.com/office/powerpoint/2010/main" xmlns:a14="http://schemas.microsoft.com/office/drawing/2010/main" xmlns:a16="http://schemas.microsoft.com/office/drawing/2014/main" xmlns="" w="9525">
                   <a:solidFill>
                     <a:srgbClr val="000000"/>
                   </a:solidFill>
@@ -20046,7 +20118,7 @@
             </a:ln>
             <a:extLst>
               <a:ext uri="{91240B29-F687-4f45-9708-019B960494DF}">
-                <a14:hiddenLine xmlns="" xmlns:a16="http://schemas.microsoft.com/office/drawing/2014/main" xmlns:a14="http://schemas.microsoft.com/office/drawing/2010/main" xmlns:p14="http://schemas.microsoft.com/office/powerpoint/2010/main" w="9525">
+                <a14:hiddenLine xmlns:p14="http://schemas.microsoft.com/office/powerpoint/2010/main" xmlns:a14="http://schemas.microsoft.com/office/drawing/2010/main" xmlns:a16="http://schemas.microsoft.com/office/drawing/2014/main" xmlns="" w="9525">
                   <a:solidFill>
                     <a:srgbClr val="000000"/>
                   </a:solidFill>
@@ -20130,7 +20202,7 @@
             </a:ln>
             <a:extLst>
               <a:ext uri="{91240B29-F687-4f45-9708-019B960494DF}">
-                <a14:hiddenLine xmlns="" xmlns:a16="http://schemas.microsoft.com/office/drawing/2014/main" xmlns:a14="http://schemas.microsoft.com/office/drawing/2010/main" xmlns:p14="http://schemas.microsoft.com/office/powerpoint/2010/main" w="9525">
+                <a14:hiddenLine xmlns:p14="http://schemas.microsoft.com/office/powerpoint/2010/main" xmlns:a14="http://schemas.microsoft.com/office/drawing/2010/main" xmlns:a16="http://schemas.microsoft.com/office/drawing/2014/main" xmlns="" w="9525">
                   <a:solidFill>
                     <a:srgbClr val="000000"/>
                   </a:solidFill>
@@ -20242,7 +20314,7 @@
             </a:ln>
             <a:extLst>
               <a:ext uri="{91240B29-F687-4f45-9708-019B960494DF}">
-                <a14:hiddenLine xmlns="" xmlns:a16="http://schemas.microsoft.com/office/drawing/2014/main" xmlns:a14="http://schemas.microsoft.com/office/drawing/2010/main" xmlns:p14="http://schemas.microsoft.com/office/powerpoint/2010/main" w="9525">
+                <a14:hiddenLine xmlns:p14="http://schemas.microsoft.com/office/powerpoint/2010/main" xmlns:a14="http://schemas.microsoft.com/office/drawing/2010/main" xmlns:a16="http://schemas.microsoft.com/office/drawing/2014/main" xmlns="" w="9525">
                   <a:solidFill>
                     <a:srgbClr val="000000"/>
                   </a:solidFill>
@@ -20332,7 +20404,7 @@
             </a:ln>
             <a:extLst>
               <a:ext uri="{91240B29-F687-4f45-9708-019B960494DF}">
-                <a14:hiddenLine xmlns="" xmlns:a16="http://schemas.microsoft.com/office/drawing/2014/main" xmlns:a14="http://schemas.microsoft.com/office/drawing/2010/main" xmlns:p14="http://schemas.microsoft.com/office/powerpoint/2010/main" w="9525">
+                <a14:hiddenLine xmlns:p14="http://schemas.microsoft.com/office/powerpoint/2010/main" xmlns:a14="http://schemas.microsoft.com/office/drawing/2010/main" xmlns:a16="http://schemas.microsoft.com/office/drawing/2014/main" xmlns="" w="9525">
                   <a:solidFill>
                     <a:srgbClr val="000000"/>
                   </a:solidFill>
@@ -20416,7 +20488,7 @@
             </a:ln>
             <a:extLst>
               <a:ext uri="{91240B29-F687-4f45-9708-019B960494DF}">
-                <a14:hiddenLine xmlns="" xmlns:a16="http://schemas.microsoft.com/office/drawing/2014/main" xmlns:a14="http://schemas.microsoft.com/office/drawing/2010/main" xmlns:p14="http://schemas.microsoft.com/office/powerpoint/2010/main" w="9525">
+                <a14:hiddenLine xmlns:p14="http://schemas.microsoft.com/office/powerpoint/2010/main" xmlns:a14="http://schemas.microsoft.com/office/drawing/2010/main" xmlns:a16="http://schemas.microsoft.com/office/drawing/2014/main" xmlns="" w="9525">
                   <a:solidFill>
                     <a:srgbClr val="000000"/>
                   </a:solidFill>
@@ -20528,7 +20600,7 @@
             </a:ln>
             <a:extLst>
               <a:ext uri="{91240B29-F687-4f45-9708-019B960494DF}">
-                <a14:hiddenLine xmlns="" xmlns:a16="http://schemas.microsoft.com/office/drawing/2014/main" xmlns:a14="http://schemas.microsoft.com/office/drawing/2010/main" xmlns:p14="http://schemas.microsoft.com/office/powerpoint/2010/main" w="9525">
+                <a14:hiddenLine xmlns:p14="http://schemas.microsoft.com/office/powerpoint/2010/main" xmlns:a14="http://schemas.microsoft.com/office/drawing/2010/main" xmlns:a16="http://schemas.microsoft.com/office/drawing/2014/main" xmlns="" w="9525">
                   <a:solidFill>
                     <a:srgbClr val="000000"/>
                   </a:solidFill>
@@ -20612,7 +20684,7 @@
             </a:ln>
             <a:extLst>
               <a:ext uri="{91240B29-F687-4f45-9708-019B960494DF}">
-                <a14:hiddenLine xmlns="" xmlns:a16="http://schemas.microsoft.com/office/drawing/2014/main" xmlns:a14="http://schemas.microsoft.com/office/drawing/2010/main" xmlns:p14="http://schemas.microsoft.com/office/powerpoint/2010/main" w="9525">
+                <a14:hiddenLine xmlns:p14="http://schemas.microsoft.com/office/powerpoint/2010/main" xmlns:a14="http://schemas.microsoft.com/office/drawing/2010/main" xmlns:a16="http://schemas.microsoft.com/office/drawing/2014/main" xmlns="" w="9525">
                   <a:solidFill>
                     <a:srgbClr val="000000"/>
                   </a:solidFill>
@@ -20724,7 +20796,7 @@
             </a:ln>
             <a:extLst>
               <a:ext uri="{91240B29-F687-4f45-9708-019B960494DF}">
-                <a14:hiddenLine xmlns="" xmlns:a16="http://schemas.microsoft.com/office/drawing/2014/main" xmlns:a14="http://schemas.microsoft.com/office/drawing/2010/main" xmlns:p14="http://schemas.microsoft.com/office/powerpoint/2010/main" w="9525">
+                <a14:hiddenLine xmlns:p14="http://schemas.microsoft.com/office/powerpoint/2010/main" xmlns:a14="http://schemas.microsoft.com/office/drawing/2010/main" xmlns:a16="http://schemas.microsoft.com/office/drawing/2014/main" xmlns="" w="9525">
                   <a:solidFill>
                     <a:srgbClr val="000000"/>
                   </a:solidFill>
@@ -20808,7 +20880,7 @@
             </a:ln>
             <a:extLst>
               <a:ext uri="{91240B29-F687-4f45-9708-019B960494DF}">
-                <a14:hiddenLine xmlns="" xmlns:a16="http://schemas.microsoft.com/office/drawing/2014/main" xmlns:a14="http://schemas.microsoft.com/office/drawing/2010/main" xmlns:p14="http://schemas.microsoft.com/office/powerpoint/2010/main" w="9525">
+                <a14:hiddenLine xmlns:p14="http://schemas.microsoft.com/office/powerpoint/2010/main" xmlns:a14="http://schemas.microsoft.com/office/drawing/2010/main" xmlns:a16="http://schemas.microsoft.com/office/drawing/2014/main" xmlns="" w="9525">
                   <a:solidFill>
                     <a:srgbClr val="000000"/>
                   </a:solidFill>
@@ -20920,7 +20992,7 @@
             </a:ln>
             <a:extLst>
               <a:ext uri="{91240B29-F687-4f45-9708-019B960494DF}">
-                <a14:hiddenLine xmlns="" xmlns:a16="http://schemas.microsoft.com/office/drawing/2014/main" xmlns:a14="http://schemas.microsoft.com/office/drawing/2010/main" xmlns:p14="http://schemas.microsoft.com/office/powerpoint/2010/main" w="9525">
+                <a14:hiddenLine xmlns:p14="http://schemas.microsoft.com/office/powerpoint/2010/main" xmlns:a14="http://schemas.microsoft.com/office/drawing/2010/main" xmlns:a16="http://schemas.microsoft.com/office/drawing/2014/main" xmlns="" w="9525">
                   <a:solidFill>
                     <a:srgbClr val="000000"/>
                   </a:solidFill>
@@ -20976,7 +21048,7 @@
             </a:ln>
             <a:extLst>
               <a:ext uri="{91240B29-F687-4f45-9708-019B960494DF}">
-                <a14:hiddenLine xmlns="" xmlns:a16="http://schemas.microsoft.com/office/drawing/2014/main" xmlns:a14="http://schemas.microsoft.com/office/drawing/2010/main" xmlns:p14="http://schemas.microsoft.com/office/powerpoint/2010/main" w="9525">
+                <a14:hiddenLine xmlns:p14="http://schemas.microsoft.com/office/powerpoint/2010/main" xmlns:a14="http://schemas.microsoft.com/office/drawing/2010/main" xmlns:a16="http://schemas.microsoft.com/office/drawing/2014/main" xmlns="" w="9525">
                   <a:solidFill>
                     <a:srgbClr val="000000"/>
                   </a:solidFill>
@@ -21063,7 +21135,7 @@
             </a:ln>
             <a:extLst>
               <a:ext uri="{91240B29-F687-4f45-9708-019B960494DF}">
-                <a14:hiddenLine xmlns="" xmlns:a16="http://schemas.microsoft.com/office/drawing/2014/main" xmlns:a14="http://schemas.microsoft.com/office/drawing/2010/main" xmlns:p14="http://schemas.microsoft.com/office/powerpoint/2010/main" w="9525">
+                <a14:hiddenLine xmlns:p14="http://schemas.microsoft.com/office/powerpoint/2010/main" xmlns:a14="http://schemas.microsoft.com/office/drawing/2010/main" xmlns:a16="http://schemas.microsoft.com/office/drawing/2014/main" xmlns="" w="9525">
                   <a:solidFill>
                     <a:srgbClr val="000000"/>
                   </a:solidFill>
@@ -21175,7 +21247,7 @@
             </a:ln>
             <a:extLst>
               <a:ext uri="{91240B29-F687-4f45-9708-019B960494DF}">
-                <a14:hiddenLine xmlns="" xmlns:a16="http://schemas.microsoft.com/office/drawing/2014/main" xmlns:a14="http://schemas.microsoft.com/office/drawing/2010/main" xmlns:p14="http://schemas.microsoft.com/office/powerpoint/2010/main" w="9525">
+                <a14:hiddenLine xmlns:p14="http://schemas.microsoft.com/office/powerpoint/2010/main" xmlns:a14="http://schemas.microsoft.com/office/drawing/2010/main" xmlns:a16="http://schemas.microsoft.com/office/drawing/2014/main" xmlns="" w="9525">
                   <a:solidFill>
                     <a:srgbClr val="000000"/>
                   </a:solidFill>
@@ -21259,7 +21331,7 @@
             </a:ln>
             <a:extLst>
               <a:ext uri="{91240B29-F687-4f45-9708-019B960494DF}">
-                <a14:hiddenLine xmlns="" xmlns:a16="http://schemas.microsoft.com/office/drawing/2014/main" xmlns:a14="http://schemas.microsoft.com/office/drawing/2010/main" xmlns:p14="http://schemas.microsoft.com/office/powerpoint/2010/main" w="9525">
+                <a14:hiddenLine xmlns:p14="http://schemas.microsoft.com/office/powerpoint/2010/main" xmlns:a14="http://schemas.microsoft.com/office/drawing/2010/main" xmlns:a16="http://schemas.microsoft.com/office/drawing/2014/main" xmlns="" w="9525">
                   <a:solidFill>
                     <a:srgbClr val="000000"/>
                   </a:solidFill>
@@ -21371,7 +21443,7 @@
             </a:ln>
             <a:extLst>
               <a:ext uri="{91240B29-F687-4f45-9708-019B960494DF}">
-                <a14:hiddenLine xmlns="" xmlns:a16="http://schemas.microsoft.com/office/drawing/2014/main" xmlns:a14="http://schemas.microsoft.com/office/drawing/2010/main" xmlns:p14="http://schemas.microsoft.com/office/powerpoint/2010/main" w="9525">
+                <a14:hiddenLine xmlns:p14="http://schemas.microsoft.com/office/powerpoint/2010/main" xmlns:a14="http://schemas.microsoft.com/office/drawing/2010/main" xmlns:a16="http://schemas.microsoft.com/office/drawing/2014/main" xmlns="" w="9525">
                   <a:solidFill>
                     <a:srgbClr val="000000"/>
                   </a:solidFill>
@@ -21483,7 +21555,7 @@
             </a:ln>
             <a:extLst>
               <a:ext uri="{91240B29-F687-4f45-9708-019B960494DF}">
-                <a14:hiddenLine xmlns="" xmlns:a16="http://schemas.microsoft.com/office/drawing/2014/main" xmlns:a14="http://schemas.microsoft.com/office/drawing/2010/main" xmlns:p14="http://schemas.microsoft.com/office/powerpoint/2010/main" w="9525">
+                <a14:hiddenLine xmlns:p14="http://schemas.microsoft.com/office/powerpoint/2010/main" xmlns:a14="http://schemas.microsoft.com/office/drawing/2010/main" xmlns:a16="http://schemas.microsoft.com/office/drawing/2014/main" xmlns="" w="9525">
                   <a:solidFill>
                     <a:srgbClr val="000000"/>
                   </a:solidFill>
@@ -21570,7 +21642,7 @@
             </a:ln>
             <a:extLst>
               <a:ext uri="{91240B29-F687-4f45-9708-019B960494DF}">
-                <a14:hiddenLine xmlns="" xmlns:a16="http://schemas.microsoft.com/office/drawing/2014/main" xmlns:a14="http://schemas.microsoft.com/office/drawing/2010/main" xmlns:p14="http://schemas.microsoft.com/office/powerpoint/2010/main" w="9525">
+                <a14:hiddenLine xmlns:p14="http://schemas.microsoft.com/office/powerpoint/2010/main" xmlns:a14="http://schemas.microsoft.com/office/drawing/2010/main" xmlns:a16="http://schemas.microsoft.com/office/drawing/2014/main" xmlns="" w="9525">
                   <a:solidFill>
                     <a:srgbClr val="000000"/>
                   </a:solidFill>
@@ -21654,7 +21726,7 @@
             </a:ln>
             <a:extLst>
               <a:ext uri="{91240B29-F687-4f45-9708-019B960494DF}">
-                <a14:hiddenLine xmlns="" xmlns:a16="http://schemas.microsoft.com/office/drawing/2014/main" xmlns:a14="http://schemas.microsoft.com/office/drawing/2010/main" xmlns:p14="http://schemas.microsoft.com/office/powerpoint/2010/main" w="9525">
+                <a14:hiddenLine xmlns:p14="http://schemas.microsoft.com/office/powerpoint/2010/main" xmlns:a14="http://schemas.microsoft.com/office/drawing/2010/main" xmlns:a16="http://schemas.microsoft.com/office/drawing/2014/main" xmlns="" w="9525">
                   <a:solidFill>
                     <a:srgbClr val="000000"/>
                   </a:solidFill>
@@ -21766,7 +21838,7 @@
             </a:ln>
             <a:extLst>
               <a:ext uri="{91240B29-F687-4f45-9708-019B960494DF}">
-                <a14:hiddenLine xmlns="" xmlns:a16="http://schemas.microsoft.com/office/drawing/2014/main" xmlns:a14="http://schemas.microsoft.com/office/drawing/2010/main" xmlns:p14="http://schemas.microsoft.com/office/powerpoint/2010/main" w="9525">
+                <a14:hiddenLine xmlns:p14="http://schemas.microsoft.com/office/powerpoint/2010/main" xmlns:a14="http://schemas.microsoft.com/office/drawing/2010/main" xmlns:a16="http://schemas.microsoft.com/office/drawing/2014/main" xmlns="" w="9525">
                   <a:solidFill>
                     <a:srgbClr val="000000"/>
                   </a:solidFill>
@@ -21878,7 +21950,7 @@
             </a:ln>
             <a:extLst>
               <a:ext uri="{91240B29-F687-4f45-9708-019B960494DF}">
-                <a14:hiddenLine xmlns="" xmlns:a16="http://schemas.microsoft.com/office/drawing/2014/main" xmlns:a14="http://schemas.microsoft.com/office/drawing/2010/main" xmlns:p14="http://schemas.microsoft.com/office/powerpoint/2010/main" w="9525">
+                <a14:hiddenLine xmlns:p14="http://schemas.microsoft.com/office/powerpoint/2010/main" xmlns:a14="http://schemas.microsoft.com/office/drawing/2010/main" xmlns:a16="http://schemas.microsoft.com/office/drawing/2014/main" xmlns="" w="9525">
                   <a:solidFill>
                     <a:srgbClr val="000000"/>
                   </a:solidFill>
@@ -21962,7 +22034,7 @@
             </a:ln>
             <a:extLst>
               <a:ext uri="{91240B29-F687-4f45-9708-019B960494DF}">
-                <a14:hiddenLine xmlns="" xmlns:a16="http://schemas.microsoft.com/office/drawing/2014/main" xmlns:a14="http://schemas.microsoft.com/office/drawing/2010/main" xmlns:p14="http://schemas.microsoft.com/office/powerpoint/2010/main" w="9525">
+                <a14:hiddenLine xmlns:p14="http://schemas.microsoft.com/office/powerpoint/2010/main" xmlns:a14="http://schemas.microsoft.com/office/drawing/2010/main" xmlns:a16="http://schemas.microsoft.com/office/drawing/2014/main" xmlns="" w="9525">
                   <a:solidFill>
                     <a:srgbClr val="000000"/>
                   </a:solidFill>
@@ -22104,7 +22176,7 @@
             </a:ln>
             <a:extLst>
               <a:ext uri="{91240B29-F687-4f45-9708-019B960494DF}">
-                <a14:hiddenLine xmlns="" xmlns:a16="http://schemas.microsoft.com/office/drawing/2014/main" xmlns:a14="http://schemas.microsoft.com/office/drawing/2010/main" xmlns:p14="http://schemas.microsoft.com/office/powerpoint/2010/main" w="9525">
+                <a14:hiddenLine xmlns:p14="http://schemas.microsoft.com/office/powerpoint/2010/main" xmlns:a14="http://schemas.microsoft.com/office/drawing/2010/main" xmlns:a16="http://schemas.microsoft.com/office/drawing/2014/main" xmlns="" w="9525">
                   <a:solidFill>
                     <a:srgbClr val="000000"/>
                   </a:solidFill>
@@ -22194,7 +22266,7 @@
             </a:ln>
             <a:extLst>
               <a:ext uri="{91240B29-F687-4f45-9708-019B960494DF}">
-                <a14:hiddenLine xmlns="" xmlns:a16="http://schemas.microsoft.com/office/drawing/2014/main" xmlns:a14="http://schemas.microsoft.com/office/drawing/2010/main" xmlns:p14="http://schemas.microsoft.com/office/powerpoint/2010/main" w="9525">
+                <a14:hiddenLine xmlns:p14="http://schemas.microsoft.com/office/powerpoint/2010/main" xmlns:a14="http://schemas.microsoft.com/office/drawing/2010/main" xmlns:a16="http://schemas.microsoft.com/office/drawing/2014/main" xmlns="" w="9525">
                   <a:solidFill>
                     <a:srgbClr val="000000"/>
                   </a:solidFill>
@@ -22306,7 +22378,7 @@
             </a:ln>
             <a:extLst>
               <a:ext uri="{91240B29-F687-4f45-9708-019B960494DF}">
-                <a14:hiddenLine xmlns="" xmlns:a16="http://schemas.microsoft.com/office/drawing/2014/main" xmlns:a14="http://schemas.microsoft.com/office/drawing/2010/main" xmlns:p14="http://schemas.microsoft.com/office/powerpoint/2010/main" w="9525">
+                <a14:hiddenLine xmlns:p14="http://schemas.microsoft.com/office/powerpoint/2010/main" xmlns:a14="http://schemas.microsoft.com/office/drawing/2010/main" xmlns:a16="http://schemas.microsoft.com/office/drawing/2014/main" xmlns="" w="9525">
                   <a:solidFill>
                     <a:srgbClr val="000000"/>
                   </a:solidFill>
@@ -22470,7 +22542,7 @@
             <a:noFill/>
             <a:extLst>
               <a:ext uri="{909E8E84-426E-40dd-AFC4-6F175D3DCCD1}">
-                <a14:hiddenFill xmlns="" xmlns:a16="http://schemas.microsoft.com/office/drawing/2014/main" xmlns:a14="http://schemas.microsoft.com/office/drawing/2010/main" xmlns:p14="http://schemas.microsoft.com/office/powerpoint/2010/main">
+                <a14:hiddenFill xmlns:p14="http://schemas.microsoft.com/office/powerpoint/2010/main" xmlns:a14="http://schemas.microsoft.com/office/drawing/2010/main" xmlns:a16="http://schemas.microsoft.com/office/drawing/2014/main" xmlns="">
                   <a:solidFill>
                     <a:srgbClr val="FFFFFF"/>
                   </a:solidFill>
@@ -22498,8 +22570,8 @@
         </p:nvSpPr>
         <p:spPr>
           <a:xfrm>
-            <a:off x="5270066" y="1122363"/>
-            <a:ext cx="5397933" cy="2387600"/>
+            <a:off x="4954600" y="-71437"/>
+            <a:ext cx="5397933" cy="1244600"/>
           </a:xfrm>
         </p:spPr>
         <p:txBody>
@@ -22509,7 +22581,7 @@
           <a:lstStyle/>
           <a:p>
             <a:r>
-              <a:rPr lang="en-US" sz="4800"/>
+              <a:rPr lang="en-US" sz="4800" dirty="0"/>
               <a:t>BASELINE MODEL </a:t>
             </a:r>
           </a:p>
@@ -22533,7 +22605,7 @@
         </p:nvSpPr>
         <p:spPr>
           <a:xfrm>
-            <a:off x="5230896" y="3602038"/>
+            <a:off x="4954600" y="1134992"/>
             <a:ext cx="5437103" cy="1655762"/>
           </a:xfrm>
         </p:spPr>
@@ -22547,7 +22619,7 @@
               <a:buNone/>
             </a:pPr>
             <a:r>
-              <a:rPr lang="en-US" sz="2000" cap="all">
+              <a:rPr lang="en-US" sz="2000" cap="all" dirty="0">
                 <a:solidFill>
                   <a:schemeClr val="tx2"/>
                 </a:solidFill>
@@ -22660,7 +22732,7 @@
             </a:ln>
             <a:extLst>
               <a:ext uri="{91240B29-F687-4f45-9708-019B960494DF}">
-                <a14:hiddenLine xmlns="" xmlns:a16="http://schemas.microsoft.com/office/drawing/2014/main" xmlns:a14="http://schemas.microsoft.com/office/drawing/2010/main" xmlns:p14="http://schemas.microsoft.com/office/powerpoint/2010/main" w="9525">
+                <a14:hiddenLine xmlns:p14="http://schemas.microsoft.com/office/powerpoint/2010/main" xmlns:a14="http://schemas.microsoft.com/office/drawing/2010/main" xmlns:a16="http://schemas.microsoft.com/office/drawing/2014/main" xmlns="" w="9525">
                   <a:solidFill>
                     <a:srgbClr val="000000"/>
                   </a:solidFill>
@@ -22772,7 +22844,7 @@
             </a:ln>
             <a:extLst>
               <a:ext uri="{91240B29-F687-4f45-9708-019B960494DF}">
-                <a14:hiddenLine xmlns="" xmlns:a16="http://schemas.microsoft.com/office/drawing/2014/main" xmlns:a14="http://schemas.microsoft.com/office/drawing/2010/main" xmlns:p14="http://schemas.microsoft.com/office/powerpoint/2010/main" w="9525">
+                <a14:hiddenLine xmlns:p14="http://schemas.microsoft.com/office/powerpoint/2010/main" xmlns:a14="http://schemas.microsoft.com/office/drawing/2010/main" xmlns:a16="http://schemas.microsoft.com/office/drawing/2014/main" xmlns="" w="9525">
                   <a:solidFill>
                     <a:srgbClr val="000000"/>
                   </a:solidFill>
@@ -22884,7 +22956,7 @@
             </a:ln>
             <a:extLst>
               <a:ext uri="{91240B29-F687-4f45-9708-019B960494DF}">
-                <a14:hiddenLine xmlns="" xmlns:a16="http://schemas.microsoft.com/office/drawing/2014/main" xmlns:a14="http://schemas.microsoft.com/office/drawing/2010/main" xmlns:p14="http://schemas.microsoft.com/office/powerpoint/2010/main" w="9525">
+                <a14:hiddenLine xmlns:p14="http://schemas.microsoft.com/office/powerpoint/2010/main" xmlns:a14="http://schemas.microsoft.com/office/drawing/2010/main" xmlns:a16="http://schemas.microsoft.com/office/drawing/2014/main" xmlns="" w="9525">
                   <a:solidFill>
                     <a:srgbClr val="000000"/>
                   </a:solidFill>
@@ -22940,7 +23012,7 @@
             </a:ln>
             <a:extLst>
               <a:ext uri="{91240B29-F687-4f45-9708-019B960494DF}">
-                <a14:hiddenLine xmlns="" xmlns:a16="http://schemas.microsoft.com/office/drawing/2014/main" xmlns:a14="http://schemas.microsoft.com/office/drawing/2010/main" xmlns:p14="http://schemas.microsoft.com/office/powerpoint/2010/main" w="9525">
+                <a14:hiddenLine xmlns:p14="http://schemas.microsoft.com/office/powerpoint/2010/main" xmlns:a14="http://schemas.microsoft.com/office/drawing/2010/main" xmlns:a16="http://schemas.microsoft.com/office/drawing/2014/main" xmlns="" w="9525">
                   <a:solidFill>
                     <a:srgbClr val="000000"/>
                   </a:solidFill>
@@ -23052,7 +23124,7 @@
             </a:ln>
             <a:extLst>
               <a:ext uri="{91240B29-F687-4f45-9708-019B960494DF}">
-                <a14:hiddenLine xmlns="" xmlns:a16="http://schemas.microsoft.com/office/drawing/2014/main" xmlns:a14="http://schemas.microsoft.com/office/drawing/2010/main" xmlns:p14="http://schemas.microsoft.com/office/powerpoint/2010/main" w="9525">
+                <a14:hiddenLine xmlns:p14="http://schemas.microsoft.com/office/powerpoint/2010/main" xmlns:a14="http://schemas.microsoft.com/office/drawing/2010/main" xmlns:a16="http://schemas.microsoft.com/office/drawing/2014/main" xmlns="" w="9525">
                   <a:solidFill>
                     <a:srgbClr val="000000"/>
                   </a:solidFill>
@@ -23136,7 +23208,7 @@
             </a:ln>
             <a:extLst>
               <a:ext uri="{91240B29-F687-4f45-9708-019B960494DF}">
-                <a14:hiddenLine xmlns="" xmlns:a16="http://schemas.microsoft.com/office/drawing/2014/main" xmlns:a14="http://schemas.microsoft.com/office/drawing/2010/main" xmlns:p14="http://schemas.microsoft.com/office/powerpoint/2010/main" w="9525">
+                <a14:hiddenLine xmlns:p14="http://schemas.microsoft.com/office/powerpoint/2010/main" xmlns:a14="http://schemas.microsoft.com/office/drawing/2010/main" xmlns:a16="http://schemas.microsoft.com/office/drawing/2014/main" xmlns="" w="9525">
                   <a:solidFill>
                     <a:srgbClr val="000000"/>
                   </a:solidFill>
@@ -23220,7 +23292,7 @@
             </a:ln>
             <a:extLst>
               <a:ext uri="{91240B29-F687-4f45-9708-019B960494DF}">
-                <a14:hiddenLine xmlns="" xmlns:a16="http://schemas.microsoft.com/office/drawing/2014/main" xmlns:a14="http://schemas.microsoft.com/office/drawing/2010/main" xmlns:p14="http://schemas.microsoft.com/office/powerpoint/2010/main" w="9525">
+                <a14:hiddenLine xmlns:p14="http://schemas.microsoft.com/office/powerpoint/2010/main" xmlns:a14="http://schemas.microsoft.com/office/drawing/2010/main" xmlns:a16="http://schemas.microsoft.com/office/drawing/2014/main" xmlns="" w="9525">
                   <a:solidFill>
                     <a:srgbClr val="000000"/>
                   </a:solidFill>
@@ -23332,7 +23404,7 @@
             </a:ln>
             <a:extLst>
               <a:ext uri="{91240B29-F687-4f45-9708-019B960494DF}">
-                <a14:hiddenLine xmlns="" xmlns:a16="http://schemas.microsoft.com/office/drawing/2014/main" xmlns:a14="http://schemas.microsoft.com/office/drawing/2010/main" xmlns:p14="http://schemas.microsoft.com/office/powerpoint/2010/main" w="9525">
+                <a14:hiddenLine xmlns:p14="http://schemas.microsoft.com/office/powerpoint/2010/main" xmlns:a14="http://schemas.microsoft.com/office/drawing/2010/main" xmlns:a16="http://schemas.microsoft.com/office/drawing/2014/main" xmlns="" w="9525">
                   <a:solidFill>
                     <a:srgbClr val="000000"/>
                   </a:solidFill>
@@ -23416,7 +23488,7 @@
             </a:ln>
             <a:extLst>
               <a:ext uri="{91240B29-F687-4f45-9708-019B960494DF}">
-                <a14:hiddenLine xmlns="" xmlns:a16="http://schemas.microsoft.com/office/drawing/2014/main" xmlns:a14="http://schemas.microsoft.com/office/drawing/2010/main" xmlns:p14="http://schemas.microsoft.com/office/powerpoint/2010/main" w="9525">
+                <a14:hiddenLine xmlns:p14="http://schemas.microsoft.com/office/powerpoint/2010/main" xmlns:a14="http://schemas.microsoft.com/office/drawing/2010/main" xmlns:a16="http://schemas.microsoft.com/office/drawing/2014/main" xmlns="" w="9525">
                   <a:solidFill>
                     <a:srgbClr val="000000"/>
                   </a:solidFill>
@@ -23500,7 +23572,7 @@
             </a:ln>
             <a:extLst>
               <a:ext uri="{91240B29-F687-4f45-9708-019B960494DF}">
-                <a14:hiddenLine xmlns="" xmlns:a16="http://schemas.microsoft.com/office/drawing/2014/main" xmlns:a14="http://schemas.microsoft.com/office/drawing/2010/main" xmlns:p14="http://schemas.microsoft.com/office/powerpoint/2010/main" w="9525">
+                <a14:hiddenLine xmlns:p14="http://schemas.microsoft.com/office/powerpoint/2010/main" xmlns:a14="http://schemas.microsoft.com/office/drawing/2010/main" xmlns:a16="http://schemas.microsoft.com/office/drawing/2014/main" xmlns="" w="9525">
                   <a:solidFill>
                     <a:srgbClr val="000000"/>
                   </a:solidFill>
@@ -23612,7 +23684,7 @@
             </a:ln>
             <a:extLst>
               <a:ext uri="{91240B29-F687-4f45-9708-019B960494DF}">
-                <a14:hiddenLine xmlns="" xmlns:a16="http://schemas.microsoft.com/office/drawing/2014/main" xmlns:a14="http://schemas.microsoft.com/office/drawing/2010/main" xmlns:p14="http://schemas.microsoft.com/office/powerpoint/2010/main" w="9525">
+                <a14:hiddenLine xmlns:p14="http://schemas.microsoft.com/office/powerpoint/2010/main" xmlns:a14="http://schemas.microsoft.com/office/drawing/2010/main" xmlns:a16="http://schemas.microsoft.com/office/drawing/2014/main" xmlns="" w="9525">
                   <a:solidFill>
                     <a:srgbClr val="000000"/>
                   </a:solidFill>
@@ -23724,7 +23796,7 @@
             </a:ln>
             <a:extLst>
               <a:ext uri="{91240B29-F687-4f45-9708-019B960494DF}">
-                <a14:hiddenLine xmlns="" xmlns:a16="http://schemas.microsoft.com/office/drawing/2014/main" xmlns:a14="http://schemas.microsoft.com/office/drawing/2010/main" xmlns:p14="http://schemas.microsoft.com/office/powerpoint/2010/main" w="9525">
+                <a14:hiddenLine xmlns:p14="http://schemas.microsoft.com/office/powerpoint/2010/main" xmlns:a14="http://schemas.microsoft.com/office/drawing/2010/main" xmlns:a16="http://schemas.microsoft.com/office/drawing/2014/main" xmlns="" w="9525">
                   <a:solidFill>
                     <a:srgbClr val="000000"/>
                   </a:solidFill>
@@ -23808,7 +23880,7 @@
             </a:ln>
             <a:extLst>
               <a:ext uri="{91240B29-F687-4f45-9708-019B960494DF}">
-                <a14:hiddenLine xmlns="" xmlns:a16="http://schemas.microsoft.com/office/drawing/2014/main" xmlns:a14="http://schemas.microsoft.com/office/drawing/2010/main" xmlns:p14="http://schemas.microsoft.com/office/powerpoint/2010/main" w="9525">
+                <a14:hiddenLine xmlns:p14="http://schemas.microsoft.com/office/powerpoint/2010/main" xmlns:a14="http://schemas.microsoft.com/office/drawing/2010/main" xmlns:a16="http://schemas.microsoft.com/office/drawing/2014/main" xmlns="" w="9525">
                   <a:solidFill>
                     <a:srgbClr val="000000"/>
                   </a:solidFill>
@@ -23940,7 +24012,7 @@
             </a:ln>
             <a:extLst>
               <a:ext uri="{91240B29-F687-4f45-9708-019B960494DF}">
-                <a14:hiddenLine xmlns="" xmlns:a16="http://schemas.microsoft.com/office/drawing/2014/main" xmlns:a14="http://schemas.microsoft.com/office/drawing/2010/main" xmlns:p14="http://schemas.microsoft.com/office/powerpoint/2010/main" w="9525">
+                <a14:hiddenLine xmlns:p14="http://schemas.microsoft.com/office/powerpoint/2010/main" xmlns:a14="http://schemas.microsoft.com/office/drawing/2010/main" xmlns:a16="http://schemas.microsoft.com/office/drawing/2014/main" xmlns="" w="9525">
                   <a:solidFill>
                     <a:srgbClr val="000000"/>
                   </a:solidFill>
@@ -24024,7 +24096,7 @@
             </a:ln>
             <a:extLst>
               <a:ext uri="{91240B29-F687-4f45-9708-019B960494DF}">
-                <a14:hiddenLine xmlns="" xmlns:a16="http://schemas.microsoft.com/office/drawing/2014/main" xmlns:a14="http://schemas.microsoft.com/office/drawing/2010/main" xmlns:p14="http://schemas.microsoft.com/office/powerpoint/2010/main" w="9525">
+                <a14:hiddenLine xmlns:p14="http://schemas.microsoft.com/office/powerpoint/2010/main" xmlns:a14="http://schemas.microsoft.com/office/drawing/2010/main" xmlns:a16="http://schemas.microsoft.com/office/drawing/2014/main" xmlns="" w="9525">
                   <a:solidFill>
                     <a:srgbClr val="000000"/>
                   </a:solidFill>
@@ -24136,7 +24208,7 @@
             </a:ln>
             <a:extLst>
               <a:ext uri="{91240B29-F687-4f45-9708-019B960494DF}">
-                <a14:hiddenLine xmlns="" xmlns:a16="http://schemas.microsoft.com/office/drawing/2014/main" xmlns:a14="http://schemas.microsoft.com/office/drawing/2010/main" xmlns:p14="http://schemas.microsoft.com/office/powerpoint/2010/main" w="9525">
+                <a14:hiddenLine xmlns:p14="http://schemas.microsoft.com/office/powerpoint/2010/main" xmlns:a14="http://schemas.microsoft.com/office/drawing/2010/main" xmlns:a16="http://schemas.microsoft.com/office/drawing/2014/main" xmlns="" w="9525">
                   <a:solidFill>
                     <a:srgbClr val="000000"/>
                   </a:solidFill>
@@ -24248,7 +24320,7 @@
             </a:ln>
             <a:extLst>
               <a:ext uri="{91240B29-F687-4f45-9708-019B960494DF}">
-                <a14:hiddenLine xmlns="" xmlns:a16="http://schemas.microsoft.com/office/drawing/2014/main" xmlns:a14="http://schemas.microsoft.com/office/drawing/2010/main" xmlns:p14="http://schemas.microsoft.com/office/powerpoint/2010/main" w="9525">
+                <a14:hiddenLine xmlns:p14="http://schemas.microsoft.com/office/powerpoint/2010/main" xmlns:a14="http://schemas.microsoft.com/office/drawing/2010/main" xmlns:a16="http://schemas.microsoft.com/office/drawing/2014/main" xmlns="" w="9525">
                   <a:solidFill>
                     <a:srgbClr val="000000"/>
                   </a:solidFill>
@@ -24332,7 +24404,7 @@
             </a:ln>
             <a:extLst>
               <a:ext uri="{91240B29-F687-4f45-9708-019B960494DF}">
-                <a14:hiddenLine xmlns="" xmlns:a16="http://schemas.microsoft.com/office/drawing/2014/main" xmlns:a14="http://schemas.microsoft.com/office/drawing/2010/main" xmlns:p14="http://schemas.microsoft.com/office/powerpoint/2010/main" w="9525">
+                <a14:hiddenLine xmlns:p14="http://schemas.microsoft.com/office/powerpoint/2010/main" xmlns:a14="http://schemas.microsoft.com/office/drawing/2010/main" xmlns:a16="http://schemas.microsoft.com/office/drawing/2014/main" xmlns="" w="9525">
                   <a:solidFill>
                     <a:srgbClr val="000000"/>
                   </a:solidFill>
@@ -24444,7 +24516,7 @@
             </a:ln>
             <a:extLst>
               <a:ext uri="{91240B29-F687-4f45-9708-019B960494DF}">
-                <a14:hiddenLine xmlns="" xmlns:a16="http://schemas.microsoft.com/office/drawing/2014/main" xmlns:a14="http://schemas.microsoft.com/office/drawing/2010/main" xmlns:p14="http://schemas.microsoft.com/office/powerpoint/2010/main" w="9525">
+                <a14:hiddenLine xmlns:p14="http://schemas.microsoft.com/office/powerpoint/2010/main" xmlns:a14="http://schemas.microsoft.com/office/drawing/2010/main" xmlns:a16="http://schemas.microsoft.com/office/drawing/2014/main" xmlns="" w="9525">
                   <a:solidFill>
                     <a:srgbClr val="000000"/>
                   </a:solidFill>
@@ -24556,7 +24628,7 @@
             </a:ln>
             <a:extLst>
               <a:ext uri="{91240B29-F687-4f45-9708-019B960494DF}">
-                <a14:hiddenLine xmlns="" xmlns:a16="http://schemas.microsoft.com/office/drawing/2014/main" xmlns:a14="http://schemas.microsoft.com/office/drawing/2010/main" xmlns:p14="http://schemas.microsoft.com/office/powerpoint/2010/main" w="9525">
+                <a14:hiddenLine xmlns:p14="http://schemas.microsoft.com/office/powerpoint/2010/main" xmlns:a14="http://schemas.microsoft.com/office/drawing/2010/main" xmlns:a16="http://schemas.microsoft.com/office/drawing/2014/main" xmlns="" w="9525">
                   <a:solidFill>
                     <a:srgbClr val="000000"/>
                   </a:solidFill>
@@ -24634,7 +24706,7 @@
             </a:ln>
             <a:extLst>
               <a:ext uri="{91240B29-F687-4f45-9708-019B960494DF}">
-                <a14:hiddenLine xmlns="" xmlns:a16="http://schemas.microsoft.com/office/drawing/2014/main" xmlns:a14="http://schemas.microsoft.com/office/drawing/2010/main" xmlns:p14="http://schemas.microsoft.com/office/powerpoint/2010/main" w="9525">
+                <a14:hiddenLine xmlns:p14="http://schemas.microsoft.com/office/powerpoint/2010/main" xmlns:a14="http://schemas.microsoft.com/office/drawing/2010/main" xmlns:a16="http://schemas.microsoft.com/office/drawing/2014/main" xmlns="" w="9525">
                   <a:solidFill>
                     <a:srgbClr val="000000"/>
                   </a:solidFill>
@@ -24746,7 +24818,7 @@
             </a:ln>
             <a:extLst>
               <a:ext uri="{91240B29-F687-4f45-9708-019B960494DF}">
-                <a14:hiddenLine xmlns="" xmlns:a16="http://schemas.microsoft.com/office/drawing/2014/main" xmlns:a14="http://schemas.microsoft.com/office/drawing/2010/main" xmlns:p14="http://schemas.microsoft.com/office/powerpoint/2010/main" w="9525">
+                <a14:hiddenLine xmlns:p14="http://schemas.microsoft.com/office/powerpoint/2010/main" xmlns:a14="http://schemas.microsoft.com/office/drawing/2010/main" xmlns:a16="http://schemas.microsoft.com/office/drawing/2014/main" xmlns="" w="9525">
                   <a:solidFill>
                     <a:srgbClr val="000000"/>
                   </a:solidFill>
@@ -24824,7 +24896,7 @@
             </a:ln>
             <a:extLst>
               <a:ext uri="{91240B29-F687-4f45-9708-019B960494DF}">
-                <a14:hiddenLine xmlns="" xmlns:a16="http://schemas.microsoft.com/office/drawing/2014/main" xmlns:a14="http://schemas.microsoft.com/office/drawing/2010/main" xmlns:p14="http://schemas.microsoft.com/office/powerpoint/2010/main" w="9525">
+                <a14:hiddenLine xmlns:p14="http://schemas.microsoft.com/office/powerpoint/2010/main" xmlns:a14="http://schemas.microsoft.com/office/drawing/2010/main" xmlns:a16="http://schemas.microsoft.com/office/drawing/2014/main" xmlns="" w="9525">
                   <a:solidFill>
                     <a:srgbClr val="000000"/>
                   </a:solidFill>
@@ -24936,7 +25008,7 @@
             </a:ln>
             <a:extLst>
               <a:ext uri="{91240B29-F687-4f45-9708-019B960494DF}">
-                <a14:hiddenLine xmlns="" xmlns:a16="http://schemas.microsoft.com/office/drawing/2014/main" xmlns:a14="http://schemas.microsoft.com/office/drawing/2010/main" xmlns:p14="http://schemas.microsoft.com/office/powerpoint/2010/main" w="9525">
+                <a14:hiddenLine xmlns:p14="http://schemas.microsoft.com/office/powerpoint/2010/main" xmlns:a14="http://schemas.microsoft.com/office/drawing/2010/main" xmlns:a16="http://schemas.microsoft.com/office/drawing/2014/main" xmlns="" w="9525">
                   <a:solidFill>
                     <a:srgbClr val="000000"/>
                   </a:solidFill>
@@ -25026,7 +25098,7 @@
             </a:ln>
             <a:extLst>
               <a:ext uri="{91240B29-F687-4f45-9708-019B960494DF}">
-                <a14:hiddenLine xmlns="" xmlns:a16="http://schemas.microsoft.com/office/drawing/2014/main" xmlns:a14="http://schemas.microsoft.com/office/drawing/2010/main" xmlns:p14="http://schemas.microsoft.com/office/powerpoint/2010/main" w="9525">
+                <a14:hiddenLine xmlns:p14="http://schemas.microsoft.com/office/powerpoint/2010/main" xmlns:a14="http://schemas.microsoft.com/office/drawing/2010/main" xmlns:a16="http://schemas.microsoft.com/office/drawing/2014/main" xmlns="" w="9525">
                   <a:solidFill>
                     <a:srgbClr val="000000"/>
                   </a:solidFill>
@@ -25138,7 +25210,7 @@
             </a:ln>
             <a:extLst>
               <a:ext uri="{91240B29-F687-4f45-9708-019B960494DF}">
-                <a14:hiddenLine xmlns="" xmlns:a16="http://schemas.microsoft.com/office/drawing/2014/main" xmlns:a14="http://schemas.microsoft.com/office/drawing/2010/main" xmlns:p14="http://schemas.microsoft.com/office/powerpoint/2010/main" w="9525">
+                <a14:hiddenLine xmlns:p14="http://schemas.microsoft.com/office/powerpoint/2010/main" xmlns:a14="http://schemas.microsoft.com/office/drawing/2010/main" xmlns:a16="http://schemas.microsoft.com/office/drawing/2014/main" xmlns="" w="9525">
                   <a:solidFill>
                     <a:srgbClr val="000000"/>
                   </a:solidFill>
@@ -25228,7 +25300,7 @@
             </a:ln>
             <a:extLst>
               <a:ext uri="{91240B29-F687-4f45-9708-019B960494DF}">
-                <a14:hiddenLine xmlns="" xmlns:a16="http://schemas.microsoft.com/office/drawing/2014/main" xmlns:a14="http://schemas.microsoft.com/office/drawing/2010/main" xmlns:p14="http://schemas.microsoft.com/office/powerpoint/2010/main" w="9525">
+                <a14:hiddenLine xmlns:p14="http://schemas.microsoft.com/office/powerpoint/2010/main" xmlns:a14="http://schemas.microsoft.com/office/drawing/2010/main" xmlns:a16="http://schemas.microsoft.com/office/drawing/2014/main" xmlns="" w="9525">
                   <a:solidFill>
                     <a:srgbClr val="000000"/>
                   </a:solidFill>
@@ -25340,7 +25412,7 @@
             </a:ln>
             <a:extLst>
               <a:ext uri="{91240B29-F687-4f45-9708-019B960494DF}">
-                <a14:hiddenLine xmlns="" xmlns:a16="http://schemas.microsoft.com/office/drawing/2014/main" xmlns:a14="http://schemas.microsoft.com/office/drawing/2010/main" xmlns:p14="http://schemas.microsoft.com/office/powerpoint/2010/main" w="9525">
+                <a14:hiddenLine xmlns:p14="http://schemas.microsoft.com/office/powerpoint/2010/main" xmlns:a14="http://schemas.microsoft.com/office/drawing/2010/main" xmlns:a16="http://schemas.microsoft.com/office/drawing/2014/main" xmlns="" w="9525">
                   <a:solidFill>
                     <a:srgbClr val="000000"/>
                   </a:solidFill>
@@ -25396,7 +25468,7 @@
             </a:ln>
             <a:extLst>
               <a:ext uri="{91240B29-F687-4f45-9708-019B960494DF}">
-                <a14:hiddenLine xmlns="" xmlns:a16="http://schemas.microsoft.com/office/drawing/2014/main" xmlns:a14="http://schemas.microsoft.com/office/drawing/2010/main" xmlns:p14="http://schemas.microsoft.com/office/powerpoint/2010/main" w="9525">
+                <a14:hiddenLine xmlns:p14="http://schemas.microsoft.com/office/powerpoint/2010/main" xmlns:a14="http://schemas.microsoft.com/office/drawing/2010/main" xmlns:a16="http://schemas.microsoft.com/office/drawing/2014/main" xmlns="" w="9525">
                   <a:solidFill>
                     <a:srgbClr val="000000"/>
                   </a:solidFill>
@@ -25508,7 +25580,7 @@
             </a:ln>
             <a:extLst>
               <a:ext uri="{91240B29-F687-4f45-9708-019B960494DF}">
-                <a14:hiddenLine xmlns="" xmlns:a16="http://schemas.microsoft.com/office/drawing/2014/main" xmlns:a14="http://schemas.microsoft.com/office/drawing/2010/main" xmlns:p14="http://schemas.microsoft.com/office/powerpoint/2010/main" w="9525">
+                <a14:hiddenLine xmlns:p14="http://schemas.microsoft.com/office/powerpoint/2010/main" xmlns:a14="http://schemas.microsoft.com/office/drawing/2010/main" xmlns:a16="http://schemas.microsoft.com/office/drawing/2014/main" xmlns="" w="9525">
                   <a:solidFill>
                     <a:srgbClr val="000000"/>
                   </a:solidFill>
@@ -25592,7 +25664,7 @@
             </a:ln>
             <a:extLst>
               <a:ext uri="{91240B29-F687-4f45-9708-019B960494DF}">
-                <a14:hiddenLine xmlns="" xmlns:a16="http://schemas.microsoft.com/office/drawing/2014/main" xmlns:a14="http://schemas.microsoft.com/office/drawing/2010/main" xmlns:p14="http://schemas.microsoft.com/office/powerpoint/2010/main" w="9525">
+                <a14:hiddenLine xmlns:p14="http://schemas.microsoft.com/office/powerpoint/2010/main" xmlns:a14="http://schemas.microsoft.com/office/drawing/2010/main" xmlns:a16="http://schemas.microsoft.com/office/drawing/2014/main" xmlns="" w="9525">
                   <a:solidFill>
                     <a:srgbClr val="000000"/>
                   </a:solidFill>
@@ -25676,7 +25748,7 @@
             </a:ln>
             <a:extLst>
               <a:ext uri="{91240B29-F687-4f45-9708-019B960494DF}">
-                <a14:hiddenLine xmlns="" xmlns:a16="http://schemas.microsoft.com/office/drawing/2014/main" xmlns:a14="http://schemas.microsoft.com/office/drawing/2010/main" xmlns:p14="http://schemas.microsoft.com/office/powerpoint/2010/main" w="9525">
+                <a14:hiddenLine xmlns:p14="http://schemas.microsoft.com/office/powerpoint/2010/main" xmlns:a14="http://schemas.microsoft.com/office/drawing/2010/main" xmlns:a16="http://schemas.microsoft.com/office/drawing/2014/main" xmlns="" w="9525">
                   <a:solidFill>
                     <a:srgbClr val="000000"/>
                   </a:solidFill>
@@ -25788,7 +25860,7 @@
             </a:ln>
             <a:extLst>
               <a:ext uri="{91240B29-F687-4f45-9708-019B960494DF}">
-                <a14:hiddenLine xmlns="" xmlns:a16="http://schemas.microsoft.com/office/drawing/2014/main" xmlns:a14="http://schemas.microsoft.com/office/drawing/2010/main" xmlns:p14="http://schemas.microsoft.com/office/powerpoint/2010/main" w="9525">
+                <a14:hiddenLine xmlns:p14="http://schemas.microsoft.com/office/powerpoint/2010/main" xmlns:a14="http://schemas.microsoft.com/office/drawing/2010/main" xmlns:a16="http://schemas.microsoft.com/office/drawing/2014/main" xmlns="" w="9525">
                   <a:solidFill>
                     <a:srgbClr val="000000"/>
                   </a:solidFill>
@@ -25878,7 +25950,7 @@
             </a:ln>
             <a:extLst>
               <a:ext uri="{91240B29-F687-4f45-9708-019B960494DF}">
-                <a14:hiddenLine xmlns="" xmlns:a16="http://schemas.microsoft.com/office/drawing/2014/main" xmlns:a14="http://schemas.microsoft.com/office/drawing/2010/main" xmlns:p14="http://schemas.microsoft.com/office/powerpoint/2010/main" w="9525">
+                <a14:hiddenLine xmlns:p14="http://schemas.microsoft.com/office/powerpoint/2010/main" xmlns:a14="http://schemas.microsoft.com/office/drawing/2010/main" xmlns:a16="http://schemas.microsoft.com/office/drawing/2014/main" xmlns="" w="9525">
                   <a:solidFill>
                     <a:srgbClr val="000000"/>
                   </a:solidFill>
@@ -25962,7 +26034,7 @@
             </a:ln>
             <a:extLst>
               <a:ext uri="{91240B29-F687-4f45-9708-019B960494DF}">
-                <a14:hiddenLine xmlns="" xmlns:a16="http://schemas.microsoft.com/office/drawing/2014/main" xmlns:a14="http://schemas.microsoft.com/office/drawing/2010/main" xmlns:p14="http://schemas.microsoft.com/office/powerpoint/2010/main" w="9525">
+                <a14:hiddenLine xmlns:p14="http://schemas.microsoft.com/office/powerpoint/2010/main" xmlns:a14="http://schemas.microsoft.com/office/drawing/2010/main" xmlns:a16="http://schemas.microsoft.com/office/drawing/2014/main" xmlns="" w="9525">
                   <a:solidFill>
                     <a:srgbClr val="000000"/>
                   </a:solidFill>
@@ -26074,7 +26146,7 @@
             </a:ln>
             <a:extLst>
               <a:ext uri="{91240B29-F687-4f45-9708-019B960494DF}">
-                <a14:hiddenLine xmlns="" xmlns:a16="http://schemas.microsoft.com/office/drawing/2014/main" xmlns:a14="http://schemas.microsoft.com/office/drawing/2010/main" xmlns:p14="http://schemas.microsoft.com/office/powerpoint/2010/main" w="9525">
+                <a14:hiddenLine xmlns:p14="http://schemas.microsoft.com/office/powerpoint/2010/main" xmlns:a14="http://schemas.microsoft.com/office/drawing/2010/main" xmlns:a16="http://schemas.microsoft.com/office/drawing/2014/main" xmlns="" w="9525">
                   <a:solidFill>
                     <a:srgbClr val="000000"/>
                   </a:solidFill>
@@ -26158,7 +26230,7 @@
             </a:ln>
             <a:extLst>
               <a:ext uri="{91240B29-F687-4f45-9708-019B960494DF}">
-                <a14:hiddenLine xmlns="" xmlns:a16="http://schemas.microsoft.com/office/drawing/2014/main" xmlns:a14="http://schemas.microsoft.com/office/drawing/2010/main" xmlns:p14="http://schemas.microsoft.com/office/powerpoint/2010/main" w="9525">
+                <a14:hiddenLine xmlns:p14="http://schemas.microsoft.com/office/powerpoint/2010/main" xmlns:a14="http://schemas.microsoft.com/office/drawing/2010/main" xmlns:a16="http://schemas.microsoft.com/office/drawing/2014/main" xmlns="" w="9525">
                   <a:solidFill>
                     <a:srgbClr val="000000"/>
                   </a:solidFill>
@@ -26270,7 +26342,7 @@
             </a:ln>
             <a:extLst>
               <a:ext uri="{91240B29-F687-4f45-9708-019B960494DF}">
-                <a14:hiddenLine xmlns="" xmlns:a16="http://schemas.microsoft.com/office/drawing/2014/main" xmlns:a14="http://schemas.microsoft.com/office/drawing/2010/main" xmlns:p14="http://schemas.microsoft.com/office/powerpoint/2010/main" w="9525">
+                <a14:hiddenLine xmlns:p14="http://schemas.microsoft.com/office/powerpoint/2010/main" xmlns:a14="http://schemas.microsoft.com/office/drawing/2010/main" xmlns:a16="http://schemas.microsoft.com/office/drawing/2014/main" xmlns="" w="9525">
                   <a:solidFill>
                     <a:srgbClr val="000000"/>
                   </a:solidFill>
@@ -26354,7 +26426,7 @@
             </a:ln>
             <a:extLst>
               <a:ext uri="{91240B29-F687-4f45-9708-019B960494DF}">
-                <a14:hiddenLine xmlns="" xmlns:a16="http://schemas.microsoft.com/office/drawing/2014/main" xmlns:a14="http://schemas.microsoft.com/office/drawing/2010/main" xmlns:p14="http://schemas.microsoft.com/office/powerpoint/2010/main" w="9525">
+                <a14:hiddenLine xmlns:p14="http://schemas.microsoft.com/office/powerpoint/2010/main" xmlns:a14="http://schemas.microsoft.com/office/drawing/2010/main" xmlns:a16="http://schemas.microsoft.com/office/drawing/2014/main" xmlns="" w="9525">
                   <a:solidFill>
                     <a:srgbClr val="000000"/>
                   </a:solidFill>
@@ -26466,7 +26538,7 @@
             </a:ln>
             <a:extLst>
               <a:ext uri="{91240B29-F687-4f45-9708-019B960494DF}">
-                <a14:hiddenLine xmlns="" xmlns:a16="http://schemas.microsoft.com/office/drawing/2014/main" xmlns:a14="http://schemas.microsoft.com/office/drawing/2010/main" xmlns:p14="http://schemas.microsoft.com/office/powerpoint/2010/main" w="9525">
+                <a14:hiddenLine xmlns:p14="http://schemas.microsoft.com/office/powerpoint/2010/main" xmlns:a14="http://schemas.microsoft.com/office/drawing/2010/main" xmlns:a16="http://schemas.microsoft.com/office/drawing/2014/main" xmlns="" w="9525">
                   <a:solidFill>
                     <a:srgbClr val="000000"/>
                   </a:solidFill>
@@ -26522,7 +26594,7 @@
             </a:ln>
             <a:extLst>
               <a:ext uri="{91240B29-F687-4f45-9708-019B960494DF}">
-                <a14:hiddenLine xmlns="" xmlns:a16="http://schemas.microsoft.com/office/drawing/2014/main" xmlns:a14="http://schemas.microsoft.com/office/drawing/2010/main" xmlns:p14="http://schemas.microsoft.com/office/powerpoint/2010/main" w="9525">
+                <a14:hiddenLine xmlns:p14="http://schemas.microsoft.com/office/powerpoint/2010/main" xmlns:a14="http://schemas.microsoft.com/office/drawing/2010/main" xmlns:a16="http://schemas.microsoft.com/office/drawing/2014/main" xmlns="" w="9525">
                   <a:solidFill>
                     <a:srgbClr val="000000"/>
                   </a:solidFill>
@@ -26609,7 +26681,7 @@
             </a:ln>
             <a:extLst>
               <a:ext uri="{91240B29-F687-4f45-9708-019B960494DF}">
-                <a14:hiddenLine xmlns="" xmlns:a16="http://schemas.microsoft.com/office/drawing/2014/main" xmlns:a14="http://schemas.microsoft.com/office/drawing/2010/main" xmlns:p14="http://schemas.microsoft.com/office/powerpoint/2010/main" w="9525">
+                <a14:hiddenLine xmlns:p14="http://schemas.microsoft.com/office/powerpoint/2010/main" xmlns:a14="http://schemas.microsoft.com/office/drawing/2010/main" xmlns:a16="http://schemas.microsoft.com/office/drawing/2014/main" xmlns="" w="9525">
                   <a:solidFill>
                     <a:srgbClr val="000000"/>
                   </a:solidFill>
@@ -26721,7 +26793,7 @@
             </a:ln>
             <a:extLst>
               <a:ext uri="{91240B29-F687-4f45-9708-019B960494DF}">
-                <a14:hiddenLine xmlns="" xmlns:a16="http://schemas.microsoft.com/office/drawing/2014/main" xmlns:a14="http://schemas.microsoft.com/office/drawing/2010/main" xmlns:p14="http://schemas.microsoft.com/office/powerpoint/2010/main" w="9525">
+                <a14:hiddenLine xmlns:p14="http://schemas.microsoft.com/office/powerpoint/2010/main" xmlns:a14="http://schemas.microsoft.com/office/drawing/2010/main" xmlns:a16="http://schemas.microsoft.com/office/drawing/2014/main" xmlns="" w="9525">
                   <a:solidFill>
                     <a:srgbClr val="000000"/>
                   </a:solidFill>
@@ -26805,7 +26877,7 @@
             </a:ln>
             <a:extLst>
               <a:ext uri="{91240B29-F687-4f45-9708-019B960494DF}">
-                <a14:hiddenLine xmlns="" xmlns:a16="http://schemas.microsoft.com/office/drawing/2014/main" xmlns:a14="http://schemas.microsoft.com/office/drawing/2010/main" xmlns:p14="http://schemas.microsoft.com/office/powerpoint/2010/main" w="9525">
+                <a14:hiddenLine xmlns:p14="http://schemas.microsoft.com/office/powerpoint/2010/main" xmlns:a14="http://schemas.microsoft.com/office/drawing/2010/main" xmlns:a16="http://schemas.microsoft.com/office/drawing/2014/main" xmlns="" w="9525">
                   <a:solidFill>
                     <a:srgbClr val="000000"/>
                   </a:solidFill>
@@ -26917,7 +26989,7 @@
             </a:ln>
             <a:extLst>
               <a:ext uri="{91240B29-F687-4f45-9708-019B960494DF}">
-                <a14:hiddenLine xmlns="" xmlns:a16="http://schemas.microsoft.com/office/drawing/2014/main" xmlns:a14="http://schemas.microsoft.com/office/drawing/2010/main" xmlns:p14="http://schemas.microsoft.com/office/powerpoint/2010/main" w="9525">
+                <a14:hiddenLine xmlns:p14="http://schemas.microsoft.com/office/powerpoint/2010/main" xmlns:a14="http://schemas.microsoft.com/office/drawing/2010/main" xmlns:a16="http://schemas.microsoft.com/office/drawing/2014/main" xmlns="" w="9525">
                   <a:solidFill>
                     <a:srgbClr val="000000"/>
                   </a:solidFill>
@@ -27029,7 +27101,7 @@
             </a:ln>
             <a:extLst>
               <a:ext uri="{91240B29-F687-4f45-9708-019B960494DF}">
-                <a14:hiddenLine xmlns="" xmlns:a16="http://schemas.microsoft.com/office/drawing/2014/main" xmlns:a14="http://schemas.microsoft.com/office/drawing/2010/main" xmlns:p14="http://schemas.microsoft.com/office/powerpoint/2010/main" w="9525">
+                <a14:hiddenLine xmlns:p14="http://schemas.microsoft.com/office/powerpoint/2010/main" xmlns:a14="http://schemas.microsoft.com/office/drawing/2010/main" xmlns:a16="http://schemas.microsoft.com/office/drawing/2014/main" xmlns="" w="9525">
                   <a:solidFill>
                     <a:srgbClr val="000000"/>
                   </a:solidFill>
@@ -27116,7 +27188,7 @@
             </a:ln>
             <a:extLst>
               <a:ext uri="{91240B29-F687-4f45-9708-019B960494DF}">
-                <a14:hiddenLine xmlns="" xmlns:a16="http://schemas.microsoft.com/office/drawing/2014/main" xmlns:a14="http://schemas.microsoft.com/office/drawing/2010/main" xmlns:p14="http://schemas.microsoft.com/office/powerpoint/2010/main" w="9525">
+                <a14:hiddenLine xmlns:p14="http://schemas.microsoft.com/office/powerpoint/2010/main" xmlns:a14="http://schemas.microsoft.com/office/drawing/2010/main" xmlns:a16="http://schemas.microsoft.com/office/drawing/2014/main" xmlns="" w="9525">
                   <a:solidFill>
                     <a:srgbClr val="000000"/>
                   </a:solidFill>
@@ -27200,7 +27272,7 @@
             </a:ln>
             <a:extLst>
               <a:ext uri="{91240B29-F687-4f45-9708-019B960494DF}">
-                <a14:hiddenLine xmlns="" xmlns:a16="http://schemas.microsoft.com/office/drawing/2014/main" xmlns:a14="http://schemas.microsoft.com/office/drawing/2010/main" xmlns:p14="http://schemas.microsoft.com/office/powerpoint/2010/main" w="9525">
+                <a14:hiddenLine xmlns:p14="http://schemas.microsoft.com/office/powerpoint/2010/main" xmlns:a14="http://schemas.microsoft.com/office/drawing/2010/main" xmlns:a16="http://schemas.microsoft.com/office/drawing/2014/main" xmlns="" w="9525">
                   <a:solidFill>
                     <a:srgbClr val="000000"/>
                   </a:solidFill>
@@ -27312,7 +27384,7 @@
             </a:ln>
             <a:extLst>
               <a:ext uri="{91240B29-F687-4f45-9708-019B960494DF}">
-                <a14:hiddenLine xmlns="" xmlns:a16="http://schemas.microsoft.com/office/drawing/2014/main" xmlns:a14="http://schemas.microsoft.com/office/drawing/2010/main" xmlns:p14="http://schemas.microsoft.com/office/powerpoint/2010/main" w="9525">
+                <a14:hiddenLine xmlns:p14="http://schemas.microsoft.com/office/powerpoint/2010/main" xmlns:a14="http://schemas.microsoft.com/office/drawing/2010/main" xmlns:a16="http://schemas.microsoft.com/office/drawing/2014/main" xmlns="" w="9525">
                   <a:solidFill>
                     <a:srgbClr val="000000"/>
                   </a:solidFill>
@@ -27424,7 +27496,7 @@
             </a:ln>
             <a:extLst>
               <a:ext uri="{91240B29-F687-4f45-9708-019B960494DF}">
-                <a14:hiddenLine xmlns="" xmlns:a16="http://schemas.microsoft.com/office/drawing/2014/main" xmlns:a14="http://schemas.microsoft.com/office/drawing/2010/main" xmlns:p14="http://schemas.microsoft.com/office/powerpoint/2010/main" w="9525">
+                <a14:hiddenLine xmlns:p14="http://schemas.microsoft.com/office/powerpoint/2010/main" xmlns:a14="http://schemas.microsoft.com/office/drawing/2010/main" xmlns:a16="http://schemas.microsoft.com/office/drawing/2014/main" xmlns="" w="9525">
                   <a:solidFill>
                     <a:srgbClr val="000000"/>
                   </a:solidFill>
@@ -27508,7 +27580,7 @@
             </a:ln>
             <a:extLst>
               <a:ext uri="{91240B29-F687-4f45-9708-019B960494DF}">
-                <a14:hiddenLine xmlns="" xmlns:a16="http://schemas.microsoft.com/office/drawing/2014/main" xmlns:a14="http://schemas.microsoft.com/office/drawing/2010/main" xmlns:p14="http://schemas.microsoft.com/office/powerpoint/2010/main" w="9525">
+                <a14:hiddenLine xmlns:p14="http://schemas.microsoft.com/office/powerpoint/2010/main" xmlns:a14="http://schemas.microsoft.com/office/drawing/2010/main" xmlns:a16="http://schemas.microsoft.com/office/drawing/2014/main" xmlns="" w="9525">
                   <a:solidFill>
                     <a:srgbClr val="000000"/>
                   </a:solidFill>
@@ -27650,7 +27722,7 @@
             </a:ln>
             <a:extLst>
               <a:ext uri="{91240B29-F687-4f45-9708-019B960494DF}">
-                <a14:hiddenLine xmlns="" xmlns:a16="http://schemas.microsoft.com/office/drawing/2014/main" xmlns:a14="http://schemas.microsoft.com/office/drawing/2010/main" xmlns:p14="http://schemas.microsoft.com/office/powerpoint/2010/main" w="9525">
+                <a14:hiddenLine xmlns:p14="http://schemas.microsoft.com/office/powerpoint/2010/main" xmlns:a14="http://schemas.microsoft.com/office/drawing/2010/main" xmlns:a16="http://schemas.microsoft.com/office/drawing/2014/main" xmlns="" w="9525">
                   <a:solidFill>
                     <a:srgbClr val="000000"/>
                   </a:solidFill>
@@ -27740,7 +27812,7 @@
             </a:ln>
             <a:extLst>
               <a:ext uri="{91240B29-F687-4f45-9708-019B960494DF}">
-                <a14:hiddenLine xmlns="" xmlns:a16="http://schemas.microsoft.com/office/drawing/2014/main" xmlns:a14="http://schemas.microsoft.com/office/drawing/2010/main" xmlns:p14="http://schemas.microsoft.com/office/powerpoint/2010/main" w="9525">
+                <a14:hiddenLine xmlns:p14="http://schemas.microsoft.com/office/powerpoint/2010/main" xmlns:a14="http://schemas.microsoft.com/office/drawing/2010/main" xmlns:a16="http://schemas.microsoft.com/office/drawing/2014/main" xmlns="" w="9525">
                   <a:solidFill>
                     <a:srgbClr val="000000"/>
                   </a:solidFill>
@@ -27852,7 +27924,7 @@
             </a:ln>
             <a:extLst>
               <a:ext uri="{91240B29-F687-4f45-9708-019B960494DF}">
-                <a14:hiddenLine xmlns="" xmlns:a16="http://schemas.microsoft.com/office/drawing/2014/main" xmlns:a14="http://schemas.microsoft.com/office/drawing/2010/main" xmlns:p14="http://schemas.microsoft.com/office/powerpoint/2010/main" w="9525">
+                <a14:hiddenLine xmlns:p14="http://schemas.microsoft.com/office/powerpoint/2010/main" xmlns:a14="http://schemas.microsoft.com/office/drawing/2010/main" xmlns:a16="http://schemas.microsoft.com/office/drawing/2014/main" xmlns="" w="9525">
                   <a:solidFill>
                     <a:srgbClr val="000000"/>
                   </a:solidFill>
@@ -27989,7 +28061,7 @@
             </a:ln>
             <a:extLst>
               <a:ext uri="{91240B29-F687-4f45-9708-019B960494DF}">
-                <a14:hiddenLine xmlns="" xmlns:a16="http://schemas.microsoft.com/office/drawing/2014/main" xmlns:a14="http://schemas.microsoft.com/office/drawing/2010/main" xmlns:p14="http://schemas.microsoft.com/office/powerpoint/2010/main" w="9525">
+                <a14:hiddenLine xmlns:p14="http://schemas.microsoft.com/office/powerpoint/2010/main" xmlns:a14="http://schemas.microsoft.com/office/drawing/2010/main" xmlns:a16="http://schemas.microsoft.com/office/drawing/2014/main" xmlns="" w="9525">
                   <a:solidFill>
                     <a:srgbClr val="000000"/>
                   </a:solidFill>
@@ -28126,7 +28198,7 @@
             </a:ln>
             <a:extLst>
               <a:ext uri="{91240B29-F687-4f45-9708-019B960494DF}">
-                <a14:hiddenLine xmlns="" xmlns:a16="http://schemas.microsoft.com/office/drawing/2014/main" xmlns:a14="http://schemas.microsoft.com/office/drawing/2010/main" xmlns:p14="http://schemas.microsoft.com/office/powerpoint/2010/main" w="9525">
+                <a14:hiddenLine xmlns:p14="http://schemas.microsoft.com/office/powerpoint/2010/main" xmlns:a14="http://schemas.microsoft.com/office/drawing/2010/main" xmlns:a16="http://schemas.microsoft.com/office/drawing/2014/main" xmlns="" w="9525">
                   <a:solidFill>
                     <a:srgbClr val="000000"/>
                   </a:solidFill>
@@ -28238,7 +28310,7 @@
             </a:ln>
             <a:extLst>
               <a:ext uri="{91240B29-F687-4f45-9708-019B960494DF}">
-                <a14:hiddenLine xmlns="" xmlns:a16="http://schemas.microsoft.com/office/drawing/2014/main" xmlns:a14="http://schemas.microsoft.com/office/drawing/2010/main" xmlns:p14="http://schemas.microsoft.com/office/powerpoint/2010/main" w="9525">
+                <a14:hiddenLine xmlns:p14="http://schemas.microsoft.com/office/powerpoint/2010/main" xmlns:a14="http://schemas.microsoft.com/office/drawing/2010/main" xmlns:a16="http://schemas.microsoft.com/office/drawing/2014/main" xmlns="" w="9525">
                   <a:solidFill>
                     <a:srgbClr val="000000"/>
                   </a:solidFill>
@@ -28325,7 +28397,7 @@
             </a:ln>
             <a:extLst>
               <a:ext uri="{91240B29-F687-4f45-9708-019B960494DF}">
-                <a14:hiddenLine xmlns="" xmlns:a16="http://schemas.microsoft.com/office/drawing/2014/main" xmlns:a14="http://schemas.microsoft.com/office/drawing/2010/main" xmlns:p14="http://schemas.microsoft.com/office/powerpoint/2010/main" w="9525">
+                <a14:hiddenLine xmlns:p14="http://schemas.microsoft.com/office/powerpoint/2010/main" xmlns:a14="http://schemas.microsoft.com/office/drawing/2010/main" xmlns:a16="http://schemas.microsoft.com/office/drawing/2014/main" xmlns="" w="9525">
                   <a:solidFill>
                     <a:srgbClr val="000000"/>
                   </a:solidFill>
@@ -28437,7 +28509,7 @@
             </a:ln>
             <a:extLst>
               <a:ext uri="{91240B29-F687-4f45-9708-019B960494DF}">
-                <a14:hiddenLine xmlns="" xmlns:a16="http://schemas.microsoft.com/office/drawing/2014/main" xmlns:a14="http://schemas.microsoft.com/office/drawing/2010/main" xmlns:p14="http://schemas.microsoft.com/office/powerpoint/2010/main" w="9525">
+                <a14:hiddenLine xmlns:p14="http://schemas.microsoft.com/office/powerpoint/2010/main" xmlns:a14="http://schemas.microsoft.com/office/drawing/2010/main" xmlns:a16="http://schemas.microsoft.com/office/drawing/2014/main" xmlns="" w="9525">
                   <a:solidFill>
                     <a:srgbClr val="000000"/>
                   </a:solidFill>
@@ -28527,7 +28599,7 @@
             </a:ln>
             <a:extLst>
               <a:ext uri="{91240B29-F687-4f45-9708-019B960494DF}">
-                <a14:hiddenLine xmlns="" xmlns:a16="http://schemas.microsoft.com/office/drawing/2014/main" xmlns:a14="http://schemas.microsoft.com/office/drawing/2010/main" xmlns:p14="http://schemas.microsoft.com/office/powerpoint/2010/main" w="9525">
+                <a14:hiddenLine xmlns:p14="http://schemas.microsoft.com/office/powerpoint/2010/main" xmlns:a14="http://schemas.microsoft.com/office/drawing/2010/main" xmlns:a16="http://schemas.microsoft.com/office/drawing/2014/main" xmlns="" w="9525">
                   <a:solidFill>
                     <a:srgbClr val="000000"/>
                   </a:solidFill>
@@ -28639,7 +28711,7 @@
             </a:ln>
             <a:extLst>
               <a:ext uri="{91240B29-F687-4f45-9708-019B960494DF}">
-                <a14:hiddenLine xmlns="" xmlns:a16="http://schemas.microsoft.com/office/drawing/2014/main" xmlns:a14="http://schemas.microsoft.com/office/drawing/2010/main" xmlns:p14="http://schemas.microsoft.com/office/powerpoint/2010/main" w="9525">
+                <a14:hiddenLine xmlns:p14="http://schemas.microsoft.com/office/powerpoint/2010/main" xmlns:a14="http://schemas.microsoft.com/office/drawing/2010/main" xmlns:a16="http://schemas.microsoft.com/office/drawing/2014/main" xmlns="" w="9525">
                   <a:solidFill>
                     <a:srgbClr val="000000"/>
                   </a:solidFill>
@@ -28729,7 +28801,7 @@
             </a:ln>
             <a:extLst>
               <a:ext uri="{91240B29-F687-4f45-9708-019B960494DF}">
-                <a14:hiddenLine xmlns="" xmlns:a16="http://schemas.microsoft.com/office/drawing/2014/main" xmlns:a14="http://schemas.microsoft.com/office/drawing/2010/main" xmlns:p14="http://schemas.microsoft.com/office/powerpoint/2010/main" w="9525">
+                <a14:hiddenLine xmlns:p14="http://schemas.microsoft.com/office/powerpoint/2010/main" xmlns:a14="http://schemas.microsoft.com/office/drawing/2010/main" xmlns:a16="http://schemas.microsoft.com/office/drawing/2014/main" xmlns="" w="9525">
                   <a:solidFill>
                     <a:srgbClr val="000000"/>
                   </a:solidFill>
@@ -28841,7 +28913,7 @@
             </a:ln>
             <a:extLst>
               <a:ext uri="{91240B29-F687-4f45-9708-019B960494DF}">
-                <a14:hiddenLine xmlns="" xmlns:a16="http://schemas.microsoft.com/office/drawing/2014/main" xmlns:a14="http://schemas.microsoft.com/office/drawing/2010/main" xmlns:p14="http://schemas.microsoft.com/office/powerpoint/2010/main" w="9525">
+                <a14:hiddenLine xmlns:p14="http://schemas.microsoft.com/office/powerpoint/2010/main" xmlns:a14="http://schemas.microsoft.com/office/drawing/2010/main" xmlns:a16="http://schemas.microsoft.com/office/drawing/2014/main" xmlns="" w="9525">
                   <a:solidFill>
                     <a:srgbClr val="000000"/>
                   </a:solidFill>
@@ -28897,7 +28969,7 @@
             </a:ln>
             <a:extLst>
               <a:ext uri="{91240B29-F687-4f45-9708-019B960494DF}">
-                <a14:hiddenLine xmlns="" xmlns:a16="http://schemas.microsoft.com/office/drawing/2014/main" xmlns:a14="http://schemas.microsoft.com/office/drawing/2010/main" xmlns:p14="http://schemas.microsoft.com/office/powerpoint/2010/main" w="9525">
+                <a14:hiddenLine xmlns:p14="http://schemas.microsoft.com/office/powerpoint/2010/main" xmlns:a14="http://schemas.microsoft.com/office/drawing/2010/main" xmlns:a16="http://schemas.microsoft.com/office/drawing/2014/main" xmlns="" w="9525">
                   <a:solidFill>
                     <a:srgbClr val="000000"/>
                   </a:solidFill>
@@ -28917,6 +28989,258 @@
           </p:txBody>
         </p:sp>
       </p:grpSp>
+      <p:pic>
+        <p:nvPicPr>
+          <p:cNvPr id="6" name="Picture 5">
+            <a:extLst>
+              <a:ext uri="{FF2B5EF4-FFF2-40B4-BE49-F238E27FC236}">
+                <a16:creationId xmlns:a16="http://schemas.microsoft.com/office/drawing/2014/main" id="{905498D8-D4F9-60D4-E3F2-0D987926189D}"/>
+              </a:ext>
+            </a:extLst>
+          </p:cNvPr>
+          <p:cNvPicPr>
+            <a:picLocks noChangeAspect="1"/>
+          </p:cNvPicPr>
+          <p:nvPr/>
+        </p:nvPicPr>
+        <p:blipFill>
+          <a:blip r:embed="rId5"/>
+          <a:stretch>
+            <a:fillRect/>
+          </a:stretch>
+        </p:blipFill>
+        <p:spPr>
+          <a:xfrm>
+            <a:off x="4728836" y="1933751"/>
+            <a:ext cx="1782438" cy="2230262"/>
+          </a:xfrm>
+          <a:prstGeom prst="rect">
+            <a:avLst/>
+          </a:prstGeom>
+        </p:spPr>
+      </p:pic>
+      <p:sp>
+        <p:nvSpPr>
+          <p:cNvPr id="7" name="TextBox 6">
+            <a:extLst>
+              <a:ext uri="{FF2B5EF4-FFF2-40B4-BE49-F238E27FC236}">
+                <a16:creationId xmlns:a16="http://schemas.microsoft.com/office/drawing/2014/main" id="{4D620F47-0C83-7236-CD27-8608D569A9F1}"/>
+              </a:ext>
+            </a:extLst>
+          </p:cNvPr>
+          <p:cNvSpPr txBox="1"/>
+          <p:nvPr/>
+        </p:nvSpPr>
+        <p:spPr>
+          <a:xfrm>
+            <a:off x="4906211" y="1507926"/>
+            <a:ext cx="1275669" cy="369332"/>
+          </a:xfrm>
+          <a:prstGeom prst="rect">
+            <a:avLst/>
+          </a:prstGeom>
+          <a:noFill/>
+        </p:spPr>
+        <p:txBody>
+          <a:bodyPr wrap="square" rtlCol="0">
+            <a:spAutoFit/>
+          </a:bodyPr>
+          <a:lstStyle/>
+          <a:p>
+            <a:r>
+              <a:rPr lang="en-US" b="1" dirty="0">
+                <a:solidFill>
+                  <a:schemeClr val="bg1"/>
+                </a:solidFill>
+              </a:rPr>
+              <a:t>Train</a:t>
+            </a:r>
+            <a:endParaRPr lang="en-GB" b="1" dirty="0">
+              <a:solidFill>
+                <a:schemeClr val="bg1"/>
+              </a:solidFill>
+            </a:endParaRPr>
+          </a:p>
+        </p:txBody>
+      </p:sp>
+      <p:pic>
+        <p:nvPicPr>
+          <p:cNvPr id="10" name="Picture 9">
+            <a:extLst>
+              <a:ext uri="{FF2B5EF4-FFF2-40B4-BE49-F238E27FC236}">
+                <a16:creationId xmlns:a16="http://schemas.microsoft.com/office/drawing/2014/main" id="{BA0BF935-AD0F-6843-7B5A-6352BF0F4009}"/>
+              </a:ext>
+            </a:extLst>
+          </p:cNvPr>
+          <p:cNvPicPr>
+            <a:picLocks noChangeAspect="1"/>
+          </p:cNvPicPr>
+          <p:nvPr/>
+        </p:nvPicPr>
+        <p:blipFill>
+          <a:blip r:embed="rId6"/>
+          <a:stretch>
+            <a:fillRect/>
+          </a:stretch>
+        </p:blipFill>
+        <p:spPr>
+          <a:xfrm>
+            <a:off x="6610266" y="2074737"/>
+            <a:ext cx="1900396" cy="1917826"/>
+          </a:xfrm>
+          <a:prstGeom prst="rect">
+            <a:avLst/>
+          </a:prstGeom>
+        </p:spPr>
+      </p:pic>
+      <p:sp>
+        <p:nvSpPr>
+          <p:cNvPr id="66" name="TextBox 65">
+            <a:extLst>
+              <a:ext uri="{FF2B5EF4-FFF2-40B4-BE49-F238E27FC236}">
+                <a16:creationId xmlns:a16="http://schemas.microsoft.com/office/drawing/2014/main" id="{ADBE674A-D1A6-C477-22D8-41932DB04BC1}"/>
+              </a:ext>
+            </a:extLst>
+          </p:cNvPr>
+          <p:cNvSpPr txBox="1"/>
+          <p:nvPr/>
+        </p:nvSpPr>
+        <p:spPr>
+          <a:xfrm>
+            <a:off x="6832657" y="1674297"/>
+            <a:ext cx="1157531" cy="369332"/>
+          </a:xfrm>
+          <a:prstGeom prst="rect">
+            <a:avLst/>
+          </a:prstGeom>
+          <a:noFill/>
+        </p:spPr>
+        <p:txBody>
+          <a:bodyPr wrap="square" rtlCol="0">
+            <a:spAutoFit/>
+          </a:bodyPr>
+          <a:lstStyle/>
+          <a:p>
+            <a:r>
+              <a:rPr lang="en-US" b="1" dirty="0">
+                <a:solidFill>
+                  <a:schemeClr val="bg1"/>
+                </a:solidFill>
+              </a:rPr>
+              <a:t>Test</a:t>
+            </a:r>
+            <a:endParaRPr lang="en-GB" b="1" dirty="0">
+              <a:solidFill>
+                <a:schemeClr val="bg1"/>
+              </a:solidFill>
+            </a:endParaRPr>
+          </a:p>
+        </p:txBody>
+      </p:sp>
+      <p:pic>
+        <p:nvPicPr>
+          <p:cNvPr id="126" name="Picture 125">
+            <a:extLst>
+              <a:ext uri="{FF2B5EF4-FFF2-40B4-BE49-F238E27FC236}">
+                <a16:creationId xmlns:a16="http://schemas.microsoft.com/office/drawing/2014/main" id="{1D5E74D7-2C05-B173-833F-761CE0383554}"/>
+              </a:ext>
+            </a:extLst>
+          </p:cNvPr>
+          <p:cNvPicPr>
+            <a:picLocks noChangeAspect="1"/>
+          </p:cNvPicPr>
+          <p:nvPr/>
+        </p:nvPicPr>
+        <p:blipFill>
+          <a:blip r:embed="rId7"/>
+          <a:stretch>
+            <a:fillRect/>
+          </a:stretch>
+        </p:blipFill>
+        <p:spPr>
+          <a:xfrm>
+            <a:off x="4820486" y="4783861"/>
+            <a:ext cx="5151566" cy="1905165"/>
+          </a:xfrm>
+          <a:prstGeom prst="rect">
+            <a:avLst/>
+          </a:prstGeom>
+        </p:spPr>
+      </p:pic>
+      <p:sp>
+        <p:nvSpPr>
+          <p:cNvPr id="138" name="TextBox 137">
+            <a:extLst>
+              <a:ext uri="{FF2B5EF4-FFF2-40B4-BE49-F238E27FC236}">
+                <a16:creationId xmlns:a16="http://schemas.microsoft.com/office/drawing/2014/main" id="{1A58C023-5D72-2FAF-BA36-6032796DA014}"/>
+              </a:ext>
+            </a:extLst>
+          </p:cNvPr>
+          <p:cNvSpPr txBox="1"/>
+          <p:nvPr/>
+        </p:nvSpPr>
+        <p:spPr>
+          <a:xfrm>
+            <a:off x="5263763" y="4392097"/>
+            <a:ext cx="3967701" cy="369332"/>
+          </a:xfrm>
+          <a:prstGeom prst="rect">
+            <a:avLst/>
+          </a:prstGeom>
+          <a:noFill/>
+        </p:spPr>
+        <p:txBody>
+          <a:bodyPr wrap="square" rtlCol="0">
+            <a:spAutoFit/>
+          </a:bodyPr>
+          <a:lstStyle/>
+          <a:p>
+            <a:r>
+              <a:rPr lang="en-US" b="1" dirty="0">
+                <a:solidFill>
+                  <a:schemeClr val="bg1"/>
+                </a:solidFill>
+              </a:rPr>
+              <a:t>Classification Report</a:t>
+            </a:r>
+            <a:endParaRPr lang="en-GB" b="1" dirty="0">
+              <a:solidFill>
+                <a:schemeClr val="bg1"/>
+              </a:solidFill>
+            </a:endParaRPr>
+          </a:p>
+        </p:txBody>
+      </p:sp>
+      <p:pic>
+        <p:nvPicPr>
+          <p:cNvPr id="143" name="Picture 142">
+            <a:extLst>
+              <a:ext uri="{FF2B5EF4-FFF2-40B4-BE49-F238E27FC236}">
+                <a16:creationId xmlns:a16="http://schemas.microsoft.com/office/drawing/2014/main" id="{097750FE-74F6-2E6C-6FFF-D1271E3242D5}"/>
+              </a:ext>
+            </a:extLst>
+          </p:cNvPr>
+          <p:cNvPicPr>
+            <a:picLocks noChangeAspect="1"/>
+          </p:cNvPicPr>
+          <p:nvPr/>
+        </p:nvPicPr>
+        <p:blipFill>
+          <a:blip r:embed="rId8"/>
+          <a:stretch>
+            <a:fillRect/>
+          </a:stretch>
+        </p:blipFill>
+        <p:spPr>
+          <a:xfrm>
+            <a:off x="8750553" y="2300543"/>
+            <a:ext cx="3265234" cy="2148585"/>
+          </a:xfrm>
+          <a:prstGeom prst="rect">
+            <a:avLst/>
+          </a:prstGeom>
+        </p:spPr>
+      </p:pic>
     </p:spTree>
     <p:extLst>
       <p:ext uri="{BB962C8B-B14F-4D97-AF65-F5344CB8AC3E}">
@@ -29262,8 +29586,8 @@
           </a:prstGeom>
         </p:spPr>
       </p:pic>
-      <mc:AlternateContent xmlns:mc="http://schemas.openxmlformats.org/markup-compatibility/2006">
-        <mc:Choice xmlns:p14="http://schemas.microsoft.com/office/powerpoint/2010/main" Requires="p14">
+      <mc:AlternateContent xmlns:mc="http://schemas.openxmlformats.org/markup-compatibility/2006" xmlns:p14="http://schemas.microsoft.com/office/powerpoint/2010/main">
+        <mc:Choice Requires="p14">
           <p:contentPart p14:bwMode="auto" r:id="rId3">
             <p14:nvContentPartPr>
               <p14:cNvPr id="6" name="Ink 5">
@@ -29282,7 +29606,7 @@
             </p14:xfrm>
           </p:contentPart>
         </mc:Choice>
-        <mc:Fallback>
+        <mc:Fallback xmlns="">
           <p:pic>
             <p:nvPicPr>
               <p:cNvPr id="6" name="Ink 5">
@@ -29313,8 +29637,8 @@
           </p:pic>
         </mc:Fallback>
       </mc:AlternateContent>
-      <mc:AlternateContent xmlns:mc="http://schemas.openxmlformats.org/markup-compatibility/2006">
-        <mc:Choice xmlns:p14="http://schemas.microsoft.com/office/powerpoint/2010/main" Requires="p14">
+      <mc:AlternateContent xmlns:mc="http://schemas.openxmlformats.org/markup-compatibility/2006" xmlns:p14="http://schemas.microsoft.com/office/powerpoint/2010/main">
+        <mc:Choice Requires="p14">
           <p:contentPart p14:bwMode="auto" r:id="rId5">
             <p14:nvContentPartPr>
               <p14:cNvPr id="9" name="Ink 8">
@@ -29333,7 +29657,7 @@
             </p14:xfrm>
           </p:contentPart>
         </mc:Choice>
-        <mc:Fallback>
+        <mc:Fallback xmlns="">
           <p:pic>
             <p:nvPicPr>
               <p:cNvPr id="9" name="Ink 8">
@@ -29364,8 +29688,8 @@
           </p:pic>
         </mc:Fallback>
       </mc:AlternateContent>
-      <mc:AlternateContent xmlns:mc="http://schemas.openxmlformats.org/markup-compatibility/2006">
-        <mc:Choice xmlns:p14="http://schemas.microsoft.com/office/powerpoint/2010/main" Requires="p14">
+      <mc:AlternateContent xmlns:mc="http://schemas.openxmlformats.org/markup-compatibility/2006" xmlns:p14="http://schemas.microsoft.com/office/powerpoint/2010/main">
+        <mc:Choice Requires="p14">
           <p:contentPart p14:bwMode="auto" r:id="rId7">
             <p14:nvContentPartPr>
               <p14:cNvPr id="10" name="Ink 9">
@@ -29384,7 +29708,7 @@
             </p14:xfrm>
           </p:contentPart>
         </mc:Choice>
-        <mc:Fallback>
+        <mc:Fallback xmlns="">
           <p:pic>
             <p:nvPicPr>
               <p:cNvPr id="10" name="Ink 9">
@@ -29415,8 +29739,8 @@
           </p:pic>
         </mc:Fallback>
       </mc:AlternateContent>
-      <mc:AlternateContent xmlns:mc="http://schemas.openxmlformats.org/markup-compatibility/2006">
-        <mc:Choice xmlns:p14="http://schemas.microsoft.com/office/powerpoint/2010/main" Requires="p14">
+      <mc:AlternateContent xmlns:mc="http://schemas.openxmlformats.org/markup-compatibility/2006" xmlns:p14="http://schemas.microsoft.com/office/powerpoint/2010/main">
+        <mc:Choice Requires="p14">
           <p:contentPart p14:bwMode="auto" r:id="rId9">
             <p14:nvContentPartPr>
               <p14:cNvPr id="11" name="Ink 10">
@@ -29435,7 +29759,7 @@
             </p14:xfrm>
           </p:contentPart>
         </mc:Choice>
-        <mc:Fallback>
+        <mc:Fallback xmlns="">
           <p:pic>
             <p:nvPicPr>
               <p:cNvPr id="11" name="Ink 10">
@@ -29587,8 +29911,8 @@
           </a:prstGeom>
         </p:spPr>
       </p:pic>
-      <mc:AlternateContent xmlns:mc="http://schemas.openxmlformats.org/markup-compatibility/2006">
-        <mc:Choice xmlns:p14="http://schemas.microsoft.com/office/powerpoint/2010/main" Requires="p14">
+      <mc:AlternateContent xmlns:mc="http://schemas.openxmlformats.org/markup-compatibility/2006" xmlns:p14="http://schemas.microsoft.com/office/powerpoint/2010/main">
+        <mc:Choice Requires="p14">
           <p:contentPart p14:bwMode="auto" r:id="rId3">
             <p14:nvContentPartPr>
               <p14:cNvPr id="8" name="Ink 7">
@@ -29607,7 +29931,7 @@
             </p14:xfrm>
           </p:contentPart>
         </mc:Choice>
-        <mc:Fallback>
+        <mc:Fallback xmlns="">
           <p:pic>
             <p:nvPicPr>
               <p:cNvPr id="8" name="Ink 7">
@@ -29638,8 +29962,8 @@
           </p:pic>
         </mc:Fallback>
       </mc:AlternateContent>
-      <mc:AlternateContent xmlns:mc="http://schemas.openxmlformats.org/markup-compatibility/2006">
-        <mc:Choice xmlns:p14="http://schemas.microsoft.com/office/powerpoint/2010/main" Requires="p14">
+      <mc:AlternateContent xmlns:mc="http://schemas.openxmlformats.org/markup-compatibility/2006" xmlns:p14="http://schemas.microsoft.com/office/powerpoint/2010/main">
+        <mc:Choice Requires="p14">
           <p:contentPart p14:bwMode="auto" r:id="rId5">
             <p14:nvContentPartPr>
               <p14:cNvPr id="9" name="Ink 8">
@@ -29658,7 +29982,7 @@
             </p14:xfrm>
           </p:contentPart>
         </mc:Choice>
-        <mc:Fallback>
+        <mc:Fallback xmlns="">
           <p:pic>
             <p:nvPicPr>
               <p:cNvPr id="9" name="Ink 8">
@@ -29689,8 +30013,8 @@
           </p:pic>
         </mc:Fallback>
       </mc:AlternateContent>
-      <mc:AlternateContent xmlns:mc="http://schemas.openxmlformats.org/markup-compatibility/2006">
-        <mc:Choice xmlns:p14="http://schemas.microsoft.com/office/powerpoint/2010/main" Requires="p14">
+      <mc:AlternateContent xmlns:mc="http://schemas.openxmlformats.org/markup-compatibility/2006" xmlns:p14="http://schemas.microsoft.com/office/powerpoint/2010/main">
+        <mc:Choice Requires="p14">
           <p:contentPart p14:bwMode="auto" r:id="rId7">
             <p14:nvContentPartPr>
               <p14:cNvPr id="10" name="Ink 9">
@@ -29709,7 +30033,7 @@
             </p14:xfrm>
           </p:contentPart>
         </mc:Choice>
-        <mc:Fallback>
+        <mc:Fallback xmlns="">
           <p:pic>
             <p:nvPicPr>
               <p:cNvPr id="10" name="Ink 9">
@@ -29863,8 +30187,8 @@
           </a:prstGeom>
         </p:spPr>
       </p:pic>
-      <mc:AlternateContent xmlns:mc="http://schemas.openxmlformats.org/markup-compatibility/2006">
-        <mc:Choice xmlns:p14="http://schemas.microsoft.com/office/powerpoint/2010/main" Requires="p14">
+      <mc:AlternateContent xmlns:mc="http://schemas.openxmlformats.org/markup-compatibility/2006" xmlns:p14="http://schemas.microsoft.com/office/powerpoint/2010/main">
+        <mc:Choice Requires="p14">
           <p:contentPart p14:bwMode="auto" r:id="rId3">
             <p14:nvContentPartPr>
               <p14:cNvPr id="6" name="Ink 5">
@@ -29883,7 +30207,7 @@
             </p14:xfrm>
           </p:contentPart>
         </mc:Choice>
-        <mc:Fallback>
+        <mc:Fallback xmlns="">
           <p:pic>
             <p:nvPicPr>
               <p:cNvPr id="6" name="Ink 5">
@@ -29914,8 +30238,8 @@
           </p:pic>
         </mc:Fallback>
       </mc:AlternateContent>
-      <mc:AlternateContent xmlns:mc="http://schemas.openxmlformats.org/markup-compatibility/2006">
-        <mc:Choice xmlns:p14="http://schemas.microsoft.com/office/powerpoint/2010/main" Requires="p14">
+      <mc:AlternateContent xmlns:mc="http://schemas.openxmlformats.org/markup-compatibility/2006" xmlns:p14="http://schemas.microsoft.com/office/powerpoint/2010/main">
+        <mc:Choice Requires="p14">
           <p:contentPart p14:bwMode="auto" r:id="rId5">
             <p14:nvContentPartPr>
               <p14:cNvPr id="7" name="Ink 6">
@@ -29934,7 +30258,7 @@
             </p14:xfrm>
           </p:contentPart>
         </mc:Choice>
-        <mc:Fallback>
+        <mc:Fallback xmlns="">
           <p:pic>
             <p:nvPicPr>
               <p:cNvPr id="7" name="Ink 6">
@@ -29965,8 +30289,8 @@
           </p:pic>
         </mc:Fallback>
       </mc:AlternateContent>
-      <mc:AlternateContent xmlns:mc="http://schemas.openxmlformats.org/markup-compatibility/2006">
-        <mc:Choice xmlns:p14="http://schemas.microsoft.com/office/powerpoint/2010/main" Requires="p14">
+      <mc:AlternateContent xmlns:mc="http://schemas.openxmlformats.org/markup-compatibility/2006" xmlns:p14="http://schemas.microsoft.com/office/powerpoint/2010/main">
+        <mc:Choice Requires="p14">
           <p:contentPart p14:bwMode="auto" r:id="rId7">
             <p14:nvContentPartPr>
               <p14:cNvPr id="8" name="Ink 7">
@@ -29985,7 +30309,7 @@
             </p14:xfrm>
           </p:contentPart>
         </mc:Choice>
-        <mc:Fallback>
+        <mc:Fallback xmlns="">
           <p:pic>
             <p:nvPicPr>
               <p:cNvPr id="8" name="Ink 7">
@@ -30226,7 +30550,7 @@
               </a:ln>
               <a:extLst>
                 <a:ext uri="{91240B29-F687-4f45-9708-019B960494DF}">
-                  <a14:hiddenLine xmlns="" xmlns:a16="http://schemas.microsoft.com/office/drawing/2014/main" xmlns:p14="http://schemas.microsoft.com/office/powerpoint/2010/main" xmlns:a14="http://schemas.microsoft.com/office/drawing/2010/main" w="9525">
+                  <a14:hiddenLine xmlns:a14="http://schemas.microsoft.com/office/drawing/2010/main" xmlns:p14="http://schemas.microsoft.com/office/powerpoint/2010/main" xmlns:a16="http://schemas.microsoft.com/office/drawing/2014/main" xmlns="" w="9525">
                     <a:solidFill>
                       <a:srgbClr val="000000"/>
                     </a:solidFill>
@@ -30338,7 +30662,7 @@
               </a:ln>
               <a:extLst>
                 <a:ext uri="{91240B29-F687-4f45-9708-019B960494DF}">
-                  <a14:hiddenLine xmlns="" xmlns:a16="http://schemas.microsoft.com/office/drawing/2014/main" xmlns:p14="http://schemas.microsoft.com/office/powerpoint/2010/main" xmlns:a14="http://schemas.microsoft.com/office/drawing/2010/main" w="9525">
+                  <a14:hiddenLine xmlns:a14="http://schemas.microsoft.com/office/drawing/2010/main" xmlns:p14="http://schemas.microsoft.com/office/powerpoint/2010/main" xmlns:a16="http://schemas.microsoft.com/office/drawing/2014/main" xmlns="" w="9525">
                     <a:solidFill>
                       <a:srgbClr val="000000"/>
                     </a:solidFill>
@@ -30450,7 +30774,7 @@
               </a:ln>
               <a:extLst>
                 <a:ext uri="{91240B29-F687-4f45-9708-019B960494DF}">
-                  <a14:hiddenLine xmlns="" xmlns:a16="http://schemas.microsoft.com/office/drawing/2014/main" xmlns:p14="http://schemas.microsoft.com/office/powerpoint/2010/main" xmlns:a14="http://schemas.microsoft.com/office/drawing/2010/main" w="9525">
+                  <a14:hiddenLine xmlns:a14="http://schemas.microsoft.com/office/drawing/2010/main" xmlns:p14="http://schemas.microsoft.com/office/powerpoint/2010/main" xmlns:a16="http://schemas.microsoft.com/office/drawing/2014/main" xmlns="" w="9525">
                     <a:solidFill>
                       <a:srgbClr val="000000"/>
                     </a:solidFill>
@@ -30534,7 +30858,7 @@
               </a:ln>
               <a:extLst>
                 <a:ext uri="{91240B29-F687-4f45-9708-019B960494DF}">
-                  <a14:hiddenLine xmlns="" xmlns:a16="http://schemas.microsoft.com/office/drawing/2014/main" xmlns:p14="http://schemas.microsoft.com/office/powerpoint/2010/main" xmlns:a14="http://schemas.microsoft.com/office/drawing/2010/main" w="9525">
+                  <a14:hiddenLine xmlns:a14="http://schemas.microsoft.com/office/drawing/2010/main" xmlns:p14="http://schemas.microsoft.com/office/powerpoint/2010/main" xmlns:a16="http://schemas.microsoft.com/office/drawing/2014/main" xmlns="" w="9525">
                     <a:solidFill>
                       <a:srgbClr val="000000"/>
                     </a:solidFill>
@@ -30646,7 +30970,7 @@
               </a:ln>
               <a:extLst>
                 <a:ext uri="{91240B29-F687-4f45-9708-019B960494DF}">
-                  <a14:hiddenLine xmlns="" xmlns:a16="http://schemas.microsoft.com/office/drawing/2014/main" xmlns:p14="http://schemas.microsoft.com/office/powerpoint/2010/main" xmlns:a14="http://schemas.microsoft.com/office/drawing/2010/main" w="9525">
+                  <a14:hiddenLine xmlns:a14="http://schemas.microsoft.com/office/drawing/2010/main" xmlns:p14="http://schemas.microsoft.com/office/powerpoint/2010/main" xmlns:a16="http://schemas.microsoft.com/office/drawing/2014/main" xmlns="" w="9525">
                     <a:solidFill>
                       <a:srgbClr val="000000"/>
                     </a:solidFill>
@@ -30730,7 +31054,7 @@
               </a:ln>
               <a:extLst>
                 <a:ext uri="{91240B29-F687-4f45-9708-019B960494DF}">
-                  <a14:hiddenLine xmlns="" xmlns:a16="http://schemas.microsoft.com/office/drawing/2014/main" xmlns:p14="http://schemas.microsoft.com/office/powerpoint/2010/main" xmlns:a14="http://schemas.microsoft.com/office/drawing/2010/main" w="9525">
+                  <a14:hiddenLine xmlns:a14="http://schemas.microsoft.com/office/drawing/2010/main" xmlns:p14="http://schemas.microsoft.com/office/powerpoint/2010/main" xmlns:a16="http://schemas.microsoft.com/office/drawing/2014/main" xmlns="" w="9525">
                     <a:solidFill>
                       <a:srgbClr val="000000"/>
                     </a:solidFill>
@@ -30814,7 +31138,7 @@
               </a:ln>
               <a:extLst>
                 <a:ext uri="{91240B29-F687-4f45-9708-019B960494DF}">
-                  <a14:hiddenLine xmlns="" xmlns:a16="http://schemas.microsoft.com/office/drawing/2014/main" xmlns:p14="http://schemas.microsoft.com/office/powerpoint/2010/main" xmlns:a14="http://schemas.microsoft.com/office/drawing/2010/main" w="9525">
+                  <a14:hiddenLine xmlns:a14="http://schemas.microsoft.com/office/drawing/2010/main" xmlns:p14="http://schemas.microsoft.com/office/powerpoint/2010/main" xmlns:a16="http://schemas.microsoft.com/office/drawing/2014/main" xmlns="" w="9525">
                     <a:solidFill>
                       <a:srgbClr val="000000"/>
                     </a:solidFill>
@@ -30926,7 +31250,7 @@
               </a:ln>
               <a:extLst>
                 <a:ext uri="{91240B29-F687-4f45-9708-019B960494DF}">
-                  <a14:hiddenLine xmlns="" xmlns:a16="http://schemas.microsoft.com/office/drawing/2014/main" xmlns:p14="http://schemas.microsoft.com/office/powerpoint/2010/main" xmlns:a14="http://schemas.microsoft.com/office/drawing/2010/main" w="9525">
+                  <a14:hiddenLine xmlns:a14="http://schemas.microsoft.com/office/drawing/2010/main" xmlns:p14="http://schemas.microsoft.com/office/powerpoint/2010/main" xmlns:a16="http://schemas.microsoft.com/office/drawing/2014/main" xmlns="" w="9525">
                     <a:solidFill>
                       <a:srgbClr val="000000"/>
                     </a:solidFill>
@@ -31038,7 +31362,7 @@
               </a:ln>
               <a:extLst>
                 <a:ext uri="{91240B29-F687-4f45-9708-019B960494DF}">
-                  <a14:hiddenLine xmlns="" xmlns:a16="http://schemas.microsoft.com/office/drawing/2014/main" xmlns:p14="http://schemas.microsoft.com/office/powerpoint/2010/main" xmlns:a14="http://schemas.microsoft.com/office/drawing/2010/main" w="9525">
+                  <a14:hiddenLine xmlns:a14="http://schemas.microsoft.com/office/drawing/2010/main" xmlns:p14="http://schemas.microsoft.com/office/powerpoint/2010/main" xmlns:a16="http://schemas.microsoft.com/office/drawing/2014/main" xmlns="" w="9525">
                     <a:solidFill>
                       <a:srgbClr val="000000"/>
                     </a:solidFill>
@@ -31122,7 +31446,7 @@
               </a:ln>
               <a:extLst>
                 <a:ext uri="{91240B29-F687-4f45-9708-019B960494DF}">
-                  <a14:hiddenLine xmlns="" xmlns:a16="http://schemas.microsoft.com/office/drawing/2014/main" xmlns:p14="http://schemas.microsoft.com/office/powerpoint/2010/main" xmlns:a14="http://schemas.microsoft.com/office/drawing/2010/main" w="9525">
+                  <a14:hiddenLine xmlns:a14="http://schemas.microsoft.com/office/drawing/2010/main" xmlns:p14="http://schemas.microsoft.com/office/powerpoint/2010/main" xmlns:a16="http://schemas.microsoft.com/office/drawing/2014/main" xmlns="" w="9525">
                     <a:solidFill>
                       <a:srgbClr val="000000"/>
                     </a:solidFill>
@@ -31254,7 +31578,7 @@
               </a:ln>
               <a:extLst>
                 <a:ext uri="{91240B29-F687-4f45-9708-019B960494DF}">
-                  <a14:hiddenLine xmlns="" xmlns:a16="http://schemas.microsoft.com/office/drawing/2014/main" xmlns:p14="http://schemas.microsoft.com/office/powerpoint/2010/main" xmlns:a14="http://schemas.microsoft.com/office/drawing/2010/main" w="9525">
+                  <a14:hiddenLine xmlns:a14="http://schemas.microsoft.com/office/drawing/2010/main" xmlns:p14="http://schemas.microsoft.com/office/powerpoint/2010/main" xmlns:a16="http://schemas.microsoft.com/office/drawing/2014/main" xmlns="" w="9525">
                     <a:solidFill>
                       <a:srgbClr val="000000"/>
                     </a:solidFill>
@@ -31382,7 +31706,7 @@
               </a:ln>
               <a:extLst>
                 <a:ext uri="{91240B29-F687-4f45-9708-019B960494DF}">
-                  <a14:hiddenLine xmlns="" xmlns:a16="http://schemas.microsoft.com/office/drawing/2014/main" xmlns:p14="http://schemas.microsoft.com/office/powerpoint/2010/main" xmlns:a14="http://schemas.microsoft.com/office/drawing/2010/main" w="9525">
+                  <a14:hiddenLine xmlns:a14="http://schemas.microsoft.com/office/drawing/2010/main" xmlns:p14="http://schemas.microsoft.com/office/powerpoint/2010/main" xmlns:a16="http://schemas.microsoft.com/office/drawing/2014/main" xmlns="" w="9525">
                     <a:solidFill>
                       <a:srgbClr val="000000"/>
                     </a:solidFill>
@@ -31466,7 +31790,7 @@
               </a:ln>
               <a:extLst>
                 <a:ext uri="{91240B29-F687-4f45-9708-019B960494DF}">
-                  <a14:hiddenLine xmlns="" xmlns:a16="http://schemas.microsoft.com/office/drawing/2014/main" xmlns:p14="http://schemas.microsoft.com/office/powerpoint/2010/main" xmlns:a14="http://schemas.microsoft.com/office/drawing/2010/main" w="9525">
+                  <a14:hiddenLine xmlns:a14="http://schemas.microsoft.com/office/drawing/2010/main" xmlns:p14="http://schemas.microsoft.com/office/powerpoint/2010/main" xmlns:a16="http://schemas.microsoft.com/office/drawing/2014/main" xmlns="" w="9525">
                     <a:solidFill>
                       <a:srgbClr val="000000"/>
                     </a:solidFill>
@@ -31550,7 +31874,7 @@
               </a:ln>
               <a:extLst>
                 <a:ext uri="{91240B29-F687-4f45-9708-019B960494DF}">
-                  <a14:hiddenLine xmlns="" xmlns:a16="http://schemas.microsoft.com/office/drawing/2014/main" xmlns:p14="http://schemas.microsoft.com/office/powerpoint/2010/main" xmlns:a14="http://schemas.microsoft.com/office/drawing/2010/main" w="9525">
+                  <a14:hiddenLine xmlns:a14="http://schemas.microsoft.com/office/drawing/2010/main" xmlns:p14="http://schemas.microsoft.com/office/powerpoint/2010/main" xmlns:a16="http://schemas.microsoft.com/office/drawing/2014/main" xmlns="" w="9525">
                     <a:solidFill>
                       <a:srgbClr val="000000"/>
                     </a:solidFill>
@@ -31662,7 +31986,7 @@
               </a:ln>
               <a:extLst>
                 <a:ext uri="{91240B29-F687-4f45-9708-019B960494DF}">
-                  <a14:hiddenLine xmlns="" xmlns:a16="http://schemas.microsoft.com/office/drawing/2014/main" xmlns:p14="http://schemas.microsoft.com/office/powerpoint/2010/main" xmlns:a14="http://schemas.microsoft.com/office/drawing/2010/main" w="9525">
+                  <a14:hiddenLine xmlns:a14="http://schemas.microsoft.com/office/drawing/2010/main" xmlns:p14="http://schemas.microsoft.com/office/powerpoint/2010/main" xmlns:a16="http://schemas.microsoft.com/office/drawing/2014/main" xmlns="" w="9525">
                     <a:solidFill>
                       <a:srgbClr val="000000"/>
                     </a:solidFill>
@@ -31718,7 +32042,7 @@
               </a:ln>
               <a:extLst>
                 <a:ext uri="{91240B29-F687-4f45-9708-019B960494DF}">
-                  <a14:hiddenLine xmlns="" xmlns:a16="http://schemas.microsoft.com/office/drawing/2014/main" xmlns:p14="http://schemas.microsoft.com/office/powerpoint/2010/main" xmlns:a14="http://schemas.microsoft.com/office/drawing/2010/main" w="9525">
+                  <a14:hiddenLine xmlns:a14="http://schemas.microsoft.com/office/drawing/2010/main" xmlns:p14="http://schemas.microsoft.com/office/powerpoint/2010/main" xmlns:a16="http://schemas.microsoft.com/office/drawing/2014/main" xmlns="" w="9525">
                     <a:solidFill>
                       <a:srgbClr val="000000"/>
                     </a:solidFill>
@@ -31805,7 +32129,7 @@
               </a:ln>
               <a:extLst>
                 <a:ext uri="{91240B29-F687-4f45-9708-019B960494DF}">
-                  <a14:hiddenLine xmlns="" xmlns:a16="http://schemas.microsoft.com/office/drawing/2014/main" xmlns:p14="http://schemas.microsoft.com/office/powerpoint/2010/main" xmlns:a14="http://schemas.microsoft.com/office/drawing/2010/main" w="9525">
+                  <a14:hiddenLine xmlns:a14="http://schemas.microsoft.com/office/drawing/2010/main" xmlns:p14="http://schemas.microsoft.com/office/powerpoint/2010/main" xmlns:a16="http://schemas.microsoft.com/office/drawing/2014/main" xmlns="" w="9525">
                     <a:solidFill>
                       <a:srgbClr val="000000"/>
                     </a:solidFill>
@@ -31917,7 +32241,7 @@
               </a:ln>
               <a:extLst>
                 <a:ext uri="{91240B29-F687-4f45-9708-019B960494DF}">
-                  <a14:hiddenLine xmlns="" xmlns:a16="http://schemas.microsoft.com/office/drawing/2014/main" xmlns:p14="http://schemas.microsoft.com/office/powerpoint/2010/main" xmlns:a14="http://schemas.microsoft.com/office/drawing/2010/main" w="9525">
+                  <a14:hiddenLine xmlns:a14="http://schemas.microsoft.com/office/drawing/2010/main" xmlns:p14="http://schemas.microsoft.com/office/powerpoint/2010/main" xmlns:a16="http://schemas.microsoft.com/office/drawing/2014/main" xmlns="" w="9525">
                     <a:solidFill>
                       <a:srgbClr val="000000"/>
                     </a:solidFill>
@@ -32001,7 +32325,7 @@
               </a:ln>
               <a:extLst>
                 <a:ext uri="{91240B29-F687-4f45-9708-019B960494DF}">
-                  <a14:hiddenLine xmlns="" xmlns:a16="http://schemas.microsoft.com/office/drawing/2014/main" xmlns:p14="http://schemas.microsoft.com/office/powerpoint/2010/main" xmlns:a14="http://schemas.microsoft.com/office/drawing/2010/main" w="9525">
+                  <a14:hiddenLine xmlns:a14="http://schemas.microsoft.com/office/drawing/2010/main" xmlns:p14="http://schemas.microsoft.com/office/powerpoint/2010/main" xmlns:a16="http://schemas.microsoft.com/office/drawing/2014/main" xmlns="" w="9525">
                     <a:solidFill>
                       <a:srgbClr val="000000"/>
                     </a:solidFill>
@@ -32113,7 +32437,7 @@
               </a:ln>
               <a:extLst>
                 <a:ext uri="{91240B29-F687-4f45-9708-019B960494DF}">
-                  <a14:hiddenLine xmlns="" xmlns:a16="http://schemas.microsoft.com/office/drawing/2014/main" xmlns:p14="http://schemas.microsoft.com/office/powerpoint/2010/main" xmlns:a14="http://schemas.microsoft.com/office/drawing/2010/main" w="9525">
+                  <a14:hiddenLine xmlns:a14="http://schemas.microsoft.com/office/drawing/2010/main" xmlns:p14="http://schemas.microsoft.com/office/powerpoint/2010/main" xmlns:a16="http://schemas.microsoft.com/office/drawing/2014/main" xmlns="" w="9525">
                     <a:solidFill>
                       <a:srgbClr val="000000"/>
                     </a:solidFill>
@@ -32200,7 +32524,7 @@
               </a:ln>
               <a:extLst>
                 <a:ext uri="{91240B29-F687-4f45-9708-019B960494DF}">
-                  <a14:hiddenLine xmlns="" xmlns:a16="http://schemas.microsoft.com/office/drawing/2014/main" xmlns:p14="http://schemas.microsoft.com/office/powerpoint/2010/main" xmlns:a14="http://schemas.microsoft.com/office/drawing/2010/main" w="9525">
+                  <a14:hiddenLine xmlns:a14="http://schemas.microsoft.com/office/drawing/2010/main" xmlns:p14="http://schemas.microsoft.com/office/powerpoint/2010/main" xmlns:a16="http://schemas.microsoft.com/office/drawing/2014/main" xmlns="" w="9525">
                     <a:solidFill>
                       <a:srgbClr val="000000"/>
                     </a:solidFill>
@@ -32284,7 +32608,7 @@
               </a:ln>
               <a:extLst>
                 <a:ext uri="{91240B29-F687-4f45-9708-019B960494DF}">
-                  <a14:hiddenLine xmlns="" xmlns:a16="http://schemas.microsoft.com/office/drawing/2014/main" xmlns:p14="http://schemas.microsoft.com/office/powerpoint/2010/main" xmlns:a14="http://schemas.microsoft.com/office/drawing/2010/main" w="9525">
+                  <a14:hiddenLine xmlns:a14="http://schemas.microsoft.com/office/drawing/2010/main" xmlns:p14="http://schemas.microsoft.com/office/powerpoint/2010/main" xmlns:a16="http://schemas.microsoft.com/office/drawing/2014/main" xmlns="" w="9525">
                     <a:solidFill>
                       <a:srgbClr val="000000"/>
                     </a:solidFill>
@@ -32396,7 +32720,7 @@
               </a:ln>
               <a:extLst>
                 <a:ext uri="{91240B29-F687-4f45-9708-019B960494DF}">
-                  <a14:hiddenLine xmlns="" xmlns:a16="http://schemas.microsoft.com/office/drawing/2014/main" xmlns:p14="http://schemas.microsoft.com/office/powerpoint/2010/main" xmlns:a14="http://schemas.microsoft.com/office/drawing/2010/main" w="9525">
+                  <a14:hiddenLine xmlns:a14="http://schemas.microsoft.com/office/drawing/2010/main" xmlns:p14="http://schemas.microsoft.com/office/powerpoint/2010/main" xmlns:a16="http://schemas.microsoft.com/office/drawing/2014/main" xmlns="" w="9525">
                     <a:solidFill>
                       <a:srgbClr val="000000"/>
                     </a:solidFill>
@@ -32508,7 +32832,7 @@
               </a:ln>
               <a:extLst>
                 <a:ext uri="{91240B29-F687-4f45-9708-019B960494DF}">
-                  <a14:hiddenLine xmlns="" xmlns:a16="http://schemas.microsoft.com/office/drawing/2014/main" xmlns:p14="http://schemas.microsoft.com/office/powerpoint/2010/main" xmlns:a14="http://schemas.microsoft.com/office/drawing/2010/main" w="9525">
+                  <a14:hiddenLine xmlns:a14="http://schemas.microsoft.com/office/drawing/2010/main" xmlns:p14="http://schemas.microsoft.com/office/powerpoint/2010/main" xmlns:a16="http://schemas.microsoft.com/office/drawing/2014/main" xmlns="" w="9525">
                     <a:solidFill>
                       <a:srgbClr val="000000"/>
                     </a:solidFill>
@@ -32595,7 +32919,7 @@
               </a:ln>
               <a:extLst>
                 <a:ext uri="{91240B29-F687-4f45-9708-019B960494DF}">
-                  <a14:hiddenLine xmlns="" xmlns:a16="http://schemas.microsoft.com/office/drawing/2014/main" xmlns:p14="http://schemas.microsoft.com/office/powerpoint/2010/main" xmlns:a14="http://schemas.microsoft.com/office/drawing/2010/main" w="9525">
+                  <a14:hiddenLine xmlns:a14="http://schemas.microsoft.com/office/drawing/2010/main" xmlns:p14="http://schemas.microsoft.com/office/powerpoint/2010/main" xmlns:a16="http://schemas.microsoft.com/office/drawing/2014/main" xmlns="" w="9525">
                     <a:solidFill>
                       <a:srgbClr val="000000"/>
                     </a:solidFill>
@@ -32737,7 +33061,7 @@
               </a:ln>
               <a:extLst>
                 <a:ext uri="{91240B29-F687-4f45-9708-019B960494DF}">
-                  <a14:hiddenLine xmlns="" xmlns:a16="http://schemas.microsoft.com/office/drawing/2014/main" xmlns:p14="http://schemas.microsoft.com/office/powerpoint/2010/main" xmlns:a14="http://schemas.microsoft.com/office/drawing/2010/main" w="9525">
+                  <a14:hiddenLine xmlns:a14="http://schemas.microsoft.com/office/drawing/2010/main" xmlns:p14="http://schemas.microsoft.com/office/powerpoint/2010/main" xmlns:a16="http://schemas.microsoft.com/office/drawing/2014/main" xmlns="" w="9525">
                     <a:solidFill>
                       <a:srgbClr val="000000"/>
                     </a:solidFill>
@@ -32869,7 +33193,7 @@
               </a:ln>
               <a:extLst>
                 <a:ext uri="{91240B29-F687-4f45-9708-019B960494DF}">
-                  <a14:hiddenLine xmlns="" xmlns:a16="http://schemas.microsoft.com/office/drawing/2014/main" xmlns:p14="http://schemas.microsoft.com/office/powerpoint/2010/main" xmlns:a14="http://schemas.microsoft.com/office/drawing/2010/main" w="9525">
+                  <a14:hiddenLine xmlns:a14="http://schemas.microsoft.com/office/drawing/2010/main" xmlns:p14="http://schemas.microsoft.com/office/powerpoint/2010/main" xmlns:a16="http://schemas.microsoft.com/office/drawing/2014/main" xmlns="" w="9525">
                     <a:solidFill>
                       <a:srgbClr val="000000"/>
                     </a:solidFill>
@@ -33006,7 +33330,7 @@
               </a:ln>
               <a:extLst>
                 <a:ext uri="{91240B29-F687-4f45-9708-019B960494DF}">
-                  <a14:hiddenLine xmlns="" xmlns:a16="http://schemas.microsoft.com/office/drawing/2014/main" xmlns:p14="http://schemas.microsoft.com/office/powerpoint/2010/main" xmlns:a14="http://schemas.microsoft.com/office/drawing/2010/main" w="9525">
+                  <a14:hiddenLine xmlns:a14="http://schemas.microsoft.com/office/drawing/2010/main" xmlns:p14="http://schemas.microsoft.com/office/powerpoint/2010/main" xmlns:a16="http://schemas.microsoft.com/office/drawing/2014/main" xmlns="" w="9525">
                     <a:solidFill>
                       <a:srgbClr val="000000"/>
                     </a:solidFill>
@@ -33118,7 +33442,7 @@
               </a:ln>
               <a:extLst>
                 <a:ext uri="{91240B29-F687-4f45-9708-019B960494DF}">
-                  <a14:hiddenLine xmlns="" xmlns:a16="http://schemas.microsoft.com/office/drawing/2014/main" xmlns:p14="http://schemas.microsoft.com/office/powerpoint/2010/main" xmlns:a14="http://schemas.microsoft.com/office/drawing/2010/main" w="9525">
+                  <a14:hiddenLine xmlns:a14="http://schemas.microsoft.com/office/drawing/2010/main" xmlns:p14="http://schemas.microsoft.com/office/powerpoint/2010/main" xmlns:a16="http://schemas.microsoft.com/office/drawing/2014/main" xmlns="" w="9525">
                     <a:solidFill>
                       <a:srgbClr val="000000"/>
                     </a:solidFill>
@@ -33205,7 +33529,7 @@
               </a:ln>
               <a:extLst>
                 <a:ext uri="{91240B29-F687-4f45-9708-019B960494DF}">
-                  <a14:hiddenLine xmlns="" xmlns:a16="http://schemas.microsoft.com/office/drawing/2014/main" xmlns:p14="http://schemas.microsoft.com/office/powerpoint/2010/main" xmlns:a14="http://schemas.microsoft.com/office/drawing/2010/main" w="9525">
+                  <a14:hiddenLine xmlns:a14="http://schemas.microsoft.com/office/drawing/2010/main" xmlns:p14="http://schemas.microsoft.com/office/powerpoint/2010/main" xmlns:a16="http://schemas.microsoft.com/office/drawing/2014/main" xmlns="" w="9525">
                     <a:solidFill>
                       <a:srgbClr val="000000"/>
                     </a:solidFill>
@@ -33317,7 +33641,7 @@
               </a:ln>
               <a:extLst>
                 <a:ext uri="{91240B29-F687-4f45-9708-019B960494DF}">
-                  <a14:hiddenLine xmlns="" xmlns:a16="http://schemas.microsoft.com/office/drawing/2014/main" xmlns:p14="http://schemas.microsoft.com/office/powerpoint/2010/main" xmlns:a14="http://schemas.microsoft.com/office/drawing/2010/main" w="9525">
+                  <a14:hiddenLine xmlns:a14="http://schemas.microsoft.com/office/drawing/2010/main" xmlns:p14="http://schemas.microsoft.com/office/powerpoint/2010/main" xmlns:a16="http://schemas.microsoft.com/office/drawing/2014/main" xmlns="" w="9525">
                     <a:solidFill>
                       <a:srgbClr val="000000"/>
                     </a:solidFill>
@@ -33407,7 +33731,7 @@
               </a:ln>
               <a:extLst>
                 <a:ext uri="{91240B29-F687-4f45-9708-019B960494DF}">
-                  <a14:hiddenLine xmlns="" xmlns:a16="http://schemas.microsoft.com/office/drawing/2014/main" xmlns:p14="http://schemas.microsoft.com/office/powerpoint/2010/main" xmlns:a14="http://schemas.microsoft.com/office/drawing/2010/main" w="9525">
+                  <a14:hiddenLine xmlns:a14="http://schemas.microsoft.com/office/drawing/2010/main" xmlns:p14="http://schemas.microsoft.com/office/powerpoint/2010/main" xmlns:a16="http://schemas.microsoft.com/office/drawing/2014/main" xmlns="" w="9525">
                     <a:solidFill>
                       <a:srgbClr val="000000"/>
                     </a:solidFill>
@@ -33519,7 +33843,7 @@
               </a:ln>
               <a:extLst>
                 <a:ext uri="{91240B29-F687-4f45-9708-019B960494DF}">
-                  <a14:hiddenLine xmlns="" xmlns:a16="http://schemas.microsoft.com/office/drawing/2014/main" xmlns:p14="http://schemas.microsoft.com/office/powerpoint/2010/main" xmlns:a14="http://schemas.microsoft.com/office/drawing/2010/main" w="9525">
+                  <a14:hiddenLine xmlns:a14="http://schemas.microsoft.com/office/drawing/2010/main" xmlns:p14="http://schemas.microsoft.com/office/powerpoint/2010/main" xmlns:a16="http://schemas.microsoft.com/office/drawing/2014/main" xmlns="" w="9525">
                     <a:solidFill>
                       <a:srgbClr val="000000"/>
                     </a:solidFill>
@@ -33609,7 +33933,7 @@
               </a:ln>
               <a:extLst>
                 <a:ext uri="{91240B29-F687-4f45-9708-019B960494DF}">
-                  <a14:hiddenLine xmlns="" xmlns:a16="http://schemas.microsoft.com/office/drawing/2014/main" xmlns:p14="http://schemas.microsoft.com/office/powerpoint/2010/main" xmlns:a14="http://schemas.microsoft.com/office/drawing/2010/main" w="9525">
+                  <a14:hiddenLine xmlns:a14="http://schemas.microsoft.com/office/drawing/2010/main" xmlns:p14="http://schemas.microsoft.com/office/powerpoint/2010/main" xmlns:a16="http://schemas.microsoft.com/office/drawing/2014/main" xmlns="" w="9525">
                     <a:solidFill>
                       <a:srgbClr val="000000"/>
                     </a:solidFill>
@@ -33721,7 +34045,7 @@
               </a:ln>
               <a:extLst>
                 <a:ext uri="{91240B29-F687-4f45-9708-019B960494DF}">
-                  <a14:hiddenLine xmlns="" xmlns:a16="http://schemas.microsoft.com/office/drawing/2014/main" xmlns:p14="http://schemas.microsoft.com/office/powerpoint/2010/main" xmlns:a14="http://schemas.microsoft.com/office/drawing/2010/main" w="9525">
+                  <a14:hiddenLine xmlns:a14="http://schemas.microsoft.com/office/drawing/2010/main" xmlns:p14="http://schemas.microsoft.com/office/powerpoint/2010/main" xmlns:a16="http://schemas.microsoft.com/office/drawing/2014/main" xmlns="" w="9525">
                     <a:solidFill>
                       <a:srgbClr val="000000"/>
                     </a:solidFill>
@@ -33777,7 +34101,7 @@
               </a:ln>
               <a:extLst>
                 <a:ext uri="{91240B29-F687-4f45-9708-019B960494DF}">
-                  <a14:hiddenLine xmlns="" xmlns:a16="http://schemas.microsoft.com/office/drawing/2014/main" xmlns:p14="http://schemas.microsoft.com/office/powerpoint/2010/main" xmlns:a14="http://schemas.microsoft.com/office/drawing/2010/main" w="9525">
+                  <a14:hiddenLine xmlns:a14="http://schemas.microsoft.com/office/drawing/2010/main" xmlns:p14="http://schemas.microsoft.com/office/powerpoint/2010/main" xmlns:a16="http://schemas.microsoft.com/office/drawing/2014/main" xmlns="" w="9525">
                     <a:solidFill>
                       <a:srgbClr val="000000"/>
                     </a:solidFill>
@@ -33846,7 +34170,7 @@
           <a:noFill/>
           <a:extLst>
             <a:ext uri="{909E8E84-426E-40dd-AFC4-6F175D3DCCD1}">
-              <a14:hiddenFill xmlns="" xmlns:a16="http://schemas.microsoft.com/office/drawing/2014/main" xmlns:p14="http://schemas.microsoft.com/office/powerpoint/2010/main" xmlns:a14="http://schemas.microsoft.com/office/drawing/2010/main">
+              <a14:hiddenFill xmlns:a14="http://schemas.microsoft.com/office/drawing/2010/main" xmlns:p14="http://schemas.microsoft.com/office/powerpoint/2010/main" xmlns:a16="http://schemas.microsoft.com/office/drawing/2014/main" xmlns="">
                 <a:solidFill>
                   <a:srgbClr val="FFFFFF"/>
                 </a:solidFill>
@@ -34680,7 +35004,7 @@
           <a:noFill/>
           <a:extLst>
             <a:ext uri="{909E8E84-426E-40dd-AFC4-6F175D3DCCD1}">
-              <a14:hiddenFill xmlns="" xmlns:a16="http://schemas.microsoft.com/office/drawing/2014/main" xmlns:p14="http://schemas.microsoft.com/office/powerpoint/2010/main" xmlns:a14="http://schemas.microsoft.com/office/drawing/2010/main">
+              <a14:hiddenFill xmlns:a14="http://schemas.microsoft.com/office/drawing/2010/main" xmlns:p14="http://schemas.microsoft.com/office/powerpoint/2010/main" xmlns:a16="http://schemas.microsoft.com/office/drawing/2014/main" xmlns="">
                 <a:solidFill>
                   <a:srgbClr val="FFFFFF"/>
                 </a:solidFill>
@@ -34871,7 +35195,7 @@
             </a:ln>
             <a:extLst>
               <a:ext uri="{91240B29-F687-4f45-9708-019B960494DF}">
-                <a14:hiddenLine xmlns="" xmlns:a16="http://schemas.microsoft.com/office/drawing/2014/main" xmlns:p14="http://schemas.microsoft.com/office/powerpoint/2010/main" xmlns:a14="http://schemas.microsoft.com/office/drawing/2010/main" w="9525">
+                <a14:hiddenLine xmlns:a14="http://schemas.microsoft.com/office/drawing/2010/main" xmlns:p14="http://schemas.microsoft.com/office/powerpoint/2010/main" xmlns:a16="http://schemas.microsoft.com/office/drawing/2014/main" xmlns="" w="9525">
                   <a:solidFill>
                     <a:srgbClr val="000000"/>
                   </a:solidFill>
@@ -34983,7 +35307,7 @@
             </a:ln>
             <a:extLst>
               <a:ext uri="{91240B29-F687-4f45-9708-019B960494DF}">
-                <a14:hiddenLine xmlns="" xmlns:a16="http://schemas.microsoft.com/office/drawing/2014/main" xmlns:p14="http://schemas.microsoft.com/office/powerpoint/2010/main" xmlns:a14="http://schemas.microsoft.com/office/drawing/2010/main" w="9525">
+                <a14:hiddenLine xmlns:a14="http://schemas.microsoft.com/office/drawing/2010/main" xmlns:p14="http://schemas.microsoft.com/office/powerpoint/2010/main" xmlns:a16="http://schemas.microsoft.com/office/drawing/2014/main" xmlns="" w="9525">
                   <a:solidFill>
                     <a:srgbClr val="000000"/>
                   </a:solidFill>
@@ -35095,7 +35419,7 @@
             </a:ln>
             <a:extLst>
               <a:ext uri="{91240B29-F687-4f45-9708-019B960494DF}">
-                <a14:hiddenLine xmlns="" xmlns:a16="http://schemas.microsoft.com/office/drawing/2014/main" xmlns:p14="http://schemas.microsoft.com/office/powerpoint/2010/main" xmlns:a14="http://schemas.microsoft.com/office/drawing/2010/main" w="9525">
+                <a14:hiddenLine xmlns:a14="http://schemas.microsoft.com/office/drawing/2010/main" xmlns:p14="http://schemas.microsoft.com/office/powerpoint/2010/main" xmlns:a16="http://schemas.microsoft.com/office/drawing/2014/main" xmlns="" w="9525">
                   <a:solidFill>
                     <a:srgbClr val="000000"/>
                   </a:solidFill>
@@ -35179,7 +35503,7 @@
             </a:ln>
             <a:extLst>
               <a:ext uri="{91240B29-F687-4f45-9708-019B960494DF}">
-                <a14:hiddenLine xmlns="" xmlns:a16="http://schemas.microsoft.com/office/drawing/2014/main" xmlns:p14="http://schemas.microsoft.com/office/powerpoint/2010/main" xmlns:a14="http://schemas.microsoft.com/office/drawing/2010/main" w="9525">
+                <a14:hiddenLine xmlns:a14="http://schemas.microsoft.com/office/drawing/2010/main" xmlns:p14="http://schemas.microsoft.com/office/powerpoint/2010/main" xmlns:a16="http://schemas.microsoft.com/office/drawing/2014/main" xmlns="" w="9525">
                   <a:solidFill>
                     <a:srgbClr val="000000"/>
                   </a:solidFill>
@@ -35291,7 +35615,7 @@
             </a:ln>
             <a:extLst>
               <a:ext uri="{91240B29-F687-4f45-9708-019B960494DF}">
-                <a14:hiddenLine xmlns="" xmlns:a16="http://schemas.microsoft.com/office/drawing/2014/main" xmlns:p14="http://schemas.microsoft.com/office/powerpoint/2010/main" xmlns:a14="http://schemas.microsoft.com/office/drawing/2010/main" w="9525">
+                <a14:hiddenLine xmlns:a14="http://schemas.microsoft.com/office/drawing/2010/main" xmlns:p14="http://schemas.microsoft.com/office/powerpoint/2010/main" xmlns:a16="http://schemas.microsoft.com/office/drawing/2014/main" xmlns="" w="9525">
                   <a:solidFill>
                     <a:srgbClr val="000000"/>
                   </a:solidFill>
@@ -35375,7 +35699,7 @@
             </a:ln>
             <a:extLst>
               <a:ext uri="{91240B29-F687-4f45-9708-019B960494DF}">
-                <a14:hiddenLine xmlns="" xmlns:a16="http://schemas.microsoft.com/office/drawing/2014/main" xmlns:p14="http://schemas.microsoft.com/office/powerpoint/2010/main" xmlns:a14="http://schemas.microsoft.com/office/drawing/2010/main" w="9525">
+                <a14:hiddenLine xmlns:a14="http://schemas.microsoft.com/office/drawing/2010/main" xmlns:p14="http://schemas.microsoft.com/office/powerpoint/2010/main" xmlns:a16="http://schemas.microsoft.com/office/drawing/2014/main" xmlns="" w="9525">
                   <a:solidFill>
                     <a:srgbClr val="000000"/>
                   </a:solidFill>
@@ -35459,7 +35783,7 @@
             </a:ln>
             <a:extLst>
               <a:ext uri="{91240B29-F687-4f45-9708-019B960494DF}">
-                <a14:hiddenLine xmlns="" xmlns:a16="http://schemas.microsoft.com/office/drawing/2014/main" xmlns:p14="http://schemas.microsoft.com/office/powerpoint/2010/main" xmlns:a14="http://schemas.microsoft.com/office/drawing/2010/main" w="9525">
+                <a14:hiddenLine xmlns:a14="http://schemas.microsoft.com/office/drawing/2010/main" xmlns:p14="http://schemas.microsoft.com/office/powerpoint/2010/main" xmlns:a16="http://schemas.microsoft.com/office/drawing/2014/main" xmlns="" w="9525">
                   <a:solidFill>
                     <a:srgbClr val="000000"/>
                   </a:solidFill>
@@ -35571,7 +35895,7 @@
             </a:ln>
             <a:extLst>
               <a:ext uri="{91240B29-F687-4f45-9708-019B960494DF}">
-                <a14:hiddenLine xmlns="" xmlns:a16="http://schemas.microsoft.com/office/drawing/2014/main" xmlns:p14="http://schemas.microsoft.com/office/powerpoint/2010/main" xmlns:a14="http://schemas.microsoft.com/office/drawing/2010/main" w="9525">
+                <a14:hiddenLine xmlns:a14="http://schemas.microsoft.com/office/drawing/2010/main" xmlns:p14="http://schemas.microsoft.com/office/powerpoint/2010/main" xmlns:a16="http://schemas.microsoft.com/office/drawing/2014/main" xmlns="" w="9525">
                   <a:solidFill>
                     <a:srgbClr val="000000"/>
                   </a:solidFill>
@@ -35683,7 +36007,7 @@
             </a:ln>
             <a:extLst>
               <a:ext uri="{91240B29-F687-4f45-9708-019B960494DF}">
-                <a14:hiddenLine xmlns="" xmlns:a16="http://schemas.microsoft.com/office/drawing/2014/main" xmlns:p14="http://schemas.microsoft.com/office/powerpoint/2010/main" xmlns:a14="http://schemas.microsoft.com/office/drawing/2010/main" w="9525">
+                <a14:hiddenLine xmlns:a14="http://schemas.microsoft.com/office/drawing/2010/main" xmlns:p14="http://schemas.microsoft.com/office/powerpoint/2010/main" xmlns:a16="http://schemas.microsoft.com/office/drawing/2014/main" xmlns="" w="9525">
                   <a:solidFill>
                     <a:srgbClr val="000000"/>
                   </a:solidFill>
@@ -35767,7 +36091,7 @@
             </a:ln>
             <a:extLst>
               <a:ext uri="{91240B29-F687-4f45-9708-019B960494DF}">
-                <a14:hiddenLine xmlns="" xmlns:a16="http://schemas.microsoft.com/office/drawing/2014/main" xmlns:p14="http://schemas.microsoft.com/office/powerpoint/2010/main" xmlns:a14="http://schemas.microsoft.com/office/drawing/2010/main" w="9525">
+                <a14:hiddenLine xmlns:a14="http://schemas.microsoft.com/office/drawing/2010/main" xmlns:p14="http://schemas.microsoft.com/office/powerpoint/2010/main" xmlns:a16="http://schemas.microsoft.com/office/drawing/2014/main" xmlns="" w="9525">
                   <a:solidFill>
                     <a:srgbClr val="000000"/>
                   </a:solidFill>
@@ -35899,7 +36223,7 @@
             </a:ln>
             <a:extLst>
               <a:ext uri="{91240B29-F687-4f45-9708-019B960494DF}">
-                <a14:hiddenLine xmlns="" xmlns:a16="http://schemas.microsoft.com/office/drawing/2014/main" xmlns:p14="http://schemas.microsoft.com/office/powerpoint/2010/main" xmlns:a14="http://schemas.microsoft.com/office/drawing/2010/main" w="9525">
+                <a14:hiddenLine xmlns:a14="http://schemas.microsoft.com/office/drawing/2010/main" xmlns:p14="http://schemas.microsoft.com/office/powerpoint/2010/main" xmlns:a16="http://schemas.microsoft.com/office/drawing/2014/main" xmlns="" w="9525">
                   <a:solidFill>
                     <a:srgbClr val="000000"/>
                   </a:solidFill>
@@ -36027,7 +36351,7 @@
             </a:ln>
             <a:extLst>
               <a:ext uri="{91240B29-F687-4f45-9708-019B960494DF}">
-                <a14:hiddenLine xmlns="" xmlns:a16="http://schemas.microsoft.com/office/drawing/2014/main" xmlns:p14="http://schemas.microsoft.com/office/powerpoint/2010/main" xmlns:a14="http://schemas.microsoft.com/office/drawing/2010/main" w="9525">
+                <a14:hiddenLine xmlns:a14="http://schemas.microsoft.com/office/drawing/2010/main" xmlns:p14="http://schemas.microsoft.com/office/powerpoint/2010/main" xmlns:a16="http://schemas.microsoft.com/office/drawing/2014/main" xmlns="" w="9525">
                   <a:solidFill>
                     <a:srgbClr val="000000"/>
                   </a:solidFill>
@@ -36111,7 +36435,7 @@
             </a:ln>
             <a:extLst>
               <a:ext uri="{91240B29-F687-4f45-9708-019B960494DF}">
-                <a14:hiddenLine xmlns="" xmlns:a16="http://schemas.microsoft.com/office/drawing/2014/main" xmlns:p14="http://schemas.microsoft.com/office/powerpoint/2010/main" xmlns:a14="http://schemas.microsoft.com/office/drawing/2010/main" w="9525">
+                <a14:hiddenLine xmlns:a14="http://schemas.microsoft.com/office/drawing/2010/main" xmlns:p14="http://schemas.microsoft.com/office/powerpoint/2010/main" xmlns:a16="http://schemas.microsoft.com/office/drawing/2014/main" xmlns="" w="9525">
                   <a:solidFill>
                     <a:srgbClr val="000000"/>
                   </a:solidFill>
@@ -36195,7 +36519,7 @@
             </a:ln>
             <a:extLst>
               <a:ext uri="{91240B29-F687-4f45-9708-019B960494DF}">
-                <a14:hiddenLine xmlns="" xmlns:a16="http://schemas.microsoft.com/office/drawing/2014/main" xmlns:p14="http://schemas.microsoft.com/office/powerpoint/2010/main" xmlns:a14="http://schemas.microsoft.com/office/drawing/2010/main" w="9525">
+                <a14:hiddenLine xmlns:a14="http://schemas.microsoft.com/office/drawing/2010/main" xmlns:p14="http://schemas.microsoft.com/office/powerpoint/2010/main" xmlns:a16="http://schemas.microsoft.com/office/drawing/2014/main" xmlns="" w="9525">
                   <a:solidFill>
                     <a:srgbClr val="000000"/>
                   </a:solidFill>
@@ -36307,7 +36631,7 @@
             </a:ln>
             <a:extLst>
               <a:ext uri="{91240B29-F687-4f45-9708-019B960494DF}">
-                <a14:hiddenLine xmlns="" xmlns:a16="http://schemas.microsoft.com/office/drawing/2014/main" xmlns:p14="http://schemas.microsoft.com/office/powerpoint/2010/main" xmlns:a14="http://schemas.microsoft.com/office/drawing/2010/main" w="9525">
+                <a14:hiddenLine xmlns:a14="http://schemas.microsoft.com/office/drawing/2010/main" xmlns:p14="http://schemas.microsoft.com/office/powerpoint/2010/main" xmlns:a16="http://schemas.microsoft.com/office/drawing/2014/main" xmlns="" w="9525">
                   <a:solidFill>
                     <a:srgbClr val="000000"/>
                   </a:solidFill>
@@ -36363,7 +36687,7 @@
             </a:ln>
             <a:extLst>
               <a:ext uri="{91240B29-F687-4f45-9708-019B960494DF}">
-                <a14:hiddenLine xmlns="" xmlns:a16="http://schemas.microsoft.com/office/drawing/2014/main" xmlns:p14="http://schemas.microsoft.com/office/powerpoint/2010/main" xmlns:a14="http://schemas.microsoft.com/office/drawing/2010/main" w="9525">
+                <a14:hiddenLine xmlns:a14="http://schemas.microsoft.com/office/drawing/2010/main" xmlns:p14="http://schemas.microsoft.com/office/powerpoint/2010/main" xmlns:a16="http://schemas.microsoft.com/office/drawing/2014/main" xmlns="" w="9525">
                   <a:solidFill>
                     <a:srgbClr val="000000"/>
                   </a:solidFill>
@@ -36450,7 +36774,7 @@
             </a:ln>
             <a:extLst>
               <a:ext uri="{91240B29-F687-4f45-9708-019B960494DF}">
-                <a14:hiddenLine xmlns="" xmlns:a16="http://schemas.microsoft.com/office/drawing/2014/main" xmlns:p14="http://schemas.microsoft.com/office/powerpoint/2010/main" xmlns:a14="http://schemas.microsoft.com/office/drawing/2010/main" w="9525">
+                <a14:hiddenLine xmlns:a14="http://schemas.microsoft.com/office/drawing/2010/main" xmlns:p14="http://schemas.microsoft.com/office/powerpoint/2010/main" xmlns:a16="http://schemas.microsoft.com/office/drawing/2014/main" xmlns="" w="9525">
                   <a:solidFill>
                     <a:srgbClr val="000000"/>
                   </a:solidFill>
@@ -36562,7 +36886,7 @@
             </a:ln>
             <a:extLst>
               <a:ext uri="{91240B29-F687-4f45-9708-019B960494DF}">
-                <a14:hiddenLine xmlns="" xmlns:a16="http://schemas.microsoft.com/office/drawing/2014/main" xmlns:p14="http://schemas.microsoft.com/office/powerpoint/2010/main" xmlns:a14="http://schemas.microsoft.com/office/drawing/2010/main" w="9525">
+                <a14:hiddenLine xmlns:a14="http://schemas.microsoft.com/office/drawing/2010/main" xmlns:p14="http://schemas.microsoft.com/office/powerpoint/2010/main" xmlns:a16="http://schemas.microsoft.com/office/drawing/2014/main" xmlns="" w="9525">
                   <a:solidFill>
                     <a:srgbClr val="000000"/>
                   </a:solidFill>
@@ -36646,7 +36970,7 @@
             </a:ln>
             <a:extLst>
               <a:ext uri="{91240B29-F687-4f45-9708-019B960494DF}">
-                <a14:hiddenLine xmlns="" xmlns:a16="http://schemas.microsoft.com/office/drawing/2014/main" xmlns:p14="http://schemas.microsoft.com/office/powerpoint/2010/main" xmlns:a14="http://schemas.microsoft.com/office/drawing/2010/main" w="9525">
+                <a14:hiddenLine xmlns:a14="http://schemas.microsoft.com/office/drawing/2010/main" xmlns:p14="http://schemas.microsoft.com/office/powerpoint/2010/main" xmlns:a16="http://schemas.microsoft.com/office/drawing/2014/main" xmlns="" w="9525">
                   <a:solidFill>
                     <a:srgbClr val="000000"/>
                   </a:solidFill>
@@ -36758,7 +37082,7 @@
             </a:ln>
             <a:extLst>
               <a:ext uri="{91240B29-F687-4f45-9708-019B960494DF}">
-                <a14:hiddenLine xmlns="" xmlns:a16="http://schemas.microsoft.com/office/drawing/2014/main" xmlns:p14="http://schemas.microsoft.com/office/powerpoint/2010/main" xmlns:a14="http://schemas.microsoft.com/office/drawing/2010/main" w="9525">
+                <a14:hiddenLine xmlns:a14="http://schemas.microsoft.com/office/drawing/2010/main" xmlns:p14="http://schemas.microsoft.com/office/powerpoint/2010/main" xmlns:a16="http://schemas.microsoft.com/office/drawing/2014/main" xmlns="" w="9525">
                   <a:solidFill>
                     <a:srgbClr val="000000"/>
                   </a:solidFill>
@@ -36845,7 +37169,7 @@
             </a:ln>
             <a:extLst>
               <a:ext uri="{91240B29-F687-4f45-9708-019B960494DF}">
-                <a14:hiddenLine xmlns="" xmlns:a16="http://schemas.microsoft.com/office/drawing/2014/main" xmlns:p14="http://schemas.microsoft.com/office/powerpoint/2010/main" xmlns:a14="http://schemas.microsoft.com/office/drawing/2010/main" w="9525">
+                <a14:hiddenLine xmlns:a14="http://schemas.microsoft.com/office/drawing/2010/main" xmlns:p14="http://schemas.microsoft.com/office/powerpoint/2010/main" xmlns:a16="http://schemas.microsoft.com/office/drawing/2014/main" xmlns="" w="9525">
                   <a:solidFill>
                     <a:srgbClr val="000000"/>
                   </a:solidFill>
@@ -36929,7 +37253,7 @@
             </a:ln>
             <a:extLst>
               <a:ext uri="{91240B29-F687-4f45-9708-019B960494DF}">
-                <a14:hiddenLine xmlns="" xmlns:a16="http://schemas.microsoft.com/office/drawing/2014/main" xmlns:p14="http://schemas.microsoft.com/office/powerpoint/2010/main" xmlns:a14="http://schemas.microsoft.com/office/drawing/2010/main" w="9525">
+                <a14:hiddenLine xmlns:a14="http://schemas.microsoft.com/office/drawing/2010/main" xmlns:p14="http://schemas.microsoft.com/office/powerpoint/2010/main" xmlns:a16="http://schemas.microsoft.com/office/drawing/2014/main" xmlns="" w="9525">
                   <a:solidFill>
                     <a:srgbClr val="000000"/>
                   </a:solidFill>
@@ -37041,7 +37365,7 @@
             </a:ln>
             <a:extLst>
               <a:ext uri="{91240B29-F687-4f45-9708-019B960494DF}">
-                <a14:hiddenLine xmlns="" xmlns:a16="http://schemas.microsoft.com/office/drawing/2014/main" xmlns:p14="http://schemas.microsoft.com/office/powerpoint/2010/main" xmlns:a14="http://schemas.microsoft.com/office/drawing/2010/main" w="9525">
+                <a14:hiddenLine xmlns:a14="http://schemas.microsoft.com/office/drawing/2010/main" xmlns:p14="http://schemas.microsoft.com/office/powerpoint/2010/main" xmlns:a16="http://schemas.microsoft.com/office/drawing/2014/main" xmlns="" w="9525">
                   <a:solidFill>
                     <a:srgbClr val="000000"/>
                   </a:solidFill>
@@ -37153,7 +37477,7 @@
             </a:ln>
             <a:extLst>
               <a:ext uri="{91240B29-F687-4f45-9708-019B960494DF}">
-                <a14:hiddenLine xmlns="" xmlns:a16="http://schemas.microsoft.com/office/drawing/2014/main" xmlns:p14="http://schemas.microsoft.com/office/powerpoint/2010/main" xmlns:a14="http://schemas.microsoft.com/office/drawing/2010/main" w="9525">
+                <a14:hiddenLine xmlns:a14="http://schemas.microsoft.com/office/drawing/2010/main" xmlns:p14="http://schemas.microsoft.com/office/powerpoint/2010/main" xmlns:a16="http://schemas.microsoft.com/office/drawing/2014/main" xmlns="" w="9525">
                   <a:solidFill>
                     <a:srgbClr val="000000"/>
                   </a:solidFill>
@@ -37240,7 +37564,7 @@
             </a:ln>
             <a:extLst>
               <a:ext uri="{91240B29-F687-4f45-9708-019B960494DF}">
-                <a14:hiddenLine xmlns="" xmlns:a16="http://schemas.microsoft.com/office/drawing/2014/main" xmlns:p14="http://schemas.microsoft.com/office/powerpoint/2010/main" xmlns:a14="http://schemas.microsoft.com/office/drawing/2010/main" w="9525">
+                <a14:hiddenLine xmlns:a14="http://schemas.microsoft.com/office/drawing/2010/main" xmlns:p14="http://schemas.microsoft.com/office/powerpoint/2010/main" xmlns:a16="http://schemas.microsoft.com/office/drawing/2014/main" xmlns="" w="9525">
                   <a:solidFill>
                     <a:srgbClr val="000000"/>
                   </a:solidFill>
@@ -37382,7 +37706,7 @@
             </a:ln>
             <a:extLst>
               <a:ext uri="{91240B29-F687-4f45-9708-019B960494DF}">
-                <a14:hiddenLine xmlns="" xmlns:a16="http://schemas.microsoft.com/office/drawing/2014/main" xmlns:p14="http://schemas.microsoft.com/office/powerpoint/2010/main" xmlns:a14="http://schemas.microsoft.com/office/drawing/2010/main" w="9525">
+                <a14:hiddenLine xmlns:a14="http://schemas.microsoft.com/office/drawing/2010/main" xmlns:p14="http://schemas.microsoft.com/office/powerpoint/2010/main" xmlns:a16="http://schemas.microsoft.com/office/drawing/2014/main" xmlns="" w="9525">
                   <a:solidFill>
                     <a:srgbClr val="000000"/>
                   </a:solidFill>
@@ -37417,7 +37741,7 @@
           <p:nvPr>
             <p:extLst>
               <p:ext uri="{D42A27DB-BD31-4B8C-83A1-F6EECF244321}">
-                <p14:modId xmlns:p14="http://schemas.microsoft.com/office/powerpoint/2010/main" val="279594644"/>
+                <p14:modId xmlns:p14="http://schemas.microsoft.com/office/powerpoint/2010/main" val="2947871437"/>
               </p:ext>
             </p:extLst>
           </p:nvPr>
@@ -37693,7 +38017,7 @@
                             <a:schemeClr val="tx1"/>
                           </a:solidFill>
                         </a:rPr>
-                        <a:t>0.46</a:t>
+                        <a:t>0.48</a:t>
                       </a:r>
                       <a:endParaRPr lang="en-GB" sz="1900" cap="none" spc="0" dirty="0">
                         <a:solidFill>
@@ -37733,7 +38057,7 @@
                             <a:schemeClr val="tx1"/>
                           </a:solidFill>
                         </a:rPr>
-                        <a:t>0.46</a:t>
+                        <a:t>0.47</a:t>
                       </a:r>
                       <a:endParaRPr lang="en-GB" sz="1900" cap="none" spc="0" dirty="0">
                         <a:solidFill>
@@ -37824,7 +38148,7 @@
                             <a:schemeClr val="tx1"/>
                           </a:solidFill>
                         </a:rPr>
-                        <a:t>0.47</a:t>
+                        <a:t>0.48</a:t>
                       </a:r>
                       <a:endParaRPr lang="en-GB" sz="1600" cap="none" spc="0" dirty="0">
                         <a:solidFill>
@@ -38007,7 +38331,7 @@
                             <a:schemeClr val="tx1"/>
                           </a:solidFill>
                         </a:rPr>
-                        <a:t>0.4</a:t>
+                        <a:t>0.44</a:t>
                       </a:r>
                       <a:endParaRPr lang="en-GB" sz="1900" cap="none" spc="0" dirty="0">
                         <a:solidFill>
@@ -43131,7 +43455,7 @@
           <a:noFill/>
           <a:extLst>
             <a:ext uri="{909E8E84-426E-40dd-AFC4-6F175D3DCCD1}">
-              <a14:hiddenFill xmlns="" xmlns:a16="http://schemas.microsoft.com/office/drawing/2014/main" xmlns:p14="http://schemas.microsoft.com/office/powerpoint/2010/main" xmlns:a14="http://schemas.microsoft.com/office/drawing/2010/main">
+              <a14:hiddenFill xmlns:a14="http://schemas.microsoft.com/office/drawing/2010/main" xmlns:p14="http://schemas.microsoft.com/office/powerpoint/2010/main" xmlns:a16="http://schemas.microsoft.com/office/drawing/2014/main" xmlns="">
                 <a:solidFill>
                   <a:srgbClr val="FFFFFF"/>
                 </a:solidFill>
@@ -43530,7 +43854,7 @@
             </a:ln>
             <a:extLst>
               <a:ext uri="{91240B29-F687-4f45-9708-019B960494DF}">
-                <a14:hiddenLine xmlns="" xmlns:a16="http://schemas.microsoft.com/office/drawing/2014/main" xmlns:p14="http://schemas.microsoft.com/office/powerpoint/2010/main" xmlns:a14="http://schemas.microsoft.com/office/drawing/2010/main" w="9525">
+                <a14:hiddenLine xmlns:a14="http://schemas.microsoft.com/office/drawing/2010/main" xmlns:p14="http://schemas.microsoft.com/office/powerpoint/2010/main" xmlns:a16="http://schemas.microsoft.com/office/drawing/2014/main" xmlns="" w="9525">
                   <a:solidFill>
                     <a:srgbClr val="000000"/>
                   </a:solidFill>
@@ -43642,7 +43966,7 @@
             </a:ln>
             <a:extLst>
               <a:ext uri="{91240B29-F687-4f45-9708-019B960494DF}">
-                <a14:hiddenLine xmlns="" xmlns:a16="http://schemas.microsoft.com/office/drawing/2014/main" xmlns:p14="http://schemas.microsoft.com/office/powerpoint/2010/main" xmlns:a14="http://schemas.microsoft.com/office/drawing/2010/main" w="9525">
+                <a14:hiddenLine xmlns:a14="http://schemas.microsoft.com/office/drawing/2010/main" xmlns:p14="http://schemas.microsoft.com/office/powerpoint/2010/main" xmlns:a16="http://schemas.microsoft.com/office/drawing/2014/main" xmlns="" w="9525">
                   <a:solidFill>
                     <a:srgbClr val="000000"/>
                   </a:solidFill>
@@ -43754,7 +44078,7 @@
             </a:ln>
             <a:extLst>
               <a:ext uri="{91240B29-F687-4f45-9708-019B960494DF}">
-                <a14:hiddenLine xmlns="" xmlns:a16="http://schemas.microsoft.com/office/drawing/2014/main" xmlns:p14="http://schemas.microsoft.com/office/powerpoint/2010/main" xmlns:a14="http://schemas.microsoft.com/office/drawing/2010/main" w="9525">
+                <a14:hiddenLine xmlns:a14="http://schemas.microsoft.com/office/drawing/2010/main" xmlns:p14="http://schemas.microsoft.com/office/powerpoint/2010/main" xmlns:a16="http://schemas.microsoft.com/office/drawing/2014/main" xmlns="" w="9525">
                   <a:solidFill>
                     <a:srgbClr val="000000"/>
                   </a:solidFill>
@@ -43838,7 +44162,7 @@
             </a:ln>
             <a:extLst>
               <a:ext uri="{91240B29-F687-4f45-9708-019B960494DF}">
-                <a14:hiddenLine xmlns="" xmlns:a16="http://schemas.microsoft.com/office/drawing/2014/main" xmlns:p14="http://schemas.microsoft.com/office/powerpoint/2010/main" xmlns:a14="http://schemas.microsoft.com/office/drawing/2010/main" w="9525">
+                <a14:hiddenLine xmlns:a14="http://schemas.microsoft.com/office/drawing/2010/main" xmlns:p14="http://schemas.microsoft.com/office/powerpoint/2010/main" xmlns:a16="http://schemas.microsoft.com/office/drawing/2014/main" xmlns="" w="9525">
                   <a:solidFill>
                     <a:srgbClr val="000000"/>
                   </a:solidFill>
@@ -43950,7 +44274,7 @@
             </a:ln>
             <a:extLst>
               <a:ext uri="{91240B29-F687-4f45-9708-019B960494DF}">
-                <a14:hiddenLine xmlns="" xmlns:a16="http://schemas.microsoft.com/office/drawing/2014/main" xmlns:p14="http://schemas.microsoft.com/office/powerpoint/2010/main" xmlns:a14="http://schemas.microsoft.com/office/drawing/2010/main" w="9525">
+                <a14:hiddenLine xmlns:a14="http://schemas.microsoft.com/office/drawing/2010/main" xmlns:p14="http://schemas.microsoft.com/office/powerpoint/2010/main" xmlns:a16="http://schemas.microsoft.com/office/drawing/2014/main" xmlns="" w="9525">
                   <a:solidFill>
                     <a:srgbClr val="000000"/>
                   </a:solidFill>
@@ -44034,7 +44358,7 @@
             </a:ln>
             <a:extLst>
               <a:ext uri="{91240B29-F687-4f45-9708-019B960494DF}">
-                <a14:hiddenLine xmlns="" xmlns:a16="http://schemas.microsoft.com/office/drawing/2014/main" xmlns:p14="http://schemas.microsoft.com/office/powerpoint/2010/main" xmlns:a14="http://schemas.microsoft.com/office/drawing/2010/main" w="9525">
+                <a14:hiddenLine xmlns:a14="http://schemas.microsoft.com/office/drawing/2010/main" xmlns:p14="http://schemas.microsoft.com/office/powerpoint/2010/main" xmlns:a16="http://schemas.microsoft.com/office/drawing/2014/main" xmlns="" w="9525">
                   <a:solidFill>
                     <a:srgbClr val="000000"/>
                   </a:solidFill>
@@ -44118,7 +44442,7 @@
             </a:ln>
             <a:extLst>
               <a:ext uri="{91240B29-F687-4f45-9708-019B960494DF}">
-                <a14:hiddenLine xmlns="" xmlns:a16="http://schemas.microsoft.com/office/drawing/2014/main" xmlns:p14="http://schemas.microsoft.com/office/powerpoint/2010/main" xmlns:a14="http://schemas.microsoft.com/office/drawing/2010/main" w="9525">
+                <a14:hiddenLine xmlns:a14="http://schemas.microsoft.com/office/drawing/2010/main" xmlns:p14="http://schemas.microsoft.com/office/powerpoint/2010/main" xmlns:a16="http://schemas.microsoft.com/office/drawing/2014/main" xmlns="" w="9525">
                   <a:solidFill>
                     <a:srgbClr val="000000"/>
                   </a:solidFill>
@@ -44230,7 +44554,7 @@
             </a:ln>
             <a:extLst>
               <a:ext uri="{91240B29-F687-4f45-9708-019B960494DF}">
-                <a14:hiddenLine xmlns="" xmlns:a16="http://schemas.microsoft.com/office/drawing/2014/main" xmlns:p14="http://schemas.microsoft.com/office/powerpoint/2010/main" xmlns:a14="http://schemas.microsoft.com/office/drawing/2010/main" w="9525">
+                <a14:hiddenLine xmlns:a14="http://schemas.microsoft.com/office/drawing/2010/main" xmlns:p14="http://schemas.microsoft.com/office/powerpoint/2010/main" xmlns:a16="http://schemas.microsoft.com/office/drawing/2014/main" xmlns="" w="9525">
                   <a:solidFill>
                     <a:srgbClr val="000000"/>
                   </a:solidFill>
@@ -44342,7 +44666,7 @@
             </a:ln>
             <a:extLst>
               <a:ext uri="{91240B29-F687-4f45-9708-019B960494DF}">
-                <a14:hiddenLine xmlns="" xmlns:a16="http://schemas.microsoft.com/office/drawing/2014/main" xmlns:p14="http://schemas.microsoft.com/office/powerpoint/2010/main" xmlns:a14="http://schemas.microsoft.com/office/drawing/2010/main" w="9525">
+                <a14:hiddenLine xmlns:a14="http://schemas.microsoft.com/office/drawing/2010/main" xmlns:p14="http://schemas.microsoft.com/office/powerpoint/2010/main" xmlns:a16="http://schemas.microsoft.com/office/drawing/2014/main" xmlns="" w="9525">
                   <a:solidFill>
                     <a:srgbClr val="000000"/>
                   </a:solidFill>
@@ -44426,7 +44750,7 @@
             </a:ln>
             <a:extLst>
               <a:ext uri="{91240B29-F687-4f45-9708-019B960494DF}">
-                <a14:hiddenLine xmlns="" xmlns:a16="http://schemas.microsoft.com/office/drawing/2014/main" xmlns:p14="http://schemas.microsoft.com/office/powerpoint/2010/main" xmlns:a14="http://schemas.microsoft.com/office/drawing/2010/main" w="9525">
+                <a14:hiddenLine xmlns:a14="http://schemas.microsoft.com/office/drawing/2010/main" xmlns:p14="http://schemas.microsoft.com/office/powerpoint/2010/main" xmlns:a16="http://schemas.microsoft.com/office/drawing/2014/main" xmlns="" w="9525">
                   <a:solidFill>
                     <a:srgbClr val="000000"/>
                   </a:solidFill>
@@ -44558,7 +44882,7 @@
             </a:ln>
             <a:extLst>
               <a:ext uri="{91240B29-F687-4f45-9708-019B960494DF}">
-                <a14:hiddenLine xmlns="" xmlns:a16="http://schemas.microsoft.com/office/drawing/2014/main" xmlns:p14="http://schemas.microsoft.com/office/powerpoint/2010/main" xmlns:a14="http://schemas.microsoft.com/office/drawing/2010/main" w="9525">
+                <a14:hiddenLine xmlns:a14="http://schemas.microsoft.com/office/drawing/2010/main" xmlns:p14="http://schemas.microsoft.com/office/powerpoint/2010/main" xmlns:a16="http://schemas.microsoft.com/office/drawing/2014/main" xmlns="" w="9525">
                   <a:solidFill>
                     <a:srgbClr val="000000"/>
                   </a:solidFill>
@@ -44686,7 +45010,7 @@
             </a:ln>
             <a:extLst>
               <a:ext uri="{91240B29-F687-4f45-9708-019B960494DF}">
-                <a14:hiddenLine xmlns="" xmlns:a16="http://schemas.microsoft.com/office/drawing/2014/main" xmlns:p14="http://schemas.microsoft.com/office/powerpoint/2010/main" xmlns:a14="http://schemas.microsoft.com/office/drawing/2010/main" w="9525">
+                <a14:hiddenLine xmlns:a14="http://schemas.microsoft.com/office/drawing/2010/main" xmlns:p14="http://schemas.microsoft.com/office/powerpoint/2010/main" xmlns:a16="http://schemas.microsoft.com/office/drawing/2014/main" xmlns="" w="9525">
                   <a:solidFill>
                     <a:srgbClr val="000000"/>
                   </a:solidFill>
@@ -44770,7 +45094,7 @@
             </a:ln>
             <a:extLst>
               <a:ext uri="{91240B29-F687-4f45-9708-019B960494DF}">
-                <a14:hiddenLine xmlns="" xmlns:a16="http://schemas.microsoft.com/office/drawing/2014/main" xmlns:p14="http://schemas.microsoft.com/office/powerpoint/2010/main" xmlns:a14="http://schemas.microsoft.com/office/drawing/2010/main" w="9525">
+                <a14:hiddenLine xmlns:a14="http://schemas.microsoft.com/office/drawing/2010/main" xmlns:p14="http://schemas.microsoft.com/office/powerpoint/2010/main" xmlns:a16="http://schemas.microsoft.com/office/drawing/2014/main" xmlns="" w="9525">
                   <a:solidFill>
                     <a:srgbClr val="000000"/>
                   </a:solidFill>
@@ -44854,7 +45178,7 @@
             </a:ln>
             <a:extLst>
               <a:ext uri="{91240B29-F687-4f45-9708-019B960494DF}">
-                <a14:hiddenLine xmlns="" xmlns:a16="http://schemas.microsoft.com/office/drawing/2014/main" xmlns:p14="http://schemas.microsoft.com/office/powerpoint/2010/main" xmlns:a14="http://schemas.microsoft.com/office/drawing/2010/main" w="9525">
+                <a14:hiddenLine xmlns:a14="http://schemas.microsoft.com/office/drawing/2010/main" xmlns:p14="http://schemas.microsoft.com/office/powerpoint/2010/main" xmlns:a16="http://schemas.microsoft.com/office/drawing/2014/main" xmlns="" w="9525">
                   <a:solidFill>
                     <a:srgbClr val="000000"/>
                   </a:solidFill>
@@ -44966,7 +45290,7 @@
             </a:ln>
             <a:extLst>
               <a:ext uri="{91240B29-F687-4f45-9708-019B960494DF}">
-                <a14:hiddenLine xmlns="" xmlns:a16="http://schemas.microsoft.com/office/drawing/2014/main" xmlns:p14="http://schemas.microsoft.com/office/powerpoint/2010/main" xmlns:a14="http://schemas.microsoft.com/office/drawing/2010/main" w="9525">
+                <a14:hiddenLine xmlns:a14="http://schemas.microsoft.com/office/drawing/2010/main" xmlns:p14="http://schemas.microsoft.com/office/powerpoint/2010/main" xmlns:a16="http://schemas.microsoft.com/office/drawing/2014/main" xmlns="" w="9525">
                   <a:solidFill>
                     <a:srgbClr val="000000"/>
                   </a:solidFill>
@@ -45022,7 +45346,7 @@
             </a:ln>
             <a:extLst>
               <a:ext uri="{91240B29-F687-4f45-9708-019B960494DF}">
-                <a14:hiddenLine xmlns="" xmlns:a16="http://schemas.microsoft.com/office/drawing/2014/main" xmlns:p14="http://schemas.microsoft.com/office/powerpoint/2010/main" xmlns:a14="http://schemas.microsoft.com/office/drawing/2010/main" w="9525">
+                <a14:hiddenLine xmlns:a14="http://schemas.microsoft.com/office/drawing/2010/main" xmlns:p14="http://schemas.microsoft.com/office/powerpoint/2010/main" xmlns:a16="http://schemas.microsoft.com/office/drawing/2014/main" xmlns="" w="9525">
                   <a:solidFill>
                     <a:srgbClr val="000000"/>
                   </a:solidFill>
@@ -45109,7 +45433,7 @@
             </a:ln>
             <a:extLst>
               <a:ext uri="{91240B29-F687-4f45-9708-019B960494DF}">
-                <a14:hiddenLine xmlns="" xmlns:a16="http://schemas.microsoft.com/office/drawing/2014/main" xmlns:p14="http://schemas.microsoft.com/office/powerpoint/2010/main" xmlns:a14="http://schemas.microsoft.com/office/drawing/2010/main" w="9525">
+                <a14:hiddenLine xmlns:a14="http://schemas.microsoft.com/office/drawing/2010/main" xmlns:p14="http://schemas.microsoft.com/office/powerpoint/2010/main" xmlns:a16="http://schemas.microsoft.com/office/drawing/2014/main" xmlns="" w="9525">
                   <a:solidFill>
                     <a:srgbClr val="000000"/>
                   </a:solidFill>
@@ -45221,7 +45545,7 @@
             </a:ln>
             <a:extLst>
               <a:ext uri="{91240B29-F687-4f45-9708-019B960494DF}">
-                <a14:hiddenLine xmlns="" xmlns:a16="http://schemas.microsoft.com/office/drawing/2014/main" xmlns:p14="http://schemas.microsoft.com/office/powerpoint/2010/main" xmlns:a14="http://schemas.microsoft.com/office/drawing/2010/main" w="9525">
+                <a14:hiddenLine xmlns:a14="http://schemas.microsoft.com/office/drawing/2010/main" xmlns:p14="http://schemas.microsoft.com/office/powerpoint/2010/main" xmlns:a16="http://schemas.microsoft.com/office/drawing/2014/main" xmlns="" w="9525">
                   <a:solidFill>
                     <a:srgbClr val="000000"/>
                   </a:solidFill>
@@ -45305,7 +45629,7 @@
             </a:ln>
             <a:extLst>
               <a:ext uri="{91240B29-F687-4f45-9708-019B960494DF}">
-                <a14:hiddenLine xmlns="" xmlns:a16="http://schemas.microsoft.com/office/drawing/2014/main" xmlns:p14="http://schemas.microsoft.com/office/powerpoint/2010/main" xmlns:a14="http://schemas.microsoft.com/office/drawing/2010/main" w="9525">
+                <a14:hiddenLine xmlns:a14="http://schemas.microsoft.com/office/drawing/2010/main" xmlns:p14="http://schemas.microsoft.com/office/powerpoint/2010/main" xmlns:a16="http://schemas.microsoft.com/office/drawing/2014/main" xmlns="" w="9525">
                   <a:solidFill>
                     <a:srgbClr val="000000"/>
                   </a:solidFill>
@@ -45417,7 +45741,7 @@
             </a:ln>
             <a:extLst>
               <a:ext uri="{91240B29-F687-4f45-9708-019B960494DF}">
-                <a14:hiddenLine xmlns="" xmlns:a16="http://schemas.microsoft.com/office/drawing/2014/main" xmlns:p14="http://schemas.microsoft.com/office/powerpoint/2010/main" xmlns:a14="http://schemas.microsoft.com/office/drawing/2010/main" w="9525">
+                <a14:hiddenLine xmlns:a14="http://schemas.microsoft.com/office/drawing/2010/main" xmlns:p14="http://schemas.microsoft.com/office/powerpoint/2010/main" xmlns:a16="http://schemas.microsoft.com/office/drawing/2014/main" xmlns="" w="9525">
                   <a:solidFill>
                     <a:srgbClr val="000000"/>
                   </a:solidFill>
@@ -45504,7 +45828,7 @@
             </a:ln>
             <a:extLst>
               <a:ext uri="{91240B29-F687-4f45-9708-019B960494DF}">
-                <a14:hiddenLine xmlns="" xmlns:a16="http://schemas.microsoft.com/office/drawing/2014/main" xmlns:p14="http://schemas.microsoft.com/office/powerpoint/2010/main" xmlns:a14="http://schemas.microsoft.com/office/drawing/2010/main" w="9525">
+                <a14:hiddenLine xmlns:a14="http://schemas.microsoft.com/office/drawing/2010/main" xmlns:p14="http://schemas.microsoft.com/office/powerpoint/2010/main" xmlns:a16="http://schemas.microsoft.com/office/drawing/2014/main" xmlns="" w="9525">
                   <a:solidFill>
                     <a:srgbClr val="000000"/>
                   </a:solidFill>
@@ -45588,7 +45912,7 @@
             </a:ln>
             <a:extLst>
               <a:ext uri="{91240B29-F687-4f45-9708-019B960494DF}">
-                <a14:hiddenLine xmlns="" xmlns:a16="http://schemas.microsoft.com/office/drawing/2014/main" xmlns:p14="http://schemas.microsoft.com/office/powerpoint/2010/main" xmlns:a14="http://schemas.microsoft.com/office/drawing/2010/main" w="9525">
+                <a14:hiddenLine xmlns:a14="http://schemas.microsoft.com/office/drawing/2010/main" xmlns:p14="http://schemas.microsoft.com/office/powerpoint/2010/main" xmlns:a16="http://schemas.microsoft.com/office/drawing/2014/main" xmlns="" w="9525">
                   <a:solidFill>
                     <a:srgbClr val="000000"/>
                   </a:solidFill>
@@ -45700,7 +46024,7 @@
             </a:ln>
             <a:extLst>
               <a:ext uri="{91240B29-F687-4f45-9708-019B960494DF}">
-                <a14:hiddenLine xmlns="" xmlns:a16="http://schemas.microsoft.com/office/drawing/2014/main" xmlns:p14="http://schemas.microsoft.com/office/powerpoint/2010/main" xmlns:a14="http://schemas.microsoft.com/office/drawing/2010/main" w="9525">
+                <a14:hiddenLine xmlns:a14="http://schemas.microsoft.com/office/drawing/2010/main" xmlns:p14="http://schemas.microsoft.com/office/powerpoint/2010/main" xmlns:a16="http://schemas.microsoft.com/office/drawing/2014/main" xmlns="" w="9525">
                   <a:solidFill>
                     <a:srgbClr val="000000"/>
                   </a:solidFill>
@@ -45812,7 +46136,7 @@
             </a:ln>
             <a:extLst>
               <a:ext uri="{91240B29-F687-4f45-9708-019B960494DF}">
-                <a14:hiddenLine xmlns="" xmlns:a16="http://schemas.microsoft.com/office/drawing/2014/main" xmlns:p14="http://schemas.microsoft.com/office/powerpoint/2010/main" xmlns:a14="http://schemas.microsoft.com/office/drawing/2010/main" w="9525">
+                <a14:hiddenLine xmlns:a14="http://schemas.microsoft.com/office/drawing/2010/main" xmlns:p14="http://schemas.microsoft.com/office/powerpoint/2010/main" xmlns:a16="http://schemas.microsoft.com/office/drawing/2014/main" xmlns="" w="9525">
                   <a:solidFill>
                     <a:srgbClr val="000000"/>
                   </a:solidFill>
@@ -45899,7 +46223,7 @@
             </a:ln>
             <a:extLst>
               <a:ext uri="{91240B29-F687-4f45-9708-019B960494DF}">
-                <a14:hiddenLine xmlns="" xmlns:a16="http://schemas.microsoft.com/office/drawing/2014/main" xmlns:p14="http://schemas.microsoft.com/office/powerpoint/2010/main" xmlns:a14="http://schemas.microsoft.com/office/drawing/2010/main" w="9525">
+                <a14:hiddenLine xmlns:a14="http://schemas.microsoft.com/office/drawing/2010/main" xmlns:p14="http://schemas.microsoft.com/office/powerpoint/2010/main" xmlns:a16="http://schemas.microsoft.com/office/drawing/2014/main" xmlns="" w="9525">
                   <a:solidFill>
                     <a:srgbClr val="000000"/>
                   </a:solidFill>
@@ -46041,7 +46365,7 @@
             </a:ln>
             <a:extLst>
               <a:ext uri="{91240B29-F687-4f45-9708-019B960494DF}">
-                <a14:hiddenLine xmlns="" xmlns:a16="http://schemas.microsoft.com/office/drawing/2014/main" xmlns:p14="http://schemas.microsoft.com/office/powerpoint/2010/main" xmlns:a14="http://schemas.microsoft.com/office/drawing/2010/main" w="9525">
+                <a14:hiddenLine xmlns:a14="http://schemas.microsoft.com/office/drawing/2010/main" xmlns:p14="http://schemas.microsoft.com/office/powerpoint/2010/main" xmlns:a16="http://schemas.microsoft.com/office/drawing/2014/main" xmlns="" w="9525">
                   <a:solidFill>
                     <a:srgbClr val="000000"/>
                   </a:solidFill>

--- a/Presentation.pptx
+++ b/Presentation.pptx
@@ -22,7 +22,8 @@
     <p:sldId id="273" r:id="rId16"/>
     <p:sldId id="269" r:id="rId17"/>
     <p:sldId id="268" r:id="rId18"/>
-    <p:sldId id="260" r:id="rId19"/>
+    <p:sldId id="274" r:id="rId19"/>
+    <p:sldId id="275" r:id="rId20"/>
   </p:sldIdLst>
   <p:sldSz cx="12192000" cy="6858000"/>
   <p:notesSz cx="6858000" cy="9144000"/>
@@ -127,6 +128,18 @@
     </p:ext>
   </p:extLst>
 </p:presentation>
+</file>
+
+<file path=ppt/commentAuthors.xml><?xml version="1.0" encoding="utf-8"?>
+<p:cmAuthorLst xmlns:a="http://schemas.openxmlformats.org/drawingml/2006/main" xmlns:r="http://schemas.openxmlformats.org/officeDocument/2006/relationships" xmlns:p="http://schemas.openxmlformats.org/presentationml/2006/main">
+  <p:cmAuthor id="1" name="Mohammed Nawaz" initials="MN" lastIdx="1" clrIdx="0">
+    <p:extLst>
+      <p:ext uri="{19B8F6BF-5375-455C-9EA6-DF929625EA0E}">
+        <p15:presenceInfo xmlns:p15="http://schemas.microsoft.com/office/powerpoint/2012/main" userId="ca7d26f26492b212" providerId="Windows Live"/>
+      </p:ext>
+    </p:extLst>
+  </p:cmAuthor>
+</p:cmAuthorLst>
 </file>
 
 <file path=ppt/revisionInfo.xml><?xml version="1.0" encoding="utf-8"?>
@@ -1027,6 +1040,1281 @@
     </pc:docChg>
   </pc:docChgLst>
 </pc:chgInfo>
+</file>
+
+<file path=ppt/charts/chart1.xml><?xml version="1.0" encoding="utf-8"?>
+<c:chartSpace xmlns:c="http://schemas.openxmlformats.org/drawingml/2006/chart" xmlns:a="http://schemas.openxmlformats.org/drawingml/2006/main" xmlns:r="http://schemas.openxmlformats.org/officeDocument/2006/relationships" xmlns:c16r2="http://schemas.microsoft.com/office/drawing/2015/06/chart">
+  <c:date1904 val="0"/>
+  <c:lang val="en-US"/>
+  <c:roundedCorners val="0"/>
+  <mc:AlternateContent xmlns:mc="http://schemas.openxmlformats.org/markup-compatibility/2006">
+    <mc:Choice xmlns:c14="http://schemas.microsoft.com/office/drawing/2007/8/2/chart" Requires="c14">
+      <c14:style val="102"/>
+    </mc:Choice>
+    <mc:Fallback>
+      <c:style val="2"/>
+    </mc:Fallback>
+  </mc:AlternateContent>
+  <c:chart>
+    <c:title>
+      <c:tx>
+        <c:rich>
+          <a:bodyPr rot="0" spcFirstLastPara="1" vertOverflow="ellipsis" vert="horz" wrap="square" anchor="ctr" anchorCtr="1"/>
+          <a:lstStyle/>
+          <a:p>
+            <a:pPr>
+              <a:defRPr sz="2200" b="0" i="0" u="none" strike="noStrike" kern="1200" cap="all" baseline="0">
+                <a:solidFill>
+                  <a:schemeClr val="lt1"/>
+                </a:solidFill>
+                <a:latin typeface="+mn-lt"/>
+                <a:ea typeface="+mn-ea"/>
+                <a:cs typeface="+mn-cs"/>
+              </a:defRPr>
+            </a:pPr>
+            <a:r>
+              <a:rPr lang="en-US" dirty="0" err="1"/>
+              <a:t>Comparism</a:t>
+            </a:r>
+            <a:r>
+              <a:rPr lang="en-US" baseline="0" dirty="0"/>
+              <a:t> of three results</a:t>
+            </a:r>
+            <a:endParaRPr lang="en-US" dirty="0"/>
+          </a:p>
+        </c:rich>
+      </c:tx>
+      <c:overlay val="0"/>
+      <c:spPr>
+        <a:noFill/>
+        <a:ln>
+          <a:noFill/>
+        </a:ln>
+        <a:effectLst/>
+      </c:spPr>
+      <c:txPr>
+        <a:bodyPr rot="0" spcFirstLastPara="1" vertOverflow="ellipsis" vert="horz" wrap="square" anchor="ctr" anchorCtr="1"/>
+        <a:lstStyle/>
+        <a:p>
+          <a:pPr>
+            <a:defRPr sz="2200" b="0" i="0" u="none" strike="noStrike" kern="1200" cap="all" baseline="0">
+              <a:solidFill>
+                <a:schemeClr val="lt1"/>
+              </a:solidFill>
+              <a:latin typeface="+mn-lt"/>
+              <a:ea typeface="+mn-ea"/>
+              <a:cs typeface="+mn-cs"/>
+            </a:defRPr>
+          </a:pPr>
+          <a:endParaRPr lang="en-US"/>
+        </a:p>
+      </c:txPr>
+    </c:title>
+    <c:autoTitleDeleted val="0"/>
+    <c:view3D>
+      <c:rotX val="15"/>
+      <c:rotY val="20"/>
+      <c:depthPercent val="100"/>
+      <c:rAngAx val="1"/>
+    </c:view3D>
+    <c:floor>
+      <c:thickness val="0"/>
+      <c:spPr>
+        <a:solidFill>
+          <a:schemeClr val="bg2">
+            <a:lumMod val="75000"/>
+            <a:alpha val="27000"/>
+          </a:schemeClr>
+        </a:solidFill>
+        <a:ln>
+          <a:noFill/>
+        </a:ln>
+        <a:effectLst/>
+        <a:sp3d/>
+      </c:spPr>
+    </c:floor>
+    <c:sideWall>
+      <c:thickness val="0"/>
+      <c:spPr>
+        <a:noFill/>
+        <a:ln>
+          <a:noFill/>
+        </a:ln>
+        <a:effectLst/>
+        <a:sp3d/>
+      </c:spPr>
+    </c:sideWall>
+    <c:backWall>
+      <c:thickness val="0"/>
+      <c:spPr>
+        <a:noFill/>
+        <a:ln>
+          <a:noFill/>
+        </a:ln>
+        <a:effectLst/>
+        <a:sp3d/>
+      </c:spPr>
+    </c:backWall>
+    <c:plotArea>
+      <c:layout/>
+      <c:bar3DChart>
+        <c:barDir val="col"/>
+        <c:grouping val="clustered"/>
+        <c:varyColors val="0"/>
+        <c:ser>
+          <c:idx val="0"/>
+          <c:order val="0"/>
+          <c:tx>
+            <c:strRef>
+              <c:f>Sheet1!$B$1</c:f>
+              <c:strCache>
+                <c:ptCount val="1"/>
+                <c:pt idx="0">
+                  <c:v>Series 1</c:v>
+                </c:pt>
+              </c:strCache>
+            </c:strRef>
+          </c:tx>
+          <c:spPr>
+            <a:solidFill>
+              <a:srgbClr val="00B050"/>
+            </a:solidFill>
+            <a:ln>
+              <a:solidFill>
+                <a:schemeClr val="accent1">
+                  <a:lumMod val="50000"/>
+                </a:schemeClr>
+              </a:solidFill>
+            </a:ln>
+            <a:effectLst/>
+            <a:scene3d>
+              <a:camera prst="orthographicFront"/>
+              <a:lightRig rig="threePt" dir="t"/>
+            </a:scene3d>
+            <a:sp3d prstMaterial="flat">
+              <a:contourClr>
+                <a:schemeClr val="accent1">
+                  <a:lumMod val="50000"/>
+                </a:schemeClr>
+              </a:contourClr>
+            </a:sp3d>
+          </c:spPr>
+          <c:invertIfNegative val="0"/>
+          <c:dLbls>
+            <c:spPr>
+              <a:solidFill>
+                <a:schemeClr val="accent1">
+                  <a:alpha val="30000"/>
+                </a:schemeClr>
+              </a:solidFill>
+              <a:ln>
+                <a:solidFill>
+                  <a:schemeClr val="lt1">
+                    <a:alpha val="50000"/>
+                  </a:schemeClr>
+                </a:solidFill>
+                <a:round/>
+              </a:ln>
+              <a:effectLst>
+                <a:outerShdw blurRad="63500" dist="88900" dir="2700000" algn="tl" rotWithShape="0">
+                  <a:prstClr val="black">
+                    <a:alpha val="40000"/>
+                  </a:prstClr>
+                </a:outerShdw>
+              </a:effectLst>
+            </c:spPr>
+            <c:txPr>
+              <a:bodyPr rot="0" spcFirstLastPara="1" vertOverflow="ellipsis" vert="horz" wrap="square" lIns="38100" tIns="19050" rIns="38100" bIns="19050" anchor="ctr" anchorCtr="1">
+                <a:spAutoFit/>
+              </a:bodyPr>
+              <a:lstStyle/>
+              <a:p>
+                <a:pPr>
+                  <a:defRPr sz="1197" b="1" i="0" u="none" strike="noStrike" kern="1200" baseline="0">
+                    <a:solidFill>
+                      <a:schemeClr val="lt1"/>
+                    </a:solidFill>
+                    <a:latin typeface="+mn-lt"/>
+                    <a:ea typeface="+mn-ea"/>
+                    <a:cs typeface="+mn-cs"/>
+                  </a:defRPr>
+                </a:pPr>
+                <a:endParaRPr lang="en-US"/>
+              </a:p>
+            </c:txPr>
+            <c:showLegendKey val="0"/>
+            <c:showVal val="1"/>
+            <c:showCatName val="0"/>
+            <c:showSerName val="0"/>
+            <c:showPercent val="0"/>
+            <c:showBubbleSize val="0"/>
+            <c:showLeaderLines val="0"/>
+            <c:extLst>
+              <c:ext xmlns:c15="http://schemas.microsoft.com/office/drawing/2012/chart" uri="{CE6537A1-D6FC-4f65-9D91-7224C49458BB}">
+                <c15:showLeaderLines val="1"/>
+                <c15:leaderLines>
+                  <c:spPr>
+                    <a:ln w="9525">
+                      <a:solidFill>
+                        <a:schemeClr val="lt1">
+                          <a:lumMod val="50000"/>
+                        </a:schemeClr>
+                      </a:solidFill>
+                      <a:round/>
+                    </a:ln>
+                    <a:effectLst/>
+                  </c:spPr>
+                </c15:leaderLines>
+              </c:ext>
+            </c:extLst>
+          </c:dLbls>
+          <c:cat>
+            <c:strRef>
+              <c:f>Sheet1!$A$2:$A$4</c:f>
+              <c:strCache>
+                <c:ptCount val="3"/>
+                <c:pt idx="0">
+                  <c:v>Baseline accuracy</c:v>
+                </c:pt>
+                <c:pt idx="1">
+                  <c:v>Optimized accuracy using Grid search</c:v>
+                </c:pt>
+                <c:pt idx="2">
+                  <c:v>Standard Scaler</c:v>
+                </c:pt>
+              </c:strCache>
+            </c:strRef>
+          </c:cat>
+          <c:val>
+            <c:numRef>
+              <c:f>Sheet1!$B$2:$B$4</c:f>
+              <c:numCache>
+                <c:formatCode>General</c:formatCode>
+                <c:ptCount val="3"/>
+                <c:pt idx="0">
+                  <c:v>0.62</c:v>
+                </c:pt>
+                <c:pt idx="1">
+                  <c:v>0.65</c:v>
+                </c:pt>
+                <c:pt idx="2">
+                  <c:v>0.62</c:v>
+                </c:pt>
+              </c:numCache>
+            </c:numRef>
+          </c:val>
+          <c:extLst>
+            <c:ext xmlns:c16="http://schemas.microsoft.com/office/drawing/2014/chart" uri="{C3380CC4-5D6E-409C-BE32-E72D297353CC}">
+              <c16:uniqueId val="{00000000-7D54-BA46-BA96-D375D88333AB}"/>
+            </c:ext>
+          </c:extLst>
+        </c:ser>
+        <c:ser>
+          <c:idx val="1"/>
+          <c:order val="1"/>
+          <c:tx>
+            <c:strRef>
+              <c:f>Sheet1!$C$1</c:f>
+              <c:strCache>
+                <c:ptCount val="1"/>
+                <c:pt idx="0">
+                  <c:v>Column2</c:v>
+                </c:pt>
+              </c:strCache>
+            </c:strRef>
+          </c:tx>
+          <c:spPr>
+            <a:solidFill>
+              <a:schemeClr val="accent2">
+                <a:alpha val="88000"/>
+              </a:schemeClr>
+            </a:solidFill>
+            <a:ln>
+              <a:solidFill>
+                <a:schemeClr val="accent2">
+                  <a:lumMod val="50000"/>
+                </a:schemeClr>
+              </a:solidFill>
+            </a:ln>
+            <a:effectLst/>
+            <a:scene3d>
+              <a:camera prst="orthographicFront"/>
+              <a:lightRig rig="threePt" dir="t"/>
+            </a:scene3d>
+            <a:sp3d prstMaterial="flat">
+              <a:contourClr>
+                <a:schemeClr val="accent2">
+                  <a:lumMod val="50000"/>
+                </a:schemeClr>
+              </a:contourClr>
+            </a:sp3d>
+          </c:spPr>
+          <c:invertIfNegative val="0"/>
+          <c:dLbls>
+            <c:spPr>
+              <a:solidFill>
+                <a:schemeClr val="accent2">
+                  <a:alpha val="30000"/>
+                </a:schemeClr>
+              </a:solidFill>
+              <a:ln>
+                <a:solidFill>
+                  <a:schemeClr val="lt1">
+                    <a:alpha val="50000"/>
+                  </a:schemeClr>
+                </a:solidFill>
+                <a:round/>
+              </a:ln>
+              <a:effectLst>
+                <a:outerShdw blurRad="63500" dist="88900" dir="2700000" algn="tl" rotWithShape="0">
+                  <a:prstClr val="black">
+                    <a:alpha val="40000"/>
+                  </a:prstClr>
+                </a:outerShdw>
+              </a:effectLst>
+            </c:spPr>
+            <c:txPr>
+              <a:bodyPr rot="0" spcFirstLastPara="1" vertOverflow="ellipsis" vert="horz" wrap="square" lIns="38100" tIns="19050" rIns="38100" bIns="19050" anchor="ctr" anchorCtr="1">
+                <a:spAutoFit/>
+              </a:bodyPr>
+              <a:lstStyle/>
+              <a:p>
+                <a:pPr>
+                  <a:defRPr sz="1197" b="1" i="0" u="none" strike="noStrike" kern="1200" baseline="0">
+                    <a:solidFill>
+                      <a:schemeClr val="lt1"/>
+                    </a:solidFill>
+                    <a:latin typeface="+mn-lt"/>
+                    <a:ea typeface="+mn-ea"/>
+                    <a:cs typeface="+mn-cs"/>
+                  </a:defRPr>
+                </a:pPr>
+                <a:endParaRPr lang="en-US"/>
+              </a:p>
+            </c:txPr>
+            <c:showLegendKey val="0"/>
+            <c:showVal val="1"/>
+            <c:showCatName val="0"/>
+            <c:showSerName val="0"/>
+            <c:showPercent val="0"/>
+            <c:showBubbleSize val="0"/>
+            <c:showLeaderLines val="0"/>
+            <c:extLst>
+              <c:ext xmlns:c15="http://schemas.microsoft.com/office/drawing/2012/chart" uri="{CE6537A1-D6FC-4f65-9D91-7224C49458BB}">
+                <c15:showLeaderLines val="1"/>
+                <c15:leaderLines>
+                  <c:spPr>
+                    <a:ln w="9525">
+                      <a:solidFill>
+                        <a:schemeClr val="lt1">
+                          <a:lumMod val="50000"/>
+                        </a:schemeClr>
+                      </a:solidFill>
+                      <a:round/>
+                    </a:ln>
+                    <a:effectLst/>
+                  </c:spPr>
+                </c15:leaderLines>
+              </c:ext>
+            </c:extLst>
+          </c:dLbls>
+          <c:cat>
+            <c:strRef>
+              <c:f>Sheet1!$A$2:$A$4</c:f>
+              <c:strCache>
+                <c:ptCount val="3"/>
+                <c:pt idx="0">
+                  <c:v>Baseline accuracy</c:v>
+                </c:pt>
+                <c:pt idx="1">
+                  <c:v>Optimized accuracy using Grid search</c:v>
+                </c:pt>
+                <c:pt idx="2">
+                  <c:v>Standard Scaler</c:v>
+                </c:pt>
+              </c:strCache>
+            </c:strRef>
+          </c:cat>
+          <c:val>
+            <c:numRef>
+              <c:f>Sheet1!$C$2:$C$4</c:f>
+              <c:numCache>
+                <c:formatCode>General</c:formatCode>
+                <c:ptCount val="3"/>
+              </c:numCache>
+            </c:numRef>
+          </c:val>
+          <c:extLst>
+            <c:ext xmlns:c16="http://schemas.microsoft.com/office/drawing/2014/chart" uri="{C3380CC4-5D6E-409C-BE32-E72D297353CC}">
+              <c16:uniqueId val="{00000001-7D54-BA46-BA96-D375D88333AB}"/>
+            </c:ext>
+          </c:extLst>
+        </c:ser>
+        <c:ser>
+          <c:idx val="2"/>
+          <c:order val="2"/>
+          <c:tx>
+            <c:strRef>
+              <c:f>Sheet1!$D$1</c:f>
+              <c:strCache>
+                <c:ptCount val="1"/>
+                <c:pt idx="0">
+                  <c:v>Column3</c:v>
+                </c:pt>
+              </c:strCache>
+            </c:strRef>
+          </c:tx>
+          <c:spPr>
+            <a:solidFill>
+              <a:schemeClr val="accent3">
+                <a:alpha val="88000"/>
+              </a:schemeClr>
+            </a:solidFill>
+            <a:ln>
+              <a:solidFill>
+                <a:schemeClr val="accent3">
+                  <a:lumMod val="50000"/>
+                </a:schemeClr>
+              </a:solidFill>
+            </a:ln>
+            <a:effectLst/>
+            <a:scene3d>
+              <a:camera prst="orthographicFront"/>
+              <a:lightRig rig="threePt" dir="t"/>
+            </a:scene3d>
+            <a:sp3d prstMaterial="flat">
+              <a:contourClr>
+                <a:schemeClr val="accent3">
+                  <a:lumMod val="50000"/>
+                </a:schemeClr>
+              </a:contourClr>
+            </a:sp3d>
+          </c:spPr>
+          <c:invertIfNegative val="0"/>
+          <c:dLbls>
+            <c:spPr>
+              <a:solidFill>
+                <a:schemeClr val="accent3">
+                  <a:alpha val="30000"/>
+                </a:schemeClr>
+              </a:solidFill>
+              <a:ln>
+                <a:solidFill>
+                  <a:schemeClr val="lt1">
+                    <a:alpha val="50000"/>
+                  </a:schemeClr>
+                </a:solidFill>
+                <a:round/>
+              </a:ln>
+              <a:effectLst>
+                <a:outerShdw blurRad="63500" dist="88900" dir="2700000" algn="tl" rotWithShape="0">
+                  <a:prstClr val="black">
+                    <a:alpha val="40000"/>
+                  </a:prstClr>
+                </a:outerShdw>
+              </a:effectLst>
+            </c:spPr>
+            <c:txPr>
+              <a:bodyPr rot="0" spcFirstLastPara="1" vertOverflow="ellipsis" vert="horz" wrap="square" lIns="38100" tIns="19050" rIns="38100" bIns="19050" anchor="ctr" anchorCtr="1">
+                <a:spAutoFit/>
+              </a:bodyPr>
+              <a:lstStyle/>
+              <a:p>
+                <a:pPr>
+                  <a:defRPr sz="1197" b="1" i="0" u="none" strike="noStrike" kern="1200" baseline="0">
+                    <a:solidFill>
+                      <a:schemeClr val="lt1"/>
+                    </a:solidFill>
+                    <a:latin typeface="+mn-lt"/>
+                    <a:ea typeface="+mn-ea"/>
+                    <a:cs typeface="+mn-cs"/>
+                  </a:defRPr>
+                </a:pPr>
+                <a:endParaRPr lang="en-US"/>
+              </a:p>
+            </c:txPr>
+            <c:showLegendKey val="0"/>
+            <c:showVal val="1"/>
+            <c:showCatName val="0"/>
+            <c:showSerName val="0"/>
+            <c:showPercent val="0"/>
+            <c:showBubbleSize val="0"/>
+            <c:showLeaderLines val="0"/>
+            <c:extLst>
+              <c:ext xmlns:c15="http://schemas.microsoft.com/office/drawing/2012/chart" uri="{CE6537A1-D6FC-4f65-9D91-7224C49458BB}">
+                <c15:showLeaderLines val="1"/>
+                <c15:leaderLines>
+                  <c:spPr>
+                    <a:ln w="9525">
+                      <a:solidFill>
+                        <a:schemeClr val="lt1">
+                          <a:lumMod val="50000"/>
+                        </a:schemeClr>
+                      </a:solidFill>
+                      <a:round/>
+                    </a:ln>
+                    <a:effectLst/>
+                  </c:spPr>
+                </c15:leaderLines>
+              </c:ext>
+            </c:extLst>
+          </c:dLbls>
+          <c:cat>
+            <c:strRef>
+              <c:f>Sheet1!$A$2:$A$4</c:f>
+              <c:strCache>
+                <c:ptCount val="3"/>
+                <c:pt idx="0">
+                  <c:v>Baseline accuracy</c:v>
+                </c:pt>
+                <c:pt idx="1">
+                  <c:v>Optimized accuracy using Grid search</c:v>
+                </c:pt>
+                <c:pt idx="2">
+                  <c:v>Standard Scaler</c:v>
+                </c:pt>
+              </c:strCache>
+            </c:strRef>
+          </c:cat>
+          <c:val>
+            <c:numRef>
+              <c:f>Sheet1!$D$2:$D$4</c:f>
+              <c:numCache>
+                <c:formatCode>General</c:formatCode>
+                <c:ptCount val="3"/>
+              </c:numCache>
+            </c:numRef>
+          </c:val>
+          <c:extLst>
+            <c:ext xmlns:c16="http://schemas.microsoft.com/office/drawing/2014/chart" uri="{C3380CC4-5D6E-409C-BE32-E72D297353CC}">
+              <c16:uniqueId val="{00000002-7D54-BA46-BA96-D375D88333AB}"/>
+            </c:ext>
+          </c:extLst>
+        </c:ser>
+        <c:dLbls>
+          <c:showLegendKey val="0"/>
+          <c:showVal val="1"/>
+          <c:showCatName val="0"/>
+          <c:showSerName val="0"/>
+          <c:showPercent val="0"/>
+          <c:showBubbleSize val="0"/>
+        </c:dLbls>
+        <c:gapWidth val="70"/>
+        <c:gapDepth val="75"/>
+        <c:shape val="box"/>
+        <c:axId val="138003328"/>
+        <c:axId val="363679312"/>
+        <c:axId val="0"/>
+      </c:bar3DChart>
+      <c:catAx>
+        <c:axId val="138003328"/>
+        <c:scaling>
+          <c:orientation val="minMax"/>
+        </c:scaling>
+        <c:delete val="0"/>
+        <c:axPos val="b"/>
+        <c:numFmt formatCode="General" sourceLinked="1"/>
+        <c:majorTickMark val="none"/>
+        <c:minorTickMark val="none"/>
+        <c:tickLblPos val="nextTo"/>
+        <c:spPr>
+          <a:noFill/>
+          <a:ln>
+            <a:noFill/>
+          </a:ln>
+          <a:effectLst/>
+        </c:spPr>
+        <c:txPr>
+          <a:bodyPr rot="-60000000" spcFirstLastPara="1" vertOverflow="ellipsis" vert="horz" wrap="square" anchor="ctr" anchorCtr="1"/>
+          <a:lstStyle/>
+          <a:p>
+            <a:pPr>
+              <a:defRPr sz="1197" b="0" i="0" u="none" strike="noStrike" kern="1200" baseline="0">
+                <a:solidFill>
+                  <a:schemeClr val="lt1">
+                    <a:lumMod val="75000"/>
+                  </a:schemeClr>
+                </a:solidFill>
+                <a:latin typeface="+mn-lt"/>
+                <a:ea typeface="+mn-ea"/>
+                <a:cs typeface="+mn-cs"/>
+              </a:defRPr>
+            </a:pPr>
+            <a:endParaRPr lang="en-US"/>
+          </a:p>
+        </c:txPr>
+        <c:crossAx val="363679312"/>
+        <c:crosses val="autoZero"/>
+        <c:auto val="1"/>
+        <c:lblAlgn val="ctr"/>
+        <c:lblOffset val="100"/>
+        <c:noMultiLvlLbl val="0"/>
+      </c:catAx>
+      <c:valAx>
+        <c:axId val="363679312"/>
+        <c:scaling>
+          <c:orientation val="minMax"/>
+        </c:scaling>
+        <c:delete val="1"/>
+        <c:axPos val="l"/>
+        <c:numFmt formatCode="General" sourceLinked="1"/>
+        <c:majorTickMark val="out"/>
+        <c:minorTickMark val="none"/>
+        <c:tickLblPos val="nextTo"/>
+        <c:crossAx val="138003328"/>
+        <c:crosses val="autoZero"/>
+        <c:crossBetween val="between"/>
+      </c:valAx>
+      <c:spPr>
+        <a:noFill/>
+        <a:ln>
+          <a:noFill/>
+        </a:ln>
+        <a:effectLst/>
+      </c:spPr>
+    </c:plotArea>
+    <c:plotVisOnly val="1"/>
+    <c:dispBlanksAs val="gap"/>
+    <c:extLst>
+      <c:ext xmlns:c16r3="http://schemas.microsoft.com/office/drawing/2017/03/chart" uri="{56B9EC1D-385E-4148-901F-78D8002777C0}">
+        <c16r3:dataDisplayOptions16>
+          <c16r3:dispNaAsBlank val="1"/>
+        </c16r3:dataDisplayOptions16>
+      </c:ext>
+    </c:extLst>
+    <c:showDLblsOverMax val="0"/>
+  </c:chart>
+  <c:spPr>
+    <a:solidFill>
+      <a:schemeClr val="dk1">
+        <a:lumMod val="75000"/>
+        <a:lumOff val="25000"/>
+      </a:schemeClr>
+    </a:solidFill>
+    <a:ln w="6350" cap="flat" cmpd="sng" algn="ctr">
+      <a:solidFill>
+        <a:schemeClr val="dk1">
+          <a:tint val="75000"/>
+        </a:schemeClr>
+      </a:solidFill>
+      <a:round/>
+    </a:ln>
+    <a:effectLst/>
+  </c:spPr>
+  <c:txPr>
+    <a:bodyPr/>
+    <a:lstStyle/>
+    <a:p>
+      <a:pPr>
+        <a:defRPr/>
+      </a:pPr>
+      <a:endParaRPr lang="en-US"/>
+    </a:p>
+  </c:txPr>
+  <c:externalData r:id="rId3">
+    <c:autoUpdate val="0"/>
+  </c:externalData>
+</c:chartSpace>
+</file>
+
+<file path=ppt/charts/colors1.xml><?xml version="1.0" encoding="utf-8"?>
+<cs:colorStyle xmlns:cs="http://schemas.microsoft.com/office/drawing/2012/chartStyle" xmlns:a="http://schemas.openxmlformats.org/drawingml/2006/main" meth="cycle" id="10">
+  <a:schemeClr val="accent1"/>
+  <a:schemeClr val="accent2"/>
+  <a:schemeClr val="accent3"/>
+  <a:schemeClr val="accent4"/>
+  <a:schemeClr val="accent5"/>
+  <a:schemeClr val="accent6"/>
+  <cs:variation/>
+  <cs:variation>
+    <a:lumMod val="60000"/>
+  </cs:variation>
+  <cs:variation>
+    <a:lumMod val="80000"/>
+    <a:lumOff val="20000"/>
+  </cs:variation>
+  <cs:variation>
+    <a:lumMod val="80000"/>
+  </cs:variation>
+  <cs:variation>
+    <a:lumMod val="60000"/>
+    <a:lumOff val="40000"/>
+  </cs:variation>
+  <cs:variation>
+    <a:lumMod val="50000"/>
+  </cs:variation>
+  <cs:variation>
+    <a:lumMod val="70000"/>
+    <a:lumOff val="30000"/>
+  </cs:variation>
+  <cs:variation>
+    <a:lumMod val="70000"/>
+  </cs:variation>
+  <cs:variation>
+    <a:lumMod val="50000"/>
+    <a:lumOff val="50000"/>
+  </cs:variation>
+</cs:colorStyle>
+</file>
+
+<file path=ppt/charts/style1.xml><?xml version="1.0" encoding="utf-8"?>
+<cs:chartStyle xmlns:cs="http://schemas.microsoft.com/office/drawing/2012/chartStyle" xmlns:a="http://schemas.openxmlformats.org/drawingml/2006/main" id="291">
+  <cs:axisTitle>
+    <cs:lnRef idx="0"/>
+    <cs:fillRef idx="0"/>
+    <cs:effectRef idx="0"/>
+    <cs:fontRef idx="minor">
+      <a:schemeClr val="lt1">
+        <a:lumMod val="75000"/>
+      </a:schemeClr>
+    </cs:fontRef>
+    <cs:defRPr sz="1197" kern="1200"/>
+  </cs:axisTitle>
+  <cs:categoryAxis>
+    <cs:lnRef idx="0"/>
+    <cs:fillRef idx="0"/>
+    <cs:effectRef idx="0"/>
+    <cs:fontRef idx="minor">
+      <a:schemeClr val="lt1">
+        <a:lumMod val="75000"/>
+      </a:schemeClr>
+    </cs:fontRef>
+    <cs:defRPr sz="1197" kern="1200"/>
+  </cs:categoryAxis>
+  <cs:chartArea>
+    <cs:lnRef idx="0"/>
+    <cs:fillRef idx="0"/>
+    <cs:effectRef idx="0"/>
+    <cs:fontRef idx="minor">
+      <a:schemeClr val="lt1"/>
+    </cs:fontRef>
+    <cs:spPr>
+      <a:solidFill>
+        <a:schemeClr val="dk1">
+          <a:lumMod val="75000"/>
+          <a:lumOff val="25000"/>
+        </a:schemeClr>
+      </a:solidFill>
+      <a:ln w="6350" cap="flat" cmpd="sng" algn="ctr">
+        <a:solidFill>
+          <a:schemeClr val="dk1">
+            <a:tint val="75000"/>
+          </a:schemeClr>
+        </a:solidFill>
+        <a:round/>
+      </a:ln>
+    </cs:spPr>
+    <cs:defRPr sz="1330" kern="1200"/>
+  </cs:chartArea>
+  <cs:dataLabel>
+    <cs:lnRef idx="0"/>
+    <cs:fillRef idx="0">
+      <cs:styleClr val="auto"/>
+    </cs:fillRef>
+    <cs:effectRef idx="0"/>
+    <cs:fontRef idx="minor">
+      <a:schemeClr val="lt1"/>
+    </cs:fontRef>
+    <cs:spPr>
+      <a:solidFill>
+        <a:schemeClr val="phClr">
+          <a:alpha val="30000"/>
+        </a:schemeClr>
+      </a:solidFill>
+      <a:ln>
+        <a:solidFill>
+          <a:schemeClr val="lt1">
+            <a:alpha val="50000"/>
+          </a:schemeClr>
+        </a:solidFill>
+        <a:round/>
+      </a:ln>
+      <a:effectLst>
+        <a:outerShdw blurRad="63500" dist="88900" dir="2700000" algn="tl" rotWithShape="0">
+          <a:prstClr val="black">
+            <a:alpha val="40000"/>
+          </a:prstClr>
+        </a:outerShdw>
+      </a:effectLst>
+    </cs:spPr>
+    <cs:defRPr sz="1197" b="1" i="0" u="none" strike="noStrike" kern="1200" baseline="0"/>
+  </cs:dataLabel>
+  <cs:dataLabelCallout>
+    <cs:lnRef idx="0"/>
+    <cs:fillRef idx="0">
+      <cs:styleClr val="auto"/>
+    </cs:fillRef>
+    <cs:effectRef idx="0"/>
+    <cs:fontRef idx="minor">
+      <a:schemeClr val="lt1"/>
+    </cs:fontRef>
+    <cs:spPr>
+      <a:solidFill>
+        <a:schemeClr val="phClr">
+          <a:alpha val="30000"/>
+        </a:schemeClr>
+      </a:solidFill>
+      <a:ln>
+        <a:solidFill>
+          <a:schemeClr val="lt1">
+            <a:alpha val="50000"/>
+          </a:schemeClr>
+        </a:solidFill>
+        <a:round/>
+      </a:ln>
+      <a:effectLst>
+        <a:outerShdw blurRad="63500" dist="88900" dir="2700000" algn="tl" rotWithShape="0">
+          <a:prstClr val="black">
+            <a:alpha val="40000"/>
+          </a:prstClr>
+        </a:outerShdw>
+      </a:effectLst>
+    </cs:spPr>
+    <cs:defRPr sz="1197" b="1" i="0" u="none" strike="noStrike" kern="1200" baseline="0"/>
+    <cs:bodyPr rot="0" spcFirstLastPara="1" vertOverflow="clip" horzOverflow="clip" vert="horz" wrap="square" lIns="36576" tIns="18288" rIns="36576" bIns="18288" anchor="ctr" anchorCtr="1">
+      <a:spAutoFit/>
+    </cs:bodyPr>
+  </cs:dataLabelCallout>
+  <cs:dataPoint>
+    <cs:lnRef idx="0">
+      <cs:styleClr val="auto"/>
+    </cs:lnRef>
+    <cs:fillRef idx="0">
+      <cs:styleClr val="auto"/>
+    </cs:fillRef>
+    <cs:effectRef idx="0"/>
+    <cs:fontRef idx="minor">
+      <a:schemeClr val="tx1"/>
+    </cs:fontRef>
+    <cs:spPr>
+      <a:solidFill>
+        <a:schemeClr val="phClr">
+          <a:alpha val="88000"/>
+        </a:schemeClr>
+      </a:solidFill>
+      <a:ln>
+        <a:solidFill>
+          <a:schemeClr val="phClr">
+            <a:lumMod val="50000"/>
+          </a:schemeClr>
+        </a:solidFill>
+      </a:ln>
+    </cs:spPr>
+  </cs:dataPoint>
+  <cs:dataPoint3D>
+    <cs:lnRef idx="0">
+      <cs:styleClr val="auto"/>
+    </cs:lnRef>
+    <cs:fillRef idx="0">
+      <cs:styleClr val="auto"/>
+    </cs:fillRef>
+    <cs:effectRef idx="0"/>
+    <cs:fontRef idx="minor">
+      <a:schemeClr val="tx1"/>
+    </cs:fontRef>
+    <cs:spPr>
+      <a:solidFill>
+        <a:schemeClr val="phClr">
+          <a:alpha val="88000"/>
+        </a:schemeClr>
+      </a:solidFill>
+      <a:ln>
+        <a:solidFill>
+          <a:schemeClr val="phClr">
+            <a:lumMod val="50000"/>
+          </a:schemeClr>
+        </a:solidFill>
+      </a:ln>
+      <a:scene3d>
+        <a:camera prst="orthographicFront"/>
+        <a:lightRig rig="threePt" dir="t"/>
+      </a:scene3d>
+      <a:sp3d prstMaterial="flat"/>
+    </cs:spPr>
+  </cs:dataPoint3D>
+  <cs:dataPointLine>
+    <cs:lnRef idx="0">
+      <cs:styleClr val="auto"/>
+    </cs:lnRef>
+    <cs:fillRef idx="0"/>
+    <cs:effectRef idx="0"/>
+    <cs:fontRef idx="minor">
+      <a:schemeClr val="tx1"/>
+    </cs:fontRef>
+    <cs:spPr>
+      <a:ln w="28575" cap="rnd">
+        <a:solidFill>
+          <a:schemeClr val="phClr"/>
+        </a:solidFill>
+        <a:round/>
+      </a:ln>
+    </cs:spPr>
+  </cs:dataPointLine>
+  <cs:dataPointMarker>
+    <cs:lnRef idx="0"/>
+    <cs:fillRef idx="0">
+      <cs:styleClr val="auto"/>
+    </cs:fillRef>
+    <cs:effectRef idx="0"/>
+    <cs:fontRef idx="minor">
+      <a:schemeClr val="tx1"/>
+    </cs:fontRef>
+    <cs:spPr>
+      <a:solidFill>
+        <a:schemeClr val="phClr"/>
+      </a:solidFill>
+      <a:ln w="9525">
+        <a:solidFill>
+          <a:schemeClr val="dk1">
+            <a:lumMod val="75000"/>
+            <a:lumOff val="25000"/>
+          </a:schemeClr>
+        </a:solidFill>
+      </a:ln>
+    </cs:spPr>
+  </cs:dataPointMarker>
+  <cs:dataPointMarkerLayout symbol="circle" size="6"/>
+  <cs:dataPointWireframe>
+    <cs:lnRef idx="0">
+      <cs:styleClr val="auto"/>
+    </cs:lnRef>
+    <cs:fillRef idx="0"/>
+    <cs:effectRef idx="0"/>
+    <cs:fontRef idx="minor">
+      <a:schemeClr val="tx1"/>
+    </cs:fontRef>
+    <cs:spPr>
+      <a:ln w="9525" cap="rnd">
+        <a:solidFill>
+          <a:schemeClr val="phClr"/>
+        </a:solidFill>
+        <a:round/>
+      </a:ln>
+    </cs:spPr>
+  </cs:dataPointWireframe>
+  <cs:dataTable>
+    <cs:lnRef idx="0"/>
+    <cs:fillRef idx="0"/>
+    <cs:effectRef idx="0"/>
+    <cs:fontRef idx="minor">
+      <a:schemeClr val="lt1">
+        <a:lumMod val="75000"/>
+      </a:schemeClr>
+    </cs:fontRef>
+    <cs:spPr>
+      <a:ln w="9525">
+        <a:solidFill>
+          <a:schemeClr val="dk1">
+            <a:lumMod val="50000"/>
+            <a:lumOff val="50000"/>
+          </a:schemeClr>
+        </a:solidFill>
+      </a:ln>
+    </cs:spPr>
+    <cs:defRPr sz="1197" kern="1200"/>
+  </cs:dataTable>
+  <cs:downBar>
+    <cs:lnRef idx="0"/>
+    <cs:fillRef idx="0"/>
+    <cs:effectRef idx="0"/>
+    <cs:fontRef idx="minor">
+      <a:schemeClr val="lt1"/>
+    </cs:fontRef>
+    <cs:spPr>
+      <a:solidFill>
+        <a:schemeClr val="dk1">
+          <a:lumMod val="50000"/>
+          <a:lumOff val="50000"/>
+        </a:schemeClr>
+      </a:solidFill>
+      <a:ln w="9525">
+        <a:solidFill>
+          <a:schemeClr val="dk1">
+            <a:lumMod val="75000"/>
+          </a:schemeClr>
+        </a:solidFill>
+        <a:round/>
+      </a:ln>
+    </cs:spPr>
+  </cs:downBar>
+  <cs:dropLine>
+    <cs:lnRef idx="0"/>
+    <cs:fillRef idx="0"/>
+    <cs:effectRef idx="0"/>
+    <cs:fontRef idx="minor">
+      <a:schemeClr val="dk1"/>
+    </cs:fontRef>
+    <cs:spPr>
+      <a:ln w="9525">
+        <a:solidFill>
+          <a:schemeClr val="lt1">
+            <a:lumMod val="50000"/>
+          </a:schemeClr>
+        </a:solidFill>
+        <a:round/>
+      </a:ln>
+    </cs:spPr>
+  </cs:dropLine>
+  <cs:errorBar>
+    <cs:lnRef idx="0"/>
+    <cs:fillRef idx="0"/>
+    <cs:effectRef idx="0"/>
+    <cs:fontRef idx="minor">
+      <a:schemeClr val="dk1"/>
+    </cs:fontRef>
+    <cs:spPr>
+      <a:ln w="9525">
+        <a:solidFill>
+          <a:schemeClr val="lt1">
+            <a:lumMod val="50000"/>
+          </a:schemeClr>
+        </a:solidFill>
+        <a:round/>
+      </a:ln>
+    </cs:spPr>
+  </cs:errorBar>
+  <cs:floor>
+    <cs:lnRef idx="0"/>
+    <cs:fillRef idx="0"/>
+    <cs:effectRef idx="0"/>
+    <cs:fontRef idx="minor">
+      <a:schemeClr val="tx1"/>
+    </cs:fontRef>
+    <cs:spPr>
+      <a:solidFill>
+        <a:schemeClr val="bg2">
+          <a:lumMod val="75000"/>
+          <a:alpha val="27000"/>
+        </a:schemeClr>
+      </a:solidFill>
+      <a:sp3d/>
+    </cs:spPr>
+  </cs:floor>
+  <cs:gridlineMajor>
+    <cs:lnRef idx="0"/>
+    <cs:fillRef idx="0"/>
+    <cs:effectRef idx="0"/>
+    <cs:fontRef idx="minor">
+      <a:schemeClr val="tx1"/>
+    </cs:fontRef>
+    <cs:spPr>
+      <a:ln w="9525">
+        <a:solidFill>
+          <a:schemeClr val="lt1">
+            <a:lumMod val="50000"/>
+          </a:schemeClr>
+        </a:solidFill>
+      </a:ln>
+    </cs:spPr>
+  </cs:gridlineMajor>
+  <cs:gridlineMinor>
+    <cs:lnRef idx="0"/>
+    <cs:fillRef idx="0"/>
+    <cs:effectRef idx="0"/>
+    <cs:fontRef idx="minor">
+      <a:schemeClr val="tx1"/>
+    </cs:fontRef>
+    <cs:spPr>
+      <a:ln w="9525">
+        <a:solidFill>
+          <a:schemeClr val="lt1">
+            <a:lumMod val="40000"/>
+          </a:schemeClr>
+        </a:solidFill>
+      </a:ln>
+    </cs:spPr>
+  </cs:gridlineMinor>
+  <cs:hiLoLine>
+    <cs:lnRef idx="0"/>
+    <cs:fillRef idx="0"/>
+    <cs:effectRef idx="0"/>
+    <cs:fontRef idx="minor">
+      <a:schemeClr val="dk1"/>
+    </cs:fontRef>
+    <cs:spPr>
+      <a:ln w="9525">
+        <a:solidFill>
+          <a:schemeClr val="lt1">
+            <a:lumMod val="50000"/>
+          </a:schemeClr>
+        </a:solidFill>
+        <a:round/>
+      </a:ln>
+    </cs:spPr>
+  </cs:hiLoLine>
+  <cs:leaderLine>
+    <cs:lnRef idx="0"/>
+    <cs:fillRef idx="0"/>
+    <cs:effectRef idx="0"/>
+    <cs:fontRef idx="minor">
+      <a:schemeClr val="dk1"/>
+    </cs:fontRef>
+    <cs:spPr>
+      <a:ln w="9525">
+        <a:solidFill>
+          <a:schemeClr val="lt1">
+            <a:lumMod val="50000"/>
+          </a:schemeClr>
+        </a:solidFill>
+        <a:round/>
+      </a:ln>
+    </cs:spPr>
+  </cs:leaderLine>
+  <cs:legend>
+    <cs:lnRef idx="0"/>
+    <cs:fillRef idx="0"/>
+    <cs:effectRef idx="0"/>
+    <cs:fontRef idx="minor">
+      <a:schemeClr val="lt1">
+        <a:lumMod val="75000"/>
+      </a:schemeClr>
+    </cs:fontRef>
+    <cs:defRPr sz="1197" kern="1200"/>
+  </cs:legend>
+  <cs:plotArea>
+    <cs:lnRef idx="0"/>
+    <cs:fillRef idx="0"/>
+    <cs:effectRef idx="0"/>
+    <cs:fontRef idx="minor">
+      <a:schemeClr val="tx1"/>
+    </cs:fontRef>
+  </cs:plotArea>
+  <cs:plotArea3D>
+    <cs:lnRef idx="0"/>
+    <cs:fillRef idx="0"/>
+    <cs:effectRef idx="0"/>
+    <cs:fontRef idx="minor">
+      <a:schemeClr val="tx1"/>
+    </cs:fontRef>
+  </cs:plotArea3D>
+  <cs:seriesAxis>
+    <cs:lnRef idx="0"/>
+    <cs:fillRef idx="0"/>
+    <cs:effectRef idx="0"/>
+    <cs:fontRef idx="minor">
+      <a:schemeClr val="lt1">
+        <a:lumMod val="75000"/>
+      </a:schemeClr>
+    </cs:fontRef>
+    <cs:defRPr sz="1197" kern="1200"/>
+  </cs:seriesAxis>
+  <cs:seriesLine>
+    <cs:lnRef idx="0"/>
+    <cs:fillRef idx="0"/>
+    <cs:effectRef idx="0"/>
+    <cs:fontRef idx="minor">
+      <a:schemeClr val="dk1"/>
+    </cs:fontRef>
+    <cs:spPr>
+      <a:ln w="9525">
+        <a:solidFill>
+          <a:schemeClr val="lt1">
+            <a:lumMod val="50000"/>
+          </a:schemeClr>
+        </a:solidFill>
+        <a:round/>
+      </a:ln>
+    </cs:spPr>
+  </cs:seriesLine>
+  <cs:title>
+    <cs:lnRef idx="0"/>
+    <cs:fillRef idx="0"/>
+    <cs:effectRef idx="0"/>
+    <cs:fontRef idx="minor">
+      <a:schemeClr val="lt1"/>
+    </cs:fontRef>
+    <cs:defRPr sz="2200" b="0" kern="1200" cap="all" baseline="0"/>
+  </cs:title>
+  <cs:trendline>
+    <cs:lnRef idx="0">
+      <cs:styleClr val="auto"/>
+    </cs:lnRef>
+    <cs:fillRef idx="0"/>
+    <cs:effectRef idx="0"/>
+    <cs:fontRef idx="minor">
+      <a:schemeClr val="dk1"/>
+    </cs:fontRef>
+    <cs:spPr>
+      <a:ln w="9525" cap="rnd">
+        <a:solidFill>
+          <a:schemeClr val="phClr">
+            <a:alpha val="50000"/>
+          </a:schemeClr>
+        </a:solidFill>
+      </a:ln>
+    </cs:spPr>
+  </cs:trendline>
+  <cs:trendlineLabel>
+    <cs:lnRef idx="0"/>
+    <cs:fillRef idx="0"/>
+    <cs:effectRef idx="0"/>
+    <cs:fontRef idx="minor">
+      <a:schemeClr val="lt1">
+        <a:lumMod val="75000"/>
+      </a:schemeClr>
+    </cs:fontRef>
+    <cs:defRPr sz="1197" kern="1200"/>
+  </cs:trendlineLabel>
+  <cs:upBar>
+    <cs:lnRef idx="0"/>
+    <cs:fillRef idx="0"/>
+    <cs:effectRef idx="0"/>
+    <cs:fontRef idx="minor">
+      <a:schemeClr val="dk1"/>
+    </cs:fontRef>
+    <cs:spPr>
+      <a:solidFill>
+        <a:schemeClr val="lt1">
+          <a:lumMod val="85000"/>
+        </a:schemeClr>
+      </a:solidFill>
+      <a:ln w="9525">
+        <a:solidFill>
+          <a:schemeClr val="dk1">
+            <a:lumMod val="50000"/>
+          </a:schemeClr>
+        </a:solidFill>
+        <a:round/>
+      </a:ln>
+    </cs:spPr>
+  </cs:upBar>
+  <cs:valueAxis>
+    <cs:lnRef idx="0"/>
+    <cs:fillRef idx="0"/>
+    <cs:effectRef idx="0"/>
+    <cs:fontRef idx="minor">
+      <a:schemeClr val="lt1">
+        <a:lumMod val="75000"/>
+      </a:schemeClr>
+    </cs:fontRef>
+    <cs:defRPr sz="1197" kern="1200"/>
+  </cs:valueAxis>
+  <cs:wall>
+    <cs:lnRef idx="0"/>
+    <cs:fillRef idx="0"/>
+    <cs:effectRef idx="0"/>
+    <cs:fontRef idx="minor">
+      <a:schemeClr val="tx1"/>
+    </cs:fontRef>
+    <cs:spPr>
+      <a:sp3d/>
+    </cs:spPr>
+  </cs:wall>
+</cs:chartStyle>
+</file>
+
+<file path=ppt/comments/comment1.xml><?xml version="1.0" encoding="utf-8"?>
+<p:cmLst xmlns:a="http://schemas.openxmlformats.org/drawingml/2006/main" xmlns:r="http://schemas.openxmlformats.org/officeDocument/2006/relationships" xmlns:p="http://schemas.openxmlformats.org/presentationml/2006/main">
+  <p:cm authorId="1" dt="2024-04-04T13:35:19.296" idx="1">
+    <p:pos x="6803" y="1346"/>
+    <p:text/>
+    <p:extLst>
+      <p:ext uri="{C676402C-5697-4E1C-873F-D02D1690AC5C}">
+        <p15:threadingInfo xmlns:p15="http://schemas.microsoft.com/office/powerpoint/2012/main" timeZoneBias="-60"/>
+      </p:ext>
+    </p:extLst>
+  </p:cm>
+</p:cmLst>
 </file>
 
 <file path=ppt/diagrams/colors1.xml><?xml version="1.0" encoding="utf-8"?>
@@ -4636,7 +5924,7 @@
           <a:noFill/>
           <a:extLst>
             <a:ext uri="{909E8E84-426E-40dd-AFC4-6F175D3DCCD1}">
-              <a14:hiddenFill xmlns="" xmlns:a14="http://schemas.microsoft.com/office/drawing/2010/main">
+              <a14:hiddenFill xmlns:a14="http://schemas.microsoft.com/office/drawing/2010/main" xmlns="">
                 <a:solidFill>
                   <a:srgbClr val="FFFFFF"/>
                 </a:solidFill>
@@ -4696,7 +5984,7 @@
             </a:ln>
             <a:extLst>
               <a:ext uri="{91240B29-F687-4f45-9708-019B960494DF}">
-                <a14:hiddenLine xmlns="" xmlns:a14="http://schemas.microsoft.com/office/drawing/2010/main" w="9525">
+                <a14:hiddenLine xmlns:a14="http://schemas.microsoft.com/office/drawing/2010/main" xmlns="" w="9525">
                   <a:solidFill>
                     <a:srgbClr val="000000"/>
                   </a:solidFill>
@@ -4786,7 +6074,7 @@
             </a:ln>
             <a:extLst>
               <a:ext uri="{91240B29-F687-4f45-9708-019B960494DF}">
-                <a14:hiddenLine xmlns="" xmlns:a14="http://schemas.microsoft.com/office/drawing/2010/main" w="9525">
+                <a14:hiddenLine xmlns:a14="http://schemas.microsoft.com/office/drawing/2010/main" xmlns="" w="9525">
                   <a:solidFill>
                     <a:srgbClr val="000000"/>
                   </a:solidFill>
@@ -4876,7 +6164,7 @@
             </a:ln>
             <a:extLst>
               <a:ext uri="{91240B29-F687-4f45-9708-019B960494DF}">
-                <a14:hiddenLine xmlns="" xmlns:a14="http://schemas.microsoft.com/office/drawing/2010/main" w="9525">
+                <a14:hiddenLine xmlns:a14="http://schemas.microsoft.com/office/drawing/2010/main" xmlns="" w="9525">
                   <a:solidFill>
                     <a:srgbClr val="000000"/>
                   </a:solidFill>
@@ -4910,7 +6198,7 @@
             </a:ln>
             <a:extLst>
               <a:ext uri="{91240B29-F687-4f45-9708-019B960494DF}">
-                <a14:hiddenLine xmlns="" xmlns:a14="http://schemas.microsoft.com/office/drawing/2010/main" w="9525">
+                <a14:hiddenLine xmlns:a14="http://schemas.microsoft.com/office/drawing/2010/main" xmlns="" w="9525">
                   <a:solidFill>
                     <a:srgbClr val="000000"/>
                   </a:solidFill>
@@ -5000,7 +6288,7 @@
             </a:ln>
             <a:extLst>
               <a:ext uri="{91240B29-F687-4f45-9708-019B960494DF}">
-                <a14:hiddenLine xmlns="" xmlns:a14="http://schemas.microsoft.com/office/drawing/2010/main" w="9525">
+                <a14:hiddenLine xmlns:a14="http://schemas.microsoft.com/office/drawing/2010/main" xmlns="" w="9525">
                   <a:solidFill>
                     <a:srgbClr val="000000"/>
                   </a:solidFill>
@@ -5062,7 +6350,7 @@
             </a:ln>
             <a:extLst>
               <a:ext uri="{91240B29-F687-4f45-9708-019B960494DF}">
-                <a14:hiddenLine xmlns="" xmlns:a14="http://schemas.microsoft.com/office/drawing/2010/main" w="9525">
+                <a14:hiddenLine xmlns:a14="http://schemas.microsoft.com/office/drawing/2010/main" xmlns="" w="9525">
                   <a:solidFill>
                     <a:srgbClr val="000000"/>
                   </a:solidFill>
@@ -5124,7 +6412,7 @@
             </a:ln>
             <a:extLst>
               <a:ext uri="{91240B29-F687-4f45-9708-019B960494DF}">
-                <a14:hiddenLine xmlns="" xmlns:a14="http://schemas.microsoft.com/office/drawing/2010/main" w="9525">
+                <a14:hiddenLine xmlns:a14="http://schemas.microsoft.com/office/drawing/2010/main" xmlns="" w="9525">
                   <a:solidFill>
                     <a:srgbClr val="000000"/>
                   </a:solidFill>
@@ -5214,7 +6502,7 @@
             </a:ln>
             <a:extLst>
               <a:ext uri="{91240B29-F687-4f45-9708-019B960494DF}">
-                <a14:hiddenLine xmlns="" xmlns:a14="http://schemas.microsoft.com/office/drawing/2010/main" w="9525">
+                <a14:hiddenLine xmlns:a14="http://schemas.microsoft.com/office/drawing/2010/main" xmlns="" w="9525">
                   <a:solidFill>
                     <a:srgbClr val="000000"/>
                   </a:solidFill>
@@ -5276,7 +6564,7 @@
             </a:ln>
             <a:extLst>
               <a:ext uri="{91240B29-F687-4f45-9708-019B960494DF}">
-                <a14:hiddenLine xmlns="" xmlns:a14="http://schemas.microsoft.com/office/drawing/2010/main" w="9525">
+                <a14:hiddenLine xmlns:a14="http://schemas.microsoft.com/office/drawing/2010/main" xmlns="" w="9525">
                   <a:solidFill>
                     <a:srgbClr val="000000"/>
                   </a:solidFill>
@@ -5338,7 +6626,7 @@
             </a:ln>
             <a:extLst>
               <a:ext uri="{91240B29-F687-4f45-9708-019B960494DF}">
-                <a14:hiddenLine xmlns="" xmlns:a14="http://schemas.microsoft.com/office/drawing/2010/main" w="9525">
+                <a14:hiddenLine xmlns:a14="http://schemas.microsoft.com/office/drawing/2010/main" xmlns="" w="9525">
                   <a:solidFill>
                     <a:srgbClr val="000000"/>
                   </a:solidFill>
@@ -5428,7 +6716,7 @@
             </a:ln>
             <a:extLst>
               <a:ext uri="{91240B29-F687-4f45-9708-019B960494DF}">
-                <a14:hiddenLine xmlns="" xmlns:a14="http://schemas.microsoft.com/office/drawing/2010/main" w="9525">
+                <a14:hiddenLine xmlns:a14="http://schemas.microsoft.com/office/drawing/2010/main" xmlns="" w="9525">
                   <a:solidFill>
                     <a:srgbClr val="000000"/>
                   </a:solidFill>
@@ -5518,7 +6806,7 @@
             </a:ln>
             <a:extLst>
               <a:ext uri="{91240B29-F687-4f45-9708-019B960494DF}">
-                <a14:hiddenLine xmlns="" xmlns:a14="http://schemas.microsoft.com/office/drawing/2010/main" w="9525">
+                <a14:hiddenLine xmlns:a14="http://schemas.microsoft.com/office/drawing/2010/main" xmlns="" w="9525">
                   <a:solidFill>
                     <a:srgbClr val="000000"/>
                   </a:solidFill>
@@ -5580,7 +6868,7 @@
             </a:ln>
             <a:extLst>
               <a:ext uri="{91240B29-F687-4f45-9708-019B960494DF}">
-                <a14:hiddenLine xmlns="" xmlns:a14="http://schemas.microsoft.com/office/drawing/2010/main" w="9525">
+                <a14:hiddenLine xmlns:a14="http://schemas.microsoft.com/office/drawing/2010/main" xmlns="" w="9525">
                   <a:solidFill>
                     <a:srgbClr val="000000"/>
                   </a:solidFill>
@@ -5690,7 +6978,7 @@
             </a:ln>
             <a:extLst>
               <a:ext uri="{91240B29-F687-4f45-9708-019B960494DF}">
-                <a14:hiddenLine xmlns="" xmlns:a14="http://schemas.microsoft.com/office/drawing/2010/main" w="9525">
+                <a14:hiddenLine xmlns:a14="http://schemas.microsoft.com/office/drawing/2010/main" xmlns="" w="9525">
                   <a:solidFill>
                     <a:srgbClr val="000000"/>
                   </a:solidFill>
@@ -5752,7 +7040,7 @@
             </a:ln>
             <a:extLst>
               <a:ext uri="{91240B29-F687-4f45-9708-019B960494DF}">
-                <a14:hiddenLine xmlns="" xmlns:a14="http://schemas.microsoft.com/office/drawing/2010/main" w="9525">
+                <a14:hiddenLine xmlns:a14="http://schemas.microsoft.com/office/drawing/2010/main" xmlns="" w="9525">
                   <a:solidFill>
                     <a:srgbClr val="000000"/>
                   </a:solidFill>
@@ -5842,7 +7130,7 @@
             </a:ln>
             <a:extLst>
               <a:ext uri="{91240B29-F687-4f45-9708-019B960494DF}">
-                <a14:hiddenLine xmlns="" xmlns:a14="http://schemas.microsoft.com/office/drawing/2010/main" w="9525">
+                <a14:hiddenLine xmlns:a14="http://schemas.microsoft.com/office/drawing/2010/main" xmlns="" w="9525">
                   <a:solidFill>
                     <a:srgbClr val="000000"/>
                   </a:solidFill>
@@ -5932,7 +7220,7 @@
             </a:ln>
             <a:extLst>
               <a:ext uri="{91240B29-F687-4f45-9708-019B960494DF}">
-                <a14:hiddenLine xmlns="" xmlns:a14="http://schemas.microsoft.com/office/drawing/2010/main" w="9525">
+                <a14:hiddenLine xmlns:a14="http://schemas.microsoft.com/office/drawing/2010/main" xmlns="" w="9525">
                   <a:solidFill>
                     <a:srgbClr val="000000"/>
                   </a:solidFill>
@@ -5994,7 +7282,7 @@
             </a:ln>
             <a:extLst>
               <a:ext uri="{91240B29-F687-4f45-9708-019B960494DF}">
-                <a14:hiddenLine xmlns="" xmlns:a14="http://schemas.microsoft.com/office/drawing/2010/main" w="9525">
+                <a14:hiddenLine xmlns:a14="http://schemas.microsoft.com/office/drawing/2010/main" xmlns="" w="9525">
                   <a:solidFill>
                     <a:srgbClr val="000000"/>
                   </a:solidFill>
@@ -6084,7 +7372,7 @@
             </a:ln>
             <a:extLst>
               <a:ext uri="{91240B29-F687-4f45-9708-019B960494DF}">
-                <a14:hiddenLine xmlns="" xmlns:a14="http://schemas.microsoft.com/office/drawing/2010/main" w="9525">
+                <a14:hiddenLine xmlns:a14="http://schemas.microsoft.com/office/drawing/2010/main" xmlns="" w="9525">
                   <a:solidFill>
                     <a:srgbClr val="000000"/>
                   </a:solidFill>
@@ -6174,7 +7462,7 @@
             </a:ln>
             <a:extLst>
               <a:ext uri="{91240B29-F687-4f45-9708-019B960494DF}">
-                <a14:hiddenLine xmlns="" xmlns:a14="http://schemas.microsoft.com/office/drawing/2010/main" w="9525">
+                <a14:hiddenLine xmlns:a14="http://schemas.microsoft.com/office/drawing/2010/main" xmlns="" w="9525">
                   <a:solidFill>
                     <a:srgbClr val="000000"/>
                   </a:solidFill>
@@ -6230,7 +7518,7 @@
             </a:ln>
             <a:extLst>
               <a:ext uri="{91240B29-F687-4f45-9708-019B960494DF}">
-                <a14:hiddenLine xmlns="" xmlns:a14="http://schemas.microsoft.com/office/drawing/2010/main" w="9525">
+                <a14:hiddenLine xmlns:a14="http://schemas.microsoft.com/office/drawing/2010/main" xmlns="" w="9525">
                   <a:solidFill>
                     <a:srgbClr val="000000"/>
                   </a:solidFill>
@@ -6320,7 +7608,7 @@
             </a:ln>
             <a:extLst>
               <a:ext uri="{91240B29-F687-4f45-9708-019B960494DF}">
-                <a14:hiddenLine xmlns="" xmlns:a14="http://schemas.microsoft.com/office/drawing/2010/main" w="9525">
+                <a14:hiddenLine xmlns:a14="http://schemas.microsoft.com/office/drawing/2010/main" xmlns="" w="9525">
                   <a:solidFill>
                     <a:srgbClr val="000000"/>
                   </a:solidFill>
@@ -6376,7 +7664,7 @@
             </a:ln>
             <a:extLst>
               <a:ext uri="{91240B29-F687-4f45-9708-019B960494DF}">
-                <a14:hiddenLine xmlns="" xmlns:a14="http://schemas.microsoft.com/office/drawing/2010/main" w="9525">
+                <a14:hiddenLine xmlns:a14="http://schemas.microsoft.com/office/drawing/2010/main" xmlns="" w="9525">
                   <a:solidFill>
                     <a:srgbClr val="000000"/>
                   </a:solidFill>
@@ -6466,7 +7754,7 @@
             </a:ln>
             <a:extLst>
               <a:ext uri="{91240B29-F687-4f45-9708-019B960494DF}">
-                <a14:hiddenLine xmlns="" xmlns:a14="http://schemas.microsoft.com/office/drawing/2010/main" w="9525">
+                <a14:hiddenLine xmlns:a14="http://schemas.microsoft.com/office/drawing/2010/main" xmlns="" w="9525">
                   <a:solidFill>
                     <a:srgbClr val="000000"/>
                   </a:solidFill>
@@ -6534,7 +7822,7 @@
             </a:ln>
             <a:extLst>
               <a:ext uri="{91240B29-F687-4f45-9708-019B960494DF}">
-                <a14:hiddenLine xmlns="" xmlns:a14="http://schemas.microsoft.com/office/drawing/2010/main" w="9525">
+                <a14:hiddenLine xmlns:a14="http://schemas.microsoft.com/office/drawing/2010/main" xmlns="" w="9525">
                   <a:solidFill>
                     <a:srgbClr val="000000"/>
                   </a:solidFill>
@@ -6624,7 +7912,7 @@
             </a:ln>
             <a:extLst>
               <a:ext uri="{91240B29-F687-4f45-9708-019B960494DF}">
-                <a14:hiddenLine xmlns="" xmlns:a14="http://schemas.microsoft.com/office/drawing/2010/main" w="9525">
+                <a14:hiddenLine xmlns:a14="http://schemas.microsoft.com/office/drawing/2010/main" xmlns="" w="9525">
                   <a:solidFill>
                     <a:srgbClr val="000000"/>
                   </a:solidFill>
@@ -6692,7 +7980,7 @@
             </a:ln>
             <a:extLst>
               <a:ext uri="{91240B29-F687-4f45-9708-019B960494DF}">
-                <a14:hiddenLine xmlns="" xmlns:a14="http://schemas.microsoft.com/office/drawing/2010/main" w="9525">
+                <a14:hiddenLine xmlns:a14="http://schemas.microsoft.com/office/drawing/2010/main" xmlns="" w="9525">
                   <a:solidFill>
                     <a:srgbClr val="000000"/>
                   </a:solidFill>
@@ -6782,7 +8070,7 @@
             </a:ln>
             <a:extLst>
               <a:ext uri="{91240B29-F687-4f45-9708-019B960494DF}">
-                <a14:hiddenLine xmlns="" xmlns:a14="http://schemas.microsoft.com/office/drawing/2010/main" w="9525">
+                <a14:hiddenLine xmlns:a14="http://schemas.microsoft.com/office/drawing/2010/main" xmlns="" w="9525">
                   <a:solidFill>
                     <a:srgbClr val="000000"/>
                   </a:solidFill>
@@ -6816,7 +8104,7 @@
             </a:ln>
             <a:extLst>
               <a:ext uri="{91240B29-F687-4f45-9708-019B960494DF}">
-                <a14:hiddenLine xmlns="" xmlns:a14="http://schemas.microsoft.com/office/drawing/2010/main" w="9525">
+                <a14:hiddenLine xmlns:a14="http://schemas.microsoft.com/office/drawing/2010/main" xmlns="" w="9525">
                   <a:solidFill>
                     <a:srgbClr val="000000"/>
                   </a:solidFill>
@@ -6906,7 +8194,7 @@
             </a:ln>
             <a:extLst>
               <a:ext uri="{91240B29-F687-4f45-9708-019B960494DF}">
-                <a14:hiddenLine xmlns="" xmlns:a14="http://schemas.microsoft.com/office/drawing/2010/main" w="9525">
+                <a14:hiddenLine xmlns:a14="http://schemas.microsoft.com/office/drawing/2010/main" xmlns="" w="9525">
                   <a:solidFill>
                     <a:srgbClr val="000000"/>
                   </a:solidFill>
@@ -6968,7 +8256,7 @@
             </a:ln>
             <a:extLst>
               <a:ext uri="{91240B29-F687-4f45-9708-019B960494DF}">
-                <a14:hiddenLine xmlns="" xmlns:a14="http://schemas.microsoft.com/office/drawing/2010/main" w="9525">
+                <a14:hiddenLine xmlns:a14="http://schemas.microsoft.com/office/drawing/2010/main" xmlns="" w="9525">
                   <a:solidFill>
                     <a:srgbClr val="000000"/>
                   </a:solidFill>
@@ -7030,7 +8318,7 @@
             </a:ln>
             <a:extLst>
               <a:ext uri="{91240B29-F687-4f45-9708-019B960494DF}">
-                <a14:hiddenLine xmlns="" xmlns:a14="http://schemas.microsoft.com/office/drawing/2010/main" w="9525">
+                <a14:hiddenLine xmlns:a14="http://schemas.microsoft.com/office/drawing/2010/main" xmlns="" w="9525">
                   <a:solidFill>
                     <a:srgbClr val="000000"/>
                   </a:solidFill>
@@ -7120,7 +8408,7 @@
             </a:ln>
             <a:extLst>
               <a:ext uri="{91240B29-F687-4f45-9708-019B960494DF}">
-                <a14:hiddenLine xmlns="" xmlns:a14="http://schemas.microsoft.com/office/drawing/2010/main" w="9525">
+                <a14:hiddenLine xmlns:a14="http://schemas.microsoft.com/office/drawing/2010/main" xmlns="" w="9525">
                   <a:solidFill>
                     <a:srgbClr val="000000"/>
                   </a:solidFill>
@@ -7188,7 +8476,7 @@
             </a:ln>
             <a:extLst>
               <a:ext uri="{91240B29-F687-4f45-9708-019B960494DF}">
-                <a14:hiddenLine xmlns="" xmlns:a14="http://schemas.microsoft.com/office/drawing/2010/main" w="9525">
+                <a14:hiddenLine xmlns:a14="http://schemas.microsoft.com/office/drawing/2010/main" xmlns="" w="9525">
                   <a:solidFill>
                     <a:srgbClr val="000000"/>
                   </a:solidFill>
@@ -7250,7 +8538,7 @@
             </a:ln>
             <a:extLst>
               <a:ext uri="{91240B29-F687-4f45-9708-019B960494DF}">
-                <a14:hiddenLine xmlns="" xmlns:a14="http://schemas.microsoft.com/office/drawing/2010/main" w="9525">
+                <a14:hiddenLine xmlns:a14="http://schemas.microsoft.com/office/drawing/2010/main" xmlns="" w="9525">
                   <a:solidFill>
                     <a:srgbClr val="000000"/>
                   </a:solidFill>
@@ -7340,7 +8628,7 @@
             </a:ln>
             <a:extLst>
               <a:ext uri="{91240B29-F687-4f45-9708-019B960494DF}">
-                <a14:hiddenLine xmlns="" xmlns:a14="http://schemas.microsoft.com/office/drawing/2010/main" w="9525">
+                <a14:hiddenLine xmlns:a14="http://schemas.microsoft.com/office/drawing/2010/main" xmlns="" w="9525">
                   <a:solidFill>
                     <a:srgbClr val="000000"/>
                   </a:solidFill>
@@ -7402,7 +8690,7 @@
             </a:ln>
             <a:extLst>
               <a:ext uri="{91240B29-F687-4f45-9708-019B960494DF}">
-                <a14:hiddenLine xmlns="" xmlns:a14="http://schemas.microsoft.com/office/drawing/2010/main" w="9525">
+                <a14:hiddenLine xmlns:a14="http://schemas.microsoft.com/office/drawing/2010/main" xmlns="" w="9525">
                   <a:solidFill>
                     <a:srgbClr val="000000"/>
                   </a:solidFill>
@@ -7492,7 +8780,7 @@
             </a:ln>
             <a:extLst>
               <a:ext uri="{91240B29-F687-4f45-9708-019B960494DF}">
-                <a14:hiddenLine xmlns="" xmlns:a14="http://schemas.microsoft.com/office/drawing/2010/main" w="9525">
+                <a14:hiddenLine xmlns:a14="http://schemas.microsoft.com/office/drawing/2010/main" xmlns="" w="9525">
                   <a:solidFill>
                     <a:srgbClr val="000000"/>
                   </a:solidFill>
@@ -7554,7 +8842,7 @@
             </a:ln>
             <a:extLst>
               <a:ext uri="{91240B29-F687-4f45-9708-019B960494DF}">
-                <a14:hiddenLine xmlns="" xmlns:a14="http://schemas.microsoft.com/office/drawing/2010/main" w="9525">
+                <a14:hiddenLine xmlns:a14="http://schemas.microsoft.com/office/drawing/2010/main" xmlns="" w="9525">
                   <a:solidFill>
                     <a:srgbClr val="000000"/>
                   </a:solidFill>
@@ -7644,7 +8932,7 @@
             </a:ln>
             <a:extLst>
               <a:ext uri="{91240B29-F687-4f45-9708-019B960494DF}">
-                <a14:hiddenLine xmlns="" xmlns:a14="http://schemas.microsoft.com/office/drawing/2010/main" w="9525">
+                <a14:hiddenLine xmlns:a14="http://schemas.microsoft.com/office/drawing/2010/main" xmlns="" w="9525">
                   <a:solidFill>
                     <a:srgbClr val="000000"/>
                   </a:solidFill>
@@ -7678,7 +8966,7 @@
             </a:ln>
             <a:extLst>
               <a:ext uri="{91240B29-F687-4f45-9708-019B960494DF}">
-                <a14:hiddenLine xmlns="" xmlns:a14="http://schemas.microsoft.com/office/drawing/2010/main" w="9525">
+                <a14:hiddenLine xmlns:a14="http://schemas.microsoft.com/office/drawing/2010/main" xmlns="" w="9525">
                   <a:solidFill>
                     <a:srgbClr val="000000"/>
                   </a:solidFill>
@@ -7743,7 +9031,7 @@
             </a:ln>
             <a:extLst>
               <a:ext uri="{91240B29-F687-4f45-9708-019B960494DF}">
-                <a14:hiddenLine xmlns="" xmlns:a14="http://schemas.microsoft.com/office/drawing/2010/main" w="9525">
+                <a14:hiddenLine xmlns:a14="http://schemas.microsoft.com/office/drawing/2010/main" xmlns="" w="9525">
                   <a:solidFill>
                     <a:srgbClr val="000000"/>
                   </a:solidFill>
@@ -7833,7 +9121,7 @@
             </a:ln>
             <a:extLst>
               <a:ext uri="{91240B29-F687-4f45-9708-019B960494DF}">
-                <a14:hiddenLine xmlns="" xmlns:a14="http://schemas.microsoft.com/office/drawing/2010/main" w="9525">
+                <a14:hiddenLine xmlns:a14="http://schemas.microsoft.com/office/drawing/2010/main" xmlns="" w="9525">
                   <a:solidFill>
                     <a:srgbClr val="000000"/>
                   </a:solidFill>
@@ -7895,7 +9183,7 @@
             </a:ln>
             <a:extLst>
               <a:ext uri="{91240B29-F687-4f45-9708-019B960494DF}">
-                <a14:hiddenLine xmlns="" xmlns:a14="http://schemas.microsoft.com/office/drawing/2010/main" w="9525">
+                <a14:hiddenLine xmlns:a14="http://schemas.microsoft.com/office/drawing/2010/main" xmlns="" w="9525">
                   <a:solidFill>
                     <a:srgbClr val="000000"/>
                   </a:solidFill>
@@ -7985,7 +9273,7 @@
             </a:ln>
             <a:extLst>
               <a:ext uri="{91240B29-F687-4f45-9708-019B960494DF}">
-                <a14:hiddenLine xmlns="" xmlns:a14="http://schemas.microsoft.com/office/drawing/2010/main" w="9525">
+                <a14:hiddenLine xmlns:a14="http://schemas.microsoft.com/office/drawing/2010/main" xmlns="" w="9525">
                   <a:solidFill>
                     <a:srgbClr val="000000"/>
                   </a:solidFill>
@@ -8075,7 +9363,7 @@
             </a:ln>
             <a:extLst>
               <a:ext uri="{91240B29-F687-4f45-9708-019B960494DF}">
-                <a14:hiddenLine xmlns="" xmlns:a14="http://schemas.microsoft.com/office/drawing/2010/main" w="9525">
+                <a14:hiddenLine xmlns:a14="http://schemas.microsoft.com/office/drawing/2010/main" xmlns="" w="9525">
                   <a:solidFill>
                     <a:srgbClr val="000000"/>
                   </a:solidFill>
@@ -8140,7 +9428,7 @@
             </a:ln>
             <a:extLst>
               <a:ext uri="{91240B29-F687-4f45-9708-019B960494DF}">
-                <a14:hiddenLine xmlns="" xmlns:a14="http://schemas.microsoft.com/office/drawing/2010/main" w="9525">
+                <a14:hiddenLine xmlns:a14="http://schemas.microsoft.com/office/drawing/2010/main" xmlns="" w="9525">
                   <a:solidFill>
                     <a:srgbClr val="000000"/>
                   </a:solidFill>
@@ -8202,7 +9490,7 @@
             </a:ln>
             <a:extLst>
               <a:ext uri="{91240B29-F687-4f45-9708-019B960494DF}">
-                <a14:hiddenLine xmlns="" xmlns:a14="http://schemas.microsoft.com/office/drawing/2010/main" w="9525">
+                <a14:hiddenLine xmlns:a14="http://schemas.microsoft.com/office/drawing/2010/main" xmlns="" w="9525">
                   <a:solidFill>
                     <a:srgbClr val="000000"/>
                   </a:solidFill>
@@ -8292,7 +9580,7 @@
             </a:ln>
             <a:extLst>
               <a:ext uri="{91240B29-F687-4f45-9708-019B960494DF}">
-                <a14:hiddenLine xmlns="" xmlns:a14="http://schemas.microsoft.com/office/drawing/2010/main" w="9525">
+                <a14:hiddenLine xmlns:a14="http://schemas.microsoft.com/office/drawing/2010/main" xmlns="" w="9525">
                   <a:solidFill>
                     <a:srgbClr val="000000"/>
                   </a:solidFill>
@@ -8382,7 +9670,7 @@
             </a:ln>
             <a:extLst>
               <a:ext uri="{91240B29-F687-4f45-9708-019B960494DF}">
-                <a14:hiddenLine xmlns="" xmlns:a14="http://schemas.microsoft.com/office/drawing/2010/main" w="9525">
+                <a14:hiddenLine xmlns:a14="http://schemas.microsoft.com/office/drawing/2010/main" xmlns="" w="9525">
                   <a:solidFill>
                     <a:srgbClr val="000000"/>
                   </a:solidFill>
@@ -8444,7 +9732,7 @@
             </a:ln>
             <a:extLst>
               <a:ext uri="{91240B29-F687-4f45-9708-019B960494DF}">
-                <a14:hiddenLine xmlns="" xmlns:a14="http://schemas.microsoft.com/office/drawing/2010/main" w="9525">
+                <a14:hiddenLine xmlns:a14="http://schemas.microsoft.com/office/drawing/2010/main" xmlns="" w="9525">
                   <a:solidFill>
                     <a:srgbClr val="000000"/>
                   </a:solidFill>
@@ -8564,7 +9852,7 @@
             </a:ln>
             <a:extLst>
               <a:ext uri="{91240B29-F687-4f45-9708-019B960494DF}">
-                <a14:hiddenLine xmlns="" xmlns:a14="http://schemas.microsoft.com/office/drawing/2010/main" w="9525">
+                <a14:hiddenLine xmlns:a14="http://schemas.microsoft.com/office/drawing/2010/main" xmlns="" w="9525">
                   <a:solidFill>
                     <a:srgbClr val="000000"/>
                   </a:solidFill>
@@ -8632,7 +9920,7 @@
             </a:ln>
             <a:extLst>
               <a:ext uri="{91240B29-F687-4f45-9708-019B960494DF}">
-                <a14:hiddenLine xmlns="" xmlns:a14="http://schemas.microsoft.com/office/drawing/2010/main" w="9525">
+                <a14:hiddenLine xmlns:a14="http://schemas.microsoft.com/office/drawing/2010/main" xmlns="" w="9525">
                   <a:solidFill>
                     <a:srgbClr val="000000"/>
                   </a:solidFill>
@@ -8722,7 +10010,7 @@
             </a:ln>
             <a:extLst>
               <a:ext uri="{91240B29-F687-4f45-9708-019B960494DF}">
-                <a14:hiddenLine xmlns="" xmlns:a14="http://schemas.microsoft.com/office/drawing/2010/main" w="9525">
+                <a14:hiddenLine xmlns:a14="http://schemas.microsoft.com/office/drawing/2010/main" xmlns="" w="9525">
                   <a:solidFill>
                     <a:srgbClr val="000000"/>
                   </a:solidFill>
@@ -13529,7 +14817,7 @@
           <a:noFill/>
           <a:extLst>
             <a:ext uri="{909E8E84-426E-40dd-AFC4-6F175D3DCCD1}">
-              <a14:hiddenFill xmlns="" xmlns:a14="http://schemas.microsoft.com/office/drawing/2010/main">
+              <a14:hiddenFill xmlns:a14="http://schemas.microsoft.com/office/drawing/2010/main" xmlns="">
                 <a:solidFill>
                   <a:srgbClr val="FFFFFF"/>
                 </a:solidFill>
@@ -13603,7 +14891,7 @@
               </a:ln>
               <a:extLst>
                 <a:ext uri="{91240B29-F687-4f45-9708-019B960494DF}">
-                  <a14:hiddenLine xmlns="" xmlns:a14="http://schemas.microsoft.com/office/drawing/2010/main" w="9525">
+                  <a14:hiddenLine xmlns:a14="http://schemas.microsoft.com/office/drawing/2010/main" xmlns="" w="9525">
                     <a:solidFill>
                       <a:srgbClr val="000000"/>
                     </a:solidFill>
@@ -13693,7 +14981,7 @@
               </a:ln>
               <a:extLst>
                 <a:ext uri="{91240B29-F687-4f45-9708-019B960494DF}">
-                  <a14:hiddenLine xmlns="" xmlns:a14="http://schemas.microsoft.com/office/drawing/2010/main" w="9525">
+                  <a14:hiddenLine xmlns:a14="http://schemas.microsoft.com/office/drawing/2010/main" xmlns="" w="9525">
                     <a:solidFill>
                       <a:srgbClr val="000000"/>
                     </a:solidFill>
@@ -13783,7 +15071,7 @@
               </a:ln>
               <a:extLst>
                 <a:ext uri="{91240B29-F687-4f45-9708-019B960494DF}">
-                  <a14:hiddenLine xmlns="" xmlns:a14="http://schemas.microsoft.com/office/drawing/2010/main" w="9525">
+                  <a14:hiddenLine xmlns:a14="http://schemas.microsoft.com/office/drawing/2010/main" xmlns="" w="9525">
                     <a:solidFill>
                       <a:srgbClr val="000000"/>
                     </a:solidFill>
@@ -13845,7 +15133,7 @@
               </a:ln>
               <a:extLst>
                 <a:ext uri="{91240B29-F687-4f45-9708-019B960494DF}">
-                  <a14:hiddenLine xmlns="" xmlns:a14="http://schemas.microsoft.com/office/drawing/2010/main" w="9525">
+                  <a14:hiddenLine xmlns:a14="http://schemas.microsoft.com/office/drawing/2010/main" xmlns="" w="9525">
                     <a:solidFill>
                       <a:srgbClr val="000000"/>
                     </a:solidFill>
@@ -13935,7 +15223,7 @@
               </a:ln>
               <a:extLst>
                 <a:ext uri="{91240B29-F687-4f45-9708-019B960494DF}">
-                  <a14:hiddenLine xmlns="" xmlns:a14="http://schemas.microsoft.com/office/drawing/2010/main" w="9525">
+                  <a14:hiddenLine xmlns:a14="http://schemas.microsoft.com/office/drawing/2010/main" xmlns="" w="9525">
                     <a:solidFill>
                       <a:srgbClr val="000000"/>
                     </a:solidFill>
@@ -13997,7 +15285,7 @@
               </a:ln>
               <a:extLst>
                 <a:ext uri="{91240B29-F687-4f45-9708-019B960494DF}">
-                  <a14:hiddenLine xmlns="" xmlns:a14="http://schemas.microsoft.com/office/drawing/2010/main" w="9525">
+                  <a14:hiddenLine xmlns:a14="http://schemas.microsoft.com/office/drawing/2010/main" xmlns="" w="9525">
                     <a:solidFill>
                       <a:srgbClr val="000000"/>
                     </a:solidFill>
@@ -14059,7 +15347,7 @@
               </a:ln>
               <a:extLst>
                 <a:ext uri="{91240B29-F687-4f45-9708-019B960494DF}">
-                  <a14:hiddenLine xmlns="" xmlns:a14="http://schemas.microsoft.com/office/drawing/2010/main" w="9525">
+                  <a14:hiddenLine xmlns:a14="http://schemas.microsoft.com/office/drawing/2010/main" xmlns="" w="9525">
                     <a:solidFill>
                       <a:srgbClr val="000000"/>
                     </a:solidFill>
@@ -14149,7 +15437,7 @@
               </a:ln>
               <a:extLst>
                 <a:ext uri="{91240B29-F687-4f45-9708-019B960494DF}">
-                  <a14:hiddenLine xmlns="" xmlns:a14="http://schemas.microsoft.com/office/drawing/2010/main" w="9525">
+                  <a14:hiddenLine xmlns:a14="http://schemas.microsoft.com/office/drawing/2010/main" xmlns="" w="9525">
                     <a:solidFill>
                       <a:srgbClr val="000000"/>
                     </a:solidFill>
@@ -14239,7 +15527,7 @@
               </a:ln>
               <a:extLst>
                 <a:ext uri="{91240B29-F687-4f45-9708-019B960494DF}">
-                  <a14:hiddenLine xmlns="" xmlns:a14="http://schemas.microsoft.com/office/drawing/2010/main" w="9525">
+                  <a14:hiddenLine xmlns:a14="http://schemas.microsoft.com/office/drawing/2010/main" xmlns="" w="9525">
                     <a:solidFill>
                       <a:srgbClr val="000000"/>
                     </a:solidFill>
@@ -14301,7 +15589,7 @@
               </a:ln>
               <a:extLst>
                 <a:ext uri="{91240B29-F687-4f45-9708-019B960494DF}">
-                  <a14:hiddenLine xmlns="" xmlns:a14="http://schemas.microsoft.com/office/drawing/2010/main" w="9525">
+                  <a14:hiddenLine xmlns:a14="http://schemas.microsoft.com/office/drawing/2010/main" xmlns="" w="9525">
                     <a:solidFill>
                       <a:srgbClr val="000000"/>
                     </a:solidFill>
@@ -14411,7 +15699,7 @@
               </a:ln>
               <a:extLst>
                 <a:ext uri="{91240B29-F687-4f45-9708-019B960494DF}">
-                  <a14:hiddenLine xmlns="" xmlns:a14="http://schemas.microsoft.com/office/drawing/2010/main" w="9525">
+                  <a14:hiddenLine xmlns:a14="http://schemas.microsoft.com/office/drawing/2010/main" xmlns="" w="9525">
                     <a:solidFill>
                       <a:srgbClr val="000000"/>
                     </a:solidFill>
@@ -14495,7 +15783,7 @@
               </a:ln>
               <a:extLst>
                 <a:ext uri="{91240B29-F687-4f45-9708-019B960494DF}">
-                  <a14:hiddenLine xmlns="" xmlns:a14="http://schemas.microsoft.com/office/drawing/2010/main" w="9525">
+                  <a14:hiddenLine xmlns:a14="http://schemas.microsoft.com/office/drawing/2010/main" xmlns="" w="9525">
                     <a:solidFill>
                       <a:srgbClr val="000000"/>
                     </a:solidFill>
@@ -14557,7 +15845,7 @@
               </a:ln>
               <a:extLst>
                 <a:ext uri="{91240B29-F687-4f45-9708-019B960494DF}">
-                  <a14:hiddenLine xmlns="" xmlns:a14="http://schemas.microsoft.com/office/drawing/2010/main" w="9525">
+                  <a14:hiddenLine xmlns:a14="http://schemas.microsoft.com/office/drawing/2010/main" xmlns="" w="9525">
                     <a:solidFill>
                       <a:srgbClr val="000000"/>
                     </a:solidFill>
@@ -14619,7 +15907,7 @@
               </a:ln>
               <a:extLst>
                 <a:ext uri="{91240B29-F687-4f45-9708-019B960494DF}">
-                  <a14:hiddenLine xmlns="" xmlns:a14="http://schemas.microsoft.com/office/drawing/2010/main" w="9525">
+                  <a14:hiddenLine xmlns:a14="http://schemas.microsoft.com/office/drawing/2010/main" xmlns="" w="9525">
                     <a:solidFill>
                       <a:srgbClr val="000000"/>
                     </a:solidFill>
@@ -14709,7 +15997,7 @@
               </a:ln>
               <a:extLst>
                 <a:ext uri="{91240B29-F687-4f45-9708-019B960494DF}">
-                  <a14:hiddenLine xmlns="" xmlns:a14="http://schemas.microsoft.com/office/drawing/2010/main" w="9525">
+                  <a14:hiddenLine xmlns:a14="http://schemas.microsoft.com/office/drawing/2010/main" xmlns="" w="9525">
                     <a:solidFill>
                       <a:srgbClr val="000000"/>
                     </a:solidFill>
@@ -14743,7 +16031,7 @@
               </a:ln>
               <a:extLst>
                 <a:ext uri="{91240B29-F687-4f45-9708-019B960494DF}">
-                  <a14:hiddenLine xmlns="" xmlns:a14="http://schemas.microsoft.com/office/drawing/2010/main" w="9525">
+                  <a14:hiddenLine xmlns:a14="http://schemas.microsoft.com/office/drawing/2010/main" xmlns="" w="9525">
                     <a:solidFill>
                       <a:srgbClr val="000000"/>
                     </a:solidFill>
@@ -14808,7 +16096,7 @@
               </a:ln>
               <a:extLst>
                 <a:ext uri="{91240B29-F687-4f45-9708-019B960494DF}">
-                  <a14:hiddenLine xmlns="" xmlns:a14="http://schemas.microsoft.com/office/drawing/2010/main" w="9525">
+                  <a14:hiddenLine xmlns:a14="http://schemas.microsoft.com/office/drawing/2010/main" xmlns="" w="9525">
                     <a:solidFill>
                       <a:srgbClr val="000000"/>
                     </a:solidFill>
@@ -14898,7 +16186,7 @@
               </a:ln>
               <a:extLst>
                 <a:ext uri="{91240B29-F687-4f45-9708-019B960494DF}">
-                  <a14:hiddenLine xmlns="" xmlns:a14="http://schemas.microsoft.com/office/drawing/2010/main" w="9525">
+                  <a14:hiddenLine xmlns:a14="http://schemas.microsoft.com/office/drawing/2010/main" xmlns="" w="9525">
                     <a:solidFill>
                       <a:srgbClr val="000000"/>
                     </a:solidFill>
@@ -14960,7 +16248,7 @@
               </a:ln>
               <a:extLst>
                 <a:ext uri="{91240B29-F687-4f45-9708-019B960494DF}">
-                  <a14:hiddenLine xmlns="" xmlns:a14="http://schemas.microsoft.com/office/drawing/2010/main" w="9525">
+                  <a14:hiddenLine xmlns:a14="http://schemas.microsoft.com/office/drawing/2010/main" xmlns="" w="9525">
                     <a:solidFill>
                       <a:srgbClr val="000000"/>
                     </a:solidFill>
@@ -15050,7 +16338,7 @@
               </a:ln>
               <a:extLst>
                 <a:ext uri="{91240B29-F687-4f45-9708-019B960494DF}">
-                  <a14:hiddenLine xmlns="" xmlns:a14="http://schemas.microsoft.com/office/drawing/2010/main" w="9525">
+                  <a14:hiddenLine xmlns:a14="http://schemas.microsoft.com/office/drawing/2010/main" xmlns="" w="9525">
                     <a:solidFill>
                       <a:srgbClr val="000000"/>
                     </a:solidFill>
@@ -15115,7 +16403,7 @@
               </a:ln>
               <a:extLst>
                 <a:ext uri="{91240B29-F687-4f45-9708-019B960494DF}">
-                  <a14:hiddenLine xmlns="" xmlns:a14="http://schemas.microsoft.com/office/drawing/2010/main" w="9525">
+                  <a14:hiddenLine xmlns:a14="http://schemas.microsoft.com/office/drawing/2010/main" xmlns="" w="9525">
                     <a:solidFill>
                       <a:srgbClr val="000000"/>
                     </a:solidFill>
@@ -15177,7 +16465,7 @@
               </a:ln>
               <a:extLst>
                 <a:ext uri="{91240B29-F687-4f45-9708-019B960494DF}">
-                  <a14:hiddenLine xmlns="" xmlns:a14="http://schemas.microsoft.com/office/drawing/2010/main" w="9525">
+                  <a14:hiddenLine xmlns:a14="http://schemas.microsoft.com/office/drawing/2010/main" xmlns="" w="9525">
                     <a:solidFill>
                       <a:srgbClr val="000000"/>
                     </a:solidFill>
@@ -15267,7 +16555,7 @@
               </a:ln>
               <a:extLst>
                 <a:ext uri="{91240B29-F687-4f45-9708-019B960494DF}">
-                  <a14:hiddenLine xmlns="" xmlns:a14="http://schemas.microsoft.com/office/drawing/2010/main" w="9525">
+                  <a14:hiddenLine xmlns:a14="http://schemas.microsoft.com/office/drawing/2010/main" xmlns="" w="9525">
                     <a:solidFill>
                       <a:srgbClr val="000000"/>
                     </a:solidFill>
@@ -15357,7 +16645,7 @@
               </a:ln>
               <a:extLst>
                 <a:ext uri="{91240B29-F687-4f45-9708-019B960494DF}">
-                  <a14:hiddenLine xmlns="" xmlns:a14="http://schemas.microsoft.com/office/drawing/2010/main" w="9525">
+                  <a14:hiddenLine xmlns:a14="http://schemas.microsoft.com/office/drawing/2010/main" xmlns="" w="9525">
                     <a:solidFill>
                       <a:srgbClr val="000000"/>
                     </a:solidFill>
@@ -15422,7 +16710,7 @@
               </a:ln>
               <a:extLst>
                 <a:ext uri="{91240B29-F687-4f45-9708-019B960494DF}">
-                  <a14:hiddenLine xmlns="" xmlns:a14="http://schemas.microsoft.com/office/drawing/2010/main" w="9525">
+                  <a14:hiddenLine xmlns:a14="http://schemas.microsoft.com/office/drawing/2010/main" xmlns="" w="9525">
                     <a:solidFill>
                       <a:srgbClr val="000000"/>
                     </a:solidFill>
@@ -15542,7 +16830,7 @@
               </a:ln>
               <a:extLst>
                 <a:ext uri="{91240B29-F687-4f45-9708-019B960494DF}">
-                  <a14:hiddenLine xmlns="" xmlns:a14="http://schemas.microsoft.com/office/drawing/2010/main" w="9525">
+                  <a14:hiddenLine xmlns:a14="http://schemas.microsoft.com/office/drawing/2010/main" xmlns="" w="9525">
                     <a:solidFill>
                       <a:srgbClr val="000000"/>
                     </a:solidFill>
@@ -15640,7 +16928,7 @@
               </a:ln>
               <a:extLst>
                 <a:ext uri="{91240B29-F687-4f45-9708-019B960494DF}">
-                  <a14:hiddenLine xmlns="" xmlns:a14="http://schemas.microsoft.com/office/drawing/2010/main" w="9525">
+                  <a14:hiddenLine xmlns:a14="http://schemas.microsoft.com/office/drawing/2010/main" xmlns="" w="9525">
                     <a:solidFill>
                       <a:srgbClr val="000000"/>
                     </a:solidFill>
@@ -15755,7 +17043,7 @@
               </a:ln>
               <a:extLst>
                 <a:ext uri="{91240B29-F687-4f45-9708-019B960494DF}">
-                  <a14:hiddenLine xmlns="" xmlns:a14="http://schemas.microsoft.com/office/drawing/2010/main" w="9525">
+                  <a14:hiddenLine xmlns:a14="http://schemas.microsoft.com/office/drawing/2010/main" xmlns="" w="9525">
                     <a:solidFill>
                       <a:srgbClr val="000000"/>
                     </a:solidFill>
@@ -15845,7 +17133,7 @@
               </a:ln>
               <a:extLst>
                 <a:ext uri="{91240B29-F687-4f45-9708-019B960494DF}">
-                  <a14:hiddenLine xmlns="" xmlns:a14="http://schemas.microsoft.com/office/drawing/2010/main" w="9525">
+                  <a14:hiddenLine xmlns:a14="http://schemas.microsoft.com/office/drawing/2010/main" xmlns="" w="9525">
                     <a:solidFill>
                       <a:srgbClr val="000000"/>
                     </a:solidFill>
@@ -15910,7 +17198,7 @@
               </a:ln>
               <a:extLst>
                 <a:ext uri="{91240B29-F687-4f45-9708-019B960494DF}">
-                  <a14:hiddenLine xmlns="" xmlns:a14="http://schemas.microsoft.com/office/drawing/2010/main" w="9525">
+                  <a14:hiddenLine xmlns:a14="http://schemas.microsoft.com/office/drawing/2010/main" xmlns="" w="9525">
                     <a:solidFill>
                       <a:srgbClr val="000000"/>
                     </a:solidFill>
@@ -16000,7 +17288,7 @@
               </a:ln>
               <a:extLst>
                 <a:ext uri="{91240B29-F687-4f45-9708-019B960494DF}">
-                  <a14:hiddenLine xmlns="" xmlns:a14="http://schemas.microsoft.com/office/drawing/2010/main" w="9525">
+                  <a14:hiddenLine xmlns:a14="http://schemas.microsoft.com/office/drawing/2010/main" xmlns="" w="9525">
                     <a:solidFill>
                       <a:srgbClr val="000000"/>
                     </a:solidFill>
@@ -16068,7 +17356,7 @@
               </a:ln>
               <a:extLst>
                 <a:ext uri="{91240B29-F687-4f45-9708-019B960494DF}">
-                  <a14:hiddenLine xmlns="" xmlns:a14="http://schemas.microsoft.com/office/drawing/2010/main" w="9525">
+                  <a14:hiddenLine xmlns:a14="http://schemas.microsoft.com/office/drawing/2010/main" xmlns="" w="9525">
                     <a:solidFill>
                       <a:srgbClr val="000000"/>
                     </a:solidFill>
@@ -16158,7 +17446,7 @@
               </a:ln>
               <a:extLst>
                 <a:ext uri="{91240B29-F687-4f45-9708-019B960494DF}">
-                  <a14:hiddenLine xmlns="" xmlns:a14="http://schemas.microsoft.com/office/drawing/2010/main" w="9525">
+                  <a14:hiddenLine xmlns:a14="http://schemas.microsoft.com/office/drawing/2010/main" xmlns="" w="9525">
                     <a:solidFill>
                       <a:srgbClr val="000000"/>
                     </a:solidFill>
@@ -16226,7 +17514,7 @@
               </a:ln>
               <a:extLst>
                 <a:ext uri="{91240B29-F687-4f45-9708-019B960494DF}">
-                  <a14:hiddenLine xmlns="" xmlns:a14="http://schemas.microsoft.com/office/drawing/2010/main" w="9525">
+                  <a14:hiddenLine xmlns:a14="http://schemas.microsoft.com/office/drawing/2010/main" xmlns="" w="9525">
                     <a:solidFill>
                       <a:srgbClr val="000000"/>
                     </a:solidFill>
@@ -16316,7 +17604,7 @@
               </a:ln>
               <a:extLst>
                 <a:ext uri="{91240B29-F687-4f45-9708-019B960494DF}">
-                  <a14:hiddenLine xmlns="" xmlns:a14="http://schemas.microsoft.com/office/drawing/2010/main" w="9525">
+                  <a14:hiddenLine xmlns:a14="http://schemas.microsoft.com/office/drawing/2010/main" xmlns="" w="9525">
                     <a:solidFill>
                       <a:srgbClr val="000000"/>
                     </a:solidFill>
@@ -16350,7 +17638,7 @@
               </a:ln>
               <a:extLst>
                 <a:ext uri="{91240B29-F687-4f45-9708-019B960494DF}">
-                  <a14:hiddenLine xmlns="" xmlns:a14="http://schemas.microsoft.com/office/drawing/2010/main" w="9525">
+                  <a14:hiddenLine xmlns:a14="http://schemas.microsoft.com/office/drawing/2010/main" xmlns="" w="9525">
                     <a:solidFill>
                       <a:srgbClr val="000000"/>
                     </a:solidFill>
@@ -16928,13 +18216,13 @@
         </p:nvSpPr>
         <p:spPr>
           <a:xfrm>
-            <a:off x="1616542" y="521852"/>
+            <a:off x="1866798" y="521852"/>
             <a:ext cx="8791575" cy="2387600"/>
           </a:xfrm>
         </p:spPr>
         <p:txBody>
           <a:bodyPr>
-            <a:normAutofit fontScale="90000"/>
+            <a:normAutofit/>
           </a:bodyPr>
           <a:lstStyle/>
           <a:p>
@@ -16947,11 +18235,11 @@
               <a:rPr lang="en-GB" sz="6600" dirty="0"/>
             </a:br>
             <a:br>
-              <a:rPr lang="en-GB" sz="6600" dirty="0"/>
+              <a:rPr lang="en-GB" sz="2200" dirty="0"/>
             </a:br>
             <a:r>
               <a:rPr lang="en-GB" dirty="0"/>
-              <a:t>Group 5</a:t>
+              <a:t>Group 5 – Loan Rangers</a:t>
             </a:r>
           </a:p>
         </p:txBody>
@@ -16974,7 +18262,7 @@
         </p:nvSpPr>
         <p:spPr>
           <a:xfrm>
-            <a:off x="2078554" y="3488943"/>
+            <a:off x="1866798" y="3286813"/>
             <a:ext cx="8791575" cy="1655762"/>
           </a:xfrm>
         </p:spPr>
@@ -16989,6 +18277,98 @@
               <a:rPr lang="en-GB" sz="3200" dirty="0"/>
               <a:t>WHICH ALGORITHM WORKS BEST FOR CLASSIFYING CREDIT CARD APPLICATIONS?</a:t>
             </a:r>
+          </a:p>
+        </p:txBody>
+      </p:sp>
+      <p:sp>
+        <p:nvSpPr>
+          <p:cNvPr id="4" name="TextBox 3">
+            <a:extLst>
+              <a:ext uri="{FF2B5EF4-FFF2-40B4-BE49-F238E27FC236}">
+                <a16:creationId xmlns:a16="http://schemas.microsoft.com/office/drawing/2014/main" id="{4063DE14-35B5-F9D1-1118-637044E2D51C}"/>
+              </a:ext>
+            </a:extLst>
+          </p:cNvPr>
+          <p:cNvSpPr txBox="1"/>
+          <p:nvPr/>
+        </p:nvSpPr>
+        <p:spPr>
+          <a:xfrm>
+            <a:off x="4460649" y="4942575"/>
+            <a:ext cx="3603872" cy="1477328"/>
+          </a:xfrm>
+          <a:prstGeom prst="rect">
+            <a:avLst/>
+          </a:prstGeom>
+          <a:noFill/>
+        </p:spPr>
+        <p:txBody>
+          <a:bodyPr wrap="none" rtlCol="0">
+            <a:spAutoFit/>
+          </a:bodyPr>
+          <a:lstStyle/>
+          <a:p>
+            <a:pPr algn="ctr"/>
+            <a:r>
+              <a:rPr lang="en-GB" b="0" dirty="0">
+                <a:effectLst/>
+                <a:latin typeface="Consolas" panose="020B0609020204030204" pitchFamily="49" charset="0"/>
+              </a:rPr>
+              <a:t>Daniel Hughes</a:t>
+            </a:r>
+          </a:p>
+          <a:p>
+            <a:pPr algn="ctr"/>
+            <a:r>
+              <a:rPr lang="en-GB" b="0" dirty="0">
+                <a:effectLst/>
+                <a:latin typeface="Consolas" panose="020B0609020204030204" pitchFamily="49" charset="0"/>
+              </a:rPr>
+              <a:t>Mohammed Nawaz</a:t>
+            </a:r>
+          </a:p>
+          <a:p>
+            <a:pPr algn="ctr"/>
+            <a:r>
+              <a:rPr lang="en-GB" b="0" dirty="0">
+                <a:effectLst/>
+                <a:latin typeface="Consolas" panose="020B0609020204030204" pitchFamily="49" charset="0"/>
+              </a:rPr>
+              <a:t>Ayomide Olanrewaju</a:t>
+            </a:r>
+          </a:p>
+          <a:p>
+            <a:pPr algn="ctr"/>
+            <a:r>
+              <a:rPr lang="en-GB" dirty="0">
+                <a:latin typeface="Consolas" panose="020B0609020204030204" pitchFamily="49" charset="0"/>
+              </a:rPr>
+              <a:t>N</a:t>
+            </a:r>
+            <a:r>
+              <a:rPr lang="en-GB" b="0" dirty="0">
+                <a:effectLst/>
+                <a:latin typeface="Consolas" panose="020B0609020204030204" pitchFamily="49" charset="0"/>
+              </a:rPr>
+              <a:t>ana </a:t>
+            </a:r>
+            <a:r>
+              <a:rPr lang="en-GB" b="0" dirty="0" err="1">
+                <a:effectLst/>
+                <a:latin typeface="Consolas" panose="020B0609020204030204" pitchFamily="49" charset="0"/>
+              </a:rPr>
+              <a:t>Afranie</a:t>
+            </a:r>
+            <a:r>
+              <a:rPr lang="en-GB" b="0" dirty="0">
+                <a:effectLst/>
+                <a:latin typeface="Consolas" panose="020B0609020204030204" pitchFamily="49" charset="0"/>
+              </a:rPr>
+              <a:t> Ampadu Mensah</a:t>
+            </a:r>
+          </a:p>
+          <a:p>
+            <a:endParaRPr lang="en-GB" dirty="0"/>
           </a:p>
         </p:txBody>
       </p:sp>
@@ -17094,7 +18474,7 @@
           <a:noFill/>
           <a:extLst>
             <a:ext uri="{909E8E84-426E-40dd-AFC4-6F175D3DCCD1}">
-              <a14:hiddenFill xmlns:p14="http://schemas.microsoft.com/office/powerpoint/2010/main" xmlns:a14="http://schemas.microsoft.com/office/drawing/2010/main" xmlns:a16="http://schemas.microsoft.com/office/drawing/2014/main" xmlns="">
+              <a14:hiddenFill xmlns="" xmlns:a16="http://schemas.microsoft.com/office/drawing/2014/main" xmlns:a14="http://schemas.microsoft.com/office/drawing/2010/main" xmlns:p14="http://schemas.microsoft.com/office/powerpoint/2010/main">
                 <a:solidFill>
                   <a:srgbClr val="FFFFFF"/>
                 </a:solidFill>
@@ -17186,7 +18566,7 @@
             </a:ln>
             <a:extLst>
               <a:ext uri="{91240B29-F687-4f45-9708-019B960494DF}">
-                <a14:hiddenLine xmlns:p14="http://schemas.microsoft.com/office/powerpoint/2010/main" xmlns:a14="http://schemas.microsoft.com/office/drawing/2010/main" xmlns:a16="http://schemas.microsoft.com/office/drawing/2014/main" xmlns="" w="9525">
+                <a14:hiddenLine xmlns="" xmlns:a16="http://schemas.microsoft.com/office/drawing/2014/main" xmlns:a14="http://schemas.microsoft.com/office/drawing/2010/main" xmlns:p14="http://schemas.microsoft.com/office/powerpoint/2010/main" w="9525">
                   <a:solidFill>
                     <a:srgbClr val="000000"/>
                   </a:solidFill>
@@ -17298,7 +18678,7 @@
             </a:ln>
             <a:extLst>
               <a:ext uri="{91240B29-F687-4f45-9708-019B960494DF}">
-                <a14:hiddenLine xmlns:p14="http://schemas.microsoft.com/office/powerpoint/2010/main" xmlns:a14="http://schemas.microsoft.com/office/drawing/2010/main" xmlns:a16="http://schemas.microsoft.com/office/drawing/2014/main" xmlns="" w="9525">
+                <a14:hiddenLine xmlns="" xmlns:a16="http://schemas.microsoft.com/office/drawing/2014/main" xmlns:a14="http://schemas.microsoft.com/office/drawing/2010/main" xmlns:p14="http://schemas.microsoft.com/office/powerpoint/2010/main" w="9525">
                   <a:solidFill>
                     <a:srgbClr val="000000"/>
                   </a:solidFill>
@@ -17410,7 +18790,7 @@
             </a:ln>
             <a:extLst>
               <a:ext uri="{91240B29-F687-4f45-9708-019B960494DF}">
-                <a14:hiddenLine xmlns:p14="http://schemas.microsoft.com/office/powerpoint/2010/main" xmlns:a14="http://schemas.microsoft.com/office/drawing/2010/main" xmlns:a16="http://schemas.microsoft.com/office/drawing/2014/main" xmlns="" w="9525">
+                <a14:hiddenLine xmlns="" xmlns:a16="http://schemas.microsoft.com/office/drawing/2014/main" xmlns:a14="http://schemas.microsoft.com/office/drawing/2010/main" xmlns:p14="http://schemas.microsoft.com/office/powerpoint/2010/main" w="9525">
                   <a:solidFill>
                     <a:srgbClr val="000000"/>
                   </a:solidFill>
@@ -17466,7 +18846,7 @@
             </a:ln>
             <a:extLst>
               <a:ext uri="{91240B29-F687-4f45-9708-019B960494DF}">
-                <a14:hiddenLine xmlns:p14="http://schemas.microsoft.com/office/powerpoint/2010/main" xmlns:a14="http://schemas.microsoft.com/office/drawing/2010/main" xmlns:a16="http://schemas.microsoft.com/office/drawing/2014/main" xmlns="" w="9525">
+                <a14:hiddenLine xmlns="" xmlns:a16="http://schemas.microsoft.com/office/drawing/2014/main" xmlns:a14="http://schemas.microsoft.com/office/drawing/2010/main" xmlns:p14="http://schemas.microsoft.com/office/powerpoint/2010/main" w="9525">
                   <a:solidFill>
                     <a:srgbClr val="000000"/>
                   </a:solidFill>
@@ -17578,7 +18958,7 @@
             </a:ln>
             <a:extLst>
               <a:ext uri="{91240B29-F687-4f45-9708-019B960494DF}">
-                <a14:hiddenLine xmlns:p14="http://schemas.microsoft.com/office/powerpoint/2010/main" xmlns:a14="http://schemas.microsoft.com/office/drawing/2010/main" xmlns:a16="http://schemas.microsoft.com/office/drawing/2014/main" xmlns="" w="9525">
+                <a14:hiddenLine xmlns="" xmlns:a16="http://schemas.microsoft.com/office/drawing/2014/main" xmlns:a14="http://schemas.microsoft.com/office/drawing/2010/main" xmlns:p14="http://schemas.microsoft.com/office/powerpoint/2010/main" w="9525">
                   <a:solidFill>
                     <a:srgbClr val="000000"/>
                   </a:solidFill>
@@ -17662,7 +19042,7 @@
             </a:ln>
             <a:extLst>
               <a:ext uri="{91240B29-F687-4f45-9708-019B960494DF}">
-                <a14:hiddenLine xmlns:p14="http://schemas.microsoft.com/office/powerpoint/2010/main" xmlns:a14="http://schemas.microsoft.com/office/drawing/2010/main" xmlns:a16="http://schemas.microsoft.com/office/drawing/2014/main" xmlns="" w="9525">
+                <a14:hiddenLine xmlns="" xmlns:a16="http://schemas.microsoft.com/office/drawing/2014/main" xmlns:a14="http://schemas.microsoft.com/office/drawing/2010/main" xmlns:p14="http://schemas.microsoft.com/office/powerpoint/2010/main" w="9525">
                   <a:solidFill>
                     <a:srgbClr val="000000"/>
                   </a:solidFill>
@@ -17746,7 +19126,7 @@
             </a:ln>
             <a:extLst>
               <a:ext uri="{91240B29-F687-4f45-9708-019B960494DF}">
-                <a14:hiddenLine xmlns:p14="http://schemas.microsoft.com/office/powerpoint/2010/main" xmlns:a14="http://schemas.microsoft.com/office/drawing/2010/main" xmlns:a16="http://schemas.microsoft.com/office/drawing/2014/main" xmlns="" w="9525">
+                <a14:hiddenLine xmlns="" xmlns:a16="http://schemas.microsoft.com/office/drawing/2014/main" xmlns:a14="http://schemas.microsoft.com/office/drawing/2010/main" xmlns:p14="http://schemas.microsoft.com/office/powerpoint/2010/main" w="9525">
                   <a:solidFill>
                     <a:srgbClr val="000000"/>
                   </a:solidFill>
@@ -17858,7 +19238,7 @@
             </a:ln>
             <a:extLst>
               <a:ext uri="{91240B29-F687-4f45-9708-019B960494DF}">
-                <a14:hiddenLine xmlns:p14="http://schemas.microsoft.com/office/powerpoint/2010/main" xmlns:a14="http://schemas.microsoft.com/office/drawing/2010/main" xmlns:a16="http://schemas.microsoft.com/office/drawing/2014/main" xmlns="" w="9525">
+                <a14:hiddenLine xmlns="" xmlns:a16="http://schemas.microsoft.com/office/drawing/2014/main" xmlns:a14="http://schemas.microsoft.com/office/drawing/2010/main" xmlns:p14="http://schemas.microsoft.com/office/powerpoint/2010/main" w="9525">
                   <a:solidFill>
                     <a:srgbClr val="000000"/>
                   </a:solidFill>
@@ -17942,7 +19322,7 @@
             </a:ln>
             <a:extLst>
               <a:ext uri="{91240B29-F687-4f45-9708-019B960494DF}">
-                <a14:hiddenLine xmlns:p14="http://schemas.microsoft.com/office/powerpoint/2010/main" xmlns:a14="http://schemas.microsoft.com/office/drawing/2010/main" xmlns:a16="http://schemas.microsoft.com/office/drawing/2014/main" xmlns="" w="9525">
+                <a14:hiddenLine xmlns="" xmlns:a16="http://schemas.microsoft.com/office/drawing/2014/main" xmlns:a14="http://schemas.microsoft.com/office/drawing/2010/main" xmlns:p14="http://schemas.microsoft.com/office/powerpoint/2010/main" w="9525">
                   <a:solidFill>
                     <a:srgbClr val="000000"/>
                   </a:solidFill>
@@ -18026,7 +19406,7 @@
             </a:ln>
             <a:extLst>
               <a:ext uri="{91240B29-F687-4f45-9708-019B960494DF}">
-                <a14:hiddenLine xmlns:p14="http://schemas.microsoft.com/office/powerpoint/2010/main" xmlns:a14="http://schemas.microsoft.com/office/drawing/2010/main" xmlns:a16="http://schemas.microsoft.com/office/drawing/2014/main" xmlns="" w="9525">
+                <a14:hiddenLine xmlns="" xmlns:a16="http://schemas.microsoft.com/office/drawing/2014/main" xmlns:a14="http://schemas.microsoft.com/office/drawing/2010/main" xmlns:p14="http://schemas.microsoft.com/office/powerpoint/2010/main" w="9525">
                   <a:solidFill>
                     <a:srgbClr val="000000"/>
                   </a:solidFill>
@@ -18138,7 +19518,7 @@
             </a:ln>
             <a:extLst>
               <a:ext uri="{91240B29-F687-4f45-9708-019B960494DF}">
-                <a14:hiddenLine xmlns:p14="http://schemas.microsoft.com/office/powerpoint/2010/main" xmlns:a14="http://schemas.microsoft.com/office/drawing/2010/main" xmlns:a16="http://schemas.microsoft.com/office/drawing/2014/main" xmlns="" w="9525">
+                <a14:hiddenLine xmlns="" xmlns:a16="http://schemas.microsoft.com/office/drawing/2014/main" xmlns:a14="http://schemas.microsoft.com/office/drawing/2010/main" xmlns:p14="http://schemas.microsoft.com/office/powerpoint/2010/main" w="9525">
                   <a:solidFill>
                     <a:srgbClr val="000000"/>
                   </a:solidFill>
@@ -18250,7 +19630,7 @@
             </a:ln>
             <a:extLst>
               <a:ext uri="{91240B29-F687-4f45-9708-019B960494DF}">
-                <a14:hiddenLine xmlns:p14="http://schemas.microsoft.com/office/powerpoint/2010/main" xmlns:a14="http://schemas.microsoft.com/office/drawing/2010/main" xmlns:a16="http://schemas.microsoft.com/office/drawing/2014/main" xmlns="" w="9525">
+                <a14:hiddenLine xmlns="" xmlns:a16="http://schemas.microsoft.com/office/drawing/2014/main" xmlns:a14="http://schemas.microsoft.com/office/drawing/2010/main" xmlns:p14="http://schemas.microsoft.com/office/powerpoint/2010/main" w="9525">
                   <a:solidFill>
                     <a:srgbClr val="000000"/>
                   </a:solidFill>
@@ -18334,7 +19714,7 @@
             </a:ln>
             <a:extLst>
               <a:ext uri="{91240B29-F687-4f45-9708-019B960494DF}">
-                <a14:hiddenLine xmlns:p14="http://schemas.microsoft.com/office/powerpoint/2010/main" xmlns:a14="http://schemas.microsoft.com/office/drawing/2010/main" xmlns:a16="http://schemas.microsoft.com/office/drawing/2014/main" xmlns="" w="9525">
+                <a14:hiddenLine xmlns="" xmlns:a16="http://schemas.microsoft.com/office/drawing/2014/main" xmlns:a14="http://schemas.microsoft.com/office/drawing/2010/main" xmlns:p14="http://schemas.microsoft.com/office/powerpoint/2010/main" w="9525">
                   <a:solidFill>
                     <a:srgbClr val="000000"/>
                   </a:solidFill>
@@ -18466,7 +19846,7 @@
             </a:ln>
             <a:extLst>
               <a:ext uri="{91240B29-F687-4f45-9708-019B960494DF}">
-                <a14:hiddenLine xmlns:p14="http://schemas.microsoft.com/office/powerpoint/2010/main" xmlns:a14="http://schemas.microsoft.com/office/drawing/2010/main" xmlns:a16="http://schemas.microsoft.com/office/drawing/2014/main" xmlns="" w="9525">
+                <a14:hiddenLine xmlns="" xmlns:a16="http://schemas.microsoft.com/office/drawing/2014/main" xmlns:a14="http://schemas.microsoft.com/office/drawing/2010/main" xmlns:p14="http://schemas.microsoft.com/office/powerpoint/2010/main" w="9525">
                   <a:solidFill>
                     <a:srgbClr val="000000"/>
                   </a:solidFill>
@@ -18550,7 +19930,7 @@
             </a:ln>
             <a:extLst>
               <a:ext uri="{91240B29-F687-4f45-9708-019B960494DF}">
-                <a14:hiddenLine xmlns:p14="http://schemas.microsoft.com/office/powerpoint/2010/main" xmlns:a14="http://schemas.microsoft.com/office/drawing/2010/main" xmlns:a16="http://schemas.microsoft.com/office/drawing/2014/main" xmlns="" w="9525">
+                <a14:hiddenLine xmlns="" xmlns:a16="http://schemas.microsoft.com/office/drawing/2014/main" xmlns:a14="http://schemas.microsoft.com/office/drawing/2010/main" xmlns:p14="http://schemas.microsoft.com/office/powerpoint/2010/main" w="9525">
                   <a:solidFill>
                     <a:srgbClr val="000000"/>
                   </a:solidFill>
@@ -18662,7 +20042,7 @@
             </a:ln>
             <a:extLst>
               <a:ext uri="{91240B29-F687-4f45-9708-019B960494DF}">
-                <a14:hiddenLine xmlns:p14="http://schemas.microsoft.com/office/powerpoint/2010/main" xmlns:a14="http://schemas.microsoft.com/office/drawing/2010/main" xmlns:a16="http://schemas.microsoft.com/office/drawing/2014/main" xmlns="" w="9525">
+                <a14:hiddenLine xmlns="" xmlns:a16="http://schemas.microsoft.com/office/drawing/2014/main" xmlns:a14="http://schemas.microsoft.com/office/drawing/2010/main" xmlns:p14="http://schemas.microsoft.com/office/powerpoint/2010/main" w="9525">
                   <a:solidFill>
                     <a:srgbClr val="000000"/>
                   </a:solidFill>
@@ -18774,7 +20154,7 @@
             </a:ln>
             <a:extLst>
               <a:ext uri="{91240B29-F687-4f45-9708-019B960494DF}">
-                <a14:hiddenLine xmlns:p14="http://schemas.microsoft.com/office/powerpoint/2010/main" xmlns:a14="http://schemas.microsoft.com/office/drawing/2010/main" xmlns:a16="http://schemas.microsoft.com/office/drawing/2014/main" xmlns="" w="9525">
+                <a14:hiddenLine xmlns="" xmlns:a16="http://schemas.microsoft.com/office/drawing/2014/main" xmlns:a14="http://schemas.microsoft.com/office/drawing/2010/main" xmlns:p14="http://schemas.microsoft.com/office/powerpoint/2010/main" w="9525">
                   <a:solidFill>
                     <a:srgbClr val="000000"/>
                   </a:solidFill>
@@ -18858,7 +20238,7 @@
             </a:ln>
             <a:extLst>
               <a:ext uri="{91240B29-F687-4f45-9708-019B960494DF}">
-                <a14:hiddenLine xmlns:p14="http://schemas.microsoft.com/office/powerpoint/2010/main" xmlns:a14="http://schemas.microsoft.com/office/drawing/2010/main" xmlns:a16="http://schemas.microsoft.com/office/drawing/2014/main" xmlns="" w="9525">
+                <a14:hiddenLine xmlns="" xmlns:a16="http://schemas.microsoft.com/office/drawing/2014/main" xmlns:a14="http://schemas.microsoft.com/office/drawing/2010/main" xmlns:p14="http://schemas.microsoft.com/office/powerpoint/2010/main" w="9525">
                   <a:solidFill>
                     <a:srgbClr val="000000"/>
                   </a:solidFill>
@@ -18970,7 +20350,7 @@
             </a:ln>
             <a:extLst>
               <a:ext uri="{91240B29-F687-4f45-9708-019B960494DF}">
-                <a14:hiddenLine xmlns:p14="http://schemas.microsoft.com/office/powerpoint/2010/main" xmlns:a14="http://schemas.microsoft.com/office/drawing/2010/main" xmlns:a16="http://schemas.microsoft.com/office/drawing/2014/main" xmlns="" w="9525">
+                <a14:hiddenLine xmlns="" xmlns:a16="http://schemas.microsoft.com/office/drawing/2014/main" xmlns:a14="http://schemas.microsoft.com/office/drawing/2010/main" xmlns:p14="http://schemas.microsoft.com/office/powerpoint/2010/main" w="9525">
                   <a:solidFill>
                     <a:srgbClr val="000000"/>
                   </a:solidFill>
@@ -19082,7 +20462,7 @@
             </a:ln>
             <a:extLst>
               <a:ext uri="{91240B29-F687-4f45-9708-019B960494DF}">
-                <a14:hiddenLine xmlns:p14="http://schemas.microsoft.com/office/powerpoint/2010/main" xmlns:a14="http://schemas.microsoft.com/office/drawing/2010/main" xmlns:a16="http://schemas.microsoft.com/office/drawing/2014/main" xmlns="" w="9525">
+                <a14:hiddenLine xmlns="" xmlns:a16="http://schemas.microsoft.com/office/drawing/2014/main" xmlns:a14="http://schemas.microsoft.com/office/drawing/2010/main" xmlns:p14="http://schemas.microsoft.com/office/powerpoint/2010/main" w="9525">
                   <a:solidFill>
                     <a:srgbClr val="000000"/>
                   </a:solidFill>
@@ -19160,7 +20540,7 @@
             </a:ln>
             <a:extLst>
               <a:ext uri="{91240B29-F687-4f45-9708-019B960494DF}">
-                <a14:hiddenLine xmlns:p14="http://schemas.microsoft.com/office/powerpoint/2010/main" xmlns:a14="http://schemas.microsoft.com/office/drawing/2010/main" xmlns:a16="http://schemas.microsoft.com/office/drawing/2014/main" xmlns="" w="9525">
+                <a14:hiddenLine xmlns="" xmlns:a16="http://schemas.microsoft.com/office/drawing/2014/main" xmlns:a14="http://schemas.microsoft.com/office/drawing/2010/main" xmlns:p14="http://schemas.microsoft.com/office/powerpoint/2010/main" w="9525">
                   <a:solidFill>
                     <a:srgbClr val="000000"/>
                   </a:solidFill>
@@ -19272,7 +20652,7 @@
             </a:ln>
             <a:extLst>
               <a:ext uri="{91240B29-F687-4f45-9708-019B960494DF}">
-                <a14:hiddenLine xmlns:p14="http://schemas.microsoft.com/office/powerpoint/2010/main" xmlns:a14="http://schemas.microsoft.com/office/drawing/2010/main" xmlns:a16="http://schemas.microsoft.com/office/drawing/2014/main" xmlns="" w="9525">
+                <a14:hiddenLine xmlns="" xmlns:a16="http://schemas.microsoft.com/office/drawing/2014/main" xmlns:a14="http://schemas.microsoft.com/office/drawing/2010/main" xmlns:p14="http://schemas.microsoft.com/office/powerpoint/2010/main" w="9525">
                   <a:solidFill>
                     <a:srgbClr val="000000"/>
                   </a:solidFill>
@@ -19350,7 +20730,7 @@
             </a:ln>
             <a:extLst>
               <a:ext uri="{91240B29-F687-4f45-9708-019B960494DF}">
-                <a14:hiddenLine xmlns:p14="http://schemas.microsoft.com/office/powerpoint/2010/main" xmlns:a14="http://schemas.microsoft.com/office/drawing/2010/main" xmlns:a16="http://schemas.microsoft.com/office/drawing/2014/main" xmlns="" w="9525">
+                <a14:hiddenLine xmlns="" xmlns:a16="http://schemas.microsoft.com/office/drawing/2014/main" xmlns:a14="http://schemas.microsoft.com/office/drawing/2010/main" xmlns:p14="http://schemas.microsoft.com/office/powerpoint/2010/main" w="9525">
                   <a:solidFill>
                     <a:srgbClr val="000000"/>
                   </a:solidFill>
@@ -19462,7 +20842,7 @@
             </a:ln>
             <a:extLst>
               <a:ext uri="{91240B29-F687-4f45-9708-019B960494DF}">
-                <a14:hiddenLine xmlns:p14="http://schemas.microsoft.com/office/powerpoint/2010/main" xmlns:a14="http://schemas.microsoft.com/office/drawing/2010/main" xmlns:a16="http://schemas.microsoft.com/office/drawing/2014/main" xmlns="" w="9525">
+                <a14:hiddenLine xmlns="" xmlns:a16="http://schemas.microsoft.com/office/drawing/2014/main" xmlns:a14="http://schemas.microsoft.com/office/drawing/2010/main" xmlns:p14="http://schemas.microsoft.com/office/powerpoint/2010/main" w="9525">
                   <a:solidFill>
                     <a:srgbClr val="000000"/>
                   </a:solidFill>
@@ -19552,7 +20932,7 @@
             </a:ln>
             <a:extLst>
               <a:ext uri="{91240B29-F687-4f45-9708-019B960494DF}">
-                <a14:hiddenLine xmlns:p14="http://schemas.microsoft.com/office/powerpoint/2010/main" xmlns:a14="http://schemas.microsoft.com/office/drawing/2010/main" xmlns:a16="http://schemas.microsoft.com/office/drawing/2014/main" xmlns="" w="9525">
+                <a14:hiddenLine xmlns="" xmlns:a16="http://schemas.microsoft.com/office/drawing/2014/main" xmlns:a14="http://schemas.microsoft.com/office/drawing/2010/main" xmlns:p14="http://schemas.microsoft.com/office/powerpoint/2010/main" w="9525">
                   <a:solidFill>
                     <a:srgbClr val="000000"/>
                   </a:solidFill>
@@ -19664,7 +21044,7 @@
             </a:ln>
             <a:extLst>
               <a:ext uri="{91240B29-F687-4f45-9708-019B960494DF}">
-                <a14:hiddenLine xmlns:p14="http://schemas.microsoft.com/office/powerpoint/2010/main" xmlns:a14="http://schemas.microsoft.com/office/drawing/2010/main" xmlns:a16="http://schemas.microsoft.com/office/drawing/2014/main" xmlns="" w="9525">
+                <a14:hiddenLine xmlns="" xmlns:a16="http://schemas.microsoft.com/office/drawing/2014/main" xmlns:a14="http://schemas.microsoft.com/office/drawing/2010/main" xmlns:p14="http://schemas.microsoft.com/office/powerpoint/2010/main" w="9525">
                   <a:solidFill>
                     <a:srgbClr val="000000"/>
                   </a:solidFill>
@@ -19754,7 +21134,7 @@
             </a:ln>
             <a:extLst>
               <a:ext uri="{91240B29-F687-4f45-9708-019B960494DF}">
-                <a14:hiddenLine xmlns:p14="http://schemas.microsoft.com/office/powerpoint/2010/main" xmlns:a14="http://schemas.microsoft.com/office/drawing/2010/main" xmlns:a16="http://schemas.microsoft.com/office/drawing/2014/main" xmlns="" w="9525">
+                <a14:hiddenLine xmlns="" xmlns:a16="http://schemas.microsoft.com/office/drawing/2014/main" xmlns:a14="http://schemas.microsoft.com/office/drawing/2010/main" xmlns:p14="http://schemas.microsoft.com/office/powerpoint/2010/main" w="9525">
                   <a:solidFill>
                     <a:srgbClr val="000000"/>
                   </a:solidFill>
@@ -19866,7 +21246,7 @@
             </a:ln>
             <a:extLst>
               <a:ext uri="{91240B29-F687-4f45-9708-019B960494DF}">
-                <a14:hiddenLine xmlns:p14="http://schemas.microsoft.com/office/powerpoint/2010/main" xmlns:a14="http://schemas.microsoft.com/office/drawing/2010/main" xmlns:a16="http://schemas.microsoft.com/office/drawing/2014/main" xmlns="" w="9525">
+                <a14:hiddenLine xmlns="" xmlns:a16="http://schemas.microsoft.com/office/drawing/2014/main" xmlns:a14="http://schemas.microsoft.com/office/drawing/2010/main" xmlns:p14="http://schemas.microsoft.com/office/powerpoint/2010/main" w="9525">
                   <a:solidFill>
                     <a:srgbClr val="000000"/>
                   </a:solidFill>
@@ -19922,7 +21302,7 @@
             </a:ln>
             <a:extLst>
               <a:ext uri="{91240B29-F687-4f45-9708-019B960494DF}">
-                <a14:hiddenLine xmlns:p14="http://schemas.microsoft.com/office/powerpoint/2010/main" xmlns:a14="http://schemas.microsoft.com/office/drawing/2010/main" xmlns:a16="http://schemas.microsoft.com/office/drawing/2014/main" xmlns="" w="9525">
+                <a14:hiddenLine xmlns="" xmlns:a16="http://schemas.microsoft.com/office/drawing/2014/main" xmlns:a14="http://schemas.microsoft.com/office/drawing/2010/main" xmlns:p14="http://schemas.microsoft.com/office/powerpoint/2010/main" w="9525">
                   <a:solidFill>
                     <a:srgbClr val="000000"/>
                   </a:solidFill>
@@ -20034,7 +21414,7 @@
             </a:ln>
             <a:extLst>
               <a:ext uri="{91240B29-F687-4f45-9708-019B960494DF}">
-                <a14:hiddenLine xmlns:p14="http://schemas.microsoft.com/office/powerpoint/2010/main" xmlns:a14="http://schemas.microsoft.com/office/drawing/2010/main" xmlns:a16="http://schemas.microsoft.com/office/drawing/2014/main" xmlns="" w="9525">
+                <a14:hiddenLine xmlns="" xmlns:a16="http://schemas.microsoft.com/office/drawing/2014/main" xmlns:a14="http://schemas.microsoft.com/office/drawing/2010/main" xmlns:p14="http://schemas.microsoft.com/office/powerpoint/2010/main" w="9525">
                   <a:solidFill>
                     <a:srgbClr val="000000"/>
                   </a:solidFill>
@@ -20118,7 +21498,7 @@
             </a:ln>
             <a:extLst>
               <a:ext uri="{91240B29-F687-4f45-9708-019B960494DF}">
-                <a14:hiddenLine xmlns:p14="http://schemas.microsoft.com/office/powerpoint/2010/main" xmlns:a14="http://schemas.microsoft.com/office/drawing/2010/main" xmlns:a16="http://schemas.microsoft.com/office/drawing/2014/main" xmlns="" w="9525">
+                <a14:hiddenLine xmlns="" xmlns:a16="http://schemas.microsoft.com/office/drawing/2014/main" xmlns:a14="http://schemas.microsoft.com/office/drawing/2010/main" xmlns:p14="http://schemas.microsoft.com/office/powerpoint/2010/main" w="9525">
                   <a:solidFill>
                     <a:srgbClr val="000000"/>
                   </a:solidFill>
@@ -20202,7 +21582,7 @@
             </a:ln>
             <a:extLst>
               <a:ext uri="{91240B29-F687-4f45-9708-019B960494DF}">
-                <a14:hiddenLine xmlns:p14="http://schemas.microsoft.com/office/powerpoint/2010/main" xmlns:a14="http://schemas.microsoft.com/office/drawing/2010/main" xmlns:a16="http://schemas.microsoft.com/office/drawing/2014/main" xmlns="" w="9525">
+                <a14:hiddenLine xmlns="" xmlns:a16="http://schemas.microsoft.com/office/drawing/2014/main" xmlns:a14="http://schemas.microsoft.com/office/drawing/2010/main" xmlns:p14="http://schemas.microsoft.com/office/powerpoint/2010/main" w="9525">
                   <a:solidFill>
                     <a:srgbClr val="000000"/>
                   </a:solidFill>
@@ -20314,7 +21694,7 @@
             </a:ln>
             <a:extLst>
               <a:ext uri="{91240B29-F687-4f45-9708-019B960494DF}">
-                <a14:hiddenLine xmlns:p14="http://schemas.microsoft.com/office/powerpoint/2010/main" xmlns:a14="http://schemas.microsoft.com/office/drawing/2010/main" xmlns:a16="http://schemas.microsoft.com/office/drawing/2014/main" xmlns="" w="9525">
+                <a14:hiddenLine xmlns="" xmlns:a16="http://schemas.microsoft.com/office/drawing/2014/main" xmlns:a14="http://schemas.microsoft.com/office/drawing/2010/main" xmlns:p14="http://schemas.microsoft.com/office/powerpoint/2010/main" w="9525">
                   <a:solidFill>
                     <a:srgbClr val="000000"/>
                   </a:solidFill>
@@ -20404,7 +21784,7 @@
             </a:ln>
             <a:extLst>
               <a:ext uri="{91240B29-F687-4f45-9708-019B960494DF}">
-                <a14:hiddenLine xmlns:p14="http://schemas.microsoft.com/office/powerpoint/2010/main" xmlns:a14="http://schemas.microsoft.com/office/drawing/2010/main" xmlns:a16="http://schemas.microsoft.com/office/drawing/2014/main" xmlns="" w="9525">
+                <a14:hiddenLine xmlns="" xmlns:a16="http://schemas.microsoft.com/office/drawing/2014/main" xmlns:a14="http://schemas.microsoft.com/office/drawing/2010/main" xmlns:p14="http://schemas.microsoft.com/office/powerpoint/2010/main" w="9525">
                   <a:solidFill>
                     <a:srgbClr val="000000"/>
                   </a:solidFill>
@@ -20488,7 +21868,7 @@
             </a:ln>
             <a:extLst>
               <a:ext uri="{91240B29-F687-4f45-9708-019B960494DF}">
-                <a14:hiddenLine xmlns:p14="http://schemas.microsoft.com/office/powerpoint/2010/main" xmlns:a14="http://schemas.microsoft.com/office/drawing/2010/main" xmlns:a16="http://schemas.microsoft.com/office/drawing/2014/main" xmlns="" w="9525">
+                <a14:hiddenLine xmlns="" xmlns:a16="http://schemas.microsoft.com/office/drawing/2014/main" xmlns:a14="http://schemas.microsoft.com/office/drawing/2010/main" xmlns:p14="http://schemas.microsoft.com/office/powerpoint/2010/main" w="9525">
                   <a:solidFill>
                     <a:srgbClr val="000000"/>
                   </a:solidFill>
@@ -20600,7 +21980,7 @@
             </a:ln>
             <a:extLst>
               <a:ext uri="{91240B29-F687-4f45-9708-019B960494DF}">
-                <a14:hiddenLine xmlns:p14="http://schemas.microsoft.com/office/powerpoint/2010/main" xmlns:a14="http://schemas.microsoft.com/office/drawing/2010/main" xmlns:a16="http://schemas.microsoft.com/office/drawing/2014/main" xmlns="" w="9525">
+                <a14:hiddenLine xmlns="" xmlns:a16="http://schemas.microsoft.com/office/drawing/2014/main" xmlns:a14="http://schemas.microsoft.com/office/drawing/2010/main" xmlns:p14="http://schemas.microsoft.com/office/powerpoint/2010/main" w="9525">
                   <a:solidFill>
                     <a:srgbClr val="000000"/>
                   </a:solidFill>
@@ -20684,7 +22064,7 @@
             </a:ln>
             <a:extLst>
               <a:ext uri="{91240B29-F687-4f45-9708-019B960494DF}">
-                <a14:hiddenLine xmlns:p14="http://schemas.microsoft.com/office/powerpoint/2010/main" xmlns:a14="http://schemas.microsoft.com/office/drawing/2010/main" xmlns:a16="http://schemas.microsoft.com/office/drawing/2014/main" xmlns="" w="9525">
+                <a14:hiddenLine xmlns="" xmlns:a16="http://schemas.microsoft.com/office/drawing/2014/main" xmlns:a14="http://schemas.microsoft.com/office/drawing/2010/main" xmlns:p14="http://schemas.microsoft.com/office/powerpoint/2010/main" w="9525">
                   <a:solidFill>
                     <a:srgbClr val="000000"/>
                   </a:solidFill>
@@ -20796,7 +22176,7 @@
             </a:ln>
             <a:extLst>
               <a:ext uri="{91240B29-F687-4f45-9708-019B960494DF}">
-                <a14:hiddenLine xmlns:p14="http://schemas.microsoft.com/office/powerpoint/2010/main" xmlns:a14="http://schemas.microsoft.com/office/drawing/2010/main" xmlns:a16="http://schemas.microsoft.com/office/drawing/2014/main" xmlns="" w="9525">
+                <a14:hiddenLine xmlns="" xmlns:a16="http://schemas.microsoft.com/office/drawing/2014/main" xmlns:a14="http://schemas.microsoft.com/office/drawing/2010/main" xmlns:p14="http://schemas.microsoft.com/office/powerpoint/2010/main" w="9525">
                   <a:solidFill>
                     <a:srgbClr val="000000"/>
                   </a:solidFill>
@@ -20880,7 +22260,7 @@
             </a:ln>
             <a:extLst>
               <a:ext uri="{91240B29-F687-4f45-9708-019B960494DF}">
-                <a14:hiddenLine xmlns:p14="http://schemas.microsoft.com/office/powerpoint/2010/main" xmlns:a14="http://schemas.microsoft.com/office/drawing/2010/main" xmlns:a16="http://schemas.microsoft.com/office/drawing/2014/main" xmlns="" w="9525">
+                <a14:hiddenLine xmlns="" xmlns:a16="http://schemas.microsoft.com/office/drawing/2014/main" xmlns:a14="http://schemas.microsoft.com/office/drawing/2010/main" xmlns:p14="http://schemas.microsoft.com/office/powerpoint/2010/main" w="9525">
                   <a:solidFill>
                     <a:srgbClr val="000000"/>
                   </a:solidFill>
@@ -20992,7 +22372,7 @@
             </a:ln>
             <a:extLst>
               <a:ext uri="{91240B29-F687-4f45-9708-019B960494DF}">
-                <a14:hiddenLine xmlns:p14="http://schemas.microsoft.com/office/powerpoint/2010/main" xmlns:a14="http://schemas.microsoft.com/office/drawing/2010/main" xmlns:a16="http://schemas.microsoft.com/office/drawing/2014/main" xmlns="" w="9525">
+                <a14:hiddenLine xmlns="" xmlns:a16="http://schemas.microsoft.com/office/drawing/2014/main" xmlns:a14="http://schemas.microsoft.com/office/drawing/2010/main" xmlns:p14="http://schemas.microsoft.com/office/powerpoint/2010/main" w="9525">
                   <a:solidFill>
                     <a:srgbClr val="000000"/>
                   </a:solidFill>
@@ -21048,7 +22428,7 @@
             </a:ln>
             <a:extLst>
               <a:ext uri="{91240B29-F687-4f45-9708-019B960494DF}">
-                <a14:hiddenLine xmlns:p14="http://schemas.microsoft.com/office/powerpoint/2010/main" xmlns:a14="http://schemas.microsoft.com/office/drawing/2010/main" xmlns:a16="http://schemas.microsoft.com/office/drawing/2014/main" xmlns="" w="9525">
+                <a14:hiddenLine xmlns="" xmlns:a16="http://schemas.microsoft.com/office/drawing/2014/main" xmlns:a14="http://schemas.microsoft.com/office/drawing/2010/main" xmlns:p14="http://schemas.microsoft.com/office/powerpoint/2010/main" w="9525">
                   <a:solidFill>
                     <a:srgbClr val="000000"/>
                   </a:solidFill>
@@ -21135,7 +22515,7 @@
             </a:ln>
             <a:extLst>
               <a:ext uri="{91240B29-F687-4f45-9708-019B960494DF}">
-                <a14:hiddenLine xmlns:p14="http://schemas.microsoft.com/office/powerpoint/2010/main" xmlns:a14="http://schemas.microsoft.com/office/drawing/2010/main" xmlns:a16="http://schemas.microsoft.com/office/drawing/2014/main" xmlns="" w="9525">
+                <a14:hiddenLine xmlns="" xmlns:a16="http://schemas.microsoft.com/office/drawing/2014/main" xmlns:a14="http://schemas.microsoft.com/office/drawing/2010/main" xmlns:p14="http://schemas.microsoft.com/office/powerpoint/2010/main" w="9525">
                   <a:solidFill>
                     <a:srgbClr val="000000"/>
                   </a:solidFill>
@@ -21247,7 +22627,7 @@
             </a:ln>
             <a:extLst>
               <a:ext uri="{91240B29-F687-4f45-9708-019B960494DF}">
-                <a14:hiddenLine xmlns:p14="http://schemas.microsoft.com/office/powerpoint/2010/main" xmlns:a14="http://schemas.microsoft.com/office/drawing/2010/main" xmlns:a16="http://schemas.microsoft.com/office/drawing/2014/main" xmlns="" w="9525">
+                <a14:hiddenLine xmlns="" xmlns:a16="http://schemas.microsoft.com/office/drawing/2014/main" xmlns:a14="http://schemas.microsoft.com/office/drawing/2010/main" xmlns:p14="http://schemas.microsoft.com/office/powerpoint/2010/main" w="9525">
                   <a:solidFill>
                     <a:srgbClr val="000000"/>
                   </a:solidFill>
@@ -21331,7 +22711,7 @@
             </a:ln>
             <a:extLst>
               <a:ext uri="{91240B29-F687-4f45-9708-019B960494DF}">
-                <a14:hiddenLine xmlns:p14="http://schemas.microsoft.com/office/powerpoint/2010/main" xmlns:a14="http://schemas.microsoft.com/office/drawing/2010/main" xmlns:a16="http://schemas.microsoft.com/office/drawing/2014/main" xmlns="" w="9525">
+                <a14:hiddenLine xmlns="" xmlns:a16="http://schemas.microsoft.com/office/drawing/2014/main" xmlns:a14="http://schemas.microsoft.com/office/drawing/2010/main" xmlns:p14="http://schemas.microsoft.com/office/powerpoint/2010/main" w="9525">
                   <a:solidFill>
                     <a:srgbClr val="000000"/>
                   </a:solidFill>
@@ -21443,7 +22823,7 @@
             </a:ln>
             <a:extLst>
               <a:ext uri="{91240B29-F687-4f45-9708-019B960494DF}">
-                <a14:hiddenLine xmlns:p14="http://schemas.microsoft.com/office/powerpoint/2010/main" xmlns:a14="http://schemas.microsoft.com/office/drawing/2010/main" xmlns:a16="http://schemas.microsoft.com/office/drawing/2014/main" xmlns="" w="9525">
+                <a14:hiddenLine xmlns="" xmlns:a16="http://schemas.microsoft.com/office/drawing/2014/main" xmlns:a14="http://schemas.microsoft.com/office/drawing/2010/main" xmlns:p14="http://schemas.microsoft.com/office/powerpoint/2010/main" w="9525">
                   <a:solidFill>
                     <a:srgbClr val="000000"/>
                   </a:solidFill>
@@ -21555,7 +22935,7 @@
             </a:ln>
             <a:extLst>
               <a:ext uri="{91240B29-F687-4f45-9708-019B960494DF}">
-                <a14:hiddenLine xmlns:p14="http://schemas.microsoft.com/office/powerpoint/2010/main" xmlns:a14="http://schemas.microsoft.com/office/drawing/2010/main" xmlns:a16="http://schemas.microsoft.com/office/drawing/2014/main" xmlns="" w="9525">
+                <a14:hiddenLine xmlns="" xmlns:a16="http://schemas.microsoft.com/office/drawing/2014/main" xmlns:a14="http://schemas.microsoft.com/office/drawing/2010/main" xmlns:p14="http://schemas.microsoft.com/office/powerpoint/2010/main" w="9525">
                   <a:solidFill>
                     <a:srgbClr val="000000"/>
                   </a:solidFill>
@@ -21642,7 +23022,7 @@
             </a:ln>
             <a:extLst>
               <a:ext uri="{91240B29-F687-4f45-9708-019B960494DF}">
-                <a14:hiddenLine xmlns:p14="http://schemas.microsoft.com/office/powerpoint/2010/main" xmlns:a14="http://schemas.microsoft.com/office/drawing/2010/main" xmlns:a16="http://schemas.microsoft.com/office/drawing/2014/main" xmlns="" w="9525">
+                <a14:hiddenLine xmlns="" xmlns:a16="http://schemas.microsoft.com/office/drawing/2014/main" xmlns:a14="http://schemas.microsoft.com/office/drawing/2010/main" xmlns:p14="http://schemas.microsoft.com/office/powerpoint/2010/main" w="9525">
                   <a:solidFill>
                     <a:srgbClr val="000000"/>
                   </a:solidFill>
@@ -21726,7 +23106,7 @@
             </a:ln>
             <a:extLst>
               <a:ext uri="{91240B29-F687-4f45-9708-019B960494DF}">
-                <a14:hiddenLine xmlns:p14="http://schemas.microsoft.com/office/powerpoint/2010/main" xmlns:a14="http://schemas.microsoft.com/office/drawing/2010/main" xmlns:a16="http://schemas.microsoft.com/office/drawing/2014/main" xmlns="" w="9525">
+                <a14:hiddenLine xmlns="" xmlns:a16="http://schemas.microsoft.com/office/drawing/2014/main" xmlns:a14="http://schemas.microsoft.com/office/drawing/2010/main" xmlns:p14="http://schemas.microsoft.com/office/powerpoint/2010/main" w="9525">
                   <a:solidFill>
                     <a:srgbClr val="000000"/>
                   </a:solidFill>
@@ -21838,7 +23218,7 @@
             </a:ln>
             <a:extLst>
               <a:ext uri="{91240B29-F687-4f45-9708-019B960494DF}">
-                <a14:hiddenLine xmlns:p14="http://schemas.microsoft.com/office/powerpoint/2010/main" xmlns:a14="http://schemas.microsoft.com/office/drawing/2010/main" xmlns:a16="http://schemas.microsoft.com/office/drawing/2014/main" xmlns="" w="9525">
+                <a14:hiddenLine xmlns="" xmlns:a16="http://schemas.microsoft.com/office/drawing/2014/main" xmlns:a14="http://schemas.microsoft.com/office/drawing/2010/main" xmlns:p14="http://schemas.microsoft.com/office/powerpoint/2010/main" w="9525">
                   <a:solidFill>
                     <a:srgbClr val="000000"/>
                   </a:solidFill>
@@ -21950,7 +23330,7 @@
             </a:ln>
             <a:extLst>
               <a:ext uri="{91240B29-F687-4f45-9708-019B960494DF}">
-                <a14:hiddenLine xmlns:p14="http://schemas.microsoft.com/office/powerpoint/2010/main" xmlns:a14="http://schemas.microsoft.com/office/drawing/2010/main" xmlns:a16="http://schemas.microsoft.com/office/drawing/2014/main" xmlns="" w="9525">
+                <a14:hiddenLine xmlns="" xmlns:a16="http://schemas.microsoft.com/office/drawing/2014/main" xmlns:a14="http://schemas.microsoft.com/office/drawing/2010/main" xmlns:p14="http://schemas.microsoft.com/office/powerpoint/2010/main" w="9525">
                   <a:solidFill>
                     <a:srgbClr val="000000"/>
                   </a:solidFill>
@@ -22034,7 +23414,7 @@
             </a:ln>
             <a:extLst>
               <a:ext uri="{91240B29-F687-4f45-9708-019B960494DF}">
-                <a14:hiddenLine xmlns:p14="http://schemas.microsoft.com/office/powerpoint/2010/main" xmlns:a14="http://schemas.microsoft.com/office/drawing/2010/main" xmlns:a16="http://schemas.microsoft.com/office/drawing/2014/main" xmlns="" w="9525">
+                <a14:hiddenLine xmlns="" xmlns:a16="http://schemas.microsoft.com/office/drawing/2014/main" xmlns:a14="http://schemas.microsoft.com/office/drawing/2010/main" xmlns:p14="http://schemas.microsoft.com/office/powerpoint/2010/main" w="9525">
                   <a:solidFill>
                     <a:srgbClr val="000000"/>
                   </a:solidFill>
@@ -22176,7 +23556,7 @@
             </a:ln>
             <a:extLst>
               <a:ext uri="{91240B29-F687-4f45-9708-019B960494DF}">
-                <a14:hiddenLine xmlns:p14="http://schemas.microsoft.com/office/powerpoint/2010/main" xmlns:a14="http://schemas.microsoft.com/office/drawing/2010/main" xmlns:a16="http://schemas.microsoft.com/office/drawing/2014/main" xmlns="" w="9525">
+                <a14:hiddenLine xmlns="" xmlns:a16="http://schemas.microsoft.com/office/drawing/2014/main" xmlns:a14="http://schemas.microsoft.com/office/drawing/2010/main" xmlns:p14="http://schemas.microsoft.com/office/powerpoint/2010/main" w="9525">
                   <a:solidFill>
                     <a:srgbClr val="000000"/>
                   </a:solidFill>
@@ -22266,7 +23646,7 @@
             </a:ln>
             <a:extLst>
               <a:ext uri="{91240B29-F687-4f45-9708-019B960494DF}">
-                <a14:hiddenLine xmlns:p14="http://schemas.microsoft.com/office/powerpoint/2010/main" xmlns:a14="http://schemas.microsoft.com/office/drawing/2010/main" xmlns:a16="http://schemas.microsoft.com/office/drawing/2014/main" xmlns="" w="9525">
+                <a14:hiddenLine xmlns="" xmlns:a16="http://schemas.microsoft.com/office/drawing/2014/main" xmlns:a14="http://schemas.microsoft.com/office/drawing/2010/main" xmlns:p14="http://schemas.microsoft.com/office/powerpoint/2010/main" w="9525">
                   <a:solidFill>
                     <a:srgbClr val="000000"/>
                   </a:solidFill>
@@ -22378,7 +23758,7 @@
             </a:ln>
             <a:extLst>
               <a:ext uri="{91240B29-F687-4f45-9708-019B960494DF}">
-                <a14:hiddenLine xmlns:p14="http://schemas.microsoft.com/office/powerpoint/2010/main" xmlns:a14="http://schemas.microsoft.com/office/drawing/2010/main" xmlns:a16="http://schemas.microsoft.com/office/drawing/2014/main" xmlns="" w="9525">
+                <a14:hiddenLine xmlns="" xmlns:a16="http://schemas.microsoft.com/office/drawing/2014/main" xmlns:a14="http://schemas.microsoft.com/office/drawing/2010/main" xmlns:p14="http://schemas.microsoft.com/office/powerpoint/2010/main" w="9525">
                   <a:solidFill>
                     <a:srgbClr val="000000"/>
                   </a:solidFill>
@@ -22542,7 +23922,7 @@
             <a:noFill/>
             <a:extLst>
               <a:ext uri="{909E8E84-426E-40dd-AFC4-6F175D3DCCD1}">
-                <a14:hiddenFill xmlns:p14="http://schemas.microsoft.com/office/powerpoint/2010/main" xmlns:a14="http://schemas.microsoft.com/office/drawing/2010/main" xmlns:a16="http://schemas.microsoft.com/office/drawing/2014/main" xmlns="">
+                <a14:hiddenFill xmlns="" xmlns:a16="http://schemas.microsoft.com/office/drawing/2014/main" xmlns:a14="http://schemas.microsoft.com/office/drawing/2010/main" xmlns:p14="http://schemas.microsoft.com/office/powerpoint/2010/main">
                   <a:solidFill>
                     <a:srgbClr val="FFFFFF"/>
                   </a:solidFill>
@@ -22732,7 +24112,7 @@
             </a:ln>
             <a:extLst>
               <a:ext uri="{91240B29-F687-4f45-9708-019B960494DF}">
-                <a14:hiddenLine xmlns:p14="http://schemas.microsoft.com/office/powerpoint/2010/main" xmlns:a14="http://schemas.microsoft.com/office/drawing/2010/main" xmlns:a16="http://schemas.microsoft.com/office/drawing/2014/main" xmlns="" w="9525">
+                <a14:hiddenLine xmlns="" xmlns:a16="http://schemas.microsoft.com/office/drawing/2014/main" xmlns:a14="http://schemas.microsoft.com/office/drawing/2010/main" xmlns:p14="http://schemas.microsoft.com/office/powerpoint/2010/main" w="9525">
                   <a:solidFill>
                     <a:srgbClr val="000000"/>
                   </a:solidFill>
@@ -22844,7 +24224,7 @@
             </a:ln>
             <a:extLst>
               <a:ext uri="{91240B29-F687-4f45-9708-019B960494DF}">
-                <a14:hiddenLine xmlns:p14="http://schemas.microsoft.com/office/powerpoint/2010/main" xmlns:a14="http://schemas.microsoft.com/office/drawing/2010/main" xmlns:a16="http://schemas.microsoft.com/office/drawing/2014/main" xmlns="" w="9525">
+                <a14:hiddenLine xmlns="" xmlns:a16="http://schemas.microsoft.com/office/drawing/2014/main" xmlns:a14="http://schemas.microsoft.com/office/drawing/2010/main" xmlns:p14="http://schemas.microsoft.com/office/powerpoint/2010/main" w="9525">
                   <a:solidFill>
                     <a:srgbClr val="000000"/>
                   </a:solidFill>
@@ -22956,7 +24336,7 @@
             </a:ln>
             <a:extLst>
               <a:ext uri="{91240B29-F687-4f45-9708-019B960494DF}">
-                <a14:hiddenLine xmlns:p14="http://schemas.microsoft.com/office/powerpoint/2010/main" xmlns:a14="http://schemas.microsoft.com/office/drawing/2010/main" xmlns:a16="http://schemas.microsoft.com/office/drawing/2014/main" xmlns="" w="9525">
+                <a14:hiddenLine xmlns="" xmlns:a16="http://schemas.microsoft.com/office/drawing/2014/main" xmlns:a14="http://schemas.microsoft.com/office/drawing/2010/main" xmlns:p14="http://schemas.microsoft.com/office/powerpoint/2010/main" w="9525">
                   <a:solidFill>
                     <a:srgbClr val="000000"/>
                   </a:solidFill>
@@ -23012,7 +24392,7 @@
             </a:ln>
             <a:extLst>
               <a:ext uri="{91240B29-F687-4f45-9708-019B960494DF}">
-                <a14:hiddenLine xmlns:p14="http://schemas.microsoft.com/office/powerpoint/2010/main" xmlns:a14="http://schemas.microsoft.com/office/drawing/2010/main" xmlns:a16="http://schemas.microsoft.com/office/drawing/2014/main" xmlns="" w="9525">
+                <a14:hiddenLine xmlns="" xmlns:a16="http://schemas.microsoft.com/office/drawing/2014/main" xmlns:a14="http://schemas.microsoft.com/office/drawing/2010/main" xmlns:p14="http://schemas.microsoft.com/office/powerpoint/2010/main" w="9525">
                   <a:solidFill>
                     <a:srgbClr val="000000"/>
                   </a:solidFill>
@@ -23124,7 +24504,7 @@
             </a:ln>
             <a:extLst>
               <a:ext uri="{91240B29-F687-4f45-9708-019B960494DF}">
-                <a14:hiddenLine xmlns:p14="http://schemas.microsoft.com/office/powerpoint/2010/main" xmlns:a14="http://schemas.microsoft.com/office/drawing/2010/main" xmlns:a16="http://schemas.microsoft.com/office/drawing/2014/main" xmlns="" w="9525">
+                <a14:hiddenLine xmlns="" xmlns:a16="http://schemas.microsoft.com/office/drawing/2014/main" xmlns:a14="http://schemas.microsoft.com/office/drawing/2010/main" xmlns:p14="http://schemas.microsoft.com/office/powerpoint/2010/main" w="9525">
                   <a:solidFill>
                     <a:srgbClr val="000000"/>
                   </a:solidFill>
@@ -23208,7 +24588,7 @@
             </a:ln>
             <a:extLst>
               <a:ext uri="{91240B29-F687-4f45-9708-019B960494DF}">
-                <a14:hiddenLine xmlns:p14="http://schemas.microsoft.com/office/powerpoint/2010/main" xmlns:a14="http://schemas.microsoft.com/office/drawing/2010/main" xmlns:a16="http://schemas.microsoft.com/office/drawing/2014/main" xmlns="" w="9525">
+                <a14:hiddenLine xmlns="" xmlns:a16="http://schemas.microsoft.com/office/drawing/2014/main" xmlns:a14="http://schemas.microsoft.com/office/drawing/2010/main" xmlns:p14="http://schemas.microsoft.com/office/powerpoint/2010/main" w="9525">
                   <a:solidFill>
                     <a:srgbClr val="000000"/>
                   </a:solidFill>
@@ -23292,7 +24672,7 @@
             </a:ln>
             <a:extLst>
               <a:ext uri="{91240B29-F687-4f45-9708-019B960494DF}">
-                <a14:hiddenLine xmlns:p14="http://schemas.microsoft.com/office/powerpoint/2010/main" xmlns:a14="http://schemas.microsoft.com/office/drawing/2010/main" xmlns:a16="http://schemas.microsoft.com/office/drawing/2014/main" xmlns="" w="9525">
+                <a14:hiddenLine xmlns="" xmlns:a16="http://schemas.microsoft.com/office/drawing/2014/main" xmlns:a14="http://schemas.microsoft.com/office/drawing/2010/main" xmlns:p14="http://schemas.microsoft.com/office/powerpoint/2010/main" w="9525">
                   <a:solidFill>
                     <a:srgbClr val="000000"/>
                   </a:solidFill>
@@ -23404,7 +24784,7 @@
             </a:ln>
             <a:extLst>
               <a:ext uri="{91240B29-F687-4f45-9708-019B960494DF}">
-                <a14:hiddenLine xmlns:p14="http://schemas.microsoft.com/office/powerpoint/2010/main" xmlns:a14="http://schemas.microsoft.com/office/drawing/2010/main" xmlns:a16="http://schemas.microsoft.com/office/drawing/2014/main" xmlns="" w="9525">
+                <a14:hiddenLine xmlns="" xmlns:a16="http://schemas.microsoft.com/office/drawing/2014/main" xmlns:a14="http://schemas.microsoft.com/office/drawing/2010/main" xmlns:p14="http://schemas.microsoft.com/office/powerpoint/2010/main" w="9525">
                   <a:solidFill>
                     <a:srgbClr val="000000"/>
                   </a:solidFill>
@@ -23488,7 +24868,7 @@
             </a:ln>
             <a:extLst>
               <a:ext uri="{91240B29-F687-4f45-9708-019B960494DF}">
-                <a14:hiddenLine xmlns:p14="http://schemas.microsoft.com/office/powerpoint/2010/main" xmlns:a14="http://schemas.microsoft.com/office/drawing/2010/main" xmlns:a16="http://schemas.microsoft.com/office/drawing/2014/main" xmlns="" w="9525">
+                <a14:hiddenLine xmlns="" xmlns:a16="http://schemas.microsoft.com/office/drawing/2014/main" xmlns:a14="http://schemas.microsoft.com/office/drawing/2010/main" xmlns:p14="http://schemas.microsoft.com/office/powerpoint/2010/main" w="9525">
                   <a:solidFill>
                     <a:srgbClr val="000000"/>
                   </a:solidFill>
@@ -23572,7 +24952,7 @@
             </a:ln>
             <a:extLst>
               <a:ext uri="{91240B29-F687-4f45-9708-019B960494DF}">
-                <a14:hiddenLine xmlns:p14="http://schemas.microsoft.com/office/powerpoint/2010/main" xmlns:a14="http://schemas.microsoft.com/office/drawing/2010/main" xmlns:a16="http://schemas.microsoft.com/office/drawing/2014/main" xmlns="" w="9525">
+                <a14:hiddenLine xmlns="" xmlns:a16="http://schemas.microsoft.com/office/drawing/2014/main" xmlns:a14="http://schemas.microsoft.com/office/drawing/2010/main" xmlns:p14="http://schemas.microsoft.com/office/powerpoint/2010/main" w="9525">
                   <a:solidFill>
                     <a:srgbClr val="000000"/>
                   </a:solidFill>
@@ -23684,7 +25064,7 @@
             </a:ln>
             <a:extLst>
               <a:ext uri="{91240B29-F687-4f45-9708-019B960494DF}">
-                <a14:hiddenLine xmlns:p14="http://schemas.microsoft.com/office/powerpoint/2010/main" xmlns:a14="http://schemas.microsoft.com/office/drawing/2010/main" xmlns:a16="http://schemas.microsoft.com/office/drawing/2014/main" xmlns="" w="9525">
+                <a14:hiddenLine xmlns="" xmlns:a16="http://schemas.microsoft.com/office/drawing/2014/main" xmlns:a14="http://schemas.microsoft.com/office/drawing/2010/main" xmlns:p14="http://schemas.microsoft.com/office/powerpoint/2010/main" w="9525">
                   <a:solidFill>
                     <a:srgbClr val="000000"/>
                   </a:solidFill>
@@ -23796,7 +25176,7 @@
             </a:ln>
             <a:extLst>
               <a:ext uri="{91240B29-F687-4f45-9708-019B960494DF}">
-                <a14:hiddenLine xmlns:p14="http://schemas.microsoft.com/office/powerpoint/2010/main" xmlns:a14="http://schemas.microsoft.com/office/drawing/2010/main" xmlns:a16="http://schemas.microsoft.com/office/drawing/2014/main" xmlns="" w="9525">
+                <a14:hiddenLine xmlns="" xmlns:a16="http://schemas.microsoft.com/office/drawing/2014/main" xmlns:a14="http://schemas.microsoft.com/office/drawing/2010/main" xmlns:p14="http://schemas.microsoft.com/office/powerpoint/2010/main" w="9525">
                   <a:solidFill>
                     <a:srgbClr val="000000"/>
                   </a:solidFill>
@@ -23880,7 +25260,7 @@
             </a:ln>
             <a:extLst>
               <a:ext uri="{91240B29-F687-4f45-9708-019B960494DF}">
-                <a14:hiddenLine xmlns:p14="http://schemas.microsoft.com/office/powerpoint/2010/main" xmlns:a14="http://schemas.microsoft.com/office/drawing/2010/main" xmlns:a16="http://schemas.microsoft.com/office/drawing/2014/main" xmlns="" w="9525">
+                <a14:hiddenLine xmlns="" xmlns:a16="http://schemas.microsoft.com/office/drawing/2014/main" xmlns:a14="http://schemas.microsoft.com/office/drawing/2010/main" xmlns:p14="http://schemas.microsoft.com/office/powerpoint/2010/main" w="9525">
                   <a:solidFill>
                     <a:srgbClr val="000000"/>
                   </a:solidFill>
@@ -24012,7 +25392,7 @@
             </a:ln>
             <a:extLst>
               <a:ext uri="{91240B29-F687-4f45-9708-019B960494DF}">
-                <a14:hiddenLine xmlns:p14="http://schemas.microsoft.com/office/powerpoint/2010/main" xmlns:a14="http://schemas.microsoft.com/office/drawing/2010/main" xmlns:a16="http://schemas.microsoft.com/office/drawing/2014/main" xmlns="" w="9525">
+                <a14:hiddenLine xmlns="" xmlns:a16="http://schemas.microsoft.com/office/drawing/2014/main" xmlns:a14="http://schemas.microsoft.com/office/drawing/2010/main" xmlns:p14="http://schemas.microsoft.com/office/powerpoint/2010/main" w="9525">
                   <a:solidFill>
                     <a:srgbClr val="000000"/>
                   </a:solidFill>
@@ -24096,7 +25476,7 @@
             </a:ln>
             <a:extLst>
               <a:ext uri="{91240B29-F687-4f45-9708-019B960494DF}">
-                <a14:hiddenLine xmlns:p14="http://schemas.microsoft.com/office/powerpoint/2010/main" xmlns:a14="http://schemas.microsoft.com/office/drawing/2010/main" xmlns:a16="http://schemas.microsoft.com/office/drawing/2014/main" xmlns="" w="9525">
+                <a14:hiddenLine xmlns="" xmlns:a16="http://schemas.microsoft.com/office/drawing/2014/main" xmlns:a14="http://schemas.microsoft.com/office/drawing/2010/main" xmlns:p14="http://schemas.microsoft.com/office/powerpoint/2010/main" w="9525">
                   <a:solidFill>
                     <a:srgbClr val="000000"/>
                   </a:solidFill>
@@ -24208,7 +25588,7 @@
             </a:ln>
             <a:extLst>
               <a:ext uri="{91240B29-F687-4f45-9708-019B960494DF}">
-                <a14:hiddenLine xmlns:p14="http://schemas.microsoft.com/office/powerpoint/2010/main" xmlns:a14="http://schemas.microsoft.com/office/drawing/2010/main" xmlns:a16="http://schemas.microsoft.com/office/drawing/2014/main" xmlns="" w="9525">
+                <a14:hiddenLine xmlns="" xmlns:a16="http://schemas.microsoft.com/office/drawing/2014/main" xmlns:a14="http://schemas.microsoft.com/office/drawing/2010/main" xmlns:p14="http://schemas.microsoft.com/office/powerpoint/2010/main" w="9525">
                   <a:solidFill>
                     <a:srgbClr val="000000"/>
                   </a:solidFill>
@@ -24320,7 +25700,7 @@
             </a:ln>
             <a:extLst>
               <a:ext uri="{91240B29-F687-4f45-9708-019B960494DF}">
-                <a14:hiddenLine xmlns:p14="http://schemas.microsoft.com/office/powerpoint/2010/main" xmlns:a14="http://schemas.microsoft.com/office/drawing/2010/main" xmlns:a16="http://schemas.microsoft.com/office/drawing/2014/main" xmlns="" w="9525">
+                <a14:hiddenLine xmlns="" xmlns:a16="http://schemas.microsoft.com/office/drawing/2014/main" xmlns:a14="http://schemas.microsoft.com/office/drawing/2010/main" xmlns:p14="http://schemas.microsoft.com/office/powerpoint/2010/main" w="9525">
                   <a:solidFill>
                     <a:srgbClr val="000000"/>
                   </a:solidFill>
@@ -24404,7 +25784,7 @@
             </a:ln>
             <a:extLst>
               <a:ext uri="{91240B29-F687-4f45-9708-019B960494DF}">
-                <a14:hiddenLine xmlns:p14="http://schemas.microsoft.com/office/powerpoint/2010/main" xmlns:a14="http://schemas.microsoft.com/office/drawing/2010/main" xmlns:a16="http://schemas.microsoft.com/office/drawing/2014/main" xmlns="" w="9525">
+                <a14:hiddenLine xmlns="" xmlns:a16="http://schemas.microsoft.com/office/drawing/2014/main" xmlns:a14="http://schemas.microsoft.com/office/drawing/2010/main" xmlns:p14="http://schemas.microsoft.com/office/powerpoint/2010/main" w="9525">
                   <a:solidFill>
                     <a:srgbClr val="000000"/>
                   </a:solidFill>
@@ -24516,7 +25896,7 @@
             </a:ln>
             <a:extLst>
               <a:ext uri="{91240B29-F687-4f45-9708-019B960494DF}">
-                <a14:hiddenLine xmlns:p14="http://schemas.microsoft.com/office/powerpoint/2010/main" xmlns:a14="http://schemas.microsoft.com/office/drawing/2010/main" xmlns:a16="http://schemas.microsoft.com/office/drawing/2014/main" xmlns="" w="9525">
+                <a14:hiddenLine xmlns="" xmlns:a16="http://schemas.microsoft.com/office/drawing/2014/main" xmlns:a14="http://schemas.microsoft.com/office/drawing/2010/main" xmlns:p14="http://schemas.microsoft.com/office/powerpoint/2010/main" w="9525">
                   <a:solidFill>
                     <a:srgbClr val="000000"/>
                   </a:solidFill>
@@ -24628,7 +26008,7 @@
             </a:ln>
             <a:extLst>
               <a:ext uri="{91240B29-F687-4f45-9708-019B960494DF}">
-                <a14:hiddenLine xmlns:p14="http://schemas.microsoft.com/office/powerpoint/2010/main" xmlns:a14="http://schemas.microsoft.com/office/drawing/2010/main" xmlns:a16="http://schemas.microsoft.com/office/drawing/2014/main" xmlns="" w="9525">
+                <a14:hiddenLine xmlns="" xmlns:a16="http://schemas.microsoft.com/office/drawing/2014/main" xmlns:a14="http://schemas.microsoft.com/office/drawing/2010/main" xmlns:p14="http://schemas.microsoft.com/office/powerpoint/2010/main" w="9525">
                   <a:solidFill>
                     <a:srgbClr val="000000"/>
                   </a:solidFill>
@@ -24706,7 +26086,7 @@
             </a:ln>
             <a:extLst>
               <a:ext uri="{91240B29-F687-4f45-9708-019B960494DF}">
-                <a14:hiddenLine xmlns:p14="http://schemas.microsoft.com/office/powerpoint/2010/main" xmlns:a14="http://schemas.microsoft.com/office/drawing/2010/main" xmlns:a16="http://schemas.microsoft.com/office/drawing/2014/main" xmlns="" w="9525">
+                <a14:hiddenLine xmlns="" xmlns:a16="http://schemas.microsoft.com/office/drawing/2014/main" xmlns:a14="http://schemas.microsoft.com/office/drawing/2010/main" xmlns:p14="http://schemas.microsoft.com/office/powerpoint/2010/main" w="9525">
                   <a:solidFill>
                     <a:srgbClr val="000000"/>
                   </a:solidFill>
@@ -24818,7 +26198,7 @@
             </a:ln>
             <a:extLst>
               <a:ext uri="{91240B29-F687-4f45-9708-019B960494DF}">
-                <a14:hiddenLine xmlns:p14="http://schemas.microsoft.com/office/powerpoint/2010/main" xmlns:a14="http://schemas.microsoft.com/office/drawing/2010/main" xmlns:a16="http://schemas.microsoft.com/office/drawing/2014/main" xmlns="" w="9525">
+                <a14:hiddenLine xmlns="" xmlns:a16="http://schemas.microsoft.com/office/drawing/2014/main" xmlns:a14="http://schemas.microsoft.com/office/drawing/2010/main" xmlns:p14="http://schemas.microsoft.com/office/powerpoint/2010/main" w="9525">
                   <a:solidFill>
                     <a:srgbClr val="000000"/>
                   </a:solidFill>
@@ -24896,7 +26276,7 @@
             </a:ln>
             <a:extLst>
               <a:ext uri="{91240B29-F687-4f45-9708-019B960494DF}">
-                <a14:hiddenLine xmlns:p14="http://schemas.microsoft.com/office/powerpoint/2010/main" xmlns:a14="http://schemas.microsoft.com/office/drawing/2010/main" xmlns:a16="http://schemas.microsoft.com/office/drawing/2014/main" xmlns="" w="9525">
+                <a14:hiddenLine xmlns="" xmlns:a16="http://schemas.microsoft.com/office/drawing/2014/main" xmlns:a14="http://schemas.microsoft.com/office/drawing/2010/main" xmlns:p14="http://schemas.microsoft.com/office/powerpoint/2010/main" w="9525">
                   <a:solidFill>
                     <a:srgbClr val="000000"/>
                   </a:solidFill>
@@ -25008,7 +26388,7 @@
             </a:ln>
             <a:extLst>
               <a:ext uri="{91240B29-F687-4f45-9708-019B960494DF}">
-                <a14:hiddenLine xmlns:p14="http://schemas.microsoft.com/office/powerpoint/2010/main" xmlns:a14="http://schemas.microsoft.com/office/drawing/2010/main" xmlns:a16="http://schemas.microsoft.com/office/drawing/2014/main" xmlns="" w="9525">
+                <a14:hiddenLine xmlns="" xmlns:a16="http://schemas.microsoft.com/office/drawing/2014/main" xmlns:a14="http://schemas.microsoft.com/office/drawing/2010/main" xmlns:p14="http://schemas.microsoft.com/office/powerpoint/2010/main" w="9525">
                   <a:solidFill>
                     <a:srgbClr val="000000"/>
                   </a:solidFill>
@@ -25098,7 +26478,7 @@
             </a:ln>
             <a:extLst>
               <a:ext uri="{91240B29-F687-4f45-9708-019B960494DF}">
-                <a14:hiddenLine xmlns:p14="http://schemas.microsoft.com/office/powerpoint/2010/main" xmlns:a14="http://schemas.microsoft.com/office/drawing/2010/main" xmlns:a16="http://schemas.microsoft.com/office/drawing/2014/main" xmlns="" w="9525">
+                <a14:hiddenLine xmlns="" xmlns:a16="http://schemas.microsoft.com/office/drawing/2014/main" xmlns:a14="http://schemas.microsoft.com/office/drawing/2010/main" xmlns:p14="http://schemas.microsoft.com/office/powerpoint/2010/main" w="9525">
                   <a:solidFill>
                     <a:srgbClr val="000000"/>
                   </a:solidFill>
@@ -25210,7 +26590,7 @@
             </a:ln>
             <a:extLst>
               <a:ext uri="{91240B29-F687-4f45-9708-019B960494DF}">
-                <a14:hiddenLine xmlns:p14="http://schemas.microsoft.com/office/powerpoint/2010/main" xmlns:a14="http://schemas.microsoft.com/office/drawing/2010/main" xmlns:a16="http://schemas.microsoft.com/office/drawing/2014/main" xmlns="" w="9525">
+                <a14:hiddenLine xmlns="" xmlns:a16="http://schemas.microsoft.com/office/drawing/2014/main" xmlns:a14="http://schemas.microsoft.com/office/drawing/2010/main" xmlns:p14="http://schemas.microsoft.com/office/powerpoint/2010/main" w="9525">
                   <a:solidFill>
                     <a:srgbClr val="000000"/>
                   </a:solidFill>
@@ -25300,7 +26680,7 @@
             </a:ln>
             <a:extLst>
               <a:ext uri="{91240B29-F687-4f45-9708-019B960494DF}">
-                <a14:hiddenLine xmlns:p14="http://schemas.microsoft.com/office/powerpoint/2010/main" xmlns:a14="http://schemas.microsoft.com/office/drawing/2010/main" xmlns:a16="http://schemas.microsoft.com/office/drawing/2014/main" xmlns="" w="9525">
+                <a14:hiddenLine xmlns="" xmlns:a16="http://schemas.microsoft.com/office/drawing/2014/main" xmlns:a14="http://schemas.microsoft.com/office/drawing/2010/main" xmlns:p14="http://schemas.microsoft.com/office/powerpoint/2010/main" w="9525">
                   <a:solidFill>
                     <a:srgbClr val="000000"/>
                   </a:solidFill>
@@ -25412,7 +26792,7 @@
             </a:ln>
             <a:extLst>
               <a:ext uri="{91240B29-F687-4f45-9708-019B960494DF}">
-                <a14:hiddenLine xmlns:p14="http://schemas.microsoft.com/office/powerpoint/2010/main" xmlns:a14="http://schemas.microsoft.com/office/drawing/2010/main" xmlns:a16="http://schemas.microsoft.com/office/drawing/2014/main" xmlns="" w="9525">
+                <a14:hiddenLine xmlns="" xmlns:a16="http://schemas.microsoft.com/office/drawing/2014/main" xmlns:a14="http://schemas.microsoft.com/office/drawing/2010/main" xmlns:p14="http://schemas.microsoft.com/office/powerpoint/2010/main" w="9525">
                   <a:solidFill>
                     <a:srgbClr val="000000"/>
                   </a:solidFill>
@@ -25468,7 +26848,7 @@
             </a:ln>
             <a:extLst>
               <a:ext uri="{91240B29-F687-4f45-9708-019B960494DF}">
-                <a14:hiddenLine xmlns:p14="http://schemas.microsoft.com/office/powerpoint/2010/main" xmlns:a14="http://schemas.microsoft.com/office/drawing/2010/main" xmlns:a16="http://schemas.microsoft.com/office/drawing/2014/main" xmlns="" w="9525">
+                <a14:hiddenLine xmlns="" xmlns:a16="http://schemas.microsoft.com/office/drawing/2014/main" xmlns:a14="http://schemas.microsoft.com/office/drawing/2010/main" xmlns:p14="http://schemas.microsoft.com/office/powerpoint/2010/main" w="9525">
                   <a:solidFill>
                     <a:srgbClr val="000000"/>
                   </a:solidFill>
@@ -25580,7 +26960,7 @@
             </a:ln>
             <a:extLst>
               <a:ext uri="{91240B29-F687-4f45-9708-019B960494DF}">
-                <a14:hiddenLine xmlns:p14="http://schemas.microsoft.com/office/powerpoint/2010/main" xmlns:a14="http://schemas.microsoft.com/office/drawing/2010/main" xmlns:a16="http://schemas.microsoft.com/office/drawing/2014/main" xmlns="" w="9525">
+                <a14:hiddenLine xmlns="" xmlns:a16="http://schemas.microsoft.com/office/drawing/2014/main" xmlns:a14="http://schemas.microsoft.com/office/drawing/2010/main" xmlns:p14="http://schemas.microsoft.com/office/powerpoint/2010/main" w="9525">
                   <a:solidFill>
                     <a:srgbClr val="000000"/>
                   </a:solidFill>
@@ -25664,7 +27044,7 @@
             </a:ln>
             <a:extLst>
               <a:ext uri="{91240B29-F687-4f45-9708-019B960494DF}">
-                <a14:hiddenLine xmlns:p14="http://schemas.microsoft.com/office/powerpoint/2010/main" xmlns:a14="http://schemas.microsoft.com/office/drawing/2010/main" xmlns:a16="http://schemas.microsoft.com/office/drawing/2014/main" xmlns="" w="9525">
+                <a14:hiddenLine xmlns="" xmlns:a16="http://schemas.microsoft.com/office/drawing/2014/main" xmlns:a14="http://schemas.microsoft.com/office/drawing/2010/main" xmlns:p14="http://schemas.microsoft.com/office/powerpoint/2010/main" w="9525">
                   <a:solidFill>
                     <a:srgbClr val="000000"/>
                   </a:solidFill>
@@ -25748,7 +27128,7 @@
             </a:ln>
             <a:extLst>
               <a:ext uri="{91240B29-F687-4f45-9708-019B960494DF}">
-                <a14:hiddenLine xmlns:p14="http://schemas.microsoft.com/office/powerpoint/2010/main" xmlns:a14="http://schemas.microsoft.com/office/drawing/2010/main" xmlns:a16="http://schemas.microsoft.com/office/drawing/2014/main" xmlns="" w="9525">
+                <a14:hiddenLine xmlns="" xmlns:a16="http://schemas.microsoft.com/office/drawing/2014/main" xmlns:a14="http://schemas.microsoft.com/office/drawing/2010/main" xmlns:p14="http://schemas.microsoft.com/office/powerpoint/2010/main" w="9525">
                   <a:solidFill>
                     <a:srgbClr val="000000"/>
                   </a:solidFill>
@@ -25860,7 +27240,7 @@
             </a:ln>
             <a:extLst>
               <a:ext uri="{91240B29-F687-4f45-9708-019B960494DF}">
-                <a14:hiddenLine xmlns:p14="http://schemas.microsoft.com/office/powerpoint/2010/main" xmlns:a14="http://schemas.microsoft.com/office/drawing/2010/main" xmlns:a16="http://schemas.microsoft.com/office/drawing/2014/main" xmlns="" w="9525">
+                <a14:hiddenLine xmlns="" xmlns:a16="http://schemas.microsoft.com/office/drawing/2014/main" xmlns:a14="http://schemas.microsoft.com/office/drawing/2010/main" xmlns:p14="http://schemas.microsoft.com/office/powerpoint/2010/main" w="9525">
                   <a:solidFill>
                     <a:srgbClr val="000000"/>
                   </a:solidFill>
@@ -25950,7 +27330,7 @@
             </a:ln>
             <a:extLst>
               <a:ext uri="{91240B29-F687-4f45-9708-019B960494DF}">
-                <a14:hiddenLine xmlns:p14="http://schemas.microsoft.com/office/powerpoint/2010/main" xmlns:a14="http://schemas.microsoft.com/office/drawing/2010/main" xmlns:a16="http://schemas.microsoft.com/office/drawing/2014/main" xmlns="" w="9525">
+                <a14:hiddenLine xmlns="" xmlns:a16="http://schemas.microsoft.com/office/drawing/2014/main" xmlns:a14="http://schemas.microsoft.com/office/drawing/2010/main" xmlns:p14="http://schemas.microsoft.com/office/powerpoint/2010/main" w="9525">
                   <a:solidFill>
                     <a:srgbClr val="000000"/>
                   </a:solidFill>
@@ -26034,7 +27414,7 @@
             </a:ln>
             <a:extLst>
               <a:ext uri="{91240B29-F687-4f45-9708-019B960494DF}">
-                <a14:hiddenLine xmlns:p14="http://schemas.microsoft.com/office/powerpoint/2010/main" xmlns:a14="http://schemas.microsoft.com/office/drawing/2010/main" xmlns:a16="http://schemas.microsoft.com/office/drawing/2014/main" xmlns="" w="9525">
+                <a14:hiddenLine xmlns="" xmlns:a16="http://schemas.microsoft.com/office/drawing/2014/main" xmlns:a14="http://schemas.microsoft.com/office/drawing/2010/main" xmlns:p14="http://schemas.microsoft.com/office/powerpoint/2010/main" w="9525">
                   <a:solidFill>
                     <a:srgbClr val="000000"/>
                   </a:solidFill>
@@ -26146,7 +27526,7 @@
             </a:ln>
             <a:extLst>
               <a:ext uri="{91240B29-F687-4f45-9708-019B960494DF}">
-                <a14:hiddenLine xmlns:p14="http://schemas.microsoft.com/office/powerpoint/2010/main" xmlns:a14="http://schemas.microsoft.com/office/drawing/2010/main" xmlns:a16="http://schemas.microsoft.com/office/drawing/2014/main" xmlns="" w="9525">
+                <a14:hiddenLine xmlns="" xmlns:a16="http://schemas.microsoft.com/office/drawing/2014/main" xmlns:a14="http://schemas.microsoft.com/office/drawing/2010/main" xmlns:p14="http://schemas.microsoft.com/office/powerpoint/2010/main" w="9525">
                   <a:solidFill>
                     <a:srgbClr val="000000"/>
                   </a:solidFill>
@@ -26230,7 +27610,7 @@
             </a:ln>
             <a:extLst>
               <a:ext uri="{91240B29-F687-4f45-9708-019B960494DF}">
-                <a14:hiddenLine xmlns:p14="http://schemas.microsoft.com/office/powerpoint/2010/main" xmlns:a14="http://schemas.microsoft.com/office/drawing/2010/main" xmlns:a16="http://schemas.microsoft.com/office/drawing/2014/main" xmlns="" w="9525">
+                <a14:hiddenLine xmlns="" xmlns:a16="http://schemas.microsoft.com/office/drawing/2014/main" xmlns:a14="http://schemas.microsoft.com/office/drawing/2010/main" xmlns:p14="http://schemas.microsoft.com/office/powerpoint/2010/main" w="9525">
                   <a:solidFill>
                     <a:srgbClr val="000000"/>
                   </a:solidFill>
@@ -26342,7 +27722,7 @@
             </a:ln>
             <a:extLst>
               <a:ext uri="{91240B29-F687-4f45-9708-019B960494DF}">
-                <a14:hiddenLine xmlns:p14="http://schemas.microsoft.com/office/powerpoint/2010/main" xmlns:a14="http://schemas.microsoft.com/office/drawing/2010/main" xmlns:a16="http://schemas.microsoft.com/office/drawing/2014/main" xmlns="" w="9525">
+                <a14:hiddenLine xmlns="" xmlns:a16="http://schemas.microsoft.com/office/drawing/2014/main" xmlns:a14="http://schemas.microsoft.com/office/drawing/2010/main" xmlns:p14="http://schemas.microsoft.com/office/powerpoint/2010/main" w="9525">
                   <a:solidFill>
                     <a:srgbClr val="000000"/>
                   </a:solidFill>
@@ -26426,7 +27806,7 @@
             </a:ln>
             <a:extLst>
               <a:ext uri="{91240B29-F687-4f45-9708-019B960494DF}">
-                <a14:hiddenLine xmlns:p14="http://schemas.microsoft.com/office/powerpoint/2010/main" xmlns:a14="http://schemas.microsoft.com/office/drawing/2010/main" xmlns:a16="http://schemas.microsoft.com/office/drawing/2014/main" xmlns="" w="9525">
+                <a14:hiddenLine xmlns="" xmlns:a16="http://schemas.microsoft.com/office/drawing/2014/main" xmlns:a14="http://schemas.microsoft.com/office/drawing/2010/main" xmlns:p14="http://schemas.microsoft.com/office/powerpoint/2010/main" w="9525">
                   <a:solidFill>
                     <a:srgbClr val="000000"/>
                   </a:solidFill>
@@ -26538,7 +27918,7 @@
             </a:ln>
             <a:extLst>
               <a:ext uri="{91240B29-F687-4f45-9708-019B960494DF}">
-                <a14:hiddenLine xmlns:p14="http://schemas.microsoft.com/office/powerpoint/2010/main" xmlns:a14="http://schemas.microsoft.com/office/drawing/2010/main" xmlns:a16="http://schemas.microsoft.com/office/drawing/2014/main" xmlns="" w="9525">
+                <a14:hiddenLine xmlns="" xmlns:a16="http://schemas.microsoft.com/office/drawing/2014/main" xmlns:a14="http://schemas.microsoft.com/office/drawing/2010/main" xmlns:p14="http://schemas.microsoft.com/office/powerpoint/2010/main" w="9525">
                   <a:solidFill>
                     <a:srgbClr val="000000"/>
                   </a:solidFill>
@@ -26594,7 +27974,7 @@
             </a:ln>
             <a:extLst>
               <a:ext uri="{91240B29-F687-4f45-9708-019B960494DF}">
-                <a14:hiddenLine xmlns:p14="http://schemas.microsoft.com/office/powerpoint/2010/main" xmlns:a14="http://schemas.microsoft.com/office/drawing/2010/main" xmlns:a16="http://schemas.microsoft.com/office/drawing/2014/main" xmlns="" w="9525">
+                <a14:hiddenLine xmlns="" xmlns:a16="http://schemas.microsoft.com/office/drawing/2014/main" xmlns:a14="http://schemas.microsoft.com/office/drawing/2010/main" xmlns:p14="http://schemas.microsoft.com/office/powerpoint/2010/main" w="9525">
                   <a:solidFill>
                     <a:srgbClr val="000000"/>
                   </a:solidFill>
@@ -26681,7 +28061,7 @@
             </a:ln>
             <a:extLst>
               <a:ext uri="{91240B29-F687-4f45-9708-019B960494DF}">
-                <a14:hiddenLine xmlns:p14="http://schemas.microsoft.com/office/powerpoint/2010/main" xmlns:a14="http://schemas.microsoft.com/office/drawing/2010/main" xmlns:a16="http://schemas.microsoft.com/office/drawing/2014/main" xmlns="" w="9525">
+                <a14:hiddenLine xmlns="" xmlns:a16="http://schemas.microsoft.com/office/drawing/2014/main" xmlns:a14="http://schemas.microsoft.com/office/drawing/2010/main" xmlns:p14="http://schemas.microsoft.com/office/powerpoint/2010/main" w="9525">
                   <a:solidFill>
                     <a:srgbClr val="000000"/>
                   </a:solidFill>
@@ -26793,7 +28173,7 @@
             </a:ln>
             <a:extLst>
               <a:ext uri="{91240B29-F687-4f45-9708-019B960494DF}">
-                <a14:hiddenLine xmlns:p14="http://schemas.microsoft.com/office/powerpoint/2010/main" xmlns:a14="http://schemas.microsoft.com/office/drawing/2010/main" xmlns:a16="http://schemas.microsoft.com/office/drawing/2014/main" xmlns="" w="9525">
+                <a14:hiddenLine xmlns="" xmlns:a16="http://schemas.microsoft.com/office/drawing/2014/main" xmlns:a14="http://schemas.microsoft.com/office/drawing/2010/main" xmlns:p14="http://schemas.microsoft.com/office/powerpoint/2010/main" w="9525">
                   <a:solidFill>
                     <a:srgbClr val="000000"/>
                   </a:solidFill>
@@ -26877,7 +28257,7 @@
             </a:ln>
             <a:extLst>
               <a:ext uri="{91240B29-F687-4f45-9708-019B960494DF}">
-                <a14:hiddenLine xmlns:p14="http://schemas.microsoft.com/office/powerpoint/2010/main" xmlns:a14="http://schemas.microsoft.com/office/drawing/2010/main" xmlns:a16="http://schemas.microsoft.com/office/drawing/2014/main" xmlns="" w="9525">
+                <a14:hiddenLine xmlns="" xmlns:a16="http://schemas.microsoft.com/office/drawing/2014/main" xmlns:a14="http://schemas.microsoft.com/office/drawing/2010/main" xmlns:p14="http://schemas.microsoft.com/office/powerpoint/2010/main" w="9525">
                   <a:solidFill>
                     <a:srgbClr val="000000"/>
                   </a:solidFill>
@@ -26989,7 +28369,7 @@
             </a:ln>
             <a:extLst>
               <a:ext uri="{91240B29-F687-4f45-9708-019B960494DF}">
-                <a14:hiddenLine xmlns:p14="http://schemas.microsoft.com/office/powerpoint/2010/main" xmlns:a14="http://schemas.microsoft.com/office/drawing/2010/main" xmlns:a16="http://schemas.microsoft.com/office/drawing/2014/main" xmlns="" w="9525">
+                <a14:hiddenLine xmlns="" xmlns:a16="http://schemas.microsoft.com/office/drawing/2014/main" xmlns:a14="http://schemas.microsoft.com/office/drawing/2010/main" xmlns:p14="http://schemas.microsoft.com/office/powerpoint/2010/main" w="9525">
                   <a:solidFill>
                     <a:srgbClr val="000000"/>
                   </a:solidFill>
@@ -27101,7 +28481,7 @@
             </a:ln>
             <a:extLst>
               <a:ext uri="{91240B29-F687-4f45-9708-019B960494DF}">
-                <a14:hiddenLine xmlns:p14="http://schemas.microsoft.com/office/powerpoint/2010/main" xmlns:a14="http://schemas.microsoft.com/office/drawing/2010/main" xmlns:a16="http://schemas.microsoft.com/office/drawing/2014/main" xmlns="" w="9525">
+                <a14:hiddenLine xmlns="" xmlns:a16="http://schemas.microsoft.com/office/drawing/2014/main" xmlns:a14="http://schemas.microsoft.com/office/drawing/2010/main" xmlns:p14="http://schemas.microsoft.com/office/powerpoint/2010/main" w="9525">
                   <a:solidFill>
                     <a:srgbClr val="000000"/>
                   </a:solidFill>
@@ -27188,7 +28568,7 @@
             </a:ln>
             <a:extLst>
               <a:ext uri="{91240B29-F687-4f45-9708-019B960494DF}">
-                <a14:hiddenLine xmlns:p14="http://schemas.microsoft.com/office/powerpoint/2010/main" xmlns:a14="http://schemas.microsoft.com/office/drawing/2010/main" xmlns:a16="http://schemas.microsoft.com/office/drawing/2014/main" xmlns="" w="9525">
+                <a14:hiddenLine xmlns="" xmlns:a16="http://schemas.microsoft.com/office/drawing/2014/main" xmlns:a14="http://schemas.microsoft.com/office/drawing/2010/main" xmlns:p14="http://schemas.microsoft.com/office/powerpoint/2010/main" w="9525">
                   <a:solidFill>
                     <a:srgbClr val="000000"/>
                   </a:solidFill>
@@ -27272,7 +28652,7 @@
             </a:ln>
             <a:extLst>
               <a:ext uri="{91240B29-F687-4f45-9708-019B960494DF}">
-                <a14:hiddenLine xmlns:p14="http://schemas.microsoft.com/office/powerpoint/2010/main" xmlns:a14="http://schemas.microsoft.com/office/drawing/2010/main" xmlns:a16="http://schemas.microsoft.com/office/drawing/2014/main" xmlns="" w="9525">
+                <a14:hiddenLine xmlns="" xmlns:a16="http://schemas.microsoft.com/office/drawing/2014/main" xmlns:a14="http://schemas.microsoft.com/office/drawing/2010/main" xmlns:p14="http://schemas.microsoft.com/office/powerpoint/2010/main" w="9525">
                   <a:solidFill>
                     <a:srgbClr val="000000"/>
                   </a:solidFill>
@@ -27384,7 +28764,7 @@
             </a:ln>
             <a:extLst>
               <a:ext uri="{91240B29-F687-4f45-9708-019B960494DF}">
-                <a14:hiddenLine xmlns:p14="http://schemas.microsoft.com/office/powerpoint/2010/main" xmlns:a14="http://schemas.microsoft.com/office/drawing/2010/main" xmlns:a16="http://schemas.microsoft.com/office/drawing/2014/main" xmlns="" w="9525">
+                <a14:hiddenLine xmlns="" xmlns:a16="http://schemas.microsoft.com/office/drawing/2014/main" xmlns:a14="http://schemas.microsoft.com/office/drawing/2010/main" xmlns:p14="http://schemas.microsoft.com/office/powerpoint/2010/main" w="9525">
                   <a:solidFill>
                     <a:srgbClr val="000000"/>
                   </a:solidFill>
@@ -27496,7 +28876,7 @@
             </a:ln>
             <a:extLst>
               <a:ext uri="{91240B29-F687-4f45-9708-019B960494DF}">
-                <a14:hiddenLine xmlns:p14="http://schemas.microsoft.com/office/powerpoint/2010/main" xmlns:a14="http://schemas.microsoft.com/office/drawing/2010/main" xmlns:a16="http://schemas.microsoft.com/office/drawing/2014/main" xmlns="" w="9525">
+                <a14:hiddenLine xmlns="" xmlns:a16="http://schemas.microsoft.com/office/drawing/2014/main" xmlns:a14="http://schemas.microsoft.com/office/drawing/2010/main" xmlns:p14="http://schemas.microsoft.com/office/powerpoint/2010/main" w="9525">
                   <a:solidFill>
                     <a:srgbClr val="000000"/>
                   </a:solidFill>
@@ -27580,7 +28960,7 @@
             </a:ln>
             <a:extLst>
               <a:ext uri="{91240B29-F687-4f45-9708-019B960494DF}">
-                <a14:hiddenLine xmlns:p14="http://schemas.microsoft.com/office/powerpoint/2010/main" xmlns:a14="http://schemas.microsoft.com/office/drawing/2010/main" xmlns:a16="http://schemas.microsoft.com/office/drawing/2014/main" xmlns="" w="9525">
+                <a14:hiddenLine xmlns="" xmlns:a16="http://schemas.microsoft.com/office/drawing/2014/main" xmlns:a14="http://schemas.microsoft.com/office/drawing/2010/main" xmlns:p14="http://schemas.microsoft.com/office/powerpoint/2010/main" w="9525">
                   <a:solidFill>
                     <a:srgbClr val="000000"/>
                   </a:solidFill>
@@ -27722,7 +29102,7 @@
             </a:ln>
             <a:extLst>
               <a:ext uri="{91240B29-F687-4f45-9708-019B960494DF}">
-                <a14:hiddenLine xmlns:p14="http://schemas.microsoft.com/office/powerpoint/2010/main" xmlns:a14="http://schemas.microsoft.com/office/drawing/2010/main" xmlns:a16="http://schemas.microsoft.com/office/drawing/2014/main" xmlns="" w="9525">
+                <a14:hiddenLine xmlns="" xmlns:a16="http://schemas.microsoft.com/office/drawing/2014/main" xmlns:a14="http://schemas.microsoft.com/office/drawing/2010/main" xmlns:p14="http://schemas.microsoft.com/office/powerpoint/2010/main" w="9525">
                   <a:solidFill>
                     <a:srgbClr val="000000"/>
                   </a:solidFill>
@@ -27812,7 +29192,7 @@
             </a:ln>
             <a:extLst>
               <a:ext uri="{91240B29-F687-4f45-9708-019B960494DF}">
-                <a14:hiddenLine xmlns:p14="http://schemas.microsoft.com/office/powerpoint/2010/main" xmlns:a14="http://schemas.microsoft.com/office/drawing/2010/main" xmlns:a16="http://schemas.microsoft.com/office/drawing/2014/main" xmlns="" w="9525">
+                <a14:hiddenLine xmlns="" xmlns:a16="http://schemas.microsoft.com/office/drawing/2014/main" xmlns:a14="http://schemas.microsoft.com/office/drawing/2010/main" xmlns:p14="http://schemas.microsoft.com/office/powerpoint/2010/main" w="9525">
                   <a:solidFill>
                     <a:srgbClr val="000000"/>
                   </a:solidFill>
@@ -27924,7 +29304,7 @@
             </a:ln>
             <a:extLst>
               <a:ext uri="{91240B29-F687-4f45-9708-019B960494DF}">
-                <a14:hiddenLine xmlns:p14="http://schemas.microsoft.com/office/powerpoint/2010/main" xmlns:a14="http://schemas.microsoft.com/office/drawing/2010/main" xmlns:a16="http://schemas.microsoft.com/office/drawing/2014/main" xmlns="" w="9525">
+                <a14:hiddenLine xmlns="" xmlns:a16="http://schemas.microsoft.com/office/drawing/2014/main" xmlns:a14="http://schemas.microsoft.com/office/drawing/2010/main" xmlns:p14="http://schemas.microsoft.com/office/powerpoint/2010/main" w="9525">
                   <a:solidFill>
                     <a:srgbClr val="000000"/>
                   </a:solidFill>
@@ -28061,7 +29441,7 @@
             </a:ln>
             <a:extLst>
               <a:ext uri="{91240B29-F687-4f45-9708-019B960494DF}">
-                <a14:hiddenLine xmlns:p14="http://schemas.microsoft.com/office/powerpoint/2010/main" xmlns:a14="http://schemas.microsoft.com/office/drawing/2010/main" xmlns:a16="http://schemas.microsoft.com/office/drawing/2014/main" xmlns="" w="9525">
+                <a14:hiddenLine xmlns="" xmlns:a16="http://schemas.microsoft.com/office/drawing/2014/main" xmlns:a14="http://schemas.microsoft.com/office/drawing/2010/main" xmlns:p14="http://schemas.microsoft.com/office/powerpoint/2010/main" w="9525">
                   <a:solidFill>
                     <a:srgbClr val="000000"/>
                   </a:solidFill>
@@ -28198,7 +29578,7 @@
             </a:ln>
             <a:extLst>
               <a:ext uri="{91240B29-F687-4f45-9708-019B960494DF}">
-                <a14:hiddenLine xmlns:p14="http://schemas.microsoft.com/office/powerpoint/2010/main" xmlns:a14="http://schemas.microsoft.com/office/drawing/2010/main" xmlns:a16="http://schemas.microsoft.com/office/drawing/2014/main" xmlns="" w="9525">
+                <a14:hiddenLine xmlns="" xmlns:a16="http://schemas.microsoft.com/office/drawing/2014/main" xmlns:a14="http://schemas.microsoft.com/office/drawing/2010/main" xmlns:p14="http://schemas.microsoft.com/office/powerpoint/2010/main" w="9525">
                   <a:solidFill>
                     <a:srgbClr val="000000"/>
                   </a:solidFill>
@@ -28310,7 +29690,7 @@
             </a:ln>
             <a:extLst>
               <a:ext uri="{91240B29-F687-4f45-9708-019B960494DF}">
-                <a14:hiddenLine xmlns:p14="http://schemas.microsoft.com/office/powerpoint/2010/main" xmlns:a14="http://schemas.microsoft.com/office/drawing/2010/main" xmlns:a16="http://schemas.microsoft.com/office/drawing/2014/main" xmlns="" w="9525">
+                <a14:hiddenLine xmlns="" xmlns:a16="http://schemas.microsoft.com/office/drawing/2014/main" xmlns:a14="http://schemas.microsoft.com/office/drawing/2010/main" xmlns:p14="http://schemas.microsoft.com/office/powerpoint/2010/main" w="9525">
                   <a:solidFill>
                     <a:srgbClr val="000000"/>
                   </a:solidFill>
@@ -28397,7 +29777,7 @@
             </a:ln>
             <a:extLst>
               <a:ext uri="{91240B29-F687-4f45-9708-019B960494DF}">
-                <a14:hiddenLine xmlns:p14="http://schemas.microsoft.com/office/powerpoint/2010/main" xmlns:a14="http://schemas.microsoft.com/office/drawing/2010/main" xmlns:a16="http://schemas.microsoft.com/office/drawing/2014/main" xmlns="" w="9525">
+                <a14:hiddenLine xmlns="" xmlns:a16="http://schemas.microsoft.com/office/drawing/2014/main" xmlns:a14="http://schemas.microsoft.com/office/drawing/2010/main" xmlns:p14="http://schemas.microsoft.com/office/powerpoint/2010/main" w="9525">
                   <a:solidFill>
                     <a:srgbClr val="000000"/>
                   </a:solidFill>
@@ -28509,7 +29889,7 @@
             </a:ln>
             <a:extLst>
               <a:ext uri="{91240B29-F687-4f45-9708-019B960494DF}">
-                <a14:hiddenLine xmlns:p14="http://schemas.microsoft.com/office/powerpoint/2010/main" xmlns:a14="http://schemas.microsoft.com/office/drawing/2010/main" xmlns:a16="http://schemas.microsoft.com/office/drawing/2014/main" xmlns="" w="9525">
+                <a14:hiddenLine xmlns="" xmlns:a16="http://schemas.microsoft.com/office/drawing/2014/main" xmlns:a14="http://schemas.microsoft.com/office/drawing/2010/main" xmlns:p14="http://schemas.microsoft.com/office/powerpoint/2010/main" w="9525">
                   <a:solidFill>
                     <a:srgbClr val="000000"/>
                   </a:solidFill>
@@ -28599,7 +29979,7 @@
             </a:ln>
             <a:extLst>
               <a:ext uri="{91240B29-F687-4f45-9708-019B960494DF}">
-                <a14:hiddenLine xmlns:p14="http://schemas.microsoft.com/office/powerpoint/2010/main" xmlns:a14="http://schemas.microsoft.com/office/drawing/2010/main" xmlns:a16="http://schemas.microsoft.com/office/drawing/2014/main" xmlns="" w="9525">
+                <a14:hiddenLine xmlns="" xmlns:a16="http://schemas.microsoft.com/office/drawing/2014/main" xmlns:a14="http://schemas.microsoft.com/office/drawing/2010/main" xmlns:p14="http://schemas.microsoft.com/office/powerpoint/2010/main" w="9525">
                   <a:solidFill>
                     <a:srgbClr val="000000"/>
                   </a:solidFill>
@@ -28711,7 +30091,7 @@
             </a:ln>
             <a:extLst>
               <a:ext uri="{91240B29-F687-4f45-9708-019B960494DF}">
-                <a14:hiddenLine xmlns:p14="http://schemas.microsoft.com/office/powerpoint/2010/main" xmlns:a14="http://schemas.microsoft.com/office/drawing/2010/main" xmlns:a16="http://schemas.microsoft.com/office/drawing/2014/main" xmlns="" w="9525">
+                <a14:hiddenLine xmlns="" xmlns:a16="http://schemas.microsoft.com/office/drawing/2014/main" xmlns:a14="http://schemas.microsoft.com/office/drawing/2010/main" xmlns:p14="http://schemas.microsoft.com/office/powerpoint/2010/main" w="9525">
                   <a:solidFill>
                     <a:srgbClr val="000000"/>
                   </a:solidFill>
@@ -28801,7 +30181,7 @@
             </a:ln>
             <a:extLst>
               <a:ext uri="{91240B29-F687-4f45-9708-019B960494DF}">
-                <a14:hiddenLine xmlns:p14="http://schemas.microsoft.com/office/powerpoint/2010/main" xmlns:a14="http://schemas.microsoft.com/office/drawing/2010/main" xmlns:a16="http://schemas.microsoft.com/office/drawing/2014/main" xmlns="" w="9525">
+                <a14:hiddenLine xmlns="" xmlns:a16="http://schemas.microsoft.com/office/drawing/2014/main" xmlns:a14="http://schemas.microsoft.com/office/drawing/2010/main" xmlns:p14="http://schemas.microsoft.com/office/powerpoint/2010/main" w="9525">
                   <a:solidFill>
                     <a:srgbClr val="000000"/>
                   </a:solidFill>
@@ -28913,7 +30293,7 @@
             </a:ln>
             <a:extLst>
               <a:ext uri="{91240B29-F687-4f45-9708-019B960494DF}">
-                <a14:hiddenLine xmlns:p14="http://schemas.microsoft.com/office/powerpoint/2010/main" xmlns:a14="http://schemas.microsoft.com/office/drawing/2010/main" xmlns:a16="http://schemas.microsoft.com/office/drawing/2014/main" xmlns="" w="9525">
+                <a14:hiddenLine xmlns="" xmlns:a16="http://schemas.microsoft.com/office/drawing/2014/main" xmlns:a14="http://schemas.microsoft.com/office/drawing/2010/main" xmlns:p14="http://schemas.microsoft.com/office/powerpoint/2010/main" w="9525">
                   <a:solidFill>
                     <a:srgbClr val="000000"/>
                   </a:solidFill>
@@ -28969,7 +30349,7 @@
             </a:ln>
             <a:extLst>
               <a:ext uri="{91240B29-F687-4f45-9708-019B960494DF}">
-                <a14:hiddenLine xmlns:p14="http://schemas.microsoft.com/office/powerpoint/2010/main" xmlns:a14="http://schemas.microsoft.com/office/drawing/2010/main" xmlns:a16="http://schemas.microsoft.com/office/drawing/2014/main" xmlns="" w="9525">
+                <a14:hiddenLine xmlns="" xmlns:a16="http://schemas.microsoft.com/office/drawing/2014/main" xmlns:a14="http://schemas.microsoft.com/office/drawing/2010/main" xmlns:p14="http://schemas.microsoft.com/office/powerpoint/2010/main" w="9525">
                   <a:solidFill>
                     <a:srgbClr val="000000"/>
                   </a:solidFill>
@@ -30550,7 +31930,7 @@
               </a:ln>
               <a:extLst>
                 <a:ext uri="{91240B29-F687-4f45-9708-019B960494DF}">
-                  <a14:hiddenLine xmlns:a14="http://schemas.microsoft.com/office/drawing/2010/main" xmlns:p14="http://schemas.microsoft.com/office/powerpoint/2010/main" xmlns:a16="http://schemas.microsoft.com/office/drawing/2014/main" xmlns="" w="9525">
+                  <a14:hiddenLine xmlns="" xmlns:a16="http://schemas.microsoft.com/office/drawing/2014/main" xmlns:p14="http://schemas.microsoft.com/office/powerpoint/2010/main" xmlns:a14="http://schemas.microsoft.com/office/drawing/2010/main" w="9525">
                     <a:solidFill>
                       <a:srgbClr val="000000"/>
                     </a:solidFill>
@@ -30662,7 +32042,7 @@
               </a:ln>
               <a:extLst>
                 <a:ext uri="{91240B29-F687-4f45-9708-019B960494DF}">
-                  <a14:hiddenLine xmlns:a14="http://schemas.microsoft.com/office/drawing/2010/main" xmlns:p14="http://schemas.microsoft.com/office/powerpoint/2010/main" xmlns:a16="http://schemas.microsoft.com/office/drawing/2014/main" xmlns="" w="9525">
+                  <a14:hiddenLine xmlns="" xmlns:a16="http://schemas.microsoft.com/office/drawing/2014/main" xmlns:p14="http://schemas.microsoft.com/office/powerpoint/2010/main" xmlns:a14="http://schemas.microsoft.com/office/drawing/2010/main" w="9525">
                     <a:solidFill>
                       <a:srgbClr val="000000"/>
                     </a:solidFill>
@@ -30774,7 +32154,7 @@
               </a:ln>
               <a:extLst>
                 <a:ext uri="{91240B29-F687-4f45-9708-019B960494DF}">
-                  <a14:hiddenLine xmlns:a14="http://schemas.microsoft.com/office/drawing/2010/main" xmlns:p14="http://schemas.microsoft.com/office/powerpoint/2010/main" xmlns:a16="http://schemas.microsoft.com/office/drawing/2014/main" xmlns="" w="9525">
+                  <a14:hiddenLine xmlns="" xmlns:a16="http://schemas.microsoft.com/office/drawing/2014/main" xmlns:p14="http://schemas.microsoft.com/office/powerpoint/2010/main" xmlns:a14="http://schemas.microsoft.com/office/drawing/2010/main" w="9525">
                     <a:solidFill>
                       <a:srgbClr val="000000"/>
                     </a:solidFill>
@@ -30858,7 +32238,7 @@
               </a:ln>
               <a:extLst>
                 <a:ext uri="{91240B29-F687-4f45-9708-019B960494DF}">
-                  <a14:hiddenLine xmlns:a14="http://schemas.microsoft.com/office/drawing/2010/main" xmlns:p14="http://schemas.microsoft.com/office/powerpoint/2010/main" xmlns:a16="http://schemas.microsoft.com/office/drawing/2014/main" xmlns="" w="9525">
+                  <a14:hiddenLine xmlns="" xmlns:a16="http://schemas.microsoft.com/office/drawing/2014/main" xmlns:p14="http://schemas.microsoft.com/office/powerpoint/2010/main" xmlns:a14="http://schemas.microsoft.com/office/drawing/2010/main" w="9525">
                     <a:solidFill>
                       <a:srgbClr val="000000"/>
                     </a:solidFill>
@@ -30970,7 +32350,7 @@
               </a:ln>
               <a:extLst>
                 <a:ext uri="{91240B29-F687-4f45-9708-019B960494DF}">
-                  <a14:hiddenLine xmlns:a14="http://schemas.microsoft.com/office/drawing/2010/main" xmlns:p14="http://schemas.microsoft.com/office/powerpoint/2010/main" xmlns:a16="http://schemas.microsoft.com/office/drawing/2014/main" xmlns="" w="9525">
+                  <a14:hiddenLine xmlns="" xmlns:a16="http://schemas.microsoft.com/office/drawing/2014/main" xmlns:p14="http://schemas.microsoft.com/office/powerpoint/2010/main" xmlns:a14="http://schemas.microsoft.com/office/drawing/2010/main" w="9525">
                     <a:solidFill>
                       <a:srgbClr val="000000"/>
                     </a:solidFill>
@@ -31054,7 +32434,7 @@
               </a:ln>
               <a:extLst>
                 <a:ext uri="{91240B29-F687-4f45-9708-019B960494DF}">
-                  <a14:hiddenLine xmlns:a14="http://schemas.microsoft.com/office/drawing/2010/main" xmlns:p14="http://schemas.microsoft.com/office/powerpoint/2010/main" xmlns:a16="http://schemas.microsoft.com/office/drawing/2014/main" xmlns="" w="9525">
+                  <a14:hiddenLine xmlns="" xmlns:a16="http://schemas.microsoft.com/office/drawing/2014/main" xmlns:p14="http://schemas.microsoft.com/office/powerpoint/2010/main" xmlns:a14="http://schemas.microsoft.com/office/drawing/2010/main" w="9525">
                     <a:solidFill>
                       <a:srgbClr val="000000"/>
                     </a:solidFill>
@@ -31138,7 +32518,7 @@
               </a:ln>
               <a:extLst>
                 <a:ext uri="{91240B29-F687-4f45-9708-019B960494DF}">
-                  <a14:hiddenLine xmlns:a14="http://schemas.microsoft.com/office/drawing/2010/main" xmlns:p14="http://schemas.microsoft.com/office/powerpoint/2010/main" xmlns:a16="http://schemas.microsoft.com/office/drawing/2014/main" xmlns="" w="9525">
+                  <a14:hiddenLine xmlns="" xmlns:a16="http://schemas.microsoft.com/office/drawing/2014/main" xmlns:p14="http://schemas.microsoft.com/office/powerpoint/2010/main" xmlns:a14="http://schemas.microsoft.com/office/drawing/2010/main" w="9525">
                     <a:solidFill>
                       <a:srgbClr val="000000"/>
                     </a:solidFill>
@@ -31250,7 +32630,7 @@
               </a:ln>
               <a:extLst>
                 <a:ext uri="{91240B29-F687-4f45-9708-019B960494DF}">
-                  <a14:hiddenLine xmlns:a14="http://schemas.microsoft.com/office/drawing/2010/main" xmlns:p14="http://schemas.microsoft.com/office/powerpoint/2010/main" xmlns:a16="http://schemas.microsoft.com/office/drawing/2014/main" xmlns="" w="9525">
+                  <a14:hiddenLine xmlns="" xmlns:a16="http://schemas.microsoft.com/office/drawing/2014/main" xmlns:p14="http://schemas.microsoft.com/office/powerpoint/2010/main" xmlns:a14="http://schemas.microsoft.com/office/drawing/2010/main" w="9525">
                     <a:solidFill>
                       <a:srgbClr val="000000"/>
                     </a:solidFill>
@@ -31362,7 +32742,7 @@
               </a:ln>
               <a:extLst>
                 <a:ext uri="{91240B29-F687-4f45-9708-019B960494DF}">
-                  <a14:hiddenLine xmlns:a14="http://schemas.microsoft.com/office/drawing/2010/main" xmlns:p14="http://schemas.microsoft.com/office/powerpoint/2010/main" xmlns:a16="http://schemas.microsoft.com/office/drawing/2014/main" xmlns="" w="9525">
+                  <a14:hiddenLine xmlns="" xmlns:a16="http://schemas.microsoft.com/office/drawing/2014/main" xmlns:p14="http://schemas.microsoft.com/office/powerpoint/2010/main" xmlns:a14="http://schemas.microsoft.com/office/drawing/2010/main" w="9525">
                     <a:solidFill>
                       <a:srgbClr val="000000"/>
                     </a:solidFill>
@@ -31446,7 +32826,7 @@
               </a:ln>
               <a:extLst>
                 <a:ext uri="{91240B29-F687-4f45-9708-019B960494DF}">
-                  <a14:hiddenLine xmlns:a14="http://schemas.microsoft.com/office/drawing/2010/main" xmlns:p14="http://schemas.microsoft.com/office/powerpoint/2010/main" xmlns:a16="http://schemas.microsoft.com/office/drawing/2014/main" xmlns="" w="9525">
+                  <a14:hiddenLine xmlns="" xmlns:a16="http://schemas.microsoft.com/office/drawing/2014/main" xmlns:p14="http://schemas.microsoft.com/office/powerpoint/2010/main" xmlns:a14="http://schemas.microsoft.com/office/drawing/2010/main" w="9525">
                     <a:solidFill>
                       <a:srgbClr val="000000"/>
                     </a:solidFill>
@@ -31578,7 +32958,7 @@
               </a:ln>
               <a:extLst>
                 <a:ext uri="{91240B29-F687-4f45-9708-019B960494DF}">
-                  <a14:hiddenLine xmlns:a14="http://schemas.microsoft.com/office/drawing/2010/main" xmlns:p14="http://schemas.microsoft.com/office/powerpoint/2010/main" xmlns:a16="http://schemas.microsoft.com/office/drawing/2014/main" xmlns="" w="9525">
+                  <a14:hiddenLine xmlns="" xmlns:a16="http://schemas.microsoft.com/office/drawing/2014/main" xmlns:p14="http://schemas.microsoft.com/office/powerpoint/2010/main" xmlns:a14="http://schemas.microsoft.com/office/drawing/2010/main" w="9525">
                     <a:solidFill>
                       <a:srgbClr val="000000"/>
                     </a:solidFill>
@@ -31706,7 +33086,7 @@
               </a:ln>
               <a:extLst>
                 <a:ext uri="{91240B29-F687-4f45-9708-019B960494DF}">
-                  <a14:hiddenLine xmlns:a14="http://schemas.microsoft.com/office/drawing/2010/main" xmlns:p14="http://schemas.microsoft.com/office/powerpoint/2010/main" xmlns:a16="http://schemas.microsoft.com/office/drawing/2014/main" xmlns="" w="9525">
+                  <a14:hiddenLine xmlns="" xmlns:a16="http://schemas.microsoft.com/office/drawing/2014/main" xmlns:p14="http://schemas.microsoft.com/office/powerpoint/2010/main" xmlns:a14="http://schemas.microsoft.com/office/drawing/2010/main" w="9525">
                     <a:solidFill>
                       <a:srgbClr val="000000"/>
                     </a:solidFill>
@@ -31790,7 +33170,7 @@
               </a:ln>
               <a:extLst>
                 <a:ext uri="{91240B29-F687-4f45-9708-019B960494DF}">
-                  <a14:hiddenLine xmlns:a14="http://schemas.microsoft.com/office/drawing/2010/main" xmlns:p14="http://schemas.microsoft.com/office/powerpoint/2010/main" xmlns:a16="http://schemas.microsoft.com/office/drawing/2014/main" xmlns="" w="9525">
+                  <a14:hiddenLine xmlns="" xmlns:a16="http://schemas.microsoft.com/office/drawing/2014/main" xmlns:p14="http://schemas.microsoft.com/office/powerpoint/2010/main" xmlns:a14="http://schemas.microsoft.com/office/drawing/2010/main" w="9525">
                     <a:solidFill>
                       <a:srgbClr val="000000"/>
                     </a:solidFill>
@@ -31874,7 +33254,7 @@
               </a:ln>
               <a:extLst>
                 <a:ext uri="{91240B29-F687-4f45-9708-019B960494DF}">
-                  <a14:hiddenLine xmlns:a14="http://schemas.microsoft.com/office/drawing/2010/main" xmlns:p14="http://schemas.microsoft.com/office/powerpoint/2010/main" xmlns:a16="http://schemas.microsoft.com/office/drawing/2014/main" xmlns="" w="9525">
+                  <a14:hiddenLine xmlns="" xmlns:a16="http://schemas.microsoft.com/office/drawing/2014/main" xmlns:p14="http://schemas.microsoft.com/office/powerpoint/2010/main" xmlns:a14="http://schemas.microsoft.com/office/drawing/2010/main" w="9525">
                     <a:solidFill>
                       <a:srgbClr val="000000"/>
                     </a:solidFill>
@@ -31986,7 +33366,7 @@
               </a:ln>
               <a:extLst>
                 <a:ext uri="{91240B29-F687-4f45-9708-019B960494DF}">
-                  <a14:hiddenLine xmlns:a14="http://schemas.microsoft.com/office/drawing/2010/main" xmlns:p14="http://schemas.microsoft.com/office/powerpoint/2010/main" xmlns:a16="http://schemas.microsoft.com/office/drawing/2014/main" xmlns="" w="9525">
+                  <a14:hiddenLine xmlns="" xmlns:a16="http://schemas.microsoft.com/office/drawing/2014/main" xmlns:p14="http://schemas.microsoft.com/office/powerpoint/2010/main" xmlns:a14="http://schemas.microsoft.com/office/drawing/2010/main" w="9525">
                     <a:solidFill>
                       <a:srgbClr val="000000"/>
                     </a:solidFill>
@@ -32042,7 +33422,7 @@
               </a:ln>
               <a:extLst>
                 <a:ext uri="{91240B29-F687-4f45-9708-019B960494DF}">
-                  <a14:hiddenLine xmlns:a14="http://schemas.microsoft.com/office/drawing/2010/main" xmlns:p14="http://schemas.microsoft.com/office/powerpoint/2010/main" xmlns:a16="http://schemas.microsoft.com/office/drawing/2014/main" xmlns="" w="9525">
+                  <a14:hiddenLine xmlns="" xmlns:a16="http://schemas.microsoft.com/office/drawing/2014/main" xmlns:p14="http://schemas.microsoft.com/office/powerpoint/2010/main" xmlns:a14="http://schemas.microsoft.com/office/drawing/2010/main" w="9525">
                     <a:solidFill>
                       <a:srgbClr val="000000"/>
                     </a:solidFill>
@@ -32129,7 +33509,7 @@
               </a:ln>
               <a:extLst>
                 <a:ext uri="{91240B29-F687-4f45-9708-019B960494DF}">
-                  <a14:hiddenLine xmlns:a14="http://schemas.microsoft.com/office/drawing/2010/main" xmlns:p14="http://schemas.microsoft.com/office/powerpoint/2010/main" xmlns:a16="http://schemas.microsoft.com/office/drawing/2014/main" xmlns="" w="9525">
+                  <a14:hiddenLine xmlns="" xmlns:a16="http://schemas.microsoft.com/office/drawing/2014/main" xmlns:p14="http://schemas.microsoft.com/office/powerpoint/2010/main" xmlns:a14="http://schemas.microsoft.com/office/drawing/2010/main" w="9525">
                     <a:solidFill>
                       <a:srgbClr val="000000"/>
                     </a:solidFill>
@@ -32241,7 +33621,7 @@
               </a:ln>
               <a:extLst>
                 <a:ext uri="{91240B29-F687-4f45-9708-019B960494DF}">
-                  <a14:hiddenLine xmlns:a14="http://schemas.microsoft.com/office/drawing/2010/main" xmlns:p14="http://schemas.microsoft.com/office/powerpoint/2010/main" xmlns:a16="http://schemas.microsoft.com/office/drawing/2014/main" xmlns="" w="9525">
+                  <a14:hiddenLine xmlns="" xmlns:a16="http://schemas.microsoft.com/office/drawing/2014/main" xmlns:p14="http://schemas.microsoft.com/office/powerpoint/2010/main" xmlns:a14="http://schemas.microsoft.com/office/drawing/2010/main" w="9525">
                     <a:solidFill>
                       <a:srgbClr val="000000"/>
                     </a:solidFill>
@@ -32325,7 +33705,7 @@
               </a:ln>
               <a:extLst>
                 <a:ext uri="{91240B29-F687-4f45-9708-019B960494DF}">
-                  <a14:hiddenLine xmlns:a14="http://schemas.microsoft.com/office/drawing/2010/main" xmlns:p14="http://schemas.microsoft.com/office/powerpoint/2010/main" xmlns:a16="http://schemas.microsoft.com/office/drawing/2014/main" xmlns="" w="9525">
+                  <a14:hiddenLine xmlns="" xmlns:a16="http://schemas.microsoft.com/office/drawing/2014/main" xmlns:p14="http://schemas.microsoft.com/office/powerpoint/2010/main" xmlns:a14="http://schemas.microsoft.com/office/drawing/2010/main" w="9525">
                     <a:solidFill>
                       <a:srgbClr val="000000"/>
                     </a:solidFill>
@@ -32437,7 +33817,7 @@
               </a:ln>
               <a:extLst>
                 <a:ext uri="{91240B29-F687-4f45-9708-019B960494DF}">
-                  <a14:hiddenLine xmlns:a14="http://schemas.microsoft.com/office/drawing/2010/main" xmlns:p14="http://schemas.microsoft.com/office/powerpoint/2010/main" xmlns:a16="http://schemas.microsoft.com/office/drawing/2014/main" xmlns="" w="9525">
+                  <a14:hiddenLine xmlns="" xmlns:a16="http://schemas.microsoft.com/office/drawing/2014/main" xmlns:p14="http://schemas.microsoft.com/office/powerpoint/2010/main" xmlns:a14="http://schemas.microsoft.com/office/drawing/2010/main" w="9525">
                     <a:solidFill>
                       <a:srgbClr val="000000"/>
                     </a:solidFill>
@@ -32524,7 +33904,7 @@
               </a:ln>
               <a:extLst>
                 <a:ext uri="{91240B29-F687-4f45-9708-019B960494DF}">
-                  <a14:hiddenLine xmlns:a14="http://schemas.microsoft.com/office/drawing/2010/main" xmlns:p14="http://schemas.microsoft.com/office/powerpoint/2010/main" xmlns:a16="http://schemas.microsoft.com/office/drawing/2014/main" xmlns="" w="9525">
+                  <a14:hiddenLine xmlns="" xmlns:a16="http://schemas.microsoft.com/office/drawing/2014/main" xmlns:p14="http://schemas.microsoft.com/office/powerpoint/2010/main" xmlns:a14="http://schemas.microsoft.com/office/drawing/2010/main" w="9525">
                     <a:solidFill>
                       <a:srgbClr val="000000"/>
                     </a:solidFill>
@@ -32608,7 +33988,7 @@
               </a:ln>
               <a:extLst>
                 <a:ext uri="{91240B29-F687-4f45-9708-019B960494DF}">
-                  <a14:hiddenLine xmlns:a14="http://schemas.microsoft.com/office/drawing/2010/main" xmlns:p14="http://schemas.microsoft.com/office/powerpoint/2010/main" xmlns:a16="http://schemas.microsoft.com/office/drawing/2014/main" xmlns="" w="9525">
+                  <a14:hiddenLine xmlns="" xmlns:a16="http://schemas.microsoft.com/office/drawing/2014/main" xmlns:p14="http://schemas.microsoft.com/office/powerpoint/2010/main" xmlns:a14="http://schemas.microsoft.com/office/drawing/2010/main" w="9525">
                     <a:solidFill>
                       <a:srgbClr val="000000"/>
                     </a:solidFill>
@@ -32720,7 +34100,7 @@
               </a:ln>
               <a:extLst>
                 <a:ext uri="{91240B29-F687-4f45-9708-019B960494DF}">
-                  <a14:hiddenLine xmlns:a14="http://schemas.microsoft.com/office/drawing/2010/main" xmlns:p14="http://schemas.microsoft.com/office/powerpoint/2010/main" xmlns:a16="http://schemas.microsoft.com/office/drawing/2014/main" xmlns="" w="9525">
+                  <a14:hiddenLine xmlns="" xmlns:a16="http://schemas.microsoft.com/office/drawing/2014/main" xmlns:p14="http://schemas.microsoft.com/office/powerpoint/2010/main" xmlns:a14="http://schemas.microsoft.com/office/drawing/2010/main" w="9525">
                     <a:solidFill>
                       <a:srgbClr val="000000"/>
                     </a:solidFill>
@@ -32832,7 +34212,7 @@
               </a:ln>
               <a:extLst>
                 <a:ext uri="{91240B29-F687-4f45-9708-019B960494DF}">
-                  <a14:hiddenLine xmlns:a14="http://schemas.microsoft.com/office/drawing/2010/main" xmlns:p14="http://schemas.microsoft.com/office/powerpoint/2010/main" xmlns:a16="http://schemas.microsoft.com/office/drawing/2014/main" xmlns="" w="9525">
+                  <a14:hiddenLine xmlns="" xmlns:a16="http://schemas.microsoft.com/office/drawing/2014/main" xmlns:p14="http://schemas.microsoft.com/office/powerpoint/2010/main" xmlns:a14="http://schemas.microsoft.com/office/drawing/2010/main" w="9525">
                     <a:solidFill>
                       <a:srgbClr val="000000"/>
                     </a:solidFill>
@@ -32919,7 +34299,7 @@
               </a:ln>
               <a:extLst>
                 <a:ext uri="{91240B29-F687-4f45-9708-019B960494DF}">
-                  <a14:hiddenLine xmlns:a14="http://schemas.microsoft.com/office/drawing/2010/main" xmlns:p14="http://schemas.microsoft.com/office/powerpoint/2010/main" xmlns:a16="http://schemas.microsoft.com/office/drawing/2014/main" xmlns="" w="9525">
+                  <a14:hiddenLine xmlns="" xmlns:a16="http://schemas.microsoft.com/office/drawing/2014/main" xmlns:p14="http://schemas.microsoft.com/office/powerpoint/2010/main" xmlns:a14="http://schemas.microsoft.com/office/drawing/2010/main" w="9525">
                     <a:solidFill>
                       <a:srgbClr val="000000"/>
                     </a:solidFill>
@@ -33061,7 +34441,7 @@
               </a:ln>
               <a:extLst>
                 <a:ext uri="{91240B29-F687-4f45-9708-019B960494DF}">
-                  <a14:hiddenLine xmlns:a14="http://schemas.microsoft.com/office/drawing/2010/main" xmlns:p14="http://schemas.microsoft.com/office/powerpoint/2010/main" xmlns:a16="http://schemas.microsoft.com/office/drawing/2014/main" xmlns="" w="9525">
+                  <a14:hiddenLine xmlns="" xmlns:a16="http://schemas.microsoft.com/office/drawing/2014/main" xmlns:p14="http://schemas.microsoft.com/office/powerpoint/2010/main" xmlns:a14="http://schemas.microsoft.com/office/drawing/2010/main" w="9525">
                     <a:solidFill>
                       <a:srgbClr val="000000"/>
                     </a:solidFill>
@@ -33193,7 +34573,7 @@
               </a:ln>
               <a:extLst>
                 <a:ext uri="{91240B29-F687-4f45-9708-019B960494DF}">
-                  <a14:hiddenLine xmlns:a14="http://schemas.microsoft.com/office/drawing/2010/main" xmlns:p14="http://schemas.microsoft.com/office/powerpoint/2010/main" xmlns:a16="http://schemas.microsoft.com/office/drawing/2014/main" xmlns="" w="9525">
+                  <a14:hiddenLine xmlns="" xmlns:a16="http://schemas.microsoft.com/office/drawing/2014/main" xmlns:p14="http://schemas.microsoft.com/office/powerpoint/2010/main" xmlns:a14="http://schemas.microsoft.com/office/drawing/2010/main" w="9525">
                     <a:solidFill>
                       <a:srgbClr val="000000"/>
                     </a:solidFill>
@@ -33330,7 +34710,7 @@
               </a:ln>
               <a:extLst>
                 <a:ext uri="{91240B29-F687-4f45-9708-019B960494DF}">
-                  <a14:hiddenLine xmlns:a14="http://schemas.microsoft.com/office/drawing/2010/main" xmlns:p14="http://schemas.microsoft.com/office/powerpoint/2010/main" xmlns:a16="http://schemas.microsoft.com/office/drawing/2014/main" xmlns="" w="9525">
+                  <a14:hiddenLine xmlns="" xmlns:a16="http://schemas.microsoft.com/office/drawing/2014/main" xmlns:p14="http://schemas.microsoft.com/office/powerpoint/2010/main" xmlns:a14="http://schemas.microsoft.com/office/drawing/2010/main" w="9525">
                     <a:solidFill>
                       <a:srgbClr val="000000"/>
                     </a:solidFill>
@@ -33442,7 +34822,7 @@
               </a:ln>
               <a:extLst>
                 <a:ext uri="{91240B29-F687-4f45-9708-019B960494DF}">
-                  <a14:hiddenLine xmlns:a14="http://schemas.microsoft.com/office/drawing/2010/main" xmlns:p14="http://schemas.microsoft.com/office/powerpoint/2010/main" xmlns:a16="http://schemas.microsoft.com/office/drawing/2014/main" xmlns="" w="9525">
+                  <a14:hiddenLine xmlns="" xmlns:a16="http://schemas.microsoft.com/office/drawing/2014/main" xmlns:p14="http://schemas.microsoft.com/office/powerpoint/2010/main" xmlns:a14="http://schemas.microsoft.com/office/drawing/2010/main" w="9525">
                     <a:solidFill>
                       <a:srgbClr val="000000"/>
                     </a:solidFill>
@@ -33529,7 +34909,7 @@
               </a:ln>
               <a:extLst>
                 <a:ext uri="{91240B29-F687-4f45-9708-019B960494DF}">
-                  <a14:hiddenLine xmlns:a14="http://schemas.microsoft.com/office/drawing/2010/main" xmlns:p14="http://schemas.microsoft.com/office/powerpoint/2010/main" xmlns:a16="http://schemas.microsoft.com/office/drawing/2014/main" xmlns="" w="9525">
+                  <a14:hiddenLine xmlns="" xmlns:a16="http://schemas.microsoft.com/office/drawing/2014/main" xmlns:p14="http://schemas.microsoft.com/office/powerpoint/2010/main" xmlns:a14="http://schemas.microsoft.com/office/drawing/2010/main" w="9525">
                     <a:solidFill>
                       <a:srgbClr val="000000"/>
                     </a:solidFill>
@@ -33641,7 +35021,7 @@
               </a:ln>
               <a:extLst>
                 <a:ext uri="{91240B29-F687-4f45-9708-019B960494DF}">
-                  <a14:hiddenLine xmlns:a14="http://schemas.microsoft.com/office/drawing/2010/main" xmlns:p14="http://schemas.microsoft.com/office/powerpoint/2010/main" xmlns:a16="http://schemas.microsoft.com/office/drawing/2014/main" xmlns="" w="9525">
+                  <a14:hiddenLine xmlns="" xmlns:a16="http://schemas.microsoft.com/office/drawing/2014/main" xmlns:p14="http://schemas.microsoft.com/office/powerpoint/2010/main" xmlns:a14="http://schemas.microsoft.com/office/drawing/2010/main" w="9525">
                     <a:solidFill>
                       <a:srgbClr val="000000"/>
                     </a:solidFill>
@@ -33731,7 +35111,7 @@
               </a:ln>
               <a:extLst>
                 <a:ext uri="{91240B29-F687-4f45-9708-019B960494DF}">
-                  <a14:hiddenLine xmlns:a14="http://schemas.microsoft.com/office/drawing/2010/main" xmlns:p14="http://schemas.microsoft.com/office/powerpoint/2010/main" xmlns:a16="http://schemas.microsoft.com/office/drawing/2014/main" xmlns="" w="9525">
+                  <a14:hiddenLine xmlns="" xmlns:a16="http://schemas.microsoft.com/office/drawing/2014/main" xmlns:p14="http://schemas.microsoft.com/office/powerpoint/2010/main" xmlns:a14="http://schemas.microsoft.com/office/drawing/2010/main" w="9525">
                     <a:solidFill>
                       <a:srgbClr val="000000"/>
                     </a:solidFill>
@@ -33843,7 +35223,7 @@
               </a:ln>
               <a:extLst>
                 <a:ext uri="{91240B29-F687-4f45-9708-019B960494DF}">
-                  <a14:hiddenLine xmlns:a14="http://schemas.microsoft.com/office/drawing/2010/main" xmlns:p14="http://schemas.microsoft.com/office/powerpoint/2010/main" xmlns:a16="http://schemas.microsoft.com/office/drawing/2014/main" xmlns="" w="9525">
+                  <a14:hiddenLine xmlns="" xmlns:a16="http://schemas.microsoft.com/office/drawing/2014/main" xmlns:p14="http://schemas.microsoft.com/office/powerpoint/2010/main" xmlns:a14="http://schemas.microsoft.com/office/drawing/2010/main" w="9525">
                     <a:solidFill>
                       <a:srgbClr val="000000"/>
                     </a:solidFill>
@@ -33933,7 +35313,7 @@
               </a:ln>
               <a:extLst>
                 <a:ext uri="{91240B29-F687-4f45-9708-019B960494DF}">
-                  <a14:hiddenLine xmlns:a14="http://schemas.microsoft.com/office/drawing/2010/main" xmlns:p14="http://schemas.microsoft.com/office/powerpoint/2010/main" xmlns:a16="http://schemas.microsoft.com/office/drawing/2014/main" xmlns="" w="9525">
+                  <a14:hiddenLine xmlns="" xmlns:a16="http://schemas.microsoft.com/office/drawing/2014/main" xmlns:p14="http://schemas.microsoft.com/office/powerpoint/2010/main" xmlns:a14="http://schemas.microsoft.com/office/drawing/2010/main" w="9525">
                     <a:solidFill>
                       <a:srgbClr val="000000"/>
                     </a:solidFill>
@@ -34045,7 +35425,7 @@
               </a:ln>
               <a:extLst>
                 <a:ext uri="{91240B29-F687-4f45-9708-019B960494DF}">
-                  <a14:hiddenLine xmlns:a14="http://schemas.microsoft.com/office/drawing/2010/main" xmlns:p14="http://schemas.microsoft.com/office/powerpoint/2010/main" xmlns:a16="http://schemas.microsoft.com/office/drawing/2014/main" xmlns="" w="9525">
+                  <a14:hiddenLine xmlns="" xmlns:a16="http://schemas.microsoft.com/office/drawing/2014/main" xmlns:p14="http://schemas.microsoft.com/office/powerpoint/2010/main" xmlns:a14="http://schemas.microsoft.com/office/drawing/2010/main" w="9525">
                     <a:solidFill>
                       <a:srgbClr val="000000"/>
                     </a:solidFill>
@@ -34101,7 +35481,7 @@
               </a:ln>
               <a:extLst>
                 <a:ext uri="{91240B29-F687-4f45-9708-019B960494DF}">
-                  <a14:hiddenLine xmlns:a14="http://schemas.microsoft.com/office/drawing/2010/main" xmlns:p14="http://schemas.microsoft.com/office/powerpoint/2010/main" xmlns:a16="http://schemas.microsoft.com/office/drawing/2014/main" xmlns="" w="9525">
+                  <a14:hiddenLine xmlns="" xmlns:a16="http://schemas.microsoft.com/office/drawing/2014/main" xmlns:p14="http://schemas.microsoft.com/office/powerpoint/2010/main" xmlns:a14="http://schemas.microsoft.com/office/drawing/2010/main" w="9525">
                     <a:solidFill>
                       <a:srgbClr val="000000"/>
                     </a:solidFill>
@@ -34170,7 +35550,7 @@
           <a:noFill/>
           <a:extLst>
             <a:ext uri="{909E8E84-426E-40dd-AFC4-6F175D3DCCD1}">
-              <a14:hiddenFill xmlns:a14="http://schemas.microsoft.com/office/drawing/2010/main" xmlns:p14="http://schemas.microsoft.com/office/powerpoint/2010/main" xmlns:a16="http://schemas.microsoft.com/office/drawing/2014/main" xmlns="">
+              <a14:hiddenFill xmlns="" xmlns:a16="http://schemas.microsoft.com/office/drawing/2014/main" xmlns:p14="http://schemas.microsoft.com/office/powerpoint/2010/main" xmlns:a14="http://schemas.microsoft.com/office/drawing/2010/main">
                 <a:solidFill>
                   <a:srgbClr val="FFFFFF"/>
                 </a:solidFill>
@@ -35004,7 +36384,7 @@
           <a:noFill/>
           <a:extLst>
             <a:ext uri="{909E8E84-426E-40dd-AFC4-6F175D3DCCD1}">
-              <a14:hiddenFill xmlns:a14="http://schemas.microsoft.com/office/drawing/2010/main" xmlns:p14="http://schemas.microsoft.com/office/powerpoint/2010/main" xmlns:a16="http://schemas.microsoft.com/office/drawing/2014/main" xmlns="">
+              <a14:hiddenFill xmlns="" xmlns:a16="http://schemas.microsoft.com/office/drawing/2014/main" xmlns:p14="http://schemas.microsoft.com/office/powerpoint/2010/main" xmlns:a14="http://schemas.microsoft.com/office/drawing/2010/main">
                 <a:solidFill>
                   <a:srgbClr val="FFFFFF"/>
                 </a:solidFill>
@@ -35195,7 +36575,7 @@
             </a:ln>
             <a:extLst>
               <a:ext uri="{91240B29-F687-4f45-9708-019B960494DF}">
-                <a14:hiddenLine xmlns:a14="http://schemas.microsoft.com/office/drawing/2010/main" xmlns:p14="http://schemas.microsoft.com/office/powerpoint/2010/main" xmlns:a16="http://schemas.microsoft.com/office/drawing/2014/main" xmlns="" w="9525">
+                <a14:hiddenLine xmlns="" xmlns:a16="http://schemas.microsoft.com/office/drawing/2014/main" xmlns:p14="http://schemas.microsoft.com/office/powerpoint/2010/main" xmlns:a14="http://schemas.microsoft.com/office/drawing/2010/main" w="9525">
                   <a:solidFill>
                     <a:srgbClr val="000000"/>
                   </a:solidFill>
@@ -35307,7 +36687,7 @@
             </a:ln>
             <a:extLst>
               <a:ext uri="{91240B29-F687-4f45-9708-019B960494DF}">
-                <a14:hiddenLine xmlns:a14="http://schemas.microsoft.com/office/drawing/2010/main" xmlns:p14="http://schemas.microsoft.com/office/powerpoint/2010/main" xmlns:a16="http://schemas.microsoft.com/office/drawing/2014/main" xmlns="" w="9525">
+                <a14:hiddenLine xmlns="" xmlns:a16="http://schemas.microsoft.com/office/drawing/2014/main" xmlns:p14="http://schemas.microsoft.com/office/powerpoint/2010/main" xmlns:a14="http://schemas.microsoft.com/office/drawing/2010/main" w="9525">
                   <a:solidFill>
                     <a:srgbClr val="000000"/>
                   </a:solidFill>
@@ -35419,7 +36799,7 @@
             </a:ln>
             <a:extLst>
               <a:ext uri="{91240B29-F687-4f45-9708-019B960494DF}">
-                <a14:hiddenLine xmlns:a14="http://schemas.microsoft.com/office/drawing/2010/main" xmlns:p14="http://schemas.microsoft.com/office/powerpoint/2010/main" xmlns:a16="http://schemas.microsoft.com/office/drawing/2014/main" xmlns="" w="9525">
+                <a14:hiddenLine xmlns="" xmlns:a16="http://schemas.microsoft.com/office/drawing/2014/main" xmlns:p14="http://schemas.microsoft.com/office/powerpoint/2010/main" xmlns:a14="http://schemas.microsoft.com/office/drawing/2010/main" w="9525">
                   <a:solidFill>
                     <a:srgbClr val="000000"/>
                   </a:solidFill>
@@ -35503,7 +36883,7 @@
             </a:ln>
             <a:extLst>
               <a:ext uri="{91240B29-F687-4f45-9708-019B960494DF}">
-                <a14:hiddenLine xmlns:a14="http://schemas.microsoft.com/office/drawing/2010/main" xmlns:p14="http://schemas.microsoft.com/office/powerpoint/2010/main" xmlns:a16="http://schemas.microsoft.com/office/drawing/2014/main" xmlns="" w="9525">
+                <a14:hiddenLine xmlns="" xmlns:a16="http://schemas.microsoft.com/office/drawing/2014/main" xmlns:p14="http://schemas.microsoft.com/office/powerpoint/2010/main" xmlns:a14="http://schemas.microsoft.com/office/drawing/2010/main" w="9525">
                   <a:solidFill>
                     <a:srgbClr val="000000"/>
                   </a:solidFill>
@@ -35615,7 +36995,7 @@
             </a:ln>
             <a:extLst>
               <a:ext uri="{91240B29-F687-4f45-9708-019B960494DF}">
-                <a14:hiddenLine xmlns:a14="http://schemas.microsoft.com/office/drawing/2010/main" xmlns:p14="http://schemas.microsoft.com/office/powerpoint/2010/main" xmlns:a16="http://schemas.microsoft.com/office/drawing/2014/main" xmlns="" w="9525">
+                <a14:hiddenLine xmlns="" xmlns:a16="http://schemas.microsoft.com/office/drawing/2014/main" xmlns:p14="http://schemas.microsoft.com/office/powerpoint/2010/main" xmlns:a14="http://schemas.microsoft.com/office/drawing/2010/main" w="9525">
                   <a:solidFill>
                     <a:srgbClr val="000000"/>
                   </a:solidFill>
@@ -35699,7 +37079,7 @@
             </a:ln>
             <a:extLst>
               <a:ext uri="{91240B29-F687-4f45-9708-019B960494DF}">
-                <a14:hiddenLine xmlns:a14="http://schemas.microsoft.com/office/drawing/2010/main" xmlns:p14="http://schemas.microsoft.com/office/powerpoint/2010/main" xmlns:a16="http://schemas.microsoft.com/office/drawing/2014/main" xmlns="" w="9525">
+                <a14:hiddenLine xmlns="" xmlns:a16="http://schemas.microsoft.com/office/drawing/2014/main" xmlns:p14="http://schemas.microsoft.com/office/powerpoint/2010/main" xmlns:a14="http://schemas.microsoft.com/office/drawing/2010/main" w="9525">
                   <a:solidFill>
                     <a:srgbClr val="000000"/>
                   </a:solidFill>
@@ -35783,7 +37163,7 @@
             </a:ln>
             <a:extLst>
               <a:ext uri="{91240B29-F687-4f45-9708-019B960494DF}">
-                <a14:hiddenLine xmlns:a14="http://schemas.microsoft.com/office/drawing/2010/main" xmlns:p14="http://schemas.microsoft.com/office/powerpoint/2010/main" xmlns:a16="http://schemas.microsoft.com/office/drawing/2014/main" xmlns="" w="9525">
+                <a14:hiddenLine xmlns="" xmlns:a16="http://schemas.microsoft.com/office/drawing/2014/main" xmlns:p14="http://schemas.microsoft.com/office/powerpoint/2010/main" xmlns:a14="http://schemas.microsoft.com/office/drawing/2010/main" w="9525">
                   <a:solidFill>
                     <a:srgbClr val="000000"/>
                   </a:solidFill>
@@ -35895,7 +37275,7 @@
             </a:ln>
             <a:extLst>
               <a:ext uri="{91240B29-F687-4f45-9708-019B960494DF}">
-                <a14:hiddenLine xmlns:a14="http://schemas.microsoft.com/office/drawing/2010/main" xmlns:p14="http://schemas.microsoft.com/office/powerpoint/2010/main" xmlns:a16="http://schemas.microsoft.com/office/drawing/2014/main" xmlns="" w="9525">
+                <a14:hiddenLine xmlns="" xmlns:a16="http://schemas.microsoft.com/office/drawing/2014/main" xmlns:p14="http://schemas.microsoft.com/office/powerpoint/2010/main" xmlns:a14="http://schemas.microsoft.com/office/drawing/2010/main" w="9525">
                   <a:solidFill>
                     <a:srgbClr val="000000"/>
                   </a:solidFill>
@@ -36007,7 +37387,7 @@
             </a:ln>
             <a:extLst>
               <a:ext uri="{91240B29-F687-4f45-9708-019B960494DF}">
-                <a14:hiddenLine xmlns:a14="http://schemas.microsoft.com/office/drawing/2010/main" xmlns:p14="http://schemas.microsoft.com/office/powerpoint/2010/main" xmlns:a16="http://schemas.microsoft.com/office/drawing/2014/main" xmlns="" w="9525">
+                <a14:hiddenLine xmlns="" xmlns:a16="http://schemas.microsoft.com/office/drawing/2014/main" xmlns:p14="http://schemas.microsoft.com/office/powerpoint/2010/main" xmlns:a14="http://schemas.microsoft.com/office/drawing/2010/main" w="9525">
                   <a:solidFill>
                     <a:srgbClr val="000000"/>
                   </a:solidFill>
@@ -36091,7 +37471,7 @@
             </a:ln>
             <a:extLst>
               <a:ext uri="{91240B29-F687-4f45-9708-019B960494DF}">
-                <a14:hiddenLine xmlns:a14="http://schemas.microsoft.com/office/drawing/2010/main" xmlns:p14="http://schemas.microsoft.com/office/powerpoint/2010/main" xmlns:a16="http://schemas.microsoft.com/office/drawing/2014/main" xmlns="" w="9525">
+                <a14:hiddenLine xmlns="" xmlns:a16="http://schemas.microsoft.com/office/drawing/2014/main" xmlns:p14="http://schemas.microsoft.com/office/powerpoint/2010/main" xmlns:a14="http://schemas.microsoft.com/office/drawing/2010/main" w="9525">
                   <a:solidFill>
                     <a:srgbClr val="000000"/>
                   </a:solidFill>
@@ -36223,7 +37603,7 @@
             </a:ln>
             <a:extLst>
               <a:ext uri="{91240B29-F687-4f45-9708-019B960494DF}">
-                <a14:hiddenLine xmlns:a14="http://schemas.microsoft.com/office/drawing/2010/main" xmlns:p14="http://schemas.microsoft.com/office/powerpoint/2010/main" xmlns:a16="http://schemas.microsoft.com/office/drawing/2014/main" xmlns="" w="9525">
+                <a14:hiddenLine xmlns="" xmlns:a16="http://schemas.microsoft.com/office/drawing/2014/main" xmlns:p14="http://schemas.microsoft.com/office/powerpoint/2010/main" xmlns:a14="http://schemas.microsoft.com/office/drawing/2010/main" w="9525">
                   <a:solidFill>
                     <a:srgbClr val="000000"/>
                   </a:solidFill>
@@ -36351,7 +37731,7 @@
             </a:ln>
             <a:extLst>
               <a:ext uri="{91240B29-F687-4f45-9708-019B960494DF}">
-                <a14:hiddenLine xmlns:a14="http://schemas.microsoft.com/office/drawing/2010/main" xmlns:p14="http://schemas.microsoft.com/office/powerpoint/2010/main" xmlns:a16="http://schemas.microsoft.com/office/drawing/2014/main" xmlns="" w="9525">
+                <a14:hiddenLine xmlns="" xmlns:a16="http://schemas.microsoft.com/office/drawing/2014/main" xmlns:p14="http://schemas.microsoft.com/office/powerpoint/2010/main" xmlns:a14="http://schemas.microsoft.com/office/drawing/2010/main" w="9525">
                   <a:solidFill>
                     <a:srgbClr val="000000"/>
                   </a:solidFill>
@@ -36435,7 +37815,7 @@
             </a:ln>
             <a:extLst>
               <a:ext uri="{91240B29-F687-4f45-9708-019B960494DF}">
-                <a14:hiddenLine xmlns:a14="http://schemas.microsoft.com/office/drawing/2010/main" xmlns:p14="http://schemas.microsoft.com/office/powerpoint/2010/main" xmlns:a16="http://schemas.microsoft.com/office/drawing/2014/main" xmlns="" w="9525">
+                <a14:hiddenLine xmlns="" xmlns:a16="http://schemas.microsoft.com/office/drawing/2014/main" xmlns:p14="http://schemas.microsoft.com/office/powerpoint/2010/main" xmlns:a14="http://schemas.microsoft.com/office/drawing/2010/main" w="9525">
                   <a:solidFill>
                     <a:srgbClr val="000000"/>
                   </a:solidFill>
@@ -36519,7 +37899,7 @@
             </a:ln>
             <a:extLst>
               <a:ext uri="{91240B29-F687-4f45-9708-019B960494DF}">
-                <a14:hiddenLine xmlns:a14="http://schemas.microsoft.com/office/drawing/2010/main" xmlns:p14="http://schemas.microsoft.com/office/powerpoint/2010/main" xmlns:a16="http://schemas.microsoft.com/office/drawing/2014/main" xmlns="" w="9525">
+                <a14:hiddenLine xmlns="" xmlns:a16="http://schemas.microsoft.com/office/drawing/2014/main" xmlns:p14="http://schemas.microsoft.com/office/powerpoint/2010/main" xmlns:a14="http://schemas.microsoft.com/office/drawing/2010/main" w="9525">
                   <a:solidFill>
                     <a:srgbClr val="000000"/>
                   </a:solidFill>
@@ -36631,7 +38011,7 @@
             </a:ln>
             <a:extLst>
               <a:ext uri="{91240B29-F687-4f45-9708-019B960494DF}">
-                <a14:hiddenLine xmlns:a14="http://schemas.microsoft.com/office/drawing/2010/main" xmlns:p14="http://schemas.microsoft.com/office/powerpoint/2010/main" xmlns:a16="http://schemas.microsoft.com/office/drawing/2014/main" xmlns="" w="9525">
+                <a14:hiddenLine xmlns="" xmlns:a16="http://schemas.microsoft.com/office/drawing/2014/main" xmlns:p14="http://schemas.microsoft.com/office/powerpoint/2010/main" xmlns:a14="http://schemas.microsoft.com/office/drawing/2010/main" w="9525">
                   <a:solidFill>
                     <a:srgbClr val="000000"/>
                   </a:solidFill>
@@ -36687,7 +38067,7 @@
             </a:ln>
             <a:extLst>
               <a:ext uri="{91240B29-F687-4f45-9708-019B960494DF}">
-                <a14:hiddenLine xmlns:a14="http://schemas.microsoft.com/office/drawing/2010/main" xmlns:p14="http://schemas.microsoft.com/office/powerpoint/2010/main" xmlns:a16="http://schemas.microsoft.com/office/drawing/2014/main" xmlns="" w="9525">
+                <a14:hiddenLine xmlns="" xmlns:a16="http://schemas.microsoft.com/office/drawing/2014/main" xmlns:p14="http://schemas.microsoft.com/office/powerpoint/2010/main" xmlns:a14="http://schemas.microsoft.com/office/drawing/2010/main" w="9525">
                   <a:solidFill>
                     <a:srgbClr val="000000"/>
                   </a:solidFill>
@@ -36774,7 +38154,7 @@
             </a:ln>
             <a:extLst>
               <a:ext uri="{91240B29-F687-4f45-9708-019B960494DF}">
-                <a14:hiddenLine xmlns:a14="http://schemas.microsoft.com/office/drawing/2010/main" xmlns:p14="http://schemas.microsoft.com/office/powerpoint/2010/main" xmlns:a16="http://schemas.microsoft.com/office/drawing/2014/main" xmlns="" w="9525">
+                <a14:hiddenLine xmlns="" xmlns:a16="http://schemas.microsoft.com/office/drawing/2014/main" xmlns:p14="http://schemas.microsoft.com/office/powerpoint/2010/main" xmlns:a14="http://schemas.microsoft.com/office/drawing/2010/main" w="9525">
                   <a:solidFill>
                     <a:srgbClr val="000000"/>
                   </a:solidFill>
@@ -36886,7 +38266,7 @@
             </a:ln>
             <a:extLst>
               <a:ext uri="{91240B29-F687-4f45-9708-019B960494DF}">
-                <a14:hiddenLine xmlns:a14="http://schemas.microsoft.com/office/drawing/2010/main" xmlns:p14="http://schemas.microsoft.com/office/powerpoint/2010/main" xmlns:a16="http://schemas.microsoft.com/office/drawing/2014/main" xmlns="" w="9525">
+                <a14:hiddenLine xmlns="" xmlns:a16="http://schemas.microsoft.com/office/drawing/2014/main" xmlns:p14="http://schemas.microsoft.com/office/powerpoint/2010/main" xmlns:a14="http://schemas.microsoft.com/office/drawing/2010/main" w="9525">
                   <a:solidFill>
                     <a:srgbClr val="000000"/>
                   </a:solidFill>
@@ -36970,7 +38350,7 @@
             </a:ln>
             <a:extLst>
               <a:ext uri="{91240B29-F687-4f45-9708-019B960494DF}">
-                <a14:hiddenLine xmlns:a14="http://schemas.microsoft.com/office/drawing/2010/main" xmlns:p14="http://schemas.microsoft.com/office/powerpoint/2010/main" xmlns:a16="http://schemas.microsoft.com/office/drawing/2014/main" xmlns="" w="9525">
+                <a14:hiddenLine xmlns="" xmlns:a16="http://schemas.microsoft.com/office/drawing/2014/main" xmlns:p14="http://schemas.microsoft.com/office/powerpoint/2010/main" xmlns:a14="http://schemas.microsoft.com/office/drawing/2010/main" w="9525">
                   <a:solidFill>
                     <a:srgbClr val="000000"/>
                   </a:solidFill>
@@ -37082,7 +38462,7 @@
             </a:ln>
             <a:extLst>
               <a:ext uri="{91240B29-F687-4f45-9708-019B960494DF}">
-                <a14:hiddenLine xmlns:a14="http://schemas.microsoft.com/office/drawing/2010/main" xmlns:p14="http://schemas.microsoft.com/office/powerpoint/2010/main" xmlns:a16="http://schemas.microsoft.com/office/drawing/2014/main" xmlns="" w="9525">
+                <a14:hiddenLine xmlns="" xmlns:a16="http://schemas.microsoft.com/office/drawing/2014/main" xmlns:p14="http://schemas.microsoft.com/office/powerpoint/2010/main" xmlns:a14="http://schemas.microsoft.com/office/drawing/2010/main" w="9525">
                   <a:solidFill>
                     <a:srgbClr val="000000"/>
                   </a:solidFill>
@@ -37169,7 +38549,7 @@
             </a:ln>
             <a:extLst>
               <a:ext uri="{91240B29-F687-4f45-9708-019B960494DF}">
-                <a14:hiddenLine xmlns:a14="http://schemas.microsoft.com/office/drawing/2010/main" xmlns:p14="http://schemas.microsoft.com/office/powerpoint/2010/main" xmlns:a16="http://schemas.microsoft.com/office/drawing/2014/main" xmlns="" w="9525">
+                <a14:hiddenLine xmlns="" xmlns:a16="http://schemas.microsoft.com/office/drawing/2014/main" xmlns:p14="http://schemas.microsoft.com/office/powerpoint/2010/main" xmlns:a14="http://schemas.microsoft.com/office/drawing/2010/main" w="9525">
                   <a:solidFill>
                     <a:srgbClr val="000000"/>
                   </a:solidFill>
@@ -37253,7 +38633,7 @@
             </a:ln>
             <a:extLst>
               <a:ext uri="{91240B29-F687-4f45-9708-019B960494DF}">
-                <a14:hiddenLine xmlns:a14="http://schemas.microsoft.com/office/drawing/2010/main" xmlns:p14="http://schemas.microsoft.com/office/powerpoint/2010/main" xmlns:a16="http://schemas.microsoft.com/office/drawing/2014/main" xmlns="" w="9525">
+                <a14:hiddenLine xmlns="" xmlns:a16="http://schemas.microsoft.com/office/drawing/2014/main" xmlns:p14="http://schemas.microsoft.com/office/powerpoint/2010/main" xmlns:a14="http://schemas.microsoft.com/office/drawing/2010/main" w="9525">
                   <a:solidFill>
                     <a:srgbClr val="000000"/>
                   </a:solidFill>
@@ -37365,7 +38745,7 @@
             </a:ln>
             <a:extLst>
               <a:ext uri="{91240B29-F687-4f45-9708-019B960494DF}">
-                <a14:hiddenLine xmlns:a14="http://schemas.microsoft.com/office/drawing/2010/main" xmlns:p14="http://schemas.microsoft.com/office/powerpoint/2010/main" xmlns:a16="http://schemas.microsoft.com/office/drawing/2014/main" xmlns="" w="9525">
+                <a14:hiddenLine xmlns="" xmlns:a16="http://schemas.microsoft.com/office/drawing/2014/main" xmlns:p14="http://schemas.microsoft.com/office/powerpoint/2010/main" xmlns:a14="http://schemas.microsoft.com/office/drawing/2010/main" w="9525">
                   <a:solidFill>
                     <a:srgbClr val="000000"/>
                   </a:solidFill>
@@ -37477,7 +38857,7 @@
             </a:ln>
             <a:extLst>
               <a:ext uri="{91240B29-F687-4f45-9708-019B960494DF}">
-                <a14:hiddenLine xmlns:a14="http://schemas.microsoft.com/office/drawing/2010/main" xmlns:p14="http://schemas.microsoft.com/office/powerpoint/2010/main" xmlns:a16="http://schemas.microsoft.com/office/drawing/2014/main" xmlns="" w="9525">
+                <a14:hiddenLine xmlns="" xmlns:a16="http://schemas.microsoft.com/office/drawing/2014/main" xmlns:p14="http://schemas.microsoft.com/office/powerpoint/2010/main" xmlns:a14="http://schemas.microsoft.com/office/drawing/2010/main" w="9525">
                   <a:solidFill>
                     <a:srgbClr val="000000"/>
                   </a:solidFill>
@@ -37564,7 +38944,7 @@
             </a:ln>
             <a:extLst>
               <a:ext uri="{91240B29-F687-4f45-9708-019B960494DF}">
-                <a14:hiddenLine xmlns:a14="http://schemas.microsoft.com/office/drawing/2010/main" xmlns:p14="http://schemas.microsoft.com/office/powerpoint/2010/main" xmlns:a16="http://schemas.microsoft.com/office/drawing/2014/main" xmlns="" w="9525">
+                <a14:hiddenLine xmlns="" xmlns:a16="http://schemas.microsoft.com/office/drawing/2014/main" xmlns:p14="http://schemas.microsoft.com/office/powerpoint/2010/main" xmlns:a14="http://schemas.microsoft.com/office/drawing/2010/main" w="9525">
                   <a:solidFill>
                     <a:srgbClr val="000000"/>
                   </a:solidFill>
@@ -37706,7 +39086,7 @@
             </a:ln>
             <a:extLst>
               <a:ext uri="{91240B29-F687-4f45-9708-019B960494DF}">
-                <a14:hiddenLine xmlns:a14="http://schemas.microsoft.com/office/drawing/2010/main" xmlns:p14="http://schemas.microsoft.com/office/powerpoint/2010/main" xmlns:a16="http://schemas.microsoft.com/office/drawing/2014/main" xmlns="" w="9525">
+                <a14:hiddenLine xmlns="" xmlns:a16="http://schemas.microsoft.com/office/drawing/2014/main" xmlns:p14="http://schemas.microsoft.com/office/powerpoint/2010/main" xmlns:a14="http://schemas.microsoft.com/office/drawing/2010/main" w="9525">
                   <a:solidFill>
                     <a:srgbClr val="000000"/>
                   </a:solidFill>
@@ -38805,6 +40185,208 @@
             <p:ph type="title"/>
           </p:nvPr>
         </p:nvSpPr>
+        <p:spPr>
+          <a:xfrm>
+            <a:off x="1141413" y="207818"/>
+            <a:ext cx="9905998" cy="1513022"/>
+          </a:xfrm>
+        </p:spPr>
+        <p:txBody>
+          <a:bodyPr/>
+          <a:lstStyle/>
+          <a:p>
+            <a:r>
+              <a:rPr lang="en-GB" dirty="0"/>
+              <a:t>Random Forest</a:t>
+            </a:r>
+          </a:p>
+        </p:txBody>
+      </p:sp>
+      <p:graphicFrame>
+        <p:nvGraphicFramePr>
+          <p:cNvPr id="11" name="Content Placeholder 10">
+            <a:extLst>
+              <a:ext uri="{FF2B5EF4-FFF2-40B4-BE49-F238E27FC236}">
+                <a16:creationId xmlns:a16="http://schemas.microsoft.com/office/drawing/2014/main" id="{D5CBCAD1-7725-E7D1-76A0-E1A019A492E0}"/>
+              </a:ext>
+            </a:extLst>
+          </p:cNvPr>
+          <p:cNvGraphicFramePr>
+            <a:graphicFrameLocks noGrp="1"/>
+          </p:cNvGraphicFramePr>
+          <p:nvPr>
+            <p:ph idx="1"/>
+          </p:nvPr>
+        </p:nvGraphicFramePr>
+        <p:xfrm>
+          <a:off x="6539345" y="1524000"/>
+          <a:ext cx="5389419" cy="5126182"/>
+        </p:xfrm>
+        <a:graphic>
+          <a:graphicData uri="http://schemas.openxmlformats.org/drawingml/2006/chart">
+            <c:chart xmlns:c="http://schemas.openxmlformats.org/drawingml/2006/chart" xmlns:r="http://schemas.openxmlformats.org/officeDocument/2006/relationships" r:id="rId2"/>
+          </a:graphicData>
+        </a:graphic>
+      </p:graphicFrame>
+      <p:sp>
+        <p:nvSpPr>
+          <p:cNvPr id="15" name="TextBox 14">
+            <a:extLst>
+              <a:ext uri="{FF2B5EF4-FFF2-40B4-BE49-F238E27FC236}">
+                <a16:creationId xmlns:a16="http://schemas.microsoft.com/office/drawing/2014/main" id="{CB893457-AE5F-2285-3EDA-5C017BB7572A}"/>
+              </a:ext>
+            </a:extLst>
+          </p:cNvPr>
+          <p:cNvSpPr txBox="1"/>
+          <p:nvPr/>
+        </p:nvSpPr>
+        <p:spPr>
+          <a:xfrm>
+            <a:off x="649576" y="1270935"/>
+            <a:ext cx="5113916" cy="5078313"/>
+          </a:xfrm>
+          <a:prstGeom prst="rect">
+            <a:avLst/>
+          </a:prstGeom>
+          <a:noFill/>
+        </p:spPr>
+        <p:txBody>
+          <a:bodyPr wrap="square" rtlCol="0">
+            <a:spAutoFit/>
+          </a:bodyPr>
+          <a:lstStyle/>
+          <a:p>
+            <a:pPr algn="just"/>
+            <a:r>
+              <a:rPr lang="en-US" dirty="0"/>
+              <a:t>Baseline accuracy - </a:t>
+            </a:r>
+            <a:r>
+              <a:rPr lang="en-GB" b="0" i="0" dirty="0">
+                <a:solidFill>
+                  <a:srgbClr val="ECECEC"/>
+                </a:solidFill>
+                <a:effectLst/>
+              </a:rPr>
+              <a:t>The baseline accuracy suggests that the initial model, without any optimization, correctly classifies approximately 62% of the credit card applications in the test dataset</a:t>
+            </a:r>
+            <a:r>
+              <a:rPr lang="en-GB" b="0" i="0" dirty="0">
+                <a:solidFill>
+                  <a:srgbClr val="ECECEC"/>
+                </a:solidFill>
+                <a:effectLst/>
+                <a:latin typeface="Söhne"/>
+              </a:rPr>
+              <a:t>.</a:t>
+            </a:r>
+          </a:p>
+          <a:p>
+            <a:pPr algn="just"/>
+            <a:endParaRPr lang="en-GB" dirty="0">
+              <a:solidFill>
+                <a:srgbClr val="ECECEC"/>
+              </a:solidFill>
+              <a:latin typeface="Söhne"/>
+            </a:endParaRPr>
+          </a:p>
+          <a:p>
+            <a:pPr algn="just"/>
+            <a:r>
+              <a:rPr lang="en-GB" dirty="0">
+                <a:solidFill>
+                  <a:srgbClr val="ECECEC"/>
+                </a:solidFill>
+              </a:rPr>
+              <a:t>Grid search – A grid search is applied to optimize the accuracy of the data. </a:t>
+            </a:r>
+            <a:r>
+              <a:rPr lang="en-GB" b="0" i="0" dirty="0">
+                <a:solidFill>
+                  <a:srgbClr val="ECECEC"/>
+                </a:solidFill>
+                <a:effectLst/>
+              </a:rPr>
+              <a:t>The test accuracy of 65% represents the performance of the model using the optimal hyperparameters obtained from grid search. Compared to the baseline accuracy or previous model performance, this indicates an improvement achieved through hyperparameter optimization.</a:t>
+            </a:r>
+          </a:p>
+          <a:p>
+            <a:pPr algn="just"/>
+            <a:endParaRPr lang="en-GB" dirty="0">
+              <a:solidFill>
+                <a:srgbClr val="ECECEC"/>
+              </a:solidFill>
+            </a:endParaRPr>
+          </a:p>
+          <a:p>
+            <a:pPr algn="just"/>
+            <a:r>
+              <a:rPr lang="en-GB" dirty="0">
+                <a:solidFill>
+                  <a:srgbClr val="ECECEC"/>
+                </a:solidFill>
+              </a:rPr>
+              <a:t>Standard Scaler - </a:t>
+            </a:r>
+            <a:r>
+              <a:rPr lang="en-GB" b="0" i="0" dirty="0">
+                <a:solidFill>
+                  <a:srgbClr val="ECECEC"/>
+                </a:solidFill>
+                <a:effectLst/>
+              </a:rPr>
+              <a:t>The test accuracy of 62% indicates the performance of the model when trained and evaluated on data that has been standardized using standard scaling. The results is however same as the baseline accuracy</a:t>
+            </a:r>
+            <a:endParaRPr lang="en-US" dirty="0"/>
+          </a:p>
+        </p:txBody>
+      </p:sp>
+    </p:spTree>
+    <p:extLst>
+      <p:ext uri="{BB962C8B-B14F-4D97-AF65-F5344CB8AC3E}">
+        <p14:creationId xmlns:p14="http://schemas.microsoft.com/office/powerpoint/2010/main" val="2744303564"/>
+      </p:ext>
+    </p:extLst>
+  </p:cSld>
+  <p:clrMapOvr>
+    <a:masterClrMapping/>
+  </p:clrMapOvr>
+</p:sld>
+</file>
+
+<file path=ppt/slides/slide19.xml><?xml version="1.0" encoding="utf-8"?>
+<p:sld xmlns:a="http://schemas.openxmlformats.org/drawingml/2006/main" xmlns:r="http://schemas.openxmlformats.org/officeDocument/2006/relationships" xmlns:p="http://schemas.openxmlformats.org/presentationml/2006/main">
+  <p:cSld>
+    <p:spTree>
+      <p:nvGrpSpPr>
+        <p:cNvPr id="1" name=""/>
+        <p:cNvGrpSpPr/>
+        <p:nvPr/>
+      </p:nvGrpSpPr>
+      <p:grpSpPr>
+        <a:xfrm>
+          <a:off x="0" y="0"/>
+          <a:ext cx="0" cy="0"/>
+          <a:chOff x="0" y="0"/>
+          <a:chExt cx="0" cy="0"/>
+        </a:xfrm>
+      </p:grpSpPr>
+      <p:sp>
+        <p:nvSpPr>
+          <p:cNvPr id="2" name="Title 1">
+            <a:extLst>
+              <a:ext uri="{FF2B5EF4-FFF2-40B4-BE49-F238E27FC236}">
+                <a16:creationId xmlns:a16="http://schemas.microsoft.com/office/drawing/2014/main" id="{BF000588-A60B-AD43-EE58-DFFB050337E7}"/>
+              </a:ext>
+            </a:extLst>
+          </p:cNvPr>
+          <p:cNvSpPr>
+            <a:spLocks noGrp="1"/>
+          </p:cNvSpPr>
+          <p:nvPr>
+            <p:ph type="title"/>
+          </p:nvPr>
+        </p:nvSpPr>
         <p:spPr/>
         <p:txBody>
           <a:bodyPr/>
@@ -38812,40 +40394,249 @@
           <a:p>
             <a:r>
               <a:rPr lang="en-GB" dirty="0"/>
-              <a:t>SVM</a:t>
+              <a:t>Model Comparison</a:t>
             </a:r>
           </a:p>
         </p:txBody>
       </p:sp>
-      <p:sp>
-        <p:nvSpPr>
-          <p:cNvPr id="3" name="Content Placeholder 2">
+      <p:graphicFrame>
+        <p:nvGraphicFramePr>
+          <p:cNvPr id="4" name="Table 3">
             <a:extLst>
               <a:ext uri="{FF2B5EF4-FFF2-40B4-BE49-F238E27FC236}">
-                <a16:creationId xmlns:a16="http://schemas.microsoft.com/office/drawing/2014/main" id="{51F0273E-C9D8-3A7E-3E51-48D2B3264320}"/>
+                <a16:creationId xmlns:a16="http://schemas.microsoft.com/office/drawing/2014/main" id="{1D9FF553-474D-F6BE-D69D-AA9785E8276B}"/>
               </a:ext>
             </a:extLst>
           </p:cNvPr>
-          <p:cNvSpPr>
-            <a:spLocks noGrp="1"/>
-          </p:cNvSpPr>
+          <p:cNvGraphicFramePr>
+            <a:graphicFrameLocks noGrp="1"/>
+          </p:cNvGraphicFramePr>
           <p:nvPr>
-            <p:ph idx="1"/>
+            <p:extLst>
+              <p:ext uri="{D42A27DB-BD31-4B8C-83A1-F6EECF244321}">
+                <p14:modId xmlns:p14="http://schemas.microsoft.com/office/powerpoint/2010/main" val="860516490"/>
+              </p:ext>
+            </p:extLst>
           </p:nvPr>
-        </p:nvSpPr>
-        <p:spPr/>
-        <p:txBody>
-          <a:bodyPr/>
-          <a:lstStyle/>
-          <a:p>
-            <a:endParaRPr lang="en-GB"/>
-          </a:p>
-        </p:txBody>
-      </p:sp>
+        </p:nvGraphicFramePr>
+        <p:xfrm>
+          <a:off x="1820245" y="2097088"/>
+          <a:ext cx="6736614" cy="2316480"/>
+        </p:xfrm>
+        <a:graphic>
+          <a:graphicData uri="http://schemas.openxmlformats.org/drawingml/2006/table">
+            <a:tbl>
+              <a:tblPr firstRow="1" bandRow="1">
+                <a:tableStyleId>{5C22544A-7EE6-4342-B048-85BDC9FD1C3A}</a:tableStyleId>
+              </a:tblPr>
+              <a:tblGrid>
+                <a:gridCol w="4064000">
+                  <a:extLst>
+                    <a:ext uri="{9D8B030D-6E8A-4147-A177-3AD203B41FA5}">
+                      <a16:colId xmlns:a16="http://schemas.microsoft.com/office/drawing/2014/main" val="2014704073"/>
+                    </a:ext>
+                  </a:extLst>
+                </a:gridCol>
+                <a:gridCol w="2672614">
+                  <a:extLst>
+                    <a:ext uri="{9D8B030D-6E8A-4147-A177-3AD203B41FA5}">
+                      <a16:colId xmlns:a16="http://schemas.microsoft.com/office/drawing/2014/main" val="1780205553"/>
+                    </a:ext>
+                  </a:extLst>
+                </a:gridCol>
+              </a:tblGrid>
+              <a:tr h="370840">
+                <a:tc>
+                  <a:txBody>
+                    <a:bodyPr/>
+                    <a:lstStyle/>
+                    <a:p>
+                      <a:r>
+                        <a:rPr lang="en-GB" sz="3200" dirty="0">
+                          <a:solidFill>
+                            <a:schemeClr val="tx1"/>
+                          </a:solidFill>
+                        </a:rPr>
+                        <a:t>Model</a:t>
+                      </a:r>
+                    </a:p>
+                  </a:txBody>
+                  <a:tcPr>
+                    <a:noFill/>
+                  </a:tcPr>
+                </a:tc>
+                <a:tc>
+                  <a:txBody>
+                    <a:bodyPr/>
+                    <a:lstStyle/>
+                    <a:p>
+                      <a:pPr algn="ctr"/>
+                      <a:r>
+                        <a:rPr lang="en-GB" sz="3200" dirty="0">
+                          <a:solidFill>
+                            <a:schemeClr val="tx1"/>
+                          </a:solidFill>
+                        </a:rPr>
+                        <a:t>Accuracy (%)</a:t>
+                      </a:r>
+                    </a:p>
+                  </a:txBody>
+                  <a:tcPr>
+                    <a:noFill/>
+                  </a:tcPr>
+                </a:tc>
+                <a:extLst>
+                  <a:ext uri="{0D108BD9-81ED-4DB2-BD59-A6C34878D82A}">
+                    <a16:rowId xmlns:a16="http://schemas.microsoft.com/office/drawing/2014/main" val="4040688159"/>
+                  </a:ext>
+                </a:extLst>
+              </a:tr>
+              <a:tr h="370840">
+                <a:tc>
+                  <a:txBody>
+                    <a:bodyPr/>
+                    <a:lstStyle/>
+                    <a:p>
+                      <a:r>
+                        <a:rPr lang="en-GB" sz="3200" dirty="0">
+                          <a:solidFill>
+                            <a:schemeClr val="tx1"/>
+                          </a:solidFill>
+                        </a:rPr>
+                        <a:t>Neural Networks</a:t>
+                      </a:r>
+                    </a:p>
+                  </a:txBody>
+                  <a:tcPr>
+                    <a:noFill/>
+                  </a:tcPr>
+                </a:tc>
+                <a:tc>
+                  <a:txBody>
+                    <a:bodyPr/>
+                    <a:lstStyle/>
+                    <a:p>
+                      <a:pPr algn="ctr"/>
+                      <a:r>
+                        <a:rPr lang="en-GB" sz="3200" dirty="0">
+                          <a:solidFill>
+                            <a:schemeClr val="tx1"/>
+                          </a:solidFill>
+                        </a:rPr>
+                        <a:t>63.2</a:t>
+                      </a:r>
+                    </a:p>
+                  </a:txBody>
+                  <a:tcPr>
+                    <a:noFill/>
+                  </a:tcPr>
+                </a:tc>
+                <a:extLst>
+                  <a:ext uri="{0D108BD9-81ED-4DB2-BD59-A6C34878D82A}">
+                    <a16:rowId xmlns:a16="http://schemas.microsoft.com/office/drawing/2014/main" val="2695228860"/>
+                  </a:ext>
+                </a:extLst>
+              </a:tr>
+              <a:tr h="370840">
+                <a:tc>
+                  <a:txBody>
+                    <a:bodyPr/>
+                    <a:lstStyle/>
+                    <a:p>
+                      <a:r>
+                        <a:rPr lang="en-GB" sz="3200" dirty="0">
+                          <a:solidFill>
+                            <a:schemeClr val="tx1"/>
+                          </a:solidFill>
+                        </a:rPr>
+                        <a:t>Logistic Regression</a:t>
+                      </a:r>
+                    </a:p>
+                  </a:txBody>
+                  <a:tcPr>
+                    <a:noFill/>
+                  </a:tcPr>
+                </a:tc>
+                <a:tc>
+                  <a:txBody>
+                    <a:bodyPr/>
+                    <a:lstStyle/>
+                    <a:p>
+                      <a:pPr algn="ctr"/>
+                      <a:r>
+                        <a:rPr lang="en-GB" sz="3200" dirty="0">
+                          <a:solidFill>
+                            <a:schemeClr val="tx1"/>
+                          </a:solidFill>
+                        </a:rPr>
+                        <a:t>48.0</a:t>
+                      </a:r>
+                    </a:p>
+                  </a:txBody>
+                  <a:tcPr>
+                    <a:noFill/>
+                  </a:tcPr>
+                </a:tc>
+                <a:extLst>
+                  <a:ext uri="{0D108BD9-81ED-4DB2-BD59-A6C34878D82A}">
+                    <a16:rowId xmlns:a16="http://schemas.microsoft.com/office/drawing/2014/main" val="1724631519"/>
+                  </a:ext>
+                </a:extLst>
+              </a:tr>
+              <a:tr h="370840">
+                <a:tc>
+                  <a:txBody>
+                    <a:bodyPr/>
+                    <a:lstStyle/>
+                    <a:p>
+                      <a:r>
+                        <a:rPr lang="en-GB" sz="3200" dirty="0">
+                          <a:solidFill>
+                            <a:schemeClr val="tx1"/>
+                          </a:solidFill>
+                        </a:rPr>
+                        <a:t>Random Forest</a:t>
+                      </a:r>
+                    </a:p>
+                  </a:txBody>
+                  <a:tcPr>
+                    <a:noFill/>
+                  </a:tcPr>
+                </a:tc>
+                <a:tc>
+                  <a:txBody>
+                    <a:bodyPr/>
+                    <a:lstStyle/>
+                    <a:p>
+                      <a:pPr algn="ctr"/>
+                      <a:r>
+                        <a:rPr lang="en-GB" sz="3200" dirty="0">
+                          <a:solidFill>
+                            <a:schemeClr val="tx1"/>
+                          </a:solidFill>
+                        </a:rPr>
+                        <a:t>65.0</a:t>
+                      </a:r>
+                    </a:p>
+                  </a:txBody>
+                  <a:tcPr>
+                    <a:noFill/>
+                  </a:tcPr>
+                </a:tc>
+                <a:extLst>
+                  <a:ext uri="{0D108BD9-81ED-4DB2-BD59-A6C34878D82A}">
+                    <a16:rowId xmlns:a16="http://schemas.microsoft.com/office/drawing/2014/main" val="1863100444"/>
+                  </a:ext>
+                </a:extLst>
+              </a:tr>
+            </a:tbl>
+          </a:graphicData>
+        </a:graphic>
+      </p:graphicFrame>
     </p:spTree>
     <p:extLst>
       <p:ext uri="{BB962C8B-B14F-4D97-AF65-F5344CB8AC3E}">
-        <p14:creationId xmlns:p14="http://schemas.microsoft.com/office/powerpoint/2010/main" val="1354246235"/>
+        <p14:creationId xmlns:p14="http://schemas.microsoft.com/office/powerpoint/2010/main" val="3011722768"/>
       </p:ext>
     </p:extLst>
   </p:cSld>
@@ -38923,46 +40714,64 @@
           </a:xfrm>
         </p:spPr>
         <p:txBody>
-          <a:bodyPr/>
+          <a:bodyPr>
+            <a:normAutofit/>
+          </a:bodyPr>
           <a:lstStyle/>
           <a:p>
             <a:pPr marL="0" indent="0">
+              <a:spcAft>
+                <a:spcPts val="1200"/>
+              </a:spcAft>
               <a:buNone/>
             </a:pPr>
             <a:r>
-              <a:rPr lang="en-GB" sz="2800" dirty="0"/>
-              <a:t>Use credit card data to predict the future behaviour of customers.</a:t>
+              <a:rPr lang="en-GB" sz="2000" b="0" dirty="0">
+                <a:effectLst/>
+                <a:latin typeface="Consolas" panose="020B0609020204030204" pitchFamily="49" charset="0"/>
+              </a:rPr>
+              <a:t>This project uses historical credit card data to predict the future behaviour of customers who are applying for credit cards. The behaviours predicted are:  </a:t>
+            </a:r>
+          </a:p>
+          <a:p>
+            <a:pPr lvl="1">
+              <a:spcBef>
+                <a:spcPts val="0"/>
+              </a:spcBef>
+            </a:pPr>
+            <a:r>
+              <a:rPr lang="en-GB" b="0" dirty="0">
+                <a:effectLst/>
+                <a:latin typeface="Consolas" panose="020B0609020204030204" pitchFamily="49" charset="0"/>
+              </a:rPr>
+              <a:t>Balance paid off each month</a:t>
+            </a:r>
+          </a:p>
+          <a:p>
+            <a:pPr lvl="1"/>
+            <a:r>
+              <a:rPr lang="en-GB" b="0" dirty="0">
+                <a:effectLst/>
+                <a:latin typeface="Consolas" panose="020B0609020204030204" pitchFamily="49" charset="0"/>
+              </a:rPr>
+              <a:t>Balance owing or overdue each month</a:t>
+            </a:r>
+          </a:p>
+          <a:p>
+            <a:pPr lvl="1"/>
+            <a:r>
+              <a:rPr lang="en-GB" b="0" dirty="0">
+                <a:effectLst/>
+                <a:latin typeface="Consolas" panose="020B0609020204030204" pitchFamily="49" charset="0"/>
+              </a:rPr>
+              <a:t>No credit card loan taken out each month</a:t>
             </a:r>
           </a:p>
           <a:p>
             <a:pPr marL="0" indent="0">
               <a:buNone/>
             </a:pPr>
-            <a:r>
-              <a:rPr lang="en-GB" sz="2800" dirty="0"/>
-              <a:t>Historical data has the following status for each customer:</a:t>
-            </a:r>
-          </a:p>
-          <a:p>
-            <a:pPr marL="981075" indent="-711200"/>
-            <a:r>
-              <a:rPr lang="en-GB" sz="2800" dirty="0"/>
-              <a:t>Paid – Balance paid off each month</a:t>
-            </a:r>
-          </a:p>
-          <a:p>
-            <a:pPr marL="981075" indent="-711200"/>
-            <a:r>
-              <a:rPr lang="en-GB" sz="2800" dirty="0"/>
-              <a:t>Minor Overdue – Balance owing each month</a:t>
-            </a:r>
-          </a:p>
-          <a:p>
-            <a:pPr marL="981075" indent="-711200"/>
-            <a:r>
-              <a:rPr lang="en-GB" sz="2800" dirty="0"/>
-              <a:t>No Loan – Customer did not use credit card that month</a:t>
-            </a:r>
+            <a:endParaRPr lang="en-GB" sz="2800" dirty="0"/>
           </a:p>
           <a:p>
             <a:endParaRPr lang="en-GB" dirty="0"/>
@@ -39029,45 +40838,91 @@
       </p:sp>
       <p:sp>
         <p:nvSpPr>
-          <p:cNvPr id="3" name="Content Placeholder 2">
+          <p:cNvPr id="7" name="TextBox 6">
             <a:extLst>
               <a:ext uri="{FF2B5EF4-FFF2-40B4-BE49-F238E27FC236}">
-                <a16:creationId xmlns:a16="http://schemas.microsoft.com/office/drawing/2014/main" id="{344A2278-34EB-903A-7B47-191A5FA56E15}"/>
+                <a16:creationId xmlns:a16="http://schemas.microsoft.com/office/drawing/2014/main" id="{FC1CC696-79ED-B565-D4EA-4E9DB51443A1}"/>
               </a:ext>
             </a:extLst>
           </p:cNvPr>
-          <p:cNvSpPr>
-            <a:spLocks noGrp="1"/>
-          </p:cNvSpPr>
-          <p:nvPr>
-            <p:ph idx="1"/>
-          </p:nvPr>
+          <p:cNvSpPr txBox="1"/>
+          <p:nvPr/>
         </p:nvSpPr>
-        <p:spPr/>
+        <p:spPr>
+          <a:xfrm>
+            <a:off x="1141412" y="2097088"/>
+            <a:ext cx="9754385" cy="2708434"/>
+          </a:xfrm>
+          <a:prstGeom prst="rect">
+            <a:avLst/>
+          </a:prstGeom>
+          <a:noFill/>
+        </p:spPr>
         <p:txBody>
-          <a:bodyPr>
-            <a:normAutofit/>
+          <a:bodyPr wrap="square">
+            <a:spAutoFit/>
           </a:bodyPr>
           <a:lstStyle/>
           <a:p>
-            <a:pPr marL="1250950" indent="-711200"/>
+            <a:pPr>
+              <a:spcAft>
+                <a:spcPts val="1200"/>
+              </a:spcAft>
+            </a:pPr>
             <a:r>
-              <a:rPr lang="en-GB" sz="3600" dirty="0"/>
-              <a:t>Logistics Regression</a:t>
+              <a:rPr lang="en-GB" sz="2800" b="0" dirty="0">
+                <a:effectLst/>
+                <a:latin typeface="Consolas" panose="020B0609020204030204" pitchFamily="49" charset="0"/>
+              </a:rPr>
+              <a:t>To do the predictions we explored different ways of modelling the data.</a:t>
             </a:r>
           </a:p>
           <a:p>
-            <a:pPr marL="1250950" indent="-711200"/>
+            <a:pPr marL="914400" lvl="1" indent="-457200">
+              <a:spcAft>
+                <a:spcPts val="1200"/>
+              </a:spcAft>
+              <a:buFont typeface="Arial" panose="020B0604020202020204" pitchFamily="34" charset="0"/>
+              <a:buChar char="•"/>
+            </a:pPr>
             <a:r>
-              <a:rPr lang="en-GB" sz="3600" dirty="0"/>
-              <a:t>SVM</a:t>
+              <a:rPr lang="en-GB" sz="2800" b="0" dirty="0">
+                <a:effectLst/>
+                <a:latin typeface="Consolas" panose="020B0609020204030204" pitchFamily="49" charset="0"/>
+              </a:rPr>
+              <a:t>Recurrent neural networks</a:t>
             </a:r>
           </a:p>
           <a:p>
-            <a:pPr marL="1250950" indent="-711200"/>
+            <a:pPr marL="914400" lvl="1" indent="-457200">
+              <a:spcAft>
+                <a:spcPts val="1200"/>
+              </a:spcAft>
+              <a:buFont typeface="Arial" panose="020B0604020202020204" pitchFamily="34" charset="0"/>
+              <a:buChar char="•"/>
+            </a:pPr>
             <a:r>
-              <a:rPr lang="en-GB" sz="3600" dirty="0"/>
-              <a:t>Neural Networks</a:t>
+              <a:rPr lang="en-GB" sz="2800" b="0" dirty="0">
+                <a:effectLst/>
+                <a:latin typeface="Consolas" panose="020B0609020204030204" pitchFamily="49" charset="0"/>
+              </a:rPr>
+              <a:t>Logistics regression</a:t>
+            </a:r>
+          </a:p>
+          <a:p>
+            <a:pPr marL="914400" lvl="1" indent="-457200">
+              <a:spcAft>
+                <a:spcPts val="1200"/>
+              </a:spcAft>
+              <a:buFont typeface="Arial" panose="020B0604020202020204" pitchFamily="34" charset="0"/>
+              <a:buChar char="•"/>
+            </a:pPr>
+            <a:r>
+              <a:rPr lang="en-GB" sz="2800" b="0" dirty="0">
+                <a:effectLst/>
+                <a:latin typeface="Consolas" panose="020B0609020204030204" pitchFamily="49" charset="0"/>
+              </a:rPr>
+              <a:t>Random forest</a:t>
             </a:r>
           </a:p>
         </p:txBody>
@@ -42333,7 +44188,7 @@
           <p:nvPr>
             <p:extLst>
               <p:ext uri="{D42A27DB-BD31-4B8C-83A1-F6EECF244321}">
-                <p14:modId xmlns:p14="http://schemas.microsoft.com/office/powerpoint/2010/main" val="4017766955"/>
+                <p14:modId xmlns:p14="http://schemas.microsoft.com/office/powerpoint/2010/main" val="2667509592"/>
               </p:ext>
             </p:extLst>
           </p:nvPr>
@@ -42386,7 +44241,7 @@
                           <a:effectLst/>
                           <a:latin typeface="Calibri" panose="020F0502020204030204" pitchFamily="34" charset="0"/>
                         </a:rPr>
-                        <a:t>7.7</a:t>
+                        <a:t>0.077</a:t>
                       </a:r>
                     </a:p>
                   </a:txBody>
@@ -42408,7 +44263,7 @@
                           <a:effectLst/>
                           <a:latin typeface="Calibri" panose="020F0502020204030204" pitchFamily="34" charset="0"/>
                         </a:rPr>
-                        <a:t>7.6</a:t>
+                        <a:t>0.076</a:t>
                       </a:r>
                     </a:p>
                   </a:txBody>
@@ -42430,7 +44285,7 @@
                           <a:effectLst/>
                           <a:latin typeface="Calibri" panose="020F0502020204030204" pitchFamily="34" charset="0"/>
                         </a:rPr>
-                        <a:t>84.7</a:t>
+                        <a:t>0.847</a:t>
                       </a:r>
                     </a:p>
                   </a:txBody>
@@ -42461,7 +44316,7 @@
                           <a:effectLst/>
                           <a:latin typeface="Calibri" panose="020F0502020204030204" pitchFamily="34" charset="0"/>
                         </a:rPr>
-                        <a:t>61.7</a:t>
+                        <a:t>0.617</a:t>
                       </a:r>
                     </a:p>
                   </a:txBody>
@@ -42485,7 +44340,7 @@
                           <a:effectLst/>
                           <a:latin typeface="Calibri" panose="020F0502020204030204" pitchFamily="34" charset="0"/>
                         </a:rPr>
-                        <a:t>8.1</a:t>
+                        <a:t>0.081</a:t>
                       </a:r>
                     </a:p>
                   </a:txBody>
@@ -42500,14 +44355,14 @@
                     <a:p>
                       <a:pPr algn="ctr" fontAlgn="b"/>
                       <a:r>
-                        <a:rPr lang="en-GB" sz="2400" b="0" i="0" u="none" strike="noStrike">
+                        <a:rPr lang="en-GB" sz="2400" b="0" i="0" u="none" strike="noStrike" dirty="0">
                           <a:solidFill>
                             <a:srgbClr val="000000"/>
                           </a:solidFill>
                           <a:effectLst/>
                           <a:latin typeface="Calibri" panose="020F0502020204030204" pitchFamily="34" charset="0"/>
                         </a:rPr>
-                        <a:t>30.2</a:t>
+                        <a:t>0.302</a:t>
                       </a:r>
                     </a:p>
                   </a:txBody>
@@ -42529,14 +44384,14 @@
                     <a:p>
                       <a:pPr algn="ctr" fontAlgn="b"/>
                       <a:r>
-                        <a:rPr lang="en-GB" sz="2400" b="0" i="0" u="none" strike="noStrike">
+                        <a:rPr lang="en-GB" sz="2400" b="0" i="0" u="none" strike="noStrike" dirty="0">
                           <a:solidFill>
                             <a:srgbClr val="000000"/>
                           </a:solidFill>
                           <a:effectLst/>
                           <a:latin typeface="Calibri" panose="020F0502020204030204" pitchFamily="34" charset="0"/>
                         </a:rPr>
-                        <a:t>23.1</a:t>
+                        <a:t>0.231</a:t>
                       </a:r>
                     </a:p>
                   </a:txBody>
@@ -42558,7 +44413,7 @@
                           <a:effectLst/>
                           <a:latin typeface="Calibri" panose="020F0502020204030204" pitchFamily="34" charset="0"/>
                         </a:rPr>
-                        <a:t>12.3</a:t>
+                        <a:t>0.012</a:t>
                       </a:r>
                     </a:p>
                   </a:txBody>
@@ -42580,7 +44435,7 @@
                           <a:effectLst/>
                           <a:latin typeface="Calibri" panose="020F0502020204030204" pitchFamily="34" charset="0"/>
                         </a:rPr>
-                        <a:t>75.7</a:t>
+                        <a:t>0.757</a:t>
                       </a:r>
                     </a:p>
                   </a:txBody>
@@ -42604,36 +44459,14 @@
                     <a:p>
                       <a:pPr algn="ctr" fontAlgn="b"/>
                       <a:r>
-                        <a:rPr lang="en-GB" sz="2400" b="0" i="0" u="none" strike="noStrike">
+                        <a:rPr lang="en-GB" sz="2400" b="0" i="0" u="none" strike="noStrike" dirty="0">
                           <a:solidFill>
                             <a:srgbClr val="000000"/>
                           </a:solidFill>
                           <a:effectLst/>
                           <a:latin typeface="Calibri" panose="020F0502020204030204" pitchFamily="34" charset="0"/>
                         </a:rPr>
-                        <a:t>31.3</a:t>
-                      </a:r>
-                    </a:p>
-                  </a:txBody>
-                  <a:tcPr marL="9525" marR="9525" marT="9525" marB="0" anchor="ctr">
-                    <a:noFill/>
-                  </a:tcPr>
-                </a:tc>
-                <a:tc>
-                  <a:txBody>
-                    <a:bodyPr/>
-                    <a:lstStyle/>
-                    <a:p>
-                      <a:pPr algn="ctr" fontAlgn="b"/>
-                      <a:r>
-                        <a:rPr lang="en-GB" sz="2400" b="0" i="0" u="none" strike="noStrike">
-                          <a:solidFill>
-                            <a:srgbClr val="000000"/>
-                          </a:solidFill>
-                          <a:effectLst/>
-                          <a:latin typeface="Calibri" panose="020F0502020204030204" pitchFamily="34" charset="0"/>
-                        </a:rPr>
-                        <a:t>11.8</a:t>
+                        <a:t>0.313</a:t>
                       </a:r>
                     </a:p>
                   </a:txBody>
@@ -42655,7 +44488,29 @@
                           <a:effectLst/>
                           <a:latin typeface="Calibri" panose="020F0502020204030204" pitchFamily="34" charset="0"/>
                         </a:rPr>
-                        <a:t>56.9</a:t>
+                        <a:t>0.118</a:t>
+                      </a:r>
+                    </a:p>
+                  </a:txBody>
+                  <a:tcPr marL="9525" marR="9525" marT="9525" marB="0" anchor="ctr">
+                    <a:noFill/>
+                  </a:tcPr>
+                </a:tc>
+                <a:tc>
+                  <a:txBody>
+                    <a:bodyPr/>
+                    <a:lstStyle/>
+                    <a:p>
+                      <a:pPr algn="ctr" fontAlgn="b"/>
+                      <a:r>
+                        <a:rPr lang="en-GB" sz="2400" b="0" i="0" u="none" strike="noStrike" dirty="0">
+                          <a:solidFill>
+                            <a:srgbClr val="000000"/>
+                          </a:solidFill>
+                          <a:effectLst/>
+                          <a:latin typeface="Calibri" panose="020F0502020204030204" pitchFamily="34" charset="0"/>
+                        </a:rPr>
+                        <a:t>0.569</a:t>
                       </a:r>
                     </a:p>
                   </a:txBody>
@@ -42686,29 +44541,7 @@
                           <a:effectLst/>
                           <a:latin typeface="Calibri" panose="020F0502020204030204" pitchFamily="34" charset="0"/>
                         </a:rPr>
-                        <a:t>31.0</a:t>
-                      </a:r>
-                    </a:p>
-                  </a:txBody>
-                  <a:tcPr marL="9525" marR="9525" marT="9525" marB="0" anchor="ctr">
-                    <a:noFill/>
-                  </a:tcPr>
-                </a:tc>
-                <a:tc>
-                  <a:txBody>
-                    <a:bodyPr/>
-                    <a:lstStyle/>
-                    <a:p>
-                      <a:pPr algn="ctr" fontAlgn="b"/>
-                      <a:r>
-                        <a:rPr lang="en-GB" sz="2400" b="0" i="0" u="none" strike="noStrike">
-                          <a:solidFill>
-                            <a:srgbClr val="000000"/>
-                          </a:solidFill>
-                          <a:effectLst/>
-                          <a:latin typeface="Calibri" panose="020F0502020204030204" pitchFamily="34" charset="0"/>
-                        </a:rPr>
-                        <a:t>8.1</a:t>
+                        <a:t>0.310</a:t>
                       </a:r>
                     </a:p>
                   </a:txBody>
@@ -42730,7 +44563,29 @@
                           <a:effectLst/>
                           <a:latin typeface="Calibri" panose="020F0502020204030204" pitchFamily="34" charset="0"/>
                         </a:rPr>
-                        <a:t>60.9</a:t>
+                        <a:t>0.081</a:t>
+                      </a:r>
+                    </a:p>
+                  </a:txBody>
+                  <a:tcPr marL="9525" marR="9525" marT="9525" marB="0" anchor="ctr">
+                    <a:noFill/>
+                  </a:tcPr>
+                </a:tc>
+                <a:tc>
+                  <a:txBody>
+                    <a:bodyPr/>
+                    <a:lstStyle/>
+                    <a:p>
+                      <a:pPr algn="ctr" fontAlgn="b"/>
+                      <a:r>
+                        <a:rPr lang="en-GB" sz="2400" b="0" i="0" u="none" strike="noStrike" dirty="0">
+                          <a:solidFill>
+                            <a:srgbClr val="000000"/>
+                          </a:solidFill>
+                          <a:effectLst/>
+                          <a:latin typeface="Calibri" panose="020F0502020204030204" pitchFamily="34" charset="0"/>
+                        </a:rPr>
+                        <a:t>0.609</a:t>
                       </a:r>
                     </a:p>
                   </a:txBody>
@@ -42765,7 +44620,7 @@
           <p:nvPr>
             <p:extLst>
               <p:ext uri="{D42A27DB-BD31-4B8C-83A1-F6EECF244321}">
-                <p14:modId xmlns:p14="http://schemas.microsoft.com/office/powerpoint/2010/main" val="3562786521"/>
+                <p14:modId xmlns:p14="http://schemas.microsoft.com/office/powerpoint/2010/main" val="76134036"/>
               </p:ext>
             </p:extLst>
           </p:nvPr>
@@ -42818,29 +44673,7 @@
                           <a:effectLst/>
                           <a:latin typeface="Calibri" panose="020F0502020204030204" pitchFamily="34" charset="0"/>
                         </a:rPr>
-                        <a:t>19.8</a:t>
-                      </a:r>
-                    </a:p>
-                  </a:txBody>
-                  <a:tcPr marL="9525" marR="9525" marT="9525" marB="0" anchor="ctr">
-                    <a:noFill/>
-                  </a:tcPr>
-                </a:tc>
-                <a:tc>
-                  <a:txBody>
-                    <a:bodyPr/>
-                    <a:lstStyle/>
-                    <a:p>
-                      <a:pPr algn="ctr" fontAlgn="b"/>
-                      <a:r>
-                        <a:rPr lang="en-GB" sz="2400" b="0" i="0" u="none" strike="noStrike">
-                          <a:solidFill>
-                            <a:srgbClr val="000000"/>
-                          </a:solidFill>
-                          <a:effectLst/>
-                          <a:latin typeface="Calibri" panose="020F0502020204030204" pitchFamily="34" charset="0"/>
-                        </a:rPr>
-                        <a:t>14.4</a:t>
+                        <a:t>0.198</a:t>
                       </a:r>
                     </a:p>
                   </a:txBody>
@@ -42862,7 +44695,29 @@
                           <a:effectLst/>
                           <a:latin typeface="Calibri" panose="020F0502020204030204" pitchFamily="34" charset="0"/>
                         </a:rPr>
-                        <a:t>65.8</a:t>
+                        <a:t>0.144</a:t>
+                      </a:r>
+                    </a:p>
+                  </a:txBody>
+                  <a:tcPr marL="9525" marR="9525" marT="9525" marB="0" anchor="ctr">
+                    <a:noFill/>
+                  </a:tcPr>
+                </a:tc>
+                <a:tc>
+                  <a:txBody>
+                    <a:bodyPr/>
+                    <a:lstStyle/>
+                    <a:p>
+                      <a:pPr algn="ctr" fontAlgn="b"/>
+                      <a:r>
+                        <a:rPr lang="en-GB" sz="2400" b="0" i="0" u="none" strike="noStrike" dirty="0">
+                          <a:solidFill>
+                            <a:srgbClr val="000000"/>
+                          </a:solidFill>
+                          <a:effectLst/>
+                          <a:latin typeface="Calibri" panose="020F0502020204030204" pitchFamily="34" charset="0"/>
+                        </a:rPr>
+                        <a:t>0.658</a:t>
                       </a:r>
                     </a:p>
                   </a:txBody>
@@ -42886,36 +44741,14 @@
                     <a:p>
                       <a:pPr algn="ctr" fontAlgn="b"/>
                       <a:r>
-                        <a:rPr lang="en-GB" sz="2400" b="0" i="0" u="none" strike="noStrike">
+                        <a:rPr lang="en-GB" sz="2400" b="0" i="0" u="none" strike="noStrike" dirty="0">
                           <a:solidFill>
                             <a:srgbClr val="000000"/>
                           </a:solidFill>
                           <a:effectLst/>
                           <a:latin typeface="Calibri" panose="020F0502020204030204" pitchFamily="34" charset="0"/>
                         </a:rPr>
-                        <a:t>43.6</a:t>
-                      </a:r>
-                    </a:p>
-                  </a:txBody>
-                  <a:tcPr marL="9525" marR="9525" marT="9525" marB="0" anchor="ctr">
-                    <a:noFill/>
-                  </a:tcPr>
-                </a:tc>
-                <a:tc>
-                  <a:txBody>
-                    <a:bodyPr/>
-                    <a:lstStyle/>
-                    <a:p>
-                      <a:pPr algn="ctr" fontAlgn="b"/>
-                      <a:r>
-                        <a:rPr lang="en-GB" sz="2400" b="0" i="0" u="none" strike="noStrike">
-                          <a:solidFill>
-                            <a:srgbClr val="000000"/>
-                          </a:solidFill>
-                          <a:effectLst/>
-                          <a:latin typeface="Calibri" panose="020F0502020204030204" pitchFamily="34" charset="0"/>
-                        </a:rPr>
-                        <a:t>3.3</a:t>
+                        <a:t>0.436</a:t>
                       </a:r>
                     </a:p>
                   </a:txBody>
@@ -42937,7 +44770,29 @@
                           <a:effectLst/>
                           <a:latin typeface="Calibri" panose="020F0502020204030204" pitchFamily="34" charset="0"/>
                         </a:rPr>
-                        <a:t>53.1</a:t>
+                        <a:t>0.033</a:t>
+                      </a:r>
+                    </a:p>
+                  </a:txBody>
+                  <a:tcPr marL="9525" marR="9525" marT="9525" marB="0" anchor="ctr">
+                    <a:noFill/>
+                  </a:tcPr>
+                </a:tc>
+                <a:tc>
+                  <a:txBody>
+                    <a:bodyPr/>
+                    <a:lstStyle/>
+                    <a:p>
+                      <a:pPr algn="ctr" fontAlgn="b"/>
+                      <a:r>
+                        <a:rPr lang="en-GB" sz="2400" b="0" i="0" u="none" strike="noStrike" dirty="0">
+                          <a:solidFill>
+                            <a:srgbClr val="000000"/>
+                          </a:solidFill>
+                          <a:effectLst/>
+                          <a:latin typeface="Calibri" panose="020F0502020204030204" pitchFamily="34" charset="0"/>
+                        </a:rPr>
+                        <a:t>0.531</a:t>
                       </a:r>
                     </a:p>
                   </a:txBody>
@@ -42961,36 +44816,14 @@
                     <a:p>
                       <a:pPr algn="ctr" fontAlgn="b"/>
                       <a:r>
-                        <a:rPr lang="en-GB" sz="2400" b="0" i="0" u="none" strike="noStrike">
+                        <a:rPr lang="en-GB" sz="2400" b="0" i="0" u="none" strike="noStrike" dirty="0">
                           <a:solidFill>
                             <a:srgbClr val="000000"/>
                           </a:solidFill>
                           <a:effectLst/>
                           <a:latin typeface="Calibri" panose="020F0502020204030204" pitchFamily="34" charset="0"/>
                         </a:rPr>
-                        <a:t>9.7</a:t>
-                      </a:r>
-                    </a:p>
-                  </a:txBody>
-                  <a:tcPr marL="9525" marR="9525" marT="9525" marB="0" anchor="ctr">
-                    <a:noFill/>
-                  </a:tcPr>
-                </a:tc>
-                <a:tc>
-                  <a:txBody>
-                    <a:bodyPr/>
-                    <a:lstStyle/>
-                    <a:p>
-                      <a:pPr algn="ctr" fontAlgn="b"/>
-                      <a:r>
-                        <a:rPr lang="en-GB" sz="2400" b="0" i="0" u="none" strike="noStrike">
-                          <a:solidFill>
-                            <a:srgbClr val="000000"/>
-                          </a:solidFill>
-                          <a:effectLst/>
-                          <a:latin typeface="Calibri" panose="020F0502020204030204" pitchFamily="34" charset="0"/>
-                        </a:rPr>
-                        <a:t>0.7</a:t>
+                        <a:t>0.097</a:t>
                       </a:r>
                     </a:p>
                   </a:txBody>
@@ -43012,7 +44845,29 @@
                           <a:effectLst/>
                           <a:latin typeface="Calibri" panose="020F0502020204030204" pitchFamily="34" charset="0"/>
                         </a:rPr>
-                        <a:t>89.7</a:t>
+                        <a:t>0.007</a:t>
+                      </a:r>
+                    </a:p>
+                  </a:txBody>
+                  <a:tcPr marL="9525" marR="9525" marT="9525" marB="0" anchor="ctr">
+                    <a:noFill/>
+                  </a:tcPr>
+                </a:tc>
+                <a:tc>
+                  <a:txBody>
+                    <a:bodyPr/>
+                    <a:lstStyle/>
+                    <a:p>
+                      <a:pPr algn="ctr" fontAlgn="b"/>
+                      <a:r>
+                        <a:rPr lang="en-GB" sz="2400" b="0" i="0" u="none" strike="noStrike" dirty="0">
+                          <a:solidFill>
+                            <a:srgbClr val="000000"/>
+                          </a:solidFill>
+                          <a:effectLst/>
+                          <a:latin typeface="Calibri" panose="020F0502020204030204" pitchFamily="34" charset="0"/>
+                        </a:rPr>
+                        <a:t>0.897</a:t>
                       </a:r>
                     </a:p>
                   </a:txBody>
@@ -43036,36 +44891,14 @@
                     <a:p>
                       <a:pPr algn="ctr" fontAlgn="b"/>
                       <a:r>
-                        <a:rPr lang="en-GB" sz="2400" b="0" i="0" u="none" strike="noStrike">
+                        <a:rPr lang="en-GB" sz="2400" b="0" i="0" u="none" strike="noStrike" dirty="0">
                           <a:solidFill>
                             <a:srgbClr val="000000"/>
                           </a:solidFill>
                           <a:effectLst/>
                           <a:latin typeface="Calibri" panose="020F0502020204030204" pitchFamily="34" charset="0"/>
                         </a:rPr>
-                        <a:t>6.5</a:t>
-                      </a:r>
-                    </a:p>
-                  </a:txBody>
-                  <a:tcPr marL="9525" marR="9525" marT="9525" marB="0" anchor="ctr">
-                    <a:noFill/>
-                  </a:tcPr>
-                </a:tc>
-                <a:tc>
-                  <a:txBody>
-                    <a:bodyPr/>
-                    <a:lstStyle/>
-                    <a:p>
-                      <a:pPr algn="ctr" fontAlgn="b"/>
-                      <a:r>
-                        <a:rPr lang="en-GB" sz="2400" b="0" i="0" u="none" strike="noStrike">
-                          <a:solidFill>
-                            <a:srgbClr val="000000"/>
-                          </a:solidFill>
-                          <a:effectLst/>
-                          <a:latin typeface="Calibri" panose="020F0502020204030204" pitchFamily="34" charset="0"/>
-                        </a:rPr>
-                        <a:t>3.1</a:t>
+                        <a:t>0.065</a:t>
                       </a:r>
                     </a:p>
                   </a:txBody>
@@ -43087,7 +44920,29 @@
                           <a:effectLst/>
                           <a:latin typeface="Calibri" panose="020F0502020204030204" pitchFamily="34" charset="0"/>
                         </a:rPr>
-                        <a:t>90.4</a:t>
+                        <a:t>0.031</a:t>
+                      </a:r>
+                    </a:p>
+                  </a:txBody>
+                  <a:tcPr marL="9525" marR="9525" marT="9525" marB="0" anchor="ctr">
+                    <a:noFill/>
+                  </a:tcPr>
+                </a:tc>
+                <a:tc>
+                  <a:txBody>
+                    <a:bodyPr/>
+                    <a:lstStyle/>
+                    <a:p>
+                      <a:pPr algn="ctr" fontAlgn="b"/>
+                      <a:r>
+                        <a:rPr lang="en-GB" sz="2400" b="0" i="0" u="none" strike="noStrike" dirty="0">
+                          <a:solidFill>
+                            <a:srgbClr val="000000"/>
+                          </a:solidFill>
+                          <a:effectLst/>
+                          <a:latin typeface="Calibri" panose="020F0502020204030204" pitchFamily="34" charset="0"/>
+                        </a:rPr>
+                        <a:t>0.904</a:t>
                       </a:r>
                     </a:p>
                   </a:txBody>
@@ -43118,7 +44973,7 @@
                           <a:effectLst/>
                           <a:latin typeface="Calibri" panose="020F0502020204030204" pitchFamily="34" charset="0"/>
                         </a:rPr>
-                        <a:t>44.2</a:t>
+                        <a:t>0.442</a:t>
                       </a:r>
                     </a:p>
                   </a:txBody>
@@ -43142,7 +44997,7 @@
                           <a:effectLst/>
                           <a:latin typeface="Calibri" panose="020F0502020204030204" pitchFamily="34" charset="0"/>
                         </a:rPr>
-                        <a:t>19</a:t>
+                        <a:t>0.190</a:t>
                       </a:r>
                     </a:p>
                   </a:txBody>
@@ -43164,7 +45019,7 @@
                           <a:effectLst/>
                           <a:latin typeface="Calibri" panose="020F0502020204030204" pitchFamily="34" charset="0"/>
                         </a:rPr>
-                        <a:t>36.8</a:t>
+                        <a:t>0.368</a:t>
                       </a:r>
                     </a:p>
                   </a:txBody>
@@ -43455,7 +45310,7 @@
           <a:noFill/>
           <a:extLst>
             <a:ext uri="{909E8E84-426E-40dd-AFC4-6F175D3DCCD1}">
-              <a14:hiddenFill xmlns:a14="http://schemas.microsoft.com/office/drawing/2010/main" xmlns:p14="http://schemas.microsoft.com/office/powerpoint/2010/main" xmlns:a16="http://schemas.microsoft.com/office/drawing/2014/main" xmlns="">
+              <a14:hiddenFill xmlns="" xmlns:a16="http://schemas.microsoft.com/office/drawing/2014/main" xmlns:p14="http://schemas.microsoft.com/office/powerpoint/2010/main" xmlns:a14="http://schemas.microsoft.com/office/drawing/2010/main">
                 <a:solidFill>
                   <a:srgbClr val="FFFFFF"/>
                 </a:solidFill>
@@ -43854,7 +45709,7 @@
             </a:ln>
             <a:extLst>
               <a:ext uri="{91240B29-F687-4f45-9708-019B960494DF}">
-                <a14:hiddenLine xmlns:a14="http://schemas.microsoft.com/office/drawing/2010/main" xmlns:p14="http://schemas.microsoft.com/office/powerpoint/2010/main" xmlns:a16="http://schemas.microsoft.com/office/drawing/2014/main" xmlns="" w="9525">
+                <a14:hiddenLine xmlns="" xmlns:a16="http://schemas.microsoft.com/office/drawing/2014/main" xmlns:p14="http://schemas.microsoft.com/office/powerpoint/2010/main" xmlns:a14="http://schemas.microsoft.com/office/drawing/2010/main" w="9525">
                   <a:solidFill>
                     <a:srgbClr val="000000"/>
                   </a:solidFill>
@@ -43966,7 +45821,7 @@
             </a:ln>
             <a:extLst>
               <a:ext uri="{91240B29-F687-4f45-9708-019B960494DF}">
-                <a14:hiddenLine xmlns:a14="http://schemas.microsoft.com/office/drawing/2010/main" xmlns:p14="http://schemas.microsoft.com/office/powerpoint/2010/main" xmlns:a16="http://schemas.microsoft.com/office/drawing/2014/main" xmlns="" w="9525">
+                <a14:hiddenLine xmlns="" xmlns:a16="http://schemas.microsoft.com/office/drawing/2014/main" xmlns:p14="http://schemas.microsoft.com/office/powerpoint/2010/main" xmlns:a14="http://schemas.microsoft.com/office/drawing/2010/main" w="9525">
                   <a:solidFill>
                     <a:srgbClr val="000000"/>
                   </a:solidFill>
@@ -44078,7 +45933,7 @@
             </a:ln>
             <a:extLst>
               <a:ext uri="{91240B29-F687-4f45-9708-019B960494DF}">
-                <a14:hiddenLine xmlns:a14="http://schemas.microsoft.com/office/drawing/2010/main" xmlns:p14="http://schemas.microsoft.com/office/powerpoint/2010/main" xmlns:a16="http://schemas.microsoft.com/office/drawing/2014/main" xmlns="" w="9525">
+                <a14:hiddenLine xmlns="" xmlns:a16="http://schemas.microsoft.com/office/drawing/2014/main" xmlns:p14="http://schemas.microsoft.com/office/powerpoint/2010/main" xmlns:a14="http://schemas.microsoft.com/office/drawing/2010/main" w="9525">
                   <a:solidFill>
                     <a:srgbClr val="000000"/>
                   </a:solidFill>
@@ -44162,7 +46017,7 @@
             </a:ln>
             <a:extLst>
               <a:ext uri="{91240B29-F687-4f45-9708-019B960494DF}">
-                <a14:hiddenLine xmlns:a14="http://schemas.microsoft.com/office/drawing/2010/main" xmlns:p14="http://schemas.microsoft.com/office/powerpoint/2010/main" xmlns:a16="http://schemas.microsoft.com/office/drawing/2014/main" xmlns="" w="9525">
+                <a14:hiddenLine xmlns="" xmlns:a16="http://schemas.microsoft.com/office/drawing/2014/main" xmlns:p14="http://schemas.microsoft.com/office/powerpoint/2010/main" xmlns:a14="http://schemas.microsoft.com/office/drawing/2010/main" w="9525">
                   <a:solidFill>
                     <a:srgbClr val="000000"/>
                   </a:solidFill>
@@ -44274,7 +46129,7 @@
             </a:ln>
             <a:extLst>
               <a:ext uri="{91240B29-F687-4f45-9708-019B960494DF}">
-                <a14:hiddenLine xmlns:a14="http://schemas.microsoft.com/office/drawing/2010/main" xmlns:p14="http://schemas.microsoft.com/office/powerpoint/2010/main" xmlns:a16="http://schemas.microsoft.com/office/drawing/2014/main" xmlns="" w="9525">
+                <a14:hiddenLine xmlns="" xmlns:a16="http://schemas.microsoft.com/office/drawing/2014/main" xmlns:p14="http://schemas.microsoft.com/office/powerpoint/2010/main" xmlns:a14="http://schemas.microsoft.com/office/drawing/2010/main" w="9525">
                   <a:solidFill>
                     <a:srgbClr val="000000"/>
                   </a:solidFill>
@@ -44358,7 +46213,7 @@
             </a:ln>
             <a:extLst>
               <a:ext uri="{91240B29-F687-4f45-9708-019B960494DF}">
-                <a14:hiddenLine xmlns:a14="http://schemas.microsoft.com/office/drawing/2010/main" xmlns:p14="http://schemas.microsoft.com/office/powerpoint/2010/main" xmlns:a16="http://schemas.microsoft.com/office/drawing/2014/main" xmlns="" w="9525">
+                <a14:hiddenLine xmlns="" xmlns:a16="http://schemas.microsoft.com/office/drawing/2014/main" xmlns:p14="http://schemas.microsoft.com/office/powerpoint/2010/main" xmlns:a14="http://schemas.microsoft.com/office/drawing/2010/main" w="9525">
                   <a:solidFill>
                     <a:srgbClr val="000000"/>
                   </a:solidFill>
@@ -44442,7 +46297,7 @@
             </a:ln>
             <a:extLst>
               <a:ext uri="{91240B29-F687-4f45-9708-019B960494DF}">
-                <a14:hiddenLine xmlns:a14="http://schemas.microsoft.com/office/drawing/2010/main" xmlns:p14="http://schemas.microsoft.com/office/powerpoint/2010/main" xmlns:a16="http://schemas.microsoft.com/office/drawing/2014/main" xmlns="" w="9525">
+                <a14:hiddenLine xmlns="" xmlns:a16="http://schemas.microsoft.com/office/drawing/2014/main" xmlns:p14="http://schemas.microsoft.com/office/powerpoint/2010/main" xmlns:a14="http://schemas.microsoft.com/office/drawing/2010/main" w="9525">
                   <a:solidFill>
                     <a:srgbClr val="000000"/>
                   </a:solidFill>
@@ -44554,7 +46409,7 @@
             </a:ln>
             <a:extLst>
               <a:ext uri="{91240B29-F687-4f45-9708-019B960494DF}">
-                <a14:hiddenLine xmlns:a14="http://schemas.microsoft.com/office/drawing/2010/main" xmlns:p14="http://schemas.microsoft.com/office/powerpoint/2010/main" xmlns:a16="http://schemas.microsoft.com/office/drawing/2014/main" xmlns="" w="9525">
+                <a14:hiddenLine xmlns="" xmlns:a16="http://schemas.microsoft.com/office/drawing/2014/main" xmlns:p14="http://schemas.microsoft.com/office/powerpoint/2010/main" xmlns:a14="http://schemas.microsoft.com/office/drawing/2010/main" w="9525">
                   <a:solidFill>
                     <a:srgbClr val="000000"/>
                   </a:solidFill>
@@ -44666,7 +46521,7 @@
             </a:ln>
             <a:extLst>
               <a:ext uri="{91240B29-F687-4f45-9708-019B960494DF}">
-                <a14:hiddenLine xmlns:a14="http://schemas.microsoft.com/office/drawing/2010/main" xmlns:p14="http://schemas.microsoft.com/office/powerpoint/2010/main" xmlns:a16="http://schemas.microsoft.com/office/drawing/2014/main" xmlns="" w="9525">
+                <a14:hiddenLine xmlns="" xmlns:a16="http://schemas.microsoft.com/office/drawing/2014/main" xmlns:p14="http://schemas.microsoft.com/office/powerpoint/2010/main" xmlns:a14="http://schemas.microsoft.com/office/drawing/2010/main" w="9525">
                   <a:solidFill>
                     <a:srgbClr val="000000"/>
                   </a:solidFill>
@@ -44750,7 +46605,7 @@
             </a:ln>
             <a:extLst>
               <a:ext uri="{91240B29-F687-4f45-9708-019B960494DF}">
-                <a14:hiddenLine xmlns:a14="http://schemas.microsoft.com/office/drawing/2010/main" xmlns:p14="http://schemas.microsoft.com/office/powerpoint/2010/main" xmlns:a16="http://schemas.microsoft.com/office/drawing/2014/main" xmlns="" w="9525">
+                <a14:hiddenLine xmlns="" xmlns:a16="http://schemas.microsoft.com/office/drawing/2014/main" xmlns:p14="http://schemas.microsoft.com/office/powerpoint/2010/main" xmlns:a14="http://schemas.microsoft.com/office/drawing/2010/main" w="9525">
                   <a:solidFill>
                     <a:srgbClr val="000000"/>
                   </a:solidFill>
@@ -44882,7 +46737,7 @@
             </a:ln>
             <a:extLst>
               <a:ext uri="{91240B29-F687-4f45-9708-019B960494DF}">
-                <a14:hiddenLine xmlns:a14="http://schemas.microsoft.com/office/drawing/2010/main" xmlns:p14="http://schemas.microsoft.com/office/powerpoint/2010/main" xmlns:a16="http://schemas.microsoft.com/office/drawing/2014/main" xmlns="" w="9525">
+                <a14:hiddenLine xmlns="" xmlns:a16="http://schemas.microsoft.com/office/drawing/2014/main" xmlns:p14="http://schemas.microsoft.com/office/powerpoint/2010/main" xmlns:a14="http://schemas.microsoft.com/office/drawing/2010/main" w="9525">
                   <a:solidFill>
                     <a:srgbClr val="000000"/>
                   </a:solidFill>
@@ -45010,7 +46865,7 @@
             </a:ln>
             <a:extLst>
               <a:ext uri="{91240B29-F687-4f45-9708-019B960494DF}">
-                <a14:hiddenLine xmlns:a14="http://schemas.microsoft.com/office/drawing/2010/main" xmlns:p14="http://schemas.microsoft.com/office/powerpoint/2010/main" xmlns:a16="http://schemas.microsoft.com/office/drawing/2014/main" xmlns="" w="9525">
+                <a14:hiddenLine xmlns="" xmlns:a16="http://schemas.microsoft.com/office/drawing/2014/main" xmlns:p14="http://schemas.microsoft.com/office/powerpoint/2010/main" xmlns:a14="http://schemas.microsoft.com/office/drawing/2010/main" w="9525">
                   <a:solidFill>
                     <a:srgbClr val="000000"/>
                   </a:solidFill>
@@ -45094,7 +46949,7 @@
             </a:ln>
             <a:extLst>
               <a:ext uri="{91240B29-F687-4f45-9708-019B960494DF}">
-                <a14:hiddenLine xmlns:a14="http://schemas.microsoft.com/office/drawing/2010/main" xmlns:p14="http://schemas.microsoft.com/office/powerpoint/2010/main" xmlns:a16="http://schemas.microsoft.com/office/drawing/2014/main" xmlns="" w="9525">
+                <a14:hiddenLine xmlns="" xmlns:a16="http://schemas.microsoft.com/office/drawing/2014/main" xmlns:p14="http://schemas.microsoft.com/office/powerpoint/2010/main" xmlns:a14="http://schemas.microsoft.com/office/drawing/2010/main" w="9525">
                   <a:solidFill>
                     <a:srgbClr val="000000"/>
                   </a:solidFill>
@@ -45178,7 +47033,7 @@
             </a:ln>
             <a:extLst>
               <a:ext uri="{91240B29-F687-4f45-9708-019B960494DF}">
-                <a14:hiddenLine xmlns:a14="http://schemas.microsoft.com/office/drawing/2010/main" xmlns:p14="http://schemas.microsoft.com/office/powerpoint/2010/main" xmlns:a16="http://schemas.microsoft.com/office/drawing/2014/main" xmlns="" w="9525">
+                <a14:hiddenLine xmlns="" xmlns:a16="http://schemas.microsoft.com/office/drawing/2014/main" xmlns:p14="http://schemas.microsoft.com/office/powerpoint/2010/main" xmlns:a14="http://schemas.microsoft.com/office/drawing/2010/main" w="9525">
                   <a:solidFill>
                     <a:srgbClr val="000000"/>
                   </a:solidFill>
@@ -45290,7 +47145,7 @@
             </a:ln>
             <a:extLst>
               <a:ext uri="{91240B29-F687-4f45-9708-019B960494DF}">
-                <a14:hiddenLine xmlns:a14="http://schemas.microsoft.com/office/drawing/2010/main" xmlns:p14="http://schemas.microsoft.com/office/powerpoint/2010/main" xmlns:a16="http://schemas.microsoft.com/office/drawing/2014/main" xmlns="" w="9525">
+                <a14:hiddenLine xmlns="" xmlns:a16="http://schemas.microsoft.com/office/drawing/2014/main" xmlns:p14="http://schemas.microsoft.com/office/powerpoint/2010/main" xmlns:a14="http://schemas.microsoft.com/office/drawing/2010/main" w="9525">
                   <a:solidFill>
                     <a:srgbClr val="000000"/>
                   </a:solidFill>
@@ -45346,7 +47201,7 @@
             </a:ln>
             <a:extLst>
               <a:ext uri="{91240B29-F687-4f45-9708-019B960494DF}">
-                <a14:hiddenLine xmlns:a14="http://schemas.microsoft.com/office/drawing/2010/main" xmlns:p14="http://schemas.microsoft.com/office/powerpoint/2010/main" xmlns:a16="http://schemas.microsoft.com/office/drawing/2014/main" xmlns="" w="9525">
+                <a14:hiddenLine xmlns="" xmlns:a16="http://schemas.microsoft.com/office/drawing/2014/main" xmlns:p14="http://schemas.microsoft.com/office/powerpoint/2010/main" xmlns:a14="http://schemas.microsoft.com/office/drawing/2010/main" w="9525">
                   <a:solidFill>
                     <a:srgbClr val="000000"/>
                   </a:solidFill>
@@ -45433,7 +47288,7 @@
             </a:ln>
             <a:extLst>
               <a:ext uri="{91240B29-F687-4f45-9708-019B960494DF}">
-                <a14:hiddenLine xmlns:a14="http://schemas.microsoft.com/office/drawing/2010/main" xmlns:p14="http://schemas.microsoft.com/office/powerpoint/2010/main" xmlns:a16="http://schemas.microsoft.com/office/drawing/2014/main" xmlns="" w="9525">
+                <a14:hiddenLine xmlns="" xmlns:a16="http://schemas.microsoft.com/office/drawing/2014/main" xmlns:p14="http://schemas.microsoft.com/office/powerpoint/2010/main" xmlns:a14="http://schemas.microsoft.com/office/drawing/2010/main" w="9525">
                   <a:solidFill>
                     <a:srgbClr val="000000"/>
                   </a:solidFill>
@@ -45545,7 +47400,7 @@
             </a:ln>
             <a:extLst>
               <a:ext uri="{91240B29-F687-4f45-9708-019B960494DF}">
-                <a14:hiddenLine xmlns:a14="http://schemas.microsoft.com/office/drawing/2010/main" xmlns:p14="http://schemas.microsoft.com/office/powerpoint/2010/main" xmlns:a16="http://schemas.microsoft.com/office/drawing/2014/main" xmlns="" w="9525">
+                <a14:hiddenLine xmlns="" xmlns:a16="http://schemas.microsoft.com/office/drawing/2014/main" xmlns:p14="http://schemas.microsoft.com/office/powerpoint/2010/main" xmlns:a14="http://schemas.microsoft.com/office/drawing/2010/main" w="9525">
                   <a:solidFill>
                     <a:srgbClr val="000000"/>
                   </a:solidFill>
@@ -45629,7 +47484,7 @@
             </a:ln>
             <a:extLst>
               <a:ext uri="{91240B29-F687-4f45-9708-019B960494DF}">
-                <a14:hiddenLine xmlns:a14="http://schemas.microsoft.com/office/drawing/2010/main" xmlns:p14="http://schemas.microsoft.com/office/powerpoint/2010/main" xmlns:a16="http://schemas.microsoft.com/office/drawing/2014/main" xmlns="" w="9525">
+                <a14:hiddenLine xmlns="" xmlns:a16="http://schemas.microsoft.com/office/drawing/2014/main" xmlns:p14="http://schemas.microsoft.com/office/powerpoint/2010/main" xmlns:a14="http://schemas.microsoft.com/office/drawing/2010/main" w="9525">
                   <a:solidFill>
                     <a:srgbClr val="000000"/>
                   </a:solidFill>
@@ -45741,7 +47596,7 @@
             </a:ln>
             <a:extLst>
               <a:ext uri="{91240B29-F687-4f45-9708-019B960494DF}">
-                <a14:hiddenLine xmlns:a14="http://schemas.microsoft.com/office/drawing/2010/main" xmlns:p14="http://schemas.microsoft.com/office/powerpoint/2010/main" xmlns:a16="http://schemas.microsoft.com/office/drawing/2014/main" xmlns="" w="9525">
+                <a14:hiddenLine xmlns="" xmlns:a16="http://schemas.microsoft.com/office/drawing/2014/main" xmlns:p14="http://schemas.microsoft.com/office/powerpoint/2010/main" xmlns:a14="http://schemas.microsoft.com/office/drawing/2010/main" w="9525">
                   <a:solidFill>
                     <a:srgbClr val="000000"/>
                   </a:solidFill>
@@ -45828,7 +47683,7 @@
             </a:ln>
             <a:extLst>
               <a:ext uri="{91240B29-F687-4f45-9708-019B960494DF}">
-                <a14:hiddenLine xmlns:a14="http://schemas.microsoft.com/office/drawing/2010/main" xmlns:p14="http://schemas.microsoft.com/office/powerpoint/2010/main" xmlns:a16="http://schemas.microsoft.com/office/drawing/2014/main" xmlns="" w="9525">
+                <a14:hiddenLine xmlns="" xmlns:a16="http://schemas.microsoft.com/office/drawing/2014/main" xmlns:p14="http://schemas.microsoft.com/office/powerpoint/2010/main" xmlns:a14="http://schemas.microsoft.com/office/drawing/2010/main" w="9525">
                   <a:solidFill>
                     <a:srgbClr val="000000"/>
                   </a:solidFill>
@@ -45912,7 +47767,7 @@
             </a:ln>
             <a:extLst>
               <a:ext uri="{91240B29-F687-4f45-9708-019B960494DF}">
-                <a14:hiddenLine xmlns:a14="http://schemas.microsoft.com/office/drawing/2010/main" xmlns:p14="http://schemas.microsoft.com/office/powerpoint/2010/main" xmlns:a16="http://schemas.microsoft.com/office/drawing/2014/main" xmlns="" w="9525">
+                <a14:hiddenLine xmlns="" xmlns:a16="http://schemas.microsoft.com/office/drawing/2014/main" xmlns:p14="http://schemas.microsoft.com/office/powerpoint/2010/main" xmlns:a14="http://schemas.microsoft.com/office/drawing/2010/main" w="9525">
                   <a:solidFill>
                     <a:srgbClr val="000000"/>
                   </a:solidFill>
@@ -46024,7 +47879,7 @@
             </a:ln>
             <a:extLst>
               <a:ext uri="{91240B29-F687-4f45-9708-019B960494DF}">
-                <a14:hiddenLine xmlns:a14="http://schemas.microsoft.com/office/drawing/2010/main" xmlns:p14="http://schemas.microsoft.com/office/powerpoint/2010/main" xmlns:a16="http://schemas.microsoft.com/office/drawing/2014/main" xmlns="" w="9525">
+                <a14:hiddenLine xmlns="" xmlns:a16="http://schemas.microsoft.com/office/drawing/2014/main" xmlns:p14="http://schemas.microsoft.com/office/powerpoint/2010/main" xmlns:a14="http://schemas.microsoft.com/office/drawing/2010/main" w="9525">
                   <a:solidFill>
                     <a:srgbClr val="000000"/>
                   </a:solidFill>
@@ -46136,7 +47991,7 @@
             </a:ln>
             <a:extLst>
               <a:ext uri="{91240B29-F687-4f45-9708-019B960494DF}">
-                <a14:hiddenLine xmlns:a14="http://schemas.microsoft.com/office/drawing/2010/main" xmlns:p14="http://schemas.microsoft.com/office/powerpoint/2010/main" xmlns:a16="http://schemas.microsoft.com/office/drawing/2014/main" xmlns="" w="9525">
+                <a14:hiddenLine xmlns="" xmlns:a16="http://schemas.microsoft.com/office/drawing/2014/main" xmlns:p14="http://schemas.microsoft.com/office/powerpoint/2010/main" xmlns:a14="http://schemas.microsoft.com/office/drawing/2010/main" w="9525">
                   <a:solidFill>
                     <a:srgbClr val="000000"/>
                   </a:solidFill>
@@ -46223,7 +48078,7 @@
             </a:ln>
             <a:extLst>
               <a:ext uri="{91240B29-F687-4f45-9708-019B960494DF}">
-                <a14:hiddenLine xmlns:a14="http://schemas.microsoft.com/office/drawing/2010/main" xmlns:p14="http://schemas.microsoft.com/office/powerpoint/2010/main" xmlns:a16="http://schemas.microsoft.com/office/drawing/2014/main" xmlns="" w="9525">
+                <a14:hiddenLine xmlns="" xmlns:a16="http://schemas.microsoft.com/office/drawing/2014/main" xmlns:p14="http://schemas.microsoft.com/office/powerpoint/2010/main" xmlns:a14="http://schemas.microsoft.com/office/drawing/2010/main" w="9525">
                   <a:solidFill>
                     <a:srgbClr val="000000"/>
                   </a:solidFill>
@@ -46365,7 +48220,7 @@
             </a:ln>
             <a:extLst>
               <a:ext uri="{91240B29-F687-4f45-9708-019B960494DF}">
-                <a14:hiddenLine xmlns:a14="http://schemas.microsoft.com/office/drawing/2010/main" xmlns:p14="http://schemas.microsoft.com/office/powerpoint/2010/main" xmlns:a16="http://schemas.microsoft.com/office/drawing/2014/main" xmlns="" w="9525">
+                <a14:hiddenLine xmlns="" xmlns:a16="http://schemas.microsoft.com/office/drawing/2014/main" xmlns:p14="http://schemas.microsoft.com/office/powerpoint/2010/main" xmlns:a14="http://schemas.microsoft.com/office/drawing/2010/main" w="9525">
                   <a:solidFill>
                     <a:srgbClr val="000000"/>
                   </a:solidFill>
